--- a/TNote_presentation.pptx
+++ b/TNote_presentation.pptx
@@ -5,12 +5,17 @@
     <p:sldMasterId id="2147483648" r:id="rId1"/>
   </p:sldMasterIdLst>
   <p:sldIdLst>
-    <p:sldId id="256" r:id="rId2"/>
-    <p:sldId id="257" r:id="rId3"/>
-    <p:sldId id="258" r:id="rId4"/>
-    <p:sldId id="259" r:id="rId5"/>
-    <p:sldId id="260" r:id="rId6"/>
-    <p:sldId id="261" r:id="rId7"/>
+    <p:sldId id="262" r:id="rId2"/>
+    <p:sldId id="263" r:id="rId3"/>
+    <p:sldId id="264" r:id="rId4"/>
+    <p:sldId id="256" r:id="rId5"/>
+    <p:sldId id="257" r:id="rId6"/>
+    <p:sldId id="258" r:id="rId7"/>
+    <p:sldId id="259" r:id="rId8"/>
+    <p:sldId id="260" r:id="rId9"/>
+    <p:sldId id="261" r:id="rId10"/>
+    <p:sldId id="265" r:id="rId11"/>
+    <p:sldId id="266" r:id="rId12"/>
   </p:sldIdLst>
   <p:sldSz cx="12192000" cy="6858000"/>
   <p:notesSz cx="6858000" cy="9144000"/>
@@ -4337,6 +4342,6234 @@
           </a:prstGeom>
         </p:spPr>
       </p:pic>
+      <p:sp>
+        <p:nvSpPr>
+          <p:cNvPr id="31" name="Rectangle 30">
+            <a:extLst>
+              <a:ext uri="{FF2B5EF4-FFF2-40B4-BE49-F238E27FC236}">
+                <a16:creationId xmlns:a16="http://schemas.microsoft.com/office/drawing/2014/main" id="{0E3F1719-A51C-42D6-A0EE-5759CDCDA984}"/>
+              </a:ext>
+            </a:extLst>
+          </p:cNvPr>
+          <p:cNvSpPr/>
+          <p:nvPr/>
+        </p:nvSpPr>
+        <p:spPr>
+          <a:xfrm>
+            <a:off x="-5354" y="-1"/>
+            <a:ext cx="12190262" cy="6858000"/>
+          </a:xfrm>
+          <a:prstGeom prst="rect">
+            <a:avLst/>
+          </a:prstGeom>
+          <a:solidFill>
+            <a:srgbClr val="00F5D4"/>
+          </a:solidFill>
+        </p:spPr>
+        <p:style>
+          <a:lnRef idx="2">
+            <a:schemeClr val="accent1">
+              <a:shade val="50000"/>
+            </a:schemeClr>
+          </a:lnRef>
+          <a:fillRef idx="1">
+            <a:schemeClr val="accent1"/>
+          </a:fillRef>
+          <a:effectRef idx="0">
+            <a:schemeClr val="accent1"/>
+          </a:effectRef>
+          <a:fontRef idx="minor">
+            <a:schemeClr val="lt1"/>
+          </a:fontRef>
+        </p:style>
+        <p:txBody>
+          <a:bodyPr rtlCol="0" anchor="ctr"/>
+          <a:lstStyle/>
+          <a:p>
+            <a:pPr algn="ctr"/>
+            <a:r>
+              <a:rPr lang="en-GB" sz="4400" dirty="0" err="1"/>
+              <a:t>Helo</a:t>
+            </a:r>
+            <a:r>
+              <a:rPr lang="en-GB" sz="4400" dirty="0"/>
+              <a:t> </a:t>
+            </a:r>
+            <a:r>
+              <a:rPr lang="en-GB" sz="4400" dirty="0" err="1"/>
+              <a:t>helo</a:t>
+            </a:r>
+            <a:r>
+              <a:rPr lang="en-GB" sz="4400" dirty="0"/>
+              <a:t> </a:t>
+            </a:r>
+            <a:r>
+              <a:rPr lang="en-GB" sz="4400" dirty="0" err="1"/>
+              <a:t>sziasztok</a:t>
+            </a:r>
+            <a:r>
+              <a:rPr lang="en-GB" sz="4400" dirty="0"/>
+              <a:t>, </a:t>
+            </a:r>
+            <a:r>
+              <a:rPr lang="en-GB" sz="4400" dirty="0" err="1"/>
+              <a:t>itt</a:t>
+            </a:r>
+            <a:r>
+              <a:rPr lang="en-GB" sz="4400" dirty="0"/>
+              <a:t> a </a:t>
+            </a:r>
+            <a:r>
+              <a:rPr lang="en-GB" sz="4400" dirty="0" err="1"/>
+              <a:t>tnote</a:t>
+            </a:r>
+            <a:r>
+              <a:rPr lang="en-GB" sz="4400" dirty="0"/>
+              <a:t> </a:t>
+            </a:r>
+            <a:r>
+              <a:rPr lang="en-GB" sz="4400" dirty="0" err="1"/>
+              <a:t>csapat</a:t>
+            </a:r>
+            <a:r>
+              <a:rPr lang="en-GB" sz="4400" dirty="0"/>
+              <a:t>, a </a:t>
+            </a:r>
+            <a:r>
+              <a:rPr lang="en-GB" sz="4400" dirty="0" err="1"/>
+              <a:t>mai</a:t>
+            </a:r>
+            <a:r>
+              <a:rPr lang="en-GB" sz="4400" dirty="0"/>
+              <a:t> </a:t>
+            </a:r>
+            <a:r>
+              <a:rPr lang="en-GB" sz="4400" dirty="0" err="1"/>
+              <a:t>eloadasban</a:t>
+            </a:r>
+            <a:r>
+              <a:rPr lang="en-GB" sz="4400" dirty="0"/>
+              <a:t> </a:t>
+            </a:r>
+            <a:r>
+              <a:rPr lang="en-GB" sz="4400" dirty="0" err="1"/>
+              <a:t>epitunk</a:t>
+            </a:r>
+            <a:r>
+              <a:rPr lang="en-GB" sz="4400" dirty="0"/>
+              <a:t> 3 automata </a:t>
+            </a:r>
+            <a:r>
+              <a:rPr lang="en-GB" sz="4400" dirty="0" err="1"/>
+              <a:t>redstone</a:t>
+            </a:r>
+            <a:r>
+              <a:rPr lang="en-GB" sz="4400" dirty="0"/>
+              <a:t> </a:t>
+            </a:r>
+            <a:r>
+              <a:rPr lang="en-GB" sz="4400" dirty="0" err="1"/>
+              <a:t>sutot</a:t>
+            </a:r>
+            <a:r>
+              <a:rPr lang="en-GB" sz="4400" dirty="0"/>
+              <a:t>, 2 automata </a:t>
+            </a:r>
+            <a:r>
+              <a:rPr lang="en-GB" sz="4400" dirty="0" err="1"/>
+              <a:t>buzafarmot</a:t>
+            </a:r>
+            <a:r>
+              <a:rPr lang="en-GB" sz="4400" dirty="0"/>
+              <a:t> </a:t>
+            </a:r>
+            <a:r>
+              <a:rPr lang="en-GB" sz="4400" dirty="0" err="1"/>
+              <a:t>és</a:t>
+            </a:r>
+            <a:r>
+              <a:rPr lang="en-GB" sz="4400" dirty="0"/>
+              <a:t> ha </a:t>
+            </a:r>
+            <a:r>
+              <a:rPr lang="en-GB" sz="4400" dirty="0" err="1"/>
+              <a:t>marad</a:t>
+            </a:r>
+            <a:r>
+              <a:rPr lang="en-GB" sz="4400" dirty="0"/>
+              <a:t> </a:t>
+            </a:r>
+            <a:r>
+              <a:rPr lang="en-GB" sz="4400" dirty="0" err="1"/>
+              <a:t>ido</a:t>
+            </a:r>
+            <a:r>
+              <a:rPr lang="en-GB" sz="4400" dirty="0"/>
+              <a:t> </a:t>
+            </a:r>
+            <a:r>
+              <a:rPr lang="en-GB" sz="4400" dirty="0" err="1"/>
+              <a:t>besegitunk</a:t>
+            </a:r>
+            <a:r>
+              <a:rPr lang="en-GB" sz="4400" dirty="0"/>
+              <a:t> a Manhattan </a:t>
+            </a:r>
+            <a:r>
+              <a:rPr lang="en-GB" sz="4400" dirty="0" err="1"/>
+              <a:t>tervbe</a:t>
+            </a:r>
+            <a:r>
+              <a:rPr lang="en-GB" sz="4400" dirty="0"/>
+              <a:t> is</a:t>
+            </a:r>
+            <a:endParaRPr lang="en-US" sz="4400" dirty="0"/>
+          </a:p>
+        </p:txBody>
+      </p:sp>
+    </p:spTree>
+    <p:extLst>
+      <p:ext uri="{BB962C8B-B14F-4D97-AF65-F5344CB8AC3E}">
+        <p14:creationId xmlns:p14="http://schemas.microsoft.com/office/powerpoint/2010/main" val="2351074452"/>
+      </p:ext>
+    </p:extLst>
+  </p:cSld>
+  <p:clrMapOvr>
+    <a:masterClrMapping/>
+  </p:clrMapOvr>
+</p:sld>
+</file>
+
+<file path=ppt/slides/slide10.xml><?xml version="1.0" encoding="utf-8"?>
+<p:sld xmlns:a="http://schemas.openxmlformats.org/drawingml/2006/main" xmlns:r="http://schemas.openxmlformats.org/officeDocument/2006/relationships" xmlns:p="http://schemas.openxmlformats.org/presentationml/2006/main">
+  <p:cSld>
+    <p:bg>
+      <p:bgPr>
+        <a:solidFill>
+          <a:srgbClr val="00F5D4"/>
+        </a:solidFill>
+        <a:effectLst/>
+      </p:bgPr>
+    </p:bg>
+    <p:spTree>
+      <p:nvGrpSpPr>
+        <p:cNvPr id="1" name=""/>
+        <p:cNvGrpSpPr/>
+        <p:nvPr/>
+      </p:nvGrpSpPr>
+      <p:grpSpPr>
+        <a:xfrm>
+          <a:off x="0" y="0"/>
+          <a:ext cx="0" cy="0"/>
+          <a:chOff x="0" y="0"/>
+          <a:chExt cx="0" cy="0"/>
+        </a:xfrm>
+      </p:grpSpPr>
+      <p:grpSp>
+        <p:nvGrpSpPr>
+          <p:cNvPr id="4" name="Group 3">
+            <a:extLst>
+              <a:ext uri="{FF2B5EF4-FFF2-40B4-BE49-F238E27FC236}">
+                <a16:creationId xmlns:a16="http://schemas.microsoft.com/office/drawing/2014/main" id="{9C507828-DE51-493E-9A09-F3F1268995BF}"/>
+              </a:ext>
+            </a:extLst>
+          </p:cNvPr>
+          <p:cNvGrpSpPr/>
+          <p:nvPr/>
+        </p:nvGrpSpPr>
+        <p:grpSpPr>
+          <a:xfrm>
+            <a:off x="-841634" y="451163"/>
+            <a:ext cx="841634" cy="841634"/>
+            <a:chOff x="-841634" y="451163"/>
+            <a:chExt cx="841634" cy="841634"/>
+          </a:xfrm>
+        </p:grpSpPr>
+        <p:sp>
+          <p:nvSpPr>
+            <p:cNvPr id="5" name="Oval 4">
+              <a:extLst>
+                <a:ext uri="{FF2B5EF4-FFF2-40B4-BE49-F238E27FC236}">
+                  <a16:creationId xmlns:a16="http://schemas.microsoft.com/office/drawing/2014/main" id="{958A5FA4-FD4B-411A-873C-47D3EB738956}"/>
+                </a:ext>
+              </a:extLst>
+            </p:cNvPr>
+            <p:cNvSpPr/>
+            <p:nvPr/>
+          </p:nvSpPr>
+          <p:spPr>
+            <a:xfrm>
+              <a:off x="-841634" y="451163"/>
+              <a:ext cx="841634" cy="841634"/>
+            </a:xfrm>
+            <a:prstGeom prst="ellipse">
+              <a:avLst/>
+            </a:prstGeom>
+            <a:solidFill>
+              <a:schemeClr val="bg1"/>
+            </a:solidFill>
+            <a:ln>
+              <a:noFill/>
+            </a:ln>
+          </p:spPr>
+          <p:style>
+            <a:lnRef idx="2">
+              <a:schemeClr val="accent1">
+                <a:shade val="50000"/>
+              </a:schemeClr>
+            </a:lnRef>
+            <a:fillRef idx="1">
+              <a:schemeClr val="accent1"/>
+            </a:fillRef>
+            <a:effectRef idx="0">
+              <a:schemeClr val="accent1"/>
+            </a:effectRef>
+            <a:fontRef idx="minor">
+              <a:schemeClr val="lt1"/>
+            </a:fontRef>
+          </p:style>
+          <p:txBody>
+            <a:bodyPr rtlCol="0" anchor="ctr"/>
+            <a:lstStyle/>
+            <a:p>
+              <a:pPr algn="ctr"/>
+              <a:endParaRPr lang="en-US"/>
+            </a:p>
+          </p:txBody>
+        </p:sp>
+        <p:pic>
+          <p:nvPicPr>
+            <p:cNvPr id="6" name="Graphic 5" descr="Group of men">
+              <a:extLst>
+                <a:ext uri="{FF2B5EF4-FFF2-40B4-BE49-F238E27FC236}">
+                  <a16:creationId xmlns:a16="http://schemas.microsoft.com/office/drawing/2014/main" id="{E7106224-946E-4444-987A-80748B6FEF9F}"/>
+                </a:ext>
+              </a:extLst>
+            </p:cNvPr>
+            <p:cNvPicPr>
+              <a:picLocks noChangeAspect="1"/>
+            </p:cNvPicPr>
+            <p:nvPr/>
+          </p:nvPicPr>
+          <p:blipFill>
+            <a:blip r:embed="rId2">
+              <a:extLst>
+                <a:ext uri="{28A0092B-C50C-407E-A947-70E740481C1C}">
+                  <a14:useLocalDpi xmlns:a14="http://schemas.microsoft.com/office/drawing/2010/main" val="0"/>
+                </a:ext>
+                <a:ext uri="{96DAC541-7B7A-43D3-8B79-37D633B846F1}">
+                  <asvg:svgBlip xmlns:asvg="http://schemas.microsoft.com/office/drawing/2016/SVG/main" r:embed="rId3"/>
+                </a:ext>
+              </a:extLst>
+            </a:blip>
+            <a:stretch>
+              <a:fillRect/>
+            </a:stretch>
+          </p:blipFill>
+          <p:spPr>
+            <a:xfrm>
+              <a:off x="-715261" y="582884"/>
+              <a:ext cx="578191" cy="578191"/>
+            </a:xfrm>
+            <a:prstGeom prst="rect">
+              <a:avLst/>
+            </a:prstGeom>
+          </p:spPr>
+        </p:pic>
+      </p:grpSp>
+      <p:grpSp>
+        <p:nvGrpSpPr>
+          <p:cNvPr id="7" name="Group 6">
+            <a:extLst>
+              <a:ext uri="{FF2B5EF4-FFF2-40B4-BE49-F238E27FC236}">
+                <a16:creationId xmlns:a16="http://schemas.microsoft.com/office/drawing/2014/main" id="{8C7F269A-5075-465A-BFD2-FC015462B529}"/>
+              </a:ext>
+            </a:extLst>
+          </p:cNvPr>
+          <p:cNvGrpSpPr/>
+          <p:nvPr/>
+        </p:nvGrpSpPr>
+        <p:grpSpPr>
+          <a:xfrm>
+            <a:off x="-846979" y="1734435"/>
+            <a:ext cx="841634" cy="841634"/>
+            <a:chOff x="-846979" y="1734435"/>
+            <a:chExt cx="841634" cy="841634"/>
+          </a:xfrm>
+        </p:grpSpPr>
+        <p:sp>
+          <p:nvSpPr>
+            <p:cNvPr id="8" name="Oval 7">
+              <a:extLst>
+                <a:ext uri="{FF2B5EF4-FFF2-40B4-BE49-F238E27FC236}">
+                  <a16:creationId xmlns:a16="http://schemas.microsoft.com/office/drawing/2014/main" id="{E9967BAE-EF82-47C2-83AC-5DD4F7F4D694}"/>
+                </a:ext>
+              </a:extLst>
+            </p:cNvPr>
+            <p:cNvSpPr/>
+            <p:nvPr/>
+          </p:nvSpPr>
+          <p:spPr>
+            <a:xfrm>
+              <a:off x="-846979" y="1734435"/>
+              <a:ext cx="841634" cy="841634"/>
+            </a:xfrm>
+            <a:prstGeom prst="ellipse">
+              <a:avLst/>
+            </a:prstGeom>
+            <a:solidFill>
+              <a:schemeClr val="bg1"/>
+            </a:solidFill>
+            <a:ln>
+              <a:noFill/>
+            </a:ln>
+          </p:spPr>
+          <p:style>
+            <a:lnRef idx="2">
+              <a:schemeClr val="accent1">
+                <a:shade val="50000"/>
+              </a:schemeClr>
+            </a:lnRef>
+            <a:fillRef idx="1">
+              <a:schemeClr val="accent1"/>
+            </a:fillRef>
+            <a:effectRef idx="0">
+              <a:schemeClr val="accent1"/>
+            </a:effectRef>
+            <a:fontRef idx="minor">
+              <a:schemeClr val="lt1"/>
+            </a:fontRef>
+          </p:style>
+          <p:txBody>
+            <a:bodyPr rtlCol="0" anchor="ctr"/>
+            <a:lstStyle/>
+            <a:p>
+              <a:pPr algn="ctr"/>
+              <a:endParaRPr lang="en-US"/>
+            </a:p>
+          </p:txBody>
+        </p:sp>
+        <p:pic>
+          <p:nvPicPr>
+            <p:cNvPr id="10" name="Graphic 9" descr="Server">
+              <a:extLst>
+                <a:ext uri="{FF2B5EF4-FFF2-40B4-BE49-F238E27FC236}">
+                  <a16:creationId xmlns:a16="http://schemas.microsoft.com/office/drawing/2014/main" id="{58B53A1A-016D-4500-B813-E05D0CC310E1}"/>
+                </a:ext>
+              </a:extLst>
+            </p:cNvPr>
+            <p:cNvPicPr>
+              <a:picLocks noChangeAspect="1"/>
+            </p:cNvPicPr>
+            <p:nvPr/>
+          </p:nvPicPr>
+          <p:blipFill>
+            <a:blip r:embed="rId4">
+              <a:extLst>
+                <a:ext uri="{28A0092B-C50C-407E-A947-70E740481C1C}">
+                  <a14:useLocalDpi xmlns:a14="http://schemas.microsoft.com/office/drawing/2010/main" val="0"/>
+                </a:ext>
+                <a:ext uri="{96DAC541-7B7A-43D3-8B79-37D633B846F1}">
+                  <asvg:svgBlip xmlns:asvg="http://schemas.microsoft.com/office/drawing/2016/SVG/main" r:embed="rId5"/>
+                </a:ext>
+              </a:extLst>
+            </a:blip>
+            <a:stretch>
+              <a:fillRect/>
+            </a:stretch>
+          </p:blipFill>
+          <p:spPr>
+            <a:xfrm>
+              <a:off x="-715261" y="1875053"/>
+              <a:ext cx="578191" cy="578191"/>
+            </a:xfrm>
+            <a:prstGeom prst="rect">
+              <a:avLst/>
+            </a:prstGeom>
+          </p:spPr>
+        </p:pic>
+      </p:grpSp>
+      <p:grpSp>
+        <p:nvGrpSpPr>
+          <p:cNvPr id="11" name="Group 10">
+            <a:extLst>
+              <a:ext uri="{FF2B5EF4-FFF2-40B4-BE49-F238E27FC236}">
+                <a16:creationId xmlns:a16="http://schemas.microsoft.com/office/drawing/2014/main" id="{DE7F7D5B-5A48-4AB3-8D67-D31A60A38FAC}"/>
+              </a:ext>
+            </a:extLst>
+          </p:cNvPr>
+          <p:cNvGrpSpPr/>
+          <p:nvPr/>
+        </p:nvGrpSpPr>
+        <p:grpSpPr>
+          <a:xfrm>
+            <a:off x="-846979" y="4300979"/>
+            <a:ext cx="841634" cy="841634"/>
+            <a:chOff x="-846979" y="4300979"/>
+            <a:chExt cx="841634" cy="841634"/>
+          </a:xfrm>
+        </p:grpSpPr>
+        <p:sp>
+          <p:nvSpPr>
+            <p:cNvPr id="12" name="Oval 11">
+              <a:extLst>
+                <a:ext uri="{FF2B5EF4-FFF2-40B4-BE49-F238E27FC236}">
+                  <a16:creationId xmlns:a16="http://schemas.microsoft.com/office/drawing/2014/main" id="{E9E01B33-61A6-4242-B4FF-A04854691FDE}"/>
+                </a:ext>
+              </a:extLst>
+            </p:cNvPr>
+            <p:cNvSpPr/>
+            <p:nvPr/>
+          </p:nvSpPr>
+          <p:spPr>
+            <a:xfrm>
+              <a:off x="-846979" y="4300979"/>
+              <a:ext cx="841634" cy="841634"/>
+            </a:xfrm>
+            <a:prstGeom prst="ellipse">
+              <a:avLst/>
+            </a:prstGeom>
+            <a:solidFill>
+              <a:schemeClr val="bg1"/>
+            </a:solidFill>
+            <a:ln>
+              <a:noFill/>
+            </a:ln>
+          </p:spPr>
+          <p:style>
+            <a:lnRef idx="2">
+              <a:schemeClr val="accent1">
+                <a:shade val="50000"/>
+              </a:schemeClr>
+            </a:lnRef>
+            <a:fillRef idx="1">
+              <a:schemeClr val="accent1"/>
+            </a:fillRef>
+            <a:effectRef idx="0">
+              <a:schemeClr val="accent1"/>
+            </a:effectRef>
+            <a:fontRef idx="minor">
+              <a:schemeClr val="lt1"/>
+            </a:fontRef>
+          </p:style>
+          <p:txBody>
+            <a:bodyPr rtlCol="0" anchor="ctr"/>
+            <a:lstStyle/>
+            <a:p>
+              <a:pPr algn="ctr"/>
+              <a:endParaRPr lang="en-US"/>
+            </a:p>
+          </p:txBody>
+        </p:sp>
+        <p:pic>
+          <p:nvPicPr>
+            <p:cNvPr id="13" name="Graphic 12" descr="Computer">
+              <a:extLst>
+                <a:ext uri="{FF2B5EF4-FFF2-40B4-BE49-F238E27FC236}">
+                  <a16:creationId xmlns:a16="http://schemas.microsoft.com/office/drawing/2014/main" id="{A6A2E44F-239C-425E-BEDB-CCB28AA28FC4}"/>
+                </a:ext>
+              </a:extLst>
+            </p:cNvPr>
+            <p:cNvPicPr>
+              <a:picLocks noChangeAspect="1"/>
+            </p:cNvPicPr>
+            <p:nvPr/>
+          </p:nvPicPr>
+          <p:blipFill>
+            <a:blip r:embed="rId6">
+              <a:extLst>
+                <a:ext uri="{28A0092B-C50C-407E-A947-70E740481C1C}">
+                  <a14:useLocalDpi xmlns:a14="http://schemas.microsoft.com/office/drawing/2010/main" val="0"/>
+                </a:ext>
+                <a:ext uri="{96DAC541-7B7A-43D3-8B79-37D633B846F1}">
+                  <asvg:svgBlip xmlns:asvg="http://schemas.microsoft.com/office/drawing/2016/SVG/main" r:embed="rId7"/>
+                </a:ext>
+              </a:extLst>
+            </a:blip>
+            <a:stretch>
+              <a:fillRect/>
+            </a:stretch>
+          </p:blipFill>
+          <p:spPr>
+            <a:xfrm>
+              <a:off x="-715262" y="4432700"/>
+              <a:ext cx="578191" cy="578191"/>
+            </a:xfrm>
+            <a:prstGeom prst="rect">
+              <a:avLst/>
+            </a:prstGeom>
+          </p:spPr>
+        </p:pic>
+      </p:grpSp>
+      <p:grpSp>
+        <p:nvGrpSpPr>
+          <p:cNvPr id="14" name="Group 13">
+            <a:extLst>
+              <a:ext uri="{FF2B5EF4-FFF2-40B4-BE49-F238E27FC236}">
+                <a16:creationId xmlns:a16="http://schemas.microsoft.com/office/drawing/2014/main" id="{E1CAD16B-1D17-4D12-8BC0-E5B388FACF65}"/>
+              </a:ext>
+            </a:extLst>
+          </p:cNvPr>
+          <p:cNvGrpSpPr/>
+          <p:nvPr/>
+        </p:nvGrpSpPr>
+        <p:grpSpPr>
+          <a:xfrm>
+            <a:off x="1030161" y="5584251"/>
+            <a:ext cx="841634" cy="841634"/>
+            <a:chOff x="-846981" y="5584251"/>
+            <a:chExt cx="841634" cy="841634"/>
+          </a:xfrm>
+        </p:grpSpPr>
+        <p:sp>
+          <p:nvSpPr>
+            <p:cNvPr id="15" name="Oval 14">
+              <a:extLst>
+                <a:ext uri="{FF2B5EF4-FFF2-40B4-BE49-F238E27FC236}">
+                  <a16:creationId xmlns:a16="http://schemas.microsoft.com/office/drawing/2014/main" id="{A532907E-0D7D-4621-B7C6-63DF09B03455}"/>
+                </a:ext>
+              </a:extLst>
+            </p:cNvPr>
+            <p:cNvSpPr/>
+            <p:nvPr/>
+          </p:nvSpPr>
+          <p:spPr>
+            <a:xfrm>
+              <a:off x="-846981" y="5584251"/>
+              <a:ext cx="841634" cy="841634"/>
+            </a:xfrm>
+            <a:prstGeom prst="ellipse">
+              <a:avLst/>
+            </a:prstGeom>
+            <a:solidFill>
+              <a:schemeClr val="bg1"/>
+            </a:solidFill>
+            <a:ln>
+              <a:noFill/>
+            </a:ln>
+          </p:spPr>
+          <p:style>
+            <a:lnRef idx="2">
+              <a:schemeClr val="accent1">
+                <a:shade val="50000"/>
+              </a:schemeClr>
+            </a:lnRef>
+            <a:fillRef idx="1">
+              <a:schemeClr val="accent1"/>
+            </a:fillRef>
+            <a:effectRef idx="0">
+              <a:schemeClr val="accent1"/>
+            </a:effectRef>
+            <a:fontRef idx="minor">
+              <a:schemeClr val="lt1"/>
+            </a:fontRef>
+          </p:style>
+          <p:txBody>
+            <a:bodyPr rtlCol="0" anchor="ctr"/>
+            <a:lstStyle/>
+            <a:p>
+              <a:pPr algn="ctr"/>
+              <a:endParaRPr lang="en-US"/>
+            </a:p>
+          </p:txBody>
+        </p:sp>
+        <p:pic>
+          <p:nvPicPr>
+            <p:cNvPr id="16" name="Graphic 15" descr="Web design">
+              <a:extLst>
+                <a:ext uri="{FF2B5EF4-FFF2-40B4-BE49-F238E27FC236}">
+                  <a16:creationId xmlns:a16="http://schemas.microsoft.com/office/drawing/2014/main" id="{296F80FA-8B94-4761-8C43-5328BBFCAB59}"/>
+                </a:ext>
+              </a:extLst>
+            </p:cNvPr>
+            <p:cNvPicPr>
+              <a:picLocks noChangeAspect="1"/>
+            </p:cNvPicPr>
+            <p:nvPr/>
+          </p:nvPicPr>
+          <p:blipFill>
+            <a:blip r:embed="rId8">
+              <a:extLst>
+                <a:ext uri="{28A0092B-C50C-407E-A947-70E740481C1C}">
+                  <a14:useLocalDpi xmlns:a14="http://schemas.microsoft.com/office/drawing/2010/main" val="0"/>
+                </a:ext>
+                <a:ext uri="{96DAC541-7B7A-43D3-8B79-37D633B846F1}">
+                  <asvg:svgBlip xmlns:asvg="http://schemas.microsoft.com/office/drawing/2016/SVG/main" r:embed="rId9"/>
+                </a:ext>
+              </a:extLst>
+            </a:blip>
+            <a:stretch>
+              <a:fillRect/>
+            </a:stretch>
+          </p:blipFill>
+          <p:spPr>
+            <a:xfrm>
+              <a:off x="-715257" y="5715972"/>
+              <a:ext cx="578191" cy="578191"/>
+            </a:xfrm>
+            <a:prstGeom prst="rect">
+              <a:avLst/>
+            </a:prstGeom>
+          </p:spPr>
+        </p:pic>
+      </p:grpSp>
+      <p:grpSp>
+        <p:nvGrpSpPr>
+          <p:cNvPr id="22" name="Group 21">
+            <a:extLst>
+              <a:ext uri="{FF2B5EF4-FFF2-40B4-BE49-F238E27FC236}">
+                <a16:creationId xmlns:a16="http://schemas.microsoft.com/office/drawing/2014/main" id="{0A71A0A1-DE7A-456D-9033-9C50D6439C51}"/>
+              </a:ext>
+            </a:extLst>
+          </p:cNvPr>
+          <p:cNvGrpSpPr/>
+          <p:nvPr/>
+        </p:nvGrpSpPr>
+        <p:grpSpPr>
+          <a:xfrm>
+            <a:off x="-828728" y="3008183"/>
+            <a:ext cx="841634" cy="841634"/>
+            <a:chOff x="5675183" y="3005477"/>
+            <a:chExt cx="841634" cy="841634"/>
+          </a:xfrm>
+        </p:grpSpPr>
+        <p:sp>
+          <p:nvSpPr>
+            <p:cNvPr id="23" name="Oval 22">
+              <a:extLst>
+                <a:ext uri="{FF2B5EF4-FFF2-40B4-BE49-F238E27FC236}">
+                  <a16:creationId xmlns:a16="http://schemas.microsoft.com/office/drawing/2014/main" id="{5B0BBA2C-87BF-4AF7-A128-FB0F1B8A2958}"/>
+                </a:ext>
+              </a:extLst>
+            </p:cNvPr>
+            <p:cNvSpPr/>
+            <p:nvPr/>
+          </p:nvSpPr>
+          <p:spPr>
+            <a:xfrm>
+              <a:off x="5675183" y="3005477"/>
+              <a:ext cx="841634" cy="841634"/>
+            </a:xfrm>
+            <a:prstGeom prst="ellipse">
+              <a:avLst/>
+            </a:prstGeom>
+            <a:solidFill>
+              <a:srgbClr val="FFFFFF"/>
+            </a:solidFill>
+            <a:ln>
+              <a:noFill/>
+            </a:ln>
+          </p:spPr>
+          <p:style>
+            <a:lnRef idx="2">
+              <a:schemeClr val="accent1">
+                <a:shade val="50000"/>
+              </a:schemeClr>
+            </a:lnRef>
+            <a:fillRef idx="1">
+              <a:schemeClr val="accent1"/>
+            </a:fillRef>
+            <a:effectRef idx="0">
+              <a:schemeClr val="accent1"/>
+            </a:effectRef>
+            <a:fontRef idx="minor">
+              <a:schemeClr val="lt1"/>
+            </a:fontRef>
+          </p:style>
+          <p:txBody>
+            <a:bodyPr rtlCol="0" anchor="ctr"/>
+            <a:lstStyle/>
+            <a:p>
+              <a:pPr algn="ctr"/>
+              <a:endParaRPr lang="en-US"/>
+            </a:p>
+          </p:txBody>
+        </p:sp>
+        <p:pic>
+          <p:nvPicPr>
+            <p:cNvPr id="24" name="Graphic 23" descr="Smart Phone">
+              <a:extLst>
+                <a:ext uri="{FF2B5EF4-FFF2-40B4-BE49-F238E27FC236}">
+                  <a16:creationId xmlns:a16="http://schemas.microsoft.com/office/drawing/2014/main" id="{F66CA1DF-6C16-4A23-8DDB-4734275456CC}"/>
+                </a:ext>
+              </a:extLst>
+            </p:cNvPr>
+            <p:cNvPicPr>
+              <a:picLocks noChangeAspect="1"/>
+            </p:cNvPicPr>
+            <p:nvPr/>
+          </p:nvPicPr>
+          <p:blipFill>
+            <a:blip r:embed="rId10">
+              <a:extLst>
+                <a:ext uri="{28A0092B-C50C-407E-A947-70E740481C1C}">
+                  <a14:useLocalDpi xmlns:a14="http://schemas.microsoft.com/office/drawing/2010/main" val="0"/>
+                </a:ext>
+                <a:ext uri="{96DAC541-7B7A-43D3-8B79-37D633B846F1}">
+                  <asvg:svgBlip xmlns:asvg="http://schemas.microsoft.com/office/drawing/2016/SVG/main" r:embed="rId11"/>
+                </a:ext>
+              </a:extLst>
+            </a:blip>
+            <a:stretch>
+              <a:fillRect/>
+            </a:stretch>
+          </p:blipFill>
+          <p:spPr>
+            <a:xfrm flipV="1">
+              <a:off x="5806902" y="3137198"/>
+              <a:ext cx="578191" cy="578191"/>
+            </a:xfrm>
+            <a:prstGeom prst="rect">
+              <a:avLst/>
+            </a:prstGeom>
+          </p:spPr>
+        </p:pic>
+      </p:grpSp>
+      <p:sp>
+        <p:nvSpPr>
+          <p:cNvPr id="3" name="Freeform: Shape 2">
+            <a:extLst>
+              <a:ext uri="{FF2B5EF4-FFF2-40B4-BE49-F238E27FC236}">
+                <a16:creationId xmlns:a16="http://schemas.microsoft.com/office/drawing/2014/main" id="{D738CF23-EC33-442B-B7BB-E38825B9DCA2}"/>
+              </a:ext>
+            </a:extLst>
+          </p:cNvPr>
+          <p:cNvSpPr/>
+          <p:nvPr/>
+        </p:nvSpPr>
+        <p:spPr>
+          <a:xfrm rot="10800000">
+            <a:off x="1739" y="-11344472"/>
+            <a:ext cx="1449238" cy="23553174"/>
+          </a:xfrm>
+          <a:custGeom>
+            <a:avLst/>
+            <a:gdLst>
+              <a:gd name="connsiteX0" fmla="*/ 0 w 1449238"/>
+              <a:gd name="connsiteY0" fmla="*/ 23553174 h 23553174"/>
+              <a:gd name="connsiteX1" fmla="*/ 0 w 1449238"/>
+              <a:gd name="connsiteY1" fmla="*/ 7057620 h 23553174"/>
+              <a:gd name="connsiteX2" fmla="*/ 828826 w 1449238"/>
+              <a:gd name="connsiteY2" fmla="*/ 6213536 h 23553174"/>
+              <a:gd name="connsiteX3" fmla="*/ 0 w 1449238"/>
+              <a:gd name="connsiteY3" fmla="*/ 5369453 h 23553174"/>
+              <a:gd name="connsiteX4" fmla="*/ 0 w 1449238"/>
+              <a:gd name="connsiteY4" fmla="*/ 0 h 23553174"/>
+              <a:gd name="connsiteX5" fmla="*/ 1449238 w 1449238"/>
+              <a:gd name="connsiteY5" fmla="*/ 0 h 23553174"/>
+              <a:gd name="connsiteX6" fmla="*/ 1449238 w 1449238"/>
+              <a:gd name="connsiteY6" fmla="*/ 23553174 h 23553174"/>
+              <a:gd name="connsiteX0" fmla="*/ 0 w 1449238"/>
+              <a:gd name="connsiteY0" fmla="*/ 23553174 h 23553174"/>
+              <a:gd name="connsiteX1" fmla="*/ 0 w 1449238"/>
+              <a:gd name="connsiteY1" fmla="*/ 7057620 h 23553174"/>
+              <a:gd name="connsiteX2" fmla="*/ 828826 w 1449238"/>
+              <a:gd name="connsiteY2" fmla="*/ 6213536 h 23553174"/>
+              <a:gd name="connsiteX3" fmla="*/ 0 w 1449238"/>
+              <a:gd name="connsiteY3" fmla="*/ 5369453 h 23553174"/>
+              <a:gd name="connsiteX4" fmla="*/ 0 w 1449238"/>
+              <a:gd name="connsiteY4" fmla="*/ 0 h 23553174"/>
+              <a:gd name="connsiteX5" fmla="*/ 1449238 w 1449238"/>
+              <a:gd name="connsiteY5" fmla="*/ 0 h 23553174"/>
+              <a:gd name="connsiteX6" fmla="*/ 1449238 w 1449238"/>
+              <a:gd name="connsiteY6" fmla="*/ 23553174 h 23553174"/>
+              <a:gd name="connsiteX7" fmla="*/ 0 w 1449238"/>
+              <a:gd name="connsiteY7" fmla="*/ 23553174 h 23553174"/>
+              <a:gd name="connsiteX0" fmla="*/ 0 w 1449238"/>
+              <a:gd name="connsiteY0" fmla="*/ 23553174 h 23553174"/>
+              <a:gd name="connsiteX1" fmla="*/ 0 w 1449238"/>
+              <a:gd name="connsiteY1" fmla="*/ 7057620 h 23553174"/>
+              <a:gd name="connsiteX2" fmla="*/ 828826 w 1449238"/>
+              <a:gd name="connsiteY2" fmla="*/ 6213536 h 23553174"/>
+              <a:gd name="connsiteX3" fmla="*/ 0 w 1449238"/>
+              <a:gd name="connsiteY3" fmla="*/ 5369453 h 23553174"/>
+              <a:gd name="connsiteX4" fmla="*/ 0 w 1449238"/>
+              <a:gd name="connsiteY4" fmla="*/ 0 h 23553174"/>
+              <a:gd name="connsiteX5" fmla="*/ 1449238 w 1449238"/>
+              <a:gd name="connsiteY5" fmla="*/ 0 h 23553174"/>
+              <a:gd name="connsiteX6" fmla="*/ 1449238 w 1449238"/>
+              <a:gd name="connsiteY6" fmla="*/ 23553174 h 23553174"/>
+              <a:gd name="connsiteX7" fmla="*/ 0 w 1449238"/>
+              <a:gd name="connsiteY7" fmla="*/ 23553174 h 23553174"/>
+              <a:gd name="connsiteX0" fmla="*/ 0 w 1449238"/>
+              <a:gd name="connsiteY0" fmla="*/ 23553174 h 23553174"/>
+              <a:gd name="connsiteX1" fmla="*/ 0 w 1449238"/>
+              <a:gd name="connsiteY1" fmla="*/ 7057620 h 23553174"/>
+              <a:gd name="connsiteX2" fmla="*/ 828826 w 1449238"/>
+              <a:gd name="connsiteY2" fmla="*/ 6213536 h 23553174"/>
+              <a:gd name="connsiteX3" fmla="*/ 0 w 1449238"/>
+              <a:gd name="connsiteY3" fmla="*/ 5369453 h 23553174"/>
+              <a:gd name="connsiteX4" fmla="*/ 0 w 1449238"/>
+              <a:gd name="connsiteY4" fmla="*/ 0 h 23553174"/>
+              <a:gd name="connsiteX5" fmla="*/ 1449238 w 1449238"/>
+              <a:gd name="connsiteY5" fmla="*/ 0 h 23553174"/>
+              <a:gd name="connsiteX6" fmla="*/ 1449238 w 1449238"/>
+              <a:gd name="connsiteY6" fmla="*/ 23553174 h 23553174"/>
+              <a:gd name="connsiteX7" fmla="*/ 0 w 1449238"/>
+              <a:gd name="connsiteY7" fmla="*/ 23553174 h 23553174"/>
+              <a:gd name="connsiteX0" fmla="*/ 0 w 1449238"/>
+              <a:gd name="connsiteY0" fmla="*/ 23553174 h 23553174"/>
+              <a:gd name="connsiteX1" fmla="*/ 0 w 1449238"/>
+              <a:gd name="connsiteY1" fmla="*/ 7057620 h 23553174"/>
+              <a:gd name="connsiteX2" fmla="*/ 828826 w 1449238"/>
+              <a:gd name="connsiteY2" fmla="*/ 6213536 h 23553174"/>
+              <a:gd name="connsiteX3" fmla="*/ 0 w 1449238"/>
+              <a:gd name="connsiteY3" fmla="*/ 5369453 h 23553174"/>
+              <a:gd name="connsiteX4" fmla="*/ 0 w 1449238"/>
+              <a:gd name="connsiteY4" fmla="*/ 0 h 23553174"/>
+              <a:gd name="connsiteX5" fmla="*/ 1449238 w 1449238"/>
+              <a:gd name="connsiteY5" fmla="*/ 0 h 23553174"/>
+              <a:gd name="connsiteX6" fmla="*/ 1449238 w 1449238"/>
+              <a:gd name="connsiteY6" fmla="*/ 23553174 h 23553174"/>
+              <a:gd name="connsiteX7" fmla="*/ 0 w 1449238"/>
+              <a:gd name="connsiteY7" fmla="*/ 23553174 h 23553174"/>
+              <a:gd name="connsiteX0" fmla="*/ 0 w 1449238"/>
+              <a:gd name="connsiteY0" fmla="*/ 23553174 h 23553174"/>
+              <a:gd name="connsiteX1" fmla="*/ 0 w 1449238"/>
+              <a:gd name="connsiteY1" fmla="*/ 7057620 h 23553174"/>
+              <a:gd name="connsiteX2" fmla="*/ 581176 w 1449238"/>
+              <a:gd name="connsiteY2" fmla="*/ 6213536 h 23553174"/>
+              <a:gd name="connsiteX3" fmla="*/ 0 w 1449238"/>
+              <a:gd name="connsiteY3" fmla="*/ 5369453 h 23553174"/>
+              <a:gd name="connsiteX4" fmla="*/ 0 w 1449238"/>
+              <a:gd name="connsiteY4" fmla="*/ 0 h 23553174"/>
+              <a:gd name="connsiteX5" fmla="*/ 1449238 w 1449238"/>
+              <a:gd name="connsiteY5" fmla="*/ 0 h 23553174"/>
+              <a:gd name="connsiteX6" fmla="*/ 1449238 w 1449238"/>
+              <a:gd name="connsiteY6" fmla="*/ 23553174 h 23553174"/>
+              <a:gd name="connsiteX7" fmla="*/ 0 w 1449238"/>
+              <a:gd name="connsiteY7" fmla="*/ 23553174 h 23553174"/>
+              <a:gd name="connsiteX0" fmla="*/ 0 w 1449238"/>
+              <a:gd name="connsiteY0" fmla="*/ 23553174 h 23553174"/>
+              <a:gd name="connsiteX1" fmla="*/ 0 w 1449238"/>
+              <a:gd name="connsiteY1" fmla="*/ 7057620 h 23553174"/>
+              <a:gd name="connsiteX2" fmla="*/ 564507 w 1449238"/>
+              <a:gd name="connsiteY2" fmla="*/ 6215918 h 23553174"/>
+              <a:gd name="connsiteX3" fmla="*/ 0 w 1449238"/>
+              <a:gd name="connsiteY3" fmla="*/ 5369453 h 23553174"/>
+              <a:gd name="connsiteX4" fmla="*/ 0 w 1449238"/>
+              <a:gd name="connsiteY4" fmla="*/ 0 h 23553174"/>
+              <a:gd name="connsiteX5" fmla="*/ 1449238 w 1449238"/>
+              <a:gd name="connsiteY5" fmla="*/ 0 h 23553174"/>
+              <a:gd name="connsiteX6" fmla="*/ 1449238 w 1449238"/>
+              <a:gd name="connsiteY6" fmla="*/ 23553174 h 23553174"/>
+              <a:gd name="connsiteX7" fmla="*/ 0 w 1449238"/>
+              <a:gd name="connsiteY7" fmla="*/ 23553174 h 23553174"/>
+            </a:gdLst>
+            <a:ahLst/>
+            <a:cxnLst>
+              <a:cxn ang="0">
+                <a:pos x="connsiteX0" y="connsiteY0"/>
+              </a:cxn>
+              <a:cxn ang="0">
+                <a:pos x="connsiteX1" y="connsiteY1"/>
+              </a:cxn>
+              <a:cxn ang="0">
+                <a:pos x="connsiteX2" y="connsiteY2"/>
+              </a:cxn>
+              <a:cxn ang="0">
+                <a:pos x="connsiteX3" y="connsiteY3"/>
+              </a:cxn>
+              <a:cxn ang="0">
+                <a:pos x="connsiteX4" y="connsiteY4"/>
+              </a:cxn>
+              <a:cxn ang="0">
+                <a:pos x="connsiteX5" y="connsiteY5"/>
+              </a:cxn>
+              <a:cxn ang="0">
+                <a:pos x="connsiteX6" y="connsiteY6"/>
+              </a:cxn>
+              <a:cxn ang="0">
+                <a:pos x="connsiteX7" y="connsiteY7"/>
+              </a:cxn>
+            </a:cxnLst>
+            <a:rect l="l" t="t" r="r" b="b"/>
+            <a:pathLst>
+              <a:path w="1449238" h="23553174">
+                <a:moveTo>
+                  <a:pt x="0" y="23553174"/>
+                </a:moveTo>
+                <a:lnTo>
+                  <a:pt x="0" y="7057620"/>
+                </a:lnTo>
+                <a:cubicBezTo>
+                  <a:pt x="4812" y="6633384"/>
+                  <a:pt x="564557" y="6719529"/>
+                  <a:pt x="564507" y="6215918"/>
+                </a:cubicBezTo>
+                <a:cubicBezTo>
+                  <a:pt x="564457" y="5712307"/>
+                  <a:pt x="2431" y="5798452"/>
+                  <a:pt x="0" y="5369453"/>
+                </a:cubicBezTo>
+                <a:lnTo>
+                  <a:pt x="0" y="0"/>
+                </a:lnTo>
+                <a:lnTo>
+                  <a:pt x="1449238" y="0"/>
+                </a:lnTo>
+                <a:lnTo>
+                  <a:pt x="1449238" y="23553174"/>
+                </a:lnTo>
+                <a:lnTo>
+                  <a:pt x="0" y="23553174"/>
+                </a:lnTo>
+                <a:close/>
+              </a:path>
+            </a:pathLst>
+          </a:custGeom>
+          <a:solidFill>
+            <a:schemeClr val="bg1"/>
+          </a:solidFill>
+          <a:ln>
+            <a:noFill/>
+          </a:ln>
+        </p:spPr>
+        <p:style>
+          <a:lnRef idx="2">
+            <a:schemeClr val="accent1">
+              <a:shade val="50000"/>
+            </a:schemeClr>
+          </a:lnRef>
+          <a:fillRef idx="1">
+            <a:schemeClr val="accent1"/>
+          </a:fillRef>
+          <a:effectRef idx="0">
+            <a:schemeClr val="accent1"/>
+          </a:effectRef>
+          <a:fontRef idx="minor">
+            <a:schemeClr val="lt1"/>
+          </a:fontRef>
+        </p:style>
+        <p:txBody>
+          <a:bodyPr wrap="square" rtlCol="0" anchor="ctr">
+            <a:noAutofit/>
+          </a:bodyPr>
+          <a:lstStyle/>
+          <a:p>
+            <a:pPr algn="ctr"/>
+            <a:endParaRPr lang="en-US"/>
+          </a:p>
+        </p:txBody>
+      </p:sp>
+      <p:pic>
+        <p:nvPicPr>
+          <p:cNvPr id="17" name="Graphic 16" descr="Group of men">
+            <a:hlinkClick r:id="rId12" action="ppaction://hlinksldjump"/>
+            <a:extLst>
+              <a:ext uri="{FF2B5EF4-FFF2-40B4-BE49-F238E27FC236}">
+                <a16:creationId xmlns:a16="http://schemas.microsoft.com/office/drawing/2014/main" id="{9491F1DE-5CA9-49F1-8485-33A50DBA99EC}"/>
+              </a:ext>
+            </a:extLst>
+          </p:cNvPr>
+          <p:cNvPicPr>
+            <a:picLocks noChangeAspect="1"/>
+          </p:cNvPicPr>
+          <p:nvPr/>
+        </p:nvPicPr>
+        <p:blipFill>
+          <a:blip r:embed="rId13">
+            <a:extLst>
+              <a:ext uri="{28A0092B-C50C-407E-A947-70E740481C1C}">
+                <a14:useLocalDpi xmlns:a14="http://schemas.microsoft.com/office/drawing/2010/main" val="0"/>
+              </a:ext>
+              <a:ext uri="{96DAC541-7B7A-43D3-8B79-37D633B846F1}">
+                <asvg:svgBlip xmlns:asvg="http://schemas.microsoft.com/office/drawing/2016/SVG/main" r:embed="rId14"/>
+              </a:ext>
+            </a:extLst>
+          </a:blip>
+          <a:stretch>
+            <a:fillRect/>
+          </a:stretch>
+        </p:blipFill>
+        <p:spPr>
+          <a:xfrm>
+            <a:off x="437264" y="582884"/>
+            <a:ext cx="578191" cy="578191"/>
+          </a:xfrm>
+          <a:prstGeom prst="rect">
+            <a:avLst/>
+          </a:prstGeom>
+        </p:spPr>
+      </p:pic>
+      <p:pic>
+        <p:nvPicPr>
+          <p:cNvPr id="18" name="Graphic 17" descr="Server">
+            <a:hlinkClick r:id="rId15" action="ppaction://hlinksldjump"/>
+            <a:extLst>
+              <a:ext uri="{FF2B5EF4-FFF2-40B4-BE49-F238E27FC236}">
+                <a16:creationId xmlns:a16="http://schemas.microsoft.com/office/drawing/2014/main" id="{70FAF315-2050-4C29-B39C-81C398368162}"/>
+              </a:ext>
+            </a:extLst>
+          </p:cNvPr>
+          <p:cNvPicPr>
+            <a:picLocks noChangeAspect="1"/>
+          </p:cNvPicPr>
+          <p:nvPr/>
+        </p:nvPicPr>
+        <p:blipFill>
+          <a:blip r:embed="rId16">
+            <a:extLst>
+              <a:ext uri="{28A0092B-C50C-407E-A947-70E740481C1C}">
+                <a14:useLocalDpi xmlns:a14="http://schemas.microsoft.com/office/drawing/2010/main" val="0"/>
+              </a:ext>
+              <a:ext uri="{96DAC541-7B7A-43D3-8B79-37D633B846F1}">
+                <asvg:svgBlip xmlns:asvg="http://schemas.microsoft.com/office/drawing/2016/SVG/main" r:embed="rId17"/>
+              </a:ext>
+            </a:extLst>
+          </a:blip>
+          <a:stretch>
+            <a:fillRect/>
+          </a:stretch>
+        </p:blipFill>
+        <p:spPr>
+          <a:xfrm>
+            <a:off x="437264" y="1875053"/>
+            <a:ext cx="578191" cy="578191"/>
+          </a:xfrm>
+          <a:prstGeom prst="rect">
+            <a:avLst/>
+          </a:prstGeom>
+        </p:spPr>
+      </p:pic>
+      <p:pic>
+        <p:nvPicPr>
+          <p:cNvPr id="19" name="Graphic 18" descr="Smart Phone">
+            <a:hlinkClick r:id="rId18" action="ppaction://hlinksldjump"/>
+            <a:extLst>
+              <a:ext uri="{FF2B5EF4-FFF2-40B4-BE49-F238E27FC236}">
+                <a16:creationId xmlns:a16="http://schemas.microsoft.com/office/drawing/2014/main" id="{0BC96FA7-D314-4715-A35A-2B02AB116C4D}"/>
+              </a:ext>
+            </a:extLst>
+          </p:cNvPr>
+          <p:cNvPicPr>
+            <a:picLocks noChangeAspect="1"/>
+          </p:cNvPicPr>
+          <p:nvPr/>
+        </p:nvPicPr>
+        <p:blipFill>
+          <a:blip r:embed="rId19">
+            <a:extLst>
+              <a:ext uri="{28A0092B-C50C-407E-A947-70E740481C1C}">
+                <a14:useLocalDpi xmlns:a14="http://schemas.microsoft.com/office/drawing/2010/main" val="0"/>
+              </a:ext>
+              <a:ext uri="{96DAC541-7B7A-43D3-8B79-37D633B846F1}">
+                <asvg:svgBlip xmlns:asvg="http://schemas.microsoft.com/office/drawing/2016/SVG/main" r:embed="rId20"/>
+              </a:ext>
+            </a:extLst>
+          </a:blip>
+          <a:stretch>
+            <a:fillRect/>
+          </a:stretch>
+        </p:blipFill>
+        <p:spPr>
+          <a:xfrm flipV="1">
+            <a:off x="437265" y="3149428"/>
+            <a:ext cx="578191" cy="578191"/>
+          </a:xfrm>
+          <a:prstGeom prst="rect">
+            <a:avLst/>
+          </a:prstGeom>
+        </p:spPr>
+      </p:pic>
+      <p:pic>
+        <p:nvPicPr>
+          <p:cNvPr id="20" name="Graphic 19" descr="Computer">
+            <a:hlinkClick r:id="rId21" action="ppaction://hlinksldjump"/>
+            <a:extLst>
+              <a:ext uri="{FF2B5EF4-FFF2-40B4-BE49-F238E27FC236}">
+                <a16:creationId xmlns:a16="http://schemas.microsoft.com/office/drawing/2014/main" id="{E4F4C65A-89DA-4982-9A59-AD1713751218}"/>
+              </a:ext>
+            </a:extLst>
+          </p:cNvPr>
+          <p:cNvPicPr>
+            <a:picLocks noChangeAspect="1"/>
+          </p:cNvPicPr>
+          <p:nvPr/>
+        </p:nvPicPr>
+        <p:blipFill>
+          <a:blip r:embed="rId22">
+            <a:extLst>
+              <a:ext uri="{28A0092B-C50C-407E-A947-70E740481C1C}">
+                <a14:useLocalDpi xmlns:a14="http://schemas.microsoft.com/office/drawing/2010/main" val="0"/>
+              </a:ext>
+              <a:ext uri="{96DAC541-7B7A-43D3-8B79-37D633B846F1}">
+                <asvg:svgBlip xmlns:asvg="http://schemas.microsoft.com/office/drawing/2016/SVG/main" r:embed="rId23"/>
+              </a:ext>
+            </a:extLst>
+          </a:blip>
+          <a:stretch>
+            <a:fillRect/>
+          </a:stretch>
+        </p:blipFill>
+        <p:spPr>
+          <a:xfrm>
+            <a:off x="437263" y="4432700"/>
+            <a:ext cx="578191" cy="578191"/>
+          </a:xfrm>
+          <a:prstGeom prst="rect">
+            <a:avLst/>
+          </a:prstGeom>
+        </p:spPr>
+      </p:pic>
+      <p:pic>
+        <p:nvPicPr>
+          <p:cNvPr id="21" name="Graphic 20" descr="Web design">
+            <a:hlinkClick r:id="rId24" action="ppaction://hlinksldjump"/>
+            <a:extLst>
+              <a:ext uri="{FF2B5EF4-FFF2-40B4-BE49-F238E27FC236}">
+                <a16:creationId xmlns:a16="http://schemas.microsoft.com/office/drawing/2014/main" id="{01BAAD71-96DE-4E38-9F58-068AC272A24B}"/>
+              </a:ext>
+            </a:extLst>
+          </p:cNvPr>
+          <p:cNvPicPr>
+            <a:picLocks noChangeAspect="1"/>
+          </p:cNvPicPr>
+          <p:nvPr/>
+        </p:nvPicPr>
+        <p:blipFill>
+          <a:blip r:embed="rId25">
+            <a:extLst>
+              <a:ext uri="{28A0092B-C50C-407E-A947-70E740481C1C}">
+                <a14:useLocalDpi xmlns:a14="http://schemas.microsoft.com/office/drawing/2010/main" val="0"/>
+              </a:ext>
+              <a:ext uri="{96DAC541-7B7A-43D3-8B79-37D633B846F1}">
+                <asvg:svgBlip xmlns:asvg="http://schemas.microsoft.com/office/drawing/2016/SVG/main" r:embed="rId26"/>
+              </a:ext>
+            </a:extLst>
+          </a:blip>
+          <a:stretch>
+            <a:fillRect/>
+          </a:stretch>
+        </p:blipFill>
+        <p:spPr>
+          <a:xfrm>
+            <a:off x="437268" y="5715972"/>
+            <a:ext cx="578191" cy="578191"/>
+          </a:xfrm>
+          <a:prstGeom prst="rect">
+            <a:avLst/>
+          </a:prstGeom>
+        </p:spPr>
+      </p:pic>
+      <p:sp>
+        <p:nvSpPr>
+          <p:cNvPr id="2" name="Rectangle 1">
+            <a:extLst>
+              <a:ext uri="{FF2B5EF4-FFF2-40B4-BE49-F238E27FC236}">
+                <a16:creationId xmlns:a16="http://schemas.microsoft.com/office/drawing/2014/main" id="{023FE071-97D0-49F3-A513-4E6A85A5C847}"/>
+              </a:ext>
+            </a:extLst>
+          </p:cNvPr>
+          <p:cNvSpPr/>
+          <p:nvPr/>
+        </p:nvSpPr>
+        <p:spPr>
+          <a:xfrm>
+            <a:off x="2043877" y="-33405"/>
+            <a:ext cx="12238739" cy="6891405"/>
+          </a:xfrm>
+          <a:prstGeom prst="rect">
+            <a:avLst/>
+          </a:prstGeom>
+          <a:solidFill>
+            <a:srgbClr val="6500EE"/>
+          </a:solidFill>
+        </p:spPr>
+        <p:style>
+          <a:lnRef idx="2">
+            <a:schemeClr val="accent1">
+              <a:shade val="50000"/>
+            </a:schemeClr>
+          </a:lnRef>
+          <a:fillRef idx="1">
+            <a:schemeClr val="accent1"/>
+          </a:fillRef>
+          <a:effectRef idx="0">
+            <a:schemeClr val="accent1"/>
+          </a:effectRef>
+          <a:fontRef idx="minor">
+            <a:schemeClr val="lt1"/>
+          </a:fontRef>
+        </p:style>
+        <p:txBody>
+          <a:bodyPr rtlCol="0" anchor="ctr"/>
+          <a:lstStyle/>
+          <a:p>
+            <a:pPr algn="ctr"/>
+            <a:r>
+              <a:rPr lang="en-GB" sz="3600" dirty="0" err="1">
+                <a:latin typeface="Arial" panose="020B0604020202020204" pitchFamily="34" charset="0"/>
+                <a:cs typeface="Arial" panose="020B0604020202020204" pitchFamily="34" charset="0"/>
+              </a:rPr>
+              <a:t>Kösszönjük</a:t>
+            </a:r>
+            <a:r>
+              <a:rPr lang="en-GB" sz="3600" dirty="0">
+                <a:latin typeface="Arial" panose="020B0604020202020204" pitchFamily="34" charset="0"/>
+                <a:cs typeface="Arial" panose="020B0604020202020204" pitchFamily="34" charset="0"/>
+              </a:rPr>
+              <a:t> a </a:t>
+            </a:r>
+            <a:r>
+              <a:rPr lang="en-GB" sz="3600" dirty="0" err="1">
+                <a:latin typeface="Arial" panose="020B0604020202020204" pitchFamily="34" charset="0"/>
+                <a:cs typeface="Arial" panose="020B0604020202020204" pitchFamily="34" charset="0"/>
+              </a:rPr>
+              <a:t>figyelmet</a:t>
+            </a:r>
+            <a:endParaRPr lang="en-GB" sz="3600" dirty="0">
+              <a:latin typeface="Arial" panose="020B0604020202020204" pitchFamily="34" charset="0"/>
+              <a:cs typeface="Arial" panose="020B0604020202020204" pitchFamily="34" charset="0"/>
+            </a:endParaRPr>
+          </a:p>
+        </p:txBody>
+      </p:sp>
+    </p:spTree>
+    <p:extLst>
+      <p:ext uri="{BB962C8B-B14F-4D97-AF65-F5344CB8AC3E}">
+        <p14:creationId xmlns:p14="http://schemas.microsoft.com/office/powerpoint/2010/main" val="2004928825"/>
+      </p:ext>
+    </p:extLst>
+  </p:cSld>
+  <p:clrMapOvr>
+    <a:masterClrMapping/>
+  </p:clrMapOvr>
+  <mc:AlternateContent xmlns:mc="http://schemas.openxmlformats.org/markup-compatibility/2006">
+    <mc:Choice xmlns:p14="http://schemas.microsoft.com/office/powerpoint/2010/main" Requires="p14">
+      <p:transition p14:dur="10" advClick="0" advTm="0"/>
+    </mc:Choice>
+    <mc:Fallback>
+      <p:transition advClick="0" advTm="0"/>
+    </mc:Fallback>
+  </mc:AlternateContent>
+</p:sld>
+</file>
+
+<file path=ppt/slides/slide11.xml><?xml version="1.0" encoding="utf-8"?>
+<p:sld xmlns:a="http://schemas.openxmlformats.org/drawingml/2006/main" xmlns:r="http://schemas.openxmlformats.org/officeDocument/2006/relationships" xmlns:p="http://schemas.openxmlformats.org/presentationml/2006/main">
+  <p:cSld>
+    <p:bg>
+      <p:bgPr>
+        <a:solidFill>
+          <a:srgbClr val="00F5D4"/>
+        </a:solidFill>
+        <a:effectLst/>
+      </p:bgPr>
+    </p:bg>
+    <p:spTree>
+      <p:nvGrpSpPr>
+        <p:cNvPr id="1" name=""/>
+        <p:cNvGrpSpPr/>
+        <p:nvPr/>
+      </p:nvGrpSpPr>
+      <p:grpSpPr>
+        <a:xfrm>
+          <a:off x="0" y="0"/>
+          <a:ext cx="0" cy="0"/>
+          <a:chOff x="0" y="0"/>
+          <a:chExt cx="0" cy="0"/>
+        </a:xfrm>
+      </p:grpSpPr>
+      <p:grpSp>
+        <p:nvGrpSpPr>
+          <p:cNvPr id="4" name="Group 3">
+            <a:extLst>
+              <a:ext uri="{FF2B5EF4-FFF2-40B4-BE49-F238E27FC236}">
+                <a16:creationId xmlns:a16="http://schemas.microsoft.com/office/drawing/2014/main" id="{9C507828-DE51-493E-9A09-F3F1268995BF}"/>
+              </a:ext>
+            </a:extLst>
+          </p:cNvPr>
+          <p:cNvGrpSpPr/>
+          <p:nvPr/>
+        </p:nvGrpSpPr>
+        <p:grpSpPr>
+          <a:xfrm>
+            <a:off x="-841634" y="451163"/>
+            <a:ext cx="841634" cy="841634"/>
+            <a:chOff x="-841634" y="451163"/>
+            <a:chExt cx="841634" cy="841634"/>
+          </a:xfrm>
+        </p:grpSpPr>
+        <p:sp>
+          <p:nvSpPr>
+            <p:cNvPr id="5" name="Oval 4">
+              <a:extLst>
+                <a:ext uri="{FF2B5EF4-FFF2-40B4-BE49-F238E27FC236}">
+                  <a16:creationId xmlns:a16="http://schemas.microsoft.com/office/drawing/2014/main" id="{958A5FA4-FD4B-411A-873C-47D3EB738956}"/>
+                </a:ext>
+              </a:extLst>
+            </p:cNvPr>
+            <p:cNvSpPr/>
+            <p:nvPr/>
+          </p:nvSpPr>
+          <p:spPr>
+            <a:xfrm>
+              <a:off x="-841634" y="451163"/>
+              <a:ext cx="841634" cy="841634"/>
+            </a:xfrm>
+            <a:prstGeom prst="ellipse">
+              <a:avLst/>
+            </a:prstGeom>
+            <a:solidFill>
+              <a:schemeClr val="bg1"/>
+            </a:solidFill>
+            <a:ln>
+              <a:noFill/>
+            </a:ln>
+          </p:spPr>
+          <p:style>
+            <a:lnRef idx="2">
+              <a:schemeClr val="accent1">
+                <a:shade val="50000"/>
+              </a:schemeClr>
+            </a:lnRef>
+            <a:fillRef idx="1">
+              <a:schemeClr val="accent1"/>
+            </a:fillRef>
+            <a:effectRef idx="0">
+              <a:schemeClr val="accent1"/>
+            </a:effectRef>
+            <a:fontRef idx="minor">
+              <a:schemeClr val="lt1"/>
+            </a:fontRef>
+          </p:style>
+          <p:txBody>
+            <a:bodyPr rtlCol="0" anchor="ctr"/>
+            <a:lstStyle/>
+            <a:p>
+              <a:pPr algn="ctr"/>
+              <a:endParaRPr lang="en-US"/>
+            </a:p>
+          </p:txBody>
+        </p:sp>
+        <p:pic>
+          <p:nvPicPr>
+            <p:cNvPr id="6" name="Graphic 5" descr="Group of men">
+              <a:extLst>
+                <a:ext uri="{FF2B5EF4-FFF2-40B4-BE49-F238E27FC236}">
+                  <a16:creationId xmlns:a16="http://schemas.microsoft.com/office/drawing/2014/main" id="{E7106224-946E-4444-987A-80748B6FEF9F}"/>
+                </a:ext>
+              </a:extLst>
+            </p:cNvPr>
+            <p:cNvPicPr>
+              <a:picLocks noChangeAspect="1"/>
+            </p:cNvPicPr>
+            <p:nvPr/>
+          </p:nvPicPr>
+          <p:blipFill>
+            <a:blip r:embed="rId2">
+              <a:extLst>
+                <a:ext uri="{28A0092B-C50C-407E-A947-70E740481C1C}">
+                  <a14:useLocalDpi xmlns:a14="http://schemas.microsoft.com/office/drawing/2010/main" val="0"/>
+                </a:ext>
+                <a:ext uri="{96DAC541-7B7A-43D3-8B79-37D633B846F1}">
+                  <asvg:svgBlip xmlns:asvg="http://schemas.microsoft.com/office/drawing/2016/SVG/main" r:embed="rId3"/>
+                </a:ext>
+              </a:extLst>
+            </a:blip>
+            <a:stretch>
+              <a:fillRect/>
+            </a:stretch>
+          </p:blipFill>
+          <p:spPr>
+            <a:xfrm>
+              <a:off x="-715261" y="582884"/>
+              <a:ext cx="578191" cy="578191"/>
+            </a:xfrm>
+            <a:prstGeom prst="rect">
+              <a:avLst/>
+            </a:prstGeom>
+          </p:spPr>
+        </p:pic>
+      </p:grpSp>
+      <p:grpSp>
+        <p:nvGrpSpPr>
+          <p:cNvPr id="7" name="Group 6">
+            <a:extLst>
+              <a:ext uri="{FF2B5EF4-FFF2-40B4-BE49-F238E27FC236}">
+                <a16:creationId xmlns:a16="http://schemas.microsoft.com/office/drawing/2014/main" id="{8C7F269A-5075-465A-BFD2-FC015462B529}"/>
+              </a:ext>
+            </a:extLst>
+          </p:cNvPr>
+          <p:cNvGrpSpPr/>
+          <p:nvPr/>
+        </p:nvGrpSpPr>
+        <p:grpSpPr>
+          <a:xfrm>
+            <a:off x="-846979" y="1734435"/>
+            <a:ext cx="841634" cy="841634"/>
+            <a:chOff x="-846979" y="1734435"/>
+            <a:chExt cx="841634" cy="841634"/>
+          </a:xfrm>
+        </p:grpSpPr>
+        <p:sp>
+          <p:nvSpPr>
+            <p:cNvPr id="8" name="Oval 7">
+              <a:extLst>
+                <a:ext uri="{FF2B5EF4-FFF2-40B4-BE49-F238E27FC236}">
+                  <a16:creationId xmlns:a16="http://schemas.microsoft.com/office/drawing/2014/main" id="{E9967BAE-EF82-47C2-83AC-5DD4F7F4D694}"/>
+                </a:ext>
+              </a:extLst>
+            </p:cNvPr>
+            <p:cNvSpPr/>
+            <p:nvPr/>
+          </p:nvSpPr>
+          <p:spPr>
+            <a:xfrm>
+              <a:off x="-846979" y="1734435"/>
+              <a:ext cx="841634" cy="841634"/>
+            </a:xfrm>
+            <a:prstGeom prst="ellipse">
+              <a:avLst/>
+            </a:prstGeom>
+            <a:solidFill>
+              <a:schemeClr val="bg1"/>
+            </a:solidFill>
+            <a:ln>
+              <a:noFill/>
+            </a:ln>
+          </p:spPr>
+          <p:style>
+            <a:lnRef idx="2">
+              <a:schemeClr val="accent1">
+                <a:shade val="50000"/>
+              </a:schemeClr>
+            </a:lnRef>
+            <a:fillRef idx="1">
+              <a:schemeClr val="accent1"/>
+            </a:fillRef>
+            <a:effectRef idx="0">
+              <a:schemeClr val="accent1"/>
+            </a:effectRef>
+            <a:fontRef idx="minor">
+              <a:schemeClr val="lt1"/>
+            </a:fontRef>
+          </p:style>
+          <p:txBody>
+            <a:bodyPr rtlCol="0" anchor="ctr"/>
+            <a:lstStyle/>
+            <a:p>
+              <a:pPr algn="ctr"/>
+              <a:endParaRPr lang="en-US"/>
+            </a:p>
+          </p:txBody>
+        </p:sp>
+        <p:pic>
+          <p:nvPicPr>
+            <p:cNvPr id="10" name="Graphic 9" descr="Server">
+              <a:extLst>
+                <a:ext uri="{FF2B5EF4-FFF2-40B4-BE49-F238E27FC236}">
+                  <a16:creationId xmlns:a16="http://schemas.microsoft.com/office/drawing/2014/main" id="{58B53A1A-016D-4500-B813-E05D0CC310E1}"/>
+                </a:ext>
+              </a:extLst>
+            </p:cNvPr>
+            <p:cNvPicPr>
+              <a:picLocks noChangeAspect="1"/>
+            </p:cNvPicPr>
+            <p:nvPr/>
+          </p:nvPicPr>
+          <p:blipFill>
+            <a:blip r:embed="rId4">
+              <a:extLst>
+                <a:ext uri="{28A0092B-C50C-407E-A947-70E740481C1C}">
+                  <a14:useLocalDpi xmlns:a14="http://schemas.microsoft.com/office/drawing/2010/main" val="0"/>
+                </a:ext>
+                <a:ext uri="{96DAC541-7B7A-43D3-8B79-37D633B846F1}">
+                  <asvg:svgBlip xmlns:asvg="http://schemas.microsoft.com/office/drawing/2016/SVG/main" r:embed="rId5"/>
+                </a:ext>
+              </a:extLst>
+            </a:blip>
+            <a:stretch>
+              <a:fillRect/>
+            </a:stretch>
+          </p:blipFill>
+          <p:spPr>
+            <a:xfrm>
+              <a:off x="-715261" y="1875053"/>
+              <a:ext cx="578191" cy="578191"/>
+            </a:xfrm>
+            <a:prstGeom prst="rect">
+              <a:avLst/>
+            </a:prstGeom>
+          </p:spPr>
+        </p:pic>
+      </p:grpSp>
+      <p:grpSp>
+        <p:nvGrpSpPr>
+          <p:cNvPr id="11" name="Group 10">
+            <a:extLst>
+              <a:ext uri="{FF2B5EF4-FFF2-40B4-BE49-F238E27FC236}">
+                <a16:creationId xmlns:a16="http://schemas.microsoft.com/office/drawing/2014/main" id="{DE7F7D5B-5A48-4AB3-8D67-D31A60A38FAC}"/>
+              </a:ext>
+            </a:extLst>
+          </p:cNvPr>
+          <p:cNvGrpSpPr/>
+          <p:nvPr/>
+        </p:nvGrpSpPr>
+        <p:grpSpPr>
+          <a:xfrm>
+            <a:off x="-846979" y="4300979"/>
+            <a:ext cx="841634" cy="841634"/>
+            <a:chOff x="-846979" y="4300979"/>
+            <a:chExt cx="841634" cy="841634"/>
+          </a:xfrm>
+        </p:grpSpPr>
+        <p:sp>
+          <p:nvSpPr>
+            <p:cNvPr id="12" name="Oval 11">
+              <a:extLst>
+                <a:ext uri="{FF2B5EF4-FFF2-40B4-BE49-F238E27FC236}">
+                  <a16:creationId xmlns:a16="http://schemas.microsoft.com/office/drawing/2014/main" id="{E9E01B33-61A6-4242-B4FF-A04854691FDE}"/>
+                </a:ext>
+              </a:extLst>
+            </p:cNvPr>
+            <p:cNvSpPr/>
+            <p:nvPr/>
+          </p:nvSpPr>
+          <p:spPr>
+            <a:xfrm>
+              <a:off x="-846979" y="4300979"/>
+              <a:ext cx="841634" cy="841634"/>
+            </a:xfrm>
+            <a:prstGeom prst="ellipse">
+              <a:avLst/>
+            </a:prstGeom>
+            <a:solidFill>
+              <a:schemeClr val="bg1"/>
+            </a:solidFill>
+            <a:ln>
+              <a:noFill/>
+            </a:ln>
+          </p:spPr>
+          <p:style>
+            <a:lnRef idx="2">
+              <a:schemeClr val="accent1">
+                <a:shade val="50000"/>
+              </a:schemeClr>
+            </a:lnRef>
+            <a:fillRef idx="1">
+              <a:schemeClr val="accent1"/>
+            </a:fillRef>
+            <a:effectRef idx="0">
+              <a:schemeClr val="accent1"/>
+            </a:effectRef>
+            <a:fontRef idx="minor">
+              <a:schemeClr val="lt1"/>
+            </a:fontRef>
+          </p:style>
+          <p:txBody>
+            <a:bodyPr rtlCol="0" anchor="ctr"/>
+            <a:lstStyle/>
+            <a:p>
+              <a:pPr algn="ctr"/>
+              <a:endParaRPr lang="en-US"/>
+            </a:p>
+          </p:txBody>
+        </p:sp>
+        <p:pic>
+          <p:nvPicPr>
+            <p:cNvPr id="13" name="Graphic 12" descr="Computer">
+              <a:extLst>
+                <a:ext uri="{FF2B5EF4-FFF2-40B4-BE49-F238E27FC236}">
+                  <a16:creationId xmlns:a16="http://schemas.microsoft.com/office/drawing/2014/main" id="{A6A2E44F-239C-425E-BEDB-CCB28AA28FC4}"/>
+                </a:ext>
+              </a:extLst>
+            </p:cNvPr>
+            <p:cNvPicPr>
+              <a:picLocks noChangeAspect="1"/>
+            </p:cNvPicPr>
+            <p:nvPr/>
+          </p:nvPicPr>
+          <p:blipFill>
+            <a:blip r:embed="rId6">
+              <a:extLst>
+                <a:ext uri="{28A0092B-C50C-407E-A947-70E740481C1C}">
+                  <a14:useLocalDpi xmlns:a14="http://schemas.microsoft.com/office/drawing/2010/main" val="0"/>
+                </a:ext>
+                <a:ext uri="{96DAC541-7B7A-43D3-8B79-37D633B846F1}">
+                  <asvg:svgBlip xmlns:asvg="http://schemas.microsoft.com/office/drawing/2016/SVG/main" r:embed="rId7"/>
+                </a:ext>
+              </a:extLst>
+            </a:blip>
+            <a:stretch>
+              <a:fillRect/>
+            </a:stretch>
+          </p:blipFill>
+          <p:spPr>
+            <a:xfrm>
+              <a:off x="-715262" y="4432700"/>
+              <a:ext cx="578191" cy="578191"/>
+            </a:xfrm>
+            <a:prstGeom prst="rect">
+              <a:avLst/>
+            </a:prstGeom>
+          </p:spPr>
+        </p:pic>
+      </p:grpSp>
+      <p:grpSp>
+        <p:nvGrpSpPr>
+          <p:cNvPr id="14" name="Group 13">
+            <a:extLst>
+              <a:ext uri="{FF2B5EF4-FFF2-40B4-BE49-F238E27FC236}">
+                <a16:creationId xmlns:a16="http://schemas.microsoft.com/office/drawing/2014/main" id="{E1CAD16B-1D17-4D12-8BC0-E5B388FACF65}"/>
+              </a:ext>
+            </a:extLst>
+          </p:cNvPr>
+          <p:cNvGrpSpPr/>
+          <p:nvPr/>
+        </p:nvGrpSpPr>
+        <p:grpSpPr>
+          <a:xfrm>
+            <a:off x="1030161" y="5584251"/>
+            <a:ext cx="841634" cy="841634"/>
+            <a:chOff x="-846981" y="5584251"/>
+            <a:chExt cx="841634" cy="841634"/>
+          </a:xfrm>
+        </p:grpSpPr>
+        <p:sp>
+          <p:nvSpPr>
+            <p:cNvPr id="15" name="Oval 14">
+              <a:extLst>
+                <a:ext uri="{FF2B5EF4-FFF2-40B4-BE49-F238E27FC236}">
+                  <a16:creationId xmlns:a16="http://schemas.microsoft.com/office/drawing/2014/main" id="{A532907E-0D7D-4621-B7C6-63DF09B03455}"/>
+                </a:ext>
+              </a:extLst>
+            </p:cNvPr>
+            <p:cNvSpPr/>
+            <p:nvPr/>
+          </p:nvSpPr>
+          <p:spPr>
+            <a:xfrm>
+              <a:off x="-846981" y="5584251"/>
+              <a:ext cx="841634" cy="841634"/>
+            </a:xfrm>
+            <a:prstGeom prst="ellipse">
+              <a:avLst/>
+            </a:prstGeom>
+            <a:solidFill>
+              <a:schemeClr val="bg1"/>
+            </a:solidFill>
+            <a:ln>
+              <a:noFill/>
+            </a:ln>
+          </p:spPr>
+          <p:style>
+            <a:lnRef idx="2">
+              <a:schemeClr val="accent1">
+                <a:shade val="50000"/>
+              </a:schemeClr>
+            </a:lnRef>
+            <a:fillRef idx="1">
+              <a:schemeClr val="accent1"/>
+            </a:fillRef>
+            <a:effectRef idx="0">
+              <a:schemeClr val="accent1"/>
+            </a:effectRef>
+            <a:fontRef idx="minor">
+              <a:schemeClr val="lt1"/>
+            </a:fontRef>
+          </p:style>
+          <p:txBody>
+            <a:bodyPr rtlCol="0" anchor="ctr"/>
+            <a:lstStyle/>
+            <a:p>
+              <a:pPr algn="ctr"/>
+              <a:endParaRPr lang="en-US"/>
+            </a:p>
+          </p:txBody>
+        </p:sp>
+        <p:pic>
+          <p:nvPicPr>
+            <p:cNvPr id="16" name="Graphic 15" descr="Web design">
+              <a:extLst>
+                <a:ext uri="{FF2B5EF4-FFF2-40B4-BE49-F238E27FC236}">
+                  <a16:creationId xmlns:a16="http://schemas.microsoft.com/office/drawing/2014/main" id="{296F80FA-8B94-4761-8C43-5328BBFCAB59}"/>
+                </a:ext>
+              </a:extLst>
+            </p:cNvPr>
+            <p:cNvPicPr>
+              <a:picLocks noChangeAspect="1"/>
+            </p:cNvPicPr>
+            <p:nvPr/>
+          </p:nvPicPr>
+          <p:blipFill>
+            <a:blip r:embed="rId8">
+              <a:extLst>
+                <a:ext uri="{28A0092B-C50C-407E-A947-70E740481C1C}">
+                  <a14:useLocalDpi xmlns:a14="http://schemas.microsoft.com/office/drawing/2010/main" val="0"/>
+                </a:ext>
+                <a:ext uri="{96DAC541-7B7A-43D3-8B79-37D633B846F1}">
+                  <asvg:svgBlip xmlns:asvg="http://schemas.microsoft.com/office/drawing/2016/SVG/main" r:embed="rId9"/>
+                </a:ext>
+              </a:extLst>
+            </a:blip>
+            <a:stretch>
+              <a:fillRect/>
+            </a:stretch>
+          </p:blipFill>
+          <p:spPr>
+            <a:xfrm>
+              <a:off x="-715257" y="5715972"/>
+              <a:ext cx="578191" cy="578191"/>
+            </a:xfrm>
+            <a:prstGeom prst="rect">
+              <a:avLst/>
+            </a:prstGeom>
+          </p:spPr>
+        </p:pic>
+      </p:grpSp>
+      <p:grpSp>
+        <p:nvGrpSpPr>
+          <p:cNvPr id="22" name="Group 21">
+            <a:extLst>
+              <a:ext uri="{FF2B5EF4-FFF2-40B4-BE49-F238E27FC236}">
+                <a16:creationId xmlns:a16="http://schemas.microsoft.com/office/drawing/2014/main" id="{0A71A0A1-DE7A-456D-9033-9C50D6439C51}"/>
+              </a:ext>
+            </a:extLst>
+          </p:cNvPr>
+          <p:cNvGrpSpPr/>
+          <p:nvPr/>
+        </p:nvGrpSpPr>
+        <p:grpSpPr>
+          <a:xfrm>
+            <a:off x="-828728" y="3008183"/>
+            <a:ext cx="841634" cy="841634"/>
+            <a:chOff x="5675183" y="3005477"/>
+            <a:chExt cx="841634" cy="841634"/>
+          </a:xfrm>
+        </p:grpSpPr>
+        <p:sp>
+          <p:nvSpPr>
+            <p:cNvPr id="23" name="Oval 22">
+              <a:extLst>
+                <a:ext uri="{FF2B5EF4-FFF2-40B4-BE49-F238E27FC236}">
+                  <a16:creationId xmlns:a16="http://schemas.microsoft.com/office/drawing/2014/main" id="{5B0BBA2C-87BF-4AF7-A128-FB0F1B8A2958}"/>
+                </a:ext>
+              </a:extLst>
+            </p:cNvPr>
+            <p:cNvSpPr/>
+            <p:nvPr/>
+          </p:nvSpPr>
+          <p:spPr>
+            <a:xfrm>
+              <a:off x="5675183" y="3005477"/>
+              <a:ext cx="841634" cy="841634"/>
+            </a:xfrm>
+            <a:prstGeom prst="ellipse">
+              <a:avLst/>
+            </a:prstGeom>
+            <a:solidFill>
+              <a:srgbClr val="FFFFFF"/>
+            </a:solidFill>
+            <a:ln>
+              <a:noFill/>
+            </a:ln>
+          </p:spPr>
+          <p:style>
+            <a:lnRef idx="2">
+              <a:schemeClr val="accent1">
+                <a:shade val="50000"/>
+              </a:schemeClr>
+            </a:lnRef>
+            <a:fillRef idx="1">
+              <a:schemeClr val="accent1"/>
+            </a:fillRef>
+            <a:effectRef idx="0">
+              <a:schemeClr val="accent1"/>
+            </a:effectRef>
+            <a:fontRef idx="minor">
+              <a:schemeClr val="lt1"/>
+            </a:fontRef>
+          </p:style>
+          <p:txBody>
+            <a:bodyPr rtlCol="0" anchor="ctr"/>
+            <a:lstStyle/>
+            <a:p>
+              <a:pPr algn="ctr"/>
+              <a:endParaRPr lang="en-US"/>
+            </a:p>
+          </p:txBody>
+        </p:sp>
+        <p:pic>
+          <p:nvPicPr>
+            <p:cNvPr id="24" name="Graphic 23" descr="Smart Phone">
+              <a:extLst>
+                <a:ext uri="{FF2B5EF4-FFF2-40B4-BE49-F238E27FC236}">
+                  <a16:creationId xmlns:a16="http://schemas.microsoft.com/office/drawing/2014/main" id="{F66CA1DF-6C16-4A23-8DDB-4734275456CC}"/>
+                </a:ext>
+              </a:extLst>
+            </p:cNvPr>
+            <p:cNvPicPr>
+              <a:picLocks noChangeAspect="1"/>
+            </p:cNvPicPr>
+            <p:nvPr/>
+          </p:nvPicPr>
+          <p:blipFill>
+            <a:blip r:embed="rId10">
+              <a:extLst>
+                <a:ext uri="{28A0092B-C50C-407E-A947-70E740481C1C}">
+                  <a14:useLocalDpi xmlns:a14="http://schemas.microsoft.com/office/drawing/2010/main" val="0"/>
+                </a:ext>
+                <a:ext uri="{96DAC541-7B7A-43D3-8B79-37D633B846F1}">
+                  <asvg:svgBlip xmlns:asvg="http://schemas.microsoft.com/office/drawing/2016/SVG/main" r:embed="rId11"/>
+                </a:ext>
+              </a:extLst>
+            </a:blip>
+            <a:stretch>
+              <a:fillRect/>
+            </a:stretch>
+          </p:blipFill>
+          <p:spPr>
+            <a:xfrm flipV="1">
+              <a:off x="5806902" y="3137198"/>
+              <a:ext cx="578191" cy="578191"/>
+            </a:xfrm>
+            <a:prstGeom prst="rect">
+              <a:avLst/>
+            </a:prstGeom>
+          </p:spPr>
+        </p:pic>
+      </p:grpSp>
+      <p:sp>
+        <p:nvSpPr>
+          <p:cNvPr id="3" name="Freeform: Shape 2">
+            <a:extLst>
+              <a:ext uri="{FF2B5EF4-FFF2-40B4-BE49-F238E27FC236}">
+                <a16:creationId xmlns:a16="http://schemas.microsoft.com/office/drawing/2014/main" id="{D738CF23-EC33-442B-B7BB-E38825B9DCA2}"/>
+              </a:ext>
+            </a:extLst>
+          </p:cNvPr>
+          <p:cNvSpPr/>
+          <p:nvPr/>
+        </p:nvSpPr>
+        <p:spPr>
+          <a:xfrm rot="10800000">
+            <a:off x="1739" y="-11344472"/>
+            <a:ext cx="1449238" cy="23553174"/>
+          </a:xfrm>
+          <a:custGeom>
+            <a:avLst/>
+            <a:gdLst>
+              <a:gd name="connsiteX0" fmla="*/ 0 w 1449238"/>
+              <a:gd name="connsiteY0" fmla="*/ 23553174 h 23553174"/>
+              <a:gd name="connsiteX1" fmla="*/ 0 w 1449238"/>
+              <a:gd name="connsiteY1" fmla="*/ 7057620 h 23553174"/>
+              <a:gd name="connsiteX2" fmla="*/ 828826 w 1449238"/>
+              <a:gd name="connsiteY2" fmla="*/ 6213536 h 23553174"/>
+              <a:gd name="connsiteX3" fmla="*/ 0 w 1449238"/>
+              <a:gd name="connsiteY3" fmla="*/ 5369453 h 23553174"/>
+              <a:gd name="connsiteX4" fmla="*/ 0 w 1449238"/>
+              <a:gd name="connsiteY4" fmla="*/ 0 h 23553174"/>
+              <a:gd name="connsiteX5" fmla="*/ 1449238 w 1449238"/>
+              <a:gd name="connsiteY5" fmla="*/ 0 h 23553174"/>
+              <a:gd name="connsiteX6" fmla="*/ 1449238 w 1449238"/>
+              <a:gd name="connsiteY6" fmla="*/ 23553174 h 23553174"/>
+              <a:gd name="connsiteX0" fmla="*/ 0 w 1449238"/>
+              <a:gd name="connsiteY0" fmla="*/ 23553174 h 23553174"/>
+              <a:gd name="connsiteX1" fmla="*/ 0 w 1449238"/>
+              <a:gd name="connsiteY1" fmla="*/ 7057620 h 23553174"/>
+              <a:gd name="connsiteX2" fmla="*/ 828826 w 1449238"/>
+              <a:gd name="connsiteY2" fmla="*/ 6213536 h 23553174"/>
+              <a:gd name="connsiteX3" fmla="*/ 0 w 1449238"/>
+              <a:gd name="connsiteY3" fmla="*/ 5369453 h 23553174"/>
+              <a:gd name="connsiteX4" fmla="*/ 0 w 1449238"/>
+              <a:gd name="connsiteY4" fmla="*/ 0 h 23553174"/>
+              <a:gd name="connsiteX5" fmla="*/ 1449238 w 1449238"/>
+              <a:gd name="connsiteY5" fmla="*/ 0 h 23553174"/>
+              <a:gd name="connsiteX6" fmla="*/ 1449238 w 1449238"/>
+              <a:gd name="connsiteY6" fmla="*/ 23553174 h 23553174"/>
+              <a:gd name="connsiteX7" fmla="*/ 0 w 1449238"/>
+              <a:gd name="connsiteY7" fmla="*/ 23553174 h 23553174"/>
+              <a:gd name="connsiteX0" fmla="*/ 0 w 1449238"/>
+              <a:gd name="connsiteY0" fmla="*/ 23553174 h 23553174"/>
+              <a:gd name="connsiteX1" fmla="*/ 0 w 1449238"/>
+              <a:gd name="connsiteY1" fmla="*/ 7057620 h 23553174"/>
+              <a:gd name="connsiteX2" fmla="*/ 828826 w 1449238"/>
+              <a:gd name="connsiteY2" fmla="*/ 6213536 h 23553174"/>
+              <a:gd name="connsiteX3" fmla="*/ 0 w 1449238"/>
+              <a:gd name="connsiteY3" fmla="*/ 5369453 h 23553174"/>
+              <a:gd name="connsiteX4" fmla="*/ 0 w 1449238"/>
+              <a:gd name="connsiteY4" fmla="*/ 0 h 23553174"/>
+              <a:gd name="connsiteX5" fmla="*/ 1449238 w 1449238"/>
+              <a:gd name="connsiteY5" fmla="*/ 0 h 23553174"/>
+              <a:gd name="connsiteX6" fmla="*/ 1449238 w 1449238"/>
+              <a:gd name="connsiteY6" fmla="*/ 23553174 h 23553174"/>
+              <a:gd name="connsiteX7" fmla="*/ 0 w 1449238"/>
+              <a:gd name="connsiteY7" fmla="*/ 23553174 h 23553174"/>
+              <a:gd name="connsiteX0" fmla="*/ 0 w 1449238"/>
+              <a:gd name="connsiteY0" fmla="*/ 23553174 h 23553174"/>
+              <a:gd name="connsiteX1" fmla="*/ 0 w 1449238"/>
+              <a:gd name="connsiteY1" fmla="*/ 7057620 h 23553174"/>
+              <a:gd name="connsiteX2" fmla="*/ 828826 w 1449238"/>
+              <a:gd name="connsiteY2" fmla="*/ 6213536 h 23553174"/>
+              <a:gd name="connsiteX3" fmla="*/ 0 w 1449238"/>
+              <a:gd name="connsiteY3" fmla="*/ 5369453 h 23553174"/>
+              <a:gd name="connsiteX4" fmla="*/ 0 w 1449238"/>
+              <a:gd name="connsiteY4" fmla="*/ 0 h 23553174"/>
+              <a:gd name="connsiteX5" fmla="*/ 1449238 w 1449238"/>
+              <a:gd name="connsiteY5" fmla="*/ 0 h 23553174"/>
+              <a:gd name="connsiteX6" fmla="*/ 1449238 w 1449238"/>
+              <a:gd name="connsiteY6" fmla="*/ 23553174 h 23553174"/>
+              <a:gd name="connsiteX7" fmla="*/ 0 w 1449238"/>
+              <a:gd name="connsiteY7" fmla="*/ 23553174 h 23553174"/>
+              <a:gd name="connsiteX0" fmla="*/ 0 w 1449238"/>
+              <a:gd name="connsiteY0" fmla="*/ 23553174 h 23553174"/>
+              <a:gd name="connsiteX1" fmla="*/ 0 w 1449238"/>
+              <a:gd name="connsiteY1" fmla="*/ 7057620 h 23553174"/>
+              <a:gd name="connsiteX2" fmla="*/ 828826 w 1449238"/>
+              <a:gd name="connsiteY2" fmla="*/ 6213536 h 23553174"/>
+              <a:gd name="connsiteX3" fmla="*/ 0 w 1449238"/>
+              <a:gd name="connsiteY3" fmla="*/ 5369453 h 23553174"/>
+              <a:gd name="connsiteX4" fmla="*/ 0 w 1449238"/>
+              <a:gd name="connsiteY4" fmla="*/ 0 h 23553174"/>
+              <a:gd name="connsiteX5" fmla="*/ 1449238 w 1449238"/>
+              <a:gd name="connsiteY5" fmla="*/ 0 h 23553174"/>
+              <a:gd name="connsiteX6" fmla="*/ 1449238 w 1449238"/>
+              <a:gd name="connsiteY6" fmla="*/ 23553174 h 23553174"/>
+              <a:gd name="connsiteX7" fmla="*/ 0 w 1449238"/>
+              <a:gd name="connsiteY7" fmla="*/ 23553174 h 23553174"/>
+              <a:gd name="connsiteX0" fmla="*/ 0 w 1449238"/>
+              <a:gd name="connsiteY0" fmla="*/ 23553174 h 23553174"/>
+              <a:gd name="connsiteX1" fmla="*/ 0 w 1449238"/>
+              <a:gd name="connsiteY1" fmla="*/ 7057620 h 23553174"/>
+              <a:gd name="connsiteX2" fmla="*/ 581176 w 1449238"/>
+              <a:gd name="connsiteY2" fmla="*/ 6213536 h 23553174"/>
+              <a:gd name="connsiteX3" fmla="*/ 0 w 1449238"/>
+              <a:gd name="connsiteY3" fmla="*/ 5369453 h 23553174"/>
+              <a:gd name="connsiteX4" fmla="*/ 0 w 1449238"/>
+              <a:gd name="connsiteY4" fmla="*/ 0 h 23553174"/>
+              <a:gd name="connsiteX5" fmla="*/ 1449238 w 1449238"/>
+              <a:gd name="connsiteY5" fmla="*/ 0 h 23553174"/>
+              <a:gd name="connsiteX6" fmla="*/ 1449238 w 1449238"/>
+              <a:gd name="connsiteY6" fmla="*/ 23553174 h 23553174"/>
+              <a:gd name="connsiteX7" fmla="*/ 0 w 1449238"/>
+              <a:gd name="connsiteY7" fmla="*/ 23553174 h 23553174"/>
+              <a:gd name="connsiteX0" fmla="*/ 0 w 1449238"/>
+              <a:gd name="connsiteY0" fmla="*/ 23553174 h 23553174"/>
+              <a:gd name="connsiteX1" fmla="*/ 0 w 1449238"/>
+              <a:gd name="connsiteY1" fmla="*/ 7057620 h 23553174"/>
+              <a:gd name="connsiteX2" fmla="*/ 564507 w 1449238"/>
+              <a:gd name="connsiteY2" fmla="*/ 6215918 h 23553174"/>
+              <a:gd name="connsiteX3" fmla="*/ 0 w 1449238"/>
+              <a:gd name="connsiteY3" fmla="*/ 5369453 h 23553174"/>
+              <a:gd name="connsiteX4" fmla="*/ 0 w 1449238"/>
+              <a:gd name="connsiteY4" fmla="*/ 0 h 23553174"/>
+              <a:gd name="connsiteX5" fmla="*/ 1449238 w 1449238"/>
+              <a:gd name="connsiteY5" fmla="*/ 0 h 23553174"/>
+              <a:gd name="connsiteX6" fmla="*/ 1449238 w 1449238"/>
+              <a:gd name="connsiteY6" fmla="*/ 23553174 h 23553174"/>
+              <a:gd name="connsiteX7" fmla="*/ 0 w 1449238"/>
+              <a:gd name="connsiteY7" fmla="*/ 23553174 h 23553174"/>
+            </a:gdLst>
+            <a:ahLst/>
+            <a:cxnLst>
+              <a:cxn ang="0">
+                <a:pos x="connsiteX0" y="connsiteY0"/>
+              </a:cxn>
+              <a:cxn ang="0">
+                <a:pos x="connsiteX1" y="connsiteY1"/>
+              </a:cxn>
+              <a:cxn ang="0">
+                <a:pos x="connsiteX2" y="connsiteY2"/>
+              </a:cxn>
+              <a:cxn ang="0">
+                <a:pos x="connsiteX3" y="connsiteY3"/>
+              </a:cxn>
+              <a:cxn ang="0">
+                <a:pos x="connsiteX4" y="connsiteY4"/>
+              </a:cxn>
+              <a:cxn ang="0">
+                <a:pos x="connsiteX5" y="connsiteY5"/>
+              </a:cxn>
+              <a:cxn ang="0">
+                <a:pos x="connsiteX6" y="connsiteY6"/>
+              </a:cxn>
+              <a:cxn ang="0">
+                <a:pos x="connsiteX7" y="connsiteY7"/>
+              </a:cxn>
+            </a:cxnLst>
+            <a:rect l="l" t="t" r="r" b="b"/>
+            <a:pathLst>
+              <a:path w="1449238" h="23553174">
+                <a:moveTo>
+                  <a:pt x="0" y="23553174"/>
+                </a:moveTo>
+                <a:lnTo>
+                  <a:pt x="0" y="7057620"/>
+                </a:lnTo>
+                <a:cubicBezTo>
+                  <a:pt x="4812" y="6633384"/>
+                  <a:pt x="564557" y="6719529"/>
+                  <a:pt x="564507" y="6215918"/>
+                </a:cubicBezTo>
+                <a:cubicBezTo>
+                  <a:pt x="564457" y="5712307"/>
+                  <a:pt x="2431" y="5798452"/>
+                  <a:pt x="0" y="5369453"/>
+                </a:cubicBezTo>
+                <a:lnTo>
+                  <a:pt x="0" y="0"/>
+                </a:lnTo>
+                <a:lnTo>
+                  <a:pt x="1449238" y="0"/>
+                </a:lnTo>
+                <a:lnTo>
+                  <a:pt x="1449238" y="23553174"/>
+                </a:lnTo>
+                <a:lnTo>
+                  <a:pt x="0" y="23553174"/>
+                </a:lnTo>
+                <a:close/>
+              </a:path>
+            </a:pathLst>
+          </a:custGeom>
+          <a:solidFill>
+            <a:schemeClr val="bg1"/>
+          </a:solidFill>
+          <a:ln>
+            <a:noFill/>
+          </a:ln>
+        </p:spPr>
+        <p:style>
+          <a:lnRef idx="2">
+            <a:schemeClr val="accent1">
+              <a:shade val="50000"/>
+            </a:schemeClr>
+          </a:lnRef>
+          <a:fillRef idx="1">
+            <a:schemeClr val="accent1"/>
+          </a:fillRef>
+          <a:effectRef idx="0">
+            <a:schemeClr val="accent1"/>
+          </a:effectRef>
+          <a:fontRef idx="minor">
+            <a:schemeClr val="lt1"/>
+          </a:fontRef>
+        </p:style>
+        <p:txBody>
+          <a:bodyPr wrap="square" rtlCol="0" anchor="ctr">
+            <a:noAutofit/>
+          </a:bodyPr>
+          <a:lstStyle/>
+          <a:p>
+            <a:pPr algn="ctr"/>
+            <a:endParaRPr lang="en-US"/>
+          </a:p>
+        </p:txBody>
+      </p:sp>
+      <p:pic>
+        <p:nvPicPr>
+          <p:cNvPr id="17" name="Graphic 16" descr="Group of men">
+            <a:hlinkClick r:id="rId12" action="ppaction://hlinksldjump"/>
+            <a:extLst>
+              <a:ext uri="{FF2B5EF4-FFF2-40B4-BE49-F238E27FC236}">
+                <a16:creationId xmlns:a16="http://schemas.microsoft.com/office/drawing/2014/main" id="{9491F1DE-5CA9-49F1-8485-33A50DBA99EC}"/>
+              </a:ext>
+            </a:extLst>
+          </p:cNvPr>
+          <p:cNvPicPr>
+            <a:picLocks noChangeAspect="1"/>
+          </p:cNvPicPr>
+          <p:nvPr/>
+        </p:nvPicPr>
+        <p:blipFill>
+          <a:blip r:embed="rId13">
+            <a:extLst>
+              <a:ext uri="{28A0092B-C50C-407E-A947-70E740481C1C}">
+                <a14:useLocalDpi xmlns:a14="http://schemas.microsoft.com/office/drawing/2010/main" val="0"/>
+              </a:ext>
+              <a:ext uri="{96DAC541-7B7A-43D3-8B79-37D633B846F1}">
+                <asvg:svgBlip xmlns:asvg="http://schemas.microsoft.com/office/drawing/2016/SVG/main" r:embed="rId14"/>
+              </a:ext>
+            </a:extLst>
+          </a:blip>
+          <a:stretch>
+            <a:fillRect/>
+          </a:stretch>
+        </p:blipFill>
+        <p:spPr>
+          <a:xfrm>
+            <a:off x="437264" y="582884"/>
+            <a:ext cx="578191" cy="578191"/>
+          </a:xfrm>
+          <a:prstGeom prst="rect">
+            <a:avLst/>
+          </a:prstGeom>
+        </p:spPr>
+      </p:pic>
+      <p:pic>
+        <p:nvPicPr>
+          <p:cNvPr id="18" name="Graphic 17" descr="Server">
+            <a:hlinkClick r:id="rId15" action="ppaction://hlinksldjump"/>
+            <a:extLst>
+              <a:ext uri="{FF2B5EF4-FFF2-40B4-BE49-F238E27FC236}">
+                <a16:creationId xmlns:a16="http://schemas.microsoft.com/office/drawing/2014/main" id="{70FAF315-2050-4C29-B39C-81C398368162}"/>
+              </a:ext>
+            </a:extLst>
+          </p:cNvPr>
+          <p:cNvPicPr>
+            <a:picLocks noChangeAspect="1"/>
+          </p:cNvPicPr>
+          <p:nvPr/>
+        </p:nvPicPr>
+        <p:blipFill>
+          <a:blip r:embed="rId16">
+            <a:extLst>
+              <a:ext uri="{28A0092B-C50C-407E-A947-70E740481C1C}">
+                <a14:useLocalDpi xmlns:a14="http://schemas.microsoft.com/office/drawing/2010/main" val="0"/>
+              </a:ext>
+              <a:ext uri="{96DAC541-7B7A-43D3-8B79-37D633B846F1}">
+                <asvg:svgBlip xmlns:asvg="http://schemas.microsoft.com/office/drawing/2016/SVG/main" r:embed="rId17"/>
+              </a:ext>
+            </a:extLst>
+          </a:blip>
+          <a:stretch>
+            <a:fillRect/>
+          </a:stretch>
+        </p:blipFill>
+        <p:spPr>
+          <a:xfrm>
+            <a:off x="437264" y="1875053"/>
+            <a:ext cx="578191" cy="578191"/>
+          </a:xfrm>
+          <a:prstGeom prst="rect">
+            <a:avLst/>
+          </a:prstGeom>
+        </p:spPr>
+      </p:pic>
+      <p:pic>
+        <p:nvPicPr>
+          <p:cNvPr id="19" name="Graphic 18" descr="Smart Phone">
+            <a:hlinkClick r:id="rId18" action="ppaction://hlinksldjump"/>
+            <a:extLst>
+              <a:ext uri="{FF2B5EF4-FFF2-40B4-BE49-F238E27FC236}">
+                <a16:creationId xmlns:a16="http://schemas.microsoft.com/office/drawing/2014/main" id="{0BC96FA7-D314-4715-A35A-2B02AB116C4D}"/>
+              </a:ext>
+            </a:extLst>
+          </p:cNvPr>
+          <p:cNvPicPr>
+            <a:picLocks noChangeAspect="1"/>
+          </p:cNvPicPr>
+          <p:nvPr/>
+        </p:nvPicPr>
+        <p:blipFill>
+          <a:blip r:embed="rId19">
+            <a:extLst>
+              <a:ext uri="{28A0092B-C50C-407E-A947-70E740481C1C}">
+                <a14:useLocalDpi xmlns:a14="http://schemas.microsoft.com/office/drawing/2010/main" val="0"/>
+              </a:ext>
+              <a:ext uri="{96DAC541-7B7A-43D3-8B79-37D633B846F1}">
+                <asvg:svgBlip xmlns:asvg="http://schemas.microsoft.com/office/drawing/2016/SVG/main" r:embed="rId20"/>
+              </a:ext>
+            </a:extLst>
+          </a:blip>
+          <a:stretch>
+            <a:fillRect/>
+          </a:stretch>
+        </p:blipFill>
+        <p:spPr>
+          <a:xfrm flipV="1">
+            <a:off x="437265" y="3149428"/>
+            <a:ext cx="578191" cy="578191"/>
+          </a:xfrm>
+          <a:prstGeom prst="rect">
+            <a:avLst/>
+          </a:prstGeom>
+        </p:spPr>
+      </p:pic>
+      <p:pic>
+        <p:nvPicPr>
+          <p:cNvPr id="20" name="Graphic 19" descr="Computer">
+            <a:hlinkClick r:id="rId21" action="ppaction://hlinksldjump"/>
+            <a:extLst>
+              <a:ext uri="{FF2B5EF4-FFF2-40B4-BE49-F238E27FC236}">
+                <a16:creationId xmlns:a16="http://schemas.microsoft.com/office/drawing/2014/main" id="{E4F4C65A-89DA-4982-9A59-AD1713751218}"/>
+              </a:ext>
+            </a:extLst>
+          </p:cNvPr>
+          <p:cNvPicPr>
+            <a:picLocks noChangeAspect="1"/>
+          </p:cNvPicPr>
+          <p:nvPr/>
+        </p:nvPicPr>
+        <p:blipFill>
+          <a:blip r:embed="rId22">
+            <a:extLst>
+              <a:ext uri="{28A0092B-C50C-407E-A947-70E740481C1C}">
+                <a14:useLocalDpi xmlns:a14="http://schemas.microsoft.com/office/drawing/2010/main" val="0"/>
+              </a:ext>
+              <a:ext uri="{96DAC541-7B7A-43D3-8B79-37D633B846F1}">
+                <asvg:svgBlip xmlns:asvg="http://schemas.microsoft.com/office/drawing/2016/SVG/main" r:embed="rId23"/>
+              </a:ext>
+            </a:extLst>
+          </a:blip>
+          <a:stretch>
+            <a:fillRect/>
+          </a:stretch>
+        </p:blipFill>
+        <p:spPr>
+          <a:xfrm>
+            <a:off x="437263" y="4432700"/>
+            <a:ext cx="578191" cy="578191"/>
+          </a:xfrm>
+          <a:prstGeom prst="rect">
+            <a:avLst/>
+          </a:prstGeom>
+        </p:spPr>
+      </p:pic>
+      <p:pic>
+        <p:nvPicPr>
+          <p:cNvPr id="21" name="Graphic 20" descr="Web design">
+            <a:hlinkClick r:id="rId24" action="ppaction://hlinksldjump"/>
+            <a:extLst>
+              <a:ext uri="{FF2B5EF4-FFF2-40B4-BE49-F238E27FC236}">
+                <a16:creationId xmlns:a16="http://schemas.microsoft.com/office/drawing/2014/main" id="{01BAAD71-96DE-4E38-9F58-068AC272A24B}"/>
+              </a:ext>
+            </a:extLst>
+          </p:cNvPr>
+          <p:cNvPicPr>
+            <a:picLocks noChangeAspect="1"/>
+          </p:cNvPicPr>
+          <p:nvPr/>
+        </p:nvPicPr>
+        <p:blipFill>
+          <a:blip r:embed="rId25">
+            <a:extLst>
+              <a:ext uri="{28A0092B-C50C-407E-A947-70E740481C1C}">
+                <a14:useLocalDpi xmlns:a14="http://schemas.microsoft.com/office/drawing/2010/main" val="0"/>
+              </a:ext>
+              <a:ext uri="{96DAC541-7B7A-43D3-8B79-37D633B846F1}">
+                <asvg:svgBlip xmlns:asvg="http://schemas.microsoft.com/office/drawing/2016/SVG/main" r:embed="rId26"/>
+              </a:ext>
+            </a:extLst>
+          </a:blip>
+          <a:stretch>
+            <a:fillRect/>
+          </a:stretch>
+        </p:blipFill>
+        <p:spPr>
+          <a:xfrm>
+            <a:off x="437268" y="5715972"/>
+            <a:ext cx="578191" cy="578191"/>
+          </a:xfrm>
+          <a:prstGeom prst="rect">
+            <a:avLst/>
+          </a:prstGeom>
+        </p:spPr>
+      </p:pic>
+      <p:sp>
+        <p:nvSpPr>
+          <p:cNvPr id="9" name="TextBox 8">
+            <a:extLst>
+              <a:ext uri="{FF2B5EF4-FFF2-40B4-BE49-F238E27FC236}">
+                <a16:creationId xmlns:a16="http://schemas.microsoft.com/office/drawing/2014/main" id="{E35BBCEB-388F-46BF-B2AC-374FB9627131}"/>
+              </a:ext>
+            </a:extLst>
+          </p:cNvPr>
+          <p:cNvSpPr txBox="1"/>
+          <p:nvPr/>
+        </p:nvSpPr>
+        <p:spPr>
+          <a:xfrm>
+            <a:off x="437263" y="5531306"/>
+            <a:ext cx="6070217" cy="369332"/>
+          </a:xfrm>
+          <a:prstGeom prst="rect">
+            <a:avLst/>
+          </a:prstGeom>
+          <a:noFill/>
+        </p:spPr>
+        <p:txBody>
+          <a:bodyPr wrap="square" rtlCol="0">
+            <a:spAutoFit/>
+          </a:bodyPr>
+          <a:lstStyle/>
+          <a:p>
+            <a:r>
+              <a:rPr lang="en-GB" dirty="0" err="1">
+                <a:solidFill>
+                  <a:schemeClr val="bg1">
+                    <a:lumMod val="85000"/>
+                  </a:schemeClr>
+                </a:solidFill>
+              </a:rPr>
+              <a:t>Készítette</a:t>
+            </a:r>
+            <a:r>
+              <a:rPr lang="en-GB" dirty="0">
+                <a:solidFill>
+                  <a:schemeClr val="bg1">
+                    <a:lumMod val="85000"/>
+                  </a:schemeClr>
+                </a:solidFill>
+              </a:rPr>
+              <a:t>: </a:t>
+            </a:r>
+            <a:r>
+              <a:rPr lang="en-GB" dirty="0" err="1">
+                <a:solidFill>
+                  <a:schemeClr val="bg1">
+                    <a:lumMod val="85000"/>
+                  </a:schemeClr>
+                </a:solidFill>
+              </a:rPr>
+              <a:t>TurboNote</a:t>
+            </a:r>
+            <a:r>
+              <a:rPr lang="en-GB" dirty="0">
+                <a:solidFill>
+                  <a:schemeClr val="bg1">
+                    <a:lumMod val="85000"/>
+                  </a:schemeClr>
+                </a:solidFill>
+              </a:rPr>
+              <a:t> </a:t>
+            </a:r>
+            <a:r>
+              <a:rPr lang="en-GB" dirty="0" err="1">
+                <a:solidFill>
+                  <a:schemeClr val="bg1">
+                    <a:lumMod val="85000"/>
+                  </a:schemeClr>
+                </a:solidFill>
+              </a:rPr>
+              <a:t>csapat</a:t>
+            </a:r>
+            <a:endParaRPr lang="en-US" dirty="0">
+              <a:solidFill>
+                <a:schemeClr val="bg1">
+                  <a:lumMod val="85000"/>
+                </a:schemeClr>
+              </a:solidFill>
+            </a:endParaRPr>
+          </a:p>
+        </p:txBody>
+      </p:sp>
+      <p:sp>
+        <p:nvSpPr>
+          <p:cNvPr id="2" name="Rectangle 1">
+            <a:extLst>
+              <a:ext uri="{FF2B5EF4-FFF2-40B4-BE49-F238E27FC236}">
+                <a16:creationId xmlns:a16="http://schemas.microsoft.com/office/drawing/2014/main" id="{023FE071-97D0-49F3-A513-4E6A85A5C847}"/>
+              </a:ext>
+            </a:extLst>
+          </p:cNvPr>
+          <p:cNvSpPr/>
+          <p:nvPr/>
+        </p:nvSpPr>
+        <p:spPr>
+          <a:xfrm>
+            <a:off x="-48477" y="0"/>
+            <a:ext cx="12238739" cy="6891405"/>
+          </a:xfrm>
+          <a:prstGeom prst="rect">
+            <a:avLst/>
+          </a:prstGeom>
+          <a:solidFill>
+            <a:srgbClr val="6500EE"/>
+          </a:solidFill>
+        </p:spPr>
+        <p:style>
+          <a:lnRef idx="2">
+            <a:schemeClr val="accent1">
+              <a:shade val="50000"/>
+            </a:schemeClr>
+          </a:lnRef>
+          <a:fillRef idx="1">
+            <a:schemeClr val="accent1"/>
+          </a:fillRef>
+          <a:effectRef idx="0">
+            <a:schemeClr val="accent1"/>
+          </a:effectRef>
+          <a:fontRef idx="minor">
+            <a:schemeClr val="lt1"/>
+          </a:fontRef>
+        </p:style>
+        <p:txBody>
+          <a:bodyPr rtlCol="0" anchor="ctr"/>
+          <a:lstStyle/>
+          <a:p>
+            <a:pPr algn="ctr"/>
+            <a:r>
+              <a:rPr lang="en-GB" sz="3600" dirty="0" err="1">
+                <a:latin typeface="Arial" panose="020B0604020202020204" pitchFamily="34" charset="0"/>
+                <a:cs typeface="Arial" panose="020B0604020202020204" pitchFamily="34" charset="0"/>
+              </a:rPr>
+              <a:t>Kösszönjük</a:t>
+            </a:r>
+            <a:r>
+              <a:rPr lang="en-GB" sz="3600" dirty="0">
+                <a:latin typeface="Arial" panose="020B0604020202020204" pitchFamily="34" charset="0"/>
+                <a:cs typeface="Arial" panose="020B0604020202020204" pitchFamily="34" charset="0"/>
+              </a:rPr>
+              <a:t> a </a:t>
+            </a:r>
+            <a:r>
+              <a:rPr lang="en-GB" sz="3600" dirty="0" err="1">
+                <a:latin typeface="Arial" panose="020B0604020202020204" pitchFamily="34" charset="0"/>
+                <a:cs typeface="Arial" panose="020B0604020202020204" pitchFamily="34" charset="0"/>
+              </a:rPr>
+              <a:t>figyelmet</a:t>
+            </a:r>
+            <a:endParaRPr lang="en-GB" sz="3600" dirty="0">
+              <a:latin typeface="Arial" panose="020B0604020202020204" pitchFamily="34" charset="0"/>
+              <a:cs typeface="Arial" panose="020B0604020202020204" pitchFamily="34" charset="0"/>
+            </a:endParaRPr>
+          </a:p>
+        </p:txBody>
+      </p:sp>
+      <p:sp>
+        <p:nvSpPr>
+          <p:cNvPr id="25" name="TextBox 24">
+            <a:hlinkClick r:id="rId24" action="ppaction://hlinksldjump"/>
+            <a:extLst>
+              <a:ext uri="{FF2B5EF4-FFF2-40B4-BE49-F238E27FC236}">
+                <a16:creationId xmlns:a16="http://schemas.microsoft.com/office/drawing/2014/main" id="{67913670-EBBA-4273-811B-5D05010DF743}"/>
+              </a:ext>
+            </a:extLst>
+          </p:cNvPr>
+          <p:cNvSpPr txBox="1"/>
+          <p:nvPr/>
+        </p:nvSpPr>
+        <p:spPr>
+          <a:xfrm>
+            <a:off x="274320" y="5900638"/>
+            <a:ext cx="4257040" cy="369332"/>
+          </a:xfrm>
+          <a:prstGeom prst="rect">
+            <a:avLst/>
+          </a:prstGeom>
+          <a:noFill/>
+        </p:spPr>
+        <p:txBody>
+          <a:bodyPr wrap="square" rtlCol="0">
+            <a:spAutoFit/>
+          </a:bodyPr>
+          <a:lstStyle/>
+          <a:p>
+            <a:r>
+              <a:rPr lang="en-GB" dirty="0" err="1">
+                <a:solidFill>
+                  <a:schemeClr val="bg1">
+                    <a:lumMod val="75000"/>
+                  </a:schemeClr>
+                </a:solidFill>
+              </a:rPr>
+              <a:t>Készítette</a:t>
+            </a:r>
+            <a:r>
+              <a:rPr lang="en-GB" dirty="0">
+                <a:solidFill>
+                  <a:schemeClr val="bg1">
+                    <a:lumMod val="75000"/>
+                  </a:schemeClr>
+                </a:solidFill>
+              </a:rPr>
+              <a:t>: </a:t>
+            </a:r>
+            <a:r>
+              <a:rPr lang="en-GB" dirty="0" err="1">
+                <a:solidFill>
+                  <a:schemeClr val="bg1">
+                    <a:lumMod val="75000"/>
+                  </a:schemeClr>
+                </a:solidFill>
+              </a:rPr>
+              <a:t>TurboNote</a:t>
+            </a:r>
+            <a:r>
+              <a:rPr lang="en-GB" dirty="0">
+                <a:solidFill>
+                  <a:schemeClr val="bg1">
+                    <a:lumMod val="75000"/>
+                  </a:schemeClr>
+                </a:solidFill>
+              </a:rPr>
+              <a:t> </a:t>
+            </a:r>
+            <a:r>
+              <a:rPr lang="en-GB" dirty="0" err="1">
+                <a:solidFill>
+                  <a:schemeClr val="bg1">
+                    <a:lumMod val="75000"/>
+                  </a:schemeClr>
+                </a:solidFill>
+              </a:rPr>
+              <a:t>csapat</a:t>
+            </a:r>
+            <a:endParaRPr lang="en-US" dirty="0">
+              <a:solidFill>
+                <a:schemeClr val="bg1">
+                  <a:lumMod val="75000"/>
+                </a:schemeClr>
+              </a:solidFill>
+            </a:endParaRPr>
+          </a:p>
+        </p:txBody>
+      </p:sp>
+    </p:spTree>
+    <p:extLst>
+      <p:ext uri="{BB962C8B-B14F-4D97-AF65-F5344CB8AC3E}">
+        <p14:creationId xmlns:p14="http://schemas.microsoft.com/office/powerpoint/2010/main" val="2062316657"/>
+      </p:ext>
+    </p:extLst>
+  </p:cSld>
+  <p:clrMapOvr>
+    <a:masterClrMapping/>
+  </p:clrMapOvr>
+  <mc:AlternateContent xmlns:mc="http://schemas.openxmlformats.org/markup-compatibility/2006">
+    <mc:Choice xmlns:p159="http://schemas.microsoft.com/office/powerpoint/2015/09/main" Requires="p159">
+      <p:transition spd="med">
+        <p159:morph option="byObject"/>
+      </p:transition>
+    </mc:Choice>
+    <mc:Fallback>
+      <p:transition spd="med">
+        <p:fade/>
+      </p:transition>
+    </mc:Fallback>
+  </mc:AlternateContent>
+</p:sld>
+</file>
+
+<file path=ppt/slides/slide2.xml><?xml version="1.0" encoding="utf-8"?>
+<p:sld xmlns:a="http://schemas.openxmlformats.org/drawingml/2006/main" xmlns:r="http://schemas.openxmlformats.org/officeDocument/2006/relationships" xmlns:p="http://schemas.openxmlformats.org/presentationml/2006/main">
+  <p:cSld>
+    <p:bg>
+      <p:bgPr>
+        <a:solidFill>
+          <a:srgbClr val="6500EE"/>
+        </a:solidFill>
+        <a:effectLst/>
+      </p:bgPr>
+    </p:bg>
+    <p:spTree>
+      <p:nvGrpSpPr>
+        <p:cNvPr id="1" name=""/>
+        <p:cNvGrpSpPr/>
+        <p:nvPr/>
+      </p:nvGrpSpPr>
+      <p:grpSpPr>
+        <a:xfrm>
+          <a:off x="0" y="0"/>
+          <a:ext cx="0" cy="0"/>
+          <a:chOff x="0" y="0"/>
+          <a:chExt cx="0" cy="0"/>
+        </a:xfrm>
+      </p:grpSpPr>
+      <p:grpSp>
+        <p:nvGrpSpPr>
+          <p:cNvPr id="11" name="Group 10">
+            <a:extLst>
+              <a:ext uri="{FF2B5EF4-FFF2-40B4-BE49-F238E27FC236}">
+                <a16:creationId xmlns:a16="http://schemas.microsoft.com/office/drawing/2014/main" id="{2FD25B7A-0646-44A0-A58F-0D968DED6F84}"/>
+              </a:ext>
+            </a:extLst>
+          </p:cNvPr>
+          <p:cNvGrpSpPr/>
+          <p:nvPr/>
+        </p:nvGrpSpPr>
+        <p:grpSpPr>
+          <a:xfrm>
+            <a:off x="1030161" y="451163"/>
+            <a:ext cx="841634" cy="841634"/>
+            <a:chOff x="-841634" y="451163"/>
+            <a:chExt cx="841634" cy="841634"/>
+          </a:xfrm>
+        </p:grpSpPr>
+        <p:sp>
+          <p:nvSpPr>
+            <p:cNvPr id="12" name="Oval 11">
+              <a:extLst>
+                <a:ext uri="{FF2B5EF4-FFF2-40B4-BE49-F238E27FC236}">
+                  <a16:creationId xmlns:a16="http://schemas.microsoft.com/office/drawing/2014/main" id="{F7D203E2-6FD0-45C8-B3B8-8D523D4343FC}"/>
+                </a:ext>
+              </a:extLst>
+            </p:cNvPr>
+            <p:cNvSpPr/>
+            <p:nvPr/>
+          </p:nvSpPr>
+          <p:spPr>
+            <a:xfrm>
+              <a:off x="-841634" y="451163"/>
+              <a:ext cx="841634" cy="841634"/>
+            </a:xfrm>
+            <a:prstGeom prst="ellipse">
+              <a:avLst/>
+            </a:prstGeom>
+            <a:solidFill>
+              <a:schemeClr val="bg1"/>
+            </a:solidFill>
+            <a:ln>
+              <a:noFill/>
+            </a:ln>
+          </p:spPr>
+          <p:style>
+            <a:lnRef idx="2">
+              <a:schemeClr val="accent1">
+                <a:shade val="50000"/>
+              </a:schemeClr>
+            </a:lnRef>
+            <a:fillRef idx="1">
+              <a:schemeClr val="accent1"/>
+            </a:fillRef>
+            <a:effectRef idx="0">
+              <a:schemeClr val="accent1"/>
+            </a:effectRef>
+            <a:fontRef idx="minor">
+              <a:schemeClr val="lt1"/>
+            </a:fontRef>
+          </p:style>
+          <p:txBody>
+            <a:bodyPr rtlCol="0" anchor="ctr"/>
+            <a:lstStyle/>
+            <a:p>
+              <a:pPr algn="ctr"/>
+              <a:endParaRPr lang="en-US"/>
+            </a:p>
+          </p:txBody>
+        </p:sp>
+        <p:pic>
+          <p:nvPicPr>
+            <p:cNvPr id="13" name="Graphic 12" descr="Group of men">
+              <a:extLst>
+                <a:ext uri="{FF2B5EF4-FFF2-40B4-BE49-F238E27FC236}">
+                  <a16:creationId xmlns:a16="http://schemas.microsoft.com/office/drawing/2014/main" id="{0E4CA495-0C21-4B2B-BE4D-D5D27DE87D5B}"/>
+                </a:ext>
+              </a:extLst>
+            </p:cNvPr>
+            <p:cNvPicPr>
+              <a:picLocks noChangeAspect="1"/>
+            </p:cNvPicPr>
+            <p:nvPr/>
+          </p:nvPicPr>
+          <p:blipFill>
+            <a:blip r:embed="rId2">
+              <a:extLst>
+                <a:ext uri="{28A0092B-C50C-407E-A947-70E740481C1C}">
+                  <a14:useLocalDpi xmlns:a14="http://schemas.microsoft.com/office/drawing/2010/main" val="0"/>
+                </a:ext>
+                <a:ext uri="{96DAC541-7B7A-43D3-8B79-37D633B846F1}">
+                  <asvg:svgBlip xmlns:asvg="http://schemas.microsoft.com/office/drawing/2016/SVG/main" r:embed="rId3"/>
+                </a:ext>
+              </a:extLst>
+            </a:blip>
+            <a:stretch>
+              <a:fillRect/>
+            </a:stretch>
+          </p:blipFill>
+          <p:spPr>
+            <a:xfrm>
+              <a:off x="-715261" y="582884"/>
+              <a:ext cx="578191" cy="578191"/>
+            </a:xfrm>
+            <a:prstGeom prst="rect">
+              <a:avLst/>
+            </a:prstGeom>
+          </p:spPr>
+        </p:pic>
+      </p:grpSp>
+      <p:grpSp>
+        <p:nvGrpSpPr>
+          <p:cNvPr id="14" name="Group 13">
+            <a:extLst>
+              <a:ext uri="{FF2B5EF4-FFF2-40B4-BE49-F238E27FC236}">
+                <a16:creationId xmlns:a16="http://schemas.microsoft.com/office/drawing/2014/main" id="{C719EE4E-831C-439D-B313-E20D18D5DCC1}"/>
+              </a:ext>
+            </a:extLst>
+          </p:cNvPr>
+          <p:cNvGrpSpPr/>
+          <p:nvPr/>
+        </p:nvGrpSpPr>
+        <p:grpSpPr>
+          <a:xfrm>
+            <a:off x="-846979" y="1734435"/>
+            <a:ext cx="841634" cy="841634"/>
+            <a:chOff x="-846979" y="1734435"/>
+            <a:chExt cx="841634" cy="841634"/>
+          </a:xfrm>
+        </p:grpSpPr>
+        <p:sp>
+          <p:nvSpPr>
+            <p:cNvPr id="15" name="Oval 14">
+              <a:extLst>
+                <a:ext uri="{FF2B5EF4-FFF2-40B4-BE49-F238E27FC236}">
+                  <a16:creationId xmlns:a16="http://schemas.microsoft.com/office/drawing/2014/main" id="{7CD53666-A7D4-48F2-8A78-D599CB8DA794}"/>
+                </a:ext>
+              </a:extLst>
+            </p:cNvPr>
+            <p:cNvSpPr/>
+            <p:nvPr/>
+          </p:nvSpPr>
+          <p:spPr>
+            <a:xfrm>
+              <a:off x="-846979" y="1734435"/>
+              <a:ext cx="841634" cy="841634"/>
+            </a:xfrm>
+            <a:prstGeom prst="ellipse">
+              <a:avLst/>
+            </a:prstGeom>
+            <a:solidFill>
+              <a:schemeClr val="bg1"/>
+            </a:solidFill>
+            <a:ln>
+              <a:noFill/>
+            </a:ln>
+          </p:spPr>
+          <p:style>
+            <a:lnRef idx="2">
+              <a:schemeClr val="accent1">
+                <a:shade val="50000"/>
+              </a:schemeClr>
+            </a:lnRef>
+            <a:fillRef idx="1">
+              <a:schemeClr val="accent1"/>
+            </a:fillRef>
+            <a:effectRef idx="0">
+              <a:schemeClr val="accent1"/>
+            </a:effectRef>
+            <a:fontRef idx="minor">
+              <a:schemeClr val="lt1"/>
+            </a:fontRef>
+          </p:style>
+          <p:txBody>
+            <a:bodyPr rtlCol="0" anchor="ctr"/>
+            <a:lstStyle/>
+            <a:p>
+              <a:pPr algn="ctr"/>
+              <a:endParaRPr lang="en-US"/>
+            </a:p>
+          </p:txBody>
+        </p:sp>
+        <p:pic>
+          <p:nvPicPr>
+            <p:cNvPr id="16" name="Graphic 15" descr="Server">
+              <a:extLst>
+                <a:ext uri="{FF2B5EF4-FFF2-40B4-BE49-F238E27FC236}">
+                  <a16:creationId xmlns:a16="http://schemas.microsoft.com/office/drawing/2014/main" id="{BA595A6F-3196-4E2A-BD03-8750EE9A921A}"/>
+                </a:ext>
+              </a:extLst>
+            </p:cNvPr>
+            <p:cNvPicPr>
+              <a:picLocks noChangeAspect="1"/>
+            </p:cNvPicPr>
+            <p:nvPr/>
+          </p:nvPicPr>
+          <p:blipFill>
+            <a:blip r:embed="rId4">
+              <a:extLst>
+                <a:ext uri="{28A0092B-C50C-407E-A947-70E740481C1C}">
+                  <a14:useLocalDpi xmlns:a14="http://schemas.microsoft.com/office/drawing/2010/main" val="0"/>
+                </a:ext>
+                <a:ext uri="{96DAC541-7B7A-43D3-8B79-37D633B846F1}">
+                  <asvg:svgBlip xmlns:asvg="http://schemas.microsoft.com/office/drawing/2016/SVG/main" r:embed="rId5"/>
+                </a:ext>
+              </a:extLst>
+            </a:blip>
+            <a:stretch>
+              <a:fillRect/>
+            </a:stretch>
+          </p:blipFill>
+          <p:spPr>
+            <a:xfrm>
+              <a:off x="-715261" y="1875053"/>
+              <a:ext cx="578191" cy="578191"/>
+            </a:xfrm>
+            <a:prstGeom prst="rect">
+              <a:avLst/>
+            </a:prstGeom>
+          </p:spPr>
+        </p:pic>
+      </p:grpSp>
+      <p:grpSp>
+        <p:nvGrpSpPr>
+          <p:cNvPr id="17" name="Group 16">
+            <a:extLst>
+              <a:ext uri="{FF2B5EF4-FFF2-40B4-BE49-F238E27FC236}">
+                <a16:creationId xmlns:a16="http://schemas.microsoft.com/office/drawing/2014/main" id="{BD983F21-6984-4015-B4BA-DA5BEBDAEFD7}"/>
+              </a:ext>
+            </a:extLst>
+          </p:cNvPr>
+          <p:cNvGrpSpPr/>
+          <p:nvPr/>
+        </p:nvGrpSpPr>
+        <p:grpSpPr>
+          <a:xfrm>
+            <a:off x="-846979" y="4300979"/>
+            <a:ext cx="841634" cy="841634"/>
+            <a:chOff x="-846979" y="4300979"/>
+            <a:chExt cx="841634" cy="841634"/>
+          </a:xfrm>
+        </p:grpSpPr>
+        <p:sp>
+          <p:nvSpPr>
+            <p:cNvPr id="18" name="Oval 17">
+              <a:extLst>
+                <a:ext uri="{FF2B5EF4-FFF2-40B4-BE49-F238E27FC236}">
+                  <a16:creationId xmlns:a16="http://schemas.microsoft.com/office/drawing/2014/main" id="{C23A6CDF-4EDC-454B-A8E1-F416E665E75A}"/>
+                </a:ext>
+              </a:extLst>
+            </p:cNvPr>
+            <p:cNvSpPr/>
+            <p:nvPr/>
+          </p:nvSpPr>
+          <p:spPr>
+            <a:xfrm>
+              <a:off x="-846979" y="4300979"/>
+              <a:ext cx="841634" cy="841634"/>
+            </a:xfrm>
+            <a:prstGeom prst="ellipse">
+              <a:avLst/>
+            </a:prstGeom>
+            <a:solidFill>
+              <a:schemeClr val="bg1"/>
+            </a:solidFill>
+            <a:ln>
+              <a:noFill/>
+            </a:ln>
+          </p:spPr>
+          <p:style>
+            <a:lnRef idx="2">
+              <a:schemeClr val="accent1">
+                <a:shade val="50000"/>
+              </a:schemeClr>
+            </a:lnRef>
+            <a:fillRef idx="1">
+              <a:schemeClr val="accent1"/>
+            </a:fillRef>
+            <a:effectRef idx="0">
+              <a:schemeClr val="accent1"/>
+            </a:effectRef>
+            <a:fontRef idx="minor">
+              <a:schemeClr val="lt1"/>
+            </a:fontRef>
+          </p:style>
+          <p:txBody>
+            <a:bodyPr rtlCol="0" anchor="ctr"/>
+            <a:lstStyle/>
+            <a:p>
+              <a:pPr algn="ctr"/>
+              <a:endParaRPr lang="en-US"/>
+            </a:p>
+          </p:txBody>
+        </p:sp>
+        <p:pic>
+          <p:nvPicPr>
+            <p:cNvPr id="19" name="Graphic 18" descr="Computer">
+              <a:extLst>
+                <a:ext uri="{FF2B5EF4-FFF2-40B4-BE49-F238E27FC236}">
+                  <a16:creationId xmlns:a16="http://schemas.microsoft.com/office/drawing/2014/main" id="{A085F650-3CEE-4369-AF85-F9718E965C3F}"/>
+                </a:ext>
+              </a:extLst>
+            </p:cNvPr>
+            <p:cNvPicPr>
+              <a:picLocks noChangeAspect="1"/>
+            </p:cNvPicPr>
+            <p:nvPr/>
+          </p:nvPicPr>
+          <p:blipFill>
+            <a:blip r:embed="rId6">
+              <a:extLst>
+                <a:ext uri="{28A0092B-C50C-407E-A947-70E740481C1C}">
+                  <a14:useLocalDpi xmlns:a14="http://schemas.microsoft.com/office/drawing/2010/main" val="0"/>
+                </a:ext>
+                <a:ext uri="{96DAC541-7B7A-43D3-8B79-37D633B846F1}">
+                  <asvg:svgBlip xmlns:asvg="http://schemas.microsoft.com/office/drawing/2016/SVG/main" r:embed="rId7"/>
+                </a:ext>
+              </a:extLst>
+            </a:blip>
+            <a:stretch>
+              <a:fillRect/>
+            </a:stretch>
+          </p:blipFill>
+          <p:spPr>
+            <a:xfrm>
+              <a:off x="-715262" y="4432700"/>
+              <a:ext cx="578191" cy="578191"/>
+            </a:xfrm>
+            <a:prstGeom prst="rect">
+              <a:avLst/>
+            </a:prstGeom>
+          </p:spPr>
+        </p:pic>
+      </p:grpSp>
+      <p:grpSp>
+        <p:nvGrpSpPr>
+          <p:cNvPr id="20" name="Group 19">
+            <a:extLst>
+              <a:ext uri="{FF2B5EF4-FFF2-40B4-BE49-F238E27FC236}">
+                <a16:creationId xmlns:a16="http://schemas.microsoft.com/office/drawing/2014/main" id="{5C50E7F1-444F-43E3-A8A5-B0B8B9BAAC3A}"/>
+              </a:ext>
+            </a:extLst>
+          </p:cNvPr>
+          <p:cNvGrpSpPr/>
+          <p:nvPr/>
+        </p:nvGrpSpPr>
+        <p:grpSpPr>
+          <a:xfrm>
+            <a:off x="-846981" y="5584251"/>
+            <a:ext cx="841634" cy="841634"/>
+            <a:chOff x="-846981" y="5584251"/>
+            <a:chExt cx="841634" cy="841634"/>
+          </a:xfrm>
+        </p:grpSpPr>
+        <p:sp>
+          <p:nvSpPr>
+            <p:cNvPr id="21" name="Oval 20">
+              <a:extLst>
+                <a:ext uri="{FF2B5EF4-FFF2-40B4-BE49-F238E27FC236}">
+                  <a16:creationId xmlns:a16="http://schemas.microsoft.com/office/drawing/2014/main" id="{3BC5FDE2-3A61-4DF1-86E2-B05DFC1D45AD}"/>
+                </a:ext>
+              </a:extLst>
+            </p:cNvPr>
+            <p:cNvSpPr/>
+            <p:nvPr/>
+          </p:nvSpPr>
+          <p:spPr>
+            <a:xfrm>
+              <a:off x="-846981" y="5584251"/>
+              <a:ext cx="841634" cy="841634"/>
+            </a:xfrm>
+            <a:prstGeom prst="ellipse">
+              <a:avLst/>
+            </a:prstGeom>
+            <a:solidFill>
+              <a:schemeClr val="bg1"/>
+            </a:solidFill>
+            <a:ln>
+              <a:noFill/>
+            </a:ln>
+          </p:spPr>
+          <p:style>
+            <a:lnRef idx="2">
+              <a:schemeClr val="accent1">
+                <a:shade val="50000"/>
+              </a:schemeClr>
+            </a:lnRef>
+            <a:fillRef idx="1">
+              <a:schemeClr val="accent1"/>
+            </a:fillRef>
+            <a:effectRef idx="0">
+              <a:schemeClr val="accent1"/>
+            </a:effectRef>
+            <a:fontRef idx="minor">
+              <a:schemeClr val="lt1"/>
+            </a:fontRef>
+          </p:style>
+          <p:txBody>
+            <a:bodyPr rtlCol="0" anchor="ctr"/>
+            <a:lstStyle/>
+            <a:p>
+              <a:pPr algn="ctr"/>
+              <a:endParaRPr lang="en-US"/>
+            </a:p>
+          </p:txBody>
+        </p:sp>
+        <p:pic>
+          <p:nvPicPr>
+            <p:cNvPr id="22" name="Graphic 21" descr="Web design">
+              <a:extLst>
+                <a:ext uri="{FF2B5EF4-FFF2-40B4-BE49-F238E27FC236}">
+                  <a16:creationId xmlns:a16="http://schemas.microsoft.com/office/drawing/2014/main" id="{63C24EBF-789E-4282-96D8-1D276838910B}"/>
+                </a:ext>
+              </a:extLst>
+            </p:cNvPr>
+            <p:cNvPicPr>
+              <a:picLocks noChangeAspect="1"/>
+            </p:cNvPicPr>
+            <p:nvPr/>
+          </p:nvPicPr>
+          <p:blipFill>
+            <a:blip r:embed="rId8">
+              <a:extLst>
+                <a:ext uri="{28A0092B-C50C-407E-A947-70E740481C1C}">
+                  <a14:useLocalDpi xmlns:a14="http://schemas.microsoft.com/office/drawing/2010/main" val="0"/>
+                </a:ext>
+                <a:ext uri="{96DAC541-7B7A-43D3-8B79-37D633B846F1}">
+                  <asvg:svgBlip xmlns:asvg="http://schemas.microsoft.com/office/drawing/2016/SVG/main" r:embed="rId9"/>
+                </a:ext>
+              </a:extLst>
+            </a:blip>
+            <a:stretch>
+              <a:fillRect/>
+            </a:stretch>
+          </p:blipFill>
+          <p:spPr>
+            <a:xfrm>
+              <a:off x="-715257" y="5715972"/>
+              <a:ext cx="578191" cy="578191"/>
+            </a:xfrm>
+            <a:prstGeom prst="rect">
+              <a:avLst/>
+            </a:prstGeom>
+          </p:spPr>
+        </p:pic>
+      </p:grpSp>
+      <p:grpSp>
+        <p:nvGrpSpPr>
+          <p:cNvPr id="28" name="Group 27">
+            <a:extLst>
+              <a:ext uri="{FF2B5EF4-FFF2-40B4-BE49-F238E27FC236}">
+                <a16:creationId xmlns:a16="http://schemas.microsoft.com/office/drawing/2014/main" id="{E38FFCB3-5F33-4C61-AAF1-DDA6AE2C27B3}"/>
+              </a:ext>
+            </a:extLst>
+          </p:cNvPr>
+          <p:cNvGrpSpPr/>
+          <p:nvPr/>
+        </p:nvGrpSpPr>
+        <p:grpSpPr>
+          <a:xfrm>
+            <a:off x="-841634" y="3008183"/>
+            <a:ext cx="841634" cy="841634"/>
+            <a:chOff x="5675183" y="3005477"/>
+            <a:chExt cx="841634" cy="841634"/>
+          </a:xfrm>
+        </p:grpSpPr>
+        <p:sp>
+          <p:nvSpPr>
+            <p:cNvPr id="29" name="Oval 28">
+              <a:extLst>
+                <a:ext uri="{FF2B5EF4-FFF2-40B4-BE49-F238E27FC236}">
+                  <a16:creationId xmlns:a16="http://schemas.microsoft.com/office/drawing/2014/main" id="{1BE0B4A3-57E8-4C62-9D1D-4F021E2056FE}"/>
+                </a:ext>
+              </a:extLst>
+            </p:cNvPr>
+            <p:cNvSpPr/>
+            <p:nvPr/>
+          </p:nvSpPr>
+          <p:spPr>
+            <a:xfrm>
+              <a:off x="5675183" y="3005477"/>
+              <a:ext cx="841634" cy="841634"/>
+            </a:xfrm>
+            <a:prstGeom prst="ellipse">
+              <a:avLst/>
+            </a:prstGeom>
+            <a:solidFill>
+              <a:srgbClr val="FFFFFF"/>
+            </a:solidFill>
+            <a:ln>
+              <a:noFill/>
+            </a:ln>
+          </p:spPr>
+          <p:style>
+            <a:lnRef idx="2">
+              <a:schemeClr val="accent1">
+                <a:shade val="50000"/>
+              </a:schemeClr>
+            </a:lnRef>
+            <a:fillRef idx="1">
+              <a:schemeClr val="accent1"/>
+            </a:fillRef>
+            <a:effectRef idx="0">
+              <a:schemeClr val="accent1"/>
+            </a:effectRef>
+            <a:fontRef idx="minor">
+              <a:schemeClr val="lt1"/>
+            </a:fontRef>
+          </p:style>
+          <p:txBody>
+            <a:bodyPr rtlCol="0" anchor="ctr"/>
+            <a:lstStyle/>
+            <a:p>
+              <a:pPr algn="ctr"/>
+              <a:endParaRPr lang="en-US"/>
+            </a:p>
+          </p:txBody>
+        </p:sp>
+        <p:pic>
+          <p:nvPicPr>
+            <p:cNvPr id="30" name="Graphic 29" descr="Smart Phone">
+              <a:extLst>
+                <a:ext uri="{FF2B5EF4-FFF2-40B4-BE49-F238E27FC236}">
+                  <a16:creationId xmlns:a16="http://schemas.microsoft.com/office/drawing/2014/main" id="{799A6D27-0847-4276-AAD5-799AC6DB626C}"/>
+                </a:ext>
+              </a:extLst>
+            </p:cNvPr>
+            <p:cNvPicPr>
+              <a:picLocks noChangeAspect="1"/>
+            </p:cNvPicPr>
+            <p:nvPr/>
+          </p:nvPicPr>
+          <p:blipFill>
+            <a:blip r:embed="rId10">
+              <a:extLst>
+                <a:ext uri="{28A0092B-C50C-407E-A947-70E740481C1C}">
+                  <a14:useLocalDpi xmlns:a14="http://schemas.microsoft.com/office/drawing/2010/main" val="0"/>
+                </a:ext>
+                <a:ext uri="{96DAC541-7B7A-43D3-8B79-37D633B846F1}">
+                  <asvg:svgBlip xmlns:asvg="http://schemas.microsoft.com/office/drawing/2016/SVG/main" r:embed="rId11"/>
+                </a:ext>
+              </a:extLst>
+            </a:blip>
+            <a:stretch>
+              <a:fillRect/>
+            </a:stretch>
+          </p:blipFill>
+          <p:spPr>
+            <a:xfrm flipV="1">
+              <a:off x="5806902" y="3137198"/>
+              <a:ext cx="578191" cy="578191"/>
+            </a:xfrm>
+            <a:prstGeom prst="rect">
+              <a:avLst/>
+            </a:prstGeom>
+          </p:spPr>
+        </p:pic>
+      </p:grpSp>
+      <p:sp>
+        <p:nvSpPr>
+          <p:cNvPr id="10" name="Freeform: Shape 9">
+            <a:extLst>
+              <a:ext uri="{FF2B5EF4-FFF2-40B4-BE49-F238E27FC236}">
+                <a16:creationId xmlns:a16="http://schemas.microsoft.com/office/drawing/2014/main" id="{118713A0-7EB7-41F4-AA04-51478B126B2C}"/>
+              </a:ext>
+            </a:extLst>
+          </p:cNvPr>
+          <p:cNvSpPr/>
+          <p:nvPr/>
+        </p:nvSpPr>
+        <p:spPr>
+          <a:xfrm rot="10800000">
+            <a:off x="1739" y="-16472462"/>
+            <a:ext cx="1449238" cy="23553174"/>
+          </a:xfrm>
+          <a:custGeom>
+            <a:avLst/>
+            <a:gdLst>
+              <a:gd name="connsiteX0" fmla="*/ 0 w 1449238"/>
+              <a:gd name="connsiteY0" fmla="*/ 23553174 h 23553174"/>
+              <a:gd name="connsiteX1" fmla="*/ 0 w 1449238"/>
+              <a:gd name="connsiteY1" fmla="*/ 7057620 h 23553174"/>
+              <a:gd name="connsiteX2" fmla="*/ 828826 w 1449238"/>
+              <a:gd name="connsiteY2" fmla="*/ 6213536 h 23553174"/>
+              <a:gd name="connsiteX3" fmla="*/ 0 w 1449238"/>
+              <a:gd name="connsiteY3" fmla="*/ 5369453 h 23553174"/>
+              <a:gd name="connsiteX4" fmla="*/ 0 w 1449238"/>
+              <a:gd name="connsiteY4" fmla="*/ 0 h 23553174"/>
+              <a:gd name="connsiteX5" fmla="*/ 1449238 w 1449238"/>
+              <a:gd name="connsiteY5" fmla="*/ 0 h 23553174"/>
+              <a:gd name="connsiteX6" fmla="*/ 1449238 w 1449238"/>
+              <a:gd name="connsiteY6" fmla="*/ 23553174 h 23553174"/>
+              <a:gd name="connsiteX0" fmla="*/ 0 w 1449238"/>
+              <a:gd name="connsiteY0" fmla="*/ 23553174 h 23553174"/>
+              <a:gd name="connsiteX1" fmla="*/ 0 w 1449238"/>
+              <a:gd name="connsiteY1" fmla="*/ 7057620 h 23553174"/>
+              <a:gd name="connsiteX2" fmla="*/ 828826 w 1449238"/>
+              <a:gd name="connsiteY2" fmla="*/ 6213536 h 23553174"/>
+              <a:gd name="connsiteX3" fmla="*/ 0 w 1449238"/>
+              <a:gd name="connsiteY3" fmla="*/ 5369453 h 23553174"/>
+              <a:gd name="connsiteX4" fmla="*/ 0 w 1449238"/>
+              <a:gd name="connsiteY4" fmla="*/ 0 h 23553174"/>
+              <a:gd name="connsiteX5" fmla="*/ 1449238 w 1449238"/>
+              <a:gd name="connsiteY5" fmla="*/ 0 h 23553174"/>
+              <a:gd name="connsiteX6" fmla="*/ 1449238 w 1449238"/>
+              <a:gd name="connsiteY6" fmla="*/ 23553174 h 23553174"/>
+              <a:gd name="connsiteX7" fmla="*/ 0 w 1449238"/>
+              <a:gd name="connsiteY7" fmla="*/ 23553174 h 23553174"/>
+              <a:gd name="connsiteX0" fmla="*/ 0 w 1449238"/>
+              <a:gd name="connsiteY0" fmla="*/ 23553174 h 23553174"/>
+              <a:gd name="connsiteX1" fmla="*/ 0 w 1449238"/>
+              <a:gd name="connsiteY1" fmla="*/ 7057620 h 23553174"/>
+              <a:gd name="connsiteX2" fmla="*/ 828826 w 1449238"/>
+              <a:gd name="connsiteY2" fmla="*/ 6213536 h 23553174"/>
+              <a:gd name="connsiteX3" fmla="*/ 0 w 1449238"/>
+              <a:gd name="connsiteY3" fmla="*/ 5369453 h 23553174"/>
+              <a:gd name="connsiteX4" fmla="*/ 0 w 1449238"/>
+              <a:gd name="connsiteY4" fmla="*/ 0 h 23553174"/>
+              <a:gd name="connsiteX5" fmla="*/ 1449238 w 1449238"/>
+              <a:gd name="connsiteY5" fmla="*/ 0 h 23553174"/>
+              <a:gd name="connsiteX6" fmla="*/ 1449238 w 1449238"/>
+              <a:gd name="connsiteY6" fmla="*/ 23553174 h 23553174"/>
+              <a:gd name="connsiteX7" fmla="*/ 0 w 1449238"/>
+              <a:gd name="connsiteY7" fmla="*/ 23553174 h 23553174"/>
+              <a:gd name="connsiteX0" fmla="*/ 0 w 1449238"/>
+              <a:gd name="connsiteY0" fmla="*/ 23553174 h 23553174"/>
+              <a:gd name="connsiteX1" fmla="*/ 0 w 1449238"/>
+              <a:gd name="connsiteY1" fmla="*/ 7057620 h 23553174"/>
+              <a:gd name="connsiteX2" fmla="*/ 828826 w 1449238"/>
+              <a:gd name="connsiteY2" fmla="*/ 6213536 h 23553174"/>
+              <a:gd name="connsiteX3" fmla="*/ 0 w 1449238"/>
+              <a:gd name="connsiteY3" fmla="*/ 5369453 h 23553174"/>
+              <a:gd name="connsiteX4" fmla="*/ 0 w 1449238"/>
+              <a:gd name="connsiteY4" fmla="*/ 0 h 23553174"/>
+              <a:gd name="connsiteX5" fmla="*/ 1449238 w 1449238"/>
+              <a:gd name="connsiteY5" fmla="*/ 0 h 23553174"/>
+              <a:gd name="connsiteX6" fmla="*/ 1449238 w 1449238"/>
+              <a:gd name="connsiteY6" fmla="*/ 23553174 h 23553174"/>
+              <a:gd name="connsiteX7" fmla="*/ 0 w 1449238"/>
+              <a:gd name="connsiteY7" fmla="*/ 23553174 h 23553174"/>
+              <a:gd name="connsiteX0" fmla="*/ 0 w 1449238"/>
+              <a:gd name="connsiteY0" fmla="*/ 23553174 h 23553174"/>
+              <a:gd name="connsiteX1" fmla="*/ 0 w 1449238"/>
+              <a:gd name="connsiteY1" fmla="*/ 7057620 h 23553174"/>
+              <a:gd name="connsiteX2" fmla="*/ 828826 w 1449238"/>
+              <a:gd name="connsiteY2" fmla="*/ 6213536 h 23553174"/>
+              <a:gd name="connsiteX3" fmla="*/ 0 w 1449238"/>
+              <a:gd name="connsiteY3" fmla="*/ 5369453 h 23553174"/>
+              <a:gd name="connsiteX4" fmla="*/ 0 w 1449238"/>
+              <a:gd name="connsiteY4" fmla="*/ 0 h 23553174"/>
+              <a:gd name="connsiteX5" fmla="*/ 1449238 w 1449238"/>
+              <a:gd name="connsiteY5" fmla="*/ 0 h 23553174"/>
+              <a:gd name="connsiteX6" fmla="*/ 1449238 w 1449238"/>
+              <a:gd name="connsiteY6" fmla="*/ 23553174 h 23553174"/>
+              <a:gd name="connsiteX7" fmla="*/ 0 w 1449238"/>
+              <a:gd name="connsiteY7" fmla="*/ 23553174 h 23553174"/>
+              <a:gd name="connsiteX0" fmla="*/ 0 w 1449238"/>
+              <a:gd name="connsiteY0" fmla="*/ 23553174 h 23553174"/>
+              <a:gd name="connsiteX1" fmla="*/ 0 w 1449238"/>
+              <a:gd name="connsiteY1" fmla="*/ 7057620 h 23553174"/>
+              <a:gd name="connsiteX2" fmla="*/ 581176 w 1449238"/>
+              <a:gd name="connsiteY2" fmla="*/ 6213536 h 23553174"/>
+              <a:gd name="connsiteX3" fmla="*/ 0 w 1449238"/>
+              <a:gd name="connsiteY3" fmla="*/ 5369453 h 23553174"/>
+              <a:gd name="connsiteX4" fmla="*/ 0 w 1449238"/>
+              <a:gd name="connsiteY4" fmla="*/ 0 h 23553174"/>
+              <a:gd name="connsiteX5" fmla="*/ 1449238 w 1449238"/>
+              <a:gd name="connsiteY5" fmla="*/ 0 h 23553174"/>
+              <a:gd name="connsiteX6" fmla="*/ 1449238 w 1449238"/>
+              <a:gd name="connsiteY6" fmla="*/ 23553174 h 23553174"/>
+              <a:gd name="connsiteX7" fmla="*/ 0 w 1449238"/>
+              <a:gd name="connsiteY7" fmla="*/ 23553174 h 23553174"/>
+              <a:gd name="connsiteX0" fmla="*/ 0 w 1449238"/>
+              <a:gd name="connsiteY0" fmla="*/ 23553174 h 23553174"/>
+              <a:gd name="connsiteX1" fmla="*/ 0 w 1449238"/>
+              <a:gd name="connsiteY1" fmla="*/ 7057620 h 23553174"/>
+              <a:gd name="connsiteX2" fmla="*/ 564507 w 1449238"/>
+              <a:gd name="connsiteY2" fmla="*/ 6215918 h 23553174"/>
+              <a:gd name="connsiteX3" fmla="*/ 0 w 1449238"/>
+              <a:gd name="connsiteY3" fmla="*/ 5369453 h 23553174"/>
+              <a:gd name="connsiteX4" fmla="*/ 0 w 1449238"/>
+              <a:gd name="connsiteY4" fmla="*/ 0 h 23553174"/>
+              <a:gd name="connsiteX5" fmla="*/ 1449238 w 1449238"/>
+              <a:gd name="connsiteY5" fmla="*/ 0 h 23553174"/>
+              <a:gd name="connsiteX6" fmla="*/ 1449238 w 1449238"/>
+              <a:gd name="connsiteY6" fmla="*/ 23553174 h 23553174"/>
+              <a:gd name="connsiteX7" fmla="*/ 0 w 1449238"/>
+              <a:gd name="connsiteY7" fmla="*/ 23553174 h 23553174"/>
+            </a:gdLst>
+            <a:ahLst/>
+            <a:cxnLst>
+              <a:cxn ang="0">
+                <a:pos x="connsiteX0" y="connsiteY0"/>
+              </a:cxn>
+              <a:cxn ang="0">
+                <a:pos x="connsiteX1" y="connsiteY1"/>
+              </a:cxn>
+              <a:cxn ang="0">
+                <a:pos x="connsiteX2" y="connsiteY2"/>
+              </a:cxn>
+              <a:cxn ang="0">
+                <a:pos x="connsiteX3" y="connsiteY3"/>
+              </a:cxn>
+              <a:cxn ang="0">
+                <a:pos x="connsiteX4" y="connsiteY4"/>
+              </a:cxn>
+              <a:cxn ang="0">
+                <a:pos x="connsiteX5" y="connsiteY5"/>
+              </a:cxn>
+              <a:cxn ang="0">
+                <a:pos x="connsiteX6" y="connsiteY6"/>
+              </a:cxn>
+              <a:cxn ang="0">
+                <a:pos x="connsiteX7" y="connsiteY7"/>
+              </a:cxn>
+            </a:cxnLst>
+            <a:rect l="l" t="t" r="r" b="b"/>
+            <a:pathLst>
+              <a:path w="1449238" h="23553174">
+                <a:moveTo>
+                  <a:pt x="0" y="23553174"/>
+                </a:moveTo>
+                <a:lnTo>
+                  <a:pt x="0" y="7057620"/>
+                </a:lnTo>
+                <a:cubicBezTo>
+                  <a:pt x="4812" y="6633384"/>
+                  <a:pt x="564557" y="6719529"/>
+                  <a:pt x="564507" y="6215918"/>
+                </a:cubicBezTo>
+                <a:cubicBezTo>
+                  <a:pt x="564457" y="5712307"/>
+                  <a:pt x="2431" y="5798452"/>
+                  <a:pt x="0" y="5369453"/>
+                </a:cubicBezTo>
+                <a:lnTo>
+                  <a:pt x="0" y="0"/>
+                </a:lnTo>
+                <a:lnTo>
+                  <a:pt x="1449238" y="0"/>
+                </a:lnTo>
+                <a:lnTo>
+                  <a:pt x="1449238" y="23553174"/>
+                </a:lnTo>
+                <a:lnTo>
+                  <a:pt x="0" y="23553174"/>
+                </a:lnTo>
+                <a:close/>
+              </a:path>
+            </a:pathLst>
+          </a:custGeom>
+          <a:solidFill>
+            <a:schemeClr val="bg1"/>
+          </a:solidFill>
+          <a:ln>
+            <a:noFill/>
+          </a:ln>
+        </p:spPr>
+        <p:style>
+          <a:lnRef idx="2">
+            <a:schemeClr val="accent1">
+              <a:shade val="50000"/>
+            </a:schemeClr>
+          </a:lnRef>
+          <a:fillRef idx="1">
+            <a:schemeClr val="accent1"/>
+          </a:fillRef>
+          <a:effectRef idx="0">
+            <a:schemeClr val="accent1"/>
+          </a:effectRef>
+          <a:fontRef idx="minor">
+            <a:schemeClr val="lt1"/>
+          </a:fontRef>
+        </p:style>
+        <p:txBody>
+          <a:bodyPr wrap="square" rtlCol="0" anchor="ctr">
+            <a:noAutofit/>
+          </a:bodyPr>
+          <a:lstStyle/>
+          <a:p>
+            <a:pPr algn="ctr"/>
+            <a:endParaRPr lang="en-US"/>
+          </a:p>
+        </p:txBody>
+      </p:sp>
+      <p:pic>
+        <p:nvPicPr>
+          <p:cNvPr id="23" name="Graphic 22" descr="Group of men">
+            <a:hlinkClick r:id="rId12" action="ppaction://hlinksldjump"/>
+            <a:extLst>
+              <a:ext uri="{FF2B5EF4-FFF2-40B4-BE49-F238E27FC236}">
+                <a16:creationId xmlns:a16="http://schemas.microsoft.com/office/drawing/2014/main" id="{6B1B6614-2A22-4BA5-9BA2-14DAC91EEF35}"/>
+              </a:ext>
+            </a:extLst>
+          </p:cNvPr>
+          <p:cNvPicPr>
+            <a:picLocks noChangeAspect="1"/>
+          </p:cNvPicPr>
+          <p:nvPr/>
+        </p:nvPicPr>
+        <p:blipFill>
+          <a:blip r:embed="rId13">
+            <a:extLst>
+              <a:ext uri="{28A0092B-C50C-407E-A947-70E740481C1C}">
+                <a14:useLocalDpi xmlns:a14="http://schemas.microsoft.com/office/drawing/2010/main" val="0"/>
+              </a:ext>
+              <a:ext uri="{96DAC541-7B7A-43D3-8B79-37D633B846F1}">
+                <asvg:svgBlip xmlns:asvg="http://schemas.microsoft.com/office/drawing/2016/SVG/main" r:embed="rId14"/>
+              </a:ext>
+            </a:extLst>
+          </a:blip>
+          <a:stretch>
+            <a:fillRect/>
+          </a:stretch>
+        </p:blipFill>
+        <p:spPr>
+          <a:xfrm>
+            <a:off x="437264" y="582884"/>
+            <a:ext cx="578191" cy="578191"/>
+          </a:xfrm>
+          <a:prstGeom prst="rect">
+            <a:avLst/>
+          </a:prstGeom>
+        </p:spPr>
+      </p:pic>
+      <p:pic>
+        <p:nvPicPr>
+          <p:cNvPr id="24" name="Graphic 23" descr="Server">
+            <a:hlinkClick r:id="rId15" action="ppaction://hlinksldjump"/>
+            <a:extLst>
+              <a:ext uri="{FF2B5EF4-FFF2-40B4-BE49-F238E27FC236}">
+                <a16:creationId xmlns:a16="http://schemas.microsoft.com/office/drawing/2014/main" id="{DECA15C3-6AEE-4D0C-9526-1E7AAF61F746}"/>
+              </a:ext>
+            </a:extLst>
+          </p:cNvPr>
+          <p:cNvPicPr>
+            <a:picLocks noChangeAspect="1"/>
+          </p:cNvPicPr>
+          <p:nvPr/>
+        </p:nvPicPr>
+        <p:blipFill>
+          <a:blip r:embed="rId16">
+            <a:extLst>
+              <a:ext uri="{28A0092B-C50C-407E-A947-70E740481C1C}">
+                <a14:useLocalDpi xmlns:a14="http://schemas.microsoft.com/office/drawing/2010/main" val="0"/>
+              </a:ext>
+              <a:ext uri="{96DAC541-7B7A-43D3-8B79-37D633B846F1}">
+                <asvg:svgBlip xmlns:asvg="http://schemas.microsoft.com/office/drawing/2016/SVG/main" r:embed="rId17"/>
+              </a:ext>
+            </a:extLst>
+          </a:blip>
+          <a:stretch>
+            <a:fillRect/>
+          </a:stretch>
+        </p:blipFill>
+        <p:spPr>
+          <a:xfrm>
+            <a:off x="437264" y="1875053"/>
+            <a:ext cx="578191" cy="578191"/>
+          </a:xfrm>
+          <a:prstGeom prst="rect">
+            <a:avLst/>
+          </a:prstGeom>
+        </p:spPr>
+      </p:pic>
+      <p:pic>
+        <p:nvPicPr>
+          <p:cNvPr id="25" name="Graphic 24" descr="Smart Phone">
+            <a:hlinkClick r:id="rId18" action="ppaction://hlinksldjump"/>
+            <a:extLst>
+              <a:ext uri="{FF2B5EF4-FFF2-40B4-BE49-F238E27FC236}">
+                <a16:creationId xmlns:a16="http://schemas.microsoft.com/office/drawing/2014/main" id="{F1EE70D3-5FB8-47D0-AC38-5B01EF3600C6}"/>
+              </a:ext>
+            </a:extLst>
+          </p:cNvPr>
+          <p:cNvPicPr>
+            <a:picLocks noChangeAspect="1"/>
+          </p:cNvPicPr>
+          <p:nvPr/>
+        </p:nvPicPr>
+        <p:blipFill>
+          <a:blip r:embed="rId19">
+            <a:extLst>
+              <a:ext uri="{28A0092B-C50C-407E-A947-70E740481C1C}">
+                <a14:useLocalDpi xmlns:a14="http://schemas.microsoft.com/office/drawing/2010/main" val="0"/>
+              </a:ext>
+              <a:ext uri="{96DAC541-7B7A-43D3-8B79-37D633B846F1}">
+                <asvg:svgBlip xmlns:asvg="http://schemas.microsoft.com/office/drawing/2016/SVG/main" r:embed="rId20"/>
+              </a:ext>
+            </a:extLst>
+          </a:blip>
+          <a:stretch>
+            <a:fillRect/>
+          </a:stretch>
+        </p:blipFill>
+        <p:spPr>
+          <a:xfrm flipV="1">
+            <a:off x="437265" y="3149428"/>
+            <a:ext cx="578191" cy="578191"/>
+          </a:xfrm>
+          <a:prstGeom prst="rect">
+            <a:avLst/>
+          </a:prstGeom>
+        </p:spPr>
+      </p:pic>
+      <p:pic>
+        <p:nvPicPr>
+          <p:cNvPr id="26" name="Graphic 25" descr="Computer">
+            <a:hlinkClick r:id="rId21" action="ppaction://hlinksldjump"/>
+            <a:extLst>
+              <a:ext uri="{FF2B5EF4-FFF2-40B4-BE49-F238E27FC236}">
+                <a16:creationId xmlns:a16="http://schemas.microsoft.com/office/drawing/2014/main" id="{23824DE2-97FB-4180-9F90-AB78C9A49E19}"/>
+              </a:ext>
+            </a:extLst>
+          </p:cNvPr>
+          <p:cNvPicPr>
+            <a:picLocks noChangeAspect="1"/>
+          </p:cNvPicPr>
+          <p:nvPr/>
+        </p:nvPicPr>
+        <p:blipFill>
+          <a:blip r:embed="rId22">
+            <a:extLst>
+              <a:ext uri="{28A0092B-C50C-407E-A947-70E740481C1C}">
+                <a14:useLocalDpi xmlns:a14="http://schemas.microsoft.com/office/drawing/2010/main" val="0"/>
+              </a:ext>
+              <a:ext uri="{96DAC541-7B7A-43D3-8B79-37D633B846F1}">
+                <asvg:svgBlip xmlns:asvg="http://schemas.microsoft.com/office/drawing/2016/SVG/main" r:embed="rId23"/>
+              </a:ext>
+            </a:extLst>
+          </a:blip>
+          <a:stretch>
+            <a:fillRect/>
+          </a:stretch>
+        </p:blipFill>
+        <p:spPr>
+          <a:xfrm>
+            <a:off x="437263" y="4432700"/>
+            <a:ext cx="578191" cy="578191"/>
+          </a:xfrm>
+          <a:prstGeom prst="rect">
+            <a:avLst/>
+          </a:prstGeom>
+        </p:spPr>
+      </p:pic>
+      <p:pic>
+        <p:nvPicPr>
+          <p:cNvPr id="27" name="Graphic 26" descr="Web design">
+            <a:hlinkClick r:id="rId24" action="ppaction://hlinksldjump"/>
+            <a:extLst>
+              <a:ext uri="{FF2B5EF4-FFF2-40B4-BE49-F238E27FC236}">
+                <a16:creationId xmlns:a16="http://schemas.microsoft.com/office/drawing/2014/main" id="{366FD595-4570-4086-865F-42E763D15FC0}"/>
+              </a:ext>
+            </a:extLst>
+          </p:cNvPr>
+          <p:cNvPicPr>
+            <a:picLocks noChangeAspect="1"/>
+          </p:cNvPicPr>
+          <p:nvPr/>
+        </p:nvPicPr>
+        <p:blipFill>
+          <a:blip r:embed="rId25">
+            <a:extLst>
+              <a:ext uri="{28A0092B-C50C-407E-A947-70E740481C1C}">
+                <a14:useLocalDpi xmlns:a14="http://schemas.microsoft.com/office/drawing/2010/main" val="0"/>
+              </a:ext>
+              <a:ext uri="{96DAC541-7B7A-43D3-8B79-37D633B846F1}">
+                <asvg:svgBlip xmlns:asvg="http://schemas.microsoft.com/office/drawing/2016/SVG/main" r:embed="rId26"/>
+              </a:ext>
+            </a:extLst>
+          </a:blip>
+          <a:stretch>
+            <a:fillRect/>
+          </a:stretch>
+        </p:blipFill>
+        <p:spPr>
+          <a:xfrm>
+            <a:off x="437268" y="5715972"/>
+            <a:ext cx="578191" cy="578191"/>
+          </a:xfrm>
+          <a:prstGeom prst="rect">
+            <a:avLst/>
+          </a:prstGeom>
+        </p:spPr>
+      </p:pic>
+      <p:sp>
+        <p:nvSpPr>
+          <p:cNvPr id="31" name="Rectangle 30">
+            <a:extLst>
+              <a:ext uri="{FF2B5EF4-FFF2-40B4-BE49-F238E27FC236}">
+                <a16:creationId xmlns:a16="http://schemas.microsoft.com/office/drawing/2014/main" id="{0E3F1719-A51C-42D6-A0EE-5759CDCDA984}"/>
+              </a:ext>
+            </a:extLst>
+          </p:cNvPr>
+          <p:cNvSpPr/>
+          <p:nvPr/>
+        </p:nvSpPr>
+        <p:spPr>
+          <a:xfrm>
+            <a:off x="2043877" y="-1"/>
+            <a:ext cx="12190262" cy="6858000"/>
+          </a:xfrm>
+          <a:prstGeom prst="rect">
+            <a:avLst/>
+          </a:prstGeom>
+          <a:solidFill>
+            <a:srgbClr val="00F5D4"/>
+          </a:solidFill>
+        </p:spPr>
+        <p:style>
+          <a:lnRef idx="2">
+            <a:schemeClr val="accent1">
+              <a:shade val="50000"/>
+            </a:schemeClr>
+          </a:lnRef>
+          <a:fillRef idx="1">
+            <a:schemeClr val="accent1"/>
+          </a:fillRef>
+          <a:effectRef idx="0">
+            <a:schemeClr val="accent1"/>
+          </a:effectRef>
+          <a:fontRef idx="minor">
+            <a:schemeClr val="lt1"/>
+          </a:fontRef>
+        </p:style>
+        <p:txBody>
+          <a:bodyPr rtlCol="0" anchor="ctr"/>
+          <a:lstStyle/>
+          <a:p>
+            <a:pPr algn="ctr"/>
+            <a:r>
+              <a:rPr lang="en-GB" sz="4400" dirty="0" err="1"/>
+              <a:t>Helo</a:t>
+            </a:r>
+            <a:r>
+              <a:rPr lang="en-GB" sz="4400" dirty="0"/>
+              <a:t> </a:t>
+            </a:r>
+            <a:r>
+              <a:rPr lang="en-GB" sz="4400" dirty="0" err="1"/>
+              <a:t>helo</a:t>
+            </a:r>
+            <a:r>
+              <a:rPr lang="en-GB" sz="4400" dirty="0"/>
+              <a:t> </a:t>
+            </a:r>
+            <a:r>
+              <a:rPr lang="en-GB" sz="4400" dirty="0" err="1"/>
+              <a:t>sziasztok</a:t>
+            </a:r>
+            <a:r>
+              <a:rPr lang="en-GB" sz="4400" dirty="0"/>
+              <a:t>, </a:t>
+            </a:r>
+            <a:r>
+              <a:rPr lang="en-GB" sz="4400" dirty="0" err="1"/>
+              <a:t>itt</a:t>
+            </a:r>
+            <a:r>
+              <a:rPr lang="en-GB" sz="4400" dirty="0"/>
+              <a:t> a </a:t>
+            </a:r>
+            <a:r>
+              <a:rPr lang="en-GB" sz="4400" dirty="0" err="1"/>
+              <a:t>tnote</a:t>
+            </a:r>
+            <a:r>
+              <a:rPr lang="en-GB" sz="4400" dirty="0"/>
+              <a:t> </a:t>
+            </a:r>
+            <a:r>
+              <a:rPr lang="en-GB" sz="4400" dirty="0" err="1"/>
+              <a:t>csapat</a:t>
+            </a:r>
+            <a:r>
+              <a:rPr lang="en-GB" sz="4400" dirty="0"/>
+              <a:t>, a </a:t>
+            </a:r>
+            <a:r>
+              <a:rPr lang="en-GB" sz="4400" dirty="0" err="1"/>
+              <a:t>mai</a:t>
+            </a:r>
+            <a:r>
+              <a:rPr lang="en-GB" sz="4400" dirty="0"/>
+              <a:t> </a:t>
+            </a:r>
+            <a:r>
+              <a:rPr lang="en-GB" sz="4400" dirty="0" err="1"/>
+              <a:t>eloadasban</a:t>
+            </a:r>
+            <a:r>
+              <a:rPr lang="en-GB" sz="4400" dirty="0"/>
+              <a:t> </a:t>
+            </a:r>
+            <a:r>
+              <a:rPr lang="en-GB" sz="4400" dirty="0" err="1"/>
+              <a:t>epitunk</a:t>
+            </a:r>
+            <a:r>
+              <a:rPr lang="en-GB" sz="4400" dirty="0"/>
+              <a:t> 3 automata </a:t>
+            </a:r>
+            <a:r>
+              <a:rPr lang="en-GB" sz="4400" dirty="0" err="1"/>
+              <a:t>redstone</a:t>
+            </a:r>
+            <a:r>
+              <a:rPr lang="en-GB" sz="4400" dirty="0"/>
+              <a:t> </a:t>
+            </a:r>
+            <a:r>
+              <a:rPr lang="en-GB" sz="4400" dirty="0" err="1"/>
+              <a:t>sutot</a:t>
+            </a:r>
+            <a:r>
+              <a:rPr lang="en-GB" sz="4400" dirty="0"/>
+              <a:t>, 2 automata </a:t>
+            </a:r>
+            <a:r>
+              <a:rPr lang="en-GB" sz="4400" dirty="0" err="1"/>
+              <a:t>buzafarmot</a:t>
+            </a:r>
+            <a:r>
+              <a:rPr lang="en-GB" sz="4400" dirty="0"/>
+              <a:t> </a:t>
+            </a:r>
+            <a:r>
+              <a:rPr lang="en-GB" sz="4400" dirty="0" err="1"/>
+              <a:t>és</a:t>
+            </a:r>
+            <a:r>
+              <a:rPr lang="en-GB" sz="4400" dirty="0"/>
+              <a:t> ha </a:t>
+            </a:r>
+            <a:r>
+              <a:rPr lang="en-GB" sz="4400" dirty="0" err="1"/>
+              <a:t>marad</a:t>
+            </a:r>
+            <a:r>
+              <a:rPr lang="en-GB" sz="4400" dirty="0"/>
+              <a:t> </a:t>
+            </a:r>
+            <a:r>
+              <a:rPr lang="en-GB" sz="4400" dirty="0" err="1"/>
+              <a:t>ido</a:t>
+            </a:r>
+            <a:r>
+              <a:rPr lang="en-GB" sz="4400" dirty="0"/>
+              <a:t> </a:t>
+            </a:r>
+            <a:r>
+              <a:rPr lang="en-GB" sz="4400" dirty="0" err="1"/>
+              <a:t>besegitunk</a:t>
+            </a:r>
+            <a:r>
+              <a:rPr lang="en-GB" sz="4400" dirty="0"/>
+              <a:t> a Manhattan </a:t>
+            </a:r>
+            <a:r>
+              <a:rPr lang="en-GB" sz="4400" dirty="0" err="1"/>
+              <a:t>tervbe</a:t>
+            </a:r>
+            <a:r>
+              <a:rPr lang="en-GB" sz="4400" dirty="0"/>
+              <a:t> is</a:t>
+            </a:r>
+            <a:endParaRPr lang="en-US" sz="4400" dirty="0"/>
+          </a:p>
+        </p:txBody>
+      </p:sp>
+    </p:spTree>
+    <p:extLst>
+      <p:ext uri="{BB962C8B-B14F-4D97-AF65-F5344CB8AC3E}">
+        <p14:creationId xmlns:p14="http://schemas.microsoft.com/office/powerpoint/2010/main" val="4216656902"/>
+      </p:ext>
+    </p:extLst>
+  </p:cSld>
+  <p:clrMapOvr>
+    <a:masterClrMapping/>
+  </p:clrMapOvr>
+  <mc:AlternateContent xmlns:mc="http://schemas.openxmlformats.org/markup-compatibility/2006">
+    <mc:Choice xmlns:p159="http://schemas.microsoft.com/office/powerpoint/2015/09/main" Requires="p159">
+      <p:transition spd="med" advClick="0" advTm="0">
+        <p159:morph option="byObject"/>
+      </p:transition>
+    </mc:Choice>
+    <mc:Fallback>
+      <p:transition spd="med" advClick="0" advTm="0">
+        <p:fade/>
+      </p:transition>
+    </mc:Fallback>
+  </mc:AlternateContent>
+</p:sld>
+</file>
+
+<file path=ppt/slides/slide3.xml><?xml version="1.0" encoding="utf-8"?>
+<p:sld xmlns:a="http://schemas.openxmlformats.org/drawingml/2006/main" xmlns:r="http://schemas.openxmlformats.org/officeDocument/2006/relationships" xmlns:p="http://schemas.openxmlformats.org/presentationml/2006/main">
+  <p:cSld>
+    <p:bg>
+      <p:bgPr>
+        <a:solidFill>
+          <a:srgbClr val="6500EE"/>
+        </a:solidFill>
+        <a:effectLst/>
+      </p:bgPr>
+    </p:bg>
+    <p:spTree>
+      <p:nvGrpSpPr>
+        <p:cNvPr id="1" name=""/>
+        <p:cNvGrpSpPr/>
+        <p:nvPr/>
+      </p:nvGrpSpPr>
+      <p:grpSpPr>
+        <a:xfrm>
+          <a:off x="0" y="0"/>
+          <a:ext cx="0" cy="0"/>
+          <a:chOff x="0" y="0"/>
+          <a:chExt cx="0" cy="0"/>
+        </a:xfrm>
+      </p:grpSpPr>
+      <p:sp>
+        <p:nvSpPr>
+          <p:cNvPr id="31" name="Rectangle 30">
+            <a:extLst>
+              <a:ext uri="{FF2B5EF4-FFF2-40B4-BE49-F238E27FC236}">
+                <a16:creationId xmlns:a16="http://schemas.microsoft.com/office/drawing/2014/main" id="{0E3F1719-A51C-42D6-A0EE-5759CDCDA984}"/>
+              </a:ext>
+            </a:extLst>
+          </p:cNvPr>
+          <p:cNvSpPr/>
+          <p:nvPr/>
+        </p:nvSpPr>
+        <p:spPr>
+          <a:xfrm>
+            <a:off x="2043877" y="-1"/>
+            <a:ext cx="12190262" cy="6858000"/>
+          </a:xfrm>
+          <a:prstGeom prst="rect">
+            <a:avLst/>
+          </a:prstGeom>
+          <a:solidFill>
+            <a:srgbClr val="00F5D4"/>
+          </a:solidFill>
+        </p:spPr>
+        <p:style>
+          <a:lnRef idx="2">
+            <a:schemeClr val="accent1">
+              <a:shade val="50000"/>
+            </a:schemeClr>
+          </a:lnRef>
+          <a:fillRef idx="1">
+            <a:schemeClr val="accent1"/>
+          </a:fillRef>
+          <a:effectRef idx="0">
+            <a:schemeClr val="accent1"/>
+          </a:effectRef>
+          <a:fontRef idx="minor">
+            <a:schemeClr val="lt1"/>
+          </a:fontRef>
+        </p:style>
+        <p:txBody>
+          <a:bodyPr rtlCol="0" anchor="ctr"/>
+          <a:lstStyle/>
+          <a:p>
+            <a:pPr algn="ctr"/>
+            <a:r>
+              <a:rPr lang="en-GB" sz="4400" dirty="0" err="1"/>
+              <a:t>Helo</a:t>
+            </a:r>
+            <a:r>
+              <a:rPr lang="en-GB" sz="4400" dirty="0"/>
+              <a:t> </a:t>
+            </a:r>
+            <a:r>
+              <a:rPr lang="en-GB" sz="4400" dirty="0" err="1"/>
+              <a:t>helo</a:t>
+            </a:r>
+            <a:r>
+              <a:rPr lang="en-GB" sz="4400" dirty="0"/>
+              <a:t> </a:t>
+            </a:r>
+            <a:r>
+              <a:rPr lang="en-GB" sz="4400" dirty="0" err="1"/>
+              <a:t>sziasztok</a:t>
+            </a:r>
+            <a:r>
+              <a:rPr lang="en-GB" sz="4400" dirty="0"/>
+              <a:t>, </a:t>
+            </a:r>
+            <a:r>
+              <a:rPr lang="en-GB" sz="4400" dirty="0" err="1"/>
+              <a:t>itt</a:t>
+            </a:r>
+            <a:r>
+              <a:rPr lang="en-GB" sz="4400" dirty="0"/>
+              <a:t> a </a:t>
+            </a:r>
+            <a:r>
+              <a:rPr lang="en-GB" sz="4400" dirty="0" err="1"/>
+              <a:t>tnote</a:t>
+            </a:r>
+            <a:r>
+              <a:rPr lang="en-GB" sz="4400" dirty="0"/>
+              <a:t> </a:t>
+            </a:r>
+            <a:r>
+              <a:rPr lang="en-GB" sz="4400" dirty="0" err="1"/>
+              <a:t>csapat</a:t>
+            </a:r>
+            <a:r>
+              <a:rPr lang="en-GB" sz="4400" dirty="0"/>
+              <a:t>, a </a:t>
+            </a:r>
+            <a:r>
+              <a:rPr lang="en-GB" sz="4400" dirty="0" err="1"/>
+              <a:t>mai</a:t>
+            </a:r>
+            <a:r>
+              <a:rPr lang="en-GB" sz="4400" dirty="0"/>
+              <a:t> </a:t>
+            </a:r>
+            <a:r>
+              <a:rPr lang="en-GB" sz="4400" dirty="0" err="1"/>
+              <a:t>eloadasban</a:t>
+            </a:r>
+            <a:r>
+              <a:rPr lang="en-GB" sz="4400" dirty="0"/>
+              <a:t> </a:t>
+            </a:r>
+            <a:r>
+              <a:rPr lang="en-GB" sz="4400" dirty="0" err="1"/>
+              <a:t>epitunk</a:t>
+            </a:r>
+            <a:r>
+              <a:rPr lang="en-GB" sz="4400" dirty="0"/>
+              <a:t> 3 automata </a:t>
+            </a:r>
+            <a:r>
+              <a:rPr lang="en-GB" sz="4400" dirty="0" err="1"/>
+              <a:t>redstone</a:t>
+            </a:r>
+            <a:r>
+              <a:rPr lang="en-GB" sz="4400" dirty="0"/>
+              <a:t> </a:t>
+            </a:r>
+            <a:r>
+              <a:rPr lang="en-GB" sz="4400" dirty="0" err="1"/>
+              <a:t>sutot</a:t>
+            </a:r>
+            <a:r>
+              <a:rPr lang="en-GB" sz="4400" dirty="0"/>
+              <a:t>, 2 automata </a:t>
+            </a:r>
+            <a:r>
+              <a:rPr lang="en-GB" sz="4400" dirty="0" err="1"/>
+              <a:t>buzafarmot</a:t>
+            </a:r>
+            <a:r>
+              <a:rPr lang="en-GB" sz="4400" dirty="0"/>
+              <a:t> </a:t>
+            </a:r>
+            <a:r>
+              <a:rPr lang="en-GB" sz="4400" dirty="0" err="1"/>
+              <a:t>és</a:t>
+            </a:r>
+            <a:r>
+              <a:rPr lang="en-GB" sz="4400" dirty="0"/>
+              <a:t> ha </a:t>
+            </a:r>
+            <a:r>
+              <a:rPr lang="en-GB" sz="4400" dirty="0" err="1"/>
+              <a:t>marad</a:t>
+            </a:r>
+            <a:r>
+              <a:rPr lang="en-GB" sz="4400" dirty="0"/>
+              <a:t> </a:t>
+            </a:r>
+            <a:r>
+              <a:rPr lang="en-GB" sz="4400" dirty="0" err="1"/>
+              <a:t>ido</a:t>
+            </a:r>
+            <a:r>
+              <a:rPr lang="en-GB" sz="4400" dirty="0"/>
+              <a:t> </a:t>
+            </a:r>
+            <a:r>
+              <a:rPr lang="en-GB" sz="4400" dirty="0" err="1"/>
+              <a:t>besegitunk</a:t>
+            </a:r>
+            <a:r>
+              <a:rPr lang="en-GB" sz="4400" dirty="0"/>
+              <a:t> a Manhattan </a:t>
+            </a:r>
+            <a:r>
+              <a:rPr lang="en-GB" sz="4400" dirty="0" err="1"/>
+              <a:t>tervbe</a:t>
+            </a:r>
+            <a:r>
+              <a:rPr lang="en-GB" sz="4400" dirty="0"/>
+              <a:t> is</a:t>
+            </a:r>
+            <a:endParaRPr lang="en-US" sz="4400" dirty="0"/>
+          </a:p>
+        </p:txBody>
+      </p:sp>
+      <p:grpSp>
+        <p:nvGrpSpPr>
+          <p:cNvPr id="11" name="Group 10">
+            <a:extLst>
+              <a:ext uri="{FF2B5EF4-FFF2-40B4-BE49-F238E27FC236}">
+                <a16:creationId xmlns:a16="http://schemas.microsoft.com/office/drawing/2014/main" id="{2FD25B7A-0646-44A0-A58F-0D968DED6F84}"/>
+              </a:ext>
+            </a:extLst>
+          </p:cNvPr>
+          <p:cNvGrpSpPr/>
+          <p:nvPr/>
+        </p:nvGrpSpPr>
+        <p:grpSpPr>
+          <a:xfrm>
+            <a:off x="1030161" y="451163"/>
+            <a:ext cx="841634" cy="841634"/>
+            <a:chOff x="-841634" y="451163"/>
+            <a:chExt cx="841634" cy="841634"/>
+          </a:xfrm>
+        </p:grpSpPr>
+        <p:sp>
+          <p:nvSpPr>
+            <p:cNvPr id="12" name="Oval 11">
+              <a:extLst>
+                <a:ext uri="{FF2B5EF4-FFF2-40B4-BE49-F238E27FC236}">
+                  <a16:creationId xmlns:a16="http://schemas.microsoft.com/office/drawing/2014/main" id="{F7D203E2-6FD0-45C8-B3B8-8D523D4343FC}"/>
+                </a:ext>
+              </a:extLst>
+            </p:cNvPr>
+            <p:cNvSpPr/>
+            <p:nvPr/>
+          </p:nvSpPr>
+          <p:spPr>
+            <a:xfrm>
+              <a:off x="-841634" y="451163"/>
+              <a:ext cx="841634" cy="841634"/>
+            </a:xfrm>
+            <a:prstGeom prst="ellipse">
+              <a:avLst/>
+            </a:prstGeom>
+            <a:solidFill>
+              <a:schemeClr val="bg1"/>
+            </a:solidFill>
+            <a:ln>
+              <a:noFill/>
+            </a:ln>
+          </p:spPr>
+          <p:style>
+            <a:lnRef idx="2">
+              <a:schemeClr val="accent1">
+                <a:shade val="50000"/>
+              </a:schemeClr>
+            </a:lnRef>
+            <a:fillRef idx="1">
+              <a:schemeClr val="accent1"/>
+            </a:fillRef>
+            <a:effectRef idx="0">
+              <a:schemeClr val="accent1"/>
+            </a:effectRef>
+            <a:fontRef idx="minor">
+              <a:schemeClr val="lt1"/>
+            </a:fontRef>
+          </p:style>
+          <p:txBody>
+            <a:bodyPr rtlCol="0" anchor="ctr"/>
+            <a:lstStyle/>
+            <a:p>
+              <a:pPr algn="ctr"/>
+              <a:endParaRPr lang="en-US"/>
+            </a:p>
+          </p:txBody>
+        </p:sp>
+        <p:pic>
+          <p:nvPicPr>
+            <p:cNvPr id="13" name="Graphic 12" descr="Group of men">
+              <a:extLst>
+                <a:ext uri="{FF2B5EF4-FFF2-40B4-BE49-F238E27FC236}">
+                  <a16:creationId xmlns:a16="http://schemas.microsoft.com/office/drawing/2014/main" id="{0E4CA495-0C21-4B2B-BE4D-D5D27DE87D5B}"/>
+                </a:ext>
+              </a:extLst>
+            </p:cNvPr>
+            <p:cNvPicPr>
+              <a:picLocks noChangeAspect="1"/>
+            </p:cNvPicPr>
+            <p:nvPr/>
+          </p:nvPicPr>
+          <p:blipFill>
+            <a:blip r:embed="rId2">
+              <a:extLst>
+                <a:ext uri="{28A0092B-C50C-407E-A947-70E740481C1C}">
+                  <a14:useLocalDpi xmlns:a14="http://schemas.microsoft.com/office/drawing/2010/main" val="0"/>
+                </a:ext>
+                <a:ext uri="{96DAC541-7B7A-43D3-8B79-37D633B846F1}">
+                  <asvg:svgBlip xmlns:asvg="http://schemas.microsoft.com/office/drawing/2016/SVG/main" r:embed="rId3"/>
+                </a:ext>
+              </a:extLst>
+            </a:blip>
+            <a:stretch>
+              <a:fillRect/>
+            </a:stretch>
+          </p:blipFill>
+          <p:spPr>
+            <a:xfrm>
+              <a:off x="-715261" y="582884"/>
+              <a:ext cx="578191" cy="578191"/>
+            </a:xfrm>
+            <a:prstGeom prst="rect">
+              <a:avLst/>
+            </a:prstGeom>
+          </p:spPr>
+        </p:pic>
+      </p:grpSp>
+      <p:grpSp>
+        <p:nvGrpSpPr>
+          <p:cNvPr id="14" name="Group 13">
+            <a:extLst>
+              <a:ext uri="{FF2B5EF4-FFF2-40B4-BE49-F238E27FC236}">
+                <a16:creationId xmlns:a16="http://schemas.microsoft.com/office/drawing/2014/main" id="{C719EE4E-831C-439D-B313-E20D18D5DCC1}"/>
+              </a:ext>
+            </a:extLst>
+          </p:cNvPr>
+          <p:cNvGrpSpPr/>
+          <p:nvPr/>
+        </p:nvGrpSpPr>
+        <p:grpSpPr>
+          <a:xfrm>
+            <a:off x="-846979" y="1734435"/>
+            <a:ext cx="841634" cy="841634"/>
+            <a:chOff x="-846979" y="1734435"/>
+            <a:chExt cx="841634" cy="841634"/>
+          </a:xfrm>
+        </p:grpSpPr>
+        <p:sp>
+          <p:nvSpPr>
+            <p:cNvPr id="15" name="Oval 14">
+              <a:extLst>
+                <a:ext uri="{FF2B5EF4-FFF2-40B4-BE49-F238E27FC236}">
+                  <a16:creationId xmlns:a16="http://schemas.microsoft.com/office/drawing/2014/main" id="{7CD53666-A7D4-48F2-8A78-D599CB8DA794}"/>
+                </a:ext>
+              </a:extLst>
+            </p:cNvPr>
+            <p:cNvSpPr/>
+            <p:nvPr/>
+          </p:nvSpPr>
+          <p:spPr>
+            <a:xfrm>
+              <a:off x="-846979" y="1734435"/>
+              <a:ext cx="841634" cy="841634"/>
+            </a:xfrm>
+            <a:prstGeom prst="ellipse">
+              <a:avLst/>
+            </a:prstGeom>
+            <a:solidFill>
+              <a:schemeClr val="bg1"/>
+            </a:solidFill>
+            <a:ln>
+              <a:noFill/>
+            </a:ln>
+          </p:spPr>
+          <p:style>
+            <a:lnRef idx="2">
+              <a:schemeClr val="accent1">
+                <a:shade val="50000"/>
+              </a:schemeClr>
+            </a:lnRef>
+            <a:fillRef idx="1">
+              <a:schemeClr val="accent1"/>
+            </a:fillRef>
+            <a:effectRef idx="0">
+              <a:schemeClr val="accent1"/>
+            </a:effectRef>
+            <a:fontRef idx="minor">
+              <a:schemeClr val="lt1"/>
+            </a:fontRef>
+          </p:style>
+          <p:txBody>
+            <a:bodyPr rtlCol="0" anchor="ctr"/>
+            <a:lstStyle/>
+            <a:p>
+              <a:pPr algn="ctr"/>
+              <a:endParaRPr lang="en-US"/>
+            </a:p>
+          </p:txBody>
+        </p:sp>
+        <p:pic>
+          <p:nvPicPr>
+            <p:cNvPr id="16" name="Graphic 15" descr="Server">
+              <a:extLst>
+                <a:ext uri="{FF2B5EF4-FFF2-40B4-BE49-F238E27FC236}">
+                  <a16:creationId xmlns:a16="http://schemas.microsoft.com/office/drawing/2014/main" id="{BA595A6F-3196-4E2A-BD03-8750EE9A921A}"/>
+                </a:ext>
+              </a:extLst>
+            </p:cNvPr>
+            <p:cNvPicPr>
+              <a:picLocks noChangeAspect="1"/>
+            </p:cNvPicPr>
+            <p:nvPr/>
+          </p:nvPicPr>
+          <p:blipFill>
+            <a:blip r:embed="rId4">
+              <a:extLst>
+                <a:ext uri="{28A0092B-C50C-407E-A947-70E740481C1C}">
+                  <a14:useLocalDpi xmlns:a14="http://schemas.microsoft.com/office/drawing/2010/main" val="0"/>
+                </a:ext>
+                <a:ext uri="{96DAC541-7B7A-43D3-8B79-37D633B846F1}">
+                  <asvg:svgBlip xmlns:asvg="http://schemas.microsoft.com/office/drawing/2016/SVG/main" r:embed="rId5"/>
+                </a:ext>
+              </a:extLst>
+            </a:blip>
+            <a:stretch>
+              <a:fillRect/>
+            </a:stretch>
+          </p:blipFill>
+          <p:spPr>
+            <a:xfrm>
+              <a:off x="-715261" y="1875053"/>
+              <a:ext cx="578191" cy="578191"/>
+            </a:xfrm>
+            <a:prstGeom prst="rect">
+              <a:avLst/>
+            </a:prstGeom>
+          </p:spPr>
+        </p:pic>
+      </p:grpSp>
+      <p:grpSp>
+        <p:nvGrpSpPr>
+          <p:cNvPr id="17" name="Group 16">
+            <a:extLst>
+              <a:ext uri="{FF2B5EF4-FFF2-40B4-BE49-F238E27FC236}">
+                <a16:creationId xmlns:a16="http://schemas.microsoft.com/office/drawing/2014/main" id="{BD983F21-6984-4015-B4BA-DA5BEBDAEFD7}"/>
+              </a:ext>
+            </a:extLst>
+          </p:cNvPr>
+          <p:cNvGrpSpPr/>
+          <p:nvPr/>
+        </p:nvGrpSpPr>
+        <p:grpSpPr>
+          <a:xfrm>
+            <a:off x="-846979" y="4300979"/>
+            <a:ext cx="841634" cy="841634"/>
+            <a:chOff x="-846979" y="4300979"/>
+            <a:chExt cx="841634" cy="841634"/>
+          </a:xfrm>
+        </p:grpSpPr>
+        <p:sp>
+          <p:nvSpPr>
+            <p:cNvPr id="18" name="Oval 17">
+              <a:extLst>
+                <a:ext uri="{FF2B5EF4-FFF2-40B4-BE49-F238E27FC236}">
+                  <a16:creationId xmlns:a16="http://schemas.microsoft.com/office/drawing/2014/main" id="{C23A6CDF-4EDC-454B-A8E1-F416E665E75A}"/>
+                </a:ext>
+              </a:extLst>
+            </p:cNvPr>
+            <p:cNvSpPr/>
+            <p:nvPr/>
+          </p:nvSpPr>
+          <p:spPr>
+            <a:xfrm>
+              <a:off x="-846979" y="4300979"/>
+              <a:ext cx="841634" cy="841634"/>
+            </a:xfrm>
+            <a:prstGeom prst="ellipse">
+              <a:avLst/>
+            </a:prstGeom>
+            <a:solidFill>
+              <a:schemeClr val="bg1"/>
+            </a:solidFill>
+            <a:ln>
+              <a:noFill/>
+            </a:ln>
+          </p:spPr>
+          <p:style>
+            <a:lnRef idx="2">
+              <a:schemeClr val="accent1">
+                <a:shade val="50000"/>
+              </a:schemeClr>
+            </a:lnRef>
+            <a:fillRef idx="1">
+              <a:schemeClr val="accent1"/>
+            </a:fillRef>
+            <a:effectRef idx="0">
+              <a:schemeClr val="accent1"/>
+            </a:effectRef>
+            <a:fontRef idx="minor">
+              <a:schemeClr val="lt1"/>
+            </a:fontRef>
+          </p:style>
+          <p:txBody>
+            <a:bodyPr rtlCol="0" anchor="ctr"/>
+            <a:lstStyle/>
+            <a:p>
+              <a:pPr algn="ctr"/>
+              <a:endParaRPr lang="en-US"/>
+            </a:p>
+          </p:txBody>
+        </p:sp>
+        <p:pic>
+          <p:nvPicPr>
+            <p:cNvPr id="19" name="Graphic 18" descr="Computer">
+              <a:extLst>
+                <a:ext uri="{FF2B5EF4-FFF2-40B4-BE49-F238E27FC236}">
+                  <a16:creationId xmlns:a16="http://schemas.microsoft.com/office/drawing/2014/main" id="{A085F650-3CEE-4369-AF85-F9718E965C3F}"/>
+                </a:ext>
+              </a:extLst>
+            </p:cNvPr>
+            <p:cNvPicPr>
+              <a:picLocks noChangeAspect="1"/>
+            </p:cNvPicPr>
+            <p:nvPr/>
+          </p:nvPicPr>
+          <p:blipFill>
+            <a:blip r:embed="rId6">
+              <a:extLst>
+                <a:ext uri="{28A0092B-C50C-407E-A947-70E740481C1C}">
+                  <a14:useLocalDpi xmlns:a14="http://schemas.microsoft.com/office/drawing/2010/main" val="0"/>
+                </a:ext>
+                <a:ext uri="{96DAC541-7B7A-43D3-8B79-37D633B846F1}">
+                  <asvg:svgBlip xmlns:asvg="http://schemas.microsoft.com/office/drawing/2016/SVG/main" r:embed="rId7"/>
+                </a:ext>
+              </a:extLst>
+            </a:blip>
+            <a:stretch>
+              <a:fillRect/>
+            </a:stretch>
+          </p:blipFill>
+          <p:spPr>
+            <a:xfrm>
+              <a:off x="-715262" y="4432700"/>
+              <a:ext cx="578191" cy="578191"/>
+            </a:xfrm>
+            <a:prstGeom prst="rect">
+              <a:avLst/>
+            </a:prstGeom>
+          </p:spPr>
+        </p:pic>
+      </p:grpSp>
+      <p:grpSp>
+        <p:nvGrpSpPr>
+          <p:cNvPr id="20" name="Group 19">
+            <a:extLst>
+              <a:ext uri="{FF2B5EF4-FFF2-40B4-BE49-F238E27FC236}">
+                <a16:creationId xmlns:a16="http://schemas.microsoft.com/office/drawing/2014/main" id="{5C50E7F1-444F-43E3-A8A5-B0B8B9BAAC3A}"/>
+              </a:ext>
+            </a:extLst>
+          </p:cNvPr>
+          <p:cNvGrpSpPr/>
+          <p:nvPr/>
+        </p:nvGrpSpPr>
+        <p:grpSpPr>
+          <a:xfrm>
+            <a:off x="-846981" y="5584251"/>
+            <a:ext cx="841634" cy="841634"/>
+            <a:chOff x="-846981" y="5584251"/>
+            <a:chExt cx="841634" cy="841634"/>
+          </a:xfrm>
+        </p:grpSpPr>
+        <p:sp>
+          <p:nvSpPr>
+            <p:cNvPr id="21" name="Oval 20">
+              <a:extLst>
+                <a:ext uri="{FF2B5EF4-FFF2-40B4-BE49-F238E27FC236}">
+                  <a16:creationId xmlns:a16="http://schemas.microsoft.com/office/drawing/2014/main" id="{3BC5FDE2-3A61-4DF1-86E2-B05DFC1D45AD}"/>
+                </a:ext>
+              </a:extLst>
+            </p:cNvPr>
+            <p:cNvSpPr/>
+            <p:nvPr/>
+          </p:nvSpPr>
+          <p:spPr>
+            <a:xfrm>
+              <a:off x="-846981" y="5584251"/>
+              <a:ext cx="841634" cy="841634"/>
+            </a:xfrm>
+            <a:prstGeom prst="ellipse">
+              <a:avLst/>
+            </a:prstGeom>
+            <a:solidFill>
+              <a:schemeClr val="bg1"/>
+            </a:solidFill>
+            <a:ln>
+              <a:noFill/>
+            </a:ln>
+          </p:spPr>
+          <p:style>
+            <a:lnRef idx="2">
+              <a:schemeClr val="accent1">
+                <a:shade val="50000"/>
+              </a:schemeClr>
+            </a:lnRef>
+            <a:fillRef idx="1">
+              <a:schemeClr val="accent1"/>
+            </a:fillRef>
+            <a:effectRef idx="0">
+              <a:schemeClr val="accent1"/>
+            </a:effectRef>
+            <a:fontRef idx="minor">
+              <a:schemeClr val="lt1"/>
+            </a:fontRef>
+          </p:style>
+          <p:txBody>
+            <a:bodyPr rtlCol="0" anchor="ctr"/>
+            <a:lstStyle/>
+            <a:p>
+              <a:pPr algn="ctr"/>
+              <a:endParaRPr lang="en-US"/>
+            </a:p>
+          </p:txBody>
+        </p:sp>
+        <p:pic>
+          <p:nvPicPr>
+            <p:cNvPr id="22" name="Graphic 21" descr="Web design">
+              <a:extLst>
+                <a:ext uri="{FF2B5EF4-FFF2-40B4-BE49-F238E27FC236}">
+                  <a16:creationId xmlns:a16="http://schemas.microsoft.com/office/drawing/2014/main" id="{63C24EBF-789E-4282-96D8-1D276838910B}"/>
+                </a:ext>
+              </a:extLst>
+            </p:cNvPr>
+            <p:cNvPicPr>
+              <a:picLocks noChangeAspect="1"/>
+            </p:cNvPicPr>
+            <p:nvPr/>
+          </p:nvPicPr>
+          <p:blipFill>
+            <a:blip r:embed="rId8">
+              <a:extLst>
+                <a:ext uri="{28A0092B-C50C-407E-A947-70E740481C1C}">
+                  <a14:useLocalDpi xmlns:a14="http://schemas.microsoft.com/office/drawing/2010/main" val="0"/>
+                </a:ext>
+                <a:ext uri="{96DAC541-7B7A-43D3-8B79-37D633B846F1}">
+                  <asvg:svgBlip xmlns:asvg="http://schemas.microsoft.com/office/drawing/2016/SVG/main" r:embed="rId9"/>
+                </a:ext>
+              </a:extLst>
+            </a:blip>
+            <a:stretch>
+              <a:fillRect/>
+            </a:stretch>
+          </p:blipFill>
+          <p:spPr>
+            <a:xfrm>
+              <a:off x="-715257" y="5715972"/>
+              <a:ext cx="578191" cy="578191"/>
+            </a:xfrm>
+            <a:prstGeom prst="rect">
+              <a:avLst/>
+            </a:prstGeom>
+          </p:spPr>
+        </p:pic>
+      </p:grpSp>
+      <p:grpSp>
+        <p:nvGrpSpPr>
+          <p:cNvPr id="28" name="Group 27">
+            <a:extLst>
+              <a:ext uri="{FF2B5EF4-FFF2-40B4-BE49-F238E27FC236}">
+                <a16:creationId xmlns:a16="http://schemas.microsoft.com/office/drawing/2014/main" id="{E38FFCB3-5F33-4C61-AAF1-DDA6AE2C27B3}"/>
+              </a:ext>
+            </a:extLst>
+          </p:cNvPr>
+          <p:cNvGrpSpPr/>
+          <p:nvPr/>
+        </p:nvGrpSpPr>
+        <p:grpSpPr>
+          <a:xfrm>
+            <a:off x="-841634" y="3008183"/>
+            <a:ext cx="841634" cy="841634"/>
+            <a:chOff x="5675183" y="3005477"/>
+            <a:chExt cx="841634" cy="841634"/>
+          </a:xfrm>
+        </p:grpSpPr>
+        <p:sp>
+          <p:nvSpPr>
+            <p:cNvPr id="29" name="Oval 28">
+              <a:extLst>
+                <a:ext uri="{FF2B5EF4-FFF2-40B4-BE49-F238E27FC236}">
+                  <a16:creationId xmlns:a16="http://schemas.microsoft.com/office/drawing/2014/main" id="{1BE0B4A3-57E8-4C62-9D1D-4F021E2056FE}"/>
+                </a:ext>
+              </a:extLst>
+            </p:cNvPr>
+            <p:cNvSpPr/>
+            <p:nvPr/>
+          </p:nvSpPr>
+          <p:spPr>
+            <a:xfrm>
+              <a:off x="5675183" y="3005477"/>
+              <a:ext cx="841634" cy="841634"/>
+            </a:xfrm>
+            <a:prstGeom prst="ellipse">
+              <a:avLst/>
+            </a:prstGeom>
+            <a:solidFill>
+              <a:srgbClr val="FFFFFF"/>
+            </a:solidFill>
+            <a:ln>
+              <a:noFill/>
+            </a:ln>
+          </p:spPr>
+          <p:style>
+            <a:lnRef idx="2">
+              <a:schemeClr val="accent1">
+                <a:shade val="50000"/>
+              </a:schemeClr>
+            </a:lnRef>
+            <a:fillRef idx="1">
+              <a:schemeClr val="accent1"/>
+            </a:fillRef>
+            <a:effectRef idx="0">
+              <a:schemeClr val="accent1"/>
+            </a:effectRef>
+            <a:fontRef idx="minor">
+              <a:schemeClr val="lt1"/>
+            </a:fontRef>
+          </p:style>
+          <p:txBody>
+            <a:bodyPr rtlCol="0" anchor="ctr"/>
+            <a:lstStyle/>
+            <a:p>
+              <a:pPr algn="ctr"/>
+              <a:endParaRPr lang="en-US"/>
+            </a:p>
+          </p:txBody>
+        </p:sp>
+        <p:pic>
+          <p:nvPicPr>
+            <p:cNvPr id="30" name="Graphic 29" descr="Smart Phone">
+              <a:extLst>
+                <a:ext uri="{FF2B5EF4-FFF2-40B4-BE49-F238E27FC236}">
+                  <a16:creationId xmlns:a16="http://schemas.microsoft.com/office/drawing/2014/main" id="{799A6D27-0847-4276-AAD5-799AC6DB626C}"/>
+                </a:ext>
+              </a:extLst>
+            </p:cNvPr>
+            <p:cNvPicPr>
+              <a:picLocks noChangeAspect="1"/>
+            </p:cNvPicPr>
+            <p:nvPr/>
+          </p:nvPicPr>
+          <p:blipFill>
+            <a:blip r:embed="rId10">
+              <a:extLst>
+                <a:ext uri="{28A0092B-C50C-407E-A947-70E740481C1C}">
+                  <a14:useLocalDpi xmlns:a14="http://schemas.microsoft.com/office/drawing/2010/main" val="0"/>
+                </a:ext>
+                <a:ext uri="{96DAC541-7B7A-43D3-8B79-37D633B846F1}">
+                  <asvg:svgBlip xmlns:asvg="http://schemas.microsoft.com/office/drawing/2016/SVG/main" r:embed="rId11"/>
+                </a:ext>
+              </a:extLst>
+            </a:blip>
+            <a:stretch>
+              <a:fillRect/>
+            </a:stretch>
+          </p:blipFill>
+          <p:spPr>
+            <a:xfrm flipV="1">
+              <a:off x="5806902" y="3137198"/>
+              <a:ext cx="578191" cy="578191"/>
+            </a:xfrm>
+            <a:prstGeom prst="rect">
+              <a:avLst/>
+            </a:prstGeom>
+          </p:spPr>
+        </p:pic>
+      </p:grpSp>
+      <p:sp>
+        <p:nvSpPr>
+          <p:cNvPr id="10" name="Freeform: Shape 9">
+            <a:extLst>
+              <a:ext uri="{FF2B5EF4-FFF2-40B4-BE49-F238E27FC236}">
+                <a16:creationId xmlns:a16="http://schemas.microsoft.com/office/drawing/2014/main" id="{118713A0-7EB7-41F4-AA04-51478B126B2C}"/>
+              </a:ext>
+            </a:extLst>
+          </p:cNvPr>
+          <p:cNvSpPr/>
+          <p:nvPr/>
+        </p:nvSpPr>
+        <p:spPr>
+          <a:xfrm rot="10800000">
+            <a:off x="1739" y="-16472462"/>
+            <a:ext cx="1449238" cy="23553174"/>
+          </a:xfrm>
+          <a:custGeom>
+            <a:avLst/>
+            <a:gdLst>
+              <a:gd name="connsiteX0" fmla="*/ 0 w 1449238"/>
+              <a:gd name="connsiteY0" fmla="*/ 23553174 h 23553174"/>
+              <a:gd name="connsiteX1" fmla="*/ 0 w 1449238"/>
+              <a:gd name="connsiteY1" fmla="*/ 7057620 h 23553174"/>
+              <a:gd name="connsiteX2" fmla="*/ 828826 w 1449238"/>
+              <a:gd name="connsiteY2" fmla="*/ 6213536 h 23553174"/>
+              <a:gd name="connsiteX3" fmla="*/ 0 w 1449238"/>
+              <a:gd name="connsiteY3" fmla="*/ 5369453 h 23553174"/>
+              <a:gd name="connsiteX4" fmla="*/ 0 w 1449238"/>
+              <a:gd name="connsiteY4" fmla="*/ 0 h 23553174"/>
+              <a:gd name="connsiteX5" fmla="*/ 1449238 w 1449238"/>
+              <a:gd name="connsiteY5" fmla="*/ 0 h 23553174"/>
+              <a:gd name="connsiteX6" fmla="*/ 1449238 w 1449238"/>
+              <a:gd name="connsiteY6" fmla="*/ 23553174 h 23553174"/>
+              <a:gd name="connsiteX0" fmla="*/ 0 w 1449238"/>
+              <a:gd name="connsiteY0" fmla="*/ 23553174 h 23553174"/>
+              <a:gd name="connsiteX1" fmla="*/ 0 w 1449238"/>
+              <a:gd name="connsiteY1" fmla="*/ 7057620 h 23553174"/>
+              <a:gd name="connsiteX2" fmla="*/ 828826 w 1449238"/>
+              <a:gd name="connsiteY2" fmla="*/ 6213536 h 23553174"/>
+              <a:gd name="connsiteX3" fmla="*/ 0 w 1449238"/>
+              <a:gd name="connsiteY3" fmla="*/ 5369453 h 23553174"/>
+              <a:gd name="connsiteX4" fmla="*/ 0 w 1449238"/>
+              <a:gd name="connsiteY4" fmla="*/ 0 h 23553174"/>
+              <a:gd name="connsiteX5" fmla="*/ 1449238 w 1449238"/>
+              <a:gd name="connsiteY5" fmla="*/ 0 h 23553174"/>
+              <a:gd name="connsiteX6" fmla="*/ 1449238 w 1449238"/>
+              <a:gd name="connsiteY6" fmla="*/ 23553174 h 23553174"/>
+              <a:gd name="connsiteX7" fmla="*/ 0 w 1449238"/>
+              <a:gd name="connsiteY7" fmla="*/ 23553174 h 23553174"/>
+              <a:gd name="connsiteX0" fmla="*/ 0 w 1449238"/>
+              <a:gd name="connsiteY0" fmla="*/ 23553174 h 23553174"/>
+              <a:gd name="connsiteX1" fmla="*/ 0 w 1449238"/>
+              <a:gd name="connsiteY1" fmla="*/ 7057620 h 23553174"/>
+              <a:gd name="connsiteX2" fmla="*/ 828826 w 1449238"/>
+              <a:gd name="connsiteY2" fmla="*/ 6213536 h 23553174"/>
+              <a:gd name="connsiteX3" fmla="*/ 0 w 1449238"/>
+              <a:gd name="connsiteY3" fmla="*/ 5369453 h 23553174"/>
+              <a:gd name="connsiteX4" fmla="*/ 0 w 1449238"/>
+              <a:gd name="connsiteY4" fmla="*/ 0 h 23553174"/>
+              <a:gd name="connsiteX5" fmla="*/ 1449238 w 1449238"/>
+              <a:gd name="connsiteY5" fmla="*/ 0 h 23553174"/>
+              <a:gd name="connsiteX6" fmla="*/ 1449238 w 1449238"/>
+              <a:gd name="connsiteY6" fmla="*/ 23553174 h 23553174"/>
+              <a:gd name="connsiteX7" fmla="*/ 0 w 1449238"/>
+              <a:gd name="connsiteY7" fmla="*/ 23553174 h 23553174"/>
+              <a:gd name="connsiteX0" fmla="*/ 0 w 1449238"/>
+              <a:gd name="connsiteY0" fmla="*/ 23553174 h 23553174"/>
+              <a:gd name="connsiteX1" fmla="*/ 0 w 1449238"/>
+              <a:gd name="connsiteY1" fmla="*/ 7057620 h 23553174"/>
+              <a:gd name="connsiteX2" fmla="*/ 828826 w 1449238"/>
+              <a:gd name="connsiteY2" fmla="*/ 6213536 h 23553174"/>
+              <a:gd name="connsiteX3" fmla="*/ 0 w 1449238"/>
+              <a:gd name="connsiteY3" fmla="*/ 5369453 h 23553174"/>
+              <a:gd name="connsiteX4" fmla="*/ 0 w 1449238"/>
+              <a:gd name="connsiteY4" fmla="*/ 0 h 23553174"/>
+              <a:gd name="connsiteX5" fmla="*/ 1449238 w 1449238"/>
+              <a:gd name="connsiteY5" fmla="*/ 0 h 23553174"/>
+              <a:gd name="connsiteX6" fmla="*/ 1449238 w 1449238"/>
+              <a:gd name="connsiteY6" fmla="*/ 23553174 h 23553174"/>
+              <a:gd name="connsiteX7" fmla="*/ 0 w 1449238"/>
+              <a:gd name="connsiteY7" fmla="*/ 23553174 h 23553174"/>
+              <a:gd name="connsiteX0" fmla="*/ 0 w 1449238"/>
+              <a:gd name="connsiteY0" fmla="*/ 23553174 h 23553174"/>
+              <a:gd name="connsiteX1" fmla="*/ 0 w 1449238"/>
+              <a:gd name="connsiteY1" fmla="*/ 7057620 h 23553174"/>
+              <a:gd name="connsiteX2" fmla="*/ 828826 w 1449238"/>
+              <a:gd name="connsiteY2" fmla="*/ 6213536 h 23553174"/>
+              <a:gd name="connsiteX3" fmla="*/ 0 w 1449238"/>
+              <a:gd name="connsiteY3" fmla="*/ 5369453 h 23553174"/>
+              <a:gd name="connsiteX4" fmla="*/ 0 w 1449238"/>
+              <a:gd name="connsiteY4" fmla="*/ 0 h 23553174"/>
+              <a:gd name="connsiteX5" fmla="*/ 1449238 w 1449238"/>
+              <a:gd name="connsiteY5" fmla="*/ 0 h 23553174"/>
+              <a:gd name="connsiteX6" fmla="*/ 1449238 w 1449238"/>
+              <a:gd name="connsiteY6" fmla="*/ 23553174 h 23553174"/>
+              <a:gd name="connsiteX7" fmla="*/ 0 w 1449238"/>
+              <a:gd name="connsiteY7" fmla="*/ 23553174 h 23553174"/>
+              <a:gd name="connsiteX0" fmla="*/ 0 w 1449238"/>
+              <a:gd name="connsiteY0" fmla="*/ 23553174 h 23553174"/>
+              <a:gd name="connsiteX1" fmla="*/ 0 w 1449238"/>
+              <a:gd name="connsiteY1" fmla="*/ 7057620 h 23553174"/>
+              <a:gd name="connsiteX2" fmla="*/ 581176 w 1449238"/>
+              <a:gd name="connsiteY2" fmla="*/ 6213536 h 23553174"/>
+              <a:gd name="connsiteX3" fmla="*/ 0 w 1449238"/>
+              <a:gd name="connsiteY3" fmla="*/ 5369453 h 23553174"/>
+              <a:gd name="connsiteX4" fmla="*/ 0 w 1449238"/>
+              <a:gd name="connsiteY4" fmla="*/ 0 h 23553174"/>
+              <a:gd name="connsiteX5" fmla="*/ 1449238 w 1449238"/>
+              <a:gd name="connsiteY5" fmla="*/ 0 h 23553174"/>
+              <a:gd name="connsiteX6" fmla="*/ 1449238 w 1449238"/>
+              <a:gd name="connsiteY6" fmla="*/ 23553174 h 23553174"/>
+              <a:gd name="connsiteX7" fmla="*/ 0 w 1449238"/>
+              <a:gd name="connsiteY7" fmla="*/ 23553174 h 23553174"/>
+              <a:gd name="connsiteX0" fmla="*/ 0 w 1449238"/>
+              <a:gd name="connsiteY0" fmla="*/ 23553174 h 23553174"/>
+              <a:gd name="connsiteX1" fmla="*/ 0 w 1449238"/>
+              <a:gd name="connsiteY1" fmla="*/ 7057620 h 23553174"/>
+              <a:gd name="connsiteX2" fmla="*/ 564507 w 1449238"/>
+              <a:gd name="connsiteY2" fmla="*/ 6215918 h 23553174"/>
+              <a:gd name="connsiteX3" fmla="*/ 0 w 1449238"/>
+              <a:gd name="connsiteY3" fmla="*/ 5369453 h 23553174"/>
+              <a:gd name="connsiteX4" fmla="*/ 0 w 1449238"/>
+              <a:gd name="connsiteY4" fmla="*/ 0 h 23553174"/>
+              <a:gd name="connsiteX5" fmla="*/ 1449238 w 1449238"/>
+              <a:gd name="connsiteY5" fmla="*/ 0 h 23553174"/>
+              <a:gd name="connsiteX6" fmla="*/ 1449238 w 1449238"/>
+              <a:gd name="connsiteY6" fmla="*/ 23553174 h 23553174"/>
+              <a:gd name="connsiteX7" fmla="*/ 0 w 1449238"/>
+              <a:gd name="connsiteY7" fmla="*/ 23553174 h 23553174"/>
+            </a:gdLst>
+            <a:ahLst/>
+            <a:cxnLst>
+              <a:cxn ang="0">
+                <a:pos x="connsiteX0" y="connsiteY0"/>
+              </a:cxn>
+              <a:cxn ang="0">
+                <a:pos x="connsiteX1" y="connsiteY1"/>
+              </a:cxn>
+              <a:cxn ang="0">
+                <a:pos x="connsiteX2" y="connsiteY2"/>
+              </a:cxn>
+              <a:cxn ang="0">
+                <a:pos x="connsiteX3" y="connsiteY3"/>
+              </a:cxn>
+              <a:cxn ang="0">
+                <a:pos x="connsiteX4" y="connsiteY4"/>
+              </a:cxn>
+              <a:cxn ang="0">
+                <a:pos x="connsiteX5" y="connsiteY5"/>
+              </a:cxn>
+              <a:cxn ang="0">
+                <a:pos x="connsiteX6" y="connsiteY6"/>
+              </a:cxn>
+              <a:cxn ang="0">
+                <a:pos x="connsiteX7" y="connsiteY7"/>
+              </a:cxn>
+            </a:cxnLst>
+            <a:rect l="l" t="t" r="r" b="b"/>
+            <a:pathLst>
+              <a:path w="1449238" h="23553174">
+                <a:moveTo>
+                  <a:pt x="0" y="23553174"/>
+                </a:moveTo>
+                <a:lnTo>
+                  <a:pt x="0" y="7057620"/>
+                </a:lnTo>
+                <a:cubicBezTo>
+                  <a:pt x="4812" y="6633384"/>
+                  <a:pt x="564557" y="6719529"/>
+                  <a:pt x="564507" y="6215918"/>
+                </a:cubicBezTo>
+                <a:cubicBezTo>
+                  <a:pt x="564457" y="5712307"/>
+                  <a:pt x="2431" y="5798452"/>
+                  <a:pt x="0" y="5369453"/>
+                </a:cubicBezTo>
+                <a:lnTo>
+                  <a:pt x="0" y="0"/>
+                </a:lnTo>
+                <a:lnTo>
+                  <a:pt x="1449238" y="0"/>
+                </a:lnTo>
+                <a:lnTo>
+                  <a:pt x="1449238" y="23553174"/>
+                </a:lnTo>
+                <a:lnTo>
+                  <a:pt x="0" y="23553174"/>
+                </a:lnTo>
+                <a:close/>
+              </a:path>
+            </a:pathLst>
+          </a:custGeom>
+          <a:solidFill>
+            <a:schemeClr val="bg1"/>
+          </a:solidFill>
+          <a:ln>
+            <a:noFill/>
+          </a:ln>
+        </p:spPr>
+        <p:style>
+          <a:lnRef idx="2">
+            <a:schemeClr val="accent1">
+              <a:shade val="50000"/>
+            </a:schemeClr>
+          </a:lnRef>
+          <a:fillRef idx="1">
+            <a:schemeClr val="accent1"/>
+          </a:fillRef>
+          <a:effectRef idx="0">
+            <a:schemeClr val="accent1"/>
+          </a:effectRef>
+          <a:fontRef idx="minor">
+            <a:schemeClr val="lt1"/>
+          </a:fontRef>
+        </p:style>
+        <p:txBody>
+          <a:bodyPr wrap="square" rtlCol="0" anchor="ctr">
+            <a:noAutofit/>
+          </a:bodyPr>
+          <a:lstStyle/>
+          <a:p>
+            <a:pPr algn="ctr"/>
+            <a:endParaRPr lang="en-US"/>
+          </a:p>
+        </p:txBody>
+      </p:sp>
+      <p:pic>
+        <p:nvPicPr>
+          <p:cNvPr id="23" name="Graphic 22" descr="Group of men">
+            <a:hlinkClick r:id="rId12" action="ppaction://hlinksldjump"/>
+            <a:extLst>
+              <a:ext uri="{FF2B5EF4-FFF2-40B4-BE49-F238E27FC236}">
+                <a16:creationId xmlns:a16="http://schemas.microsoft.com/office/drawing/2014/main" id="{6B1B6614-2A22-4BA5-9BA2-14DAC91EEF35}"/>
+              </a:ext>
+            </a:extLst>
+          </p:cNvPr>
+          <p:cNvPicPr>
+            <a:picLocks noChangeAspect="1"/>
+          </p:cNvPicPr>
+          <p:nvPr/>
+        </p:nvPicPr>
+        <p:blipFill>
+          <a:blip r:embed="rId13">
+            <a:extLst>
+              <a:ext uri="{28A0092B-C50C-407E-A947-70E740481C1C}">
+                <a14:useLocalDpi xmlns:a14="http://schemas.microsoft.com/office/drawing/2010/main" val="0"/>
+              </a:ext>
+              <a:ext uri="{96DAC541-7B7A-43D3-8B79-37D633B846F1}">
+                <asvg:svgBlip xmlns:asvg="http://schemas.microsoft.com/office/drawing/2016/SVG/main" r:embed="rId14"/>
+              </a:ext>
+            </a:extLst>
+          </a:blip>
+          <a:stretch>
+            <a:fillRect/>
+          </a:stretch>
+        </p:blipFill>
+        <p:spPr>
+          <a:xfrm>
+            <a:off x="437264" y="582884"/>
+            <a:ext cx="578191" cy="578191"/>
+          </a:xfrm>
+          <a:prstGeom prst="rect">
+            <a:avLst/>
+          </a:prstGeom>
+        </p:spPr>
+      </p:pic>
+      <p:pic>
+        <p:nvPicPr>
+          <p:cNvPr id="24" name="Graphic 23" descr="Server">
+            <a:hlinkClick r:id="rId15" action="ppaction://hlinksldjump"/>
+            <a:extLst>
+              <a:ext uri="{FF2B5EF4-FFF2-40B4-BE49-F238E27FC236}">
+                <a16:creationId xmlns:a16="http://schemas.microsoft.com/office/drawing/2014/main" id="{DECA15C3-6AEE-4D0C-9526-1E7AAF61F746}"/>
+              </a:ext>
+            </a:extLst>
+          </p:cNvPr>
+          <p:cNvPicPr>
+            <a:picLocks noChangeAspect="1"/>
+          </p:cNvPicPr>
+          <p:nvPr/>
+        </p:nvPicPr>
+        <p:blipFill>
+          <a:blip r:embed="rId16">
+            <a:extLst>
+              <a:ext uri="{28A0092B-C50C-407E-A947-70E740481C1C}">
+                <a14:useLocalDpi xmlns:a14="http://schemas.microsoft.com/office/drawing/2010/main" val="0"/>
+              </a:ext>
+              <a:ext uri="{96DAC541-7B7A-43D3-8B79-37D633B846F1}">
+                <asvg:svgBlip xmlns:asvg="http://schemas.microsoft.com/office/drawing/2016/SVG/main" r:embed="rId17"/>
+              </a:ext>
+            </a:extLst>
+          </a:blip>
+          <a:stretch>
+            <a:fillRect/>
+          </a:stretch>
+        </p:blipFill>
+        <p:spPr>
+          <a:xfrm>
+            <a:off x="437264" y="1875053"/>
+            <a:ext cx="578191" cy="578191"/>
+          </a:xfrm>
+          <a:prstGeom prst="rect">
+            <a:avLst/>
+          </a:prstGeom>
+        </p:spPr>
+      </p:pic>
+      <p:pic>
+        <p:nvPicPr>
+          <p:cNvPr id="25" name="Graphic 24" descr="Smart Phone">
+            <a:hlinkClick r:id="rId18" action="ppaction://hlinksldjump"/>
+            <a:extLst>
+              <a:ext uri="{FF2B5EF4-FFF2-40B4-BE49-F238E27FC236}">
+                <a16:creationId xmlns:a16="http://schemas.microsoft.com/office/drawing/2014/main" id="{F1EE70D3-5FB8-47D0-AC38-5B01EF3600C6}"/>
+              </a:ext>
+            </a:extLst>
+          </p:cNvPr>
+          <p:cNvPicPr>
+            <a:picLocks noChangeAspect="1"/>
+          </p:cNvPicPr>
+          <p:nvPr/>
+        </p:nvPicPr>
+        <p:blipFill>
+          <a:blip r:embed="rId19">
+            <a:extLst>
+              <a:ext uri="{28A0092B-C50C-407E-A947-70E740481C1C}">
+                <a14:useLocalDpi xmlns:a14="http://schemas.microsoft.com/office/drawing/2010/main" val="0"/>
+              </a:ext>
+              <a:ext uri="{96DAC541-7B7A-43D3-8B79-37D633B846F1}">
+                <asvg:svgBlip xmlns:asvg="http://schemas.microsoft.com/office/drawing/2016/SVG/main" r:embed="rId20"/>
+              </a:ext>
+            </a:extLst>
+          </a:blip>
+          <a:stretch>
+            <a:fillRect/>
+          </a:stretch>
+        </p:blipFill>
+        <p:spPr>
+          <a:xfrm flipV="1">
+            <a:off x="437265" y="3149428"/>
+            <a:ext cx="578191" cy="578191"/>
+          </a:xfrm>
+          <a:prstGeom prst="rect">
+            <a:avLst/>
+          </a:prstGeom>
+        </p:spPr>
+      </p:pic>
+      <p:pic>
+        <p:nvPicPr>
+          <p:cNvPr id="26" name="Graphic 25" descr="Computer">
+            <a:hlinkClick r:id="rId21" action="ppaction://hlinksldjump"/>
+            <a:extLst>
+              <a:ext uri="{FF2B5EF4-FFF2-40B4-BE49-F238E27FC236}">
+                <a16:creationId xmlns:a16="http://schemas.microsoft.com/office/drawing/2014/main" id="{23824DE2-97FB-4180-9F90-AB78C9A49E19}"/>
+              </a:ext>
+            </a:extLst>
+          </p:cNvPr>
+          <p:cNvPicPr>
+            <a:picLocks noChangeAspect="1"/>
+          </p:cNvPicPr>
+          <p:nvPr/>
+        </p:nvPicPr>
+        <p:blipFill>
+          <a:blip r:embed="rId22">
+            <a:extLst>
+              <a:ext uri="{28A0092B-C50C-407E-A947-70E740481C1C}">
+                <a14:useLocalDpi xmlns:a14="http://schemas.microsoft.com/office/drawing/2010/main" val="0"/>
+              </a:ext>
+              <a:ext uri="{96DAC541-7B7A-43D3-8B79-37D633B846F1}">
+                <asvg:svgBlip xmlns:asvg="http://schemas.microsoft.com/office/drawing/2016/SVG/main" r:embed="rId23"/>
+              </a:ext>
+            </a:extLst>
+          </a:blip>
+          <a:stretch>
+            <a:fillRect/>
+          </a:stretch>
+        </p:blipFill>
+        <p:spPr>
+          <a:xfrm>
+            <a:off x="437263" y="4432700"/>
+            <a:ext cx="578191" cy="578191"/>
+          </a:xfrm>
+          <a:prstGeom prst="rect">
+            <a:avLst/>
+          </a:prstGeom>
+        </p:spPr>
+      </p:pic>
+      <p:pic>
+        <p:nvPicPr>
+          <p:cNvPr id="27" name="Graphic 26" descr="Web design">
+            <a:hlinkClick r:id="rId24" action="ppaction://hlinksldjump"/>
+            <a:extLst>
+              <a:ext uri="{FF2B5EF4-FFF2-40B4-BE49-F238E27FC236}">
+                <a16:creationId xmlns:a16="http://schemas.microsoft.com/office/drawing/2014/main" id="{366FD595-4570-4086-865F-42E763D15FC0}"/>
+              </a:ext>
+            </a:extLst>
+          </p:cNvPr>
+          <p:cNvPicPr>
+            <a:picLocks noChangeAspect="1"/>
+          </p:cNvPicPr>
+          <p:nvPr/>
+        </p:nvPicPr>
+        <p:blipFill>
+          <a:blip r:embed="rId25">
+            <a:extLst>
+              <a:ext uri="{28A0092B-C50C-407E-A947-70E740481C1C}">
+                <a14:useLocalDpi xmlns:a14="http://schemas.microsoft.com/office/drawing/2010/main" val="0"/>
+              </a:ext>
+              <a:ext uri="{96DAC541-7B7A-43D3-8B79-37D633B846F1}">
+                <asvg:svgBlip xmlns:asvg="http://schemas.microsoft.com/office/drawing/2016/SVG/main" r:embed="rId26"/>
+              </a:ext>
+            </a:extLst>
+          </a:blip>
+          <a:stretch>
+            <a:fillRect/>
+          </a:stretch>
+        </p:blipFill>
+        <p:spPr>
+          <a:xfrm>
+            <a:off x="437268" y="5715972"/>
+            <a:ext cx="578191" cy="578191"/>
+          </a:xfrm>
+          <a:prstGeom prst="rect">
+            <a:avLst/>
+          </a:prstGeom>
+        </p:spPr>
+      </p:pic>
+    </p:spTree>
+    <p:extLst>
+      <p:ext uri="{BB962C8B-B14F-4D97-AF65-F5344CB8AC3E}">
+        <p14:creationId xmlns:p14="http://schemas.microsoft.com/office/powerpoint/2010/main" val="2457878577"/>
+      </p:ext>
+    </p:extLst>
+  </p:cSld>
+  <p:clrMapOvr>
+    <a:masterClrMapping/>
+  </p:clrMapOvr>
+  <mc:AlternateContent xmlns:mc="http://schemas.openxmlformats.org/markup-compatibility/2006">
+    <mc:Choice xmlns:p14="http://schemas.microsoft.com/office/powerpoint/2010/main" Requires="p14">
+      <p:transition p14:dur="0" advClick="0" advTm="0"/>
+    </mc:Choice>
+    <mc:Fallback>
+      <p:transition advClick="0" advTm="0"/>
+    </mc:Fallback>
+  </mc:AlternateContent>
+</p:sld>
+</file>
+
+<file path=ppt/slides/slide4.xml><?xml version="1.0" encoding="utf-8"?>
+<p:sld xmlns:a="http://schemas.openxmlformats.org/drawingml/2006/main" xmlns:r="http://schemas.openxmlformats.org/officeDocument/2006/relationships" xmlns:p="http://schemas.openxmlformats.org/presentationml/2006/main">
+  <p:cSld>
+    <p:bg>
+      <p:bgPr>
+        <a:solidFill>
+          <a:srgbClr val="6500EE"/>
+        </a:solidFill>
+        <a:effectLst/>
+      </p:bgPr>
+    </p:bg>
+    <p:spTree>
+      <p:nvGrpSpPr>
+        <p:cNvPr id="1" name=""/>
+        <p:cNvGrpSpPr/>
+        <p:nvPr/>
+      </p:nvGrpSpPr>
+      <p:grpSpPr>
+        <a:xfrm>
+          <a:off x="0" y="0"/>
+          <a:ext cx="0" cy="0"/>
+          <a:chOff x="0" y="0"/>
+          <a:chExt cx="0" cy="0"/>
+        </a:xfrm>
+      </p:grpSpPr>
+      <p:sp>
+        <p:nvSpPr>
+          <p:cNvPr id="32" name="Rectangle 31">
+            <a:extLst>
+              <a:ext uri="{FF2B5EF4-FFF2-40B4-BE49-F238E27FC236}">
+                <a16:creationId xmlns:a16="http://schemas.microsoft.com/office/drawing/2014/main" id="{14CF0B23-ECFA-4FAD-B06D-B7174A6352C4}"/>
+              </a:ext>
+            </a:extLst>
+          </p:cNvPr>
+          <p:cNvSpPr/>
+          <p:nvPr/>
+        </p:nvSpPr>
+        <p:spPr>
+          <a:xfrm>
+            <a:off x="-13051949" y="-1"/>
+            <a:ext cx="12190262" cy="6858000"/>
+          </a:xfrm>
+          <a:prstGeom prst="rect">
+            <a:avLst/>
+          </a:prstGeom>
+          <a:solidFill>
+            <a:srgbClr val="00F5D4"/>
+          </a:solidFill>
+        </p:spPr>
+        <p:style>
+          <a:lnRef idx="2">
+            <a:schemeClr val="accent1">
+              <a:shade val="50000"/>
+            </a:schemeClr>
+          </a:lnRef>
+          <a:fillRef idx="1">
+            <a:schemeClr val="accent1"/>
+          </a:fillRef>
+          <a:effectRef idx="0">
+            <a:schemeClr val="accent1"/>
+          </a:effectRef>
+          <a:fontRef idx="minor">
+            <a:schemeClr val="lt1"/>
+          </a:fontRef>
+        </p:style>
+        <p:txBody>
+          <a:bodyPr rtlCol="0" anchor="ctr"/>
+          <a:lstStyle/>
+          <a:p>
+            <a:pPr algn="ctr"/>
+            <a:r>
+              <a:rPr lang="en-GB" sz="4400" dirty="0" err="1"/>
+              <a:t>Helo</a:t>
+            </a:r>
+            <a:r>
+              <a:rPr lang="en-GB" sz="4400" dirty="0"/>
+              <a:t> </a:t>
+            </a:r>
+            <a:r>
+              <a:rPr lang="en-GB" sz="4400" dirty="0" err="1"/>
+              <a:t>helo</a:t>
+            </a:r>
+            <a:r>
+              <a:rPr lang="en-GB" sz="4400" dirty="0"/>
+              <a:t> </a:t>
+            </a:r>
+            <a:r>
+              <a:rPr lang="en-GB" sz="4400" dirty="0" err="1"/>
+              <a:t>sziasztok</a:t>
+            </a:r>
+            <a:r>
+              <a:rPr lang="en-GB" sz="4400" dirty="0"/>
+              <a:t>, </a:t>
+            </a:r>
+            <a:r>
+              <a:rPr lang="en-GB" sz="4400" dirty="0" err="1"/>
+              <a:t>itt</a:t>
+            </a:r>
+            <a:r>
+              <a:rPr lang="en-GB" sz="4400" dirty="0"/>
+              <a:t> a </a:t>
+            </a:r>
+            <a:r>
+              <a:rPr lang="en-GB" sz="4400" dirty="0" err="1"/>
+              <a:t>tnote</a:t>
+            </a:r>
+            <a:r>
+              <a:rPr lang="en-GB" sz="4400" dirty="0"/>
+              <a:t> </a:t>
+            </a:r>
+            <a:r>
+              <a:rPr lang="en-GB" sz="4400" dirty="0" err="1"/>
+              <a:t>csapat</a:t>
+            </a:r>
+            <a:r>
+              <a:rPr lang="en-GB" sz="4400" dirty="0"/>
+              <a:t>, a </a:t>
+            </a:r>
+            <a:r>
+              <a:rPr lang="en-GB" sz="4400" dirty="0" err="1"/>
+              <a:t>mai</a:t>
+            </a:r>
+            <a:r>
+              <a:rPr lang="en-GB" sz="4400" dirty="0"/>
+              <a:t> </a:t>
+            </a:r>
+            <a:r>
+              <a:rPr lang="en-GB" sz="4400" dirty="0" err="1"/>
+              <a:t>eloadasban</a:t>
+            </a:r>
+            <a:r>
+              <a:rPr lang="en-GB" sz="4400" dirty="0"/>
+              <a:t> </a:t>
+            </a:r>
+            <a:r>
+              <a:rPr lang="en-GB" sz="4400" dirty="0" err="1"/>
+              <a:t>epitunk</a:t>
+            </a:r>
+            <a:r>
+              <a:rPr lang="en-GB" sz="4400" dirty="0"/>
+              <a:t> 3 automata </a:t>
+            </a:r>
+            <a:r>
+              <a:rPr lang="en-GB" sz="4400" dirty="0" err="1"/>
+              <a:t>redstone</a:t>
+            </a:r>
+            <a:r>
+              <a:rPr lang="en-GB" sz="4400" dirty="0"/>
+              <a:t> </a:t>
+            </a:r>
+            <a:r>
+              <a:rPr lang="en-GB" sz="4400" dirty="0" err="1"/>
+              <a:t>sutot</a:t>
+            </a:r>
+            <a:r>
+              <a:rPr lang="en-GB" sz="4400" dirty="0"/>
+              <a:t>, 2 automata </a:t>
+            </a:r>
+            <a:r>
+              <a:rPr lang="en-GB" sz="4400" dirty="0" err="1"/>
+              <a:t>buzafarmot</a:t>
+            </a:r>
+            <a:r>
+              <a:rPr lang="en-GB" sz="4400" dirty="0"/>
+              <a:t> </a:t>
+            </a:r>
+            <a:r>
+              <a:rPr lang="en-GB" sz="4400" dirty="0" err="1"/>
+              <a:t>és</a:t>
+            </a:r>
+            <a:r>
+              <a:rPr lang="en-GB" sz="4400" dirty="0"/>
+              <a:t> ha </a:t>
+            </a:r>
+            <a:r>
+              <a:rPr lang="en-GB" sz="4400" dirty="0" err="1"/>
+              <a:t>marad</a:t>
+            </a:r>
+            <a:r>
+              <a:rPr lang="en-GB" sz="4400" dirty="0"/>
+              <a:t> </a:t>
+            </a:r>
+            <a:r>
+              <a:rPr lang="en-GB" sz="4400" dirty="0" err="1"/>
+              <a:t>ido</a:t>
+            </a:r>
+            <a:r>
+              <a:rPr lang="en-GB" sz="4400" dirty="0"/>
+              <a:t> </a:t>
+            </a:r>
+            <a:r>
+              <a:rPr lang="en-GB" sz="4400" dirty="0" err="1"/>
+              <a:t>besegitunk</a:t>
+            </a:r>
+            <a:r>
+              <a:rPr lang="en-GB" sz="4400" dirty="0"/>
+              <a:t> a Manhattan </a:t>
+            </a:r>
+            <a:r>
+              <a:rPr lang="en-GB" sz="4400" dirty="0" err="1"/>
+              <a:t>tervbe</a:t>
+            </a:r>
+            <a:r>
+              <a:rPr lang="en-GB" sz="4400" dirty="0"/>
+              <a:t> is</a:t>
+            </a:r>
+            <a:endParaRPr lang="en-US" sz="4400" dirty="0"/>
+          </a:p>
+        </p:txBody>
+      </p:sp>
+      <p:grpSp>
+        <p:nvGrpSpPr>
+          <p:cNvPr id="11" name="Group 10">
+            <a:extLst>
+              <a:ext uri="{FF2B5EF4-FFF2-40B4-BE49-F238E27FC236}">
+                <a16:creationId xmlns:a16="http://schemas.microsoft.com/office/drawing/2014/main" id="{2FD25B7A-0646-44A0-A58F-0D968DED6F84}"/>
+              </a:ext>
+            </a:extLst>
+          </p:cNvPr>
+          <p:cNvGrpSpPr/>
+          <p:nvPr/>
+        </p:nvGrpSpPr>
+        <p:grpSpPr>
+          <a:xfrm>
+            <a:off x="1030161" y="451163"/>
+            <a:ext cx="841634" cy="841634"/>
+            <a:chOff x="-841634" y="451163"/>
+            <a:chExt cx="841634" cy="841634"/>
+          </a:xfrm>
+        </p:grpSpPr>
+        <p:sp>
+          <p:nvSpPr>
+            <p:cNvPr id="12" name="Oval 11">
+              <a:extLst>
+                <a:ext uri="{FF2B5EF4-FFF2-40B4-BE49-F238E27FC236}">
+                  <a16:creationId xmlns:a16="http://schemas.microsoft.com/office/drawing/2014/main" id="{F7D203E2-6FD0-45C8-B3B8-8D523D4343FC}"/>
+                </a:ext>
+              </a:extLst>
+            </p:cNvPr>
+            <p:cNvSpPr/>
+            <p:nvPr/>
+          </p:nvSpPr>
+          <p:spPr>
+            <a:xfrm>
+              <a:off x="-841634" y="451163"/>
+              <a:ext cx="841634" cy="841634"/>
+            </a:xfrm>
+            <a:prstGeom prst="ellipse">
+              <a:avLst/>
+            </a:prstGeom>
+            <a:solidFill>
+              <a:schemeClr val="bg1"/>
+            </a:solidFill>
+            <a:ln>
+              <a:noFill/>
+            </a:ln>
+          </p:spPr>
+          <p:style>
+            <a:lnRef idx="2">
+              <a:schemeClr val="accent1">
+                <a:shade val="50000"/>
+              </a:schemeClr>
+            </a:lnRef>
+            <a:fillRef idx="1">
+              <a:schemeClr val="accent1"/>
+            </a:fillRef>
+            <a:effectRef idx="0">
+              <a:schemeClr val="accent1"/>
+            </a:effectRef>
+            <a:fontRef idx="minor">
+              <a:schemeClr val="lt1"/>
+            </a:fontRef>
+          </p:style>
+          <p:txBody>
+            <a:bodyPr rtlCol="0" anchor="ctr"/>
+            <a:lstStyle/>
+            <a:p>
+              <a:pPr algn="ctr"/>
+              <a:endParaRPr lang="en-US"/>
+            </a:p>
+          </p:txBody>
+        </p:sp>
+        <p:pic>
+          <p:nvPicPr>
+            <p:cNvPr id="13" name="Graphic 12" descr="Group of men">
+              <a:extLst>
+                <a:ext uri="{FF2B5EF4-FFF2-40B4-BE49-F238E27FC236}">
+                  <a16:creationId xmlns:a16="http://schemas.microsoft.com/office/drawing/2014/main" id="{0E4CA495-0C21-4B2B-BE4D-D5D27DE87D5B}"/>
+                </a:ext>
+              </a:extLst>
+            </p:cNvPr>
+            <p:cNvPicPr>
+              <a:picLocks noChangeAspect="1"/>
+            </p:cNvPicPr>
+            <p:nvPr/>
+          </p:nvPicPr>
+          <p:blipFill>
+            <a:blip r:embed="rId2">
+              <a:extLst>
+                <a:ext uri="{28A0092B-C50C-407E-A947-70E740481C1C}">
+                  <a14:useLocalDpi xmlns:a14="http://schemas.microsoft.com/office/drawing/2010/main" val="0"/>
+                </a:ext>
+                <a:ext uri="{96DAC541-7B7A-43D3-8B79-37D633B846F1}">
+                  <asvg:svgBlip xmlns:asvg="http://schemas.microsoft.com/office/drawing/2016/SVG/main" r:embed="rId3"/>
+                </a:ext>
+              </a:extLst>
+            </a:blip>
+            <a:stretch>
+              <a:fillRect/>
+            </a:stretch>
+          </p:blipFill>
+          <p:spPr>
+            <a:xfrm>
+              <a:off x="-715261" y="582884"/>
+              <a:ext cx="578191" cy="578191"/>
+            </a:xfrm>
+            <a:prstGeom prst="rect">
+              <a:avLst/>
+            </a:prstGeom>
+          </p:spPr>
+        </p:pic>
+      </p:grpSp>
+      <p:grpSp>
+        <p:nvGrpSpPr>
+          <p:cNvPr id="14" name="Group 13">
+            <a:extLst>
+              <a:ext uri="{FF2B5EF4-FFF2-40B4-BE49-F238E27FC236}">
+                <a16:creationId xmlns:a16="http://schemas.microsoft.com/office/drawing/2014/main" id="{C719EE4E-831C-439D-B313-E20D18D5DCC1}"/>
+              </a:ext>
+            </a:extLst>
+          </p:cNvPr>
+          <p:cNvGrpSpPr/>
+          <p:nvPr/>
+        </p:nvGrpSpPr>
+        <p:grpSpPr>
+          <a:xfrm>
+            <a:off x="-846979" y="1734435"/>
+            <a:ext cx="841634" cy="841634"/>
+            <a:chOff x="-846979" y="1734435"/>
+            <a:chExt cx="841634" cy="841634"/>
+          </a:xfrm>
+        </p:grpSpPr>
+        <p:sp>
+          <p:nvSpPr>
+            <p:cNvPr id="15" name="Oval 14">
+              <a:extLst>
+                <a:ext uri="{FF2B5EF4-FFF2-40B4-BE49-F238E27FC236}">
+                  <a16:creationId xmlns:a16="http://schemas.microsoft.com/office/drawing/2014/main" id="{7CD53666-A7D4-48F2-8A78-D599CB8DA794}"/>
+                </a:ext>
+              </a:extLst>
+            </p:cNvPr>
+            <p:cNvSpPr/>
+            <p:nvPr/>
+          </p:nvSpPr>
+          <p:spPr>
+            <a:xfrm>
+              <a:off x="-846979" y="1734435"/>
+              <a:ext cx="841634" cy="841634"/>
+            </a:xfrm>
+            <a:prstGeom prst="ellipse">
+              <a:avLst/>
+            </a:prstGeom>
+            <a:solidFill>
+              <a:schemeClr val="bg1"/>
+            </a:solidFill>
+            <a:ln>
+              <a:noFill/>
+            </a:ln>
+          </p:spPr>
+          <p:style>
+            <a:lnRef idx="2">
+              <a:schemeClr val="accent1">
+                <a:shade val="50000"/>
+              </a:schemeClr>
+            </a:lnRef>
+            <a:fillRef idx="1">
+              <a:schemeClr val="accent1"/>
+            </a:fillRef>
+            <a:effectRef idx="0">
+              <a:schemeClr val="accent1"/>
+            </a:effectRef>
+            <a:fontRef idx="minor">
+              <a:schemeClr val="lt1"/>
+            </a:fontRef>
+          </p:style>
+          <p:txBody>
+            <a:bodyPr rtlCol="0" anchor="ctr"/>
+            <a:lstStyle/>
+            <a:p>
+              <a:pPr algn="ctr"/>
+              <a:endParaRPr lang="en-US"/>
+            </a:p>
+          </p:txBody>
+        </p:sp>
+        <p:pic>
+          <p:nvPicPr>
+            <p:cNvPr id="16" name="Graphic 15" descr="Server">
+              <a:extLst>
+                <a:ext uri="{FF2B5EF4-FFF2-40B4-BE49-F238E27FC236}">
+                  <a16:creationId xmlns:a16="http://schemas.microsoft.com/office/drawing/2014/main" id="{BA595A6F-3196-4E2A-BD03-8750EE9A921A}"/>
+                </a:ext>
+              </a:extLst>
+            </p:cNvPr>
+            <p:cNvPicPr>
+              <a:picLocks noChangeAspect="1"/>
+            </p:cNvPicPr>
+            <p:nvPr/>
+          </p:nvPicPr>
+          <p:blipFill>
+            <a:blip r:embed="rId4">
+              <a:extLst>
+                <a:ext uri="{28A0092B-C50C-407E-A947-70E740481C1C}">
+                  <a14:useLocalDpi xmlns:a14="http://schemas.microsoft.com/office/drawing/2010/main" val="0"/>
+                </a:ext>
+                <a:ext uri="{96DAC541-7B7A-43D3-8B79-37D633B846F1}">
+                  <asvg:svgBlip xmlns:asvg="http://schemas.microsoft.com/office/drawing/2016/SVG/main" r:embed="rId5"/>
+                </a:ext>
+              </a:extLst>
+            </a:blip>
+            <a:stretch>
+              <a:fillRect/>
+            </a:stretch>
+          </p:blipFill>
+          <p:spPr>
+            <a:xfrm>
+              <a:off x="-715261" y="1875053"/>
+              <a:ext cx="578191" cy="578191"/>
+            </a:xfrm>
+            <a:prstGeom prst="rect">
+              <a:avLst/>
+            </a:prstGeom>
+          </p:spPr>
+        </p:pic>
+      </p:grpSp>
+      <p:grpSp>
+        <p:nvGrpSpPr>
+          <p:cNvPr id="17" name="Group 16">
+            <a:extLst>
+              <a:ext uri="{FF2B5EF4-FFF2-40B4-BE49-F238E27FC236}">
+                <a16:creationId xmlns:a16="http://schemas.microsoft.com/office/drawing/2014/main" id="{BD983F21-6984-4015-B4BA-DA5BEBDAEFD7}"/>
+              </a:ext>
+            </a:extLst>
+          </p:cNvPr>
+          <p:cNvGrpSpPr/>
+          <p:nvPr/>
+        </p:nvGrpSpPr>
+        <p:grpSpPr>
+          <a:xfrm>
+            <a:off x="-846979" y="4300979"/>
+            <a:ext cx="841634" cy="841634"/>
+            <a:chOff x="-846979" y="4300979"/>
+            <a:chExt cx="841634" cy="841634"/>
+          </a:xfrm>
+        </p:grpSpPr>
+        <p:sp>
+          <p:nvSpPr>
+            <p:cNvPr id="18" name="Oval 17">
+              <a:extLst>
+                <a:ext uri="{FF2B5EF4-FFF2-40B4-BE49-F238E27FC236}">
+                  <a16:creationId xmlns:a16="http://schemas.microsoft.com/office/drawing/2014/main" id="{C23A6CDF-4EDC-454B-A8E1-F416E665E75A}"/>
+                </a:ext>
+              </a:extLst>
+            </p:cNvPr>
+            <p:cNvSpPr/>
+            <p:nvPr/>
+          </p:nvSpPr>
+          <p:spPr>
+            <a:xfrm>
+              <a:off x="-846979" y="4300979"/>
+              <a:ext cx="841634" cy="841634"/>
+            </a:xfrm>
+            <a:prstGeom prst="ellipse">
+              <a:avLst/>
+            </a:prstGeom>
+            <a:solidFill>
+              <a:schemeClr val="bg1"/>
+            </a:solidFill>
+            <a:ln>
+              <a:noFill/>
+            </a:ln>
+          </p:spPr>
+          <p:style>
+            <a:lnRef idx="2">
+              <a:schemeClr val="accent1">
+                <a:shade val="50000"/>
+              </a:schemeClr>
+            </a:lnRef>
+            <a:fillRef idx="1">
+              <a:schemeClr val="accent1"/>
+            </a:fillRef>
+            <a:effectRef idx="0">
+              <a:schemeClr val="accent1"/>
+            </a:effectRef>
+            <a:fontRef idx="minor">
+              <a:schemeClr val="lt1"/>
+            </a:fontRef>
+          </p:style>
+          <p:txBody>
+            <a:bodyPr rtlCol="0" anchor="ctr"/>
+            <a:lstStyle/>
+            <a:p>
+              <a:pPr algn="ctr"/>
+              <a:endParaRPr lang="en-US"/>
+            </a:p>
+          </p:txBody>
+        </p:sp>
+        <p:pic>
+          <p:nvPicPr>
+            <p:cNvPr id="19" name="Graphic 18" descr="Computer">
+              <a:extLst>
+                <a:ext uri="{FF2B5EF4-FFF2-40B4-BE49-F238E27FC236}">
+                  <a16:creationId xmlns:a16="http://schemas.microsoft.com/office/drawing/2014/main" id="{A085F650-3CEE-4369-AF85-F9718E965C3F}"/>
+                </a:ext>
+              </a:extLst>
+            </p:cNvPr>
+            <p:cNvPicPr>
+              <a:picLocks noChangeAspect="1"/>
+            </p:cNvPicPr>
+            <p:nvPr/>
+          </p:nvPicPr>
+          <p:blipFill>
+            <a:blip r:embed="rId6">
+              <a:extLst>
+                <a:ext uri="{28A0092B-C50C-407E-A947-70E740481C1C}">
+                  <a14:useLocalDpi xmlns:a14="http://schemas.microsoft.com/office/drawing/2010/main" val="0"/>
+                </a:ext>
+                <a:ext uri="{96DAC541-7B7A-43D3-8B79-37D633B846F1}">
+                  <asvg:svgBlip xmlns:asvg="http://schemas.microsoft.com/office/drawing/2016/SVG/main" r:embed="rId7"/>
+                </a:ext>
+              </a:extLst>
+            </a:blip>
+            <a:stretch>
+              <a:fillRect/>
+            </a:stretch>
+          </p:blipFill>
+          <p:spPr>
+            <a:xfrm>
+              <a:off x="-715262" y="4432700"/>
+              <a:ext cx="578191" cy="578191"/>
+            </a:xfrm>
+            <a:prstGeom prst="rect">
+              <a:avLst/>
+            </a:prstGeom>
+          </p:spPr>
+        </p:pic>
+      </p:grpSp>
+      <p:grpSp>
+        <p:nvGrpSpPr>
+          <p:cNvPr id="20" name="Group 19">
+            <a:extLst>
+              <a:ext uri="{FF2B5EF4-FFF2-40B4-BE49-F238E27FC236}">
+                <a16:creationId xmlns:a16="http://schemas.microsoft.com/office/drawing/2014/main" id="{5C50E7F1-444F-43E3-A8A5-B0B8B9BAAC3A}"/>
+              </a:ext>
+            </a:extLst>
+          </p:cNvPr>
+          <p:cNvGrpSpPr/>
+          <p:nvPr/>
+        </p:nvGrpSpPr>
+        <p:grpSpPr>
+          <a:xfrm>
+            <a:off x="-846981" y="5584251"/>
+            <a:ext cx="841634" cy="841634"/>
+            <a:chOff x="-846981" y="5584251"/>
+            <a:chExt cx="841634" cy="841634"/>
+          </a:xfrm>
+        </p:grpSpPr>
+        <p:sp>
+          <p:nvSpPr>
+            <p:cNvPr id="21" name="Oval 20">
+              <a:extLst>
+                <a:ext uri="{FF2B5EF4-FFF2-40B4-BE49-F238E27FC236}">
+                  <a16:creationId xmlns:a16="http://schemas.microsoft.com/office/drawing/2014/main" id="{3BC5FDE2-3A61-4DF1-86E2-B05DFC1D45AD}"/>
+                </a:ext>
+              </a:extLst>
+            </p:cNvPr>
+            <p:cNvSpPr/>
+            <p:nvPr/>
+          </p:nvSpPr>
+          <p:spPr>
+            <a:xfrm>
+              <a:off x="-846981" y="5584251"/>
+              <a:ext cx="841634" cy="841634"/>
+            </a:xfrm>
+            <a:prstGeom prst="ellipse">
+              <a:avLst/>
+            </a:prstGeom>
+            <a:solidFill>
+              <a:schemeClr val="bg1"/>
+            </a:solidFill>
+            <a:ln>
+              <a:noFill/>
+            </a:ln>
+          </p:spPr>
+          <p:style>
+            <a:lnRef idx="2">
+              <a:schemeClr val="accent1">
+                <a:shade val="50000"/>
+              </a:schemeClr>
+            </a:lnRef>
+            <a:fillRef idx="1">
+              <a:schemeClr val="accent1"/>
+            </a:fillRef>
+            <a:effectRef idx="0">
+              <a:schemeClr val="accent1"/>
+            </a:effectRef>
+            <a:fontRef idx="minor">
+              <a:schemeClr val="lt1"/>
+            </a:fontRef>
+          </p:style>
+          <p:txBody>
+            <a:bodyPr rtlCol="0" anchor="ctr"/>
+            <a:lstStyle/>
+            <a:p>
+              <a:pPr algn="ctr"/>
+              <a:endParaRPr lang="en-US"/>
+            </a:p>
+          </p:txBody>
+        </p:sp>
+        <p:pic>
+          <p:nvPicPr>
+            <p:cNvPr id="22" name="Graphic 21" descr="Web design">
+              <a:extLst>
+                <a:ext uri="{FF2B5EF4-FFF2-40B4-BE49-F238E27FC236}">
+                  <a16:creationId xmlns:a16="http://schemas.microsoft.com/office/drawing/2014/main" id="{63C24EBF-789E-4282-96D8-1D276838910B}"/>
+                </a:ext>
+              </a:extLst>
+            </p:cNvPr>
+            <p:cNvPicPr>
+              <a:picLocks noChangeAspect="1"/>
+            </p:cNvPicPr>
+            <p:nvPr/>
+          </p:nvPicPr>
+          <p:blipFill>
+            <a:blip r:embed="rId8">
+              <a:extLst>
+                <a:ext uri="{28A0092B-C50C-407E-A947-70E740481C1C}">
+                  <a14:useLocalDpi xmlns:a14="http://schemas.microsoft.com/office/drawing/2010/main" val="0"/>
+                </a:ext>
+                <a:ext uri="{96DAC541-7B7A-43D3-8B79-37D633B846F1}">
+                  <asvg:svgBlip xmlns:asvg="http://schemas.microsoft.com/office/drawing/2016/SVG/main" r:embed="rId9"/>
+                </a:ext>
+              </a:extLst>
+            </a:blip>
+            <a:stretch>
+              <a:fillRect/>
+            </a:stretch>
+          </p:blipFill>
+          <p:spPr>
+            <a:xfrm>
+              <a:off x="-715257" y="5715972"/>
+              <a:ext cx="578191" cy="578191"/>
+            </a:xfrm>
+            <a:prstGeom prst="rect">
+              <a:avLst/>
+            </a:prstGeom>
+          </p:spPr>
+        </p:pic>
+      </p:grpSp>
+      <p:grpSp>
+        <p:nvGrpSpPr>
+          <p:cNvPr id="28" name="Group 27">
+            <a:extLst>
+              <a:ext uri="{FF2B5EF4-FFF2-40B4-BE49-F238E27FC236}">
+                <a16:creationId xmlns:a16="http://schemas.microsoft.com/office/drawing/2014/main" id="{E38FFCB3-5F33-4C61-AAF1-DDA6AE2C27B3}"/>
+              </a:ext>
+            </a:extLst>
+          </p:cNvPr>
+          <p:cNvGrpSpPr/>
+          <p:nvPr/>
+        </p:nvGrpSpPr>
+        <p:grpSpPr>
+          <a:xfrm>
+            <a:off x="-841634" y="3008183"/>
+            <a:ext cx="841634" cy="841634"/>
+            <a:chOff x="5675183" y="3005477"/>
+            <a:chExt cx="841634" cy="841634"/>
+          </a:xfrm>
+        </p:grpSpPr>
+        <p:sp>
+          <p:nvSpPr>
+            <p:cNvPr id="29" name="Oval 28">
+              <a:extLst>
+                <a:ext uri="{FF2B5EF4-FFF2-40B4-BE49-F238E27FC236}">
+                  <a16:creationId xmlns:a16="http://schemas.microsoft.com/office/drawing/2014/main" id="{1BE0B4A3-57E8-4C62-9D1D-4F021E2056FE}"/>
+                </a:ext>
+              </a:extLst>
+            </p:cNvPr>
+            <p:cNvSpPr/>
+            <p:nvPr/>
+          </p:nvSpPr>
+          <p:spPr>
+            <a:xfrm>
+              <a:off x="5675183" y="3005477"/>
+              <a:ext cx="841634" cy="841634"/>
+            </a:xfrm>
+            <a:prstGeom prst="ellipse">
+              <a:avLst/>
+            </a:prstGeom>
+            <a:solidFill>
+              <a:srgbClr val="FFFFFF"/>
+            </a:solidFill>
+            <a:ln>
+              <a:noFill/>
+            </a:ln>
+          </p:spPr>
+          <p:style>
+            <a:lnRef idx="2">
+              <a:schemeClr val="accent1">
+                <a:shade val="50000"/>
+              </a:schemeClr>
+            </a:lnRef>
+            <a:fillRef idx="1">
+              <a:schemeClr val="accent1"/>
+            </a:fillRef>
+            <a:effectRef idx="0">
+              <a:schemeClr val="accent1"/>
+            </a:effectRef>
+            <a:fontRef idx="minor">
+              <a:schemeClr val="lt1"/>
+            </a:fontRef>
+          </p:style>
+          <p:txBody>
+            <a:bodyPr rtlCol="0" anchor="ctr"/>
+            <a:lstStyle/>
+            <a:p>
+              <a:pPr algn="ctr"/>
+              <a:endParaRPr lang="en-US"/>
+            </a:p>
+          </p:txBody>
+        </p:sp>
+        <p:pic>
+          <p:nvPicPr>
+            <p:cNvPr id="30" name="Graphic 29" descr="Smart Phone">
+              <a:extLst>
+                <a:ext uri="{FF2B5EF4-FFF2-40B4-BE49-F238E27FC236}">
+                  <a16:creationId xmlns:a16="http://schemas.microsoft.com/office/drawing/2014/main" id="{799A6D27-0847-4276-AAD5-799AC6DB626C}"/>
+                </a:ext>
+              </a:extLst>
+            </p:cNvPr>
+            <p:cNvPicPr>
+              <a:picLocks noChangeAspect="1"/>
+            </p:cNvPicPr>
+            <p:nvPr/>
+          </p:nvPicPr>
+          <p:blipFill>
+            <a:blip r:embed="rId10">
+              <a:extLst>
+                <a:ext uri="{28A0092B-C50C-407E-A947-70E740481C1C}">
+                  <a14:useLocalDpi xmlns:a14="http://schemas.microsoft.com/office/drawing/2010/main" val="0"/>
+                </a:ext>
+                <a:ext uri="{96DAC541-7B7A-43D3-8B79-37D633B846F1}">
+                  <asvg:svgBlip xmlns:asvg="http://schemas.microsoft.com/office/drawing/2016/SVG/main" r:embed="rId11"/>
+                </a:ext>
+              </a:extLst>
+            </a:blip>
+            <a:stretch>
+              <a:fillRect/>
+            </a:stretch>
+          </p:blipFill>
+          <p:spPr>
+            <a:xfrm flipV="1">
+              <a:off x="5806902" y="3137198"/>
+              <a:ext cx="578191" cy="578191"/>
+            </a:xfrm>
+            <a:prstGeom prst="rect">
+              <a:avLst/>
+            </a:prstGeom>
+          </p:spPr>
+        </p:pic>
+      </p:grpSp>
+      <p:sp>
+        <p:nvSpPr>
+          <p:cNvPr id="10" name="Freeform: Shape 9">
+            <a:extLst>
+              <a:ext uri="{FF2B5EF4-FFF2-40B4-BE49-F238E27FC236}">
+                <a16:creationId xmlns:a16="http://schemas.microsoft.com/office/drawing/2014/main" id="{118713A0-7EB7-41F4-AA04-51478B126B2C}"/>
+              </a:ext>
+            </a:extLst>
+          </p:cNvPr>
+          <p:cNvSpPr/>
+          <p:nvPr/>
+        </p:nvSpPr>
+        <p:spPr>
+          <a:xfrm rot="10800000">
+            <a:off x="1739" y="-16472462"/>
+            <a:ext cx="1449238" cy="23553174"/>
+          </a:xfrm>
+          <a:custGeom>
+            <a:avLst/>
+            <a:gdLst>
+              <a:gd name="connsiteX0" fmla="*/ 0 w 1449238"/>
+              <a:gd name="connsiteY0" fmla="*/ 23553174 h 23553174"/>
+              <a:gd name="connsiteX1" fmla="*/ 0 w 1449238"/>
+              <a:gd name="connsiteY1" fmla="*/ 7057620 h 23553174"/>
+              <a:gd name="connsiteX2" fmla="*/ 828826 w 1449238"/>
+              <a:gd name="connsiteY2" fmla="*/ 6213536 h 23553174"/>
+              <a:gd name="connsiteX3" fmla="*/ 0 w 1449238"/>
+              <a:gd name="connsiteY3" fmla="*/ 5369453 h 23553174"/>
+              <a:gd name="connsiteX4" fmla="*/ 0 w 1449238"/>
+              <a:gd name="connsiteY4" fmla="*/ 0 h 23553174"/>
+              <a:gd name="connsiteX5" fmla="*/ 1449238 w 1449238"/>
+              <a:gd name="connsiteY5" fmla="*/ 0 h 23553174"/>
+              <a:gd name="connsiteX6" fmla="*/ 1449238 w 1449238"/>
+              <a:gd name="connsiteY6" fmla="*/ 23553174 h 23553174"/>
+              <a:gd name="connsiteX0" fmla="*/ 0 w 1449238"/>
+              <a:gd name="connsiteY0" fmla="*/ 23553174 h 23553174"/>
+              <a:gd name="connsiteX1" fmla="*/ 0 w 1449238"/>
+              <a:gd name="connsiteY1" fmla="*/ 7057620 h 23553174"/>
+              <a:gd name="connsiteX2" fmla="*/ 828826 w 1449238"/>
+              <a:gd name="connsiteY2" fmla="*/ 6213536 h 23553174"/>
+              <a:gd name="connsiteX3" fmla="*/ 0 w 1449238"/>
+              <a:gd name="connsiteY3" fmla="*/ 5369453 h 23553174"/>
+              <a:gd name="connsiteX4" fmla="*/ 0 w 1449238"/>
+              <a:gd name="connsiteY4" fmla="*/ 0 h 23553174"/>
+              <a:gd name="connsiteX5" fmla="*/ 1449238 w 1449238"/>
+              <a:gd name="connsiteY5" fmla="*/ 0 h 23553174"/>
+              <a:gd name="connsiteX6" fmla="*/ 1449238 w 1449238"/>
+              <a:gd name="connsiteY6" fmla="*/ 23553174 h 23553174"/>
+              <a:gd name="connsiteX7" fmla="*/ 0 w 1449238"/>
+              <a:gd name="connsiteY7" fmla="*/ 23553174 h 23553174"/>
+              <a:gd name="connsiteX0" fmla="*/ 0 w 1449238"/>
+              <a:gd name="connsiteY0" fmla="*/ 23553174 h 23553174"/>
+              <a:gd name="connsiteX1" fmla="*/ 0 w 1449238"/>
+              <a:gd name="connsiteY1" fmla="*/ 7057620 h 23553174"/>
+              <a:gd name="connsiteX2" fmla="*/ 828826 w 1449238"/>
+              <a:gd name="connsiteY2" fmla="*/ 6213536 h 23553174"/>
+              <a:gd name="connsiteX3" fmla="*/ 0 w 1449238"/>
+              <a:gd name="connsiteY3" fmla="*/ 5369453 h 23553174"/>
+              <a:gd name="connsiteX4" fmla="*/ 0 w 1449238"/>
+              <a:gd name="connsiteY4" fmla="*/ 0 h 23553174"/>
+              <a:gd name="connsiteX5" fmla="*/ 1449238 w 1449238"/>
+              <a:gd name="connsiteY5" fmla="*/ 0 h 23553174"/>
+              <a:gd name="connsiteX6" fmla="*/ 1449238 w 1449238"/>
+              <a:gd name="connsiteY6" fmla="*/ 23553174 h 23553174"/>
+              <a:gd name="connsiteX7" fmla="*/ 0 w 1449238"/>
+              <a:gd name="connsiteY7" fmla="*/ 23553174 h 23553174"/>
+              <a:gd name="connsiteX0" fmla="*/ 0 w 1449238"/>
+              <a:gd name="connsiteY0" fmla="*/ 23553174 h 23553174"/>
+              <a:gd name="connsiteX1" fmla="*/ 0 w 1449238"/>
+              <a:gd name="connsiteY1" fmla="*/ 7057620 h 23553174"/>
+              <a:gd name="connsiteX2" fmla="*/ 828826 w 1449238"/>
+              <a:gd name="connsiteY2" fmla="*/ 6213536 h 23553174"/>
+              <a:gd name="connsiteX3" fmla="*/ 0 w 1449238"/>
+              <a:gd name="connsiteY3" fmla="*/ 5369453 h 23553174"/>
+              <a:gd name="connsiteX4" fmla="*/ 0 w 1449238"/>
+              <a:gd name="connsiteY4" fmla="*/ 0 h 23553174"/>
+              <a:gd name="connsiteX5" fmla="*/ 1449238 w 1449238"/>
+              <a:gd name="connsiteY5" fmla="*/ 0 h 23553174"/>
+              <a:gd name="connsiteX6" fmla="*/ 1449238 w 1449238"/>
+              <a:gd name="connsiteY6" fmla="*/ 23553174 h 23553174"/>
+              <a:gd name="connsiteX7" fmla="*/ 0 w 1449238"/>
+              <a:gd name="connsiteY7" fmla="*/ 23553174 h 23553174"/>
+              <a:gd name="connsiteX0" fmla="*/ 0 w 1449238"/>
+              <a:gd name="connsiteY0" fmla="*/ 23553174 h 23553174"/>
+              <a:gd name="connsiteX1" fmla="*/ 0 w 1449238"/>
+              <a:gd name="connsiteY1" fmla="*/ 7057620 h 23553174"/>
+              <a:gd name="connsiteX2" fmla="*/ 828826 w 1449238"/>
+              <a:gd name="connsiteY2" fmla="*/ 6213536 h 23553174"/>
+              <a:gd name="connsiteX3" fmla="*/ 0 w 1449238"/>
+              <a:gd name="connsiteY3" fmla="*/ 5369453 h 23553174"/>
+              <a:gd name="connsiteX4" fmla="*/ 0 w 1449238"/>
+              <a:gd name="connsiteY4" fmla="*/ 0 h 23553174"/>
+              <a:gd name="connsiteX5" fmla="*/ 1449238 w 1449238"/>
+              <a:gd name="connsiteY5" fmla="*/ 0 h 23553174"/>
+              <a:gd name="connsiteX6" fmla="*/ 1449238 w 1449238"/>
+              <a:gd name="connsiteY6" fmla="*/ 23553174 h 23553174"/>
+              <a:gd name="connsiteX7" fmla="*/ 0 w 1449238"/>
+              <a:gd name="connsiteY7" fmla="*/ 23553174 h 23553174"/>
+              <a:gd name="connsiteX0" fmla="*/ 0 w 1449238"/>
+              <a:gd name="connsiteY0" fmla="*/ 23553174 h 23553174"/>
+              <a:gd name="connsiteX1" fmla="*/ 0 w 1449238"/>
+              <a:gd name="connsiteY1" fmla="*/ 7057620 h 23553174"/>
+              <a:gd name="connsiteX2" fmla="*/ 581176 w 1449238"/>
+              <a:gd name="connsiteY2" fmla="*/ 6213536 h 23553174"/>
+              <a:gd name="connsiteX3" fmla="*/ 0 w 1449238"/>
+              <a:gd name="connsiteY3" fmla="*/ 5369453 h 23553174"/>
+              <a:gd name="connsiteX4" fmla="*/ 0 w 1449238"/>
+              <a:gd name="connsiteY4" fmla="*/ 0 h 23553174"/>
+              <a:gd name="connsiteX5" fmla="*/ 1449238 w 1449238"/>
+              <a:gd name="connsiteY5" fmla="*/ 0 h 23553174"/>
+              <a:gd name="connsiteX6" fmla="*/ 1449238 w 1449238"/>
+              <a:gd name="connsiteY6" fmla="*/ 23553174 h 23553174"/>
+              <a:gd name="connsiteX7" fmla="*/ 0 w 1449238"/>
+              <a:gd name="connsiteY7" fmla="*/ 23553174 h 23553174"/>
+              <a:gd name="connsiteX0" fmla="*/ 0 w 1449238"/>
+              <a:gd name="connsiteY0" fmla="*/ 23553174 h 23553174"/>
+              <a:gd name="connsiteX1" fmla="*/ 0 w 1449238"/>
+              <a:gd name="connsiteY1" fmla="*/ 7057620 h 23553174"/>
+              <a:gd name="connsiteX2" fmla="*/ 564507 w 1449238"/>
+              <a:gd name="connsiteY2" fmla="*/ 6215918 h 23553174"/>
+              <a:gd name="connsiteX3" fmla="*/ 0 w 1449238"/>
+              <a:gd name="connsiteY3" fmla="*/ 5369453 h 23553174"/>
+              <a:gd name="connsiteX4" fmla="*/ 0 w 1449238"/>
+              <a:gd name="connsiteY4" fmla="*/ 0 h 23553174"/>
+              <a:gd name="connsiteX5" fmla="*/ 1449238 w 1449238"/>
+              <a:gd name="connsiteY5" fmla="*/ 0 h 23553174"/>
+              <a:gd name="connsiteX6" fmla="*/ 1449238 w 1449238"/>
+              <a:gd name="connsiteY6" fmla="*/ 23553174 h 23553174"/>
+              <a:gd name="connsiteX7" fmla="*/ 0 w 1449238"/>
+              <a:gd name="connsiteY7" fmla="*/ 23553174 h 23553174"/>
+            </a:gdLst>
+            <a:ahLst/>
+            <a:cxnLst>
+              <a:cxn ang="0">
+                <a:pos x="connsiteX0" y="connsiteY0"/>
+              </a:cxn>
+              <a:cxn ang="0">
+                <a:pos x="connsiteX1" y="connsiteY1"/>
+              </a:cxn>
+              <a:cxn ang="0">
+                <a:pos x="connsiteX2" y="connsiteY2"/>
+              </a:cxn>
+              <a:cxn ang="0">
+                <a:pos x="connsiteX3" y="connsiteY3"/>
+              </a:cxn>
+              <a:cxn ang="0">
+                <a:pos x="connsiteX4" y="connsiteY4"/>
+              </a:cxn>
+              <a:cxn ang="0">
+                <a:pos x="connsiteX5" y="connsiteY5"/>
+              </a:cxn>
+              <a:cxn ang="0">
+                <a:pos x="connsiteX6" y="connsiteY6"/>
+              </a:cxn>
+              <a:cxn ang="0">
+                <a:pos x="connsiteX7" y="connsiteY7"/>
+              </a:cxn>
+            </a:cxnLst>
+            <a:rect l="l" t="t" r="r" b="b"/>
+            <a:pathLst>
+              <a:path w="1449238" h="23553174">
+                <a:moveTo>
+                  <a:pt x="0" y="23553174"/>
+                </a:moveTo>
+                <a:lnTo>
+                  <a:pt x="0" y="7057620"/>
+                </a:lnTo>
+                <a:cubicBezTo>
+                  <a:pt x="4812" y="6633384"/>
+                  <a:pt x="564557" y="6719529"/>
+                  <a:pt x="564507" y="6215918"/>
+                </a:cubicBezTo>
+                <a:cubicBezTo>
+                  <a:pt x="564457" y="5712307"/>
+                  <a:pt x="2431" y="5798452"/>
+                  <a:pt x="0" y="5369453"/>
+                </a:cubicBezTo>
+                <a:lnTo>
+                  <a:pt x="0" y="0"/>
+                </a:lnTo>
+                <a:lnTo>
+                  <a:pt x="1449238" y="0"/>
+                </a:lnTo>
+                <a:lnTo>
+                  <a:pt x="1449238" y="23553174"/>
+                </a:lnTo>
+                <a:lnTo>
+                  <a:pt x="0" y="23553174"/>
+                </a:lnTo>
+                <a:close/>
+              </a:path>
+            </a:pathLst>
+          </a:custGeom>
+          <a:solidFill>
+            <a:schemeClr val="bg1"/>
+          </a:solidFill>
+          <a:ln>
+            <a:noFill/>
+          </a:ln>
+        </p:spPr>
+        <p:style>
+          <a:lnRef idx="2">
+            <a:schemeClr val="accent1">
+              <a:shade val="50000"/>
+            </a:schemeClr>
+          </a:lnRef>
+          <a:fillRef idx="1">
+            <a:schemeClr val="accent1"/>
+          </a:fillRef>
+          <a:effectRef idx="0">
+            <a:schemeClr val="accent1"/>
+          </a:effectRef>
+          <a:fontRef idx="minor">
+            <a:schemeClr val="lt1"/>
+          </a:fontRef>
+        </p:style>
+        <p:txBody>
+          <a:bodyPr wrap="square" rtlCol="0" anchor="ctr">
+            <a:noAutofit/>
+          </a:bodyPr>
+          <a:lstStyle/>
+          <a:p>
+            <a:pPr algn="ctr"/>
+            <a:endParaRPr lang="en-US"/>
+          </a:p>
+        </p:txBody>
+      </p:sp>
+      <p:pic>
+        <p:nvPicPr>
+          <p:cNvPr id="23" name="Graphic 22" descr="Group of men">
+            <a:hlinkClick r:id="rId12" action="ppaction://hlinksldjump"/>
+            <a:extLst>
+              <a:ext uri="{FF2B5EF4-FFF2-40B4-BE49-F238E27FC236}">
+                <a16:creationId xmlns:a16="http://schemas.microsoft.com/office/drawing/2014/main" id="{6B1B6614-2A22-4BA5-9BA2-14DAC91EEF35}"/>
+              </a:ext>
+            </a:extLst>
+          </p:cNvPr>
+          <p:cNvPicPr>
+            <a:picLocks noChangeAspect="1"/>
+          </p:cNvPicPr>
+          <p:nvPr/>
+        </p:nvPicPr>
+        <p:blipFill>
+          <a:blip r:embed="rId13">
+            <a:extLst>
+              <a:ext uri="{28A0092B-C50C-407E-A947-70E740481C1C}">
+                <a14:useLocalDpi xmlns:a14="http://schemas.microsoft.com/office/drawing/2010/main" val="0"/>
+              </a:ext>
+              <a:ext uri="{96DAC541-7B7A-43D3-8B79-37D633B846F1}">
+                <asvg:svgBlip xmlns:asvg="http://schemas.microsoft.com/office/drawing/2016/SVG/main" r:embed="rId14"/>
+              </a:ext>
+            </a:extLst>
+          </a:blip>
+          <a:stretch>
+            <a:fillRect/>
+          </a:stretch>
+        </p:blipFill>
+        <p:spPr>
+          <a:xfrm>
+            <a:off x="437264" y="582884"/>
+            <a:ext cx="578191" cy="578191"/>
+          </a:xfrm>
+          <a:prstGeom prst="rect">
+            <a:avLst/>
+          </a:prstGeom>
+        </p:spPr>
+      </p:pic>
+      <p:pic>
+        <p:nvPicPr>
+          <p:cNvPr id="24" name="Graphic 23" descr="Server">
+            <a:hlinkClick r:id="rId15" action="ppaction://hlinksldjump"/>
+            <a:extLst>
+              <a:ext uri="{FF2B5EF4-FFF2-40B4-BE49-F238E27FC236}">
+                <a16:creationId xmlns:a16="http://schemas.microsoft.com/office/drawing/2014/main" id="{DECA15C3-6AEE-4D0C-9526-1E7AAF61F746}"/>
+              </a:ext>
+            </a:extLst>
+          </p:cNvPr>
+          <p:cNvPicPr>
+            <a:picLocks noChangeAspect="1"/>
+          </p:cNvPicPr>
+          <p:nvPr/>
+        </p:nvPicPr>
+        <p:blipFill>
+          <a:blip r:embed="rId16">
+            <a:extLst>
+              <a:ext uri="{28A0092B-C50C-407E-A947-70E740481C1C}">
+                <a14:useLocalDpi xmlns:a14="http://schemas.microsoft.com/office/drawing/2010/main" val="0"/>
+              </a:ext>
+              <a:ext uri="{96DAC541-7B7A-43D3-8B79-37D633B846F1}">
+                <asvg:svgBlip xmlns:asvg="http://schemas.microsoft.com/office/drawing/2016/SVG/main" r:embed="rId17"/>
+              </a:ext>
+            </a:extLst>
+          </a:blip>
+          <a:stretch>
+            <a:fillRect/>
+          </a:stretch>
+        </p:blipFill>
+        <p:spPr>
+          <a:xfrm>
+            <a:off x="437264" y="1875053"/>
+            <a:ext cx="578191" cy="578191"/>
+          </a:xfrm>
+          <a:prstGeom prst="rect">
+            <a:avLst/>
+          </a:prstGeom>
+        </p:spPr>
+      </p:pic>
+      <p:pic>
+        <p:nvPicPr>
+          <p:cNvPr id="25" name="Graphic 24" descr="Smart Phone">
+            <a:hlinkClick r:id="rId18" action="ppaction://hlinksldjump"/>
+            <a:extLst>
+              <a:ext uri="{FF2B5EF4-FFF2-40B4-BE49-F238E27FC236}">
+                <a16:creationId xmlns:a16="http://schemas.microsoft.com/office/drawing/2014/main" id="{F1EE70D3-5FB8-47D0-AC38-5B01EF3600C6}"/>
+              </a:ext>
+            </a:extLst>
+          </p:cNvPr>
+          <p:cNvPicPr>
+            <a:picLocks noChangeAspect="1"/>
+          </p:cNvPicPr>
+          <p:nvPr/>
+        </p:nvPicPr>
+        <p:blipFill>
+          <a:blip r:embed="rId19">
+            <a:extLst>
+              <a:ext uri="{28A0092B-C50C-407E-A947-70E740481C1C}">
+                <a14:useLocalDpi xmlns:a14="http://schemas.microsoft.com/office/drawing/2010/main" val="0"/>
+              </a:ext>
+              <a:ext uri="{96DAC541-7B7A-43D3-8B79-37D633B846F1}">
+                <asvg:svgBlip xmlns:asvg="http://schemas.microsoft.com/office/drawing/2016/SVG/main" r:embed="rId20"/>
+              </a:ext>
+            </a:extLst>
+          </a:blip>
+          <a:stretch>
+            <a:fillRect/>
+          </a:stretch>
+        </p:blipFill>
+        <p:spPr>
+          <a:xfrm flipV="1">
+            <a:off x="437265" y="3149428"/>
+            <a:ext cx="578191" cy="578191"/>
+          </a:xfrm>
+          <a:prstGeom prst="rect">
+            <a:avLst/>
+          </a:prstGeom>
+        </p:spPr>
+      </p:pic>
+      <p:pic>
+        <p:nvPicPr>
+          <p:cNvPr id="26" name="Graphic 25" descr="Computer">
+            <a:hlinkClick r:id="rId21" action="ppaction://hlinksldjump"/>
+            <a:extLst>
+              <a:ext uri="{FF2B5EF4-FFF2-40B4-BE49-F238E27FC236}">
+                <a16:creationId xmlns:a16="http://schemas.microsoft.com/office/drawing/2014/main" id="{23824DE2-97FB-4180-9F90-AB78C9A49E19}"/>
+              </a:ext>
+            </a:extLst>
+          </p:cNvPr>
+          <p:cNvPicPr>
+            <a:picLocks noChangeAspect="1"/>
+          </p:cNvPicPr>
+          <p:nvPr/>
+        </p:nvPicPr>
+        <p:blipFill>
+          <a:blip r:embed="rId22">
+            <a:extLst>
+              <a:ext uri="{28A0092B-C50C-407E-A947-70E740481C1C}">
+                <a14:useLocalDpi xmlns:a14="http://schemas.microsoft.com/office/drawing/2010/main" val="0"/>
+              </a:ext>
+              <a:ext uri="{96DAC541-7B7A-43D3-8B79-37D633B846F1}">
+                <asvg:svgBlip xmlns:asvg="http://schemas.microsoft.com/office/drawing/2016/SVG/main" r:embed="rId23"/>
+              </a:ext>
+            </a:extLst>
+          </a:blip>
+          <a:stretch>
+            <a:fillRect/>
+          </a:stretch>
+        </p:blipFill>
+        <p:spPr>
+          <a:xfrm>
+            <a:off x="437263" y="4432700"/>
+            <a:ext cx="578191" cy="578191"/>
+          </a:xfrm>
+          <a:prstGeom prst="rect">
+            <a:avLst/>
+          </a:prstGeom>
+        </p:spPr>
+      </p:pic>
+      <p:pic>
+        <p:nvPicPr>
+          <p:cNvPr id="27" name="Graphic 26" descr="Web design">
+            <a:hlinkClick r:id="rId24" action="ppaction://hlinksldjump"/>
+            <a:extLst>
+              <a:ext uri="{FF2B5EF4-FFF2-40B4-BE49-F238E27FC236}">
+                <a16:creationId xmlns:a16="http://schemas.microsoft.com/office/drawing/2014/main" id="{366FD595-4570-4086-865F-42E763D15FC0}"/>
+              </a:ext>
+            </a:extLst>
+          </p:cNvPr>
+          <p:cNvPicPr>
+            <a:picLocks noChangeAspect="1"/>
+          </p:cNvPicPr>
+          <p:nvPr/>
+        </p:nvPicPr>
+        <p:blipFill>
+          <a:blip r:embed="rId25">
+            <a:extLst>
+              <a:ext uri="{28A0092B-C50C-407E-A947-70E740481C1C}">
+                <a14:useLocalDpi xmlns:a14="http://schemas.microsoft.com/office/drawing/2010/main" val="0"/>
+              </a:ext>
+              <a:ext uri="{96DAC541-7B7A-43D3-8B79-37D633B846F1}">
+                <asvg:svgBlip xmlns:asvg="http://schemas.microsoft.com/office/drawing/2016/SVG/main" r:embed="rId26"/>
+              </a:ext>
+            </a:extLst>
+          </a:blip>
+          <a:stretch>
+            <a:fillRect/>
+          </a:stretch>
+        </p:blipFill>
+        <p:spPr>
+          <a:xfrm>
+            <a:off x="437268" y="5715972"/>
+            <a:ext cx="578191" cy="578191"/>
+          </a:xfrm>
+          <a:prstGeom prst="rect">
+            <a:avLst/>
+          </a:prstGeom>
+        </p:spPr>
+      </p:pic>
     </p:spTree>
     <p:extLst>
       <p:ext uri="{BB962C8B-B14F-4D97-AF65-F5344CB8AC3E}">
@@ -4362,7 +10595,7 @@
 </p:sld>
 </file>
 
-<file path=ppt/slides/slide2.xml><?xml version="1.0" encoding="utf-8"?>
+<file path=ppt/slides/slide5.xml><?xml version="1.0" encoding="utf-8"?>
 <p:sld xmlns:a="http://schemas.openxmlformats.org/drawingml/2006/main" xmlns:r="http://schemas.openxmlformats.org/officeDocument/2006/relationships" xmlns:p="http://schemas.openxmlformats.org/presentationml/2006/main">
   <p:cSld>
     <p:bg>
@@ -5384,13 +11617,13 @@
   <p:clrMapOvr>
     <a:masterClrMapping/>
   </p:clrMapOvr>
-  <mc:AlternateContent xmlns:mc="http://schemas.openxmlformats.org/markup-compatibility/2006">
-    <mc:Choice xmlns:p159="http://schemas.microsoft.com/office/powerpoint/2015/09/main" Requires="p159">
+  <mc:AlternateContent xmlns:mc="http://schemas.openxmlformats.org/markup-compatibility/2006" xmlns:p159="http://schemas.microsoft.com/office/powerpoint/2015/09/main">
+    <mc:Choice Requires="p159">
       <p:transition spd="med">
         <p159:morph option="byObject"/>
       </p:transition>
     </mc:Choice>
-    <mc:Fallback>
+    <mc:Fallback xmlns="">
       <p:transition spd="med">
         <p:fade/>
       </p:transition>
@@ -5399,7 +11632,7 @@
 </p:sld>
 </file>
 
-<file path=ppt/slides/slide3.xml><?xml version="1.0" encoding="utf-8"?>
+<file path=ppt/slides/slide6.xml><?xml version="1.0" encoding="utf-8"?>
 <p:sld xmlns:a="http://schemas.openxmlformats.org/drawingml/2006/main" xmlns:r="http://schemas.openxmlformats.org/officeDocument/2006/relationships" xmlns:p="http://schemas.openxmlformats.org/presentationml/2006/main">
   <p:cSld>
     <p:bg>
@@ -6421,13 +12654,13 @@
   <p:clrMapOvr>
     <a:masterClrMapping/>
   </p:clrMapOvr>
-  <mc:AlternateContent xmlns:mc="http://schemas.openxmlformats.org/markup-compatibility/2006">
-    <mc:Choice xmlns:p159="http://schemas.microsoft.com/office/powerpoint/2015/09/main" Requires="p159">
+  <mc:AlternateContent xmlns:mc="http://schemas.openxmlformats.org/markup-compatibility/2006" xmlns:p159="http://schemas.microsoft.com/office/powerpoint/2015/09/main">
+    <mc:Choice Requires="p159">
       <p:transition spd="med">
         <p159:morph option="byObject"/>
       </p:transition>
     </mc:Choice>
-    <mc:Fallback>
+    <mc:Fallback xmlns="">
       <p:transition spd="med">
         <p:fade/>
       </p:transition>
@@ -6436,7 +12669,7 @@
 </p:sld>
 </file>
 
-<file path=ppt/slides/slide4.xml><?xml version="1.0" encoding="utf-8"?>
+<file path=ppt/slides/slide7.xml><?xml version="1.0" encoding="utf-8"?>
 <p:sld xmlns:a="http://schemas.openxmlformats.org/drawingml/2006/main" xmlns:r="http://schemas.openxmlformats.org/officeDocument/2006/relationships" xmlns:p="http://schemas.openxmlformats.org/presentationml/2006/main">
   <p:cSld>
     <p:bg>
@@ -7458,13 +13691,13 @@
   <p:clrMapOvr>
     <a:masterClrMapping/>
   </p:clrMapOvr>
-  <mc:AlternateContent xmlns:mc="http://schemas.openxmlformats.org/markup-compatibility/2006">
-    <mc:Choice xmlns:p159="http://schemas.microsoft.com/office/powerpoint/2015/09/main" Requires="p159">
+  <mc:AlternateContent xmlns:mc="http://schemas.openxmlformats.org/markup-compatibility/2006" xmlns:p159="http://schemas.microsoft.com/office/powerpoint/2015/09/main">
+    <mc:Choice Requires="p159">
       <p:transition spd="med">
         <p159:morph option="byObject"/>
       </p:transition>
     </mc:Choice>
-    <mc:Fallback>
+    <mc:Fallback xmlns="">
       <p:transition spd="med">
         <p:fade/>
       </p:transition>
@@ -7473,7 +13706,7 @@
 </p:sld>
 </file>
 
-<file path=ppt/slides/slide5.xml><?xml version="1.0" encoding="utf-8"?>
+<file path=ppt/slides/slide8.xml><?xml version="1.0" encoding="utf-8"?>
 <p:sld xmlns:a="http://schemas.openxmlformats.org/drawingml/2006/main" xmlns:r="http://schemas.openxmlformats.org/officeDocument/2006/relationships" xmlns:p="http://schemas.openxmlformats.org/presentationml/2006/main">
   <p:cSld>
     <p:bg>
@@ -7498,6 +13731,79 @@
           <a:chExt cx="0" cy="0"/>
         </a:xfrm>
       </p:grpSpPr>
+      <p:sp>
+        <p:nvSpPr>
+          <p:cNvPr id="27" name="Rectangle 26">
+            <a:extLst>
+              <a:ext uri="{FF2B5EF4-FFF2-40B4-BE49-F238E27FC236}">
+                <a16:creationId xmlns:a16="http://schemas.microsoft.com/office/drawing/2014/main" id="{D31E09A5-A24E-475B-8296-E682AD29151F}"/>
+              </a:ext>
+            </a:extLst>
+          </p:cNvPr>
+          <p:cNvSpPr/>
+          <p:nvPr/>
+        </p:nvSpPr>
+        <p:spPr>
+          <a:xfrm>
+            <a:off x="-13093069" y="-33405"/>
+            <a:ext cx="12238739" cy="6891405"/>
+          </a:xfrm>
+          <a:prstGeom prst="rect">
+            <a:avLst/>
+          </a:prstGeom>
+          <a:solidFill>
+            <a:srgbClr val="6500EE"/>
+          </a:solidFill>
+        </p:spPr>
+        <p:style>
+          <a:lnRef idx="2">
+            <a:schemeClr val="accent1">
+              <a:shade val="50000"/>
+            </a:schemeClr>
+          </a:lnRef>
+          <a:fillRef idx="1">
+            <a:schemeClr val="accent1"/>
+          </a:fillRef>
+          <a:effectRef idx="0">
+            <a:schemeClr val="accent1"/>
+          </a:effectRef>
+          <a:fontRef idx="minor">
+            <a:schemeClr val="lt1"/>
+          </a:fontRef>
+        </p:style>
+        <p:txBody>
+          <a:bodyPr rtlCol="0" anchor="ctr"/>
+          <a:lstStyle/>
+          <a:p>
+            <a:pPr algn="ctr"/>
+            <a:r>
+              <a:rPr lang="en-GB" sz="3600" dirty="0" err="1">
+                <a:latin typeface="Arial" panose="020B0604020202020204" pitchFamily="34" charset="0"/>
+                <a:cs typeface="Arial" panose="020B0604020202020204" pitchFamily="34" charset="0"/>
+              </a:rPr>
+              <a:t>Kösszönjük</a:t>
+            </a:r>
+            <a:r>
+              <a:rPr lang="en-GB" sz="3600" dirty="0">
+                <a:latin typeface="Arial" panose="020B0604020202020204" pitchFamily="34" charset="0"/>
+                <a:cs typeface="Arial" panose="020B0604020202020204" pitchFamily="34" charset="0"/>
+              </a:rPr>
+              <a:t> a </a:t>
+            </a:r>
+            <a:r>
+              <a:rPr lang="en-GB" sz="3600" dirty="0" err="1">
+                <a:latin typeface="Arial" panose="020B0604020202020204" pitchFamily="34" charset="0"/>
+                <a:cs typeface="Arial" panose="020B0604020202020204" pitchFamily="34" charset="0"/>
+              </a:rPr>
+              <a:t>figyelmet</a:t>
+            </a:r>
+            <a:endParaRPr lang="en-GB" sz="3600" dirty="0">
+              <a:latin typeface="Arial" panose="020B0604020202020204" pitchFamily="34" charset="0"/>
+              <a:cs typeface="Arial" panose="020B0604020202020204" pitchFamily="34" charset="0"/>
+            </a:endParaRPr>
+          </a:p>
+        </p:txBody>
+      </p:sp>
       <p:grpSp>
         <p:nvGrpSpPr>
           <p:cNvPr id="4" name="Group 3">
@@ -8485,12 +14791,62 @@
           </a:prstGeom>
         </p:spPr>
       </p:pic>
+    </p:spTree>
+    <p:extLst>
+      <p:ext uri="{BB962C8B-B14F-4D97-AF65-F5344CB8AC3E}">
+        <p14:creationId xmlns:p14="http://schemas.microsoft.com/office/powerpoint/2010/main" val="3434621979"/>
+      </p:ext>
+    </p:extLst>
+  </p:cSld>
+  <p:clrMapOvr>
+    <a:masterClrMapping/>
+  </p:clrMapOvr>
+  <mc:AlternateContent xmlns:mc="http://schemas.openxmlformats.org/markup-compatibility/2006" xmlns:p159="http://schemas.microsoft.com/office/powerpoint/2015/09/main">
+    <mc:Choice Requires="p159">
+      <p:transition spd="med">
+        <p159:morph option="byObject"/>
+      </p:transition>
+    </mc:Choice>
+    <mc:Fallback xmlns="">
+      <p:transition spd="med">
+        <p:fade/>
+      </p:transition>
+    </mc:Fallback>
+  </mc:AlternateContent>
+</p:sld>
+</file>
+
+<file path=ppt/slides/slide9.xml><?xml version="1.0" encoding="utf-8"?>
+<p:sld xmlns:a="http://schemas.openxmlformats.org/drawingml/2006/main" xmlns:r="http://schemas.openxmlformats.org/officeDocument/2006/relationships" xmlns:p="http://schemas.openxmlformats.org/presentationml/2006/main">
+  <p:cSld>
+    <p:bg>
+      <p:bgPr>
+        <a:solidFill>
+          <a:srgbClr val="00F5D4"/>
+        </a:solidFill>
+        <a:effectLst/>
+      </p:bgPr>
+    </p:bg>
+    <p:spTree>
+      <p:nvGrpSpPr>
+        <p:cNvPr id="1" name=""/>
+        <p:cNvGrpSpPr/>
+        <p:nvPr/>
+      </p:nvGrpSpPr>
+      <p:grpSpPr>
+        <a:xfrm>
+          <a:off x="0" y="0"/>
+          <a:ext cx="0" cy="0"/>
+          <a:chOff x="0" y="0"/>
+          <a:chExt cx="0" cy="0"/>
+        </a:xfrm>
+      </p:grpSpPr>
       <p:sp>
         <p:nvSpPr>
-          <p:cNvPr id="27" name="Rectangle 26">
-            <a:extLst>
-              <a:ext uri="{FF2B5EF4-FFF2-40B4-BE49-F238E27FC236}">
-                <a16:creationId xmlns:a16="http://schemas.microsoft.com/office/drawing/2014/main" id="{D31E09A5-A24E-475B-8296-E682AD29151F}"/>
+          <p:cNvPr id="2" name="Rectangle 1">
+            <a:extLst>
+              <a:ext uri="{FF2B5EF4-FFF2-40B4-BE49-F238E27FC236}">
+                <a16:creationId xmlns:a16="http://schemas.microsoft.com/office/drawing/2014/main" id="{023FE071-97D0-49F3-A513-4E6A85A5C847}"/>
               </a:ext>
             </a:extLst>
           </p:cNvPr>
@@ -8499,7 +14855,7 @@
         </p:nvSpPr>
         <p:spPr>
           <a:xfrm>
-            <a:off x="-12251703" y="-33405"/>
+            <a:off x="2043877" y="-7180"/>
             <a:ext cx="12238739" cy="6891405"/>
           </a:xfrm>
           <a:prstGeom prst="rect">
@@ -8558,56 +14914,6 @@
           </a:p>
         </p:txBody>
       </p:sp>
-    </p:spTree>
-    <p:extLst>
-      <p:ext uri="{BB962C8B-B14F-4D97-AF65-F5344CB8AC3E}">
-        <p14:creationId xmlns:p14="http://schemas.microsoft.com/office/powerpoint/2010/main" val="3434621979"/>
-      </p:ext>
-    </p:extLst>
-  </p:cSld>
-  <p:clrMapOvr>
-    <a:masterClrMapping/>
-  </p:clrMapOvr>
-  <mc:AlternateContent xmlns:mc="http://schemas.openxmlformats.org/markup-compatibility/2006">
-    <mc:Choice xmlns:p159="http://schemas.microsoft.com/office/powerpoint/2015/09/main" Requires="p159">
-      <p:transition spd="med">
-        <p159:morph option="byObject"/>
-      </p:transition>
-    </mc:Choice>
-    <mc:Fallback>
-      <p:transition spd="med">
-        <p:fade/>
-      </p:transition>
-    </mc:Fallback>
-  </mc:AlternateContent>
-</p:sld>
-</file>
-
-<file path=ppt/slides/slide6.xml><?xml version="1.0" encoding="utf-8"?>
-<p:sld xmlns:a="http://schemas.openxmlformats.org/drawingml/2006/main" xmlns:r="http://schemas.openxmlformats.org/officeDocument/2006/relationships" xmlns:p="http://schemas.openxmlformats.org/presentationml/2006/main">
-  <p:cSld>
-    <p:bg>
-      <p:bgPr>
-        <a:solidFill>
-          <a:srgbClr val="00F5D4"/>
-        </a:solidFill>
-        <a:effectLst/>
-      </p:bgPr>
-    </p:bg>
-    <p:spTree>
-      <p:nvGrpSpPr>
-        <p:cNvPr id="1" name=""/>
-        <p:cNvGrpSpPr/>
-        <p:nvPr/>
-      </p:nvGrpSpPr>
-      <p:grpSpPr>
-        <a:xfrm>
-          <a:off x="0" y="0"/>
-          <a:ext cx="0" cy="0"/>
-          <a:chOff x="0" y="0"/>
-          <a:chExt cx="0" cy="0"/>
-        </a:xfrm>
-      </p:grpSpPr>
       <p:grpSp>
         <p:nvGrpSpPr>
           <p:cNvPr id="4" name="Group 3">
@@ -9595,167 +15901,6 @@
           </a:prstGeom>
         </p:spPr>
       </p:pic>
-      <p:sp>
-        <p:nvSpPr>
-          <p:cNvPr id="2" name="Rectangle 1">
-            <a:extLst>
-              <a:ext uri="{FF2B5EF4-FFF2-40B4-BE49-F238E27FC236}">
-                <a16:creationId xmlns:a16="http://schemas.microsoft.com/office/drawing/2014/main" id="{023FE071-97D0-49F3-A513-4E6A85A5C847}"/>
-              </a:ext>
-            </a:extLst>
-          </p:cNvPr>
-          <p:cNvSpPr/>
-          <p:nvPr/>
-        </p:nvSpPr>
-        <p:spPr>
-          <a:xfrm>
-            <a:off x="-10698" y="0"/>
-            <a:ext cx="12238739" cy="6891405"/>
-          </a:xfrm>
-          <a:prstGeom prst="rect">
-            <a:avLst/>
-          </a:prstGeom>
-          <a:solidFill>
-            <a:srgbClr val="6500EE"/>
-          </a:solidFill>
-        </p:spPr>
-        <p:style>
-          <a:lnRef idx="2">
-            <a:schemeClr val="accent1">
-              <a:shade val="50000"/>
-            </a:schemeClr>
-          </a:lnRef>
-          <a:fillRef idx="1">
-            <a:schemeClr val="accent1"/>
-          </a:fillRef>
-          <a:effectRef idx="0">
-            <a:schemeClr val="accent1"/>
-          </a:effectRef>
-          <a:fontRef idx="minor">
-            <a:schemeClr val="lt1"/>
-          </a:fontRef>
-        </p:style>
-        <p:txBody>
-          <a:bodyPr rtlCol="0" anchor="ctr"/>
-          <a:lstStyle/>
-          <a:p>
-            <a:pPr algn="ctr"/>
-            <a:r>
-              <a:rPr lang="en-GB" sz="3600" dirty="0" err="1">
-                <a:latin typeface="Arial" panose="020B0604020202020204" pitchFamily="34" charset="0"/>
-                <a:cs typeface="Arial" panose="020B0604020202020204" pitchFamily="34" charset="0"/>
-              </a:rPr>
-              <a:t>Kösszönjük</a:t>
-            </a:r>
-            <a:r>
-              <a:rPr lang="en-GB" sz="3600" dirty="0">
-                <a:latin typeface="Arial" panose="020B0604020202020204" pitchFamily="34" charset="0"/>
-                <a:cs typeface="Arial" panose="020B0604020202020204" pitchFamily="34" charset="0"/>
-              </a:rPr>
-              <a:t> a </a:t>
-            </a:r>
-            <a:r>
-              <a:rPr lang="en-GB" sz="3600" dirty="0" err="1">
-                <a:latin typeface="Arial" panose="020B0604020202020204" pitchFamily="34" charset="0"/>
-                <a:cs typeface="Arial" panose="020B0604020202020204" pitchFamily="34" charset="0"/>
-              </a:rPr>
-              <a:t>figyelmet</a:t>
-            </a:r>
-            <a:endParaRPr lang="en-GB" sz="3600" dirty="0">
-              <a:latin typeface="Arial" panose="020B0604020202020204" pitchFamily="34" charset="0"/>
-              <a:cs typeface="Arial" panose="020B0604020202020204" pitchFamily="34" charset="0"/>
-            </a:endParaRPr>
-          </a:p>
-        </p:txBody>
-      </p:sp>
-      <p:sp>
-        <p:nvSpPr>
-          <p:cNvPr id="9" name="TextBox 8">
-            <a:extLst>
-              <a:ext uri="{FF2B5EF4-FFF2-40B4-BE49-F238E27FC236}">
-                <a16:creationId xmlns:a16="http://schemas.microsoft.com/office/drawing/2014/main" id="{E35BBCEB-388F-46BF-B2AC-374FB9627131}"/>
-              </a:ext>
-            </a:extLst>
-          </p:cNvPr>
-          <p:cNvSpPr txBox="1"/>
-          <p:nvPr/>
-        </p:nvSpPr>
-        <p:spPr>
-          <a:xfrm>
-            <a:off x="437263" y="5531306"/>
-            <a:ext cx="6070217" cy="369332"/>
-          </a:xfrm>
-          <a:prstGeom prst="rect">
-            <a:avLst/>
-          </a:prstGeom>
-          <a:noFill/>
-        </p:spPr>
-        <p:txBody>
-          <a:bodyPr wrap="square" rtlCol="0">
-            <a:spAutoFit/>
-          </a:bodyPr>
-          <a:lstStyle/>
-          <a:p>
-            <a:r>
-              <a:rPr lang="en-GB" dirty="0" err="1">
-                <a:solidFill>
-                  <a:schemeClr val="bg1">
-                    <a:lumMod val="85000"/>
-                  </a:schemeClr>
-                </a:solidFill>
-              </a:rPr>
-              <a:t>Készítette</a:t>
-            </a:r>
-            <a:r>
-              <a:rPr lang="en-GB" dirty="0">
-                <a:solidFill>
-                  <a:schemeClr val="bg1">
-                    <a:lumMod val="85000"/>
-                  </a:schemeClr>
-                </a:solidFill>
-              </a:rPr>
-              <a:t>: </a:t>
-            </a:r>
-            <a:r>
-              <a:rPr lang="en-GB" dirty="0" err="1">
-                <a:solidFill>
-                  <a:schemeClr val="bg1">
-                    <a:lumMod val="85000"/>
-                  </a:schemeClr>
-                </a:solidFill>
-              </a:rPr>
-              <a:t>TurboNote</a:t>
-            </a:r>
-            <a:r>
-              <a:rPr lang="en-GB" dirty="0">
-                <a:solidFill>
-                  <a:schemeClr val="bg1">
-                    <a:lumMod val="85000"/>
-                  </a:schemeClr>
-                </a:solidFill>
-              </a:rPr>
-              <a:t> </a:t>
-            </a:r>
-            <a:r>
-              <a:rPr lang="en-GB" dirty="0" err="1">
-                <a:solidFill>
-                  <a:schemeClr val="bg1">
-                    <a:lumMod val="85000"/>
-                  </a:schemeClr>
-                </a:solidFill>
-              </a:rPr>
-              <a:t>csapat</a:t>
-            </a:r>
-            <a:endParaRPr lang="en-US" dirty="0">
-              <a:solidFill>
-                <a:schemeClr val="bg1">
-                  <a:lumMod val="85000"/>
-                </a:schemeClr>
-              </a:solidFill>
-            </a:endParaRPr>
-          </a:p>
-        </p:txBody>
-      </p:sp>
     </p:spTree>
     <p:extLst>
       <p:ext uri="{BB962C8B-B14F-4D97-AF65-F5344CB8AC3E}">
@@ -9768,12 +15913,12 @@
   </p:clrMapOvr>
   <mc:AlternateContent xmlns:mc="http://schemas.openxmlformats.org/markup-compatibility/2006">
     <mc:Choice xmlns:p159="http://schemas.microsoft.com/office/powerpoint/2015/09/main" Requires="p159">
-      <p:transition spd="med">
+      <p:transition spd="med" advClick="0" advTm="0">
         <p159:morph option="byObject"/>
       </p:transition>
     </mc:Choice>
     <mc:Fallback>
-      <p:transition spd="med">
+      <p:transition spd="med" advClick="0" advTm="0">
         <p:fade/>
       </p:transition>
     </mc:Fallback>

--- a/TNote_presentation.pptx
+++ b/TNote_presentation.pptx
@@ -17,11 +17,14 @@
     <p:sldId id="271" r:id="rId11"/>
     <p:sldId id="272" r:id="rId12"/>
     <p:sldId id="258" r:id="rId13"/>
-    <p:sldId id="259" r:id="rId14"/>
-    <p:sldId id="260" r:id="rId15"/>
-    <p:sldId id="261" r:id="rId16"/>
-    <p:sldId id="265" r:id="rId17"/>
-    <p:sldId id="266" r:id="rId18"/>
+    <p:sldId id="273" r:id="rId14"/>
+    <p:sldId id="274" r:id="rId15"/>
+    <p:sldId id="275" r:id="rId16"/>
+    <p:sldId id="259" r:id="rId17"/>
+    <p:sldId id="260" r:id="rId18"/>
+    <p:sldId id="261" r:id="rId19"/>
+    <p:sldId id="265" r:id="rId20"/>
+    <p:sldId id="266" r:id="rId21"/>
   </p:sldIdLst>
   <p:sldSz cx="12192000" cy="6858000"/>
   <p:notesSz cx="6858000" cy="9144000"/>
@@ -286,7 +289,7 @@
           <a:p>
             <a:fld id="{B1200C0F-EA8B-4BF8-8259-510ECFA91363}" type="datetimeFigureOut">
               <a:rPr lang="en-US" smtClean="0"/>
-              <a:t>4/26/2022</a:t>
+              <a:t>4/27/2022</a:t>
             </a:fld>
             <a:endParaRPr lang="en-US"/>
           </a:p>
@@ -484,7 +487,7 @@
           <a:p>
             <a:fld id="{B1200C0F-EA8B-4BF8-8259-510ECFA91363}" type="datetimeFigureOut">
               <a:rPr lang="en-US" smtClean="0"/>
-              <a:t>4/26/2022</a:t>
+              <a:t>4/27/2022</a:t>
             </a:fld>
             <a:endParaRPr lang="en-US"/>
           </a:p>
@@ -692,7 +695,7 @@
           <a:p>
             <a:fld id="{B1200C0F-EA8B-4BF8-8259-510ECFA91363}" type="datetimeFigureOut">
               <a:rPr lang="en-US" smtClean="0"/>
-              <a:t>4/26/2022</a:t>
+              <a:t>4/27/2022</a:t>
             </a:fld>
             <a:endParaRPr lang="en-US"/>
           </a:p>
@@ -890,7 +893,7 @@
           <a:p>
             <a:fld id="{B1200C0F-EA8B-4BF8-8259-510ECFA91363}" type="datetimeFigureOut">
               <a:rPr lang="en-US" smtClean="0"/>
-              <a:t>4/26/2022</a:t>
+              <a:t>4/27/2022</a:t>
             </a:fld>
             <a:endParaRPr lang="en-US"/>
           </a:p>
@@ -1165,7 +1168,7 @@
           <a:p>
             <a:fld id="{B1200C0F-EA8B-4BF8-8259-510ECFA91363}" type="datetimeFigureOut">
               <a:rPr lang="en-US" smtClean="0"/>
-              <a:t>4/26/2022</a:t>
+              <a:t>4/27/2022</a:t>
             </a:fld>
             <a:endParaRPr lang="en-US"/>
           </a:p>
@@ -1430,7 +1433,7 @@
           <a:p>
             <a:fld id="{B1200C0F-EA8B-4BF8-8259-510ECFA91363}" type="datetimeFigureOut">
               <a:rPr lang="en-US" smtClean="0"/>
-              <a:t>4/26/2022</a:t>
+              <a:t>4/27/2022</a:t>
             </a:fld>
             <a:endParaRPr lang="en-US"/>
           </a:p>
@@ -1842,7 +1845,7 @@
           <a:p>
             <a:fld id="{B1200C0F-EA8B-4BF8-8259-510ECFA91363}" type="datetimeFigureOut">
               <a:rPr lang="en-US" smtClean="0"/>
-              <a:t>4/26/2022</a:t>
+              <a:t>4/27/2022</a:t>
             </a:fld>
             <a:endParaRPr lang="en-US"/>
           </a:p>
@@ -1983,7 +1986,7 @@
           <a:p>
             <a:fld id="{B1200C0F-EA8B-4BF8-8259-510ECFA91363}" type="datetimeFigureOut">
               <a:rPr lang="en-US" smtClean="0"/>
-              <a:t>4/26/2022</a:t>
+              <a:t>4/27/2022</a:t>
             </a:fld>
             <a:endParaRPr lang="en-US"/>
           </a:p>
@@ -2096,7 +2099,7 @@
           <a:p>
             <a:fld id="{B1200C0F-EA8B-4BF8-8259-510ECFA91363}" type="datetimeFigureOut">
               <a:rPr lang="en-US" smtClean="0"/>
-              <a:t>4/26/2022</a:t>
+              <a:t>4/27/2022</a:t>
             </a:fld>
             <a:endParaRPr lang="en-US"/>
           </a:p>
@@ -2407,7 +2410,7 @@
           <a:p>
             <a:fld id="{B1200C0F-EA8B-4BF8-8259-510ECFA91363}" type="datetimeFigureOut">
               <a:rPr lang="en-US" smtClean="0"/>
-              <a:t>4/26/2022</a:t>
+              <a:t>4/27/2022</a:t>
             </a:fld>
             <a:endParaRPr lang="en-US"/>
           </a:p>
@@ -2695,7 +2698,7 @@
           <a:p>
             <a:fld id="{B1200C0F-EA8B-4BF8-8259-510ECFA91363}" type="datetimeFigureOut">
               <a:rPr lang="en-US" smtClean="0"/>
-              <a:t>4/26/2022</a:t>
+              <a:t>4/27/2022</a:t>
             </a:fld>
             <a:endParaRPr lang="en-US"/>
           </a:p>
@@ -2936,7 +2939,7 @@
           <a:p>
             <a:fld id="{B1200C0F-EA8B-4BF8-8259-510ECFA91363}" type="datetimeFigureOut">
               <a:rPr lang="en-US" smtClean="0"/>
-              <a:t>4/26/2022</a:t>
+              <a:t>4/27/2022</a:t>
             </a:fld>
             <a:endParaRPr lang="en-US"/>
           </a:p>
@@ -5664,13 +5667,13 @@
   <p:clrMapOvr>
     <a:masterClrMapping/>
   </p:clrMapOvr>
-  <mc:AlternateContent xmlns:mc="http://schemas.openxmlformats.org/markup-compatibility/2006">
-    <mc:Choice xmlns:p159="http://schemas.microsoft.com/office/powerpoint/2015/09/main" Requires="p159">
+  <mc:AlternateContent xmlns:mc="http://schemas.openxmlformats.org/markup-compatibility/2006" xmlns:p159="http://schemas.microsoft.com/office/powerpoint/2015/09/main">
+    <mc:Choice Requires="p159">
       <p:transition spd="med">
         <p159:morph option="byObject"/>
       </p:transition>
     </mc:Choice>
-    <mc:Fallback>
+    <mc:Fallback xmlns="">
       <p:transition spd="med">
         <p:fade/>
       </p:transition>
@@ -6834,22 +6837,14 @@
               <a:buChar char="•"/>
             </a:pPr>
             <a:r>
-              <a:rPr lang="en-GB" sz="2800">
+              <a:rPr lang="en-GB" sz="2800" dirty="0" err="1">
                 <a:solidFill>
                   <a:schemeClr val="bg1"/>
                 </a:solidFill>
               </a:rPr>
-              <a:t>Architektúr</a:t>
+              <a:t>Architektúra</a:t>
             </a:r>
-            <a:r>
-              <a:rPr lang="en-GB" sz="2800" dirty="0">
-                <a:solidFill>
-                  <a:schemeClr val="bg1"/>
-                </a:solidFill>
-              </a:rPr>
-              <a:t>a</a:t>
-            </a:r>
-            <a:endParaRPr lang="en-GB" sz="2800">
+            <a:endParaRPr lang="en-GB" sz="2800" dirty="0">
               <a:solidFill>
                 <a:schemeClr val="bg1"/>
               </a:solidFill>
@@ -6867,13 +6862,13 @@
   <p:clrMapOvr>
     <a:masterClrMapping/>
   </p:clrMapOvr>
-  <mc:AlternateContent xmlns:mc="http://schemas.openxmlformats.org/markup-compatibility/2006">
-    <mc:Choice xmlns:p159="http://schemas.microsoft.com/office/powerpoint/2015/09/main" Requires="p159">
+  <mc:AlternateContent xmlns:mc="http://schemas.openxmlformats.org/markup-compatibility/2006" xmlns:p159="http://schemas.microsoft.com/office/powerpoint/2015/09/main">
+    <mc:Choice Requires="p159">
       <p:transition spd="med">
         <p159:morph option="byObject"/>
       </p:transition>
     </mc:Choice>
-    <mc:Fallback>
+    <mc:Fallback xmlns="">
       <p:transition spd="med">
         <p:fade/>
       </p:transition>
@@ -7894,6 +7889,185 @@
           </a:prstGeom>
         </p:spPr>
       </p:pic>
+      <p:sp>
+        <p:nvSpPr>
+          <p:cNvPr id="23" name="TextBox 22">
+            <a:extLst>
+              <a:ext uri="{FF2B5EF4-FFF2-40B4-BE49-F238E27FC236}">
+                <a16:creationId xmlns:a16="http://schemas.microsoft.com/office/drawing/2014/main" id="{208BFFEB-B5E4-4129-86C7-1E07B8F10215}"/>
+              </a:ext>
+            </a:extLst>
+          </p:cNvPr>
+          <p:cNvSpPr txBox="1"/>
+          <p:nvPr/>
+        </p:nvSpPr>
+        <p:spPr>
+          <a:xfrm>
+            <a:off x="2900217" y="582884"/>
+            <a:ext cx="7914968" cy="1015663"/>
+          </a:xfrm>
+          <a:prstGeom prst="rect">
+            <a:avLst/>
+          </a:prstGeom>
+          <a:noFill/>
+        </p:spPr>
+        <p:txBody>
+          <a:bodyPr wrap="square" rtlCol="0">
+            <a:spAutoFit/>
+          </a:bodyPr>
+          <a:lstStyle/>
+          <a:p>
+            <a:r>
+              <a:rPr lang="en-GB" sz="6000" dirty="0">
+                <a:solidFill>
+                  <a:schemeClr val="bg1"/>
+                </a:solidFill>
+              </a:rPr>
+              <a:t>Mobil</a:t>
+            </a:r>
+            <a:endParaRPr lang="en-US" sz="6000" dirty="0">
+              <a:solidFill>
+                <a:schemeClr val="bg1"/>
+              </a:solidFill>
+            </a:endParaRPr>
+          </a:p>
+        </p:txBody>
+      </p:sp>
+      <p:sp>
+        <p:nvSpPr>
+          <p:cNvPr id="24" name="TextBox 23">
+            <a:extLst>
+              <a:ext uri="{FF2B5EF4-FFF2-40B4-BE49-F238E27FC236}">
+                <a16:creationId xmlns:a16="http://schemas.microsoft.com/office/drawing/2014/main" id="{E7BA8A0E-D55F-48CB-A045-2DB9EBCD5BCE}"/>
+              </a:ext>
+            </a:extLst>
+          </p:cNvPr>
+          <p:cNvSpPr txBox="1"/>
+          <p:nvPr/>
+        </p:nvSpPr>
+        <p:spPr>
+          <a:xfrm>
+            <a:off x="2900218" y="2238194"/>
+            <a:ext cx="7914968" cy="1964512"/>
+          </a:xfrm>
+          <a:prstGeom prst="rect">
+            <a:avLst/>
+          </a:prstGeom>
+          <a:noFill/>
+        </p:spPr>
+        <p:txBody>
+          <a:bodyPr wrap="square" rtlCol="0">
+            <a:spAutoFit/>
+          </a:bodyPr>
+          <a:lstStyle/>
+          <a:p>
+            <a:pPr marL="285750" indent="-285750">
+              <a:lnSpc>
+                <a:spcPct val="150000"/>
+              </a:lnSpc>
+              <a:buFont typeface="Arial" panose="020B0604020202020204" pitchFamily="34" charset="0"/>
+              <a:buChar char="•"/>
+            </a:pPr>
+            <a:r>
+              <a:rPr lang="en-GB" sz="2800" dirty="0">
+                <a:solidFill>
+                  <a:schemeClr val="bg1"/>
+                </a:solidFill>
+              </a:rPr>
+              <a:t>A </a:t>
+            </a:r>
+            <a:r>
+              <a:rPr lang="en-GB" sz="2800" dirty="0" err="1">
+                <a:solidFill>
+                  <a:schemeClr val="bg1"/>
+                </a:solidFill>
+              </a:rPr>
+              <a:t>mobil</a:t>
+            </a:r>
+            <a:r>
+              <a:rPr lang="en-GB" sz="2800" dirty="0">
+                <a:solidFill>
+                  <a:schemeClr val="bg1"/>
+                </a:solidFill>
+              </a:rPr>
+              <a:t> </a:t>
+            </a:r>
+            <a:r>
+              <a:rPr lang="en-GB" sz="2800" dirty="0" err="1">
+                <a:solidFill>
+                  <a:schemeClr val="bg1"/>
+                </a:solidFill>
+              </a:rPr>
+              <a:t>célja</a:t>
+            </a:r>
+            <a:endParaRPr lang="en-GB" sz="2800" dirty="0">
+              <a:solidFill>
+                <a:schemeClr val="bg1"/>
+              </a:solidFill>
+            </a:endParaRPr>
+          </a:p>
+          <a:p>
+            <a:pPr marL="285750" indent="-285750">
+              <a:lnSpc>
+                <a:spcPct val="150000"/>
+              </a:lnSpc>
+              <a:buFont typeface="Arial" panose="020B0604020202020204" pitchFamily="34" charset="0"/>
+              <a:buChar char="•"/>
+            </a:pPr>
+            <a:r>
+              <a:rPr lang="en-GB" sz="2800" dirty="0" err="1">
+                <a:solidFill>
+                  <a:schemeClr val="bg1"/>
+                </a:solidFill>
+              </a:rPr>
+              <a:t>Kezdeti</a:t>
+            </a:r>
+            <a:r>
+              <a:rPr lang="en-GB" sz="2800" dirty="0">
+                <a:solidFill>
+                  <a:schemeClr val="bg1"/>
+                </a:solidFill>
+              </a:rPr>
+              <a:t> </a:t>
+            </a:r>
+            <a:r>
+              <a:rPr lang="en-GB" sz="2800" dirty="0" err="1">
+                <a:solidFill>
+                  <a:schemeClr val="bg1"/>
+                </a:solidFill>
+              </a:rPr>
+              <a:t>terv</a:t>
+            </a:r>
+            <a:endParaRPr lang="en-GB" sz="2800" dirty="0">
+              <a:solidFill>
+                <a:schemeClr val="bg1"/>
+              </a:solidFill>
+            </a:endParaRPr>
+          </a:p>
+          <a:p>
+            <a:pPr marL="285750" indent="-285750">
+              <a:lnSpc>
+                <a:spcPct val="150000"/>
+              </a:lnSpc>
+              <a:buFont typeface="Arial" panose="020B0604020202020204" pitchFamily="34" charset="0"/>
+              <a:buChar char="•"/>
+            </a:pPr>
+            <a:r>
+              <a:rPr lang="en-GB" sz="2800" dirty="0" err="1">
+                <a:solidFill>
+                  <a:schemeClr val="bg1"/>
+                </a:solidFill>
+              </a:rPr>
+              <a:t>Megvalósítás</a:t>
+            </a:r>
+            <a:endParaRPr lang="en-GB" sz="2800" dirty="0">
+              <a:solidFill>
+                <a:schemeClr val="bg1"/>
+              </a:solidFill>
+            </a:endParaRPr>
+          </a:p>
+        </p:txBody>
+      </p:sp>
     </p:spTree>
     <p:extLst>
       <p:ext uri="{BB962C8B-B14F-4D97-AF65-F5344CB8AC3E}">
@@ -7920,6 +8094,3594 @@
 </file>
 
 <file path=ppt/slides/slide13.xml><?xml version="1.0" encoding="utf-8"?>
+<p:sld xmlns:a="http://schemas.openxmlformats.org/drawingml/2006/main" xmlns:r="http://schemas.openxmlformats.org/officeDocument/2006/relationships" xmlns:p="http://schemas.openxmlformats.org/presentationml/2006/main">
+  <p:cSld>
+    <p:bg>
+      <p:bgPr>
+        <a:solidFill>
+          <a:srgbClr val="F45B69"/>
+        </a:solidFill>
+        <a:effectLst/>
+      </p:bgPr>
+    </p:bg>
+    <p:spTree>
+      <p:nvGrpSpPr>
+        <p:cNvPr id="1" name=""/>
+        <p:cNvGrpSpPr/>
+        <p:nvPr/>
+      </p:nvGrpSpPr>
+      <p:grpSpPr>
+        <a:xfrm>
+          <a:off x="0" y="0"/>
+          <a:ext cx="0" cy="0"/>
+          <a:chOff x="0" y="0"/>
+          <a:chExt cx="0" cy="0"/>
+        </a:xfrm>
+      </p:grpSpPr>
+      <p:grpSp>
+        <p:nvGrpSpPr>
+          <p:cNvPr id="36" name="Group 35">
+            <a:extLst>
+              <a:ext uri="{FF2B5EF4-FFF2-40B4-BE49-F238E27FC236}">
+                <a16:creationId xmlns:a16="http://schemas.microsoft.com/office/drawing/2014/main" id="{AA937E01-0046-42F5-A196-6F8F516762BF}"/>
+              </a:ext>
+            </a:extLst>
+          </p:cNvPr>
+          <p:cNvGrpSpPr/>
+          <p:nvPr/>
+        </p:nvGrpSpPr>
+        <p:grpSpPr>
+          <a:xfrm>
+            <a:off x="-841634" y="451163"/>
+            <a:ext cx="841634" cy="841634"/>
+            <a:chOff x="-841634" y="451163"/>
+            <a:chExt cx="841634" cy="841634"/>
+          </a:xfrm>
+        </p:grpSpPr>
+        <p:sp>
+          <p:nvSpPr>
+            <p:cNvPr id="14" name="Oval 13">
+              <a:extLst>
+                <a:ext uri="{FF2B5EF4-FFF2-40B4-BE49-F238E27FC236}">
+                  <a16:creationId xmlns:a16="http://schemas.microsoft.com/office/drawing/2014/main" id="{0F8F4C6D-0C9C-4A40-9A28-72A10C94E8D5}"/>
+                </a:ext>
+              </a:extLst>
+            </p:cNvPr>
+            <p:cNvSpPr/>
+            <p:nvPr/>
+          </p:nvSpPr>
+          <p:spPr>
+            <a:xfrm>
+              <a:off x="-841634" y="451163"/>
+              <a:ext cx="841634" cy="841634"/>
+            </a:xfrm>
+            <a:prstGeom prst="ellipse">
+              <a:avLst/>
+            </a:prstGeom>
+            <a:solidFill>
+              <a:schemeClr val="bg1"/>
+            </a:solidFill>
+            <a:ln>
+              <a:noFill/>
+            </a:ln>
+          </p:spPr>
+          <p:style>
+            <a:lnRef idx="2">
+              <a:schemeClr val="accent1">
+                <a:shade val="50000"/>
+              </a:schemeClr>
+            </a:lnRef>
+            <a:fillRef idx="1">
+              <a:schemeClr val="accent1"/>
+            </a:fillRef>
+            <a:effectRef idx="0">
+              <a:schemeClr val="accent1"/>
+            </a:effectRef>
+            <a:fontRef idx="minor">
+              <a:schemeClr val="lt1"/>
+            </a:fontRef>
+          </p:style>
+          <p:txBody>
+            <a:bodyPr rtlCol="0" anchor="ctr"/>
+            <a:lstStyle/>
+            <a:p>
+              <a:pPr algn="ctr"/>
+              <a:endParaRPr lang="en-US"/>
+            </a:p>
+          </p:txBody>
+        </p:sp>
+        <p:pic>
+          <p:nvPicPr>
+            <p:cNvPr id="4" name="Graphic 3" descr="Group of men">
+              <a:extLst>
+                <a:ext uri="{FF2B5EF4-FFF2-40B4-BE49-F238E27FC236}">
+                  <a16:creationId xmlns:a16="http://schemas.microsoft.com/office/drawing/2014/main" id="{44F039F5-9218-47A6-BEB6-FB919959B3AF}"/>
+                </a:ext>
+              </a:extLst>
+            </p:cNvPr>
+            <p:cNvPicPr>
+              <a:picLocks noChangeAspect="1"/>
+            </p:cNvPicPr>
+            <p:nvPr/>
+          </p:nvPicPr>
+          <p:blipFill>
+            <a:blip r:embed="rId2">
+              <a:extLst>
+                <a:ext uri="{28A0092B-C50C-407E-A947-70E740481C1C}">
+                  <a14:useLocalDpi xmlns:a14="http://schemas.microsoft.com/office/drawing/2010/main" val="0"/>
+                </a:ext>
+                <a:ext uri="{96DAC541-7B7A-43D3-8B79-37D633B846F1}">
+                  <asvg:svgBlip xmlns:asvg="http://schemas.microsoft.com/office/drawing/2016/SVG/main" r:embed="rId3"/>
+                </a:ext>
+              </a:extLst>
+            </a:blip>
+            <a:stretch>
+              <a:fillRect/>
+            </a:stretch>
+          </p:blipFill>
+          <p:spPr>
+            <a:xfrm>
+              <a:off x="-715261" y="582884"/>
+              <a:ext cx="578191" cy="578191"/>
+            </a:xfrm>
+            <a:prstGeom prst="rect">
+              <a:avLst/>
+            </a:prstGeom>
+          </p:spPr>
+        </p:pic>
+      </p:grpSp>
+      <p:grpSp>
+        <p:nvGrpSpPr>
+          <p:cNvPr id="37" name="Group 36">
+            <a:extLst>
+              <a:ext uri="{FF2B5EF4-FFF2-40B4-BE49-F238E27FC236}">
+                <a16:creationId xmlns:a16="http://schemas.microsoft.com/office/drawing/2014/main" id="{9C5ADA97-F136-46A8-BE83-C683EDBEB418}"/>
+              </a:ext>
+            </a:extLst>
+          </p:cNvPr>
+          <p:cNvGrpSpPr/>
+          <p:nvPr/>
+        </p:nvGrpSpPr>
+        <p:grpSpPr>
+          <a:xfrm>
+            <a:off x="-846979" y="1734435"/>
+            <a:ext cx="841634" cy="841634"/>
+            <a:chOff x="-846979" y="1734435"/>
+            <a:chExt cx="841634" cy="841634"/>
+          </a:xfrm>
+        </p:grpSpPr>
+        <p:sp>
+          <p:nvSpPr>
+            <p:cNvPr id="15" name="Oval 14">
+              <a:extLst>
+                <a:ext uri="{FF2B5EF4-FFF2-40B4-BE49-F238E27FC236}">
+                  <a16:creationId xmlns:a16="http://schemas.microsoft.com/office/drawing/2014/main" id="{A0B9A141-9605-43E5-9F88-EE89169F8C31}"/>
+                </a:ext>
+              </a:extLst>
+            </p:cNvPr>
+            <p:cNvSpPr/>
+            <p:nvPr/>
+          </p:nvSpPr>
+          <p:spPr>
+            <a:xfrm>
+              <a:off x="-846979" y="1734435"/>
+              <a:ext cx="841634" cy="841634"/>
+            </a:xfrm>
+            <a:prstGeom prst="ellipse">
+              <a:avLst/>
+            </a:prstGeom>
+            <a:solidFill>
+              <a:schemeClr val="bg1"/>
+            </a:solidFill>
+            <a:ln>
+              <a:noFill/>
+            </a:ln>
+          </p:spPr>
+          <p:style>
+            <a:lnRef idx="2">
+              <a:schemeClr val="accent1">
+                <a:shade val="50000"/>
+              </a:schemeClr>
+            </a:lnRef>
+            <a:fillRef idx="1">
+              <a:schemeClr val="accent1"/>
+            </a:fillRef>
+            <a:effectRef idx="0">
+              <a:schemeClr val="accent1"/>
+            </a:effectRef>
+            <a:fontRef idx="minor">
+              <a:schemeClr val="lt1"/>
+            </a:fontRef>
+          </p:style>
+          <p:txBody>
+            <a:bodyPr rtlCol="0" anchor="ctr"/>
+            <a:lstStyle/>
+            <a:p>
+              <a:pPr algn="ctr"/>
+              <a:endParaRPr lang="en-US"/>
+            </a:p>
+          </p:txBody>
+        </p:sp>
+        <p:pic>
+          <p:nvPicPr>
+            <p:cNvPr id="6" name="Graphic 5" descr="Server">
+              <a:extLst>
+                <a:ext uri="{FF2B5EF4-FFF2-40B4-BE49-F238E27FC236}">
+                  <a16:creationId xmlns:a16="http://schemas.microsoft.com/office/drawing/2014/main" id="{08D27C16-A782-4BA8-BD16-115A66586386}"/>
+                </a:ext>
+              </a:extLst>
+            </p:cNvPr>
+            <p:cNvPicPr>
+              <a:picLocks noChangeAspect="1"/>
+            </p:cNvPicPr>
+            <p:nvPr/>
+          </p:nvPicPr>
+          <p:blipFill>
+            <a:blip r:embed="rId4">
+              <a:extLst>
+                <a:ext uri="{28A0092B-C50C-407E-A947-70E740481C1C}">
+                  <a14:useLocalDpi xmlns:a14="http://schemas.microsoft.com/office/drawing/2010/main" val="0"/>
+                </a:ext>
+                <a:ext uri="{96DAC541-7B7A-43D3-8B79-37D633B846F1}">
+                  <asvg:svgBlip xmlns:asvg="http://schemas.microsoft.com/office/drawing/2016/SVG/main" r:embed="rId5"/>
+                </a:ext>
+              </a:extLst>
+            </a:blip>
+            <a:stretch>
+              <a:fillRect/>
+            </a:stretch>
+          </p:blipFill>
+          <p:spPr>
+            <a:xfrm>
+              <a:off x="-715261" y="1875053"/>
+              <a:ext cx="578191" cy="578191"/>
+            </a:xfrm>
+            <a:prstGeom prst="rect">
+              <a:avLst/>
+            </a:prstGeom>
+          </p:spPr>
+        </p:pic>
+      </p:grpSp>
+      <p:grpSp>
+        <p:nvGrpSpPr>
+          <p:cNvPr id="38" name="Group 37">
+            <a:extLst>
+              <a:ext uri="{FF2B5EF4-FFF2-40B4-BE49-F238E27FC236}">
+                <a16:creationId xmlns:a16="http://schemas.microsoft.com/office/drawing/2014/main" id="{DE3AA1F6-360E-4EEC-B3FD-4C71D56E432C}"/>
+              </a:ext>
+            </a:extLst>
+          </p:cNvPr>
+          <p:cNvGrpSpPr/>
+          <p:nvPr/>
+        </p:nvGrpSpPr>
+        <p:grpSpPr>
+          <a:xfrm>
+            <a:off x="-846979" y="4300979"/>
+            <a:ext cx="841634" cy="841634"/>
+            <a:chOff x="-846979" y="4300979"/>
+            <a:chExt cx="841634" cy="841634"/>
+          </a:xfrm>
+        </p:grpSpPr>
+        <p:sp>
+          <p:nvSpPr>
+            <p:cNvPr id="17" name="Oval 16">
+              <a:extLst>
+                <a:ext uri="{FF2B5EF4-FFF2-40B4-BE49-F238E27FC236}">
+                  <a16:creationId xmlns:a16="http://schemas.microsoft.com/office/drawing/2014/main" id="{38C4EC37-B53C-4819-BC2B-B38A2A956E56}"/>
+                </a:ext>
+              </a:extLst>
+            </p:cNvPr>
+            <p:cNvSpPr/>
+            <p:nvPr/>
+          </p:nvSpPr>
+          <p:spPr>
+            <a:xfrm>
+              <a:off x="-846979" y="4300979"/>
+              <a:ext cx="841634" cy="841634"/>
+            </a:xfrm>
+            <a:prstGeom prst="ellipse">
+              <a:avLst/>
+            </a:prstGeom>
+            <a:solidFill>
+              <a:schemeClr val="bg1"/>
+            </a:solidFill>
+            <a:ln>
+              <a:noFill/>
+            </a:ln>
+          </p:spPr>
+          <p:style>
+            <a:lnRef idx="2">
+              <a:schemeClr val="accent1">
+                <a:shade val="50000"/>
+              </a:schemeClr>
+            </a:lnRef>
+            <a:fillRef idx="1">
+              <a:schemeClr val="accent1"/>
+            </a:fillRef>
+            <a:effectRef idx="0">
+              <a:schemeClr val="accent1"/>
+            </a:effectRef>
+            <a:fontRef idx="minor">
+              <a:schemeClr val="lt1"/>
+            </a:fontRef>
+          </p:style>
+          <p:txBody>
+            <a:bodyPr rtlCol="0" anchor="ctr"/>
+            <a:lstStyle/>
+            <a:p>
+              <a:pPr algn="ctr"/>
+              <a:endParaRPr lang="en-US"/>
+            </a:p>
+          </p:txBody>
+        </p:sp>
+        <p:pic>
+          <p:nvPicPr>
+            <p:cNvPr id="11" name="Graphic 10" descr="Computer">
+              <a:extLst>
+                <a:ext uri="{FF2B5EF4-FFF2-40B4-BE49-F238E27FC236}">
+                  <a16:creationId xmlns:a16="http://schemas.microsoft.com/office/drawing/2014/main" id="{6B6C33EF-D773-47C4-AE3F-2661803DD897}"/>
+                </a:ext>
+              </a:extLst>
+            </p:cNvPr>
+            <p:cNvPicPr>
+              <a:picLocks noChangeAspect="1"/>
+            </p:cNvPicPr>
+            <p:nvPr/>
+          </p:nvPicPr>
+          <p:blipFill>
+            <a:blip r:embed="rId6">
+              <a:extLst>
+                <a:ext uri="{28A0092B-C50C-407E-A947-70E740481C1C}">
+                  <a14:useLocalDpi xmlns:a14="http://schemas.microsoft.com/office/drawing/2010/main" val="0"/>
+                </a:ext>
+                <a:ext uri="{96DAC541-7B7A-43D3-8B79-37D633B846F1}">
+                  <asvg:svgBlip xmlns:asvg="http://schemas.microsoft.com/office/drawing/2016/SVG/main" r:embed="rId7"/>
+                </a:ext>
+              </a:extLst>
+            </a:blip>
+            <a:stretch>
+              <a:fillRect/>
+            </a:stretch>
+          </p:blipFill>
+          <p:spPr>
+            <a:xfrm>
+              <a:off x="-715262" y="4432700"/>
+              <a:ext cx="578191" cy="578191"/>
+            </a:xfrm>
+            <a:prstGeom prst="rect">
+              <a:avLst/>
+            </a:prstGeom>
+          </p:spPr>
+        </p:pic>
+      </p:grpSp>
+      <p:grpSp>
+        <p:nvGrpSpPr>
+          <p:cNvPr id="39" name="Group 38">
+            <a:extLst>
+              <a:ext uri="{FF2B5EF4-FFF2-40B4-BE49-F238E27FC236}">
+                <a16:creationId xmlns:a16="http://schemas.microsoft.com/office/drawing/2014/main" id="{D7C0B2F1-1405-4858-91AF-981BDBCD6D5E}"/>
+              </a:ext>
+            </a:extLst>
+          </p:cNvPr>
+          <p:cNvGrpSpPr/>
+          <p:nvPr/>
+        </p:nvGrpSpPr>
+        <p:grpSpPr>
+          <a:xfrm>
+            <a:off x="-846981" y="5584251"/>
+            <a:ext cx="841634" cy="841634"/>
+            <a:chOff x="-846981" y="5584251"/>
+            <a:chExt cx="841634" cy="841634"/>
+          </a:xfrm>
+        </p:grpSpPr>
+        <p:sp>
+          <p:nvSpPr>
+            <p:cNvPr id="18" name="Oval 17">
+              <a:extLst>
+                <a:ext uri="{FF2B5EF4-FFF2-40B4-BE49-F238E27FC236}">
+                  <a16:creationId xmlns:a16="http://schemas.microsoft.com/office/drawing/2014/main" id="{6E3E8F5A-3EA0-45E0-9D66-B3FFB8436C0C}"/>
+                </a:ext>
+              </a:extLst>
+            </p:cNvPr>
+            <p:cNvSpPr/>
+            <p:nvPr/>
+          </p:nvSpPr>
+          <p:spPr>
+            <a:xfrm>
+              <a:off x="-846981" y="5584251"/>
+              <a:ext cx="841634" cy="841634"/>
+            </a:xfrm>
+            <a:prstGeom prst="ellipse">
+              <a:avLst/>
+            </a:prstGeom>
+            <a:solidFill>
+              <a:schemeClr val="bg1"/>
+            </a:solidFill>
+            <a:ln>
+              <a:noFill/>
+            </a:ln>
+          </p:spPr>
+          <p:style>
+            <a:lnRef idx="2">
+              <a:schemeClr val="accent1">
+                <a:shade val="50000"/>
+              </a:schemeClr>
+            </a:lnRef>
+            <a:fillRef idx="1">
+              <a:schemeClr val="accent1"/>
+            </a:fillRef>
+            <a:effectRef idx="0">
+              <a:schemeClr val="accent1"/>
+            </a:effectRef>
+            <a:fontRef idx="minor">
+              <a:schemeClr val="lt1"/>
+            </a:fontRef>
+          </p:style>
+          <p:txBody>
+            <a:bodyPr rtlCol="0" anchor="ctr"/>
+            <a:lstStyle/>
+            <a:p>
+              <a:pPr algn="ctr"/>
+              <a:endParaRPr lang="en-US"/>
+            </a:p>
+          </p:txBody>
+        </p:sp>
+        <p:pic>
+          <p:nvPicPr>
+            <p:cNvPr id="13" name="Graphic 12" descr="Web design">
+              <a:extLst>
+                <a:ext uri="{FF2B5EF4-FFF2-40B4-BE49-F238E27FC236}">
+                  <a16:creationId xmlns:a16="http://schemas.microsoft.com/office/drawing/2014/main" id="{8FE17080-1339-4DB2-ACCB-005A766D1A19}"/>
+                </a:ext>
+              </a:extLst>
+            </p:cNvPr>
+            <p:cNvPicPr>
+              <a:picLocks noChangeAspect="1"/>
+            </p:cNvPicPr>
+            <p:nvPr/>
+          </p:nvPicPr>
+          <p:blipFill>
+            <a:blip r:embed="rId8">
+              <a:extLst>
+                <a:ext uri="{28A0092B-C50C-407E-A947-70E740481C1C}">
+                  <a14:useLocalDpi xmlns:a14="http://schemas.microsoft.com/office/drawing/2010/main" val="0"/>
+                </a:ext>
+                <a:ext uri="{96DAC541-7B7A-43D3-8B79-37D633B846F1}">
+                  <asvg:svgBlip xmlns:asvg="http://schemas.microsoft.com/office/drawing/2016/SVG/main" r:embed="rId9"/>
+                </a:ext>
+              </a:extLst>
+            </a:blip>
+            <a:stretch>
+              <a:fillRect/>
+            </a:stretch>
+          </p:blipFill>
+          <p:spPr>
+            <a:xfrm>
+              <a:off x="-715257" y="5715972"/>
+              <a:ext cx="578191" cy="578191"/>
+            </a:xfrm>
+            <a:prstGeom prst="rect">
+              <a:avLst/>
+            </a:prstGeom>
+          </p:spPr>
+        </p:pic>
+      </p:grpSp>
+      <p:grpSp>
+        <p:nvGrpSpPr>
+          <p:cNvPr id="35" name="Group 34">
+            <a:extLst>
+              <a:ext uri="{FF2B5EF4-FFF2-40B4-BE49-F238E27FC236}">
+                <a16:creationId xmlns:a16="http://schemas.microsoft.com/office/drawing/2014/main" id="{38842EEC-6498-43B0-B9D2-3614F8AF0196}"/>
+              </a:ext>
+            </a:extLst>
+          </p:cNvPr>
+          <p:cNvGrpSpPr/>
+          <p:nvPr/>
+        </p:nvGrpSpPr>
+        <p:grpSpPr>
+          <a:xfrm>
+            <a:off x="977476" y="3008183"/>
+            <a:ext cx="841634" cy="841634"/>
+            <a:chOff x="5675183" y="3005477"/>
+            <a:chExt cx="841634" cy="841634"/>
+          </a:xfrm>
+        </p:grpSpPr>
+        <p:sp>
+          <p:nvSpPr>
+            <p:cNvPr id="16" name="Oval 15">
+              <a:extLst>
+                <a:ext uri="{FF2B5EF4-FFF2-40B4-BE49-F238E27FC236}">
+                  <a16:creationId xmlns:a16="http://schemas.microsoft.com/office/drawing/2014/main" id="{39D53D5C-6B02-4F1C-B8D1-F8FCB9D3DEFE}"/>
+                </a:ext>
+              </a:extLst>
+            </p:cNvPr>
+            <p:cNvSpPr/>
+            <p:nvPr/>
+          </p:nvSpPr>
+          <p:spPr>
+            <a:xfrm>
+              <a:off x="5675183" y="3005477"/>
+              <a:ext cx="841634" cy="841634"/>
+            </a:xfrm>
+            <a:prstGeom prst="ellipse">
+              <a:avLst/>
+            </a:prstGeom>
+            <a:solidFill>
+              <a:srgbClr val="FFFFFF"/>
+            </a:solidFill>
+            <a:ln>
+              <a:noFill/>
+            </a:ln>
+          </p:spPr>
+          <p:style>
+            <a:lnRef idx="2">
+              <a:schemeClr val="accent1">
+                <a:shade val="50000"/>
+              </a:schemeClr>
+            </a:lnRef>
+            <a:fillRef idx="1">
+              <a:schemeClr val="accent1"/>
+            </a:fillRef>
+            <a:effectRef idx="0">
+              <a:schemeClr val="accent1"/>
+            </a:effectRef>
+            <a:fontRef idx="minor">
+              <a:schemeClr val="lt1"/>
+            </a:fontRef>
+          </p:style>
+          <p:txBody>
+            <a:bodyPr rtlCol="0" anchor="ctr"/>
+            <a:lstStyle/>
+            <a:p>
+              <a:pPr algn="ctr"/>
+              <a:endParaRPr lang="en-US"/>
+            </a:p>
+          </p:txBody>
+        </p:sp>
+        <p:pic>
+          <p:nvPicPr>
+            <p:cNvPr id="8" name="Graphic 7" descr="Smart Phone">
+              <a:extLst>
+                <a:ext uri="{FF2B5EF4-FFF2-40B4-BE49-F238E27FC236}">
+                  <a16:creationId xmlns:a16="http://schemas.microsoft.com/office/drawing/2014/main" id="{1C4095AF-E6FF-48FC-841D-C748E6BA7CF8}"/>
+                </a:ext>
+              </a:extLst>
+            </p:cNvPr>
+            <p:cNvPicPr>
+              <a:picLocks noChangeAspect="1"/>
+            </p:cNvPicPr>
+            <p:nvPr/>
+          </p:nvPicPr>
+          <p:blipFill>
+            <a:blip r:embed="rId10">
+              <a:extLst>
+                <a:ext uri="{28A0092B-C50C-407E-A947-70E740481C1C}">
+                  <a14:useLocalDpi xmlns:a14="http://schemas.microsoft.com/office/drawing/2010/main" val="0"/>
+                </a:ext>
+                <a:ext uri="{96DAC541-7B7A-43D3-8B79-37D633B846F1}">
+                  <asvg:svgBlip xmlns:asvg="http://schemas.microsoft.com/office/drawing/2016/SVG/main" r:embed="rId11"/>
+                </a:ext>
+              </a:extLst>
+            </a:blip>
+            <a:stretch>
+              <a:fillRect/>
+            </a:stretch>
+          </p:blipFill>
+          <p:spPr>
+            <a:xfrm flipV="1">
+              <a:off x="5806902" y="3137198"/>
+              <a:ext cx="578191" cy="578191"/>
+            </a:xfrm>
+            <a:prstGeom prst="rect">
+              <a:avLst/>
+            </a:prstGeom>
+          </p:spPr>
+        </p:pic>
+      </p:grpSp>
+      <p:sp>
+        <p:nvSpPr>
+          <p:cNvPr id="34" name="Freeform: Shape 33">
+            <a:extLst>
+              <a:ext uri="{FF2B5EF4-FFF2-40B4-BE49-F238E27FC236}">
+                <a16:creationId xmlns:a16="http://schemas.microsoft.com/office/drawing/2014/main" id="{3F7DEFED-D3CD-4A7D-ADD0-342A35BB1D92}"/>
+              </a:ext>
+            </a:extLst>
+          </p:cNvPr>
+          <p:cNvSpPr/>
+          <p:nvPr/>
+        </p:nvSpPr>
+        <p:spPr>
+          <a:xfrm rot="10800000">
+            <a:off x="1739" y="-13891187"/>
+            <a:ext cx="1449238" cy="23553174"/>
+          </a:xfrm>
+          <a:custGeom>
+            <a:avLst/>
+            <a:gdLst>
+              <a:gd name="connsiteX0" fmla="*/ 0 w 1449238"/>
+              <a:gd name="connsiteY0" fmla="*/ 23553174 h 23553174"/>
+              <a:gd name="connsiteX1" fmla="*/ 0 w 1449238"/>
+              <a:gd name="connsiteY1" fmla="*/ 7057620 h 23553174"/>
+              <a:gd name="connsiteX2" fmla="*/ 828826 w 1449238"/>
+              <a:gd name="connsiteY2" fmla="*/ 6213536 h 23553174"/>
+              <a:gd name="connsiteX3" fmla="*/ 0 w 1449238"/>
+              <a:gd name="connsiteY3" fmla="*/ 5369453 h 23553174"/>
+              <a:gd name="connsiteX4" fmla="*/ 0 w 1449238"/>
+              <a:gd name="connsiteY4" fmla="*/ 0 h 23553174"/>
+              <a:gd name="connsiteX5" fmla="*/ 1449238 w 1449238"/>
+              <a:gd name="connsiteY5" fmla="*/ 0 h 23553174"/>
+              <a:gd name="connsiteX6" fmla="*/ 1449238 w 1449238"/>
+              <a:gd name="connsiteY6" fmla="*/ 23553174 h 23553174"/>
+              <a:gd name="connsiteX0" fmla="*/ 0 w 1449238"/>
+              <a:gd name="connsiteY0" fmla="*/ 23553174 h 23553174"/>
+              <a:gd name="connsiteX1" fmla="*/ 0 w 1449238"/>
+              <a:gd name="connsiteY1" fmla="*/ 7057620 h 23553174"/>
+              <a:gd name="connsiteX2" fmla="*/ 828826 w 1449238"/>
+              <a:gd name="connsiteY2" fmla="*/ 6213536 h 23553174"/>
+              <a:gd name="connsiteX3" fmla="*/ 0 w 1449238"/>
+              <a:gd name="connsiteY3" fmla="*/ 5369453 h 23553174"/>
+              <a:gd name="connsiteX4" fmla="*/ 0 w 1449238"/>
+              <a:gd name="connsiteY4" fmla="*/ 0 h 23553174"/>
+              <a:gd name="connsiteX5" fmla="*/ 1449238 w 1449238"/>
+              <a:gd name="connsiteY5" fmla="*/ 0 h 23553174"/>
+              <a:gd name="connsiteX6" fmla="*/ 1449238 w 1449238"/>
+              <a:gd name="connsiteY6" fmla="*/ 23553174 h 23553174"/>
+              <a:gd name="connsiteX7" fmla="*/ 0 w 1449238"/>
+              <a:gd name="connsiteY7" fmla="*/ 23553174 h 23553174"/>
+              <a:gd name="connsiteX0" fmla="*/ 0 w 1449238"/>
+              <a:gd name="connsiteY0" fmla="*/ 23553174 h 23553174"/>
+              <a:gd name="connsiteX1" fmla="*/ 0 w 1449238"/>
+              <a:gd name="connsiteY1" fmla="*/ 7057620 h 23553174"/>
+              <a:gd name="connsiteX2" fmla="*/ 828826 w 1449238"/>
+              <a:gd name="connsiteY2" fmla="*/ 6213536 h 23553174"/>
+              <a:gd name="connsiteX3" fmla="*/ 0 w 1449238"/>
+              <a:gd name="connsiteY3" fmla="*/ 5369453 h 23553174"/>
+              <a:gd name="connsiteX4" fmla="*/ 0 w 1449238"/>
+              <a:gd name="connsiteY4" fmla="*/ 0 h 23553174"/>
+              <a:gd name="connsiteX5" fmla="*/ 1449238 w 1449238"/>
+              <a:gd name="connsiteY5" fmla="*/ 0 h 23553174"/>
+              <a:gd name="connsiteX6" fmla="*/ 1449238 w 1449238"/>
+              <a:gd name="connsiteY6" fmla="*/ 23553174 h 23553174"/>
+              <a:gd name="connsiteX7" fmla="*/ 0 w 1449238"/>
+              <a:gd name="connsiteY7" fmla="*/ 23553174 h 23553174"/>
+              <a:gd name="connsiteX0" fmla="*/ 0 w 1449238"/>
+              <a:gd name="connsiteY0" fmla="*/ 23553174 h 23553174"/>
+              <a:gd name="connsiteX1" fmla="*/ 0 w 1449238"/>
+              <a:gd name="connsiteY1" fmla="*/ 7057620 h 23553174"/>
+              <a:gd name="connsiteX2" fmla="*/ 828826 w 1449238"/>
+              <a:gd name="connsiteY2" fmla="*/ 6213536 h 23553174"/>
+              <a:gd name="connsiteX3" fmla="*/ 0 w 1449238"/>
+              <a:gd name="connsiteY3" fmla="*/ 5369453 h 23553174"/>
+              <a:gd name="connsiteX4" fmla="*/ 0 w 1449238"/>
+              <a:gd name="connsiteY4" fmla="*/ 0 h 23553174"/>
+              <a:gd name="connsiteX5" fmla="*/ 1449238 w 1449238"/>
+              <a:gd name="connsiteY5" fmla="*/ 0 h 23553174"/>
+              <a:gd name="connsiteX6" fmla="*/ 1449238 w 1449238"/>
+              <a:gd name="connsiteY6" fmla="*/ 23553174 h 23553174"/>
+              <a:gd name="connsiteX7" fmla="*/ 0 w 1449238"/>
+              <a:gd name="connsiteY7" fmla="*/ 23553174 h 23553174"/>
+              <a:gd name="connsiteX0" fmla="*/ 0 w 1449238"/>
+              <a:gd name="connsiteY0" fmla="*/ 23553174 h 23553174"/>
+              <a:gd name="connsiteX1" fmla="*/ 0 w 1449238"/>
+              <a:gd name="connsiteY1" fmla="*/ 7057620 h 23553174"/>
+              <a:gd name="connsiteX2" fmla="*/ 828826 w 1449238"/>
+              <a:gd name="connsiteY2" fmla="*/ 6213536 h 23553174"/>
+              <a:gd name="connsiteX3" fmla="*/ 0 w 1449238"/>
+              <a:gd name="connsiteY3" fmla="*/ 5369453 h 23553174"/>
+              <a:gd name="connsiteX4" fmla="*/ 0 w 1449238"/>
+              <a:gd name="connsiteY4" fmla="*/ 0 h 23553174"/>
+              <a:gd name="connsiteX5" fmla="*/ 1449238 w 1449238"/>
+              <a:gd name="connsiteY5" fmla="*/ 0 h 23553174"/>
+              <a:gd name="connsiteX6" fmla="*/ 1449238 w 1449238"/>
+              <a:gd name="connsiteY6" fmla="*/ 23553174 h 23553174"/>
+              <a:gd name="connsiteX7" fmla="*/ 0 w 1449238"/>
+              <a:gd name="connsiteY7" fmla="*/ 23553174 h 23553174"/>
+              <a:gd name="connsiteX0" fmla="*/ 0 w 1449238"/>
+              <a:gd name="connsiteY0" fmla="*/ 23553174 h 23553174"/>
+              <a:gd name="connsiteX1" fmla="*/ 0 w 1449238"/>
+              <a:gd name="connsiteY1" fmla="*/ 7057620 h 23553174"/>
+              <a:gd name="connsiteX2" fmla="*/ 581176 w 1449238"/>
+              <a:gd name="connsiteY2" fmla="*/ 6213536 h 23553174"/>
+              <a:gd name="connsiteX3" fmla="*/ 0 w 1449238"/>
+              <a:gd name="connsiteY3" fmla="*/ 5369453 h 23553174"/>
+              <a:gd name="connsiteX4" fmla="*/ 0 w 1449238"/>
+              <a:gd name="connsiteY4" fmla="*/ 0 h 23553174"/>
+              <a:gd name="connsiteX5" fmla="*/ 1449238 w 1449238"/>
+              <a:gd name="connsiteY5" fmla="*/ 0 h 23553174"/>
+              <a:gd name="connsiteX6" fmla="*/ 1449238 w 1449238"/>
+              <a:gd name="connsiteY6" fmla="*/ 23553174 h 23553174"/>
+              <a:gd name="connsiteX7" fmla="*/ 0 w 1449238"/>
+              <a:gd name="connsiteY7" fmla="*/ 23553174 h 23553174"/>
+              <a:gd name="connsiteX0" fmla="*/ 0 w 1449238"/>
+              <a:gd name="connsiteY0" fmla="*/ 23553174 h 23553174"/>
+              <a:gd name="connsiteX1" fmla="*/ 0 w 1449238"/>
+              <a:gd name="connsiteY1" fmla="*/ 7057620 h 23553174"/>
+              <a:gd name="connsiteX2" fmla="*/ 564507 w 1449238"/>
+              <a:gd name="connsiteY2" fmla="*/ 6215918 h 23553174"/>
+              <a:gd name="connsiteX3" fmla="*/ 0 w 1449238"/>
+              <a:gd name="connsiteY3" fmla="*/ 5369453 h 23553174"/>
+              <a:gd name="connsiteX4" fmla="*/ 0 w 1449238"/>
+              <a:gd name="connsiteY4" fmla="*/ 0 h 23553174"/>
+              <a:gd name="connsiteX5" fmla="*/ 1449238 w 1449238"/>
+              <a:gd name="connsiteY5" fmla="*/ 0 h 23553174"/>
+              <a:gd name="connsiteX6" fmla="*/ 1449238 w 1449238"/>
+              <a:gd name="connsiteY6" fmla="*/ 23553174 h 23553174"/>
+              <a:gd name="connsiteX7" fmla="*/ 0 w 1449238"/>
+              <a:gd name="connsiteY7" fmla="*/ 23553174 h 23553174"/>
+            </a:gdLst>
+            <a:ahLst/>
+            <a:cxnLst>
+              <a:cxn ang="0">
+                <a:pos x="connsiteX0" y="connsiteY0"/>
+              </a:cxn>
+              <a:cxn ang="0">
+                <a:pos x="connsiteX1" y="connsiteY1"/>
+              </a:cxn>
+              <a:cxn ang="0">
+                <a:pos x="connsiteX2" y="connsiteY2"/>
+              </a:cxn>
+              <a:cxn ang="0">
+                <a:pos x="connsiteX3" y="connsiteY3"/>
+              </a:cxn>
+              <a:cxn ang="0">
+                <a:pos x="connsiteX4" y="connsiteY4"/>
+              </a:cxn>
+              <a:cxn ang="0">
+                <a:pos x="connsiteX5" y="connsiteY5"/>
+              </a:cxn>
+              <a:cxn ang="0">
+                <a:pos x="connsiteX6" y="connsiteY6"/>
+              </a:cxn>
+              <a:cxn ang="0">
+                <a:pos x="connsiteX7" y="connsiteY7"/>
+              </a:cxn>
+            </a:cxnLst>
+            <a:rect l="l" t="t" r="r" b="b"/>
+            <a:pathLst>
+              <a:path w="1449238" h="23553174">
+                <a:moveTo>
+                  <a:pt x="0" y="23553174"/>
+                </a:moveTo>
+                <a:lnTo>
+                  <a:pt x="0" y="7057620"/>
+                </a:lnTo>
+                <a:cubicBezTo>
+                  <a:pt x="4812" y="6633384"/>
+                  <a:pt x="564557" y="6719529"/>
+                  <a:pt x="564507" y="6215918"/>
+                </a:cubicBezTo>
+                <a:cubicBezTo>
+                  <a:pt x="564457" y="5712307"/>
+                  <a:pt x="2431" y="5798452"/>
+                  <a:pt x="0" y="5369453"/>
+                </a:cubicBezTo>
+                <a:lnTo>
+                  <a:pt x="0" y="0"/>
+                </a:lnTo>
+                <a:lnTo>
+                  <a:pt x="1449238" y="0"/>
+                </a:lnTo>
+                <a:lnTo>
+                  <a:pt x="1449238" y="23553174"/>
+                </a:lnTo>
+                <a:lnTo>
+                  <a:pt x="0" y="23553174"/>
+                </a:lnTo>
+                <a:close/>
+              </a:path>
+            </a:pathLst>
+          </a:custGeom>
+          <a:solidFill>
+            <a:schemeClr val="bg1"/>
+          </a:solidFill>
+          <a:ln>
+            <a:noFill/>
+          </a:ln>
+        </p:spPr>
+        <p:style>
+          <a:lnRef idx="2">
+            <a:schemeClr val="accent1">
+              <a:shade val="50000"/>
+            </a:schemeClr>
+          </a:lnRef>
+          <a:fillRef idx="1">
+            <a:schemeClr val="accent1"/>
+          </a:fillRef>
+          <a:effectRef idx="0">
+            <a:schemeClr val="accent1"/>
+          </a:effectRef>
+          <a:fontRef idx="minor">
+            <a:schemeClr val="lt1"/>
+          </a:fontRef>
+        </p:style>
+        <p:txBody>
+          <a:bodyPr wrap="square" rtlCol="0" anchor="ctr">
+            <a:noAutofit/>
+          </a:bodyPr>
+          <a:lstStyle/>
+          <a:p>
+            <a:pPr algn="ctr"/>
+            <a:endParaRPr lang="en-US"/>
+          </a:p>
+        </p:txBody>
+      </p:sp>
+      <p:pic>
+        <p:nvPicPr>
+          <p:cNvPr id="26" name="Graphic 25" descr="Group of men">
+            <a:hlinkClick r:id="rId12" action="ppaction://hlinksldjump"/>
+            <a:extLst>
+              <a:ext uri="{FF2B5EF4-FFF2-40B4-BE49-F238E27FC236}">
+                <a16:creationId xmlns:a16="http://schemas.microsoft.com/office/drawing/2014/main" id="{0DF6171F-B8EB-4A02-BEC1-11F494787612}"/>
+              </a:ext>
+            </a:extLst>
+          </p:cNvPr>
+          <p:cNvPicPr>
+            <a:picLocks noChangeAspect="1"/>
+          </p:cNvPicPr>
+          <p:nvPr/>
+        </p:nvPicPr>
+        <p:blipFill>
+          <a:blip r:embed="rId13">
+            <a:extLst>
+              <a:ext uri="{28A0092B-C50C-407E-A947-70E740481C1C}">
+                <a14:useLocalDpi xmlns:a14="http://schemas.microsoft.com/office/drawing/2010/main" val="0"/>
+              </a:ext>
+              <a:ext uri="{96DAC541-7B7A-43D3-8B79-37D633B846F1}">
+                <asvg:svgBlip xmlns:asvg="http://schemas.microsoft.com/office/drawing/2016/SVG/main" r:embed="rId14"/>
+              </a:ext>
+            </a:extLst>
+          </a:blip>
+          <a:stretch>
+            <a:fillRect/>
+          </a:stretch>
+        </p:blipFill>
+        <p:spPr>
+          <a:xfrm>
+            <a:off x="437264" y="582884"/>
+            <a:ext cx="578191" cy="578191"/>
+          </a:xfrm>
+          <a:prstGeom prst="rect">
+            <a:avLst/>
+          </a:prstGeom>
+        </p:spPr>
+      </p:pic>
+      <p:pic>
+        <p:nvPicPr>
+          <p:cNvPr id="27" name="Graphic 26" descr="Server">
+            <a:hlinkClick r:id="rId15" action="ppaction://hlinksldjump"/>
+            <a:extLst>
+              <a:ext uri="{FF2B5EF4-FFF2-40B4-BE49-F238E27FC236}">
+                <a16:creationId xmlns:a16="http://schemas.microsoft.com/office/drawing/2014/main" id="{4E053273-7409-4C0E-8B8B-5297C7215B99}"/>
+              </a:ext>
+            </a:extLst>
+          </p:cNvPr>
+          <p:cNvPicPr>
+            <a:picLocks noChangeAspect="1"/>
+          </p:cNvPicPr>
+          <p:nvPr/>
+        </p:nvPicPr>
+        <p:blipFill>
+          <a:blip r:embed="rId16">
+            <a:extLst>
+              <a:ext uri="{28A0092B-C50C-407E-A947-70E740481C1C}">
+                <a14:useLocalDpi xmlns:a14="http://schemas.microsoft.com/office/drawing/2010/main" val="0"/>
+              </a:ext>
+              <a:ext uri="{96DAC541-7B7A-43D3-8B79-37D633B846F1}">
+                <asvg:svgBlip xmlns:asvg="http://schemas.microsoft.com/office/drawing/2016/SVG/main" r:embed="rId17"/>
+              </a:ext>
+            </a:extLst>
+          </a:blip>
+          <a:stretch>
+            <a:fillRect/>
+          </a:stretch>
+        </p:blipFill>
+        <p:spPr>
+          <a:xfrm>
+            <a:off x="437264" y="1875053"/>
+            <a:ext cx="578191" cy="578191"/>
+          </a:xfrm>
+          <a:prstGeom prst="rect">
+            <a:avLst/>
+          </a:prstGeom>
+        </p:spPr>
+      </p:pic>
+      <p:pic>
+        <p:nvPicPr>
+          <p:cNvPr id="28" name="Graphic 27" descr="Smart Phone">
+            <a:hlinkClick r:id="rId18" action="ppaction://hlinksldjump"/>
+            <a:extLst>
+              <a:ext uri="{FF2B5EF4-FFF2-40B4-BE49-F238E27FC236}">
+                <a16:creationId xmlns:a16="http://schemas.microsoft.com/office/drawing/2014/main" id="{93918246-389F-4622-ABBA-08CFFB8F5337}"/>
+              </a:ext>
+            </a:extLst>
+          </p:cNvPr>
+          <p:cNvPicPr>
+            <a:picLocks noChangeAspect="1"/>
+          </p:cNvPicPr>
+          <p:nvPr/>
+        </p:nvPicPr>
+        <p:blipFill>
+          <a:blip r:embed="rId19">
+            <a:extLst>
+              <a:ext uri="{28A0092B-C50C-407E-A947-70E740481C1C}">
+                <a14:useLocalDpi xmlns:a14="http://schemas.microsoft.com/office/drawing/2010/main" val="0"/>
+              </a:ext>
+              <a:ext uri="{96DAC541-7B7A-43D3-8B79-37D633B846F1}">
+                <asvg:svgBlip xmlns:asvg="http://schemas.microsoft.com/office/drawing/2016/SVG/main" r:embed="rId20"/>
+              </a:ext>
+            </a:extLst>
+          </a:blip>
+          <a:stretch>
+            <a:fillRect/>
+          </a:stretch>
+        </p:blipFill>
+        <p:spPr>
+          <a:xfrm flipV="1">
+            <a:off x="437265" y="3149428"/>
+            <a:ext cx="578191" cy="578191"/>
+          </a:xfrm>
+          <a:prstGeom prst="rect">
+            <a:avLst/>
+          </a:prstGeom>
+        </p:spPr>
+      </p:pic>
+      <p:pic>
+        <p:nvPicPr>
+          <p:cNvPr id="29" name="Graphic 28" descr="Computer">
+            <a:hlinkClick r:id="rId21" action="ppaction://hlinksldjump"/>
+            <a:extLst>
+              <a:ext uri="{FF2B5EF4-FFF2-40B4-BE49-F238E27FC236}">
+                <a16:creationId xmlns:a16="http://schemas.microsoft.com/office/drawing/2014/main" id="{110E613D-8DD5-4FE6-A6AC-92399833BEEA}"/>
+              </a:ext>
+            </a:extLst>
+          </p:cNvPr>
+          <p:cNvPicPr>
+            <a:picLocks noChangeAspect="1"/>
+          </p:cNvPicPr>
+          <p:nvPr/>
+        </p:nvPicPr>
+        <p:blipFill>
+          <a:blip r:embed="rId22">
+            <a:extLst>
+              <a:ext uri="{28A0092B-C50C-407E-A947-70E740481C1C}">
+                <a14:useLocalDpi xmlns:a14="http://schemas.microsoft.com/office/drawing/2010/main" val="0"/>
+              </a:ext>
+              <a:ext uri="{96DAC541-7B7A-43D3-8B79-37D633B846F1}">
+                <asvg:svgBlip xmlns:asvg="http://schemas.microsoft.com/office/drawing/2016/SVG/main" r:embed="rId23"/>
+              </a:ext>
+            </a:extLst>
+          </a:blip>
+          <a:stretch>
+            <a:fillRect/>
+          </a:stretch>
+        </p:blipFill>
+        <p:spPr>
+          <a:xfrm>
+            <a:off x="437263" y="4432700"/>
+            <a:ext cx="578191" cy="578191"/>
+          </a:xfrm>
+          <a:prstGeom prst="rect">
+            <a:avLst/>
+          </a:prstGeom>
+        </p:spPr>
+      </p:pic>
+      <p:pic>
+        <p:nvPicPr>
+          <p:cNvPr id="30" name="Graphic 29" descr="Web design">
+            <a:hlinkClick r:id="rId24" action="ppaction://hlinksldjump"/>
+            <a:extLst>
+              <a:ext uri="{FF2B5EF4-FFF2-40B4-BE49-F238E27FC236}">
+                <a16:creationId xmlns:a16="http://schemas.microsoft.com/office/drawing/2014/main" id="{CBC1988C-A01D-4365-8AD9-237B98BD211A}"/>
+              </a:ext>
+            </a:extLst>
+          </p:cNvPr>
+          <p:cNvPicPr>
+            <a:picLocks noChangeAspect="1"/>
+          </p:cNvPicPr>
+          <p:nvPr/>
+        </p:nvPicPr>
+        <p:blipFill>
+          <a:blip r:embed="rId25">
+            <a:extLst>
+              <a:ext uri="{28A0092B-C50C-407E-A947-70E740481C1C}">
+                <a14:useLocalDpi xmlns:a14="http://schemas.microsoft.com/office/drawing/2010/main" val="0"/>
+              </a:ext>
+              <a:ext uri="{96DAC541-7B7A-43D3-8B79-37D633B846F1}">
+                <asvg:svgBlip xmlns:asvg="http://schemas.microsoft.com/office/drawing/2016/SVG/main" r:embed="rId26"/>
+              </a:ext>
+            </a:extLst>
+          </a:blip>
+          <a:stretch>
+            <a:fillRect/>
+          </a:stretch>
+        </p:blipFill>
+        <p:spPr>
+          <a:xfrm>
+            <a:off x="437268" y="5715972"/>
+            <a:ext cx="578191" cy="578191"/>
+          </a:xfrm>
+          <a:prstGeom prst="rect">
+            <a:avLst/>
+          </a:prstGeom>
+        </p:spPr>
+      </p:pic>
+      <p:sp>
+        <p:nvSpPr>
+          <p:cNvPr id="23" name="TextBox 22">
+            <a:extLst>
+              <a:ext uri="{FF2B5EF4-FFF2-40B4-BE49-F238E27FC236}">
+                <a16:creationId xmlns:a16="http://schemas.microsoft.com/office/drawing/2014/main" id="{208BFFEB-B5E4-4129-86C7-1E07B8F10215}"/>
+              </a:ext>
+            </a:extLst>
+          </p:cNvPr>
+          <p:cNvSpPr txBox="1"/>
+          <p:nvPr/>
+        </p:nvSpPr>
+        <p:spPr>
+          <a:xfrm>
+            <a:off x="2900217" y="582884"/>
+            <a:ext cx="7914968" cy="1015663"/>
+          </a:xfrm>
+          <a:prstGeom prst="rect">
+            <a:avLst/>
+          </a:prstGeom>
+          <a:noFill/>
+        </p:spPr>
+        <p:txBody>
+          <a:bodyPr wrap="square" rtlCol="0">
+            <a:spAutoFit/>
+          </a:bodyPr>
+          <a:lstStyle/>
+          <a:p>
+            <a:r>
+              <a:rPr lang="en-GB" sz="6000" dirty="0">
+                <a:solidFill>
+                  <a:schemeClr val="bg1"/>
+                </a:solidFill>
+              </a:rPr>
+              <a:t>A </a:t>
+            </a:r>
+            <a:r>
+              <a:rPr lang="en-GB" sz="6000" dirty="0" err="1">
+                <a:solidFill>
+                  <a:schemeClr val="bg1"/>
+                </a:solidFill>
+              </a:rPr>
+              <a:t>mobil</a:t>
+            </a:r>
+            <a:r>
+              <a:rPr lang="en-GB" sz="6000" dirty="0">
+                <a:solidFill>
+                  <a:schemeClr val="bg1"/>
+                </a:solidFill>
+              </a:rPr>
+              <a:t> </a:t>
+            </a:r>
+            <a:r>
+              <a:rPr lang="en-GB" sz="6000" dirty="0" err="1">
+                <a:solidFill>
+                  <a:schemeClr val="bg1"/>
+                </a:solidFill>
+              </a:rPr>
+              <a:t>célja</a:t>
+            </a:r>
+            <a:endParaRPr lang="en-US" sz="6000" dirty="0">
+              <a:solidFill>
+                <a:schemeClr val="bg1"/>
+              </a:solidFill>
+            </a:endParaRPr>
+          </a:p>
+        </p:txBody>
+      </p:sp>
+      <p:sp>
+        <p:nvSpPr>
+          <p:cNvPr id="24" name="TextBox 23">
+            <a:extLst>
+              <a:ext uri="{FF2B5EF4-FFF2-40B4-BE49-F238E27FC236}">
+                <a16:creationId xmlns:a16="http://schemas.microsoft.com/office/drawing/2014/main" id="{E7BA8A0E-D55F-48CB-A045-2DB9EBCD5BCE}"/>
+              </a:ext>
+            </a:extLst>
+          </p:cNvPr>
+          <p:cNvSpPr txBox="1"/>
+          <p:nvPr/>
+        </p:nvSpPr>
+        <p:spPr>
+          <a:xfrm>
+            <a:off x="2900218" y="2238194"/>
+            <a:ext cx="7914968" cy="1318181"/>
+          </a:xfrm>
+          <a:prstGeom prst="rect">
+            <a:avLst/>
+          </a:prstGeom>
+          <a:noFill/>
+        </p:spPr>
+        <p:txBody>
+          <a:bodyPr wrap="square" rtlCol="0">
+            <a:spAutoFit/>
+          </a:bodyPr>
+          <a:lstStyle/>
+          <a:p>
+            <a:pPr marL="285750" indent="-285750">
+              <a:lnSpc>
+                <a:spcPct val="150000"/>
+              </a:lnSpc>
+              <a:buFont typeface="Arial" panose="020B0604020202020204" pitchFamily="34" charset="0"/>
+              <a:buChar char="•"/>
+            </a:pPr>
+            <a:r>
+              <a:rPr lang="en-GB" sz="2800" dirty="0" err="1">
+                <a:solidFill>
+                  <a:schemeClr val="bg1"/>
+                </a:solidFill>
+              </a:rPr>
+              <a:t>Hordozható</a:t>
+            </a:r>
+            <a:r>
+              <a:rPr lang="en-GB" sz="2800" dirty="0">
+                <a:solidFill>
+                  <a:schemeClr val="bg1"/>
+                </a:solidFill>
+              </a:rPr>
+              <a:t> </a:t>
+            </a:r>
+            <a:r>
+              <a:rPr lang="en-GB" sz="2800" dirty="0" err="1">
+                <a:solidFill>
+                  <a:schemeClr val="bg1"/>
+                </a:solidFill>
+              </a:rPr>
+              <a:t>felhasználói</a:t>
+            </a:r>
+            <a:r>
+              <a:rPr lang="en-GB" sz="2800" dirty="0">
+                <a:solidFill>
+                  <a:schemeClr val="bg1"/>
+                </a:solidFill>
+              </a:rPr>
+              <a:t> </a:t>
+            </a:r>
+            <a:r>
+              <a:rPr lang="en-GB" sz="2800" dirty="0" err="1">
+                <a:solidFill>
+                  <a:schemeClr val="bg1"/>
+                </a:solidFill>
+              </a:rPr>
+              <a:t>felület</a:t>
+            </a:r>
+            <a:endParaRPr lang="en-GB" sz="2800" dirty="0">
+              <a:solidFill>
+                <a:schemeClr val="bg1"/>
+              </a:solidFill>
+            </a:endParaRPr>
+          </a:p>
+          <a:p>
+            <a:pPr marL="285750" indent="-285750">
+              <a:lnSpc>
+                <a:spcPct val="150000"/>
+              </a:lnSpc>
+              <a:buFont typeface="Arial" panose="020B0604020202020204" pitchFamily="34" charset="0"/>
+              <a:buChar char="•"/>
+            </a:pPr>
+            <a:r>
+              <a:rPr lang="en-GB" sz="2800" dirty="0" err="1">
+                <a:solidFill>
+                  <a:schemeClr val="bg1"/>
+                </a:solidFill>
+              </a:rPr>
+              <a:t>Egyszerű</a:t>
+            </a:r>
+            <a:r>
+              <a:rPr lang="en-GB" sz="2800" dirty="0">
+                <a:solidFill>
+                  <a:schemeClr val="bg1"/>
+                </a:solidFill>
+              </a:rPr>
+              <a:t> </a:t>
+            </a:r>
+            <a:r>
+              <a:rPr lang="en-GB" sz="2800" dirty="0" err="1">
+                <a:solidFill>
+                  <a:schemeClr val="bg1"/>
+                </a:solidFill>
+              </a:rPr>
+              <a:t>elérhetőség</a:t>
+            </a:r>
+            <a:endParaRPr lang="en-GB" sz="2800" dirty="0">
+              <a:solidFill>
+                <a:schemeClr val="bg1"/>
+              </a:solidFill>
+            </a:endParaRPr>
+          </a:p>
+        </p:txBody>
+      </p:sp>
+    </p:spTree>
+    <p:extLst>
+      <p:ext uri="{BB962C8B-B14F-4D97-AF65-F5344CB8AC3E}">
+        <p14:creationId xmlns:p14="http://schemas.microsoft.com/office/powerpoint/2010/main" val="856324313"/>
+      </p:ext>
+    </p:extLst>
+  </p:cSld>
+  <p:clrMapOvr>
+    <a:masterClrMapping/>
+  </p:clrMapOvr>
+  <mc:AlternateContent xmlns:mc="http://schemas.openxmlformats.org/markup-compatibility/2006">
+    <mc:Choice xmlns:p159="http://schemas.microsoft.com/office/powerpoint/2015/09/main" Requires="p159">
+      <p:transition spd="med">
+        <p159:morph option="byObject"/>
+      </p:transition>
+    </mc:Choice>
+    <mc:Fallback>
+      <p:transition spd="med">
+        <p:fade/>
+      </p:transition>
+    </mc:Fallback>
+  </mc:AlternateContent>
+</p:sld>
+</file>
+
+<file path=ppt/slides/slide14.xml><?xml version="1.0" encoding="utf-8"?>
+<p:sld xmlns:a="http://schemas.openxmlformats.org/drawingml/2006/main" xmlns:r="http://schemas.openxmlformats.org/officeDocument/2006/relationships" xmlns:p="http://schemas.openxmlformats.org/presentationml/2006/main">
+  <p:cSld>
+    <p:bg>
+      <p:bgPr>
+        <a:solidFill>
+          <a:srgbClr val="F45B69"/>
+        </a:solidFill>
+        <a:effectLst/>
+      </p:bgPr>
+    </p:bg>
+    <p:spTree>
+      <p:nvGrpSpPr>
+        <p:cNvPr id="1" name=""/>
+        <p:cNvGrpSpPr/>
+        <p:nvPr/>
+      </p:nvGrpSpPr>
+      <p:grpSpPr>
+        <a:xfrm>
+          <a:off x="0" y="0"/>
+          <a:ext cx="0" cy="0"/>
+          <a:chOff x="0" y="0"/>
+          <a:chExt cx="0" cy="0"/>
+        </a:xfrm>
+      </p:grpSpPr>
+      <p:grpSp>
+        <p:nvGrpSpPr>
+          <p:cNvPr id="36" name="Group 35">
+            <a:extLst>
+              <a:ext uri="{FF2B5EF4-FFF2-40B4-BE49-F238E27FC236}">
+                <a16:creationId xmlns:a16="http://schemas.microsoft.com/office/drawing/2014/main" id="{AA937E01-0046-42F5-A196-6F8F516762BF}"/>
+              </a:ext>
+            </a:extLst>
+          </p:cNvPr>
+          <p:cNvGrpSpPr/>
+          <p:nvPr/>
+        </p:nvGrpSpPr>
+        <p:grpSpPr>
+          <a:xfrm>
+            <a:off x="-841634" y="451163"/>
+            <a:ext cx="841634" cy="841634"/>
+            <a:chOff x="-841634" y="451163"/>
+            <a:chExt cx="841634" cy="841634"/>
+          </a:xfrm>
+        </p:grpSpPr>
+        <p:sp>
+          <p:nvSpPr>
+            <p:cNvPr id="14" name="Oval 13">
+              <a:extLst>
+                <a:ext uri="{FF2B5EF4-FFF2-40B4-BE49-F238E27FC236}">
+                  <a16:creationId xmlns:a16="http://schemas.microsoft.com/office/drawing/2014/main" id="{0F8F4C6D-0C9C-4A40-9A28-72A10C94E8D5}"/>
+                </a:ext>
+              </a:extLst>
+            </p:cNvPr>
+            <p:cNvSpPr/>
+            <p:nvPr/>
+          </p:nvSpPr>
+          <p:spPr>
+            <a:xfrm>
+              <a:off x="-841634" y="451163"/>
+              <a:ext cx="841634" cy="841634"/>
+            </a:xfrm>
+            <a:prstGeom prst="ellipse">
+              <a:avLst/>
+            </a:prstGeom>
+            <a:solidFill>
+              <a:schemeClr val="bg1"/>
+            </a:solidFill>
+            <a:ln>
+              <a:noFill/>
+            </a:ln>
+          </p:spPr>
+          <p:style>
+            <a:lnRef idx="2">
+              <a:schemeClr val="accent1">
+                <a:shade val="50000"/>
+              </a:schemeClr>
+            </a:lnRef>
+            <a:fillRef idx="1">
+              <a:schemeClr val="accent1"/>
+            </a:fillRef>
+            <a:effectRef idx="0">
+              <a:schemeClr val="accent1"/>
+            </a:effectRef>
+            <a:fontRef idx="minor">
+              <a:schemeClr val="lt1"/>
+            </a:fontRef>
+          </p:style>
+          <p:txBody>
+            <a:bodyPr rtlCol="0" anchor="ctr"/>
+            <a:lstStyle/>
+            <a:p>
+              <a:pPr algn="ctr"/>
+              <a:endParaRPr lang="en-US"/>
+            </a:p>
+          </p:txBody>
+        </p:sp>
+        <p:pic>
+          <p:nvPicPr>
+            <p:cNvPr id="4" name="Graphic 3" descr="Group of men">
+              <a:extLst>
+                <a:ext uri="{FF2B5EF4-FFF2-40B4-BE49-F238E27FC236}">
+                  <a16:creationId xmlns:a16="http://schemas.microsoft.com/office/drawing/2014/main" id="{44F039F5-9218-47A6-BEB6-FB919959B3AF}"/>
+                </a:ext>
+              </a:extLst>
+            </p:cNvPr>
+            <p:cNvPicPr>
+              <a:picLocks noChangeAspect="1"/>
+            </p:cNvPicPr>
+            <p:nvPr/>
+          </p:nvPicPr>
+          <p:blipFill>
+            <a:blip r:embed="rId2">
+              <a:extLst>
+                <a:ext uri="{28A0092B-C50C-407E-A947-70E740481C1C}">
+                  <a14:useLocalDpi xmlns:a14="http://schemas.microsoft.com/office/drawing/2010/main" val="0"/>
+                </a:ext>
+                <a:ext uri="{96DAC541-7B7A-43D3-8B79-37D633B846F1}">
+                  <asvg:svgBlip xmlns:asvg="http://schemas.microsoft.com/office/drawing/2016/SVG/main" r:embed="rId3"/>
+                </a:ext>
+              </a:extLst>
+            </a:blip>
+            <a:stretch>
+              <a:fillRect/>
+            </a:stretch>
+          </p:blipFill>
+          <p:spPr>
+            <a:xfrm>
+              <a:off x="-715261" y="582884"/>
+              <a:ext cx="578191" cy="578191"/>
+            </a:xfrm>
+            <a:prstGeom prst="rect">
+              <a:avLst/>
+            </a:prstGeom>
+          </p:spPr>
+        </p:pic>
+      </p:grpSp>
+      <p:grpSp>
+        <p:nvGrpSpPr>
+          <p:cNvPr id="37" name="Group 36">
+            <a:extLst>
+              <a:ext uri="{FF2B5EF4-FFF2-40B4-BE49-F238E27FC236}">
+                <a16:creationId xmlns:a16="http://schemas.microsoft.com/office/drawing/2014/main" id="{9C5ADA97-F136-46A8-BE83-C683EDBEB418}"/>
+              </a:ext>
+            </a:extLst>
+          </p:cNvPr>
+          <p:cNvGrpSpPr/>
+          <p:nvPr/>
+        </p:nvGrpSpPr>
+        <p:grpSpPr>
+          <a:xfrm>
+            <a:off x="-846979" y="1734435"/>
+            <a:ext cx="841634" cy="841634"/>
+            <a:chOff x="-846979" y="1734435"/>
+            <a:chExt cx="841634" cy="841634"/>
+          </a:xfrm>
+        </p:grpSpPr>
+        <p:sp>
+          <p:nvSpPr>
+            <p:cNvPr id="15" name="Oval 14">
+              <a:extLst>
+                <a:ext uri="{FF2B5EF4-FFF2-40B4-BE49-F238E27FC236}">
+                  <a16:creationId xmlns:a16="http://schemas.microsoft.com/office/drawing/2014/main" id="{A0B9A141-9605-43E5-9F88-EE89169F8C31}"/>
+                </a:ext>
+              </a:extLst>
+            </p:cNvPr>
+            <p:cNvSpPr/>
+            <p:nvPr/>
+          </p:nvSpPr>
+          <p:spPr>
+            <a:xfrm>
+              <a:off x="-846979" y="1734435"/>
+              <a:ext cx="841634" cy="841634"/>
+            </a:xfrm>
+            <a:prstGeom prst="ellipse">
+              <a:avLst/>
+            </a:prstGeom>
+            <a:solidFill>
+              <a:schemeClr val="bg1"/>
+            </a:solidFill>
+            <a:ln>
+              <a:noFill/>
+            </a:ln>
+          </p:spPr>
+          <p:style>
+            <a:lnRef idx="2">
+              <a:schemeClr val="accent1">
+                <a:shade val="50000"/>
+              </a:schemeClr>
+            </a:lnRef>
+            <a:fillRef idx="1">
+              <a:schemeClr val="accent1"/>
+            </a:fillRef>
+            <a:effectRef idx="0">
+              <a:schemeClr val="accent1"/>
+            </a:effectRef>
+            <a:fontRef idx="minor">
+              <a:schemeClr val="lt1"/>
+            </a:fontRef>
+          </p:style>
+          <p:txBody>
+            <a:bodyPr rtlCol="0" anchor="ctr"/>
+            <a:lstStyle/>
+            <a:p>
+              <a:pPr algn="ctr"/>
+              <a:endParaRPr lang="en-US"/>
+            </a:p>
+          </p:txBody>
+        </p:sp>
+        <p:pic>
+          <p:nvPicPr>
+            <p:cNvPr id="6" name="Graphic 5" descr="Server">
+              <a:extLst>
+                <a:ext uri="{FF2B5EF4-FFF2-40B4-BE49-F238E27FC236}">
+                  <a16:creationId xmlns:a16="http://schemas.microsoft.com/office/drawing/2014/main" id="{08D27C16-A782-4BA8-BD16-115A66586386}"/>
+                </a:ext>
+              </a:extLst>
+            </p:cNvPr>
+            <p:cNvPicPr>
+              <a:picLocks noChangeAspect="1"/>
+            </p:cNvPicPr>
+            <p:nvPr/>
+          </p:nvPicPr>
+          <p:blipFill>
+            <a:blip r:embed="rId4">
+              <a:extLst>
+                <a:ext uri="{28A0092B-C50C-407E-A947-70E740481C1C}">
+                  <a14:useLocalDpi xmlns:a14="http://schemas.microsoft.com/office/drawing/2010/main" val="0"/>
+                </a:ext>
+                <a:ext uri="{96DAC541-7B7A-43D3-8B79-37D633B846F1}">
+                  <asvg:svgBlip xmlns:asvg="http://schemas.microsoft.com/office/drawing/2016/SVG/main" r:embed="rId5"/>
+                </a:ext>
+              </a:extLst>
+            </a:blip>
+            <a:stretch>
+              <a:fillRect/>
+            </a:stretch>
+          </p:blipFill>
+          <p:spPr>
+            <a:xfrm>
+              <a:off x="-715261" y="1875053"/>
+              <a:ext cx="578191" cy="578191"/>
+            </a:xfrm>
+            <a:prstGeom prst="rect">
+              <a:avLst/>
+            </a:prstGeom>
+          </p:spPr>
+        </p:pic>
+      </p:grpSp>
+      <p:grpSp>
+        <p:nvGrpSpPr>
+          <p:cNvPr id="38" name="Group 37">
+            <a:extLst>
+              <a:ext uri="{FF2B5EF4-FFF2-40B4-BE49-F238E27FC236}">
+                <a16:creationId xmlns:a16="http://schemas.microsoft.com/office/drawing/2014/main" id="{DE3AA1F6-360E-4EEC-B3FD-4C71D56E432C}"/>
+              </a:ext>
+            </a:extLst>
+          </p:cNvPr>
+          <p:cNvGrpSpPr/>
+          <p:nvPr/>
+        </p:nvGrpSpPr>
+        <p:grpSpPr>
+          <a:xfrm>
+            <a:off x="-846979" y="4300979"/>
+            <a:ext cx="841634" cy="841634"/>
+            <a:chOff x="-846979" y="4300979"/>
+            <a:chExt cx="841634" cy="841634"/>
+          </a:xfrm>
+        </p:grpSpPr>
+        <p:sp>
+          <p:nvSpPr>
+            <p:cNvPr id="17" name="Oval 16">
+              <a:extLst>
+                <a:ext uri="{FF2B5EF4-FFF2-40B4-BE49-F238E27FC236}">
+                  <a16:creationId xmlns:a16="http://schemas.microsoft.com/office/drawing/2014/main" id="{38C4EC37-B53C-4819-BC2B-B38A2A956E56}"/>
+                </a:ext>
+              </a:extLst>
+            </p:cNvPr>
+            <p:cNvSpPr/>
+            <p:nvPr/>
+          </p:nvSpPr>
+          <p:spPr>
+            <a:xfrm>
+              <a:off x="-846979" y="4300979"/>
+              <a:ext cx="841634" cy="841634"/>
+            </a:xfrm>
+            <a:prstGeom prst="ellipse">
+              <a:avLst/>
+            </a:prstGeom>
+            <a:solidFill>
+              <a:schemeClr val="bg1"/>
+            </a:solidFill>
+            <a:ln>
+              <a:noFill/>
+            </a:ln>
+          </p:spPr>
+          <p:style>
+            <a:lnRef idx="2">
+              <a:schemeClr val="accent1">
+                <a:shade val="50000"/>
+              </a:schemeClr>
+            </a:lnRef>
+            <a:fillRef idx="1">
+              <a:schemeClr val="accent1"/>
+            </a:fillRef>
+            <a:effectRef idx="0">
+              <a:schemeClr val="accent1"/>
+            </a:effectRef>
+            <a:fontRef idx="minor">
+              <a:schemeClr val="lt1"/>
+            </a:fontRef>
+          </p:style>
+          <p:txBody>
+            <a:bodyPr rtlCol="0" anchor="ctr"/>
+            <a:lstStyle/>
+            <a:p>
+              <a:pPr algn="ctr"/>
+              <a:endParaRPr lang="en-US"/>
+            </a:p>
+          </p:txBody>
+        </p:sp>
+        <p:pic>
+          <p:nvPicPr>
+            <p:cNvPr id="11" name="Graphic 10" descr="Computer">
+              <a:extLst>
+                <a:ext uri="{FF2B5EF4-FFF2-40B4-BE49-F238E27FC236}">
+                  <a16:creationId xmlns:a16="http://schemas.microsoft.com/office/drawing/2014/main" id="{6B6C33EF-D773-47C4-AE3F-2661803DD897}"/>
+                </a:ext>
+              </a:extLst>
+            </p:cNvPr>
+            <p:cNvPicPr>
+              <a:picLocks noChangeAspect="1"/>
+            </p:cNvPicPr>
+            <p:nvPr/>
+          </p:nvPicPr>
+          <p:blipFill>
+            <a:blip r:embed="rId6">
+              <a:extLst>
+                <a:ext uri="{28A0092B-C50C-407E-A947-70E740481C1C}">
+                  <a14:useLocalDpi xmlns:a14="http://schemas.microsoft.com/office/drawing/2010/main" val="0"/>
+                </a:ext>
+                <a:ext uri="{96DAC541-7B7A-43D3-8B79-37D633B846F1}">
+                  <asvg:svgBlip xmlns:asvg="http://schemas.microsoft.com/office/drawing/2016/SVG/main" r:embed="rId7"/>
+                </a:ext>
+              </a:extLst>
+            </a:blip>
+            <a:stretch>
+              <a:fillRect/>
+            </a:stretch>
+          </p:blipFill>
+          <p:spPr>
+            <a:xfrm>
+              <a:off x="-715262" y="4432700"/>
+              <a:ext cx="578191" cy="578191"/>
+            </a:xfrm>
+            <a:prstGeom prst="rect">
+              <a:avLst/>
+            </a:prstGeom>
+          </p:spPr>
+        </p:pic>
+      </p:grpSp>
+      <p:grpSp>
+        <p:nvGrpSpPr>
+          <p:cNvPr id="39" name="Group 38">
+            <a:extLst>
+              <a:ext uri="{FF2B5EF4-FFF2-40B4-BE49-F238E27FC236}">
+                <a16:creationId xmlns:a16="http://schemas.microsoft.com/office/drawing/2014/main" id="{D7C0B2F1-1405-4858-91AF-981BDBCD6D5E}"/>
+              </a:ext>
+            </a:extLst>
+          </p:cNvPr>
+          <p:cNvGrpSpPr/>
+          <p:nvPr/>
+        </p:nvGrpSpPr>
+        <p:grpSpPr>
+          <a:xfrm>
+            <a:off x="-846981" y="5584251"/>
+            <a:ext cx="841634" cy="841634"/>
+            <a:chOff x="-846981" y="5584251"/>
+            <a:chExt cx="841634" cy="841634"/>
+          </a:xfrm>
+        </p:grpSpPr>
+        <p:sp>
+          <p:nvSpPr>
+            <p:cNvPr id="18" name="Oval 17">
+              <a:extLst>
+                <a:ext uri="{FF2B5EF4-FFF2-40B4-BE49-F238E27FC236}">
+                  <a16:creationId xmlns:a16="http://schemas.microsoft.com/office/drawing/2014/main" id="{6E3E8F5A-3EA0-45E0-9D66-B3FFB8436C0C}"/>
+                </a:ext>
+              </a:extLst>
+            </p:cNvPr>
+            <p:cNvSpPr/>
+            <p:nvPr/>
+          </p:nvSpPr>
+          <p:spPr>
+            <a:xfrm>
+              <a:off x="-846981" y="5584251"/>
+              <a:ext cx="841634" cy="841634"/>
+            </a:xfrm>
+            <a:prstGeom prst="ellipse">
+              <a:avLst/>
+            </a:prstGeom>
+            <a:solidFill>
+              <a:schemeClr val="bg1"/>
+            </a:solidFill>
+            <a:ln>
+              <a:noFill/>
+            </a:ln>
+          </p:spPr>
+          <p:style>
+            <a:lnRef idx="2">
+              <a:schemeClr val="accent1">
+                <a:shade val="50000"/>
+              </a:schemeClr>
+            </a:lnRef>
+            <a:fillRef idx="1">
+              <a:schemeClr val="accent1"/>
+            </a:fillRef>
+            <a:effectRef idx="0">
+              <a:schemeClr val="accent1"/>
+            </a:effectRef>
+            <a:fontRef idx="minor">
+              <a:schemeClr val="lt1"/>
+            </a:fontRef>
+          </p:style>
+          <p:txBody>
+            <a:bodyPr rtlCol="0" anchor="ctr"/>
+            <a:lstStyle/>
+            <a:p>
+              <a:pPr algn="ctr"/>
+              <a:endParaRPr lang="en-US"/>
+            </a:p>
+          </p:txBody>
+        </p:sp>
+        <p:pic>
+          <p:nvPicPr>
+            <p:cNvPr id="13" name="Graphic 12" descr="Web design">
+              <a:extLst>
+                <a:ext uri="{FF2B5EF4-FFF2-40B4-BE49-F238E27FC236}">
+                  <a16:creationId xmlns:a16="http://schemas.microsoft.com/office/drawing/2014/main" id="{8FE17080-1339-4DB2-ACCB-005A766D1A19}"/>
+                </a:ext>
+              </a:extLst>
+            </p:cNvPr>
+            <p:cNvPicPr>
+              <a:picLocks noChangeAspect="1"/>
+            </p:cNvPicPr>
+            <p:nvPr/>
+          </p:nvPicPr>
+          <p:blipFill>
+            <a:blip r:embed="rId8">
+              <a:extLst>
+                <a:ext uri="{28A0092B-C50C-407E-A947-70E740481C1C}">
+                  <a14:useLocalDpi xmlns:a14="http://schemas.microsoft.com/office/drawing/2010/main" val="0"/>
+                </a:ext>
+                <a:ext uri="{96DAC541-7B7A-43D3-8B79-37D633B846F1}">
+                  <asvg:svgBlip xmlns:asvg="http://schemas.microsoft.com/office/drawing/2016/SVG/main" r:embed="rId9"/>
+                </a:ext>
+              </a:extLst>
+            </a:blip>
+            <a:stretch>
+              <a:fillRect/>
+            </a:stretch>
+          </p:blipFill>
+          <p:spPr>
+            <a:xfrm>
+              <a:off x="-715257" y="5715972"/>
+              <a:ext cx="578191" cy="578191"/>
+            </a:xfrm>
+            <a:prstGeom prst="rect">
+              <a:avLst/>
+            </a:prstGeom>
+          </p:spPr>
+        </p:pic>
+      </p:grpSp>
+      <p:grpSp>
+        <p:nvGrpSpPr>
+          <p:cNvPr id="35" name="Group 34">
+            <a:extLst>
+              <a:ext uri="{FF2B5EF4-FFF2-40B4-BE49-F238E27FC236}">
+                <a16:creationId xmlns:a16="http://schemas.microsoft.com/office/drawing/2014/main" id="{38842EEC-6498-43B0-B9D2-3614F8AF0196}"/>
+              </a:ext>
+            </a:extLst>
+          </p:cNvPr>
+          <p:cNvGrpSpPr/>
+          <p:nvPr/>
+        </p:nvGrpSpPr>
+        <p:grpSpPr>
+          <a:xfrm>
+            <a:off x="977476" y="3008183"/>
+            <a:ext cx="841634" cy="841634"/>
+            <a:chOff x="5675183" y="3005477"/>
+            <a:chExt cx="841634" cy="841634"/>
+          </a:xfrm>
+        </p:grpSpPr>
+        <p:sp>
+          <p:nvSpPr>
+            <p:cNvPr id="16" name="Oval 15">
+              <a:extLst>
+                <a:ext uri="{FF2B5EF4-FFF2-40B4-BE49-F238E27FC236}">
+                  <a16:creationId xmlns:a16="http://schemas.microsoft.com/office/drawing/2014/main" id="{39D53D5C-6B02-4F1C-B8D1-F8FCB9D3DEFE}"/>
+                </a:ext>
+              </a:extLst>
+            </p:cNvPr>
+            <p:cNvSpPr/>
+            <p:nvPr/>
+          </p:nvSpPr>
+          <p:spPr>
+            <a:xfrm>
+              <a:off x="5675183" y="3005477"/>
+              <a:ext cx="841634" cy="841634"/>
+            </a:xfrm>
+            <a:prstGeom prst="ellipse">
+              <a:avLst/>
+            </a:prstGeom>
+            <a:solidFill>
+              <a:srgbClr val="FFFFFF"/>
+            </a:solidFill>
+            <a:ln>
+              <a:noFill/>
+            </a:ln>
+          </p:spPr>
+          <p:style>
+            <a:lnRef idx="2">
+              <a:schemeClr val="accent1">
+                <a:shade val="50000"/>
+              </a:schemeClr>
+            </a:lnRef>
+            <a:fillRef idx="1">
+              <a:schemeClr val="accent1"/>
+            </a:fillRef>
+            <a:effectRef idx="0">
+              <a:schemeClr val="accent1"/>
+            </a:effectRef>
+            <a:fontRef idx="minor">
+              <a:schemeClr val="lt1"/>
+            </a:fontRef>
+          </p:style>
+          <p:txBody>
+            <a:bodyPr rtlCol="0" anchor="ctr"/>
+            <a:lstStyle/>
+            <a:p>
+              <a:pPr algn="ctr"/>
+              <a:endParaRPr lang="en-US"/>
+            </a:p>
+          </p:txBody>
+        </p:sp>
+        <p:pic>
+          <p:nvPicPr>
+            <p:cNvPr id="8" name="Graphic 7" descr="Smart Phone">
+              <a:extLst>
+                <a:ext uri="{FF2B5EF4-FFF2-40B4-BE49-F238E27FC236}">
+                  <a16:creationId xmlns:a16="http://schemas.microsoft.com/office/drawing/2014/main" id="{1C4095AF-E6FF-48FC-841D-C748E6BA7CF8}"/>
+                </a:ext>
+              </a:extLst>
+            </p:cNvPr>
+            <p:cNvPicPr>
+              <a:picLocks noChangeAspect="1"/>
+            </p:cNvPicPr>
+            <p:nvPr/>
+          </p:nvPicPr>
+          <p:blipFill>
+            <a:blip r:embed="rId10">
+              <a:extLst>
+                <a:ext uri="{28A0092B-C50C-407E-A947-70E740481C1C}">
+                  <a14:useLocalDpi xmlns:a14="http://schemas.microsoft.com/office/drawing/2010/main" val="0"/>
+                </a:ext>
+                <a:ext uri="{96DAC541-7B7A-43D3-8B79-37D633B846F1}">
+                  <asvg:svgBlip xmlns:asvg="http://schemas.microsoft.com/office/drawing/2016/SVG/main" r:embed="rId11"/>
+                </a:ext>
+              </a:extLst>
+            </a:blip>
+            <a:stretch>
+              <a:fillRect/>
+            </a:stretch>
+          </p:blipFill>
+          <p:spPr>
+            <a:xfrm flipV="1">
+              <a:off x="5806902" y="3137198"/>
+              <a:ext cx="578191" cy="578191"/>
+            </a:xfrm>
+            <a:prstGeom prst="rect">
+              <a:avLst/>
+            </a:prstGeom>
+          </p:spPr>
+        </p:pic>
+      </p:grpSp>
+      <p:sp>
+        <p:nvSpPr>
+          <p:cNvPr id="34" name="Freeform: Shape 33">
+            <a:extLst>
+              <a:ext uri="{FF2B5EF4-FFF2-40B4-BE49-F238E27FC236}">
+                <a16:creationId xmlns:a16="http://schemas.microsoft.com/office/drawing/2014/main" id="{3F7DEFED-D3CD-4A7D-ADD0-342A35BB1D92}"/>
+              </a:ext>
+            </a:extLst>
+          </p:cNvPr>
+          <p:cNvSpPr/>
+          <p:nvPr/>
+        </p:nvSpPr>
+        <p:spPr>
+          <a:xfrm rot="10800000">
+            <a:off x="1739" y="-13891187"/>
+            <a:ext cx="1449238" cy="23553174"/>
+          </a:xfrm>
+          <a:custGeom>
+            <a:avLst/>
+            <a:gdLst>
+              <a:gd name="connsiteX0" fmla="*/ 0 w 1449238"/>
+              <a:gd name="connsiteY0" fmla="*/ 23553174 h 23553174"/>
+              <a:gd name="connsiteX1" fmla="*/ 0 w 1449238"/>
+              <a:gd name="connsiteY1" fmla="*/ 7057620 h 23553174"/>
+              <a:gd name="connsiteX2" fmla="*/ 828826 w 1449238"/>
+              <a:gd name="connsiteY2" fmla="*/ 6213536 h 23553174"/>
+              <a:gd name="connsiteX3" fmla="*/ 0 w 1449238"/>
+              <a:gd name="connsiteY3" fmla="*/ 5369453 h 23553174"/>
+              <a:gd name="connsiteX4" fmla="*/ 0 w 1449238"/>
+              <a:gd name="connsiteY4" fmla="*/ 0 h 23553174"/>
+              <a:gd name="connsiteX5" fmla="*/ 1449238 w 1449238"/>
+              <a:gd name="connsiteY5" fmla="*/ 0 h 23553174"/>
+              <a:gd name="connsiteX6" fmla="*/ 1449238 w 1449238"/>
+              <a:gd name="connsiteY6" fmla="*/ 23553174 h 23553174"/>
+              <a:gd name="connsiteX0" fmla="*/ 0 w 1449238"/>
+              <a:gd name="connsiteY0" fmla="*/ 23553174 h 23553174"/>
+              <a:gd name="connsiteX1" fmla="*/ 0 w 1449238"/>
+              <a:gd name="connsiteY1" fmla="*/ 7057620 h 23553174"/>
+              <a:gd name="connsiteX2" fmla="*/ 828826 w 1449238"/>
+              <a:gd name="connsiteY2" fmla="*/ 6213536 h 23553174"/>
+              <a:gd name="connsiteX3" fmla="*/ 0 w 1449238"/>
+              <a:gd name="connsiteY3" fmla="*/ 5369453 h 23553174"/>
+              <a:gd name="connsiteX4" fmla="*/ 0 w 1449238"/>
+              <a:gd name="connsiteY4" fmla="*/ 0 h 23553174"/>
+              <a:gd name="connsiteX5" fmla="*/ 1449238 w 1449238"/>
+              <a:gd name="connsiteY5" fmla="*/ 0 h 23553174"/>
+              <a:gd name="connsiteX6" fmla="*/ 1449238 w 1449238"/>
+              <a:gd name="connsiteY6" fmla="*/ 23553174 h 23553174"/>
+              <a:gd name="connsiteX7" fmla="*/ 0 w 1449238"/>
+              <a:gd name="connsiteY7" fmla="*/ 23553174 h 23553174"/>
+              <a:gd name="connsiteX0" fmla="*/ 0 w 1449238"/>
+              <a:gd name="connsiteY0" fmla="*/ 23553174 h 23553174"/>
+              <a:gd name="connsiteX1" fmla="*/ 0 w 1449238"/>
+              <a:gd name="connsiteY1" fmla="*/ 7057620 h 23553174"/>
+              <a:gd name="connsiteX2" fmla="*/ 828826 w 1449238"/>
+              <a:gd name="connsiteY2" fmla="*/ 6213536 h 23553174"/>
+              <a:gd name="connsiteX3" fmla="*/ 0 w 1449238"/>
+              <a:gd name="connsiteY3" fmla="*/ 5369453 h 23553174"/>
+              <a:gd name="connsiteX4" fmla="*/ 0 w 1449238"/>
+              <a:gd name="connsiteY4" fmla="*/ 0 h 23553174"/>
+              <a:gd name="connsiteX5" fmla="*/ 1449238 w 1449238"/>
+              <a:gd name="connsiteY5" fmla="*/ 0 h 23553174"/>
+              <a:gd name="connsiteX6" fmla="*/ 1449238 w 1449238"/>
+              <a:gd name="connsiteY6" fmla="*/ 23553174 h 23553174"/>
+              <a:gd name="connsiteX7" fmla="*/ 0 w 1449238"/>
+              <a:gd name="connsiteY7" fmla="*/ 23553174 h 23553174"/>
+              <a:gd name="connsiteX0" fmla="*/ 0 w 1449238"/>
+              <a:gd name="connsiteY0" fmla="*/ 23553174 h 23553174"/>
+              <a:gd name="connsiteX1" fmla="*/ 0 w 1449238"/>
+              <a:gd name="connsiteY1" fmla="*/ 7057620 h 23553174"/>
+              <a:gd name="connsiteX2" fmla="*/ 828826 w 1449238"/>
+              <a:gd name="connsiteY2" fmla="*/ 6213536 h 23553174"/>
+              <a:gd name="connsiteX3" fmla="*/ 0 w 1449238"/>
+              <a:gd name="connsiteY3" fmla="*/ 5369453 h 23553174"/>
+              <a:gd name="connsiteX4" fmla="*/ 0 w 1449238"/>
+              <a:gd name="connsiteY4" fmla="*/ 0 h 23553174"/>
+              <a:gd name="connsiteX5" fmla="*/ 1449238 w 1449238"/>
+              <a:gd name="connsiteY5" fmla="*/ 0 h 23553174"/>
+              <a:gd name="connsiteX6" fmla="*/ 1449238 w 1449238"/>
+              <a:gd name="connsiteY6" fmla="*/ 23553174 h 23553174"/>
+              <a:gd name="connsiteX7" fmla="*/ 0 w 1449238"/>
+              <a:gd name="connsiteY7" fmla="*/ 23553174 h 23553174"/>
+              <a:gd name="connsiteX0" fmla="*/ 0 w 1449238"/>
+              <a:gd name="connsiteY0" fmla="*/ 23553174 h 23553174"/>
+              <a:gd name="connsiteX1" fmla="*/ 0 w 1449238"/>
+              <a:gd name="connsiteY1" fmla="*/ 7057620 h 23553174"/>
+              <a:gd name="connsiteX2" fmla="*/ 828826 w 1449238"/>
+              <a:gd name="connsiteY2" fmla="*/ 6213536 h 23553174"/>
+              <a:gd name="connsiteX3" fmla="*/ 0 w 1449238"/>
+              <a:gd name="connsiteY3" fmla="*/ 5369453 h 23553174"/>
+              <a:gd name="connsiteX4" fmla="*/ 0 w 1449238"/>
+              <a:gd name="connsiteY4" fmla="*/ 0 h 23553174"/>
+              <a:gd name="connsiteX5" fmla="*/ 1449238 w 1449238"/>
+              <a:gd name="connsiteY5" fmla="*/ 0 h 23553174"/>
+              <a:gd name="connsiteX6" fmla="*/ 1449238 w 1449238"/>
+              <a:gd name="connsiteY6" fmla="*/ 23553174 h 23553174"/>
+              <a:gd name="connsiteX7" fmla="*/ 0 w 1449238"/>
+              <a:gd name="connsiteY7" fmla="*/ 23553174 h 23553174"/>
+              <a:gd name="connsiteX0" fmla="*/ 0 w 1449238"/>
+              <a:gd name="connsiteY0" fmla="*/ 23553174 h 23553174"/>
+              <a:gd name="connsiteX1" fmla="*/ 0 w 1449238"/>
+              <a:gd name="connsiteY1" fmla="*/ 7057620 h 23553174"/>
+              <a:gd name="connsiteX2" fmla="*/ 581176 w 1449238"/>
+              <a:gd name="connsiteY2" fmla="*/ 6213536 h 23553174"/>
+              <a:gd name="connsiteX3" fmla="*/ 0 w 1449238"/>
+              <a:gd name="connsiteY3" fmla="*/ 5369453 h 23553174"/>
+              <a:gd name="connsiteX4" fmla="*/ 0 w 1449238"/>
+              <a:gd name="connsiteY4" fmla="*/ 0 h 23553174"/>
+              <a:gd name="connsiteX5" fmla="*/ 1449238 w 1449238"/>
+              <a:gd name="connsiteY5" fmla="*/ 0 h 23553174"/>
+              <a:gd name="connsiteX6" fmla="*/ 1449238 w 1449238"/>
+              <a:gd name="connsiteY6" fmla="*/ 23553174 h 23553174"/>
+              <a:gd name="connsiteX7" fmla="*/ 0 w 1449238"/>
+              <a:gd name="connsiteY7" fmla="*/ 23553174 h 23553174"/>
+              <a:gd name="connsiteX0" fmla="*/ 0 w 1449238"/>
+              <a:gd name="connsiteY0" fmla="*/ 23553174 h 23553174"/>
+              <a:gd name="connsiteX1" fmla="*/ 0 w 1449238"/>
+              <a:gd name="connsiteY1" fmla="*/ 7057620 h 23553174"/>
+              <a:gd name="connsiteX2" fmla="*/ 564507 w 1449238"/>
+              <a:gd name="connsiteY2" fmla="*/ 6215918 h 23553174"/>
+              <a:gd name="connsiteX3" fmla="*/ 0 w 1449238"/>
+              <a:gd name="connsiteY3" fmla="*/ 5369453 h 23553174"/>
+              <a:gd name="connsiteX4" fmla="*/ 0 w 1449238"/>
+              <a:gd name="connsiteY4" fmla="*/ 0 h 23553174"/>
+              <a:gd name="connsiteX5" fmla="*/ 1449238 w 1449238"/>
+              <a:gd name="connsiteY5" fmla="*/ 0 h 23553174"/>
+              <a:gd name="connsiteX6" fmla="*/ 1449238 w 1449238"/>
+              <a:gd name="connsiteY6" fmla="*/ 23553174 h 23553174"/>
+              <a:gd name="connsiteX7" fmla="*/ 0 w 1449238"/>
+              <a:gd name="connsiteY7" fmla="*/ 23553174 h 23553174"/>
+            </a:gdLst>
+            <a:ahLst/>
+            <a:cxnLst>
+              <a:cxn ang="0">
+                <a:pos x="connsiteX0" y="connsiteY0"/>
+              </a:cxn>
+              <a:cxn ang="0">
+                <a:pos x="connsiteX1" y="connsiteY1"/>
+              </a:cxn>
+              <a:cxn ang="0">
+                <a:pos x="connsiteX2" y="connsiteY2"/>
+              </a:cxn>
+              <a:cxn ang="0">
+                <a:pos x="connsiteX3" y="connsiteY3"/>
+              </a:cxn>
+              <a:cxn ang="0">
+                <a:pos x="connsiteX4" y="connsiteY4"/>
+              </a:cxn>
+              <a:cxn ang="0">
+                <a:pos x="connsiteX5" y="connsiteY5"/>
+              </a:cxn>
+              <a:cxn ang="0">
+                <a:pos x="connsiteX6" y="connsiteY6"/>
+              </a:cxn>
+              <a:cxn ang="0">
+                <a:pos x="connsiteX7" y="connsiteY7"/>
+              </a:cxn>
+            </a:cxnLst>
+            <a:rect l="l" t="t" r="r" b="b"/>
+            <a:pathLst>
+              <a:path w="1449238" h="23553174">
+                <a:moveTo>
+                  <a:pt x="0" y="23553174"/>
+                </a:moveTo>
+                <a:lnTo>
+                  <a:pt x="0" y="7057620"/>
+                </a:lnTo>
+                <a:cubicBezTo>
+                  <a:pt x="4812" y="6633384"/>
+                  <a:pt x="564557" y="6719529"/>
+                  <a:pt x="564507" y="6215918"/>
+                </a:cubicBezTo>
+                <a:cubicBezTo>
+                  <a:pt x="564457" y="5712307"/>
+                  <a:pt x="2431" y="5798452"/>
+                  <a:pt x="0" y="5369453"/>
+                </a:cubicBezTo>
+                <a:lnTo>
+                  <a:pt x="0" y="0"/>
+                </a:lnTo>
+                <a:lnTo>
+                  <a:pt x="1449238" y="0"/>
+                </a:lnTo>
+                <a:lnTo>
+                  <a:pt x="1449238" y="23553174"/>
+                </a:lnTo>
+                <a:lnTo>
+                  <a:pt x="0" y="23553174"/>
+                </a:lnTo>
+                <a:close/>
+              </a:path>
+            </a:pathLst>
+          </a:custGeom>
+          <a:solidFill>
+            <a:schemeClr val="bg1"/>
+          </a:solidFill>
+          <a:ln>
+            <a:noFill/>
+          </a:ln>
+        </p:spPr>
+        <p:style>
+          <a:lnRef idx="2">
+            <a:schemeClr val="accent1">
+              <a:shade val="50000"/>
+            </a:schemeClr>
+          </a:lnRef>
+          <a:fillRef idx="1">
+            <a:schemeClr val="accent1"/>
+          </a:fillRef>
+          <a:effectRef idx="0">
+            <a:schemeClr val="accent1"/>
+          </a:effectRef>
+          <a:fontRef idx="minor">
+            <a:schemeClr val="lt1"/>
+          </a:fontRef>
+        </p:style>
+        <p:txBody>
+          <a:bodyPr wrap="square" rtlCol="0" anchor="ctr">
+            <a:noAutofit/>
+          </a:bodyPr>
+          <a:lstStyle/>
+          <a:p>
+            <a:pPr algn="ctr"/>
+            <a:endParaRPr lang="en-US"/>
+          </a:p>
+        </p:txBody>
+      </p:sp>
+      <p:pic>
+        <p:nvPicPr>
+          <p:cNvPr id="26" name="Graphic 25" descr="Group of men">
+            <a:hlinkClick r:id="rId12" action="ppaction://hlinksldjump"/>
+            <a:extLst>
+              <a:ext uri="{FF2B5EF4-FFF2-40B4-BE49-F238E27FC236}">
+                <a16:creationId xmlns:a16="http://schemas.microsoft.com/office/drawing/2014/main" id="{0DF6171F-B8EB-4A02-BEC1-11F494787612}"/>
+              </a:ext>
+            </a:extLst>
+          </p:cNvPr>
+          <p:cNvPicPr>
+            <a:picLocks noChangeAspect="1"/>
+          </p:cNvPicPr>
+          <p:nvPr/>
+        </p:nvPicPr>
+        <p:blipFill>
+          <a:blip r:embed="rId13">
+            <a:extLst>
+              <a:ext uri="{28A0092B-C50C-407E-A947-70E740481C1C}">
+                <a14:useLocalDpi xmlns:a14="http://schemas.microsoft.com/office/drawing/2010/main" val="0"/>
+              </a:ext>
+              <a:ext uri="{96DAC541-7B7A-43D3-8B79-37D633B846F1}">
+                <asvg:svgBlip xmlns:asvg="http://schemas.microsoft.com/office/drawing/2016/SVG/main" r:embed="rId14"/>
+              </a:ext>
+            </a:extLst>
+          </a:blip>
+          <a:stretch>
+            <a:fillRect/>
+          </a:stretch>
+        </p:blipFill>
+        <p:spPr>
+          <a:xfrm>
+            <a:off x="437264" y="582884"/>
+            <a:ext cx="578191" cy="578191"/>
+          </a:xfrm>
+          <a:prstGeom prst="rect">
+            <a:avLst/>
+          </a:prstGeom>
+        </p:spPr>
+      </p:pic>
+      <p:pic>
+        <p:nvPicPr>
+          <p:cNvPr id="27" name="Graphic 26" descr="Server">
+            <a:hlinkClick r:id="rId15" action="ppaction://hlinksldjump"/>
+            <a:extLst>
+              <a:ext uri="{FF2B5EF4-FFF2-40B4-BE49-F238E27FC236}">
+                <a16:creationId xmlns:a16="http://schemas.microsoft.com/office/drawing/2014/main" id="{4E053273-7409-4C0E-8B8B-5297C7215B99}"/>
+              </a:ext>
+            </a:extLst>
+          </p:cNvPr>
+          <p:cNvPicPr>
+            <a:picLocks noChangeAspect="1"/>
+          </p:cNvPicPr>
+          <p:nvPr/>
+        </p:nvPicPr>
+        <p:blipFill>
+          <a:blip r:embed="rId16">
+            <a:extLst>
+              <a:ext uri="{28A0092B-C50C-407E-A947-70E740481C1C}">
+                <a14:useLocalDpi xmlns:a14="http://schemas.microsoft.com/office/drawing/2010/main" val="0"/>
+              </a:ext>
+              <a:ext uri="{96DAC541-7B7A-43D3-8B79-37D633B846F1}">
+                <asvg:svgBlip xmlns:asvg="http://schemas.microsoft.com/office/drawing/2016/SVG/main" r:embed="rId17"/>
+              </a:ext>
+            </a:extLst>
+          </a:blip>
+          <a:stretch>
+            <a:fillRect/>
+          </a:stretch>
+        </p:blipFill>
+        <p:spPr>
+          <a:xfrm>
+            <a:off x="437264" y="1875053"/>
+            <a:ext cx="578191" cy="578191"/>
+          </a:xfrm>
+          <a:prstGeom prst="rect">
+            <a:avLst/>
+          </a:prstGeom>
+        </p:spPr>
+      </p:pic>
+      <p:pic>
+        <p:nvPicPr>
+          <p:cNvPr id="28" name="Graphic 27" descr="Smart Phone">
+            <a:hlinkClick r:id="rId18" action="ppaction://hlinksldjump"/>
+            <a:extLst>
+              <a:ext uri="{FF2B5EF4-FFF2-40B4-BE49-F238E27FC236}">
+                <a16:creationId xmlns:a16="http://schemas.microsoft.com/office/drawing/2014/main" id="{93918246-389F-4622-ABBA-08CFFB8F5337}"/>
+              </a:ext>
+            </a:extLst>
+          </p:cNvPr>
+          <p:cNvPicPr>
+            <a:picLocks noChangeAspect="1"/>
+          </p:cNvPicPr>
+          <p:nvPr/>
+        </p:nvPicPr>
+        <p:blipFill>
+          <a:blip r:embed="rId19">
+            <a:extLst>
+              <a:ext uri="{28A0092B-C50C-407E-A947-70E740481C1C}">
+                <a14:useLocalDpi xmlns:a14="http://schemas.microsoft.com/office/drawing/2010/main" val="0"/>
+              </a:ext>
+              <a:ext uri="{96DAC541-7B7A-43D3-8B79-37D633B846F1}">
+                <asvg:svgBlip xmlns:asvg="http://schemas.microsoft.com/office/drawing/2016/SVG/main" r:embed="rId20"/>
+              </a:ext>
+            </a:extLst>
+          </a:blip>
+          <a:stretch>
+            <a:fillRect/>
+          </a:stretch>
+        </p:blipFill>
+        <p:spPr>
+          <a:xfrm flipV="1">
+            <a:off x="437265" y="3149428"/>
+            <a:ext cx="578191" cy="578191"/>
+          </a:xfrm>
+          <a:prstGeom prst="rect">
+            <a:avLst/>
+          </a:prstGeom>
+        </p:spPr>
+      </p:pic>
+      <p:pic>
+        <p:nvPicPr>
+          <p:cNvPr id="29" name="Graphic 28" descr="Computer">
+            <a:hlinkClick r:id="rId21" action="ppaction://hlinksldjump"/>
+            <a:extLst>
+              <a:ext uri="{FF2B5EF4-FFF2-40B4-BE49-F238E27FC236}">
+                <a16:creationId xmlns:a16="http://schemas.microsoft.com/office/drawing/2014/main" id="{110E613D-8DD5-4FE6-A6AC-92399833BEEA}"/>
+              </a:ext>
+            </a:extLst>
+          </p:cNvPr>
+          <p:cNvPicPr>
+            <a:picLocks noChangeAspect="1"/>
+          </p:cNvPicPr>
+          <p:nvPr/>
+        </p:nvPicPr>
+        <p:blipFill>
+          <a:blip r:embed="rId22">
+            <a:extLst>
+              <a:ext uri="{28A0092B-C50C-407E-A947-70E740481C1C}">
+                <a14:useLocalDpi xmlns:a14="http://schemas.microsoft.com/office/drawing/2010/main" val="0"/>
+              </a:ext>
+              <a:ext uri="{96DAC541-7B7A-43D3-8B79-37D633B846F1}">
+                <asvg:svgBlip xmlns:asvg="http://schemas.microsoft.com/office/drawing/2016/SVG/main" r:embed="rId23"/>
+              </a:ext>
+            </a:extLst>
+          </a:blip>
+          <a:stretch>
+            <a:fillRect/>
+          </a:stretch>
+        </p:blipFill>
+        <p:spPr>
+          <a:xfrm>
+            <a:off x="437263" y="4432700"/>
+            <a:ext cx="578191" cy="578191"/>
+          </a:xfrm>
+          <a:prstGeom prst="rect">
+            <a:avLst/>
+          </a:prstGeom>
+        </p:spPr>
+      </p:pic>
+      <p:pic>
+        <p:nvPicPr>
+          <p:cNvPr id="30" name="Graphic 29" descr="Web design">
+            <a:hlinkClick r:id="rId24" action="ppaction://hlinksldjump"/>
+            <a:extLst>
+              <a:ext uri="{FF2B5EF4-FFF2-40B4-BE49-F238E27FC236}">
+                <a16:creationId xmlns:a16="http://schemas.microsoft.com/office/drawing/2014/main" id="{CBC1988C-A01D-4365-8AD9-237B98BD211A}"/>
+              </a:ext>
+            </a:extLst>
+          </p:cNvPr>
+          <p:cNvPicPr>
+            <a:picLocks noChangeAspect="1"/>
+          </p:cNvPicPr>
+          <p:nvPr/>
+        </p:nvPicPr>
+        <p:blipFill>
+          <a:blip r:embed="rId25">
+            <a:extLst>
+              <a:ext uri="{28A0092B-C50C-407E-A947-70E740481C1C}">
+                <a14:useLocalDpi xmlns:a14="http://schemas.microsoft.com/office/drawing/2010/main" val="0"/>
+              </a:ext>
+              <a:ext uri="{96DAC541-7B7A-43D3-8B79-37D633B846F1}">
+                <asvg:svgBlip xmlns:asvg="http://schemas.microsoft.com/office/drawing/2016/SVG/main" r:embed="rId26"/>
+              </a:ext>
+            </a:extLst>
+          </a:blip>
+          <a:stretch>
+            <a:fillRect/>
+          </a:stretch>
+        </p:blipFill>
+        <p:spPr>
+          <a:xfrm>
+            <a:off x="437268" y="5715972"/>
+            <a:ext cx="578191" cy="578191"/>
+          </a:xfrm>
+          <a:prstGeom prst="rect">
+            <a:avLst/>
+          </a:prstGeom>
+        </p:spPr>
+      </p:pic>
+      <p:sp>
+        <p:nvSpPr>
+          <p:cNvPr id="23" name="TextBox 22">
+            <a:extLst>
+              <a:ext uri="{FF2B5EF4-FFF2-40B4-BE49-F238E27FC236}">
+                <a16:creationId xmlns:a16="http://schemas.microsoft.com/office/drawing/2014/main" id="{208BFFEB-B5E4-4129-86C7-1E07B8F10215}"/>
+              </a:ext>
+            </a:extLst>
+          </p:cNvPr>
+          <p:cNvSpPr txBox="1"/>
+          <p:nvPr/>
+        </p:nvSpPr>
+        <p:spPr>
+          <a:xfrm>
+            <a:off x="2900217" y="582884"/>
+            <a:ext cx="7914968" cy="1015663"/>
+          </a:xfrm>
+          <a:prstGeom prst="rect">
+            <a:avLst/>
+          </a:prstGeom>
+          <a:noFill/>
+        </p:spPr>
+        <p:txBody>
+          <a:bodyPr wrap="square" rtlCol="0">
+            <a:spAutoFit/>
+          </a:bodyPr>
+          <a:lstStyle/>
+          <a:p>
+            <a:r>
+              <a:rPr lang="en-GB" sz="6000" dirty="0" err="1">
+                <a:solidFill>
+                  <a:schemeClr val="bg1"/>
+                </a:solidFill>
+              </a:rPr>
+              <a:t>Kezdeti</a:t>
+            </a:r>
+            <a:r>
+              <a:rPr lang="en-GB" sz="6000" dirty="0">
+                <a:solidFill>
+                  <a:schemeClr val="bg1"/>
+                </a:solidFill>
+              </a:rPr>
+              <a:t> </a:t>
+            </a:r>
+            <a:r>
+              <a:rPr lang="en-GB" sz="6000" dirty="0" err="1">
+                <a:solidFill>
+                  <a:schemeClr val="bg1"/>
+                </a:solidFill>
+              </a:rPr>
+              <a:t>terv</a:t>
+            </a:r>
+            <a:endParaRPr lang="en-US" sz="6000" dirty="0">
+              <a:solidFill>
+                <a:schemeClr val="bg1"/>
+              </a:solidFill>
+            </a:endParaRPr>
+          </a:p>
+        </p:txBody>
+      </p:sp>
+      <p:sp>
+        <p:nvSpPr>
+          <p:cNvPr id="24" name="TextBox 23">
+            <a:extLst>
+              <a:ext uri="{FF2B5EF4-FFF2-40B4-BE49-F238E27FC236}">
+                <a16:creationId xmlns:a16="http://schemas.microsoft.com/office/drawing/2014/main" id="{E7BA8A0E-D55F-48CB-A045-2DB9EBCD5BCE}"/>
+              </a:ext>
+            </a:extLst>
+          </p:cNvPr>
+          <p:cNvSpPr txBox="1"/>
+          <p:nvPr/>
+        </p:nvSpPr>
+        <p:spPr>
+          <a:xfrm>
+            <a:off x="2900218" y="2238194"/>
+            <a:ext cx="7914968" cy="1318181"/>
+          </a:xfrm>
+          <a:prstGeom prst="rect">
+            <a:avLst/>
+          </a:prstGeom>
+          <a:noFill/>
+        </p:spPr>
+        <p:txBody>
+          <a:bodyPr wrap="square" rtlCol="0">
+            <a:spAutoFit/>
+          </a:bodyPr>
+          <a:lstStyle/>
+          <a:p>
+            <a:pPr marL="285750" indent="-285750">
+              <a:lnSpc>
+                <a:spcPct val="150000"/>
+              </a:lnSpc>
+              <a:buFont typeface="Arial" panose="020B0604020202020204" pitchFamily="34" charset="0"/>
+              <a:buChar char="•"/>
+            </a:pPr>
+            <a:r>
+              <a:rPr lang="en-GB" sz="2800" dirty="0" err="1">
+                <a:solidFill>
+                  <a:schemeClr val="bg1"/>
+                </a:solidFill>
+              </a:rPr>
+              <a:t>Funkciók</a:t>
+            </a:r>
+            <a:endParaRPr lang="en-GB" sz="2800" dirty="0">
+              <a:solidFill>
+                <a:schemeClr val="bg1"/>
+              </a:solidFill>
+            </a:endParaRPr>
+          </a:p>
+          <a:p>
+            <a:pPr marL="285750" indent="-285750">
+              <a:lnSpc>
+                <a:spcPct val="150000"/>
+              </a:lnSpc>
+              <a:buFont typeface="Arial" panose="020B0604020202020204" pitchFamily="34" charset="0"/>
+              <a:buChar char="•"/>
+            </a:pPr>
+            <a:r>
+              <a:rPr lang="en-GB" sz="2800" dirty="0" err="1">
+                <a:solidFill>
+                  <a:schemeClr val="bg1"/>
+                </a:solidFill>
+              </a:rPr>
+              <a:t>Kezdeti</a:t>
+            </a:r>
+            <a:r>
+              <a:rPr lang="en-GB" sz="2800" dirty="0">
+                <a:solidFill>
+                  <a:schemeClr val="bg1"/>
+                </a:solidFill>
+              </a:rPr>
+              <a:t> design</a:t>
+            </a:r>
+          </a:p>
+        </p:txBody>
+      </p:sp>
+    </p:spTree>
+    <p:extLst>
+      <p:ext uri="{BB962C8B-B14F-4D97-AF65-F5344CB8AC3E}">
+        <p14:creationId xmlns:p14="http://schemas.microsoft.com/office/powerpoint/2010/main" val="890463519"/>
+      </p:ext>
+    </p:extLst>
+  </p:cSld>
+  <p:clrMapOvr>
+    <a:masterClrMapping/>
+  </p:clrMapOvr>
+  <mc:AlternateContent xmlns:mc="http://schemas.openxmlformats.org/markup-compatibility/2006">
+    <mc:Choice xmlns:p159="http://schemas.microsoft.com/office/powerpoint/2015/09/main" Requires="p159">
+      <p:transition spd="med">
+        <p159:morph option="byObject"/>
+      </p:transition>
+    </mc:Choice>
+    <mc:Fallback>
+      <p:transition spd="med">
+        <p:fade/>
+      </p:transition>
+    </mc:Fallback>
+  </mc:AlternateContent>
+</p:sld>
+</file>
+
+<file path=ppt/slides/slide15.xml><?xml version="1.0" encoding="utf-8"?>
+<p:sld xmlns:a="http://schemas.openxmlformats.org/drawingml/2006/main" xmlns:r="http://schemas.openxmlformats.org/officeDocument/2006/relationships" xmlns:p="http://schemas.openxmlformats.org/presentationml/2006/main">
+  <p:cSld>
+    <p:bg>
+      <p:bgPr>
+        <a:solidFill>
+          <a:srgbClr val="F45B69"/>
+        </a:solidFill>
+        <a:effectLst/>
+      </p:bgPr>
+    </p:bg>
+    <p:spTree>
+      <p:nvGrpSpPr>
+        <p:cNvPr id="1" name=""/>
+        <p:cNvGrpSpPr/>
+        <p:nvPr/>
+      </p:nvGrpSpPr>
+      <p:grpSpPr>
+        <a:xfrm>
+          <a:off x="0" y="0"/>
+          <a:ext cx="0" cy="0"/>
+          <a:chOff x="0" y="0"/>
+          <a:chExt cx="0" cy="0"/>
+        </a:xfrm>
+      </p:grpSpPr>
+      <p:grpSp>
+        <p:nvGrpSpPr>
+          <p:cNvPr id="36" name="Group 35">
+            <a:extLst>
+              <a:ext uri="{FF2B5EF4-FFF2-40B4-BE49-F238E27FC236}">
+                <a16:creationId xmlns:a16="http://schemas.microsoft.com/office/drawing/2014/main" id="{AA937E01-0046-42F5-A196-6F8F516762BF}"/>
+              </a:ext>
+            </a:extLst>
+          </p:cNvPr>
+          <p:cNvGrpSpPr/>
+          <p:nvPr/>
+        </p:nvGrpSpPr>
+        <p:grpSpPr>
+          <a:xfrm>
+            <a:off x="-841634" y="451163"/>
+            <a:ext cx="841634" cy="841634"/>
+            <a:chOff x="-841634" y="451163"/>
+            <a:chExt cx="841634" cy="841634"/>
+          </a:xfrm>
+        </p:grpSpPr>
+        <p:sp>
+          <p:nvSpPr>
+            <p:cNvPr id="14" name="Oval 13">
+              <a:extLst>
+                <a:ext uri="{FF2B5EF4-FFF2-40B4-BE49-F238E27FC236}">
+                  <a16:creationId xmlns:a16="http://schemas.microsoft.com/office/drawing/2014/main" id="{0F8F4C6D-0C9C-4A40-9A28-72A10C94E8D5}"/>
+                </a:ext>
+              </a:extLst>
+            </p:cNvPr>
+            <p:cNvSpPr/>
+            <p:nvPr/>
+          </p:nvSpPr>
+          <p:spPr>
+            <a:xfrm>
+              <a:off x="-841634" y="451163"/>
+              <a:ext cx="841634" cy="841634"/>
+            </a:xfrm>
+            <a:prstGeom prst="ellipse">
+              <a:avLst/>
+            </a:prstGeom>
+            <a:solidFill>
+              <a:schemeClr val="bg1"/>
+            </a:solidFill>
+            <a:ln>
+              <a:noFill/>
+            </a:ln>
+          </p:spPr>
+          <p:style>
+            <a:lnRef idx="2">
+              <a:schemeClr val="accent1">
+                <a:shade val="50000"/>
+              </a:schemeClr>
+            </a:lnRef>
+            <a:fillRef idx="1">
+              <a:schemeClr val="accent1"/>
+            </a:fillRef>
+            <a:effectRef idx="0">
+              <a:schemeClr val="accent1"/>
+            </a:effectRef>
+            <a:fontRef idx="minor">
+              <a:schemeClr val="lt1"/>
+            </a:fontRef>
+          </p:style>
+          <p:txBody>
+            <a:bodyPr rtlCol="0" anchor="ctr"/>
+            <a:lstStyle/>
+            <a:p>
+              <a:pPr algn="ctr"/>
+              <a:endParaRPr lang="en-US"/>
+            </a:p>
+          </p:txBody>
+        </p:sp>
+        <p:pic>
+          <p:nvPicPr>
+            <p:cNvPr id="4" name="Graphic 3" descr="Group of men">
+              <a:extLst>
+                <a:ext uri="{FF2B5EF4-FFF2-40B4-BE49-F238E27FC236}">
+                  <a16:creationId xmlns:a16="http://schemas.microsoft.com/office/drawing/2014/main" id="{44F039F5-9218-47A6-BEB6-FB919959B3AF}"/>
+                </a:ext>
+              </a:extLst>
+            </p:cNvPr>
+            <p:cNvPicPr>
+              <a:picLocks noChangeAspect="1"/>
+            </p:cNvPicPr>
+            <p:nvPr/>
+          </p:nvPicPr>
+          <p:blipFill>
+            <a:blip r:embed="rId2">
+              <a:extLst>
+                <a:ext uri="{28A0092B-C50C-407E-A947-70E740481C1C}">
+                  <a14:useLocalDpi xmlns:a14="http://schemas.microsoft.com/office/drawing/2010/main" val="0"/>
+                </a:ext>
+                <a:ext uri="{96DAC541-7B7A-43D3-8B79-37D633B846F1}">
+                  <asvg:svgBlip xmlns:asvg="http://schemas.microsoft.com/office/drawing/2016/SVG/main" r:embed="rId3"/>
+                </a:ext>
+              </a:extLst>
+            </a:blip>
+            <a:stretch>
+              <a:fillRect/>
+            </a:stretch>
+          </p:blipFill>
+          <p:spPr>
+            <a:xfrm>
+              <a:off x="-715261" y="582884"/>
+              <a:ext cx="578191" cy="578191"/>
+            </a:xfrm>
+            <a:prstGeom prst="rect">
+              <a:avLst/>
+            </a:prstGeom>
+          </p:spPr>
+        </p:pic>
+      </p:grpSp>
+      <p:grpSp>
+        <p:nvGrpSpPr>
+          <p:cNvPr id="37" name="Group 36">
+            <a:extLst>
+              <a:ext uri="{FF2B5EF4-FFF2-40B4-BE49-F238E27FC236}">
+                <a16:creationId xmlns:a16="http://schemas.microsoft.com/office/drawing/2014/main" id="{9C5ADA97-F136-46A8-BE83-C683EDBEB418}"/>
+              </a:ext>
+            </a:extLst>
+          </p:cNvPr>
+          <p:cNvGrpSpPr/>
+          <p:nvPr/>
+        </p:nvGrpSpPr>
+        <p:grpSpPr>
+          <a:xfrm>
+            <a:off x="-846979" y="1734435"/>
+            <a:ext cx="841634" cy="841634"/>
+            <a:chOff x="-846979" y="1734435"/>
+            <a:chExt cx="841634" cy="841634"/>
+          </a:xfrm>
+        </p:grpSpPr>
+        <p:sp>
+          <p:nvSpPr>
+            <p:cNvPr id="15" name="Oval 14">
+              <a:extLst>
+                <a:ext uri="{FF2B5EF4-FFF2-40B4-BE49-F238E27FC236}">
+                  <a16:creationId xmlns:a16="http://schemas.microsoft.com/office/drawing/2014/main" id="{A0B9A141-9605-43E5-9F88-EE89169F8C31}"/>
+                </a:ext>
+              </a:extLst>
+            </p:cNvPr>
+            <p:cNvSpPr/>
+            <p:nvPr/>
+          </p:nvSpPr>
+          <p:spPr>
+            <a:xfrm>
+              <a:off x="-846979" y="1734435"/>
+              <a:ext cx="841634" cy="841634"/>
+            </a:xfrm>
+            <a:prstGeom prst="ellipse">
+              <a:avLst/>
+            </a:prstGeom>
+            <a:solidFill>
+              <a:schemeClr val="bg1"/>
+            </a:solidFill>
+            <a:ln>
+              <a:noFill/>
+            </a:ln>
+          </p:spPr>
+          <p:style>
+            <a:lnRef idx="2">
+              <a:schemeClr val="accent1">
+                <a:shade val="50000"/>
+              </a:schemeClr>
+            </a:lnRef>
+            <a:fillRef idx="1">
+              <a:schemeClr val="accent1"/>
+            </a:fillRef>
+            <a:effectRef idx="0">
+              <a:schemeClr val="accent1"/>
+            </a:effectRef>
+            <a:fontRef idx="minor">
+              <a:schemeClr val="lt1"/>
+            </a:fontRef>
+          </p:style>
+          <p:txBody>
+            <a:bodyPr rtlCol="0" anchor="ctr"/>
+            <a:lstStyle/>
+            <a:p>
+              <a:pPr algn="ctr"/>
+              <a:endParaRPr lang="en-US"/>
+            </a:p>
+          </p:txBody>
+        </p:sp>
+        <p:pic>
+          <p:nvPicPr>
+            <p:cNvPr id="6" name="Graphic 5" descr="Server">
+              <a:extLst>
+                <a:ext uri="{FF2B5EF4-FFF2-40B4-BE49-F238E27FC236}">
+                  <a16:creationId xmlns:a16="http://schemas.microsoft.com/office/drawing/2014/main" id="{08D27C16-A782-4BA8-BD16-115A66586386}"/>
+                </a:ext>
+              </a:extLst>
+            </p:cNvPr>
+            <p:cNvPicPr>
+              <a:picLocks noChangeAspect="1"/>
+            </p:cNvPicPr>
+            <p:nvPr/>
+          </p:nvPicPr>
+          <p:blipFill>
+            <a:blip r:embed="rId4">
+              <a:extLst>
+                <a:ext uri="{28A0092B-C50C-407E-A947-70E740481C1C}">
+                  <a14:useLocalDpi xmlns:a14="http://schemas.microsoft.com/office/drawing/2010/main" val="0"/>
+                </a:ext>
+                <a:ext uri="{96DAC541-7B7A-43D3-8B79-37D633B846F1}">
+                  <asvg:svgBlip xmlns:asvg="http://schemas.microsoft.com/office/drawing/2016/SVG/main" r:embed="rId5"/>
+                </a:ext>
+              </a:extLst>
+            </a:blip>
+            <a:stretch>
+              <a:fillRect/>
+            </a:stretch>
+          </p:blipFill>
+          <p:spPr>
+            <a:xfrm>
+              <a:off x="-715261" y="1875053"/>
+              <a:ext cx="578191" cy="578191"/>
+            </a:xfrm>
+            <a:prstGeom prst="rect">
+              <a:avLst/>
+            </a:prstGeom>
+          </p:spPr>
+        </p:pic>
+      </p:grpSp>
+      <p:grpSp>
+        <p:nvGrpSpPr>
+          <p:cNvPr id="38" name="Group 37">
+            <a:extLst>
+              <a:ext uri="{FF2B5EF4-FFF2-40B4-BE49-F238E27FC236}">
+                <a16:creationId xmlns:a16="http://schemas.microsoft.com/office/drawing/2014/main" id="{DE3AA1F6-360E-4EEC-B3FD-4C71D56E432C}"/>
+              </a:ext>
+            </a:extLst>
+          </p:cNvPr>
+          <p:cNvGrpSpPr/>
+          <p:nvPr/>
+        </p:nvGrpSpPr>
+        <p:grpSpPr>
+          <a:xfrm>
+            <a:off x="-846979" y="4300979"/>
+            <a:ext cx="841634" cy="841634"/>
+            <a:chOff x="-846979" y="4300979"/>
+            <a:chExt cx="841634" cy="841634"/>
+          </a:xfrm>
+        </p:grpSpPr>
+        <p:sp>
+          <p:nvSpPr>
+            <p:cNvPr id="17" name="Oval 16">
+              <a:extLst>
+                <a:ext uri="{FF2B5EF4-FFF2-40B4-BE49-F238E27FC236}">
+                  <a16:creationId xmlns:a16="http://schemas.microsoft.com/office/drawing/2014/main" id="{38C4EC37-B53C-4819-BC2B-B38A2A956E56}"/>
+                </a:ext>
+              </a:extLst>
+            </p:cNvPr>
+            <p:cNvSpPr/>
+            <p:nvPr/>
+          </p:nvSpPr>
+          <p:spPr>
+            <a:xfrm>
+              <a:off x="-846979" y="4300979"/>
+              <a:ext cx="841634" cy="841634"/>
+            </a:xfrm>
+            <a:prstGeom prst="ellipse">
+              <a:avLst/>
+            </a:prstGeom>
+            <a:solidFill>
+              <a:schemeClr val="bg1"/>
+            </a:solidFill>
+            <a:ln>
+              <a:noFill/>
+            </a:ln>
+          </p:spPr>
+          <p:style>
+            <a:lnRef idx="2">
+              <a:schemeClr val="accent1">
+                <a:shade val="50000"/>
+              </a:schemeClr>
+            </a:lnRef>
+            <a:fillRef idx="1">
+              <a:schemeClr val="accent1"/>
+            </a:fillRef>
+            <a:effectRef idx="0">
+              <a:schemeClr val="accent1"/>
+            </a:effectRef>
+            <a:fontRef idx="minor">
+              <a:schemeClr val="lt1"/>
+            </a:fontRef>
+          </p:style>
+          <p:txBody>
+            <a:bodyPr rtlCol="0" anchor="ctr"/>
+            <a:lstStyle/>
+            <a:p>
+              <a:pPr algn="ctr"/>
+              <a:endParaRPr lang="en-US"/>
+            </a:p>
+          </p:txBody>
+        </p:sp>
+        <p:pic>
+          <p:nvPicPr>
+            <p:cNvPr id="11" name="Graphic 10" descr="Computer">
+              <a:extLst>
+                <a:ext uri="{FF2B5EF4-FFF2-40B4-BE49-F238E27FC236}">
+                  <a16:creationId xmlns:a16="http://schemas.microsoft.com/office/drawing/2014/main" id="{6B6C33EF-D773-47C4-AE3F-2661803DD897}"/>
+                </a:ext>
+              </a:extLst>
+            </p:cNvPr>
+            <p:cNvPicPr>
+              <a:picLocks noChangeAspect="1"/>
+            </p:cNvPicPr>
+            <p:nvPr/>
+          </p:nvPicPr>
+          <p:blipFill>
+            <a:blip r:embed="rId6">
+              <a:extLst>
+                <a:ext uri="{28A0092B-C50C-407E-A947-70E740481C1C}">
+                  <a14:useLocalDpi xmlns:a14="http://schemas.microsoft.com/office/drawing/2010/main" val="0"/>
+                </a:ext>
+                <a:ext uri="{96DAC541-7B7A-43D3-8B79-37D633B846F1}">
+                  <asvg:svgBlip xmlns:asvg="http://schemas.microsoft.com/office/drawing/2016/SVG/main" r:embed="rId7"/>
+                </a:ext>
+              </a:extLst>
+            </a:blip>
+            <a:stretch>
+              <a:fillRect/>
+            </a:stretch>
+          </p:blipFill>
+          <p:spPr>
+            <a:xfrm>
+              <a:off x="-715262" y="4432700"/>
+              <a:ext cx="578191" cy="578191"/>
+            </a:xfrm>
+            <a:prstGeom prst="rect">
+              <a:avLst/>
+            </a:prstGeom>
+          </p:spPr>
+        </p:pic>
+      </p:grpSp>
+      <p:grpSp>
+        <p:nvGrpSpPr>
+          <p:cNvPr id="39" name="Group 38">
+            <a:extLst>
+              <a:ext uri="{FF2B5EF4-FFF2-40B4-BE49-F238E27FC236}">
+                <a16:creationId xmlns:a16="http://schemas.microsoft.com/office/drawing/2014/main" id="{D7C0B2F1-1405-4858-91AF-981BDBCD6D5E}"/>
+              </a:ext>
+            </a:extLst>
+          </p:cNvPr>
+          <p:cNvGrpSpPr/>
+          <p:nvPr/>
+        </p:nvGrpSpPr>
+        <p:grpSpPr>
+          <a:xfrm>
+            <a:off x="-846981" y="5584251"/>
+            <a:ext cx="841634" cy="841634"/>
+            <a:chOff x="-846981" y="5584251"/>
+            <a:chExt cx="841634" cy="841634"/>
+          </a:xfrm>
+        </p:grpSpPr>
+        <p:sp>
+          <p:nvSpPr>
+            <p:cNvPr id="18" name="Oval 17">
+              <a:extLst>
+                <a:ext uri="{FF2B5EF4-FFF2-40B4-BE49-F238E27FC236}">
+                  <a16:creationId xmlns:a16="http://schemas.microsoft.com/office/drawing/2014/main" id="{6E3E8F5A-3EA0-45E0-9D66-B3FFB8436C0C}"/>
+                </a:ext>
+              </a:extLst>
+            </p:cNvPr>
+            <p:cNvSpPr/>
+            <p:nvPr/>
+          </p:nvSpPr>
+          <p:spPr>
+            <a:xfrm>
+              <a:off x="-846981" y="5584251"/>
+              <a:ext cx="841634" cy="841634"/>
+            </a:xfrm>
+            <a:prstGeom prst="ellipse">
+              <a:avLst/>
+            </a:prstGeom>
+            <a:solidFill>
+              <a:schemeClr val="bg1"/>
+            </a:solidFill>
+            <a:ln>
+              <a:noFill/>
+            </a:ln>
+          </p:spPr>
+          <p:style>
+            <a:lnRef idx="2">
+              <a:schemeClr val="accent1">
+                <a:shade val="50000"/>
+              </a:schemeClr>
+            </a:lnRef>
+            <a:fillRef idx="1">
+              <a:schemeClr val="accent1"/>
+            </a:fillRef>
+            <a:effectRef idx="0">
+              <a:schemeClr val="accent1"/>
+            </a:effectRef>
+            <a:fontRef idx="minor">
+              <a:schemeClr val="lt1"/>
+            </a:fontRef>
+          </p:style>
+          <p:txBody>
+            <a:bodyPr rtlCol="0" anchor="ctr"/>
+            <a:lstStyle/>
+            <a:p>
+              <a:pPr algn="ctr"/>
+              <a:endParaRPr lang="en-US"/>
+            </a:p>
+          </p:txBody>
+        </p:sp>
+        <p:pic>
+          <p:nvPicPr>
+            <p:cNvPr id="13" name="Graphic 12" descr="Web design">
+              <a:extLst>
+                <a:ext uri="{FF2B5EF4-FFF2-40B4-BE49-F238E27FC236}">
+                  <a16:creationId xmlns:a16="http://schemas.microsoft.com/office/drawing/2014/main" id="{8FE17080-1339-4DB2-ACCB-005A766D1A19}"/>
+                </a:ext>
+              </a:extLst>
+            </p:cNvPr>
+            <p:cNvPicPr>
+              <a:picLocks noChangeAspect="1"/>
+            </p:cNvPicPr>
+            <p:nvPr/>
+          </p:nvPicPr>
+          <p:blipFill>
+            <a:blip r:embed="rId8">
+              <a:extLst>
+                <a:ext uri="{28A0092B-C50C-407E-A947-70E740481C1C}">
+                  <a14:useLocalDpi xmlns:a14="http://schemas.microsoft.com/office/drawing/2010/main" val="0"/>
+                </a:ext>
+                <a:ext uri="{96DAC541-7B7A-43D3-8B79-37D633B846F1}">
+                  <asvg:svgBlip xmlns:asvg="http://schemas.microsoft.com/office/drawing/2016/SVG/main" r:embed="rId9"/>
+                </a:ext>
+              </a:extLst>
+            </a:blip>
+            <a:stretch>
+              <a:fillRect/>
+            </a:stretch>
+          </p:blipFill>
+          <p:spPr>
+            <a:xfrm>
+              <a:off x="-715257" y="5715972"/>
+              <a:ext cx="578191" cy="578191"/>
+            </a:xfrm>
+            <a:prstGeom prst="rect">
+              <a:avLst/>
+            </a:prstGeom>
+          </p:spPr>
+        </p:pic>
+      </p:grpSp>
+      <p:grpSp>
+        <p:nvGrpSpPr>
+          <p:cNvPr id="35" name="Group 34">
+            <a:extLst>
+              <a:ext uri="{FF2B5EF4-FFF2-40B4-BE49-F238E27FC236}">
+                <a16:creationId xmlns:a16="http://schemas.microsoft.com/office/drawing/2014/main" id="{38842EEC-6498-43B0-B9D2-3614F8AF0196}"/>
+              </a:ext>
+            </a:extLst>
+          </p:cNvPr>
+          <p:cNvGrpSpPr/>
+          <p:nvPr/>
+        </p:nvGrpSpPr>
+        <p:grpSpPr>
+          <a:xfrm>
+            <a:off x="977476" y="3008183"/>
+            <a:ext cx="841634" cy="841634"/>
+            <a:chOff x="5675183" y="3005477"/>
+            <a:chExt cx="841634" cy="841634"/>
+          </a:xfrm>
+        </p:grpSpPr>
+        <p:sp>
+          <p:nvSpPr>
+            <p:cNvPr id="16" name="Oval 15">
+              <a:extLst>
+                <a:ext uri="{FF2B5EF4-FFF2-40B4-BE49-F238E27FC236}">
+                  <a16:creationId xmlns:a16="http://schemas.microsoft.com/office/drawing/2014/main" id="{39D53D5C-6B02-4F1C-B8D1-F8FCB9D3DEFE}"/>
+                </a:ext>
+              </a:extLst>
+            </p:cNvPr>
+            <p:cNvSpPr/>
+            <p:nvPr/>
+          </p:nvSpPr>
+          <p:spPr>
+            <a:xfrm>
+              <a:off x="5675183" y="3005477"/>
+              <a:ext cx="841634" cy="841634"/>
+            </a:xfrm>
+            <a:prstGeom prst="ellipse">
+              <a:avLst/>
+            </a:prstGeom>
+            <a:solidFill>
+              <a:srgbClr val="FFFFFF"/>
+            </a:solidFill>
+            <a:ln>
+              <a:noFill/>
+            </a:ln>
+          </p:spPr>
+          <p:style>
+            <a:lnRef idx="2">
+              <a:schemeClr val="accent1">
+                <a:shade val="50000"/>
+              </a:schemeClr>
+            </a:lnRef>
+            <a:fillRef idx="1">
+              <a:schemeClr val="accent1"/>
+            </a:fillRef>
+            <a:effectRef idx="0">
+              <a:schemeClr val="accent1"/>
+            </a:effectRef>
+            <a:fontRef idx="minor">
+              <a:schemeClr val="lt1"/>
+            </a:fontRef>
+          </p:style>
+          <p:txBody>
+            <a:bodyPr rtlCol="0" anchor="ctr"/>
+            <a:lstStyle/>
+            <a:p>
+              <a:pPr algn="ctr"/>
+              <a:endParaRPr lang="en-US"/>
+            </a:p>
+          </p:txBody>
+        </p:sp>
+        <p:pic>
+          <p:nvPicPr>
+            <p:cNvPr id="8" name="Graphic 7" descr="Smart Phone">
+              <a:extLst>
+                <a:ext uri="{FF2B5EF4-FFF2-40B4-BE49-F238E27FC236}">
+                  <a16:creationId xmlns:a16="http://schemas.microsoft.com/office/drawing/2014/main" id="{1C4095AF-E6FF-48FC-841D-C748E6BA7CF8}"/>
+                </a:ext>
+              </a:extLst>
+            </p:cNvPr>
+            <p:cNvPicPr>
+              <a:picLocks noChangeAspect="1"/>
+            </p:cNvPicPr>
+            <p:nvPr/>
+          </p:nvPicPr>
+          <p:blipFill>
+            <a:blip r:embed="rId10">
+              <a:extLst>
+                <a:ext uri="{28A0092B-C50C-407E-A947-70E740481C1C}">
+                  <a14:useLocalDpi xmlns:a14="http://schemas.microsoft.com/office/drawing/2010/main" val="0"/>
+                </a:ext>
+                <a:ext uri="{96DAC541-7B7A-43D3-8B79-37D633B846F1}">
+                  <asvg:svgBlip xmlns:asvg="http://schemas.microsoft.com/office/drawing/2016/SVG/main" r:embed="rId11"/>
+                </a:ext>
+              </a:extLst>
+            </a:blip>
+            <a:stretch>
+              <a:fillRect/>
+            </a:stretch>
+          </p:blipFill>
+          <p:spPr>
+            <a:xfrm flipV="1">
+              <a:off x="5806902" y="3137198"/>
+              <a:ext cx="578191" cy="578191"/>
+            </a:xfrm>
+            <a:prstGeom prst="rect">
+              <a:avLst/>
+            </a:prstGeom>
+          </p:spPr>
+        </p:pic>
+      </p:grpSp>
+      <p:sp>
+        <p:nvSpPr>
+          <p:cNvPr id="34" name="Freeform: Shape 33">
+            <a:extLst>
+              <a:ext uri="{FF2B5EF4-FFF2-40B4-BE49-F238E27FC236}">
+                <a16:creationId xmlns:a16="http://schemas.microsoft.com/office/drawing/2014/main" id="{3F7DEFED-D3CD-4A7D-ADD0-342A35BB1D92}"/>
+              </a:ext>
+            </a:extLst>
+          </p:cNvPr>
+          <p:cNvSpPr/>
+          <p:nvPr/>
+        </p:nvSpPr>
+        <p:spPr>
+          <a:xfrm rot="10800000">
+            <a:off x="1739" y="-13891187"/>
+            <a:ext cx="1449238" cy="23553174"/>
+          </a:xfrm>
+          <a:custGeom>
+            <a:avLst/>
+            <a:gdLst>
+              <a:gd name="connsiteX0" fmla="*/ 0 w 1449238"/>
+              <a:gd name="connsiteY0" fmla="*/ 23553174 h 23553174"/>
+              <a:gd name="connsiteX1" fmla="*/ 0 w 1449238"/>
+              <a:gd name="connsiteY1" fmla="*/ 7057620 h 23553174"/>
+              <a:gd name="connsiteX2" fmla="*/ 828826 w 1449238"/>
+              <a:gd name="connsiteY2" fmla="*/ 6213536 h 23553174"/>
+              <a:gd name="connsiteX3" fmla="*/ 0 w 1449238"/>
+              <a:gd name="connsiteY3" fmla="*/ 5369453 h 23553174"/>
+              <a:gd name="connsiteX4" fmla="*/ 0 w 1449238"/>
+              <a:gd name="connsiteY4" fmla="*/ 0 h 23553174"/>
+              <a:gd name="connsiteX5" fmla="*/ 1449238 w 1449238"/>
+              <a:gd name="connsiteY5" fmla="*/ 0 h 23553174"/>
+              <a:gd name="connsiteX6" fmla="*/ 1449238 w 1449238"/>
+              <a:gd name="connsiteY6" fmla="*/ 23553174 h 23553174"/>
+              <a:gd name="connsiteX0" fmla="*/ 0 w 1449238"/>
+              <a:gd name="connsiteY0" fmla="*/ 23553174 h 23553174"/>
+              <a:gd name="connsiteX1" fmla="*/ 0 w 1449238"/>
+              <a:gd name="connsiteY1" fmla="*/ 7057620 h 23553174"/>
+              <a:gd name="connsiteX2" fmla="*/ 828826 w 1449238"/>
+              <a:gd name="connsiteY2" fmla="*/ 6213536 h 23553174"/>
+              <a:gd name="connsiteX3" fmla="*/ 0 w 1449238"/>
+              <a:gd name="connsiteY3" fmla="*/ 5369453 h 23553174"/>
+              <a:gd name="connsiteX4" fmla="*/ 0 w 1449238"/>
+              <a:gd name="connsiteY4" fmla="*/ 0 h 23553174"/>
+              <a:gd name="connsiteX5" fmla="*/ 1449238 w 1449238"/>
+              <a:gd name="connsiteY5" fmla="*/ 0 h 23553174"/>
+              <a:gd name="connsiteX6" fmla="*/ 1449238 w 1449238"/>
+              <a:gd name="connsiteY6" fmla="*/ 23553174 h 23553174"/>
+              <a:gd name="connsiteX7" fmla="*/ 0 w 1449238"/>
+              <a:gd name="connsiteY7" fmla="*/ 23553174 h 23553174"/>
+              <a:gd name="connsiteX0" fmla="*/ 0 w 1449238"/>
+              <a:gd name="connsiteY0" fmla="*/ 23553174 h 23553174"/>
+              <a:gd name="connsiteX1" fmla="*/ 0 w 1449238"/>
+              <a:gd name="connsiteY1" fmla="*/ 7057620 h 23553174"/>
+              <a:gd name="connsiteX2" fmla="*/ 828826 w 1449238"/>
+              <a:gd name="connsiteY2" fmla="*/ 6213536 h 23553174"/>
+              <a:gd name="connsiteX3" fmla="*/ 0 w 1449238"/>
+              <a:gd name="connsiteY3" fmla="*/ 5369453 h 23553174"/>
+              <a:gd name="connsiteX4" fmla="*/ 0 w 1449238"/>
+              <a:gd name="connsiteY4" fmla="*/ 0 h 23553174"/>
+              <a:gd name="connsiteX5" fmla="*/ 1449238 w 1449238"/>
+              <a:gd name="connsiteY5" fmla="*/ 0 h 23553174"/>
+              <a:gd name="connsiteX6" fmla="*/ 1449238 w 1449238"/>
+              <a:gd name="connsiteY6" fmla="*/ 23553174 h 23553174"/>
+              <a:gd name="connsiteX7" fmla="*/ 0 w 1449238"/>
+              <a:gd name="connsiteY7" fmla="*/ 23553174 h 23553174"/>
+              <a:gd name="connsiteX0" fmla="*/ 0 w 1449238"/>
+              <a:gd name="connsiteY0" fmla="*/ 23553174 h 23553174"/>
+              <a:gd name="connsiteX1" fmla="*/ 0 w 1449238"/>
+              <a:gd name="connsiteY1" fmla="*/ 7057620 h 23553174"/>
+              <a:gd name="connsiteX2" fmla="*/ 828826 w 1449238"/>
+              <a:gd name="connsiteY2" fmla="*/ 6213536 h 23553174"/>
+              <a:gd name="connsiteX3" fmla="*/ 0 w 1449238"/>
+              <a:gd name="connsiteY3" fmla="*/ 5369453 h 23553174"/>
+              <a:gd name="connsiteX4" fmla="*/ 0 w 1449238"/>
+              <a:gd name="connsiteY4" fmla="*/ 0 h 23553174"/>
+              <a:gd name="connsiteX5" fmla="*/ 1449238 w 1449238"/>
+              <a:gd name="connsiteY5" fmla="*/ 0 h 23553174"/>
+              <a:gd name="connsiteX6" fmla="*/ 1449238 w 1449238"/>
+              <a:gd name="connsiteY6" fmla="*/ 23553174 h 23553174"/>
+              <a:gd name="connsiteX7" fmla="*/ 0 w 1449238"/>
+              <a:gd name="connsiteY7" fmla="*/ 23553174 h 23553174"/>
+              <a:gd name="connsiteX0" fmla="*/ 0 w 1449238"/>
+              <a:gd name="connsiteY0" fmla="*/ 23553174 h 23553174"/>
+              <a:gd name="connsiteX1" fmla="*/ 0 w 1449238"/>
+              <a:gd name="connsiteY1" fmla="*/ 7057620 h 23553174"/>
+              <a:gd name="connsiteX2" fmla="*/ 828826 w 1449238"/>
+              <a:gd name="connsiteY2" fmla="*/ 6213536 h 23553174"/>
+              <a:gd name="connsiteX3" fmla="*/ 0 w 1449238"/>
+              <a:gd name="connsiteY3" fmla="*/ 5369453 h 23553174"/>
+              <a:gd name="connsiteX4" fmla="*/ 0 w 1449238"/>
+              <a:gd name="connsiteY4" fmla="*/ 0 h 23553174"/>
+              <a:gd name="connsiteX5" fmla="*/ 1449238 w 1449238"/>
+              <a:gd name="connsiteY5" fmla="*/ 0 h 23553174"/>
+              <a:gd name="connsiteX6" fmla="*/ 1449238 w 1449238"/>
+              <a:gd name="connsiteY6" fmla="*/ 23553174 h 23553174"/>
+              <a:gd name="connsiteX7" fmla="*/ 0 w 1449238"/>
+              <a:gd name="connsiteY7" fmla="*/ 23553174 h 23553174"/>
+              <a:gd name="connsiteX0" fmla="*/ 0 w 1449238"/>
+              <a:gd name="connsiteY0" fmla="*/ 23553174 h 23553174"/>
+              <a:gd name="connsiteX1" fmla="*/ 0 w 1449238"/>
+              <a:gd name="connsiteY1" fmla="*/ 7057620 h 23553174"/>
+              <a:gd name="connsiteX2" fmla="*/ 581176 w 1449238"/>
+              <a:gd name="connsiteY2" fmla="*/ 6213536 h 23553174"/>
+              <a:gd name="connsiteX3" fmla="*/ 0 w 1449238"/>
+              <a:gd name="connsiteY3" fmla="*/ 5369453 h 23553174"/>
+              <a:gd name="connsiteX4" fmla="*/ 0 w 1449238"/>
+              <a:gd name="connsiteY4" fmla="*/ 0 h 23553174"/>
+              <a:gd name="connsiteX5" fmla="*/ 1449238 w 1449238"/>
+              <a:gd name="connsiteY5" fmla="*/ 0 h 23553174"/>
+              <a:gd name="connsiteX6" fmla="*/ 1449238 w 1449238"/>
+              <a:gd name="connsiteY6" fmla="*/ 23553174 h 23553174"/>
+              <a:gd name="connsiteX7" fmla="*/ 0 w 1449238"/>
+              <a:gd name="connsiteY7" fmla="*/ 23553174 h 23553174"/>
+              <a:gd name="connsiteX0" fmla="*/ 0 w 1449238"/>
+              <a:gd name="connsiteY0" fmla="*/ 23553174 h 23553174"/>
+              <a:gd name="connsiteX1" fmla="*/ 0 w 1449238"/>
+              <a:gd name="connsiteY1" fmla="*/ 7057620 h 23553174"/>
+              <a:gd name="connsiteX2" fmla="*/ 564507 w 1449238"/>
+              <a:gd name="connsiteY2" fmla="*/ 6215918 h 23553174"/>
+              <a:gd name="connsiteX3" fmla="*/ 0 w 1449238"/>
+              <a:gd name="connsiteY3" fmla="*/ 5369453 h 23553174"/>
+              <a:gd name="connsiteX4" fmla="*/ 0 w 1449238"/>
+              <a:gd name="connsiteY4" fmla="*/ 0 h 23553174"/>
+              <a:gd name="connsiteX5" fmla="*/ 1449238 w 1449238"/>
+              <a:gd name="connsiteY5" fmla="*/ 0 h 23553174"/>
+              <a:gd name="connsiteX6" fmla="*/ 1449238 w 1449238"/>
+              <a:gd name="connsiteY6" fmla="*/ 23553174 h 23553174"/>
+              <a:gd name="connsiteX7" fmla="*/ 0 w 1449238"/>
+              <a:gd name="connsiteY7" fmla="*/ 23553174 h 23553174"/>
+            </a:gdLst>
+            <a:ahLst/>
+            <a:cxnLst>
+              <a:cxn ang="0">
+                <a:pos x="connsiteX0" y="connsiteY0"/>
+              </a:cxn>
+              <a:cxn ang="0">
+                <a:pos x="connsiteX1" y="connsiteY1"/>
+              </a:cxn>
+              <a:cxn ang="0">
+                <a:pos x="connsiteX2" y="connsiteY2"/>
+              </a:cxn>
+              <a:cxn ang="0">
+                <a:pos x="connsiteX3" y="connsiteY3"/>
+              </a:cxn>
+              <a:cxn ang="0">
+                <a:pos x="connsiteX4" y="connsiteY4"/>
+              </a:cxn>
+              <a:cxn ang="0">
+                <a:pos x="connsiteX5" y="connsiteY5"/>
+              </a:cxn>
+              <a:cxn ang="0">
+                <a:pos x="connsiteX6" y="connsiteY6"/>
+              </a:cxn>
+              <a:cxn ang="0">
+                <a:pos x="connsiteX7" y="connsiteY7"/>
+              </a:cxn>
+            </a:cxnLst>
+            <a:rect l="l" t="t" r="r" b="b"/>
+            <a:pathLst>
+              <a:path w="1449238" h="23553174">
+                <a:moveTo>
+                  <a:pt x="0" y="23553174"/>
+                </a:moveTo>
+                <a:lnTo>
+                  <a:pt x="0" y="7057620"/>
+                </a:lnTo>
+                <a:cubicBezTo>
+                  <a:pt x="4812" y="6633384"/>
+                  <a:pt x="564557" y="6719529"/>
+                  <a:pt x="564507" y="6215918"/>
+                </a:cubicBezTo>
+                <a:cubicBezTo>
+                  <a:pt x="564457" y="5712307"/>
+                  <a:pt x="2431" y="5798452"/>
+                  <a:pt x="0" y="5369453"/>
+                </a:cubicBezTo>
+                <a:lnTo>
+                  <a:pt x="0" y="0"/>
+                </a:lnTo>
+                <a:lnTo>
+                  <a:pt x="1449238" y="0"/>
+                </a:lnTo>
+                <a:lnTo>
+                  <a:pt x="1449238" y="23553174"/>
+                </a:lnTo>
+                <a:lnTo>
+                  <a:pt x="0" y="23553174"/>
+                </a:lnTo>
+                <a:close/>
+              </a:path>
+            </a:pathLst>
+          </a:custGeom>
+          <a:solidFill>
+            <a:schemeClr val="bg1"/>
+          </a:solidFill>
+          <a:ln>
+            <a:noFill/>
+          </a:ln>
+        </p:spPr>
+        <p:style>
+          <a:lnRef idx="2">
+            <a:schemeClr val="accent1">
+              <a:shade val="50000"/>
+            </a:schemeClr>
+          </a:lnRef>
+          <a:fillRef idx="1">
+            <a:schemeClr val="accent1"/>
+          </a:fillRef>
+          <a:effectRef idx="0">
+            <a:schemeClr val="accent1"/>
+          </a:effectRef>
+          <a:fontRef idx="minor">
+            <a:schemeClr val="lt1"/>
+          </a:fontRef>
+        </p:style>
+        <p:txBody>
+          <a:bodyPr wrap="square" rtlCol="0" anchor="ctr">
+            <a:noAutofit/>
+          </a:bodyPr>
+          <a:lstStyle/>
+          <a:p>
+            <a:pPr algn="ctr"/>
+            <a:endParaRPr lang="en-US"/>
+          </a:p>
+        </p:txBody>
+      </p:sp>
+      <p:pic>
+        <p:nvPicPr>
+          <p:cNvPr id="26" name="Graphic 25" descr="Group of men">
+            <a:hlinkClick r:id="rId12" action="ppaction://hlinksldjump"/>
+            <a:extLst>
+              <a:ext uri="{FF2B5EF4-FFF2-40B4-BE49-F238E27FC236}">
+                <a16:creationId xmlns:a16="http://schemas.microsoft.com/office/drawing/2014/main" id="{0DF6171F-B8EB-4A02-BEC1-11F494787612}"/>
+              </a:ext>
+            </a:extLst>
+          </p:cNvPr>
+          <p:cNvPicPr>
+            <a:picLocks noChangeAspect="1"/>
+          </p:cNvPicPr>
+          <p:nvPr/>
+        </p:nvPicPr>
+        <p:blipFill>
+          <a:blip r:embed="rId13">
+            <a:extLst>
+              <a:ext uri="{28A0092B-C50C-407E-A947-70E740481C1C}">
+                <a14:useLocalDpi xmlns:a14="http://schemas.microsoft.com/office/drawing/2010/main" val="0"/>
+              </a:ext>
+              <a:ext uri="{96DAC541-7B7A-43D3-8B79-37D633B846F1}">
+                <asvg:svgBlip xmlns:asvg="http://schemas.microsoft.com/office/drawing/2016/SVG/main" r:embed="rId14"/>
+              </a:ext>
+            </a:extLst>
+          </a:blip>
+          <a:stretch>
+            <a:fillRect/>
+          </a:stretch>
+        </p:blipFill>
+        <p:spPr>
+          <a:xfrm>
+            <a:off x="437264" y="582884"/>
+            <a:ext cx="578191" cy="578191"/>
+          </a:xfrm>
+          <a:prstGeom prst="rect">
+            <a:avLst/>
+          </a:prstGeom>
+        </p:spPr>
+      </p:pic>
+      <p:pic>
+        <p:nvPicPr>
+          <p:cNvPr id="27" name="Graphic 26" descr="Server">
+            <a:hlinkClick r:id="rId15" action="ppaction://hlinksldjump"/>
+            <a:extLst>
+              <a:ext uri="{FF2B5EF4-FFF2-40B4-BE49-F238E27FC236}">
+                <a16:creationId xmlns:a16="http://schemas.microsoft.com/office/drawing/2014/main" id="{4E053273-7409-4C0E-8B8B-5297C7215B99}"/>
+              </a:ext>
+            </a:extLst>
+          </p:cNvPr>
+          <p:cNvPicPr>
+            <a:picLocks noChangeAspect="1"/>
+          </p:cNvPicPr>
+          <p:nvPr/>
+        </p:nvPicPr>
+        <p:blipFill>
+          <a:blip r:embed="rId16">
+            <a:extLst>
+              <a:ext uri="{28A0092B-C50C-407E-A947-70E740481C1C}">
+                <a14:useLocalDpi xmlns:a14="http://schemas.microsoft.com/office/drawing/2010/main" val="0"/>
+              </a:ext>
+              <a:ext uri="{96DAC541-7B7A-43D3-8B79-37D633B846F1}">
+                <asvg:svgBlip xmlns:asvg="http://schemas.microsoft.com/office/drawing/2016/SVG/main" r:embed="rId17"/>
+              </a:ext>
+            </a:extLst>
+          </a:blip>
+          <a:stretch>
+            <a:fillRect/>
+          </a:stretch>
+        </p:blipFill>
+        <p:spPr>
+          <a:xfrm>
+            <a:off x="437264" y="1875053"/>
+            <a:ext cx="578191" cy="578191"/>
+          </a:xfrm>
+          <a:prstGeom prst="rect">
+            <a:avLst/>
+          </a:prstGeom>
+        </p:spPr>
+      </p:pic>
+      <p:pic>
+        <p:nvPicPr>
+          <p:cNvPr id="28" name="Graphic 27" descr="Smart Phone">
+            <a:hlinkClick r:id="rId18" action="ppaction://hlinksldjump"/>
+            <a:extLst>
+              <a:ext uri="{FF2B5EF4-FFF2-40B4-BE49-F238E27FC236}">
+                <a16:creationId xmlns:a16="http://schemas.microsoft.com/office/drawing/2014/main" id="{93918246-389F-4622-ABBA-08CFFB8F5337}"/>
+              </a:ext>
+            </a:extLst>
+          </p:cNvPr>
+          <p:cNvPicPr>
+            <a:picLocks noChangeAspect="1"/>
+          </p:cNvPicPr>
+          <p:nvPr/>
+        </p:nvPicPr>
+        <p:blipFill>
+          <a:blip r:embed="rId19">
+            <a:extLst>
+              <a:ext uri="{28A0092B-C50C-407E-A947-70E740481C1C}">
+                <a14:useLocalDpi xmlns:a14="http://schemas.microsoft.com/office/drawing/2010/main" val="0"/>
+              </a:ext>
+              <a:ext uri="{96DAC541-7B7A-43D3-8B79-37D633B846F1}">
+                <asvg:svgBlip xmlns:asvg="http://schemas.microsoft.com/office/drawing/2016/SVG/main" r:embed="rId20"/>
+              </a:ext>
+            </a:extLst>
+          </a:blip>
+          <a:stretch>
+            <a:fillRect/>
+          </a:stretch>
+        </p:blipFill>
+        <p:spPr>
+          <a:xfrm flipV="1">
+            <a:off x="437265" y="3149428"/>
+            <a:ext cx="578191" cy="578191"/>
+          </a:xfrm>
+          <a:prstGeom prst="rect">
+            <a:avLst/>
+          </a:prstGeom>
+        </p:spPr>
+      </p:pic>
+      <p:pic>
+        <p:nvPicPr>
+          <p:cNvPr id="29" name="Graphic 28" descr="Computer">
+            <a:hlinkClick r:id="rId21" action="ppaction://hlinksldjump"/>
+            <a:extLst>
+              <a:ext uri="{FF2B5EF4-FFF2-40B4-BE49-F238E27FC236}">
+                <a16:creationId xmlns:a16="http://schemas.microsoft.com/office/drawing/2014/main" id="{110E613D-8DD5-4FE6-A6AC-92399833BEEA}"/>
+              </a:ext>
+            </a:extLst>
+          </p:cNvPr>
+          <p:cNvPicPr>
+            <a:picLocks noChangeAspect="1"/>
+          </p:cNvPicPr>
+          <p:nvPr/>
+        </p:nvPicPr>
+        <p:blipFill>
+          <a:blip r:embed="rId22">
+            <a:extLst>
+              <a:ext uri="{28A0092B-C50C-407E-A947-70E740481C1C}">
+                <a14:useLocalDpi xmlns:a14="http://schemas.microsoft.com/office/drawing/2010/main" val="0"/>
+              </a:ext>
+              <a:ext uri="{96DAC541-7B7A-43D3-8B79-37D633B846F1}">
+                <asvg:svgBlip xmlns:asvg="http://schemas.microsoft.com/office/drawing/2016/SVG/main" r:embed="rId23"/>
+              </a:ext>
+            </a:extLst>
+          </a:blip>
+          <a:stretch>
+            <a:fillRect/>
+          </a:stretch>
+        </p:blipFill>
+        <p:spPr>
+          <a:xfrm>
+            <a:off x="437263" y="4432700"/>
+            <a:ext cx="578191" cy="578191"/>
+          </a:xfrm>
+          <a:prstGeom prst="rect">
+            <a:avLst/>
+          </a:prstGeom>
+        </p:spPr>
+      </p:pic>
+      <p:pic>
+        <p:nvPicPr>
+          <p:cNvPr id="30" name="Graphic 29" descr="Web design">
+            <a:hlinkClick r:id="rId24" action="ppaction://hlinksldjump"/>
+            <a:extLst>
+              <a:ext uri="{FF2B5EF4-FFF2-40B4-BE49-F238E27FC236}">
+                <a16:creationId xmlns:a16="http://schemas.microsoft.com/office/drawing/2014/main" id="{CBC1988C-A01D-4365-8AD9-237B98BD211A}"/>
+              </a:ext>
+            </a:extLst>
+          </p:cNvPr>
+          <p:cNvPicPr>
+            <a:picLocks noChangeAspect="1"/>
+          </p:cNvPicPr>
+          <p:nvPr/>
+        </p:nvPicPr>
+        <p:blipFill>
+          <a:blip r:embed="rId25">
+            <a:extLst>
+              <a:ext uri="{28A0092B-C50C-407E-A947-70E740481C1C}">
+                <a14:useLocalDpi xmlns:a14="http://schemas.microsoft.com/office/drawing/2010/main" val="0"/>
+              </a:ext>
+              <a:ext uri="{96DAC541-7B7A-43D3-8B79-37D633B846F1}">
+                <asvg:svgBlip xmlns:asvg="http://schemas.microsoft.com/office/drawing/2016/SVG/main" r:embed="rId26"/>
+              </a:ext>
+            </a:extLst>
+          </a:blip>
+          <a:stretch>
+            <a:fillRect/>
+          </a:stretch>
+        </p:blipFill>
+        <p:spPr>
+          <a:xfrm>
+            <a:off x="437268" y="5715972"/>
+            <a:ext cx="578191" cy="578191"/>
+          </a:xfrm>
+          <a:prstGeom prst="rect">
+            <a:avLst/>
+          </a:prstGeom>
+        </p:spPr>
+      </p:pic>
+      <p:sp>
+        <p:nvSpPr>
+          <p:cNvPr id="23" name="TextBox 22">
+            <a:extLst>
+              <a:ext uri="{FF2B5EF4-FFF2-40B4-BE49-F238E27FC236}">
+                <a16:creationId xmlns:a16="http://schemas.microsoft.com/office/drawing/2014/main" id="{208BFFEB-B5E4-4129-86C7-1E07B8F10215}"/>
+              </a:ext>
+            </a:extLst>
+          </p:cNvPr>
+          <p:cNvSpPr txBox="1"/>
+          <p:nvPr/>
+        </p:nvSpPr>
+        <p:spPr>
+          <a:xfrm>
+            <a:off x="2900217" y="582884"/>
+            <a:ext cx="7914968" cy="1015663"/>
+          </a:xfrm>
+          <a:prstGeom prst="rect">
+            <a:avLst/>
+          </a:prstGeom>
+          <a:noFill/>
+        </p:spPr>
+        <p:txBody>
+          <a:bodyPr wrap="square" rtlCol="0">
+            <a:spAutoFit/>
+          </a:bodyPr>
+          <a:lstStyle/>
+          <a:p>
+            <a:r>
+              <a:rPr lang="en-GB" sz="6000" dirty="0" err="1">
+                <a:solidFill>
+                  <a:schemeClr val="bg1"/>
+                </a:solidFill>
+              </a:rPr>
+              <a:t>Megvalósítás</a:t>
+            </a:r>
+            <a:endParaRPr lang="en-US" sz="6000" dirty="0">
+              <a:solidFill>
+                <a:schemeClr val="bg1"/>
+              </a:solidFill>
+            </a:endParaRPr>
+          </a:p>
+        </p:txBody>
+      </p:sp>
+      <p:sp>
+        <p:nvSpPr>
+          <p:cNvPr id="24" name="TextBox 23">
+            <a:extLst>
+              <a:ext uri="{FF2B5EF4-FFF2-40B4-BE49-F238E27FC236}">
+                <a16:creationId xmlns:a16="http://schemas.microsoft.com/office/drawing/2014/main" id="{E7BA8A0E-D55F-48CB-A045-2DB9EBCD5BCE}"/>
+              </a:ext>
+            </a:extLst>
+          </p:cNvPr>
+          <p:cNvSpPr txBox="1"/>
+          <p:nvPr/>
+        </p:nvSpPr>
+        <p:spPr>
+          <a:xfrm>
+            <a:off x="2900218" y="2238194"/>
+            <a:ext cx="7914968" cy="1318181"/>
+          </a:xfrm>
+          <a:prstGeom prst="rect">
+            <a:avLst/>
+          </a:prstGeom>
+          <a:noFill/>
+        </p:spPr>
+        <p:txBody>
+          <a:bodyPr wrap="square" rtlCol="0">
+            <a:spAutoFit/>
+          </a:bodyPr>
+          <a:lstStyle/>
+          <a:p>
+            <a:pPr marL="285750" indent="-285750">
+              <a:lnSpc>
+                <a:spcPct val="150000"/>
+              </a:lnSpc>
+              <a:buFont typeface="Arial" panose="020B0604020202020204" pitchFamily="34" charset="0"/>
+              <a:buChar char="•"/>
+            </a:pPr>
+            <a:r>
+              <a:rPr lang="en-GB" sz="2800" dirty="0" err="1">
+                <a:solidFill>
+                  <a:schemeClr val="bg1"/>
+                </a:solidFill>
+              </a:rPr>
+              <a:t>Sikeresen</a:t>
+            </a:r>
+            <a:r>
+              <a:rPr lang="en-GB" sz="2800" dirty="0">
+                <a:solidFill>
+                  <a:schemeClr val="bg1"/>
+                </a:solidFill>
+              </a:rPr>
+              <a:t> </a:t>
+            </a:r>
+            <a:r>
+              <a:rPr lang="en-GB" sz="2800" dirty="0" err="1">
+                <a:solidFill>
+                  <a:schemeClr val="bg1"/>
+                </a:solidFill>
+              </a:rPr>
+              <a:t>megvalósított</a:t>
+            </a:r>
+            <a:r>
+              <a:rPr lang="en-GB" sz="2800" dirty="0">
+                <a:solidFill>
+                  <a:schemeClr val="bg1"/>
+                </a:solidFill>
+              </a:rPr>
+              <a:t> </a:t>
+            </a:r>
+            <a:r>
+              <a:rPr lang="en-GB" sz="2800" dirty="0" err="1">
+                <a:solidFill>
+                  <a:schemeClr val="bg1"/>
+                </a:solidFill>
+              </a:rPr>
+              <a:t>funkciók</a:t>
+            </a:r>
+            <a:endParaRPr lang="en-GB" sz="2800" dirty="0">
+              <a:solidFill>
+                <a:schemeClr val="bg1"/>
+              </a:solidFill>
+            </a:endParaRPr>
+          </a:p>
+          <a:p>
+            <a:pPr marL="285750" indent="-285750">
+              <a:lnSpc>
+                <a:spcPct val="150000"/>
+              </a:lnSpc>
+              <a:buFont typeface="Arial" panose="020B0604020202020204" pitchFamily="34" charset="0"/>
+              <a:buChar char="•"/>
+            </a:pPr>
+            <a:r>
+              <a:rPr lang="en-GB" sz="2800" dirty="0" err="1">
+                <a:solidFill>
+                  <a:schemeClr val="bg1"/>
+                </a:solidFill>
+              </a:rPr>
+              <a:t>Végleges</a:t>
+            </a:r>
+            <a:r>
+              <a:rPr lang="en-GB" sz="2800" dirty="0">
+                <a:solidFill>
+                  <a:schemeClr val="bg1"/>
+                </a:solidFill>
+              </a:rPr>
+              <a:t> design</a:t>
+            </a:r>
+          </a:p>
+        </p:txBody>
+      </p:sp>
+    </p:spTree>
+    <p:extLst>
+      <p:ext uri="{BB962C8B-B14F-4D97-AF65-F5344CB8AC3E}">
+        <p14:creationId xmlns:p14="http://schemas.microsoft.com/office/powerpoint/2010/main" val="1579997200"/>
+      </p:ext>
+    </p:extLst>
+  </p:cSld>
+  <p:clrMapOvr>
+    <a:masterClrMapping/>
+  </p:clrMapOvr>
+  <mc:AlternateContent xmlns:mc="http://schemas.openxmlformats.org/markup-compatibility/2006">
+    <mc:Choice xmlns:p159="http://schemas.microsoft.com/office/powerpoint/2015/09/main" Requires="p159">
+      <p:transition spd="med">
+        <p159:morph option="byObject"/>
+      </p:transition>
+    </mc:Choice>
+    <mc:Fallback>
+      <p:transition spd="med">
+        <p:fade/>
+      </p:transition>
+    </mc:Fallback>
+  </mc:AlternateContent>
+</p:sld>
+</file>
+
+<file path=ppt/slides/slide16.xml><?xml version="1.0" encoding="utf-8"?>
 <p:sld xmlns:a="http://schemas.openxmlformats.org/drawingml/2006/main" xmlns:r="http://schemas.openxmlformats.org/officeDocument/2006/relationships" xmlns:p="http://schemas.openxmlformats.org/presentationml/2006/main">
   <p:cSld>
     <p:bg>
@@ -8931,6 +12693,155 @@
           </a:prstGeom>
         </p:spPr>
       </p:pic>
+      <p:sp>
+        <p:nvSpPr>
+          <p:cNvPr id="29" name="TextBox 28">
+            <a:extLst>
+              <a:ext uri="{FF2B5EF4-FFF2-40B4-BE49-F238E27FC236}">
+                <a16:creationId xmlns:a16="http://schemas.microsoft.com/office/drawing/2014/main" id="{84B18E10-7FF1-4BE4-B836-EE2E992B7943}"/>
+              </a:ext>
+            </a:extLst>
+          </p:cNvPr>
+          <p:cNvSpPr txBox="1"/>
+          <p:nvPr/>
+        </p:nvSpPr>
+        <p:spPr>
+          <a:xfrm>
+            <a:off x="2900217" y="582884"/>
+            <a:ext cx="7914968" cy="1015663"/>
+          </a:xfrm>
+          <a:prstGeom prst="rect">
+            <a:avLst/>
+          </a:prstGeom>
+          <a:noFill/>
+        </p:spPr>
+        <p:txBody>
+          <a:bodyPr wrap="square" rtlCol="0">
+            <a:spAutoFit/>
+          </a:bodyPr>
+          <a:lstStyle/>
+          <a:p>
+            <a:r>
+              <a:rPr lang="en-GB" sz="6000" dirty="0" err="1">
+                <a:solidFill>
+                  <a:schemeClr val="tx1">
+                    <a:lumMod val="75000"/>
+                    <a:lumOff val="25000"/>
+                  </a:schemeClr>
+                </a:solidFill>
+              </a:rPr>
+              <a:t>Asztali</a:t>
+            </a:r>
+            <a:r>
+              <a:rPr lang="en-GB" sz="6000" dirty="0">
+                <a:solidFill>
+                  <a:schemeClr val="tx1">
+                    <a:lumMod val="75000"/>
+                    <a:lumOff val="25000"/>
+                  </a:schemeClr>
+                </a:solidFill>
+              </a:rPr>
+              <a:t> </a:t>
+            </a:r>
+            <a:r>
+              <a:rPr lang="en-GB" sz="6000" dirty="0" err="1">
+                <a:solidFill>
+                  <a:schemeClr val="tx1">
+                    <a:lumMod val="75000"/>
+                    <a:lumOff val="25000"/>
+                  </a:schemeClr>
+                </a:solidFill>
+              </a:rPr>
+              <a:t>alkalmazás</a:t>
+            </a:r>
+            <a:endParaRPr lang="en-US" sz="6000" dirty="0">
+              <a:solidFill>
+                <a:schemeClr val="tx1">
+                  <a:lumMod val="75000"/>
+                  <a:lumOff val="25000"/>
+                </a:schemeClr>
+              </a:solidFill>
+            </a:endParaRPr>
+          </a:p>
+        </p:txBody>
+      </p:sp>
+      <p:sp>
+        <p:nvSpPr>
+          <p:cNvPr id="30" name="TextBox 29">
+            <a:extLst>
+              <a:ext uri="{FF2B5EF4-FFF2-40B4-BE49-F238E27FC236}">
+                <a16:creationId xmlns:a16="http://schemas.microsoft.com/office/drawing/2014/main" id="{55E7C0FD-A2B6-4D81-889C-E04B010DF2D7}"/>
+              </a:ext>
+            </a:extLst>
+          </p:cNvPr>
+          <p:cNvSpPr txBox="1"/>
+          <p:nvPr/>
+        </p:nvSpPr>
+        <p:spPr>
+          <a:xfrm>
+            <a:off x="2900218" y="2238194"/>
+            <a:ext cx="7914968" cy="1318181"/>
+          </a:xfrm>
+          <a:prstGeom prst="rect">
+            <a:avLst/>
+          </a:prstGeom>
+          <a:noFill/>
+        </p:spPr>
+        <p:txBody>
+          <a:bodyPr wrap="square" rtlCol="0">
+            <a:spAutoFit/>
+          </a:bodyPr>
+          <a:lstStyle/>
+          <a:p>
+            <a:pPr marL="285750" indent="-285750">
+              <a:lnSpc>
+                <a:spcPct val="150000"/>
+              </a:lnSpc>
+              <a:buFont typeface="Arial" panose="020B0604020202020204" pitchFamily="34" charset="0"/>
+              <a:buChar char="•"/>
+            </a:pPr>
+            <a:r>
+              <a:rPr lang="en-GB" sz="2800" dirty="0" err="1">
+                <a:solidFill>
+                  <a:schemeClr val="tx1">
+                    <a:lumMod val="75000"/>
+                    <a:lumOff val="25000"/>
+                  </a:schemeClr>
+                </a:solidFill>
+              </a:rPr>
+              <a:t>Példa</a:t>
+            </a:r>
+            <a:endParaRPr lang="en-GB" sz="2800" dirty="0">
+              <a:solidFill>
+                <a:schemeClr val="tx1">
+                  <a:lumMod val="75000"/>
+                  <a:lumOff val="25000"/>
+                </a:schemeClr>
+              </a:solidFill>
+            </a:endParaRPr>
+          </a:p>
+          <a:p>
+            <a:pPr marL="285750" indent="-285750">
+              <a:lnSpc>
+                <a:spcPct val="150000"/>
+              </a:lnSpc>
+              <a:buFont typeface="Arial" panose="020B0604020202020204" pitchFamily="34" charset="0"/>
+              <a:buChar char="•"/>
+            </a:pPr>
+            <a:r>
+              <a:rPr lang="en-GB" sz="2800" dirty="0">
+                <a:solidFill>
+                  <a:schemeClr val="tx1">
+                    <a:lumMod val="75000"/>
+                    <a:lumOff val="25000"/>
+                  </a:schemeClr>
+                </a:solidFill>
+              </a:rPr>
+              <a:t>Lista</a:t>
+            </a:r>
+          </a:p>
+        </p:txBody>
+      </p:sp>
     </p:spTree>
     <p:extLst>
       <p:ext uri="{BB962C8B-B14F-4D97-AF65-F5344CB8AC3E}">
@@ -8956,7 +12867,7 @@
 </p:sld>
 </file>
 
-<file path=ppt/slides/slide14.xml><?xml version="1.0" encoding="utf-8"?>
+<file path=ppt/slides/slide17.xml><?xml version="1.0" encoding="utf-8"?>
 <p:sld xmlns:a="http://schemas.openxmlformats.org/drawingml/2006/main" xmlns:r="http://schemas.openxmlformats.org/officeDocument/2006/relationships" xmlns:p="http://schemas.openxmlformats.org/presentationml/2006/main">
   <p:cSld>
     <p:bg>
@@ -10041,6 +13952,133 @@
           </a:prstGeom>
         </p:spPr>
       </p:pic>
+      <p:sp>
+        <p:nvSpPr>
+          <p:cNvPr id="25" name="TextBox 24">
+            <a:extLst>
+              <a:ext uri="{FF2B5EF4-FFF2-40B4-BE49-F238E27FC236}">
+                <a16:creationId xmlns:a16="http://schemas.microsoft.com/office/drawing/2014/main" id="{BA5872AB-020C-4572-99A8-155DD76699D0}"/>
+              </a:ext>
+            </a:extLst>
+          </p:cNvPr>
+          <p:cNvSpPr txBox="1"/>
+          <p:nvPr/>
+        </p:nvSpPr>
+        <p:spPr>
+          <a:xfrm>
+            <a:off x="2900217" y="582884"/>
+            <a:ext cx="7914968" cy="1015663"/>
+          </a:xfrm>
+          <a:prstGeom prst="rect">
+            <a:avLst/>
+          </a:prstGeom>
+          <a:noFill/>
+        </p:spPr>
+        <p:txBody>
+          <a:bodyPr wrap="square" rtlCol="0">
+            <a:spAutoFit/>
+          </a:bodyPr>
+          <a:lstStyle/>
+          <a:p>
+            <a:r>
+              <a:rPr lang="en-GB" sz="6000" dirty="0">
+                <a:solidFill>
+                  <a:schemeClr val="tx1">
+                    <a:lumMod val="75000"/>
+                    <a:lumOff val="25000"/>
+                  </a:schemeClr>
+                </a:solidFill>
+              </a:rPr>
+              <a:t>Web</a:t>
+            </a:r>
+            <a:endParaRPr lang="en-US" sz="6000" dirty="0">
+              <a:solidFill>
+                <a:schemeClr val="tx1">
+                  <a:lumMod val="75000"/>
+                  <a:lumOff val="25000"/>
+                </a:schemeClr>
+              </a:solidFill>
+            </a:endParaRPr>
+          </a:p>
+        </p:txBody>
+      </p:sp>
+      <p:sp>
+        <p:nvSpPr>
+          <p:cNvPr id="26" name="TextBox 25">
+            <a:extLst>
+              <a:ext uri="{FF2B5EF4-FFF2-40B4-BE49-F238E27FC236}">
+                <a16:creationId xmlns:a16="http://schemas.microsoft.com/office/drawing/2014/main" id="{7BCCD462-E9EB-4C4E-9236-DD330D456F87}"/>
+              </a:ext>
+            </a:extLst>
+          </p:cNvPr>
+          <p:cNvSpPr txBox="1"/>
+          <p:nvPr/>
+        </p:nvSpPr>
+        <p:spPr>
+          <a:xfrm>
+            <a:off x="2900218" y="2238194"/>
+            <a:ext cx="7914968" cy="1318181"/>
+          </a:xfrm>
+          <a:prstGeom prst="rect">
+            <a:avLst/>
+          </a:prstGeom>
+          <a:noFill/>
+        </p:spPr>
+        <p:txBody>
+          <a:bodyPr wrap="square" rtlCol="0">
+            <a:spAutoFit/>
+          </a:bodyPr>
+          <a:lstStyle/>
+          <a:p>
+            <a:pPr marL="285750" indent="-285750">
+              <a:lnSpc>
+                <a:spcPct val="150000"/>
+              </a:lnSpc>
+              <a:buFont typeface="Arial" panose="020B0604020202020204" pitchFamily="34" charset="0"/>
+              <a:buChar char="•"/>
+            </a:pPr>
+            <a:r>
+              <a:rPr lang="en-GB" sz="2800" dirty="0" err="1">
+                <a:solidFill>
+                  <a:schemeClr val="tx1">
+                    <a:lumMod val="75000"/>
+                    <a:lumOff val="25000"/>
+                  </a:schemeClr>
+                </a:solidFill>
+              </a:rPr>
+              <a:t>Példa</a:t>
+            </a:r>
+            <a:endParaRPr lang="en-GB" sz="2800" dirty="0">
+              <a:solidFill>
+                <a:schemeClr val="tx1">
+                  <a:lumMod val="75000"/>
+                  <a:lumOff val="25000"/>
+                </a:schemeClr>
+              </a:solidFill>
+            </a:endParaRPr>
+          </a:p>
+          <a:p>
+            <a:pPr marL="285750" indent="-285750">
+              <a:lnSpc>
+                <a:spcPct val="150000"/>
+              </a:lnSpc>
+              <a:buFont typeface="Arial" panose="020B0604020202020204" pitchFamily="34" charset="0"/>
+              <a:buChar char="•"/>
+            </a:pPr>
+            <a:r>
+              <a:rPr lang="en-GB" sz="2800" dirty="0">
+                <a:solidFill>
+                  <a:schemeClr val="tx1">
+                    <a:lumMod val="75000"/>
+                    <a:lumOff val="25000"/>
+                  </a:schemeClr>
+                </a:solidFill>
+              </a:rPr>
+              <a:t>Lista</a:t>
+            </a:r>
+          </a:p>
+        </p:txBody>
+      </p:sp>
     </p:spTree>
     <p:extLst>
       <p:ext uri="{BB962C8B-B14F-4D97-AF65-F5344CB8AC3E}">
@@ -10066,7 +14104,7 @@
 </p:sld>
 </file>
 
-<file path=ppt/slides/slide15.xml><?xml version="1.0" encoding="utf-8"?>
+<file path=ppt/slides/slide18.xml><?xml version="1.0" encoding="utf-8"?>
 <p:sld xmlns:a="http://schemas.openxmlformats.org/drawingml/2006/main" xmlns:r="http://schemas.openxmlformats.org/officeDocument/2006/relationships" xmlns:p="http://schemas.openxmlformats.org/presentationml/2006/main">
   <p:cSld>
     <p:bg>
@@ -11176,7 +15214,7 @@
 </p:sld>
 </file>
 
-<file path=ppt/slides/slide16.xml><?xml version="1.0" encoding="utf-8"?>
+<file path=ppt/slides/slide19.xml><?xml version="1.0" encoding="utf-8"?>
 <p:sld xmlns:a="http://schemas.openxmlformats.org/drawingml/2006/main" xmlns:r="http://schemas.openxmlformats.org/officeDocument/2006/relationships" xmlns:p="http://schemas.openxmlformats.org/presentationml/2006/main">
   <p:cSld>
     <p:bg>
@@ -12282,7 +16320,1205 @@
 </p:sld>
 </file>
 
-<file path=ppt/slides/slide17.xml><?xml version="1.0" encoding="utf-8"?>
+<file path=ppt/slides/slide2.xml><?xml version="1.0" encoding="utf-8"?>
+<p:sld xmlns:a="http://schemas.openxmlformats.org/drawingml/2006/main" xmlns:r="http://schemas.openxmlformats.org/officeDocument/2006/relationships" xmlns:p="http://schemas.openxmlformats.org/presentationml/2006/main">
+  <p:cSld>
+    <p:bg>
+      <p:bgPr>
+        <a:solidFill>
+          <a:srgbClr val="6500EE"/>
+        </a:solidFill>
+        <a:effectLst/>
+      </p:bgPr>
+    </p:bg>
+    <p:spTree>
+      <p:nvGrpSpPr>
+        <p:cNvPr id="1" name=""/>
+        <p:cNvGrpSpPr/>
+        <p:nvPr/>
+      </p:nvGrpSpPr>
+      <p:grpSpPr>
+        <a:xfrm>
+          <a:off x="0" y="0"/>
+          <a:ext cx="0" cy="0"/>
+          <a:chOff x="0" y="0"/>
+          <a:chExt cx="0" cy="0"/>
+        </a:xfrm>
+      </p:grpSpPr>
+      <p:grpSp>
+        <p:nvGrpSpPr>
+          <p:cNvPr id="11" name="Group 10">
+            <a:extLst>
+              <a:ext uri="{FF2B5EF4-FFF2-40B4-BE49-F238E27FC236}">
+                <a16:creationId xmlns:a16="http://schemas.microsoft.com/office/drawing/2014/main" id="{2FD25B7A-0646-44A0-A58F-0D968DED6F84}"/>
+              </a:ext>
+            </a:extLst>
+          </p:cNvPr>
+          <p:cNvGrpSpPr/>
+          <p:nvPr/>
+        </p:nvGrpSpPr>
+        <p:grpSpPr>
+          <a:xfrm>
+            <a:off x="1030161" y="451163"/>
+            <a:ext cx="841634" cy="841634"/>
+            <a:chOff x="-841634" y="451163"/>
+            <a:chExt cx="841634" cy="841634"/>
+          </a:xfrm>
+        </p:grpSpPr>
+        <p:sp>
+          <p:nvSpPr>
+            <p:cNvPr id="12" name="Oval 11">
+              <a:extLst>
+                <a:ext uri="{FF2B5EF4-FFF2-40B4-BE49-F238E27FC236}">
+                  <a16:creationId xmlns:a16="http://schemas.microsoft.com/office/drawing/2014/main" id="{F7D203E2-6FD0-45C8-B3B8-8D523D4343FC}"/>
+                </a:ext>
+              </a:extLst>
+            </p:cNvPr>
+            <p:cNvSpPr/>
+            <p:nvPr/>
+          </p:nvSpPr>
+          <p:spPr>
+            <a:xfrm>
+              <a:off x="-841634" y="451163"/>
+              <a:ext cx="841634" cy="841634"/>
+            </a:xfrm>
+            <a:prstGeom prst="ellipse">
+              <a:avLst/>
+            </a:prstGeom>
+            <a:solidFill>
+              <a:schemeClr val="bg1"/>
+            </a:solidFill>
+            <a:ln>
+              <a:noFill/>
+            </a:ln>
+          </p:spPr>
+          <p:style>
+            <a:lnRef idx="2">
+              <a:schemeClr val="accent1">
+                <a:shade val="50000"/>
+              </a:schemeClr>
+            </a:lnRef>
+            <a:fillRef idx="1">
+              <a:schemeClr val="accent1"/>
+            </a:fillRef>
+            <a:effectRef idx="0">
+              <a:schemeClr val="accent1"/>
+            </a:effectRef>
+            <a:fontRef idx="minor">
+              <a:schemeClr val="lt1"/>
+            </a:fontRef>
+          </p:style>
+          <p:txBody>
+            <a:bodyPr rtlCol="0" anchor="ctr"/>
+            <a:lstStyle/>
+            <a:p>
+              <a:pPr algn="ctr"/>
+              <a:endParaRPr lang="en-US"/>
+            </a:p>
+          </p:txBody>
+        </p:sp>
+        <p:pic>
+          <p:nvPicPr>
+            <p:cNvPr id="13" name="Graphic 12" descr="Group of men">
+              <a:extLst>
+                <a:ext uri="{FF2B5EF4-FFF2-40B4-BE49-F238E27FC236}">
+                  <a16:creationId xmlns:a16="http://schemas.microsoft.com/office/drawing/2014/main" id="{0E4CA495-0C21-4B2B-BE4D-D5D27DE87D5B}"/>
+                </a:ext>
+              </a:extLst>
+            </p:cNvPr>
+            <p:cNvPicPr>
+              <a:picLocks noChangeAspect="1"/>
+            </p:cNvPicPr>
+            <p:nvPr/>
+          </p:nvPicPr>
+          <p:blipFill>
+            <a:blip r:embed="rId2">
+              <a:extLst>
+                <a:ext uri="{28A0092B-C50C-407E-A947-70E740481C1C}">
+                  <a14:useLocalDpi xmlns:a14="http://schemas.microsoft.com/office/drawing/2010/main" val="0"/>
+                </a:ext>
+                <a:ext uri="{96DAC541-7B7A-43D3-8B79-37D633B846F1}">
+                  <asvg:svgBlip xmlns:asvg="http://schemas.microsoft.com/office/drawing/2016/SVG/main" r:embed="rId3"/>
+                </a:ext>
+              </a:extLst>
+            </a:blip>
+            <a:stretch>
+              <a:fillRect/>
+            </a:stretch>
+          </p:blipFill>
+          <p:spPr>
+            <a:xfrm>
+              <a:off x="-715261" y="582884"/>
+              <a:ext cx="578191" cy="578191"/>
+            </a:xfrm>
+            <a:prstGeom prst="rect">
+              <a:avLst/>
+            </a:prstGeom>
+          </p:spPr>
+        </p:pic>
+      </p:grpSp>
+      <p:grpSp>
+        <p:nvGrpSpPr>
+          <p:cNvPr id="14" name="Group 13">
+            <a:extLst>
+              <a:ext uri="{FF2B5EF4-FFF2-40B4-BE49-F238E27FC236}">
+                <a16:creationId xmlns:a16="http://schemas.microsoft.com/office/drawing/2014/main" id="{C719EE4E-831C-439D-B313-E20D18D5DCC1}"/>
+              </a:ext>
+            </a:extLst>
+          </p:cNvPr>
+          <p:cNvGrpSpPr/>
+          <p:nvPr/>
+        </p:nvGrpSpPr>
+        <p:grpSpPr>
+          <a:xfrm>
+            <a:off x="-846979" y="1734435"/>
+            <a:ext cx="841634" cy="841634"/>
+            <a:chOff x="-846979" y="1734435"/>
+            <a:chExt cx="841634" cy="841634"/>
+          </a:xfrm>
+        </p:grpSpPr>
+        <p:sp>
+          <p:nvSpPr>
+            <p:cNvPr id="15" name="Oval 14">
+              <a:extLst>
+                <a:ext uri="{FF2B5EF4-FFF2-40B4-BE49-F238E27FC236}">
+                  <a16:creationId xmlns:a16="http://schemas.microsoft.com/office/drawing/2014/main" id="{7CD53666-A7D4-48F2-8A78-D599CB8DA794}"/>
+                </a:ext>
+              </a:extLst>
+            </p:cNvPr>
+            <p:cNvSpPr/>
+            <p:nvPr/>
+          </p:nvSpPr>
+          <p:spPr>
+            <a:xfrm>
+              <a:off x="-846979" y="1734435"/>
+              <a:ext cx="841634" cy="841634"/>
+            </a:xfrm>
+            <a:prstGeom prst="ellipse">
+              <a:avLst/>
+            </a:prstGeom>
+            <a:solidFill>
+              <a:schemeClr val="bg1"/>
+            </a:solidFill>
+            <a:ln>
+              <a:noFill/>
+            </a:ln>
+          </p:spPr>
+          <p:style>
+            <a:lnRef idx="2">
+              <a:schemeClr val="accent1">
+                <a:shade val="50000"/>
+              </a:schemeClr>
+            </a:lnRef>
+            <a:fillRef idx="1">
+              <a:schemeClr val="accent1"/>
+            </a:fillRef>
+            <a:effectRef idx="0">
+              <a:schemeClr val="accent1"/>
+            </a:effectRef>
+            <a:fontRef idx="minor">
+              <a:schemeClr val="lt1"/>
+            </a:fontRef>
+          </p:style>
+          <p:txBody>
+            <a:bodyPr rtlCol="0" anchor="ctr"/>
+            <a:lstStyle/>
+            <a:p>
+              <a:pPr algn="ctr"/>
+              <a:endParaRPr lang="en-US"/>
+            </a:p>
+          </p:txBody>
+        </p:sp>
+        <p:pic>
+          <p:nvPicPr>
+            <p:cNvPr id="16" name="Graphic 15" descr="Server">
+              <a:extLst>
+                <a:ext uri="{FF2B5EF4-FFF2-40B4-BE49-F238E27FC236}">
+                  <a16:creationId xmlns:a16="http://schemas.microsoft.com/office/drawing/2014/main" id="{BA595A6F-3196-4E2A-BD03-8750EE9A921A}"/>
+                </a:ext>
+              </a:extLst>
+            </p:cNvPr>
+            <p:cNvPicPr>
+              <a:picLocks noChangeAspect="1"/>
+            </p:cNvPicPr>
+            <p:nvPr/>
+          </p:nvPicPr>
+          <p:blipFill>
+            <a:blip r:embed="rId4">
+              <a:extLst>
+                <a:ext uri="{28A0092B-C50C-407E-A947-70E740481C1C}">
+                  <a14:useLocalDpi xmlns:a14="http://schemas.microsoft.com/office/drawing/2010/main" val="0"/>
+                </a:ext>
+                <a:ext uri="{96DAC541-7B7A-43D3-8B79-37D633B846F1}">
+                  <asvg:svgBlip xmlns:asvg="http://schemas.microsoft.com/office/drawing/2016/SVG/main" r:embed="rId5"/>
+                </a:ext>
+              </a:extLst>
+            </a:blip>
+            <a:stretch>
+              <a:fillRect/>
+            </a:stretch>
+          </p:blipFill>
+          <p:spPr>
+            <a:xfrm>
+              <a:off x="-715261" y="1875053"/>
+              <a:ext cx="578191" cy="578191"/>
+            </a:xfrm>
+            <a:prstGeom prst="rect">
+              <a:avLst/>
+            </a:prstGeom>
+          </p:spPr>
+        </p:pic>
+      </p:grpSp>
+      <p:grpSp>
+        <p:nvGrpSpPr>
+          <p:cNvPr id="17" name="Group 16">
+            <a:extLst>
+              <a:ext uri="{FF2B5EF4-FFF2-40B4-BE49-F238E27FC236}">
+                <a16:creationId xmlns:a16="http://schemas.microsoft.com/office/drawing/2014/main" id="{BD983F21-6984-4015-B4BA-DA5BEBDAEFD7}"/>
+              </a:ext>
+            </a:extLst>
+          </p:cNvPr>
+          <p:cNvGrpSpPr/>
+          <p:nvPr/>
+        </p:nvGrpSpPr>
+        <p:grpSpPr>
+          <a:xfrm>
+            <a:off x="-846979" y="4300979"/>
+            <a:ext cx="841634" cy="841634"/>
+            <a:chOff x="-846979" y="4300979"/>
+            <a:chExt cx="841634" cy="841634"/>
+          </a:xfrm>
+        </p:grpSpPr>
+        <p:sp>
+          <p:nvSpPr>
+            <p:cNvPr id="18" name="Oval 17">
+              <a:extLst>
+                <a:ext uri="{FF2B5EF4-FFF2-40B4-BE49-F238E27FC236}">
+                  <a16:creationId xmlns:a16="http://schemas.microsoft.com/office/drawing/2014/main" id="{C23A6CDF-4EDC-454B-A8E1-F416E665E75A}"/>
+                </a:ext>
+              </a:extLst>
+            </p:cNvPr>
+            <p:cNvSpPr/>
+            <p:nvPr/>
+          </p:nvSpPr>
+          <p:spPr>
+            <a:xfrm>
+              <a:off x="-846979" y="4300979"/>
+              <a:ext cx="841634" cy="841634"/>
+            </a:xfrm>
+            <a:prstGeom prst="ellipse">
+              <a:avLst/>
+            </a:prstGeom>
+            <a:solidFill>
+              <a:schemeClr val="bg1"/>
+            </a:solidFill>
+            <a:ln>
+              <a:noFill/>
+            </a:ln>
+          </p:spPr>
+          <p:style>
+            <a:lnRef idx="2">
+              <a:schemeClr val="accent1">
+                <a:shade val="50000"/>
+              </a:schemeClr>
+            </a:lnRef>
+            <a:fillRef idx="1">
+              <a:schemeClr val="accent1"/>
+            </a:fillRef>
+            <a:effectRef idx="0">
+              <a:schemeClr val="accent1"/>
+            </a:effectRef>
+            <a:fontRef idx="minor">
+              <a:schemeClr val="lt1"/>
+            </a:fontRef>
+          </p:style>
+          <p:txBody>
+            <a:bodyPr rtlCol="0" anchor="ctr"/>
+            <a:lstStyle/>
+            <a:p>
+              <a:pPr algn="ctr"/>
+              <a:endParaRPr lang="en-US"/>
+            </a:p>
+          </p:txBody>
+        </p:sp>
+        <p:pic>
+          <p:nvPicPr>
+            <p:cNvPr id="19" name="Graphic 18" descr="Computer">
+              <a:extLst>
+                <a:ext uri="{FF2B5EF4-FFF2-40B4-BE49-F238E27FC236}">
+                  <a16:creationId xmlns:a16="http://schemas.microsoft.com/office/drawing/2014/main" id="{A085F650-3CEE-4369-AF85-F9718E965C3F}"/>
+                </a:ext>
+              </a:extLst>
+            </p:cNvPr>
+            <p:cNvPicPr>
+              <a:picLocks noChangeAspect="1"/>
+            </p:cNvPicPr>
+            <p:nvPr/>
+          </p:nvPicPr>
+          <p:blipFill>
+            <a:blip r:embed="rId6">
+              <a:extLst>
+                <a:ext uri="{28A0092B-C50C-407E-A947-70E740481C1C}">
+                  <a14:useLocalDpi xmlns:a14="http://schemas.microsoft.com/office/drawing/2010/main" val="0"/>
+                </a:ext>
+                <a:ext uri="{96DAC541-7B7A-43D3-8B79-37D633B846F1}">
+                  <asvg:svgBlip xmlns:asvg="http://schemas.microsoft.com/office/drawing/2016/SVG/main" r:embed="rId7"/>
+                </a:ext>
+              </a:extLst>
+            </a:blip>
+            <a:stretch>
+              <a:fillRect/>
+            </a:stretch>
+          </p:blipFill>
+          <p:spPr>
+            <a:xfrm>
+              <a:off x="-715262" y="4432700"/>
+              <a:ext cx="578191" cy="578191"/>
+            </a:xfrm>
+            <a:prstGeom prst="rect">
+              <a:avLst/>
+            </a:prstGeom>
+          </p:spPr>
+        </p:pic>
+      </p:grpSp>
+      <p:grpSp>
+        <p:nvGrpSpPr>
+          <p:cNvPr id="20" name="Group 19">
+            <a:extLst>
+              <a:ext uri="{FF2B5EF4-FFF2-40B4-BE49-F238E27FC236}">
+                <a16:creationId xmlns:a16="http://schemas.microsoft.com/office/drawing/2014/main" id="{5C50E7F1-444F-43E3-A8A5-B0B8B9BAAC3A}"/>
+              </a:ext>
+            </a:extLst>
+          </p:cNvPr>
+          <p:cNvGrpSpPr/>
+          <p:nvPr/>
+        </p:nvGrpSpPr>
+        <p:grpSpPr>
+          <a:xfrm>
+            <a:off x="-846981" y="5584251"/>
+            <a:ext cx="841634" cy="841634"/>
+            <a:chOff x="-846981" y="5584251"/>
+            <a:chExt cx="841634" cy="841634"/>
+          </a:xfrm>
+        </p:grpSpPr>
+        <p:sp>
+          <p:nvSpPr>
+            <p:cNvPr id="21" name="Oval 20">
+              <a:extLst>
+                <a:ext uri="{FF2B5EF4-FFF2-40B4-BE49-F238E27FC236}">
+                  <a16:creationId xmlns:a16="http://schemas.microsoft.com/office/drawing/2014/main" id="{3BC5FDE2-3A61-4DF1-86E2-B05DFC1D45AD}"/>
+                </a:ext>
+              </a:extLst>
+            </p:cNvPr>
+            <p:cNvSpPr/>
+            <p:nvPr/>
+          </p:nvSpPr>
+          <p:spPr>
+            <a:xfrm>
+              <a:off x="-846981" y="5584251"/>
+              <a:ext cx="841634" cy="841634"/>
+            </a:xfrm>
+            <a:prstGeom prst="ellipse">
+              <a:avLst/>
+            </a:prstGeom>
+            <a:solidFill>
+              <a:schemeClr val="bg1"/>
+            </a:solidFill>
+            <a:ln>
+              <a:noFill/>
+            </a:ln>
+          </p:spPr>
+          <p:style>
+            <a:lnRef idx="2">
+              <a:schemeClr val="accent1">
+                <a:shade val="50000"/>
+              </a:schemeClr>
+            </a:lnRef>
+            <a:fillRef idx="1">
+              <a:schemeClr val="accent1"/>
+            </a:fillRef>
+            <a:effectRef idx="0">
+              <a:schemeClr val="accent1"/>
+            </a:effectRef>
+            <a:fontRef idx="minor">
+              <a:schemeClr val="lt1"/>
+            </a:fontRef>
+          </p:style>
+          <p:txBody>
+            <a:bodyPr rtlCol="0" anchor="ctr"/>
+            <a:lstStyle/>
+            <a:p>
+              <a:pPr algn="ctr"/>
+              <a:endParaRPr lang="en-US"/>
+            </a:p>
+          </p:txBody>
+        </p:sp>
+        <p:pic>
+          <p:nvPicPr>
+            <p:cNvPr id="22" name="Graphic 21" descr="Web design">
+              <a:extLst>
+                <a:ext uri="{FF2B5EF4-FFF2-40B4-BE49-F238E27FC236}">
+                  <a16:creationId xmlns:a16="http://schemas.microsoft.com/office/drawing/2014/main" id="{63C24EBF-789E-4282-96D8-1D276838910B}"/>
+                </a:ext>
+              </a:extLst>
+            </p:cNvPr>
+            <p:cNvPicPr>
+              <a:picLocks noChangeAspect="1"/>
+            </p:cNvPicPr>
+            <p:nvPr/>
+          </p:nvPicPr>
+          <p:blipFill>
+            <a:blip r:embed="rId8">
+              <a:extLst>
+                <a:ext uri="{28A0092B-C50C-407E-A947-70E740481C1C}">
+                  <a14:useLocalDpi xmlns:a14="http://schemas.microsoft.com/office/drawing/2010/main" val="0"/>
+                </a:ext>
+                <a:ext uri="{96DAC541-7B7A-43D3-8B79-37D633B846F1}">
+                  <asvg:svgBlip xmlns:asvg="http://schemas.microsoft.com/office/drawing/2016/SVG/main" r:embed="rId9"/>
+                </a:ext>
+              </a:extLst>
+            </a:blip>
+            <a:stretch>
+              <a:fillRect/>
+            </a:stretch>
+          </p:blipFill>
+          <p:spPr>
+            <a:xfrm>
+              <a:off x="-715257" y="5715972"/>
+              <a:ext cx="578191" cy="578191"/>
+            </a:xfrm>
+            <a:prstGeom prst="rect">
+              <a:avLst/>
+            </a:prstGeom>
+          </p:spPr>
+        </p:pic>
+      </p:grpSp>
+      <p:grpSp>
+        <p:nvGrpSpPr>
+          <p:cNvPr id="28" name="Group 27">
+            <a:extLst>
+              <a:ext uri="{FF2B5EF4-FFF2-40B4-BE49-F238E27FC236}">
+                <a16:creationId xmlns:a16="http://schemas.microsoft.com/office/drawing/2014/main" id="{E38FFCB3-5F33-4C61-AAF1-DDA6AE2C27B3}"/>
+              </a:ext>
+            </a:extLst>
+          </p:cNvPr>
+          <p:cNvGrpSpPr/>
+          <p:nvPr/>
+        </p:nvGrpSpPr>
+        <p:grpSpPr>
+          <a:xfrm>
+            <a:off x="-841634" y="3008183"/>
+            <a:ext cx="841634" cy="841634"/>
+            <a:chOff x="5675183" y="3005477"/>
+            <a:chExt cx="841634" cy="841634"/>
+          </a:xfrm>
+        </p:grpSpPr>
+        <p:sp>
+          <p:nvSpPr>
+            <p:cNvPr id="29" name="Oval 28">
+              <a:extLst>
+                <a:ext uri="{FF2B5EF4-FFF2-40B4-BE49-F238E27FC236}">
+                  <a16:creationId xmlns:a16="http://schemas.microsoft.com/office/drawing/2014/main" id="{1BE0B4A3-57E8-4C62-9D1D-4F021E2056FE}"/>
+                </a:ext>
+              </a:extLst>
+            </p:cNvPr>
+            <p:cNvSpPr/>
+            <p:nvPr/>
+          </p:nvSpPr>
+          <p:spPr>
+            <a:xfrm>
+              <a:off x="5675183" y="3005477"/>
+              <a:ext cx="841634" cy="841634"/>
+            </a:xfrm>
+            <a:prstGeom prst="ellipse">
+              <a:avLst/>
+            </a:prstGeom>
+            <a:solidFill>
+              <a:srgbClr val="FFFFFF"/>
+            </a:solidFill>
+            <a:ln>
+              <a:noFill/>
+            </a:ln>
+          </p:spPr>
+          <p:style>
+            <a:lnRef idx="2">
+              <a:schemeClr val="accent1">
+                <a:shade val="50000"/>
+              </a:schemeClr>
+            </a:lnRef>
+            <a:fillRef idx="1">
+              <a:schemeClr val="accent1"/>
+            </a:fillRef>
+            <a:effectRef idx="0">
+              <a:schemeClr val="accent1"/>
+            </a:effectRef>
+            <a:fontRef idx="minor">
+              <a:schemeClr val="lt1"/>
+            </a:fontRef>
+          </p:style>
+          <p:txBody>
+            <a:bodyPr rtlCol="0" anchor="ctr"/>
+            <a:lstStyle/>
+            <a:p>
+              <a:pPr algn="ctr"/>
+              <a:endParaRPr lang="en-US"/>
+            </a:p>
+          </p:txBody>
+        </p:sp>
+        <p:pic>
+          <p:nvPicPr>
+            <p:cNvPr id="30" name="Graphic 29" descr="Smart Phone">
+              <a:extLst>
+                <a:ext uri="{FF2B5EF4-FFF2-40B4-BE49-F238E27FC236}">
+                  <a16:creationId xmlns:a16="http://schemas.microsoft.com/office/drawing/2014/main" id="{799A6D27-0847-4276-AAD5-799AC6DB626C}"/>
+                </a:ext>
+              </a:extLst>
+            </p:cNvPr>
+            <p:cNvPicPr>
+              <a:picLocks noChangeAspect="1"/>
+            </p:cNvPicPr>
+            <p:nvPr/>
+          </p:nvPicPr>
+          <p:blipFill>
+            <a:blip r:embed="rId10">
+              <a:extLst>
+                <a:ext uri="{28A0092B-C50C-407E-A947-70E740481C1C}">
+                  <a14:useLocalDpi xmlns:a14="http://schemas.microsoft.com/office/drawing/2010/main" val="0"/>
+                </a:ext>
+                <a:ext uri="{96DAC541-7B7A-43D3-8B79-37D633B846F1}">
+                  <asvg:svgBlip xmlns:asvg="http://schemas.microsoft.com/office/drawing/2016/SVG/main" r:embed="rId11"/>
+                </a:ext>
+              </a:extLst>
+            </a:blip>
+            <a:stretch>
+              <a:fillRect/>
+            </a:stretch>
+          </p:blipFill>
+          <p:spPr>
+            <a:xfrm flipV="1">
+              <a:off x="5806902" y="3137198"/>
+              <a:ext cx="578191" cy="578191"/>
+            </a:xfrm>
+            <a:prstGeom prst="rect">
+              <a:avLst/>
+            </a:prstGeom>
+          </p:spPr>
+        </p:pic>
+      </p:grpSp>
+      <p:sp>
+        <p:nvSpPr>
+          <p:cNvPr id="10" name="Freeform: Shape 9">
+            <a:extLst>
+              <a:ext uri="{FF2B5EF4-FFF2-40B4-BE49-F238E27FC236}">
+                <a16:creationId xmlns:a16="http://schemas.microsoft.com/office/drawing/2014/main" id="{118713A0-7EB7-41F4-AA04-51478B126B2C}"/>
+              </a:ext>
+            </a:extLst>
+          </p:cNvPr>
+          <p:cNvSpPr/>
+          <p:nvPr/>
+        </p:nvSpPr>
+        <p:spPr>
+          <a:xfrm rot="10800000">
+            <a:off x="1739" y="-16472462"/>
+            <a:ext cx="1449238" cy="23553174"/>
+          </a:xfrm>
+          <a:custGeom>
+            <a:avLst/>
+            <a:gdLst>
+              <a:gd name="connsiteX0" fmla="*/ 0 w 1449238"/>
+              <a:gd name="connsiteY0" fmla="*/ 23553174 h 23553174"/>
+              <a:gd name="connsiteX1" fmla="*/ 0 w 1449238"/>
+              <a:gd name="connsiteY1" fmla="*/ 7057620 h 23553174"/>
+              <a:gd name="connsiteX2" fmla="*/ 828826 w 1449238"/>
+              <a:gd name="connsiteY2" fmla="*/ 6213536 h 23553174"/>
+              <a:gd name="connsiteX3" fmla="*/ 0 w 1449238"/>
+              <a:gd name="connsiteY3" fmla="*/ 5369453 h 23553174"/>
+              <a:gd name="connsiteX4" fmla="*/ 0 w 1449238"/>
+              <a:gd name="connsiteY4" fmla="*/ 0 h 23553174"/>
+              <a:gd name="connsiteX5" fmla="*/ 1449238 w 1449238"/>
+              <a:gd name="connsiteY5" fmla="*/ 0 h 23553174"/>
+              <a:gd name="connsiteX6" fmla="*/ 1449238 w 1449238"/>
+              <a:gd name="connsiteY6" fmla="*/ 23553174 h 23553174"/>
+              <a:gd name="connsiteX0" fmla="*/ 0 w 1449238"/>
+              <a:gd name="connsiteY0" fmla="*/ 23553174 h 23553174"/>
+              <a:gd name="connsiteX1" fmla="*/ 0 w 1449238"/>
+              <a:gd name="connsiteY1" fmla="*/ 7057620 h 23553174"/>
+              <a:gd name="connsiteX2" fmla="*/ 828826 w 1449238"/>
+              <a:gd name="connsiteY2" fmla="*/ 6213536 h 23553174"/>
+              <a:gd name="connsiteX3" fmla="*/ 0 w 1449238"/>
+              <a:gd name="connsiteY3" fmla="*/ 5369453 h 23553174"/>
+              <a:gd name="connsiteX4" fmla="*/ 0 w 1449238"/>
+              <a:gd name="connsiteY4" fmla="*/ 0 h 23553174"/>
+              <a:gd name="connsiteX5" fmla="*/ 1449238 w 1449238"/>
+              <a:gd name="connsiteY5" fmla="*/ 0 h 23553174"/>
+              <a:gd name="connsiteX6" fmla="*/ 1449238 w 1449238"/>
+              <a:gd name="connsiteY6" fmla="*/ 23553174 h 23553174"/>
+              <a:gd name="connsiteX7" fmla="*/ 0 w 1449238"/>
+              <a:gd name="connsiteY7" fmla="*/ 23553174 h 23553174"/>
+              <a:gd name="connsiteX0" fmla="*/ 0 w 1449238"/>
+              <a:gd name="connsiteY0" fmla="*/ 23553174 h 23553174"/>
+              <a:gd name="connsiteX1" fmla="*/ 0 w 1449238"/>
+              <a:gd name="connsiteY1" fmla="*/ 7057620 h 23553174"/>
+              <a:gd name="connsiteX2" fmla="*/ 828826 w 1449238"/>
+              <a:gd name="connsiteY2" fmla="*/ 6213536 h 23553174"/>
+              <a:gd name="connsiteX3" fmla="*/ 0 w 1449238"/>
+              <a:gd name="connsiteY3" fmla="*/ 5369453 h 23553174"/>
+              <a:gd name="connsiteX4" fmla="*/ 0 w 1449238"/>
+              <a:gd name="connsiteY4" fmla="*/ 0 h 23553174"/>
+              <a:gd name="connsiteX5" fmla="*/ 1449238 w 1449238"/>
+              <a:gd name="connsiteY5" fmla="*/ 0 h 23553174"/>
+              <a:gd name="connsiteX6" fmla="*/ 1449238 w 1449238"/>
+              <a:gd name="connsiteY6" fmla="*/ 23553174 h 23553174"/>
+              <a:gd name="connsiteX7" fmla="*/ 0 w 1449238"/>
+              <a:gd name="connsiteY7" fmla="*/ 23553174 h 23553174"/>
+              <a:gd name="connsiteX0" fmla="*/ 0 w 1449238"/>
+              <a:gd name="connsiteY0" fmla="*/ 23553174 h 23553174"/>
+              <a:gd name="connsiteX1" fmla="*/ 0 w 1449238"/>
+              <a:gd name="connsiteY1" fmla="*/ 7057620 h 23553174"/>
+              <a:gd name="connsiteX2" fmla="*/ 828826 w 1449238"/>
+              <a:gd name="connsiteY2" fmla="*/ 6213536 h 23553174"/>
+              <a:gd name="connsiteX3" fmla="*/ 0 w 1449238"/>
+              <a:gd name="connsiteY3" fmla="*/ 5369453 h 23553174"/>
+              <a:gd name="connsiteX4" fmla="*/ 0 w 1449238"/>
+              <a:gd name="connsiteY4" fmla="*/ 0 h 23553174"/>
+              <a:gd name="connsiteX5" fmla="*/ 1449238 w 1449238"/>
+              <a:gd name="connsiteY5" fmla="*/ 0 h 23553174"/>
+              <a:gd name="connsiteX6" fmla="*/ 1449238 w 1449238"/>
+              <a:gd name="connsiteY6" fmla="*/ 23553174 h 23553174"/>
+              <a:gd name="connsiteX7" fmla="*/ 0 w 1449238"/>
+              <a:gd name="connsiteY7" fmla="*/ 23553174 h 23553174"/>
+              <a:gd name="connsiteX0" fmla="*/ 0 w 1449238"/>
+              <a:gd name="connsiteY0" fmla="*/ 23553174 h 23553174"/>
+              <a:gd name="connsiteX1" fmla="*/ 0 w 1449238"/>
+              <a:gd name="connsiteY1" fmla="*/ 7057620 h 23553174"/>
+              <a:gd name="connsiteX2" fmla="*/ 828826 w 1449238"/>
+              <a:gd name="connsiteY2" fmla="*/ 6213536 h 23553174"/>
+              <a:gd name="connsiteX3" fmla="*/ 0 w 1449238"/>
+              <a:gd name="connsiteY3" fmla="*/ 5369453 h 23553174"/>
+              <a:gd name="connsiteX4" fmla="*/ 0 w 1449238"/>
+              <a:gd name="connsiteY4" fmla="*/ 0 h 23553174"/>
+              <a:gd name="connsiteX5" fmla="*/ 1449238 w 1449238"/>
+              <a:gd name="connsiteY5" fmla="*/ 0 h 23553174"/>
+              <a:gd name="connsiteX6" fmla="*/ 1449238 w 1449238"/>
+              <a:gd name="connsiteY6" fmla="*/ 23553174 h 23553174"/>
+              <a:gd name="connsiteX7" fmla="*/ 0 w 1449238"/>
+              <a:gd name="connsiteY7" fmla="*/ 23553174 h 23553174"/>
+              <a:gd name="connsiteX0" fmla="*/ 0 w 1449238"/>
+              <a:gd name="connsiteY0" fmla="*/ 23553174 h 23553174"/>
+              <a:gd name="connsiteX1" fmla="*/ 0 w 1449238"/>
+              <a:gd name="connsiteY1" fmla="*/ 7057620 h 23553174"/>
+              <a:gd name="connsiteX2" fmla="*/ 581176 w 1449238"/>
+              <a:gd name="connsiteY2" fmla="*/ 6213536 h 23553174"/>
+              <a:gd name="connsiteX3" fmla="*/ 0 w 1449238"/>
+              <a:gd name="connsiteY3" fmla="*/ 5369453 h 23553174"/>
+              <a:gd name="connsiteX4" fmla="*/ 0 w 1449238"/>
+              <a:gd name="connsiteY4" fmla="*/ 0 h 23553174"/>
+              <a:gd name="connsiteX5" fmla="*/ 1449238 w 1449238"/>
+              <a:gd name="connsiteY5" fmla="*/ 0 h 23553174"/>
+              <a:gd name="connsiteX6" fmla="*/ 1449238 w 1449238"/>
+              <a:gd name="connsiteY6" fmla="*/ 23553174 h 23553174"/>
+              <a:gd name="connsiteX7" fmla="*/ 0 w 1449238"/>
+              <a:gd name="connsiteY7" fmla="*/ 23553174 h 23553174"/>
+              <a:gd name="connsiteX0" fmla="*/ 0 w 1449238"/>
+              <a:gd name="connsiteY0" fmla="*/ 23553174 h 23553174"/>
+              <a:gd name="connsiteX1" fmla="*/ 0 w 1449238"/>
+              <a:gd name="connsiteY1" fmla="*/ 7057620 h 23553174"/>
+              <a:gd name="connsiteX2" fmla="*/ 564507 w 1449238"/>
+              <a:gd name="connsiteY2" fmla="*/ 6215918 h 23553174"/>
+              <a:gd name="connsiteX3" fmla="*/ 0 w 1449238"/>
+              <a:gd name="connsiteY3" fmla="*/ 5369453 h 23553174"/>
+              <a:gd name="connsiteX4" fmla="*/ 0 w 1449238"/>
+              <a:gd name="connsiteY4" fmla="*/ 0 h 23553174"/>
+              <a:gd name="connsiteX5" fmla="*/ 1449238 w 1449238"/>
+              <a:gd name="connsiteY5" fmla="*/ 0 h 23553174"/>
+              <a:gd name="connsiteX6" fmla="*/ 1449238 w 1449238"/>
+              <a:gd name="connsiteY6" fmla="*/ 23553174 h 23553174"/>
+              <a:gd name="connsiteX7" fmla="*/ 0 w 1449238"/>
+              <a:gd name="connsiteY7" fmla="*/ 23553174 h 23553174"/>
+            </a:gdLst>
+            <a:ahLst/>
+            <a:cxnLst>
+              <a:cxn ang="0">
+                <a:pos x="connsiteX0" y="connsiteY0"/>
+              </a:cxn>
+              <a:cxn ang="0">
+                <a:pos x="connsiteX1" y="connsiteY1"/>
+              </a:cxn>
+              <a:cxn ang="0">
+                <a:pos x="connsiteX2" y="connsiteY2"/>
+              </a:cxn>
+              <a:cxn ang="0">
+                <a:pos x="connsiteX3" y="connsiteY3"/>
+              </a:cxn>
+              <a:cxn ang="0">
+                <a:pos x="connsiteX4" y="connsiteY4"/>
+              </a:cxn>
+              <a:cxn ang="0">
+                <a:pos x="connsiteX5" y="connsiteY5"/>
+              </a:cxn>
+              <a:cxn ang="0">
+                <a:pos x="connsiteX6" y="connsiteY6"/>
+              </a:cxn>
+              <a:cxn ang="0">
+                <a:pos x="connsiteX7" y="connsiteY7"/>
+              </a:cxn>
+            </a:cxnLst>
+            <a:rect l="l" t="t" r="r" b="b"/>
+            <a:pathLst>
+              <a:path w="1449238" h="23553174">
+                <a:moveTo>
+                  <a:pt x="0" y="23553174"/>
+                </a:moveTo>
+                <a:lnTo>
+                  <a:pt x="0" y="7057620"/>
+                </a:lnTo>
+                <a:cubicBezTo>
+                  <a:pt x="4812" y="6633384"/>
+                  <a:pt x="564557" y="6719529"/>
+                  <a:pt x="564507" y="6215918"/>
+                </a:cubicBezTo>
+                <a:cubicBezTo>
+                  <a:pt x="564457" y="5712307"/>
+                  <a:pt x="2431" y="5798452"/>
+                  <a:pt x="0" y="5369453"/>
+                </a:cubicBezTo>
+                <a:lnTo>
+                  <a:pt x="0" y="0"/>
+                </a:lnTo>
+                <a:lnTo>
+                  <a:pt x="1449238" y="0"/>
+                </a:lnTo>
+                <a:lnTo>
+                  <a:pt x="1449238" y="23553174"/>
+                </a:lnTo>
+                <a:lnTo>
+                  <a:pt x="0" y="23553174"/>
+                </a:lnTo>
+                <a:close/>
+              </a:path>
+            </a:pathLst>
+          </a:custGeom>
+          <a:solidFill>
+            <a:schemeClr val="bg1"/>
+          </a:solidFill>
+          <a:ln>
+            <a:noFill/>
+          </a:ln>
+        </p:spPr>
+        <p:style>
+          <a:lnRef idx="2">
+            <a:schemeClr val="accent1">
+              <a:shade val="50000"/>
+            </a:schemeClr>
+          </a:lnRef>
+          <a:fillRef idx="1">
+            <a:schemeClr val="accent1"/>
+          </a:fillRef>
+          <a:effectRef idx="0">
+            <a:schemeClr val="accent1"/>
+          </a:effectRef>
+          <a:fontRef idx="minor">
+            <a:schemeClr val="lt1"/>
+          </a:fontRef>
+        </p:style>
+        <p:txBody>
+          <a:bodyPr wrap="square" rtlCol="0" anchor="ctr">
+            <a:noAutofit/>
+          </a:bodyPr>
+          <a:lstStyle/>
+          <a:p>
+            <a:pPr algn="ctr"/>
+            <a:endParaRPr lang="en-US"/>
+          </a:p>
+        </p:txBody>
+      </p:sp>
+      <p:pic>
+        <p:nvPicPr>
+          <p:cNvPr id="23" name="Graphic 22" descr="Group of men">
+            <a:hlinkClick r:id="rId12" action="ppaction://hlinksldjump"/>
+            <a:extLst>
+              <a:ext uri="{FF2B5EF4-FFF2-40B4-BE49-F238E27FC236}">
+                <a16:creationId xmlns:a16="http://schemas.microsoft.com/office/drawing/2014/main" id="{6B1B6614-2A22-4BA5-9BA2-14DAC91EEF35}"/>
+              </a:ext>
+            </a:extLst>
+          </p:cNvPr>
+          <p:cNvPicPr>
+            <a:picLocks noChangeAspect="1"/>
+          </p:cNvPicPr>
+          <p:nvPr/>
+        </p:nvPicPr>
+        <p:blipFill>
+          <a:blip r:embed="rId13">
+            <a:extLst>
+              <a:ext uri="{28A0092B-C50C-407E-A947-70E740481C1C}">
+                <a14:useLocalDpi xmlns:a14="http://schemas.microsoft.com/office/drawing/2010/main" val="0"/>
+              </a:ext>
+              <a:ext uri="{96DAC541-7B7A-43D3-8B79-37D633B846F1}">
+                <asvg:svgBlip xmlns:asvg="http://schemas.microsoft.com/office/drawing/2016/SVG/main" r:embed="rId14"/>
+              </a:ext>
+            </a:extLst>
+          </a:blip>
+          <a:stretch>
+            <a:fillRect/>
+          </a:stretch>
+        </p:blipFill>
+        <p:spPr>
+          <a:xfrm>
+            <a:off x="437264" y="582884"/>
+            <a:ext cx="578191" cy="578191"/>
+          </a:xfrm>
+          <a:prstGeom prst="rect">
+            <a:avLst/>
+          </a:prstGeom>
+        </p:spPr>
+      </p:pic>
+      <p:pic>
+        <p:nvPicPr>
+          <p:cNvPr id="24" name="Graphic 23" descr="Server">
+            <a:hlinkClick r:id="rId15" action="ppaction://hlinksldjump"/>
+            <a:extLst>
+              <a:ext uri="{FF2B5EF4-FFF2-40B4-BE49-F238E27FC236}">
+                <a16:creationId xmlns:a16="http://schemas.microsoft.com/office/drawing/2014/main" id="{DECA15C3-6AEE-4D0C-9526-1E7AAF61F746}"/>
+              </a:ext>
+            </a:extLst>
+          </p:cNvPr>
+          <p:cNvPicPr>
+            <a:picLocks noChangeAspect="1"/>
+          </p:cNvPicPr>
+          <p:nvPr/>
+        </p:nvPicPr>
+        <p:blipFill>
+          <a:blip r:embed="rId16">
+            <a:extLst>
+              <a:ext uri="{28A0092B-C50C-407E-A947-70E740481C1C}">
+                <a14:useLocalDpi xmlns:a14="http://schemas.microsoft.com/office/drawing/2010/main" val="0"/>
+              </a:ext>
+              <a:ext uri="{96DAC541-7B7A-43D3-8B79-37D633B846F1}">
+                <asvg:svgBlip xmlns:asvg="http://schemas.microsoft.com/office/drawing/2016/SVG/main" r:embed="rId17"/>
+              </a:ext>
+            </a:extLst>
+          </a:blip>
+          <a:stretch>
+            <a:fillRect/>
+          </a:stretch>
+        </p:blipFill>
+        <p:spPr>
+          <a:xfrm>
+            <a:off x="437264" y="1875053"/>
+            <a:ext cx="578191" cy="578191"/>
+          </a:xfrm>
+          <a:prstGeom prst="rect">
+            <a:avLst/>
+          </a:prstGeom>
+        </p:spPr>
+      </p:pic>
+      <p:pic>
+        <p:nvPicPr>
+          <p:cNvPr id="25" name="Graphic 24" descr="Smart Phone">
+            <a:hlinkClick r:id="rId18" action="ppaction://hlinksldjump"/>
+            <a:extLst>
+              <a:ext uri="{FF2B5EF4-FFF2-40B4-BE49-F238E27FC236}">
+                <a16:creationId xmlns:a16="http://schemas.microsoft.com/office/drawing/2014/main" id="{F1EE70D3-5FB8-47D0-AC38-5B01EF3600C6}"/>
+              </a:ext>
+            </a:extLst>
+          </p:cNvPr>
+          <p:cNvPicPr>
+            <a:picLocks noChangeAspect="1"/>
+          </p:cNvPicPr>
+          <p:nvPr/>
+        </p:nvPicPr>
+        <p:blipFill>
+          <a:blip r:embed="rId19">
+            <a:extLst>
+              <a:ext uri="{28A0092B-C50C-407E-A947-70E740481C1C}">
+                <a14:useLocalDpi xmlns:a14="http://schemas.microsoft.com/office/drawing/2010/main" val="0"/>
+              </a:ext>
+              <a:ext uri="{96DAC541-7B7A-43D3-8B79-37D633B846F1}">
+                <asvg:svgBlip xmlns:asvg="http://schemas.microsoft.com/office/drawing/2016/SVG/main" r:embed="rId20"/>
+              </a:ext>
+            </a:extLst>
+          </a:blip>
+          <a:stretch>
+            <a:fillRect/>
+          </a:stretch>
+        </p:blipFill>
+        <p:spPr>
+          <a:xfrm flipV="1">
+            <a:off x="437265" y="3149428"/>
+            <a:ext cx="578191" cy="578191"/>
+          </a:xfrm>
+          <a:prstGeom prst="rect">
+            <a:avLst/>
+          </a:prstGeom>
+        </p:spPr>
+      </p:pic>
+      <p:pic>
+        <p:nvPicPr>
+          <p:cNvPr id="26" name="Graphic 25" descr="Computer">
+            <a:hlinkClick r:id="rId21" action="ppaction://hlinksldjump"/>
+            <a:extLst>
+              <a:ext uri="{FF2B5EF4-FFF2-40B4-BE49-F238E27FC236}">
+                <a16:creationId xmlns:a16="http://schemas.microsoft.com/office/drawing/2014/main" id="{23824DE2-97FB-4180-9F90-AB78C9A49E19}"/>
+              </a:ext>
+            </a:extLst>
+          </p:cNvPr>
+          <p:cNvPicPr>
+            <a:picLocks noChangeAspect="1"/>
+          </p:cNvPicPr>
+          <p:nvPr/>
+        </p:nvPicPr>
+        <p:blipFill>
+          <a:blip r:embed="rId22">
+            <a:extLst>
+              <a:ext uri="{28A0092B-C50C-407E-A947-70E740481C1C}">
+                <a14:useLocalDpi xmlns:a14="http://schemas.microsoft.com/office/drawing/2010/main" val="0"/>
+              </a:ext>
+              <a:ext uri="{96DAC541-7B7A-43D3-8B79-37D633B846F1}">
+                <asvg:svgBlip xmlns:asvg="http://schemas.microsoft.com/office/drawing/2016/SVG/main" r:embed="rId23"/>
+              </a:ext>
+            </a:extLst>
+          </a:blip>
+          <a:stretch>
+            <a:fillRect/>
+          </a:stretch>
+        </p:blipFill>
+        <p:spPr>
+          <a:xfrm>
+            <a:off x="437263" y="4432700"/>
+            <a:ext cx="578191" cy="578191"/>
+          </a:xfrm>
+          <a:prstGeom prst="rect">
+            <a:avLst/>
+          </a:prstGeom>
+        </p:spPr>
+      </p:pic>
+      <p:pic>
+        <p:nvPicPr>
+          <p:cNvPr id="27" name="Graphic 26" descr="Web design">
+            <a:hlinkClick r:id="rId24" action="ppaction://hlinksldjump"/>
+            <a:extLst>
+              <a:ext uri="{FF2B5EF4-FFF2-40B4-BE49-F238E27FC236}">
+                <a16:creationId xmlns:a16="http://schemas.microsoft.com/office/drawing/2014/main" id="{366FD595-4570-4086-865F-42E763D15FC0}"/>
+              </a:ext>
+            </a:extLst>
+          </p:cNvPr>
+          <p:cNvPicPr>
+            <a:picLocks noChangeAspect="1"/>
+          </p:cNvPicPr>
+          <p:nvPr/>
+        </p:nvPicPr>
+        <p:blipFill>
+          <a:blip r:embed="rId25">
+            <a:extLst>
+              <a:ext uri="{28A0092B-C50C-407E-A947-70E740481C1C}">
+                <a14:useLocalDpi xmlns:a14="http://schemas.microsoft.com/office/drawing/2010/main" val="0"/>
+              </a:ext>
+              <a:ext uri="{96DAC541-7B7A-43D3-8B79-37D633B846F1}">
+                <asvg:svgBlip xmlns:asvg="http://schemas.microsoft.com/office/drawing/2016/SVG/main" r:embed="rId26"/>
+              </a:ext>
+            </a:extLst>
+          </a:blip>
+          <a:stretch>
+            <a:fillRect/>
+          </a:stretch>
+        </p:blipFill>
+        <p:spPr>
+          <a:xfrm>
+            <a:off x="437268" y="5715972"/>
+            <a:ext cx="578191" cy="578191"/>
+          </a:xfrm>
+          <a:prstGeom prst="rect">
+            <a:avLst/>
+          </a:prstGeom>
+        </p:spPr>
+      </p:pic>
+      <p:grpSp>
+        <p:nvGrpSpPr>
+          <p:cNvPr id="32" name="Group 31">
+            <a:extLst>
+              <a:ext uri="{FF2B5EF4-FFF2-40B4-BE49-F238E27FC236}">
+                <a16:creationId xmlns:a16="http://schemas.microsoft.com/office/drawing/2014/main" id="{20F5F269-76C6-4439-898B-3C53C53B6D96}"/>
+              </a:ext>
+            </a:extLst>
+          </p:cNvPr>
+          <p:cNvGrpSpPr/>
+          <p:nvPr/>
+        </p:nvGrpSpPr>
+        <p:grpSpPr>
+          <a:xfrm>
+            <a:off x="2043877" y="-1"/>
+            <a:ext cx="12190262" cy="6858000"/>
+            <a:chOff x="-5347" y="0"/>
+            <a:chExt cx="12190262" cy="6858000"/>
+          </a:xfrm>
+        </p:grpSpPr>
+        <p:sp>
+          <p:nvSpPr>
+            <p:cNvPr id="33" name="Rectangle 32">
+              <a:extLst>
+                <a:ext uri="{FF2B5EF4-FFF2-40B4-BE49-F238E27FC236}">
+                  <a16:creationId xmlns:a16="http://schemas.microsoft.com/office/drawing/2014/main" id="{8498F819-DBA3-4C49-A810-243F3B05C9CB}"/>
+                </a:ext>
+              </a:extLst>
+            </p:cNvPr>
+            <p:cNvSpPr/>
+            <p:nvPr/>
+          </p:nvSpPr>
+          <p:spPr>
+            <a:xfrm>
+              <a:off x="-5347" y="0"/>
+              <a:ext cx="12190262" cy="6858000"/>
+            </a:xfrm>
+            <a:prstGeom prst="rect">
+              <a:avLst/>
+            </a:prstGeom>
+            <a:solidFill>
+              <a:srgbClr val="00F5D4"/>
+            </a:solidFill>
+          </p:spPr>
+          <p:style>
+            <a:lnRef idx="2">
+              <a:schemeClr val="accent1">
+                <a:shade val="50000"/>
+              </a:schemeClr>
+            </a:lnRef>
+            <a:fillRef idx="1">
+              <a:schemeClr val="accent1"/>
+            </a:fillRef>
+            <a:effectRef idx="0">
+              <a:schemeClr val="accent1"/>
+            </a:effectRef>
+            <a:fontRef idx="minor">
+              <a:schemeClr val="lt1"/>
+            </a:fontRef>
+          </p:style>
+          <p:txBody>
+            <a:bodyPr rtlCol="0" anchor="ctr"/>
+            <a:lstStyle/>
+            <a:p>
+              <a:pPr algn="ctr"/>
+              <a:endParaRPr lang="en-US" sz="4400" dirty="0"/>
+            </a:p>
+          </p:txBody>
+        </p:sp>
+        <p:sp>
+          <p:nvSpPr>
+            <p:cNvPr id="34" name="Rectangle 33">
+              <a:extLst>
+                <a:ext uri="{FF2B5EF4-FFF2-40B4-BE49-F238E27FC236}">
+                  <a16:creationId xmlns:a16="http://schemas.microsoft.com/office/drawing/2014/main" id="{B54CACB7-BFDE-40FC-8D05-590D94CF2FC8}"/>
+                </a:ext>
+              </a:extLst>
+            </p:cNvPr>
+            <p:cNvSpPr/>
+            <p:nvPr/>
+          </p:nvSpPr>
+          <p:spPr>
+            <a:xfrm>
+              <a:off x="3490098" y="2715248"/>
+              <a:ext cx="5199372" cy="1446550"/>
+            </a:xfrm>
+            <a:prstGeom prst="rect">
+              <a:avLst/>
+            </a:prstGeom>
+            <a:noFill/>
+          </p:spPr>
+          <p:txBody>
+            <a:bodyPr wrap="none" lIns="91440" tIns="45720" rIns="91440" bIns="45720">
+              <a:spAutoFit/>
+            </a:bodyPr>
+            <a:lstStyle/>
+            <a:p>
+              <a:pPr algn="ctr"/>
+              <a:r>
+                <a:rPr lang="en-US" sz="8800" b="1" dirty="0" err="1">
+                  <a:ln w="12700">
+                    <a:solidFill>
+                      <a:schemeClr val="tx2">
+                        <a:lumMod val="75000"/>
+                      </a:schemeClr>
+                    </a:solidFill>
+                    <a:prstDash val="solid"/>
+                  </a:ln>
+                  <a:pattFill prst="dkUpDiag">
+                    <a:fgClr>
+                      <a:schemeClr val="tx2"/>
+                    </a:fgClr>
+                    <a:bgClr>
+                      <a:schemeClr val="tx2">
+                        <a:lumMod val="20000"/>
+                        <a:lumOff val="80000"/>
+                      </a:schemeClr>
+                    </a:bgClr>
+                  </a:pattFill>
+                  <a:effectLst>
+                    <a:outerShdw dist="38100" dir="2640000" algn="bl" rotWithShape="0">
+                      <a:schemeClr val="tx2">
+                        <a:lumMod val="75000"/>
+                      </a:schemeClr>
+                    </a:outerShdw>
+                  </a:effectLst>
+                </a:rPr>
+                <a:t>TurboNote</a:t>
+              </a:r>
+              <a:endParaRPr lang="en-US" sz="8800" b="1" dirty="0">
+                <a:ln w="12700">
+                  <a:solidFill>
+                    <a:schemeClr val="tx2">
+                      <a:lumMod val="75000"/>
+                    </a:schemeClr>
+                  </a:solidFill>
+                  <a:prstDash val="solid"/>
+                </a:ln>
+                <a:pattFill prst="dkUpDiag">
+                  <a:fgClr>
+                    <a:schemeClr val="tx2"/>
+                  </a:fgClr>
+                  <a:bgClr>
+                    <a:schemeClr val="tx2">
+                      <a:lumMod val="20000"/>
+                      <a:lumOff val="80000"/>
+                    </a:schemeClr>
+                  </a:bgClr>
+                </a:pattFill>
+                <a:effectLst>
+                  <a:outerShdw dist="38100" dir="2640000" algn="bl" rotWithShape="0">
+                    <a:schemeClr val="tx2">
+                      <a:lumMod val="75000"/>
+                    </a:schemeClr>
+                  </a:outerShdw>
+                </a:effectLst>
+              </a:endParaRPr>
+            </a:p>
+          </p:txBody>
+        </p:sp>
+      </p:grpSp>
+    </p:spTree>
+    <p:extLst>
+      <p:ext uri="{BB962C8B-B14F-4D97-AF65-F5344CB8AC3E}">
+        <p14:creationId xmlns:p14="http://schemas.microsoft.com/office/powerpoint/2010/main" val="4216656902"/>
+      </p:ext>
+    </p:extLst>
+  </p:cSld>
+  <p:clrMapOvr>
+    <a:masterClrMapping/>
+  </p:clrMapOvr>
+  <mc:AlternateContent xmlns:mc="http://schemas.openxmlformats.org/markup-compatibility/2006" xmlns:p159="http://schemas.microsoft.com/office/powerpoint/2015/09/main">
+    <mc:Choice Requires="p159">
+      <p:transition spd="med" advClick="0" advTm="0">
+        <p159:morph option="byObject"/>
+      </p:transition>
+    </mc:Choice>
+    <mc:Fallback xmlns="">
+      <p:transition spd="med" advClick="0" advTm="0">
+        <p:fade/>
+      </p:transition>
+    </mc:Fallback>
+  </mc:AlternateContent>
+</p:sld>
+</file>
+
+<file path=ppt/slides/slide20.xml><?xml version="1.0" encoding="utf-8"?>
 <p:sld xmlns:a="http://schemas.openxmlformats.org/drawingml/2006/main" xmlns:r="http://schemas.openxmlformats.org/officeDocument/2006/relationships" xmlns:p="http://schemas.openxmlformats.org/presentationml/2006/main">
   <p:cSld>
     <p:bg>
@@ -13569,7 +18805,7 @@
 </p:sld>
 </file>
 
-<file path=ppt/slides/slide2.xml><?xml version="1.0" encoding="utf-8"?>
+<file path=ppt/slides/slide3.xml><?xml version="1.0" encoding="utf-8"?>
 <p:sld xmlns:a="http://schemas.openxmlformats.org/drawingml/2006/main" xmlns:r="http://schemas.openxmlformats.org/officeDocument/2006/relationships" xmlns:p="http://schemas.openxmlformats.org/presentationml/2006/main">
   <p:cSld>
     <p:bg>
@@ -13594,6 +18830,167 @@
           <a:chExt cx="0" cy="0"/>
         </a:xfrm>
       </p:grpSpPr>
+      <p:grpSp>
+        <p:nvGrpSpPr>
+          <p:cNvPr id="32" name="Group 31">
+            <a:extLst>
+              <a:ext uri="{FF2B5EF4-FFF2-40B4-BE49-F238E27FC236}">
+                <a16:creationId xmlns:a16="http://schemas.microsoft.com/office/drawing/2014/main" id="{90B22B3A-77F5-41D4-B93B-070C1AC665C8}"/>
+              </a:ext>
+            </a:extLst>
+          </p:cNvPr>
+          <p:cNvGrpSpPr/>
+          <p:nvPr/>
+        </p:nvGrpSpPr>
+        <p:grpSpPr>
+          <a:xfrm>
+            <a:off x="2043877" y="0"/>
+            <a:ext cx="12190262" cy="6858000"/>
+            <a:chOff x="2043877" y="0"/>
+            <a:chExt cx="12190262" cy="6858000"/>
+          </a:xfrm>
+        </p:grpSpPr>
+        <p:sp>
+          <p:nvSpPr>
+            <p:cNvPr id="33" name="Rectangle 32">
+              <a:extLst>
+                <a:ext uri="{FF2B5EF4-FFF2-40B4-BE49-F238E27FC236}">
+                  <a16:creationId xmlns:a16="http://schemas.microsoft.com/office/drawing/2014/main" id="{3B64B6A3-FE14-44C8-8205-A3D2DAAB637F}"/>
+                </a:ext>
+              </a:extLst>
+            </p:cNvPr>
+            <p:cNvSpPr/>
+            <p:nvPr/>
+          </p:nvSpPr>
+          <p:spPr>
+            <a:xfrm>
+              <a:off x="2043877" y="0"/>
+              <a:ext cx="12190262" cy="6858000"/>
+            </a:xfrm>
+            <a:prstGeom prst="rect">
+              <a:avLst/>
+            </a:prstGeom>
+            <a:solidFill>
+              <a:srgbClr val="00F5D4"/>
+            </a:solidFill>
+          </p:spPr>
+          <p:style>
+            <a:lnRef idx="2">
+              <a:schemeClr val="accent1">
+                <a:shade val="50000"/>
+              </a:schemeClr>
+            </a:lnRef>
+            <a:fillRef idx="1">
+              <a:schemeClr val="accent1"/>
+            </a:fillRef>
+            <a:effectRef idx="0">
+              <a:schemeClr val="accent1"/>
+            </a:effectRef>
+            <a:fontRef idx="minor">
+              <a:schemeClr val="lt1"/>
+            </a:fontRef>
+          </p:style>
+          <p:txBody>
+            <a:bodyPr rtlCol="0" anchor="ctr"/>
+            <a:lstStyle/>
+            <a:p>
+              <a:pPr algn="ctr"/>
+              <a:endParaRPr lang="en-US" sz="4400" dirty="0"/>
+            </a:p>
+          </p:txBody>
+        </p:sp>
+        <p:sp>
+          <p:nvSpPr>
+            <p:cNvPr id="34" name="Rectangle 33">
+              <a:extLst>
+                <a:ext uri="{FF2B5EF4-FFF2-40B4-BE49-F238E27FC236}">
+                  <a16:creationId xmlns:a16="http://schemas.microsoft.com/office/drawing/2014/main" id="{7925DEA6-8346-4DB5-BA29-CD6D3466B35E}"/>
+                </a:ext>
+              </a:extLst>
+            </p:cNvPr>
+            <p:cNvSpPr/>
+            <p:nvPr/>
+          </p:nvSpPr>
+          <p:spPr>
+            <a:xfrm>
+              <a:off x="5539322" y="2715248"/>
+              <a:ext cx="5199372" cy="1446550"/>
+            </a:xfrm>
+            <a:prstGeom prst="rect">
+              <a:avLst/>
+            </a:prstGeom>
+            <a:noFill/>
+          </p:spPr>
+          <p:txBody>
+            <a:bodyPr wrap="none" lIns="91440" tIns="45720" rIns="91440" bIns="45720">
+              <a:spAutoFit/>
+            </a:bodyPr>
+            <a:lstStyle/>
+            <a:p>
+              <a:pPr algn="ctr"/>
+              <a:r>
+                <a:rPr lang="en-US" sz="8800" b="1" dirty="0" err="1">
+                  <a:ln w="12700">
+                    <a:solidFill>
+                      <a:schemeClr val="tx2">
+                        <a:lumMod val="75000"/>
+                      </a:schemeClr>
+                    </a:solidFill>
+                    <a:prstDash val="solid"/>
+                  </a:ln>
+                  <a:pattFill prst="dkUpDiag">
+                    <a:fgClr>
+                      <a:schemeClr val="tx2"/>
+                    </a:fgClr>
+                    <a:bgClr>
+                      <a:schemeClr val="tx2">
+                        <a:lumMod val="20000"/>
+                        <a:lumOff val="80000"/>
+                      </a:schemeClr>
+                    </a:bgClr>
+                  </a:pattFill>
+                  <a:effectLst>
+                    <a:outerShdw dist="38100" dir="2640000" algn="bl" rotWithShape="0">
+                      <a:schemeClr val="tx2">
+                        <a:lumMod val="75000"/>
+                      </a:schemeClr>
+                    </a:outerShdw>
+                  </a:effectLst>
+                </a:rPr>
+                <a:t>TurboNote</a:t>
+              </a:r>
+              <a:endParaRPr lang="en-US" sz="8800" b="1" dirty="0">
+                <a:ln w="12700">
+                  <a:solidFill>
+                    <a:schemeClr val="tx2">
+                      <a:lumMod val="75000"/>
+                    </a:schemeClr>
+                  </a:solidFill>
+                  <a:prstDash val="solid"/>
+                </a:ln>
+                <a:pattFill prst="dkUpDiag">
+                  <a:fgClr>
+                    <a:schemeClr val="tx2"/>
+                  </a:fgClr>
+                  <a:bgClr>
+                    <a:schemeClr val="tx2">
+                      <a:lumMod val="20000"/>
+                      <a:lumOff val="80000"/>
+                    </a:schemeClr>
+                  </a:bgClr>
+                </a:pattFill>
+                <a:effectLst>
+                  <a:outerShdw dist="38100" dir="2640000" algn="bl" rotWithShape="0">
+                    <a:schemeClr val="tx2">
+                      <a:lumMod val="75000"/>
+                    </a:schemeClr>
+                  </a:outerShdw>
+                </a:effectLst>
+              </a:endParaRPr>
+            </a:p>
+          </p:txBody>
+        </p:sp>
+      </p:grpSp>
       <p:grpSp>
         <p:nvGrpSpPr>
           <p:cNvPr id="11" name="Group 10">
@@ -14581,12 +19978,58 @@
           </a:prstGeom>
         </p:spPr>
       </p:pic>
+    </p:spTree>
+    <p:extLst>
+      <p:ext uri="{BB962C8B-B14F-4D97-AF65-F5344CB8AC3E}">
+        <p14:creationId xmlns:p14="http://schemas.microsoft.com/office/powerpoint/2010/main" val="2457878577"/>
+      </p:ext>
+    </p:extLst>
+  </p:cSld>
+  <p:clrMapOvr>
+    <a:masterClrMapping/>
+  </p:clrMapOvr>
+  <mc:AlternateContent xmlns:mc="http://schemas.openxmlformats.org/markup-compatibility/2006" xmlns:p14="http://schemas.microsoft.com/office/powerpoint/2010/main">
+    <mc:Choice Requires="p14">
+      <p:transition p14:dur="0" advClick="0" advTm="0"/>
+    </mc:Choice>
+    <mc:Fallback xmlns="">
+      <p:transition advClick="0" advTm="0"/>
+    </mc:Fallback>
+  </mc:AlternateContent>
+</p:sld>
+</file>
+
+<file path=ppt/slides/slide4.xml><?xml version="1.0" encoding="utf-8"?>
+<p:sld xmlns:a="http://schemas.openxmlformats.org/drawingml/2006/main" xmlns:r="http://schemas.openxmlformats.org/officeDocument/2006/relationships" xmlns:p="http://schemas.openxmlformats.org/presentationml/2006/main">
+  <p:cSld>
+    <p:bg>
+      <p:bgPr>
+        <a:solidFill>
+          <a:srgbClr val="6500EE"/>
+        </a:solidFill>
+        <a:effectLst/>
+      </p:bgPr>
+    </p:bg>
+    <p:spTree>
+      <p:nvGrpSpPr>
+        <p:cNvPr id="1" name=""/>
+        <p:cNvGrpSpPr/>
+        <p:nvPr/>
+      </p:nvGrpSpPr>
+      <p:grpSpPr>
+        <a:xfrm>
+          <a:off x="0" y="0"/>
+          <a:ext cx="0" cy="0"/>
+          <a:chOff x="0" y="0"/>
+          <a:chExt cx="0" cy="0"/>
+        </a:xfrm>
+      </p:grpSpPr>
       <p:grpSp>
         <p:nvGrpSpPr>
-          <p:cNvPr id="32" name="Group 31">
-            <a:extLst>
-              <a:ext uri="{FF2B5EF4-FFF2-40B4-BE49-F238E27FC236}">
-                <a16:creationId xmlns:a16="http://schemas.microsoft.com/office/drawing/2014/main" id="{20F5F269-76C6-4439-898B-3C53C53B6D96}"/>
+          <p:cNvPr id="31" name="Group 30">
+            <a:extLst>
+              <a:ext uri="{FF2B5EF4-FFF2-40B4-BE49-F238E27FC236}">
+                <a16:creationId xmlns:a16="http://schemas.microsoft.com/office/drawing/2014/main" id="{E060EDF2-0D07-4790-A046-C87A225365E6}"/>
               </a:ext>
             </a:extLst>
           </p:cNvPr>
@@ -14595,7 +20038,7 @@
         </p:nvGrpSpPr>
         <p:grpSpPr>
           <a:xfrm>
-            <a:off x="2043877" y="-1"/>
+            <a:off x="-13163622" y="0"/>
             <a:ext cx="12190262" cy="6858000"/>
             <a:chOff x="-5347" y="0"/>
             <a:chExt cx="12190262" cy="6858000"/>
@@ -14606,7 +20049,7 @@
             <p:cNvPr id="33" name="Rectangle 32">
               <a:extLst>
                 <a:ext uri="{FF2B5EF4-FFF2-40B4-BE49-F238E27FC236}">
-                  <a16:creationId xmlns:a16="http://schemas.microsoft.com/office/drawing/2014/main" id="{8498F819-DBA3-4C49-A810-243F3B05C9CB}"/>
+                  <a16:creationId xmlns:a16="http://schemas.microsoft.com/office/drawing/2014/main" id="{EAB9E9FB-2D83-4216-A569-7201FB982CA9}"/>
                 </a:ext>
               </a:extLst>
             </p:cNvPr>
@@ -14655,7 +20098,7 @@
             <p:cNvPr id="34" name="Rectangle 33">
               <a:extLst>
                 <a:ext uri="{FF2B5EF4-FFF2-40B4-BE49-F238E27FC236}">
-                  <a16:creationId xmlns:a16="http://schemas.microsoft.com/office/drawing/2014/main" id="{B54CACB7-BFDE-40FC-8D05-590D94CF2FC8}"/>
+                  <a16:creationId xmlns:a16="http://schemas.microsoft.com/office/drawing/2014/main" id="{57857BAB-5E66-44B4-B328-1F162A98A5F1}"/>
                 </a:ext>
               </a:extLst>
             </p:cNvPr>
@@ -14665,217 +20108,6 @@
           <p:spPr>
             <a:xfrm>
               <a:off x="3490098" y="2715248"/>
-              <a:ext cx="5199372" cy="1446550"/>
-            </a:xfrm>
-            <a:prstGeom prst="rect">
-              <a:avLst/>
-            </a:prstGeom>
-            <a:noFill/>
-          </p:spPr>
-          <p:txBody>
-            <a:bodyPr wrap="none" lIns="91440" tIns="45720" rIns="91440" bIns="45720">
-              <a:spAutoFit/>
-            </a:bodyPr>
-            <a:lstStyle/>
-            <a:p>
-              <a:pPr algn="ctr"/>
-              <a:r>
-                <a:rPr lang="en-US" sz="8800" b="1" dirty="0" err="1">
-                  <a:ln w="12700">
-                    <a:solidFill>
-                      <a:schemeClr val="tx2">
-                        <a:lumMod val="75000"/>
-                      </a:schemeClr>
-                    </a:solidFill>
-                    <a:prstDash val="solid"/>
-                  </a:ln>
-                  <a:pattFill prst="dkUpDiag">
-                    <a:fgClr>
-                      <a:schemeClr val="tx2"/>
-                    </a:fgClr>
-                    <a:bgClr>
-                      <a:schemeClr val="tx2">
-                        <a:lumMod val="20000"/>
-                        <a:lumOff val="80000"/>
-                      </a:schemeClr>
-                    </a:bgClr>
-                  </a:pattFill>
-                  <a:effectLst>
-                    <a:outerShdw dist="38100" dir="2640000" algn="bl" rotWithShape="0">
-                      <a:schemeClr val="tx2">
-                        <a:lumMod val="75000"/>
-                      </a:schemeClr>
-                    </a:outerShdw>
-                  </a:effectLst>
-                </a:rPr>
-                <a:t>TurboNote</a:t>
-              </a:r>
-              <a:endParaRPr lang="en-US" sz="8800" b="1" dirty="0">
-                <a:ln w="12700">
-                  <a:solidFill>
-                    <a:schemeClr val="tx2">
-                      <a:lumMod val="75000"/>
-                    </a:schemeClr>
-                  </a:solidFill>
-                  <a:prstDash val="solid"/>
-                </a:ln>
-                <a:pattFill prst="dkUpDiag">
-                  <a:fgClr>
-                    <a:schemeClr val="tx2"/>
-                  </a:fgClr>
-                  <a:bgClr>
-                    <a:schemeClr val="tx2">
-                      <a:lumMod val="20000"/>
-                      <a:lumOff val="80000"/>
-                    </a:schemeClr>
-                  </a:bgClr>
-                </a:pattFill>
-                <a:effectLst>
-                  <a:outerShdw dist="38100" dir="2640000" algn="bl" rotWithShape="0">
-                    <a:schemeClr val="tx2">
-                      <a:lumMod val="75000"/>
-                    </a:schemeClr>
-                  </a:outerShdw>
-                </a:effectLst>
-              </a:endParaRPr>
-            </a:p>
-          </p:txBody>
-        </p:sp>
-      </p:grpSp>
-    </p:spTree>
-    <p:extLst>
-      <p:ext uri="{BB962C8B-B14F-4D97-AF65-F5344CB8AC3E}">
-        <p14:creationId xmlns:p14="http://schemas.microsoft.com/office/powerpoint/2010/main" val="4216656902"/>
-      </p:ext>
-    </p:extLst>
-  </p:cSld>
-  <p:clrMapOvr>
-    <a:masterClrMapping/>
-  </p:clrMapOvr>
-  <mc:AlternateContent xmlns:mc="http://schemas.openxmlformats.org/markup-compatibility/2006" xmlns:p159="http://schemas.microsoft.com/office/powerpoint/2015/09/main">
-    <mc:Choice Requires="p159">
-      <p:transition spd="med" advClick="0" advTm="0">
-        <p159:morph option="byObject"/>
-      </p:transition>
-    </mc:Choice>
-    <mc:Fallback xmlns="">
-      <p:transition spd="med" advClick="0" advTm="0">
-        <p:fade/>
-      </p:transition>
-    </mc:Fallback>
-  </mc:AlternateContent>
-</p:sld>
-</file>
-
-<file path=ppt/slides/slide3.xml><?xml version="1.0" encoding="utf-8"?>
-<p:sld xmlns:a="http://schemas.openxmlformats.org/drawingml/2006/main" xmlns:r="http://schemas.openxmlformats.org/officeDocument/2006/relationships" xmlns:p="http://schemas.openxmlformats.org/presentationml/2006/main">
-  <p:cSld>
-    <p:bg>
-      <p:bgPr>
-        <a:solidFill>
-          <a:srgbClr val="6500EE"/>
-        </a:solidFill>
-        <a:effectLst/>
-      </p:bgPr>
-    </p:bg>
-    <p:spTree>
-      <p:nvGrpSpPr>
-        <p:cNvPr id="1" name=""/>
-        <p:cNvGrpSpPr/>
-        <p:nvPr/>
-      </p:nvGrpSpPr>
-      <p:grpSpPr>
-        <a:xfrm>
-          <a:off x="0" y="0"/>
-          <a:ext cx="0" cy="0"/>
-          <a:chOff x="0" y="0"/>
-          <a:chExt cx="0" cy="0"/>
-        </a:xfrm>
-      </p:grpSpPr>
-      <p:grpSp>
-        <p:nvGrpSpPr>
-          <p:cNvPr id="32" name="Group 31">
-            <a:extLst>
-              <a:ext uri="{FF2B5EF4-FFF2-40B4-BE49-F238E27FC236}">
-                <a16:creationId xmlns:a16="http://schemas.microsoft.com/office/drawing/2014/main" id="{90B22B3A-77F5-41D4-B93B-070C1AC665C8}"/>
-              </a:ext>
-            </a:extLst>
-          </p:cNvPr>
-          <p:cNvGrpSpPr/>
-          <p:nvPr/>
-        </p:nvGrpSpPr>
-        <p:grpSpPr>
-          <a:xfrm>
-            <a:off x="2043877" y="0"/>
-            <a:ext cx="12190262" cy="6858000"/>
-            <a:chOff x="2043877" y="0"/>
-            <a:chExt cx="12190262" cy="6858000"/>
-          </a:xfrm>
-        </p:grpSpPr>
-        <p:sp>
-          <p:nvSpPr>
-            <p:cNvPr id="33" name="Rectangle 32">
-              <a:extLst>
-                <a:ext uri="{FF2B5EF4-FFF2-40B4-BE49-F238E27FC236}">
-                  <a16:creationId xmlns:a16="http://schemas.microsoft.com/office/drawing/2014/main" id="{3B64B6A3-FE14-44C8-8205-A3D2DAAB637F}"/>
-                </a:ext>
-              </a:extLst>
-            </p:cNvPr>
-            <p:cNvSpPr/>
-            <p:nvPr/>
-          </p:nvSpPr>
-          <p:spPr>
-            <a:xfrm>
-              <a:off x="2043877" y="0"/>
-              <a:ext cx="12190262" cy="6858000"/>
-            </a:xfrm>
-            <a:prstGeom prst="rect">
-              <a:avLst/>
-            </a:prstGeom>
-            <a:solidFill>
-              <a:srgbClr val="00F5D4"/>
-            </a:solidFill>
-          </p:spPr>
-          <p:style>
-            <a:lnRef idx="2">
-              <a:schemeClr val="accent1">
-                <a:shade val="50000"/>
-              </a:schemeClr>
-            </a:lnRef>
-            <a:fillRef idx="1">
-              <a:schemeClr val="accent1"/>
-            </a:fillRef>
-            <a:effectRef idx="0">
-              <a:schemeClr val="accent1"/>
-            </a:effectRef>
-            <a:fontRef idx="minor">
-              <a:schemeClr val="lt1"/>
-            </a:fontRef>
-          </p:style>
-          <p:txBody>
-            <a:bodyPr rtlCol="0" anchor="ctr"/>
-            <a:lstStyle/>
-            <a:p>
-              <a:pPr algn="ctr"/>
-              <a:endParaRPr lang="en-US" sz="4400" dirty="0"/>
-            </a:p>
-          </p:txBody>
-        </p:sp>
-        <p:sp>
-          <p:nvSpPr>
-            <p:cNvPr id="34" name="Rectangle 33">
-              <a:extLst>
-                <a:ext uri="{FF2B5EF4-FFF2-40B4-BE49-F238E27FC236}">
-                  <a16:creationId xmlns:a16="http://schemas.microsoft.com/office/drawing/2014/main" id="{7925DEA6-8346-4DB5-BA29-CD6D3466B35E}"/>
-                </a:ext>
-              </a:extLst>
-            </p:cNvPr>
-            <p:cNvSpPr/>
-            <p:nvPr/>
-          </p:nvSpPr>
-          <p:spPr>
-            <a:xfrm>
-              <a:off x="5539322" y="2715248"/>
               <a:ext cx="5199372" cy="1446550"/>
             </a:xfrm>
             <a:prstGeom prst="rect">
@@ -15940,28 +21172,165 @@
           </a:prstGeom>
         </p:spPr>
       </p:pic>
+      <p:sp>
+        <p:nvSpPr>
+          <p:cNvPr id="2" name="TextBox 1">
+            <a:extLst>
+              <a:ext uri="{FF2B5EF4-FFF2-40B4-BE49-F238E27FC236}">
+                <a16:creationId xmlns:a16="http://schemas.microsoft.com/office/drawing/2014/main" id="{405A6E56-2117-4109-A7D0-8175FD9E0953}"/>
+              </a:ext>
+            </a:extLst>
+          </p:cNvPr>
+          <p:cNvSpPr txBox="1"/>
+          <p:nvPr/>
+        </p:nvSpPr>
+        <p:spPr>
+          <a:xfrm>
+            <a:off x="2900218" y="582884"/>
+            <a:ext cx="3274142" cy="1015663"/>
+          </a:xfrm>
+          <a:prstGeom prst="rect">
+            <a:avLst/>
+          </a:prstGeom>
+          <a:noFill/>
+        </p:spPr>
+        <p:txBody>
+          <a:bodyPr wrap="square" rtlCol="0">
+            <a:spAutoFit/>
+          </a:bodyPr>
+          <a:lstStyle/>
+          <a:p>
+            <a:r>
+              <a:rPr lang="en-GB" sz="6000" dirty="0" err="1">
+                <a:solidFill>
+                  <a:schemeClr val="bg1"/>
+                </a:solidFill>
+              </a:rPr>
+              <a:t>Bevezetés</a:t>
+            </a:r>
+            <a:endParaRPr lang="en-US" sz="6000" dirty="0">
+              <a:solidFill>
+                <a:schemeClr val="bg1"/>
+              </a:solidFill>
+            </a:endParaRPr>
+          </a:p>
+        </p:txBody>
+      </p:sp>
+      <p:sp>
+        <p:nvSpPr>
+          <p:cNvPr id="3" name="TextBox 2">
+            <a:extLst>
+              <a:ext uri="{FF2B5EF4-FFF2-40B4-BE49-F238E27FC236}">
+                <a16:creationId xmlns:a16="http://schemas.microsoft.com/office/drawing/2014/main" id="{770909DF-2273-4E94-A7D2-29FDF9927C65}"/>
+              </a:ext>
+            </a:extLst>
+          </p:cNvPr>
+          <p:cNvSpPr txBox="1"/>
+          <p:nvPr/>
+        </p:nvSpPr>
+        <p:spPr>
+          <a:xfrm>
+            <a:off x="2900218" y="2238194"/>
+            <a:ext cx="7914968" cy="1318181"/>
+          </a:xfrm>
+          <a:prstGeom prst="rect">
+            <a:avLst/>
+          </a:prstGeom>
+          <a:noFill/>
+        </p:spPr>
+        <p:txBody>
+          <a:bodyPr wrap="square" rtlCol="0">
+            <a:spAutoFit/>
+          </a:bodyPr>
+          <a:lstStyle/>
+          <a:p>
+            <a:pPr marL="285750" indent="-285750">
+              <a:lnSpc>
+                <a:spcPct val="150000"/>
+              </a:lnSpc>
+              <a:buFont typeface="Arial" panose="020B0604020202020204" pitchFamily="34" charset="0"/>
+              <a:buChar char="•"/>
+            </a:pPr>
+            <a:r>
+              <a:rPr lang="en-GB" sz="2800" dirty="0">
+                <a:solidFill>
+                  <a:schemeClr val="bg1"/>
+                </a:solidFill>
+              </a:rPr>
+              <a:t>A </a:t>
+            </a:r>
+            <a:r>
+              <a:rPr lang="en-GB" sz="2800" dirty="0" err="1">
+                <a:solidFill>
+                  <a:schemeClr val="bg1"/>
+                </a:solidFill>
+              </a:rPr>
+              <a:t>csapatról</a:t>
+            </a:r>
+            <a:endParaRPr lang="en-GB" sz="2800" dirty="0">
+              <a:solidFill>
+                <a:schemeClr val="bg1"/>
+              </a:solidFill>
+            </a:endParaRPr>
+          </a:p>
+          <a:p>
+            <a:pPr marL="285750" indent="-285750">
+              <a:lnSpc>
+                <a:spcPct val="150000"/>
+              </a:lnSpc>
+              <a:buFont typeface="Arial" panose="020B0604020202020204" pitchFamily="34" charset="0"/>
+              <a:buChar char="•"/>
+            </a:pPr>
+            <a:r>
+              <a:rPr lang="en-GB" sz="2800" dirty="0">
+                <a:solidFill>
+                  <a:schemeClr val="bg1"/>
+                </a:solidFill>
+              </a:rPr>
+              <a:t>A </a:t>
+            </a:r>
+            <a:r>
+              <a:rPr lang="en-GB" sz="2800" dirty="0" err="1">
+                <a:solidFill>
+                  <a:schemeClr val="bg1"/>
+                </a:solidFill>
+              </a:rPr>
+              <a:t>projektről</a:t>
+            </a:r>
+            <a:endParaRPr lang="en-GB" sz="2800" dirty="0">
+              <a:solidFill>
+                <a:schemeClr val="bg1"/>
+              </a:solidFill>
+            </a:endParaRPr>
+          </a:p>
+        </p:txBody>
+      </p:sp>
     </p:spTree>
     <p:extLst>
       <p:ext uri="{BB962C8B-B14F-4D97-AF65-F5344CB8AC3E}">
-        <p14:creationId xmlns:p14="http://schemas.microsoft.com/office/powerpoint/2010/main" val="2457878577"/>
+        <p14:creationId xmlns:p14="http://schemas.microsoft.com/office/powerpoint/2010/main" val="2766616764"/>
       </p:ext>
     </p:extLst>
   </p:cSld>
   <p:clrMapOvr>
     <a:masterClrMapping/>
   </p:clrMapOvr>
-  <mc:AlternateContent xmlns:mc="http://schemas.openxmlformats.org/markup-compatibility/2006" xmlns:p14="http://schemas.microsoft.com/office/powerpoint/2010/main">
-    <mc:Choice Requires="p14">
-      <p:transition p14:dur="0" advClick="0" advTm="0"/>
+  <mc:AlternateContent xmlns:mc="http://schemas.openxmlformats.org/markup-compatibility/2006" xmlns:p159="http://schemas.microsoft.com/office/powerpoint/2015/09/main">
+    <mc:Choice Requires="p159">
+      <p:transition spd="med">
+        <p159:morph option="byObject"/>
+      </p:transition>
     </mc:Choice>
     <mc:Fallback xmlns="">
-      <p:transition advClick="0" advTm="0"/>
+      <p:transition spd="med">
+        <p:fade/>
+      </p:transition>
     </mc:Fallback>
   </mc:AlternateContent>
 </p:sld>
 </file>
 
-<file path=ppt/slides/slide4.xml><?xml version="1.0" encoding="utf-8"?>
+<file path=ppt/slides/slide5.xml><?xml version="1.0" encoding="utf-8"?>
 <p:sld xmlns:a="http://schemas.openxmlformats.org/drawingml/2006/main" xmlns:r="http://schemas.openxmlformats.org/officeDocument/2006/relationships" xmlns:p="http://schemas.openxmlformats.org/presentationml/2006/main">
   <p:cSld>
     <p:bg>
@@ -17148,8 +22517,8 @@
         </p:nvSpPr>
         <p:spPr>
           <a:xfrm>
-            <a:off x="2900218" y="582884"/>
-            <a:ext cx="3274142" cy="1015663"/>
+            <a:off x="2900217" y="582884"/>
+            <a:ext cx="4601795" cy="1015663"/>
           </a:xfrm>
           <a:prstGeom prst="rect">
             <a:avLst/>
@@ -17163,12 +22532,20 @@
           <a:lstStyle/>
           <a:p>
             <a:r>
+              <a:rPr lang="en-GB" sz="6000" dirty="0">
+                <a:solidFill>
+                  <a:schemeClr val="bg1"/>
+                </a:solidFill>
+              </a:rPr>
+              <a:t>A </a:t>
+            </a:r>
+            <a:r>
               <a:rPr lang="en-GB" sz="6000" dirty="0" err="1">
                 <a:solidFill>
                   <a:schemeClr val="bg1"/>
                 </a:solidFill>
               </a:rPr>
-              <a:t>Bevezetés</a:t>
+              <a:t>csapatról</a:t>
             </a:r>
             <a:endParaRPr lang="en-US" sz="6000" dirty="0">
               <a:solidFill>
@@ -17193,7 +22570,7 @@
         <p:spPr>
           <a:xfrm>
             <a:off x="2900218" y="2238194"/>
-            <a:ext cx="7914968" cy="1318181"/>
+            <a:ext cx="7914968" cy="3903504"/>
           </a:xfrm>
           <a:prstGeom prst="rect">
             <a:avLst/>
@@ -17214,20 +22591,12 @@
               <a:buChar char="•"/>
             </a:pPr>
             <a:r>
-              <a:rPr lang="en-GB" sz="2800" dirty="0">
-                <a:solidFill>
-                  <a:schemeClr val="bg1"/>
-                </a:solidFill>
-              </a:rPr>
-              <a:t>A </a:t>
-            </a:r>
-            <a:r>
               <a:rPr lang="en-GB" sz="2800" dirty="0" err="1">
                 <a:solidFill>
                   <a:schemeClr val="bg1"/>
                 </a:solidFill>
               </a:rPr>
-              <a:t>csapatról</a:t>
+              <a:t>Csapattagok</a:t>
             </a:r>
             <a:endParaRPr lang="en-GB" sz="2800" dirty="0">
               <a:solidFill>
@@ -17244,12 +22613,56 @@
               <a:buChar char="•"/>
             </a:pPr>
             <a:r>
+              <a:rPr lang="en-GB" sz="2800" dirty="0" err="1">
+                <a:solidFill>
+                  <a:schemeClr val="bg1"/>
+                </a:solidFill>
+              </a:rPr>
+              <a:t>Tapasztalatok</a:t>
+            </a:r>
+            <a:endParaRPr lang="en-GB" sz="2800" dirty="0">
+              <a:solidFill>
+                <a:schemeClr val="bg1"/>
+              </a:solidFill>
+            </a:endParaRPr>
+          </a:p>
+          <a:p>
+            <a:pPr marL="742950" lvl="1" indent="-285750">
+              <a:lnSpc>
+                <a:spcPct val="150000"/>
+              </a:lnSpc>
+              <a:buFont typeface="Arial" panose="020B0604020202020204" pitchFamily="34" charset="0"/>
+              <a:buChar char="•"/>
+            </a:pPr>
+            <a:r>
+              <a:rPr lang="en-GB" sz="2800" dirty="0" err="1">
+                <a:solidFill>
+                  <a:schemeClr val="bg1"/>
+                </a:solidFill>
+              </a:rPr>
+              <a:t>Programozás</a:t>
+            </a:r>
+            <a:endParaRPr lang="en-GB" sz="2800" dirty="0">
+              <a:solidFill>
+                <a:schemeClr val="bg1"/>
+              </a:solidFill>
+            </a:endParaRPr>
+          </a:p>
+          <a:p>
+            <a:pPr marL="1200150" lvl="2" indent="-285750">
+              <a:lnSpc>
+                <a:spcPct val="150000"/>
+              </a:lnSpc>
+              <a:buFont typeface="Arial" panose="020B0604020202020204" pitchFamily="34" charset="0"/>
+              <a:buChar char="•"/>
+            </a:pPr>
+            <a:r>
               <a:rPr lang="en-GB" sz="2800" dirty="0">
                 <a:solidFill>
                   <a:schemeClr val="bg1"/>
                 </a:solidFill>
               </a:rPr>
-              <a:t>A </a:t>
+              <a:t>Java, Kotlin, </a:t>
             </a:r>
             <a:r>
               <a:rPr lang="en-GB" sz="2800" dirty="0" err="1">
@@ -17257,7 +22670,7 @@
                   <a:schemeClr val="bg1"/>
                 </a:solidFill>
               </a:rPr>
-              <a:t>projektről</a:t>
+              <a:t>VueJs</a:t>
             </a:r>
             <a:endParaRPr lang="en-GB" sz="2800" dirty="0">
               <a:solidFill>
@@ -17265,12 +22678,51 @@
               </a:solidFill>
             </a:endParaRPr>
           </a:p>
+          <a:p>
+            <a:pPr marL="742950" lvl="1" indent="-285750">
+              <a:lnSpc>
+                <a:spcPct val="150000"/>
+              </a:lnSpc>
+              <a:buFont typeface="Arial" panose="020B0604020202020204" pitchFamily="34" charset="0"/>
+              <a:buChar char="•"/>
+            </a:pPr>
+            <a:r>
+              <a:rPr lang="en-GB" sz="2800" dirty="0" err="1">
+                <a:solidFill>
+                  <a:schemeClr val="bg1"/>
+                </a:solidFill>
+              </a:rPr>
+              <a:t>Egyéb</a:t>
+            </a:r>
+            <a:endParaRPr lang="en-GB" sz="2800" dirty="0">
+              <a:solidFill>
+                <a:schemeClr val="bg1"/>
+              </a:solidFill>
+            </a:endParaRPr>
+          </a:p>
+          <a:p>
+            <a:pPr marL="1200150" lvl="2" indent="-285750">
+              <a:lnSpc>
+                <a:spcPct val="150000"/>
+              </a:lnSpc>
+              <a:buFont typeface="Arial" panose="020B0604020202020204" pitchFamily="34" charset="0"/>
+              <a:buChar char="•"/>
+            </a:pPr>
+            <a:r>
+              <a:rPr lang="en-GB" sz="2800" dirty="0">
+                <a:solidFill>
+                  <a:schemeClr val="bg1"/>
+                </a:solidFill>
+              </a:rPr>
+              <a:t>Adobe PS, Adobe XD</a:t>
+            </a:r>
+          </a:p>
         </p:txBody>
       </p:sp>
     </p:spTree>
     <p:extLst>
       <p:ext uri="{BB962C8B-B14F-4D97-AF65-F5344CB8AC3E}">
-        <p14:creationId xmlns:p14="http://schemas.microsoft.com/office/powerpoint/2010/main" val="2766616764"/>
+        <p14:creationId xmlns:p14="http://schemas.microsoft.com/office/powerpoint/2010/main" val="1121902909"/>
       </p:ext>
     </p:extLst>
   </p:cSld>
@@ -17292,7 +22744,7 @@
 </p:sld>
 </file>
 
-<file path=ppt/slides/slide5.xml><?xml version="1.0" encoding="utf-8"?>
+<file path=ppt/slides/slide6.xml><?xml version="1.0" encoding="utf-8"?>
 <p:sld xmlns:a="http://schemas.openxmlformats.org/drawingml/2006/main" xmlns:r="http://schemas.openxmlformats.org/officeDocument/2006/relationships" xmlns:p="http://schemas.openxmlformats.org/presentationml/2006/main">
   <p:cSld>
     <p:bg>
@@ -18507,7 +23959,7 @@
                   <a:schemeClr val="bg1"/>
                 </a:solidFill>
               </a:rPr>
-              <a:t>csapatról</a:t>
+              <a:t>projektről</a:t>
             </a:r>
             <a:endParaRPr lang="en-US" sz="6000" dirty="0">
               <a:solidFill>
@@ -18532,7 +23984,7 @@
         <p:spPr>
           <a:xfrm>
             <a:off x="2900218" y="2238194"/>
-            <a:ext cx="7914968" cy="3903504"/>
+            <a:ext cx="7914968" cy="3257174"/>
           </a:xfrm>
           <a:prstGeom prst="rect">
             <a:avLst/>
@@ -18553,34 +24005,20 @@
               <a:buChar char="•"/>
             </a:pPr>
             <a:r>
-              <a:rPr lang="en-GB" sz="2800" dirty="0" err="1">
+              <a:rPr lang="en-GB" sz="2800" dirty="0">
                 <a:solidFill>
                   <a:schemeClr val="bg1"/>
                 </a:solidFill>
               </a:rPr>
-              <a:t>Csapattagok</a:t>
+              <a:t>Az </a:t>
             </a:r>
-            <a:endParaRPr lang="en-GB" sz="2800" dirty="0">
-              <a:solidFill>
-                <a:schemeClr val="bg1"/>
-              </a:solidFill>
-            </a:endParaRPr>
-          </a:p>
-          <a:p>
-            <a:pPr marL="285750" indent="-285750">
-              <a:lnSpc>
-                <a:spcPct val="150000"/>
-              </a:lnSpc>
-              <a:buFont typeface="Arial" panose="020B0604020202020204" pitchFamily="34" charset="0"/>
-              <a:buChar char="•"/>
-            </a:pPr>
             <a:r>
               <a:rPr lang="en-GB" sz="2800" dirty="0" err="1">
                 <a:solidFill>
                   <a:schemeClr val="bg1"/>
                 </a:solidFill>
               </a:rPr>
-              <a:t>Tapasztalatok</a:t>
+              <a:t>ötlet</a:t>
             </a:r>
             <a:endParaRPr lang="en-GB" sz="2800" dirty="0">
               <a:solidFill>
@@ -18602,7 +24040,53 @@
                   <a:schemeClr val="bg1"/>
                 </a:solidFill>
               </a:rPr>
-              <a:t>Programozás</a:t>
+              <a:t>TurboNote</a:t>
+            </a:r>
+            <a:endParaRPr lang="en-GB" sz="2800" dirty="0">
+              <a:solidFill>
+                <a:schemeClr val="bg1"/>
+              </a:solidFill>
+            </a:endParaRPr>
+          </a:p>
+          <a:p>
+            <a:pPr marL="742950" lvl="1" indent="-285750">
+              <a:lnSpc>
+                <a:spcPct val="150000"/>
+              </a:lnSpc>
+              <a:buFont typeface="Arial" panose="020B0604020202020204" pitchFamily="34" charset="0"/>
+              <a:buChar char="•"/>
+            </a:pPr>
+            <a:r>
+              <a:rPr lang="en-GB" sz="2800" dirty="0">
+                <a:solidFill>
+                  <a:schemeClr val="bg1"/>
+                </a:solidFill>
+              </a:rPr>
+              <a:t>Az </a:t>
+            </a:r>
+            <a:r>
+              <a:rPr lang="en-GB" sz="2800" dirty="0" err="1">
+                <a:solidFill>
+                  <a:schemeClr val="bg1"/>
+                </a:solidFill>
+              </a:rPr>
+              <a:t>alkalmazás</a:t>
+            </a:r>
+            <a:r>
+              <a:rPr lang="en-GB" sz="2800" dirty="0">
+                <a:solidFill>
+                  <a:schemeClr val="bg1"/>
+                </a:solidFill>
+              </a:rPr>
+              <a:t> </a:t>
+            </a:r>
+            <a:r>
+              <a:rPr lang="en-GB" sz="2800" dirty="0" err="1">
+                <a:solidFill>
+                  <a:schemeClr val="bg1"/>
+                </a:solidFill>
+              </a:rPr>
+              <a:t>célja</a:t>
             </a:r>
             <a:endParaRPr lang="en-GB" sz="2800" dirty="0">
               <a:solidFill>
@@ -18619,42 +24103,12 @@
               <a:buChar char="•"/>
             </a:pPr>
             <a:r>
-              <a:rPr lang="en-GB" sz="2800" dirty="0">
-                <a:solidFill>
-                  <a:schemeClr val="bg1"/>
-                </a:solidFill>
-              </a:rPr>
-              <a:t>C#, Java, Kotlin, </a:t>
-            </a:r>
-            <a:r>
               <a:rPr lang="en-GB" sz="2800" dirty="0" err="1">
                 <a:solidFill>
                   <a:schemeClr val="bg1"/>
                 </a:solidFill>
               </a:rPr>
-              <a:t>VueJs</a:t>
-            </a:r>
-            <a:endParaRPr lang="en-GB" sz="2800" dirty="0">
-              <a:solidFill>
-                <a:schemeClr val="bg1"/>
-              </a:solidFill>
-            </a:endParaRPr>
-          </a:p>
-          <a:p>
-            <a:pPr marL="742950" lvl="1" indent="-285750">
-              <a:lnSpc>
-                <a:spcPct val="150000"/>
-              </a:lnSpc>
-              <a:buFont typeface="Arial" panose="020B0604020202020204" pitchFamily="34" charset="0"/>
-              <a:buChar char="•"/>
-            </a:pPr>
-            <a:r>
-              <a:rPr lang="en-GB" sz="2800" dirty="0" err="1">
-                <a:solidFill>
-                  <a:schemeClr val="bg1"/>
-                </a:solidFill>
-              </a:rPr>
-              <a:t>Egyéb</a:t>
+              <a:t>Célközönség</a:t>
             </a:r>
             <a:endParaRPr lang="en-GB" sz="2800" dirty="0">
               <a:solidFill>
@@ -18671,33 +24125,54 @@
               <a:buChar char="•"/>
             </a:pPr>
             <a:r>
+              <a:rPr lang="en-GB" sz="2800" dirty="0" err="1">
+                <a:solidFill>
+                  <a:schemeClr val="bg1"/>
+                </a:solidFill>
+              </a:rPr>
+              <a:t>Kitűzött</a:t>
+            </a:r>
+            <a:r>
               <a:rPr lang="en-GB" sz="2800" dirty="0">
                 <a:solidFill>
                   <a:schemeClr val="bg1"/>
                 </a:solidFill>
               </a:rPr>
-              <a:t>Adobe PS, Adobe XD</a:t>
+              <a:t> </a:t>
             </a:r>
+            <a:r>
+              <a:rPr lang="en-GB" sz="2800" dirty="0" err="1">
+                <a:solidFill>
+                  <a:schemeClr val="bg1"/>
+                </a:solidFill>
+              </a:rPr>
+              <a:t>célok</a:t>
+            </a:r>
+            <a:endParaRPr lang="en-GB" sz="2800" dirty="0">
+              <a:solidFill>
+                <a:schemeClr val="bg1"/>
+              </a:solidFill>
+            </a:endParaRPr>
           </a:p>
         </p:txBody>
       </p:sp>
     </p:spTree>
     <p:extLst>
       <p:ext uri="{BB962C8B-B14F-4D97-AF65-F5344CB8AC3E}">
-        <p14:creationId xmlns:p14="http://schemas.microsoft.com/office/powerpoint/2010/main" val="1121902909"/>
+        <p14:creationId xmlns:p14="http://schemas.microsoft.com/office/powerpoint/2010/main" val="532371855"/>
       </p:ext>
     </p:extLst>
   </p:cSld>
   <p:clrMapOvr>
     <a:masterClrMapping/>
   </p:clrMapOvr>
-  <mc:AlternateContent xmlns:mc="http://schemas.openxmlformats.org/markup-compatibility/2006">
-    <mc:Choice xmlns:p159="http://schemas.microsoft.com/office/powerpoint/2015/09/main" Requires="p159">
+  <mc:AlternateContent xmlns:mc="http://schemas.openxmlformats.org/markup-compatibility/2006" xmlns:p159="http://schemas.microsoft.com/office/powerpoint/2015/09/main">
+    <mc:Choice Requires="p159">
       <p:transition spd="med">
         <p159:morph option="byObject"/>
       </p:transition>
     </mc:Choice>
-    <mc:Fallback>
+    <mc:Fallback xmlns="">
       <p:transition spd="med">
         <p:fade/>
       </p:transition>
@@ -18706,7 +24181,7 @@
 </p:sld>
 </file>
 
-<file path=ppt/slides/slide6.xml><?xml version="1.0" encoding="utf-8"?>
+<file path=ppt/slides/slide7.xml><?xml version="1.0" encoding="utf-8"?>
 <p:sld xmlns:a="http://schemas.openxmlformats.org/drawingml/2006/main" xmlns:r="http://schemas.openxmlformats.org/officeDocument/2006/relationships" xmlns:p="http://schemas.openxmlformats.org/presentationml/2006/main">
   <p:cSld>
     <p:bg>
@@ -19946,1443 +25421,6 @@
         <p:spPr>
           <a:xfrm>
             <a:off x="2900218" y="2238194"/>
-            <a:ext cx="7914968" cy="3257174"/>
-          </a:xfrm>
-          <a:prstGeom prst="rect">
-            <a:avLst/>
-          </a:prstGeom>
-          <a:noFill/>
-        </p:spPr>
-        <p:txBody>
-          <a:bodyPr wrap="square" rtlCol="0">
-            <a:spAutoFit/>
-          </a:bodyPr>
-          <a:lstStyle/>
-          <a:p>
-            <a:pPr marL="285750" indent="-285750">
-              <a:lnSpc>
-                <a:spcPct val="150000"/>
-              </a:lnSpc>
-              <a:buFont typeface="Arial" panose="020B0604020202020204" pitchFamily="34" charset="0"/>
-              <a:buChar char="•"/>
-            </a:pPr>
-            <a:r>
-              <a:rPr lang="en-GB" sz="2800" dirty="0">
-                <a:solidFill>
-                  <a:schemeClr val="bg1"/>
-                </a:solidFill>
-              </a:rPr>
-              <a:t>Az </a:t>
-            </a:r>
-            <a:r>
-              <a:rPr lang="en-GB" sz="2800" dirty="0" err="1">
-                <a:solidFill>
-                  <a:schemeClr val="bg1"/>
-                </a:solidFill>
-              </a:rPr>
-              <a:t>ötlet</a:t>
-            </a:r>
-            <a:endParaRPr lang="en-GB" sz="2800" dirty="0">
-              <a:solidFill>
-                <a:schemeClr val="bg1"/>
-              </a:solidFill>
-            </a:endParaRPr>
-          </a:p>
-          <a:p>
-            <a:pPr marL="742950" lvl="1" indent="-285750">
-              <a:lnSpc>
-                <a:spcPct val="150000"/>
-              </a:lnSpc>
-              <a:buFont typeface="Arial" panose="020B0604020202020204" pitchFamily="34" charset="0"/>
-              <a:buChar char="•"/>
-            </a:pPr>
-            <a:r>
-              <a:rPr lang="en-GB" sz="2800" dirty="0" err="1">
-                <a:solidFill>
-                  <a:schemeClr val="bg1"/>
-                </a:solidFill>
-              </a:rPr>
-              <a:t>TurboNote</a:t>
-            </a:r>
-            <a:endParaRPr lang="en-GB" sz="2800" dirty="0">
-              <a:solidFill>
-                <a:schemeClr val="bg1"/>
-              </a:solidFill>
-            </a:endParaRPr>
-          </a:p>
-          <a:p>
-            <a:pPr marL="742950" lvl="1" indent="-285750">
-              <a:lnSpc>
-                <a:spcPct val="150000"/>
-              </a:lnSpc>
-              <a:buFont typeface="Arial" panose="020B0604020202020204" pitchFamily="34" charset="0"/>
-              <a:buChar char="•"/>
-            </a:pPr>
-            <a:r>
-              <a:rPr lang="en-GB" sz="2800" dirty="0">
-                <a:solidFill>
-                  <a:schemeClr val="bg1"/>
-                </a:solidFill>
-              </a:rPr>
-              <a:t>Az </a:t>
-            </a:r>
-            <a:r>
-              <a:rPr lang="en-GB" sz="2800" dirty="0" err="1">
-                <a:solidFill>
-                  <a:schemeClr val="bg1"/>
-                </a:solidFill>
-              </a:rPr>
-              <a:t>alkalmazás</a:t>
-            </a:r>
-            <a:r>
-              <a:rPr lang="en-GB" sz="2800" dirty="0">
-                <a:solidFill>
-                  <a:schemeClr val="bg1"/>
-                </a:solidFill>
-              </a:rPr>
-              <a:t> </a:t>
-            </a:r>
-            <a:r>
-              <a:rPr lang="en-GB" sz="2800" dirty="0" err="1">
-                <a:solidFill>
-                  <a:schemeClr val="bg1"/>
-                </a:solidFill>
-              </a:rPr>
-              <a:t>célja</a:t>
-            </a:r>
-            <a:endParaRPr lang="en-GB" sz="2800" dirty="0">
-              <a:solidFill>
-                <a:schemeClr val="bg1"/>
-              </a:solidFill>
-            </a:endParaRPr>
-          </a:p>
-          <a:p>
-            <a:pPr marL="1200150" lvl="2" indent="-285750">
-              <a:lnSpc>
-                <a:spcPct val="150000"/>
-              </a:lnSpc>
-              <a:buFont typeface="Arial" panose="020B0604020202020204" pitchFamily="34" charset="0"/>
-              <a:buChar char="•"/>
-            </a:pPr>
-            <a:r>
-              <a:rPr lang="en-GB" sz="2800" dirty="0" err="1">
-                <a:solidFill>
-                  <a:schemeClr val="bg1"/>
-                </a:solidFill>
-              </a:rPr>
-              <a:t>Célközönség</a:t>
-            </a:r>
-            <a:endParaRPr lang="en-GB" sz="2800" dirty="0">
-              <a:solidFill>
-                <a:schemeClr val="bg1"/>
-              </a:solidFill>
-            </a:endParaRPr>
-          </a:p>
-          <a:p>
-            <a:pPr marL="1200150" lvl="2" indent="-285750">
-              <a:lnSpc>
-                <a:spcPct val="150000"/>
-              </a:lnSpc>
-              <a:buFont typeface="Arial" panose="020B0604020202020204" pitchFamily="34" charset="0"/>
-              <a:buChar char="•"/>
-            </a:pPr>
-            <a:r>
-              <a:rPr lang="en-GB" sz="2800" dirty="0" err="1">
-                <a:solidFill>
-                  <a:schemeClr val="bg1"/>
-                </a:solidFill>
-              </a:rPr>
-              <a:t>Kitűzött</a:t>
-            </a:r>
-            <a:r>
-              <a:rPr lang="en-GB" sz="2800" dirty="0">
-                <a:solidFill>
-                  <a:schemeClr val="bg1"/>
-                </a:solidFill>
-              </a:rPr>
-              <a:t> </a:t>
-            </a:r>
-            <a:r>
-              <a:rPr lang="en-GB" sz="2800" dirty="0" err="1">
-                <a:solidFill>
-                  <a:schemeClr val="bg1"/>
-                </a:solidFill>
-              </a:rPr>
-              <a:t>célok</a:t>
-            </a:r>
-            <a:endParaRPr lang="en-GB" sz="2800" dirty="0">
-              <a:solidFill>
-                <a:schemeClr val="bg1"/>
-              </a:solidFill>
-            </a:endParaRPr>
-          </a:p>
-        </p:txBody>
-      </p:sp>
-    </p:spTree>
-    <p:extLst>
-      <p:ext uri="{BB962C8B-B14F-4D97-AF65-F5344CB8AC3E}">
-        <p14:creationId xmlns:p14="http://schemas.microsoft.com/office/powerpoint/2010/main" val="532371855"/>
-      </p:ext>
-    </p:extLst>
-  </p:cSld>
-  <p:clrMapOvr>
-    <a:masterClrMapping/>
-  </p:clrMapOvr>
-  <mc:AlternateContent xmlns:mc="http://schemas.openxmlformats.org/markup-compatibility/2006">
-    <mc:Choice xmlns:p159="http://schemas.microsoft.com/office/powerpoint/2015/09/main" Requires="p159">
-      <p:transition spd="med">
-        <p159:morph option="byObject"/>
-      </p:transition>
-    </mc:Choice>
-    <mc:Fallback>
-      <p:transition spd="med">
-        <p:fade/>
-      </p:transition>
-    </mc:Fallback>
-  </mc:AlternateContent>
-</p:sld>
-</file>
-
-<file path=ppt/slides/slide7.xml><?xml version="1.0" encoding="utf-8"?>
-<p:sld xmlns:a="http://schemas.openxmlformats.org/drawingml/2006/main" xmlns:r="http://schemas.openxmlformats.org/officeDocument/2006/relationships" xmlns:p="http://schemas.openxmlformats.org/presentationml/2006/main">
-  <p:cSld>
-    <p:bg>
-      <p:bgPr>
-        <a:solidFill>
-          <a:srgbClr val="6500EE"/>
-        </a:solidFill>
-        <a:effectLst/>
-      </p:bgPr>
-    </p:bg>
-    <p:spTree>
-      <p:nvGrpSpPr>
-        <p:cNvPr id="1" name=""/>
-        <p:cNvGrpSpPr/>
-        <p:nvPr/>
-      </p:nvGrpSpPr>
-      <p:grpSpPr>
-        <a:xfrm>
-          <a:off x="0" y="0"/>
-          <a:ext cx="0" cy="0"/>
-          <a:chOff x="0" y="0"/>
-          <a:chExt cx="0" cy="0"/>
-        </a:xfrm>
-      </p:grpSpPr>
-      <p:grpSp>
-        <p:nvGrpSpPr>
-          <p:cNvPr id="31" name="Group 30">
-            <a:extLst>
-              <a:ext uri="{FF2B5EF4-FFF2-40B4-BE49-F238E27FC236}">
-                <a16:creationId xmlns:a16="http://schemas.microsoft.com/office/drawing/2014/main" id="{E060EDF2-0D07-4790-A046-C87A225365E6}"/>
-              </a:ext>
-            </a:extLst>
-          </p:cNvPr>
-          <p:cNvGrpSpPr/>
-          <p:nvPr/>
-        </p:nvGrpSpPr>
-        <p:grpSpPr>
-          <a:xfrm>
-            <a:off x="-13163622" y="0"/>
-            <a:ext cx="12190262" cy="6858000"/>
-            <a:chOff x="-5347" y="0"/>
-            <a:chExt cx="12190262" cy="6858000"/>
-          </a:xfrm>
-        </p:grpSpPr>
-        <p:sp>
-          <p:nvSpPr>
-            <p:cNvPr id="33" name="Rectangle 32">
-              <a:extLst>
-                <a:ext uri="{FF2B5EF4-FFF2-40B4-BE49-F238E27FC236}">
-                  <a16:creationId xmlns:a16="http://schemas.microsoft.com/office/drawing/2014/main" id="{EAB9E9FB-2D83-4216-A569-7201FB982CA9}"/>
-                </a:ext>
-              </a:extLst>
-            </p:cNvPr>
-            <p:cNvSpPr/>
-            <p:nvPr/>
-          </p:nvSpPr>
-          <p:spPr>
-            <a:xfrm>
-              <a:off x="-5347" y="0"/>
-              <a:ext cx="12190262" cy="6858000"/>
-            </a:xfrm>
-            <a:prstGeom prst="rect">
-              <a:avLst/>
-            </a:prstGeom>
-            <a:solidFill>
-              <a:srgbClr val="00F5D4"/>
-            </a:solidFill>
-          </p:spPr>
-          <p:style>
-            <a:lnRef idx="2">
-              <a:schemeClr val="accent1">
-                <a:shade val="50000"/>
-              </a:schemeClr>
-            </a:lnRef>
-            <a:fillRef idx="1">
-              <a:schemeClr val="accent1"/>
-            </a:fillRef>
-            <a:effectRef idx="0">
-              <a:schemeClr val="accent1"/>
-            </a:effectRef>
-            <a:fontRef idx="minor">
-              <a:schemeClr val="lt1"/>
-            </a:fontRef>
-          </p:style>
-          <p:txBody>
-            <a:bodyPr rtlCol="0" anchor="ctr"/>
-            <a:lstStyle/>
-            <a:p>
-              <a:pPr algn="ctr"/>
-              <a:endParaRPr lang="en-US" sz="4400" dirty="0"/>
-            </a:p>
-          </p:txBody>
-        </p:sp>
-        <p:sp>
-          <p:nvSpPr>
-            <p:cNvPr id="34" name="Rectangle 33">
-              <a:extLst>
-                <a:ext uri="{FF2B5EF4-FFF2-40B4-BE49-F238E27FC236}">
-                  <a16:creationId xmlns:a16="http://schemas.microsoft.com/office/drawing/2014/main" id="{57857BAB-5E66-44B4-B328-1F162A98A5F1}"/>
-                </a:ext>
-              </a:extLst>
-            </p:cNvPr>
-            <p:cNvSpPr/>
-            <p:nvPr/>
-          </p:nvSpPr>
-          <p:spPr>
-            <a:xfrm>
-              <a:off x="3490098" y="2715248"/>
-              <a:ext cx="5199372" cy="1446550"/>
-            </a:xfrm>
-            <a:prstGeom prst="rect">
-              <a:avLst/>
-            </a:prstGeom>
-            <a:noFill/>
-          </p:spPr>
-          <p:txBody>
-            <a:bodyPr wrap="none" lIns="91440" tIns="45720" rIns="91440" bIns="45720">
-              <a:spAutoFit/>
-            </a:bodyPr>
-            <a:lstStyle/>
-            <a:p>
-              <a:pPr algn="ctr"/>
-              <a:r>
-                <a:rPr lang="en-US" sz="8800" b="1" dirty="0" err="1">
-                  <a:ln w="12700">
-                    <a:solidFill>
-                      <a:schemeClr val="tx2">
-                        <a:lumMod val="75000"/>
-                      </a:schemeClr>
-                    </a:solidFill>
-                    <a:prstDash val="solid"/>
-                  </a:ln>
-                  <a:pattFill prst="dkUpDiag">
-                    <a:fgClr>
-                      <a:schemeClr val="tx2"/>
-                    </a:fgClr>
-                    <a:bgClr>
-                      <a:schemeClr val="tx2">
-                        <a:lumMod val="20000"/>
-                        <a:lumOff val="80000"/>
-                      </a:schemeClr>
-                    </a:bgClr>
-                  </a:pattFill>
-                  <a:effectLst>
-                    <a:outerShdw dist="38100" dir="2640000" algn="bl" rotWithShape="0">
-                      <a:schemeClr val="tx2">
-                        <a:lumMod val="75000"/>
-                      </a:schemeClr>
-                    </a:outerShdw>
-                  </a:effectLst>
-                </a:rPr>
-                <a:t>TurboNote</a:t>
-              </a:r>
-              <a:endParaRPr lang="en-US" sz="8800" b="1" dirty="0">
-                <a:ln w="12700">
-                  <a:solidFill>
-                    <a:schemeClr val="tx2">
-                      <a:lumMod val="75000"/>
-                    </a:schemeClr>
-                  </a:solidFill>
-                  <a:prstDash val="solid"/>
-                </a:ln>
-                <a:pattFill prst="dkUpDiag">
-                  <a:fgClr>
-                    <a:schemeClr val="tx2"/>
-                  </a:fgClr>
-                  <a:bgClr>
-                    <a:schemeClr val="tx2">
-                      <a:lumMod val="20000"/>
-                      <a:lumOff val="80000"/>
-                    </a:schemeClr>
-                  </a:bgClr>
-                </a:pattFill>
-                <a:effectLst>
-                  <a:outerShdw dist="38100" dir="2640000" algn="bl" rotWithShape="0">
-                    <a:schemeClr val="tx2">
-                      <a:lumMod val="75000"/>
-                    </a:schemeClr>
-                  </a:outerShdw>
-                </a:effectLst>
-              </a:endParaRPr>
-            </a:p>
-          </p:txBody>
-        </p:sp>
-      </p:grpSp>
-      <p:grpSp>
-        <p:nvGrpSpPr>
-          <p:cNvPr id="11" name="Group 10">
-            <a:extLst>
-              <a:ext uri="{FF2B5EF4-FFF2-40B4-BE49-F238E27FC236}">
-                <a16:creationId xmlns:a16="http://schemas.microsoft.com/office/drawing/2014/main" id="{2FD25B7A-0646-44A0-A58F-0D968DED6F84}"/>
-              </a:ext>
-            </a:extLst>
-          </p:cNvPr>
-          <p:cNvGrpSpPr/>
-          <p:nvPr/>
-        </p:nvGrpSpPr>
-        <p:grpSpPr>
-          <a:xfrm>
-            <a:off x="1030161" y="451163"/>
-            <a:ext cx="841634" cy="841634"/>
-            <a:chOff x="-841634" y="451163"/>
-            <a:chExt cx="841634" cy="841634"/>
-          </a:xfrm>
-        </p:grpSpPr>
-        <p:sp>
-          <p:nvSpPr>
-            <p:cNvPr id="12" name="Oval 11">
-              <a:extLst>
-                <a:ext uri="{FF2B5EF4-FFF2-40B4-BE49-F238E27FC236}">
-                  <a16:creationId xmlns:a16="http://schemas.microsoft.com/office/drawing/2014/main" id="{F7D203E2-6FD0-45C8-B3B8-8D523D4343FC}"/>
-                </a:ext>
-              </a:extLst>
-            </p:cNvPr>
-            <p:cNvSpPr/>
-            <p:nvPr/>
-          </p:nvSpPr>
-          <p:spPr>
-            <a:xfrm>
-              <a:off x="-841634" y="451163"/>
-              <a:ext cx="841634" cy="841634"/>
-            </a:xfrm>
-            <a:prstGeom prst="ellipse">
-              <a:avLst/>
-            </a:prstGeom>
-            <a:solidFill>
-              <a:schemeClr val="bg1"/>
-            </a:solidFill>
-            <a:ln>
-              <a:noFill/>
-            </a:ln>
-          </p:spPr>
-          <p:style>
-            <a:lnRef idx="2">
-              <a:schemeClr val="accent1">
-                <a:shade val="50000"/>
-              </a:schemeClr>
-            </a:lnRef>
-            <a:fillRef idx="1">
-              <a:schemeClr val="accent1"/>
-            </a:fillRef>
-            <a:effectRef idx="0">
-              <a:schemeClr val="accent1"/>
-            </a:effectRef>
-            <a:fontRef idx="minor">
-              <a:schemeClr val="lt1"/>
-            </a:fontRef>
-          </p:style>
-          <p:txBody>
-            <a:bodyPr rtlCol="0" anchor="ctr"/>
-            <a:lstStyle/>
-            <a:p>
-              <a:pPr algn="ctr"/>
-              <a:endParaRPr lang="en-US"/>
-            </a:p>
-          </p:txBody>
-        </p:sp>
-        <p:pic>
-          <p:nvPicPr>
-            <p:cNvPr id="13" name="Graphic 12" descr="Group of men">
-              <a:extLst>
-                <a:ext uri="{FF2B5EF4-FFF2-40B4-BE49-F238E27FC236}">
-                  <a16:creationId xmlns:a16="http://schemas.microsoft.com/office/drawing/2014/main" id="{0E4CA495-0C21-4B2B-BE4D-D5D27DE87D5B}"/>
-                </a:ext>
-              </a:extLst>
-            </p:cNvPr>
-            <p:cNvPicPr>
-              <a:picLocks noChangeAspect="1"/>
-            </p:cNvPicPr>
-            <p:nvPr/>
-          </p:nvPicPr>
-          <p:blipFill>
-            <a:blip r:embed="rId2">
-              <a:extLst>
-                <a:ext uri="{28A0092B-C50C-407E-A947-70E740481C1C}">
-                  <a14:useLocalDpi xmlns:a14="http://schemas.microsoft.com/office/drawing/2010/main" val="0"/>
-                </a:ext>
-                <a:ext uri="{96DAC541-7B7A-43D3-8B79-37D633B846F1}">
-                  <asvg:svgBlip xmlns:asvg="http://schemas.microsoft.com/office/drawing/2016/SVG/main" r:embed="rId3"/>
-                </a:ext>
-              </a:extLst>
-            </a:blip>
-            <a:stretch>
-              <a:fillRect/>
-            </a:stretch>
-          </p:blipFill>
-          <p:spPr>
-            <a:xfrm>
-              <a:off x="-715261" y="582884"/>
-              <a:ext cx="578191" cy="578191"/>
-            </a:xfrm>
-            <a:prstGeom prst="rect">
-              <a:avLst/>
-            </a:prstGeom>
-          </p:spPr>
-        </p:pic>
-      </p:grpSp>
-      <p:grpSp>
-        <p:nvGrpSpPr>
-          <p:cNvPr id="14" name="Group 13">
-            <a:extLst>
-              <a:ext uri="{FF2B5EF4-FFF2-40B4-BE49-F238E27FC236}">
-                <a16:creationId xmlns:a16="http://schemas.microsoft.com/office/drawing/2014/main" id="{C719EE4E-831C-439D-B313-E20D18D5DCC1}"/>
-              </a:ext>
-            </a:extLst>
-          </p:cNvPr>
-          <p:cNvGrpSpPr/>
-          <p:nvPr/>
-        </p:nvGrpSpPr>
-        <p:grpSpPr>
-          <a:xfrm>
-            <a:off x="-846979" y="1734435"/>
-            <a:ext cx="841634" cy="841634"/>
-            <a:chOff x="-846979" y="1734435"/>
-            <a:chExt cx="841634" cy="841634"/>
-          </a:xfrm>
-        </p:grpSpPr>
-        <p:sp>
-          <p:nvSpPr>
-            <p:cNvPr id="15" name="Oval 14">
-              <a:extLst>
-                <a:ext uri="{FF2B5EF4-FFF2-40B4-BE49-F238E27FC236}">
-                  <a16:creationId xmlns:a16="http://schemas.microsoft.com/office/drawing/2014/main" id="{7CD53666-A7D4-48F2-8A78-D599CB8DA794}"/>
-                </a:ext>
-              </a:extLst>
-            </p:cNvPr>
-            <p:cNvSpPr/>
-            <p:nvPr/>
-          </p:nvSpPr>
-          <p:spPr>
-            <a:xfrm>
-              <a:off x="-846979" y="1734435"/>
-              <a:ext cx="841634" cy="841634"/>
-            </a:xfrm>
-            <a:prstGeom prst="ellipse">
-              <a:avLst/>
-            </a:prstGeom>
-            <a:solidFill>
-              <a:schemeClr val="bg1"/>
-            </a:solidFill>
-            <a:ln>
-              <a:noFill/>
-            </a:ln>
-          </p:spPr>
-          <p:style>
-            <a:lnRef idx="2">
-              <a:schemeClr val="accent1">
-                <a:shade val="50000"/>
-              </a:schemeClr>
-            </a:lnRef>
-            <a:fillRef idx="1">
-              <a:schemeClr val="accent1"/>
-            </a:fillRef>
-            <a:effectRef idx="0">
-              <a:schemeClr val="accent1"/>
-            </a:effectRef>
-            <a:fontRef idx="minor">
-              <a:schemeClr val="lt1"/>
-            </a:fontRef>
-          </p:style>
-          <p:txBody>
-            <a:bodyPr rtlCol="0" anchor="ctr"/>
-            <a:lstStyle/>
-            <a:p>
-              <a:pPr algn="ctr"/>
-              <a:endParaRPr lang="en-US"/>
-            </a:p>
-          </p:txBody>
-        </p:sp>
-        <p:pic>
-          <p:nvPicPr>
-            <p:cNvPr id="16" name="Graphic 15" descr="Server">
-              <a:extLst>
-                <a:ext uri="{FF2B5EF4-FFF2-40B4-BE49-F238E27FC236}">
-                  <a16:creationId xmlns:a16="http://schemas.microsoft.com/office/drawing/2014/main" id="{BA595A6F-3196-4E2A-BD03-8750EE9A921A}"/>
-                </a:ext>
-              </a:extLst>
-            </p:cNvPr>
-            <p:cNvPicPr>
-              <a:picLocks noChangeAspect="1"/>
-            </p:cNvPicPr>
-            <p:nvPr/>
-          </p:nvPicPr>
-          <p:blipFill>
-            <a:blip r:embed="rId4">
-              <a:extLst>
-                <a:ext uri="{28A0092B-C50C-407E-A947-70E740481C1C}">
-                  <a14:useLocalDpi xmlns:a14="http://schemas.microsoft.com/office/drawing/2010/main" val="0"/>
-                </a:ext>
-                <a:ext uri="{96DAC541-7B7A-43D3-8B79-37D633B846F1}">
-                  <asvg:svgBlip xmlns:asvg="http://schemas.microsoft.com/office/drawing/2016/SVG/main" r:embed="rId5"/>
-                </a:ext>
-              </a:extLst>
-            </a:blip>
-            <a:stretch>
-              <a:fillRect/>
-            </a:stretch>
-          </p:blipFill>
-          <p:spPr>
-            <a:xfrm>
-              <a:off x="-715261" y="1875053"/>
-              <a:ext cx="578191" cy="578191"/>
-            </a:xfrm>
-            <a:prstGeom prst="rect">
-              <a:avLst/>
-            </a:prstGeom>
-          </p:spPr>
-        </p:pic>
-      </p:grpSp>
-      <p:grpSp>
-        <p:nvGrpSpPr>
-          <p:cNvPr id="17" name="Group 16">
-            <a:extLst>
-              <a:ext uri="{FF2B5EF4-FFF2-40B4-BE49-F238E27FC236}">
-                <a16:creationId xmlns:a16="http://schemas.microsoft.com/office/drawing/2014/main" id="{BD983F21-6984-4015-B4BA-DA5BEBDAEFD7}"/>
-              </a:ext>
-            </a:extLst>
-          </p:cNvPr>
-          <p:cNvGrpSpPr/>
-          <p:nvPr/>
-        </p:nvGrpSpPr>
-        <p:grpSpPr>
-          <a:xfrm>
-            <a:off x="-846979" y="4300979"/>
-            <a:ext cx="841634" cy="841634"/>
-            <a:chOff x="-846979" y="4300979"/>
-            <a:chExt cx="841634" cy="841634"/>
-          </a:xfrm>
-        </p:grpSpPr>
-        <p:sp>
-          <p:nvSpPr>
-            <p:cNvPr id="18" name="Oval 17">
-              <a:extLst>
-                <a:ext uri="{FF2B5EF4-FFF2-40B4-BE49-F238E27FC236}">
-                  <a16:creationId xmlns:a16="http://schemas.microsoft.com/office/drawing/2014/main" id="{C23A6CDF-4EDC-454B-A8E1-F416E665E75A}"/>
-                </a:ext>
-              </a:extLst>
-            </p:cNvPr>
-            <p:cNvSpPr/>
-            <p:nvPr/>
-          </p:nvSpPr>
-          <p:spPr>
-            <a:xfrm>
-              <a:off x="-846979" y="4300979"/>
-              <a:ext cx="841634" cy="841634"/>
-            </a:xfrm>
-            <a:prstGeom prst="ellipse">
-              <a:avLst/>
-            </a:prstGeom>
-            <a:solidFill>
-              <a:schemeClr val="bg1"/>
-            </a:solidFill>
-            <a:ln>
-              <a:noFill/>
-            </a:ln>
-          </p:spPr>
-          <p:style>
-            <a:lnRef idx="2">
-              <a:schemeClr val="accent1">
-                <a:shade val="50000"/>
-              </a:schemeClr>
-            </a:lnRef>
-            <a:fillRef idx="1">
-              <a:schemeClr val="accent1"/>
-            </a:fillRef>
-            <a:effectRef idx="0">
-              <a:schemeClr val="accent1"/>
-            </a:effectRef>
-            <a:fontRef idx="minor">
-              <a:schemeClr val="lt1"/>
-            </a:fontRef>
-          </p:style>
-          <p:txBody>
-            <a:bodyPr rtlCol="0" anchor="ctr"/>
-            <a:lstStyle/>
-            <a:p>
-              <a:pPr algn="ctr"/>
-              <a:endParaRPr lang="en-US"/>
-            </a:p>
-          </p:txBody>
-        </p:sp>
-        <p:pic>
-          <p:nvPicPr>
-            <p:cNvPr id="19" name="Graphic 18" descr="Computer">
-              <a:extLst>
-                <a:ext uri="{FF2B5EF4-FFF2-40B4-BE49-F238E27FC236}">
-                  <a16:creationId xmlns:a16="http://schemas.microsoft.com/office/drawing/2014/main" id="{A085F650-3CEE-4369-AF85-F9718E965C3F}"/>
-                </a:ext>
-              </a:extLst>
-            </p:cNvPr>
-            <p:cNvPicPr>
-              <a:picLocks noChangeAspect="1"/>
-            </p:cNvPicPr>
-            <p:nvPr/>
-          </p:nvPicPr>
-          <p:blipFill>
-            <a:blip r:embed="rId6">
-              <a:extLst>
-                <a:ext uri="{28A0092B-C50C-407E-A947-70E740481C1C}">
-                  <a14:useLocalDpi xmlns:a14="http://schemas.microsoft.com/office/drawing/2010/main" val="0"/>
-                </a:ext>
-                <a:ext uri="{96DAC541-7B7A-43D3-8B79-37D633B846F1}">
-                  <asvg:svgBlip xmlns:asvg="http://schemas.microsoft.com/office/drawing/2016/SVG/main" r:embed="rId7"/>
-                </a:ext>
-              </a:extLst>
-            </a:blip>
-            <a:stretch>
-              <a:fillRect/>
-            </a:stretch>
-          </p:blipFill>
-          <p:spPr>
-            <a:xfrm>
-              <a:off x="-715262" y="4432700"/>
-              <a:ext cx="578191" cy="578191"/>
-            </a:xfrm>
-            <a:prstGeom prst="rect">
-              <a:avLst/>
-            </a:prstGeom>
-          </p:spPr>
-        </p:pic>
-      </p:grpSp>
-      <p:grpSp>
-        <p:nvGrpSpPr>
-          <p:cNvPr id="20" name="Group 19">
-            <a:extLst>
-              <a:ext uri="{FF2B5EF4-FFF2-40B4-BE49-F238E27FC236}">
-                <a16:creationId xmlns:a16="http://schemas.microsoft.com/office/drawing/2014/main" id="{5C50E7F1-444F-43E3-A8A5-B0B8B9BAAC3A}"/>
-              </a:ext>
-            </a:extLst>
-          </p:cNvPr>
-          <p:cNvGrpSpPr/>
-          <p:nvPr/>
-        </p:nvGrpSpPr>
-        <p:grpSpPr>
-          <a:xfrm>
-            <a:off x="-846981" y="5584251"/>
-            <a:ext cx="841634" cy="841634"/>
-            <a:chOff x="-846981" y="5584251"/>
-            <a:chExt cx="841634" cy="841634"/>
-          </a:xfrm>
-        </p:grpSpPr>
-        <p:sp>
-          <p:nvSpPr>
-            <p:cNvPr id="21" name="Oval 20">
-              <a:extLst>
-                <a:ext uri="{FF2B5EF4-FFF2-40B4-BE49-F238E27FC236}">
-                  <a16:creationId xmlns:a16="http://schemas.microsoft.com/office/drawing/2014/main" id="{3BC5FDE2-3A61-4DF1-86E2-B05DFC1D45AD}"/>
-                </a:ext>
-              </a:extLst>
-            </p:cNvPr>
-            <p:cNvSpPr/>
-            <p:nvPr/>
-          </p:nvSpPr>
-          <p:spPr>
-            <a:xfrm>
-              <a:off x="-846981" y="5584251"/>
-              <a:ext cx="841634" cy="841634"/>
-            </a:xfrm>
-            <a:prstGeom prst="ellipse">
-              <a:avLst/>
-            </a:prstGeom>
-            <a:solidFill>
-              <a:schemeClr val="bg1"/>
-            </a:solidFill>
-            <a:ln>
-              <a:noFill/>
-            </a:ln>
-          </p:spPr>
-          <p:style>
-            <a:lnRef idx="2">
-              <a:schemeClr val="accent1">
-                <a:shade val="50000"/>
-              </a:schemeClr>
-            </a:lnRef>
-            <a:fillRef idx="1">
-              <a:schemeClr val="accent1"/>
-            </a:fillRef>
-            <a:effectRef idx="0">
-              <a:schemeClr val="accent1"/>
-            </a:effectRef>
-            <a:fontRef idx="minor">
-              <a:schemeClr val="lt1"/>
-            </a:fontRef>
-          </p:style>
-          <p:txBody>
-            <a:bodyPr rtlCol="0" anchor="ctr"/>
-            <a:lstStyle/>
-            <a:p>
-              <a:pPr algn="ctr"/>
-              <a:endParaRPr lang="en-US"/>
-            </a:p>
-          </p:txBody>
-        </p:sp>
-        <p:pic>
-          <p:nvPicPr>
-            <p:cNvPr id="22" name="Graphic 21" descr="Web design">
-              <a:extLst>
-                <a:ext uri="{FF2B5EF4-FFF2-40B4-BE49-F238E27FC236}">
-                  <a16:creationId xmlns:a16="http://schemas.microsoft.com/office/drawing/2014/main" id="{63C24EBF-789E-4282-96D8-1D276838910B}"/>
-                </a:ext>
-              </a:extLst>
-            </p:cNvPr>
-            <p:cNvPicPr>
-              <a:picLocks noChangeAspect="1"/>
-            </p:cNvPicPr>
-            <p:nvPr/>
-          </p:nvPicPr>
-          <p:blipFill>
-            <a:blip r:embed="rId8">
-              <a:extLst>
-                <a:ext uri="{28A0092B-C50C-407E-A947-70E740481C1C}">
-                  <a14:useLocalDpi xmlns:a14="http://schemas.microsoft.com/office/drawing/2010/main" val="0"/>
-                </a:ext>
-                <a:ext uri="{96DAC541-7B7A-43D3-8B79-37D633B846F1}">
-                  <asvg:svgBlip xmlns:asvg="http://schemas.microsoft.com/office/drawing/2016/SVG/main" r:embed="rId9"/>
-                </a:ext>
-              </a:extLst>
-            </a:blip>
-            <a:stretch>
-              <a:fillRect/>
-            </a:stretch>
-          </p:blipFill>
-          <p:spPr>
-            <a:xfrm>
-              <a:off x="-715257" y="5715972"/>
-              <a:ext cx="578191" cy="578191"/>
-            </a:xfrm>
-            <a:prstGeom prst="rect">
-              <a:avLst/>
-            </a:prstGeom>
-          </p:spPr>
-        </p:pic>
-      </p:grpSp>
-      <p:grpSp>
-        <p:nvGrpSpPr>
-          <p:cNvPr id="28" name="Group 27">
-            <a:extLst>
-              <a:ext uri="{FF2B5EF4-FFF2-40B4-BE49-F238E27FC236}">
-                <a16:creationId xmlns:a16="http://schemas.microsoft.com/office/drawing/2014/main" id="{E38FFCB3-5F33-4C61-AAF1-DDA6AE2C27B3}"/>
-              </a:ext>
-            </a:extLst>
-          </p:cNvPr>
-          <p:cNvGrpSpPr/>
-          <p:nvPr/>
-        </p:nvGrpSpPr>
-        <p:grpSpPr>
-          <a:xfrm>
-            <a:off x="-841634" y="3008183"/>
-            <a:ext cx="841634" cy="841634"/>
-            <a:chOff x="5675183" y="3005477"/>
-            <a:chExt cx="841634" cy="841634"/>
-          </a:xfrm>
-        </p:grpSpPr>
-        <p:sp>
-          <p:nvSpPr>
-            <p:cNvPr id="29" name="Oval 28">
-              <a:extLst>
-                <a:ext uri="{FF2B5EF4-FFF2-40B4-BE49-F238E27FC236}">
-                  <a16:creationId xmlns:a16="http://schemas.microsoft.com/office/drawing/2014/main" id="{1BE0B4A3-57E8-4C62-9D1D-4F021E2056FE}"/>
-                </a:ext>
-              </a:extLst>
-            </p:cNvPr>
-            <p:cNvSpPr/>
-            <p:nvPr/>
-          </p:nvSpPr>
-          <p:spPr>
-            <a:xfrm>
-              <a:off x="5675183" y="3005477"/>
-              <a:ext cx="841634" cy="841634"/>
-            </a:xfrm>
-            <a:prstGeom prst="ellipse">
-              <a:avLst/>
-            </a:prstGeom>
-            <a:solidFill>
-              <a:srgbClr val="FFFFFF"/>
-            </a:solidFill>
-            <a:ln>
-              <a:noFill/>
-            </a:ln>
-          </p:spPr>
-          <p:style>
-            <a:lnRef idx="2">
-              <a:schemeClr val="accent1">
-                <a:shade val="50000"/>
-              </a:schemeClr>
-            </a:lnRef>
-            <a:fillRef idx="1">
-              <a:schemeClr val="accent1"/>
-            </a:fillRef>
-            <a:effectRef idx="0">
-              <a:schemeClr val="accent1"/>
-            </a:effectRef>
-            <a:fontRef idx="minor">
-              <a:schemeClr val="lt1"/>
-            </a:fontRef>
-          </p:style>
-          <p:txBody>
-            <a:bodyPr rtlCol="0" anchor="ctr"/>
-            <a:lstStyle/>
-            <a:p>
-              <a:pPr algn="ctr"/>
-              <a:endParaRPr lang="en-US"/>
-            </a:p>
-          </p:txBody>
-        </p:sp>
-        <p:pic>
-          <p:nvPicPr>
-            <p:cNvPr id="30" name="Graphic 29" descr="Smart Phone">
-              <a:extLst>
-                <a:ext uri="{FF2B5EF4-FFF2-40B4-BE49-F238E27FC236}">
-                  <a16:creationId xmlns:a16="http://schemas.microsoft.com/office/drawing/2014/main" id="{799A6D27-0847-4276-AAD5-799AC6DB626C}"/>
-                </a:ext>
-              </a:extLst>
-            </p:cNvPr>
-            <p:cNvPicPr>
-              <a:picLocks noChangeAspect="1"/>
-            </p:cNvPicPr>
-            <p:nvPr/>
-          </p:nvPicPr>
-          <p:blipFill>
-            <a:blip r:embed="rId10">
-              <a:extLst>
-                <a:ext uri="{28A0092B-C50C-407E-A947-70E740481C1C}">
-                  <a14:useLocalDpi xmlns:a14="http://schemas.microsoft.com/office/drawing/2010/main" val="0"/>
-                </a:ext>
-                <a:ext uri="{96DAC541-7B7A-43D3-8B79-37D633B846F1}">
-                  <asvg:svgBlip xmlns:asvg="http://schemas.microsoft.com/office/drawing/2016/SVG/main" r:embed="rId11"/>
-                </a:ext>
-              </a:extLst>
-            </a:blip>
-            <a:stretch>
-              <a:fillRect/>
-            </a:stretch>
-          </p:blipFill>
-          <p:spPr>
-            <a:xfrm flipV="1">
-              <a:off x="5806902" y="3137198"/>
-              <a:ext cx="578191" cy="578191"/>
-            </a:xfrm>
-            <a:prstGeom prst="rect">
-              <a:avLst/>
-            </a:prstGeom>
-          </p:spPr>
-        </p:pic>
-      </p:grpSp>
-      <p:sp>
-        <p:nvSpPr>
-          <p:cNvPr id="10" name="Freeform: Shape 9">
-            <a:extLst>
-              <a:ext uri="{FF2B5EF4-FFF2-40B4-BE49-F238E27FC236}">
-                <a16:creationId xmlns:a16="http://schemas.microsoft.com/office/drawing/2014/main" id="{118713A0-7EB7-41F4-AA04-51478B126B2C}"/>
-              </a:ext>
-            </a:extLst>
-          </p:cNvPr>
-          <p:cNvSpPr/>
-          <p:nvPr/>
-        </p:nvSpPr>
-        <p:spPr>
-          <a:xfrm rot="10800000">
-            <a:off x="1739" y="-16472462"/>
-            <a:ext cx="1449238" cy="23553174"/>
-          </a:xfrm>
-          <a:custGeom>
-            <a:avLst/>
-            <a:gdLst>
-              <a:gd name="connsiteX0" fmla="*/ 0 w 1449238"/>
-              <a:gd name="connsiteY0" fmla="*/ 23553174 h 23553174"/>
-              <a:gd name="connsiteX1" fmla="*/ 0 w 1449238"/>
-              <a:gd name="connsiteY1" fmla="*/ 7057620 h 23553174"/>
-              <a:gd name="connsiteX2" fmla="*/ 828826 w 1449238"/>
-              <a:gd name="connsiteY2" fmla="*/ 6213536 h 23553174"/>
-              <a:gd name="connsiteX3" fmla="*/ 0 w 1449238"/>
-              <a:gd name="connsiteY3" fmla="*/ 5369453 h 23553174"/>
-              <a:gd name="connsiteX4" fmla="*/ 0 w 1449238"/>
-              <a:gd name="connsiteY4" fmla="*/ 0 h 23553174"/>
-              <a:gd name="connsiteX5" fmla="*/ 1449238 w 1449238"/>
-              <a:gd name="connsiteY5" fmla="*/ 0 h 23553174"/>
-              <a:gd name="connsiteX6" fmla="*/ 1449238 w 1449238"/>
-              <a:gd name="connsiteY6" fmla="*/ 23553174 h 23553174"/>
-              <a:gd name="connsiteX0" fmla="*/ 0 w 1449238"/>
-              <a:gd name="connsiteY0" fmla="*/ 23553174 h 23553174"/>
-              <a:gd name="connsiteX1" fmla="*/ 0 w 1449238"/>
-              <a:gd name="connsiteY1" fmla="*/ 7057620 h 23553174"/>
-              <a:gd name="connsiteX2" fmla="*/ 828826 w 1449238"/>
-              <a:gd name="connsiteY2" fmla="*/ 6213536 h 23553174"/>
-              <a:gd name="connsiteX3" fmla="*/ 0 w 1449238"/>
-              <a:gd name="connsiteY3" fmla="*/ 5369453 h 23553174"/>
-              <a:gd name="connsiteX4" fmla="*/ 0 w 1449238"/>
-              <a:gd name="connsiteY4" fmla="*/ 0 h 23553174"/>
-              <a:gd name="connsiteX5" fmla="*/ 1449238 w 1449238"/>
-              <a:gd name="connsiteY5" fmla="*/ 0 h 23553174"/>
-              <a:gd name="connsiteX6" fmla="*/ 1449238 w 1449238"/>
-              <a:gd name="connsiteY6" fmla="*/ 23553174 h 23553174"/>
-              <a:gd name="connsiteX7" fmla="*/ 0 w 1449238"/>
-              <a:gd name="connsiteY7" fmla="*/ 23553174 h 23553174"/>
-              <a:gd name="connsiteX0" fmla="*/ 0 w 1449238"/>
-              <a:gd name="connsiteY0" fmla="*/ 23553174 h 23553174"/>
-              <a:gd name="connsiteX1" fmla="*/ 0 w 1449238"/>
-              <a:gd name="connsiteY1" fmla="*/ 7057620 h 23553174"/>
-              <a:gd name="connsiteX2" fmla="*/ 828826 w 1449238"/>
-              <a:gd name="connsiteY2" fmla="*/ 6213536 h 23553174"/>
-              <a:gd name="connsiteX3" fmla="*/ 0 w 1449238"/>
-              <a:gd name="connsiteY3" fmla="*/ 5369453 h 23553174"/>
-              <a:gd name="connsiteX4" fmla="*/ 0 w 1449238"/>
-              <a:gd name="connsiteY4" fmla="*/ 0 h 23553174"/>
-              <a:gd name="connsiteX5" fmla="*/ 1449238 w 1449238"/>
-              <a:gd name="connsiteY5" fmla="*/ 0 h 23553174"/>
-              <a:gd name="connsiteX6" fmla="*/ 1449238 w 1449238"/>
-              <a:gd name="connsiteY6" fmla="*/ 23553174 h 23553174"/>
-              <a:gd name="connsiteX7" fmla="*/ 0 w 1449238"/>
-              <a:gd name="connsiteY7" fmla="*/ 23553174 h 23553174"/>
-              <a:gd name="connsiteX0" fmla="*/ 0 w 1449238"/>
-              <a:gd name="connsiteY0" fmla="*/ 23553174 h 23553174"/>
-              <a:gd name="connsiteX1" fmla="*/ 0 w 1449238"/>
-              <a:gd name="connsiteY1" fmla="*/ 7057620 h 23553174"/>
-              <a:gd name="connsiteX2" fmla="*/ 828826 w 1449238"/>
-              <a:gd name="connsiteY2" fmla="*/ 6213536 h 23553174"/>
-              <a:gd name="connsiteX3" fmla="*/ 0 w 1449238"/>
-              <a:gd name="connsiteY3" fmla="*/ 5369453 h 23553174"/>
-              <a:gd name="connsiteX4" fmla="*/ 0 w 1449238"/>
-              <a:gd name="connsiteY4" fmla="*/ 0 h 23553174"/>
-              <a:gd name="connsiteX5" fmla="*/ 1449238 w 1449238"/>
-              <a:gd name="connsiteY5" fmla="*/ 0 h 23553174"/>
-              <a:gd name="connsiteX6" fmla="*/ 1449238 w 1449238"/>
-              <a:gd name="connsiteY6" fmla="*/ 23553174 h 23553174"/>
-              <a:gd name="connsiteX7" fmla="*/ 0 w 1449238"/>
-              <a:gd name="connsiteY7" fmla="*/ 23553174 h 23553174"/>
-              <a:gd name="connsiteX0" fmla="*/ 0 w 1449238"/>
-              <a:gd name="connsiteY0" fmla="*/ 23553174 h 23553174"/>
-              <a:gd name="connsiteX1" fmla="*/ 0 w 1449238"/>
-              <a:gd name="connsiteY1" fmla="*/ 7057620 h 23553174"/>
-              <a:gd name="connsiteX2" fmla="*/ 828826 w 1449238"/>
-              <a:gd name="connsiteY2" fmla="*/ 6213536 h 23553174"/>
-              <a:gd name="connsiteX3" fmla="*/ 0 w 1449238"/>
-              <a:gd name="connsiteY3" fmla="*/ 5369453 h 23553174"/>
-              <a:gd name="connsiteX4" fmla="*/ 0 w 1449238"/>
-              <a:gd name="connsiteY4" fmla="*/ 0 h 23553174"/>
-              <a:gd name="connsiteX5" fmla="*/ 1449238 w 1449238"/>
-              <a:gd name="connsiteY5" fmla="*/ 0 h 23553174"/>
-              <a:gd name="connsiteX6" fmla="*/ 1449238 w 1449238"/>
-              <a:gd name="connsiteY6" fmla="*/ 23553174 h 23553174"/>
-              <a:gd name="connsiteX7" fmla="*/ 0 w 1449238"/>
-              <a:gd name="connsiteY7" fmla="*/ 23553174 h 23553174"/>
-              <a:gd name="connsiteX0" fmla="*/ 0 w 1449238"/>
-              <a:gd name="connsiteY0" fmla="*/ 23553174 h 23553174"/>
-              <a:gd name="connsiteX1" fmla="*/ 0 w 1449238"/>
-              <a:gd name="connsiteY1" fmla="*/ 7057620 h 23553174"/>
-              <a:gd name="connsiteX2" fmla="*/ 581176 w 1449238"/>
-              <a:gd name="connsiteY2" fmla="*/ 6213536 h 23553174"/>
-              <a:gd name="connsiteX3" fmla="*/ 0 w 1449238"/>
-              <a:gd name="connsiteY3" fmla="*/ 5369453 h 23553174"/>
-              <a:gd name="connsiteX4" fmla="*/ 0 w 1449238"/>
-              <a:gd name="connsiteY4" fmla="*/ 0 h 23553174"/>
-              <a:gd name="connsiteX5" fmla="*/ 1449238 w 1449238"/>
-              <a:gd name="connsiteY5" fmla="*/ 0 h 23553174"/>
-              <a:gd name="connsiteX6" fmla="*/ 1449238 w 1449238"/>
-              <a:gd name="connsiteY6" fmla="*/ 23553174 h 23553174"/>
-              <a:gd name="connsiteX7" fmla="*/ 0 w 1449238"/>
-              <a:gd name="connsiteY7" fmla="*/ 23553174 h 23553174"/>
-              <a:gd name="connsiteX0" fmla="*/ 0 w 1449238"/>
-              <a:gd name="connsiteY0" fmla="*/ 23553174 h 23553174"/>
-              <a:gd name="connsiteX1" fmla="*/ 0 w 1449238"/>
-              <a:gd name="connsiteY1" fmla="*/ 7057620 h 23553174"/>
-              <a:gd name="connsiteX2" fmla="*/ 564507 w 1449238"/>
-              <a:gd name="connsiteY2" fmla="*/ 6215918 h 23553174"/>
-              <a:gd name="connsiteX3" fmla="*/ 0 w 1449238"/>
-              <a:gd name="connsiteY3" fmla="*/ 5369453 h 23553174"/>
-              <a:gd name="connsiteX4" fmla="*/ 0 w 1449238"/>
-              <a:gd name="connsiteY4" fmla="*/ 0 h 23553174"/>
-              <a:gd name="connsiteX5" fmla="*/ 1449238 w 1449238"/>
-              <a:gd name="connsiteY5" fmla="*/ 0 h 23553174"/>
-              <a:gd name="connsiteX6" fmla="*/ 1449238 w 1449238"/>
-              <a:gd name="connsiteY6" fmla="*/ 23553174 h 23553174"/>
-              <a:gd name="connsiteX7" fmla="*/ 0 w 1449238"/>
-              <a:gd name="connsiteY7" fmla="*/ 23553174 h 23553174"/>
-            </a:gdLst>
-            <a:ahLst/>
-            <a:cxnLst>
-              <a:cxn ang="0">
-                <a:pos x="connsiteX0" y="connsiteY0"/>
-              </a:cxn>
-              <a:cxn ang="0">
-                <a:pos x="connsiteX1" y="connsiteY1"/>
-              </a:cxn>
-              <a:cxn ang="0">
-                <a:pos x="connsiteX2" y="connsiteY2"/>
-              </a:cxn>
-              <a:cxn ang="0">
-                <a:pos x="connsiteX3" y="connsiteY3"/>
-              </a:cxn>
-              <a:cxn ang="0">
-                <a:pos x="connsiteX4" y="connsiteY4"/>
-              </a:cxn>
-              <a:cxn ang="0">
-                <a:pos x="connsiteX5" y="connsiteY5"/>
-              </a:cxn>
-              <a:cxn ang="0">
-                <a:pos x="connsiteX6" y="connsiteY6"/>
-              </a:cxn>
-              <a:cxn ang="0">
-                <a:pos x="connsiteX7" y="connsiteY7"/>
-              </a:cxn>
-            </a:cxnLst>
-            <a:rect l="l" t="t" r="r" b="b"/>
-            <a:pathLst>
-              <a:path w="1449238" h="23553174">
-                <a:moveTo>
-                  <a:pt x="0" y="23553174"/>
-                </a:moveTo>
-                <a:lnTo>
-                  <a:pt x="0" y="7057620"/>
-                </a:lnTo>
-                <a:cubicBezTo>
-                  <a:pt x="4812" y="6633384"/>
-                  <a:pt x="564557" y="6719529"/>
-                  <a:pt x="564507" y="6215918"/>
-                </a:cubicBezTo>
-                <a:cubicBezTo>
-                  <a:pt x="564457" y="5712307"/>
-                  <a:pt x="2431" y="5798452"/>
-                  <a:pt x="0" y="5369453"/>
-                </a:cubicBezTo>
-                <a:lnTo>
-                  <a:pt x="0" y="0"/>
-                </a:lnTo>
-                <a:lnTo>
-                  <a:pt x="1449238" y="0"/>
-                </a:lnTo>
-                <a:lnTo>
-                  <a:pt x="1449238" y="23553174"/>
-                </a:lnTo>
-                <a:lnTo>
-                  <a:pt x="0" y="23553174"/>
-                </a:lnTo>
-                <a:close/>
-              </a:path>
-            </a:pathLst>
-          </a:custGeom>
-          <a:solidFill>
-            <a:schemeClr val="bg1"/>
-          </a:solidFill>
-          <a:ln>
-            <a:noFill/>
-          </a:ln>
-        </p:spPr>
-        <p:style>
-          <a:lnRef idx="2">
-            <a:schemeClr val="accent1">
-              <a:shade val="50000"/>
-            </a:schemeClr>
-          </a:lnRef>
-          <a:fillRef idx="1">
-            <a:schemeClr val="accent1"/>
-          </a:fillRef>
-          <a:effectRef idx="0">
-            <a:schemeClr val="accent1"/>
-          </a:effectRef>
-          <a:fontRef idx="minor">
-            <a:schemeClr val="lt1"/>
-          </a:fontRef>
-        </p:style>
-        <p:txBody>
-          <a:bodyPr wrap="square" rtlCol="0" anchor="ctr">
-            <a:noAutofit/>
-          </a:bodyPr>
-          <a:lstStyle/>
-          <a:p>
-            <a:pPr algn="ctr"/>
-            <a:endParaRPr lang="en-US"/>
-          </a:p>
-        </p:txBody>
-      </p:sp>
-      <p:pic>
-        <p:nvPicPr>
-          <p:cNvPr id="23" name="Graphic 22" descr="Group of men">
-            <a:hlinkClick r:id="rId12" action="ppaction://hlinksldjump"/>
-            <a:extLst>
-              <a:ext uri="{FF2B5EF4-FFF2-40B4-BE49-F238E27FC236}">
-                <a16:creationId xmlns:a16="http://schemas.microsoft.com/office/drawing/2014/main" id="{6B1B6614-2A22-4BA5-9BA2-14DAC91EEF35}"/>
-              </a:ext>
-            </a:extLst>
-          </p:cNvPr>
-          <p:cNvPicPr>
-            <a:picLocks noChangeAspect="1"/>
-          </p:cNvPicPr>
-          <p:nvPr/>
-        </p:nvPicPr>
-        <p:blipFill>
-          <a:blip r:embed="rId13">
-            <a:extLst>
-              <a:ext uri="{28A0092B-C50C-407E-A947-70E740481C1C}">
-                <a14:useLocalDpi xmlns:a14="http://schemas.microsoft.com/office/drawing/2010/main" val="0"/>
-              </a:ext>
-              <a:ext uri="{96DAC541-7B7A-43D3-8B79-37D633B846F1}">
-                <asvg:svgBlip xmlns:asvg="http://schemas.microsoft.com/office/drawing/2016/SVG/main" r:embed="rId14"/>
-              </a:ext>
-            </a:extLst>
-          </a:blip>
-          <a:stretch>
-            <a:fillRect/>
-          </a:stretch>
-        </p:blipFill>
-        <p:spPr>
-          <a:xfrm>
-            <a:off x="437264" y="582884"/>
-            <a:ext cx="578191" cy="578191"/>
-          </a:xfrm>
-          <a:prstGeom prst="rect">
-            <a:avLst/>
-          </a:prstGeom>
-        </p:spPr>
-      </p:pic>
-      <p:pic>
-        <p:nvPicPr>
-          <p:cNvPr id="24" name="Graphic 23" descr="Server">
-            <a:hlinkClick r:id="rId15" action="ppaction://hlinksldjump"/>
-            <a:extLst>
-              <a:ext uri="{FF2B5EF4-FFF2-40B4-BE49-F238E27FC236}">
-                <a16:creationId xmlns:a16="http://schemas.microsoft.com/office/drawing/2014/main" id="{DECA15C3-6AEE-4D0C-9526-1E7AAF61F746}"/>
-              </a:ext>
-            </a:extLst>
-          </p:cNvPr>
-          <p:cNvPicPr>
-            <a:picLocks noChangeAspect="1"/>
-          </p:cNvPicPr>
-          <p:nvPr/>
-        </p:nvPicPr>
-        <p:blipFill>
-          <a:blip r:embed="rId16">
-            <a:extLst>
-              <a:ext uri="{28A0092B-C50C-407E-A947-70E740481C1C}">
-                <a14:useLocalDpi xmlns:a14="http://schemas.microsoft.com/office/drawing/2010/main" val="0"/>
-              </a:ext>
-              <a:ext uri="{96DAC541-7B7A-43D3-8B79-37D633B846F1}">
-                <asvg:svgBlip xmlns:asvg="http://schemas.microsoft.com/office/drawing/2016/SVG/main" r:embed="rId17"/>
-              </a:ext>
-            </a:extLst>
-          </a:blip>
-          <a:stretch>
-            <a:fillRect/>
-          </a:stretch>
-        </p:blipFill>
-        <p:spPr>
-          <a:xfrm>
-            <a:off x="437264" y="1875053"/>
-            <a:ext cx="578191" cy="578191"/>
-          </a:xfrm>
-          <a:prstGeom prst="rect">
-            <a:avLst/>
-          </a:prstGeom>
-        </p:spPr>
-      </p:pic>
-      <p:pic>
-        <p:nvPicPr>
-          <p:cNvPr id="25" name="Graphic 24" descr="Smart Phone">
-            <a:hlinkClick r:id="rId18" action="ppaction://hlinksldjump"/>
-            <a:extLst>
-              <a:ext uri="{FF2B5EF4-FFF2-40B4-BE49-F238E27FC236}">
-                <a16:creationId xmlns:a16="http://schemas.microsoft.com/office/drawing/2014/main" id="{F1EE70D3-5FB8-47D0-AC38-5B01EF3600C6}"/>
-              </a:ext>
-            </a:extLst>
-          </p:cNvPr>
-          <p:cNvPicPr>
-            <a:picLocks noChangeAspect="1"/>
-          </p:cNvPicPr>
-          <p:nvPr/>
-        </p:nvPicPr>
-        <p:blipFill>
-          <a:blip r:embed="rId19">
-            <a:extLst>
-              <a:ext uri="{28A0092B-C50C-407E-A947-70E740481C1C}">
-                <a14:useLocalDpi xmlns:a14="http://schemas.microsoft.com/office/drawing/2010/main" val="0"/>
-              </a:ext>
-              <a:ext uri="{96DAC541-7B7A-43D3-8B79-37D633B846F1}">
-                <asvg:svgBlip xmlns:asvg="http://schemas.microsoft.com/office/drawing/2016/SVG/main" r:embed="rId20"/>
-              </a:ext>
-            </a:extLst>
-          </a:blip>
-          <a:stretch>
-            <a:fillRect/>
-          </a:stretch>
-        </p:blipFill>
-        <p:spPr>
-          <a:xfrm flipV="1">
-            <a:off x="437265" y="3149428"/>
-            <a:ext cx="578191" cy="578191"/>
-          </a:xfrm>
-          <a:prstGeom prst="rect">
-            <a:avLst/>
-          </a:prstGeom>
-        </p:spPr>
-      </p:pic>
-      <p:pic>
-        <p:nvPicPr>
-          <p:cNvPr id="26" name="Graphic 25" descr="Computer">
-            <a:hlinkClick r:id="rId21" action="ppaction://hlinksldjump"/>
-            <a:extLst>
-              <a:ext uri="{FF2B5EF4-FFF2-40B4-BE49-F238E27FC236}">
-                <a16:creationId xmlns:a16="http://schemas.microsoft.com/office/drawing/2014/main" id="{23824DE2-97FB-4180-9F90-AB78C9A49E19}"/>
-              </a:ext>
-            </a:extLst>
-          </p:cNvPr>
-          <p:cNvPicPr>
-            <a:picLocks noChangeAspect="1"/>
-          </p:cNvPicPr>
-          <p:nvPr/>
-        </p:nvPicPr>
-        <p:blipFill>
-          <a:blip r:embed="rId22">
-            <a:extLst>
-              <a:ext uri="{28A0092B-C50C-407E-A947-70E740481C1C}">
-                <a14:useLocalDpi xmlns:a14="http://schemas.microsoft.com/office/drawing/2010/main" val="0"/>
-              </a:ext>
-              <a:ext uri="{96DAC541-7B7A-43D3-8B79-37D633B846F1}">
-                <asvg:svgBlip xmlns:asvg="http://schemas.microsoft.com/office/drawing/2016/SVG/main" r:embed="rId23"/>
-              </a:ext>
-            </a:extLst>
-          </a:blip>
-          <a:stretch>
-            <a:fillRect/>
-          </a:stretch>
-        </p:blipFill>
-        <p:spPr>
-          <a:xfrm>
-            <a:off x="437263" y="4432700"/>
-            <a:ext cx="578191" cy="578191"/>
-          </a:xfrm>
-          <a:prstGeom prst="rect">
-            <a:avLst/>
-          </a:prstGeom>
-        </p:spPr>
-      </p:pic>
-      <p:pic>
-        <p:nvPicPr>
-          <p:cNvPr id="27" name="Graphic 26" descr="Web design">
-            <a:hlinkClick r:id="rId24" action="ppaction://hlinksldjump"/>
-            <a:extLst>
-              <a:ext uri="{FF2B5EF4-FFF2-40B4-BE49-F238E27FC236}">
-                <a16:creationId xmlns:a16="http://schemas.microsoft.com/office/drawing/2014/main" id="{366FD595-4570-4086-865F-42E763D15FC0}"/>
-              </a:ext>
-            </a:extLst>
-          </p:cNvPr>
-          <p:cNvPicPr>
-            <a:picLocks noChangeAspect="1"/>
-          </p:cNvPicPr>
-          <p:nvPr/>
-        </p:nvPicPr>
-        <p:blipFill>
-          <a:blip r:embed="rId25">
-            <a:extLst>
-              <a:ext uri="{28A0092B-C50C-407E-A947-70E740481C1C}">
-                <a14:useLocalDpi xmlns:a14="http://schemas.microsoft.com/office/drawing/2010/main" val="0"/>
-              </a:ext>
-              <a:ext uri="{96DAC541-7B7A-43D3-8B79-37D633B846F1}">
-                <asvg:svgBlip xmlns:asvg="http://schemas.microsoft.com/office/drawing/2016/SVG/main" r:embed="rId26"/>
-              </a:ext>
-            </a:extLst>
-          </a:blip>
-          <a:stretch>
-            <a:fillRect/>
-          </a:stretch>
-        </p:blipFill>
-        <p:spPr>
-          <a:xfrm>
-            <a:off x="437268" y="5715972"/>
-            <a:ext cx="578191" cy="578191"/>
-          </a:xfrm>
-          <a:prstGeom prst="rect">
-            <a:avLst/>
-          </a:prstGeom>
-        </p:spPr>
-      </p:pic>
-      <p:sp>
-        <p:nvSpPr>
-          <p:cNvPr id="2" name="TextBox 1">
-            <a:extLst>
-              <a:ext uri="{FF2B5EF4-FFF2-40B4-BE49-F238E27FC236}">
-                <a16:creationId xmlns:a16="http://schemas.microsoft.com/office/drawing/2014/main" id="{405A6E56-2117-4109-A7D0-8175FD9E0953}"/>
-              </a:ext>
-            </a:extLst>
-          </p:cNvPr>
-          <p:cNvSpPr txBox="1"/>
-          <p:nvPr/>
-        </p:nvSpPr>
-        <p:spPr>
-          <a:xfrm>
-            <a:off x="2900217" y="582884"/>
-            <a:ext cx="4601795" cy="1015663"/>
-          </a:xfrm>
-          <a:prstGeom prst="rect">
-            <a:avLst/>
-          </a:prstGeom>
-          <a:noFill/>
-        </p:spPr>
-        <p:txBody>
-          <a:bodyPr wrap="square" rtlCol="0">
-            <a:spAutoFit/>
-          </a:bodyPr>
-          <a:lstStyle/>
-          <a:p>
-            <a:r>
-              <a:rPr lang="en-GB" sz="6000" dirty="0">
-                <a:solidFill>
-                  <a:schemeClr val="bg1"/>
-                </a:solidFill>
-              </a:rPr>
-              <a:t>A </a:t>
-            </a:r>
-            <a:r>
-              <a:rPr lang="en-GB" sz="6000" dirty="0" err="1">
-                <a:solidFill>
-                  <a:schemeClr val="bg1"/>
-                </a:solidFill>
-              </a:rPr>
-              <a:t>projektről</a:t>
-            </a:r>
-            <a:endParaRPr lang="en-US" sz="6000" dirty="0">
-              <a:solidFill>
-                <a:schemeClr val="bg1"/>
-              </a:solidFill>
-            </a:endParaRPr>
-          </a:p>
-        </p:txBody>
-      </p:sp>
-      <p:sp>
-        <p:nvSpPr>
-          <p:cNvPr id="3" name="TextBox 2">
-            <a:extLst>
-              <a:ext uri="{FF2B5EF4-FFF2-40B4-BE49-F238E27FC236}">
-                <a16:creationId xmlns:a16="http://schemas.microsoft.com/office/drawing/2014/main" id="{770909DF-2273-4E94-A7D2-29FDF9927C65}"/>
-              </a:ext>
-            </a:extLst>
-          </p:cNvPr>
-          <p:cNvSpPr txBox="1"/>
-          <p:nvPr/>
-        </p:nvSpPr>
-        <p:spPr>
-          <a:xfrm>
-            <a:off x="2900218" y="2238194"/>
             <a:ext cx="7914968" cy="2610843"/>
           </a:xfrm>
           <a:prstGeom prst="rect">
@@ -21543,13 +25581,13 @@
   <p:clrMapOvr>
     <a:masterClrMapping/>
   </p:clrMapOvr>
-  <mc:AlternateContent xmlns:mc="http://schemas.openxmlformats.org/markup-compatibility/2006">
-    <mc:Choice xmlns:p159="http://schemas.microsoft.com/office/powerpoint/2015/09/main" Requires="p159">
+  <mc:AlternateContent xmlns:mc="http://schemas.openxmlformats.org/markup-compatibility/2006" xmlns:p159="http://schemas.microsoft.com/office/powerpoint/2015/09/main">
+    <mc:Choice Requires="p159">
       <p:transition spd="med">
         <p159:morph option="byObject"/>
       </p:transition>
     </mc:Choice>
-    <mc:Fallback>
+    <mc:Fallback xmlns="">
       <p:transition spd="med">
         <p:fade/>
       </p:transition>
@@ -23961,13 +27999,13 @@
   <p:clrMapOvr>
     <a:masterClrMapping/>
   </p:clrMapOvr>
-  <mc:AlternateContent xmlns:mc="http://schemas.openxmlformats.org/markup-compatibility/2006">
-    <mc:Choice xmlns:p159="http://schemas.microsoft.com/office/powerpoint/2015/09/main" Requires="p159">
+  <mc:AlternateContent xmlns:mc="http://schemas.openxmlformats.org/markup-compatibility/2006" xmlns:p159="http://schemas.microsoft.com/office/powerpoint/2015/09/main">
+    <mc:Choice Requires="p159">
       <p:transition spd="med">
         <p159:morph option="byObject"/>
       </p:transition>
     </mc:Choice>
-    <mc:Fallback>
+    <mc:Fallback xmlns="">
       <p:transition spd="med">
         <p:fade/>
       </p:transition>

--- a/TNote_presentation.pptx
+++ b/TNote_presentation.pptx
@@ -21,10 +21,13 @@
     <p:sldId id="274" r:id="rId15"/>
     <p:sldId id="275" r:id="rId16"/>
     <p:sldId id="259" r:id="rId17"/>
-    <p:sldId id="260" r:id="rId18"/>
-    <p:sldId id="261" r:id="rId19"/>
-    <p:sldId id="265" r:id="rId20"/>
-    <p:sldId id="266" r:id="rId21"/>
+    <p:sldId id="276" r:id="rId18"/>
+    <p:sldId id="277" r:id="rId19"/>
+    <p:sldId id="278" r:id="rId20"/>
+    <p:sldId id="260" r:id="rId21"/>
+    <p:sldId id="261" r:id="rId22"/>
+    <p:sldId id="265" r:id="rId23"/>
+    <p:sldId id="266" r:id="rId24"/>
   </p:sldIdLst>
   <p:sldSz cx="12192000" cy="6858000"/>
   <p:notesSz cx="6858000" cy="9144000"/>
@@ -289,7 +292,7 @@
           <a:p>
             <a:fld id="{B1200C0F-EA8B-4BF8-8259-510ECFA91363}" type="datetimeFigureOut">
               <a:rPr lang="en-US" smtClean="0"/>
-              <a:t>4/27/2022</a:t>
+              <a:t>4/29/2022</a:t>
             </a:fld>
             <a:endParaRPr lang="en-US"/>
           </a:p>
@@ -487,7 +490,7 @@
           <a:p>
             <a:fld id="{B1200C0F-EA8B-4BF8-8259-510ECFA91363}" type="datetimeFigureOut">
               <a:rPr lang="en-US" smtClean="0"/>
-              <a:t>4/27/2022</a:t>
+              <a:t>4/29/2022</a:t>
             </a:fld>
             <a:endParaRPr lang="en-US"/>
           </a:p>
@@ -695,7 +698,7 @@
           <a:p>
             <a:fld id="{B1200C0F-EA8B-4BF8-8259-510ECFA91363}" type="datetimeFigureOut">
               <a:rPr lang="en-US" smtClean="0"/>
-              <a:t>4/27/2022</a:t>
+              <a:t>4/29/2022</a:t>
             </a:fld>
             <a:endParaRPr lang="en-US"/>
           </a:p>
@@ -893,7 +896,7 @@
           <a:p>
             <a:fld id="{B1200C0F-EA8B-4BF8-8259-510ECFA91363}" type="datetimeFigureOut">
               <a:rPr lang="en-US" smtClean="0"/>
-              <a:t>4/27/2022</a:t>
+              <a:t>4/29/2022</a:t>
             </a:fld>
             <a:endParaRPr lang="en-US"/>
           </a:p>
@@ -1168,7 +1171,7 @@
           <a:p>
             <a:fld id="{B1200C0F-EA8B-4BF8-8259-510ECFA91363}" type="datetimeFigureOut">
               <a:rPr lang="en-US" smtClean="0"/>
-              <a:t>4/27/2022</a:t>
+              <a:t>4/29/2022</a:t>
             </a:fld>
             <a:endParaRPr lang="en-US"/>
           </a:p>
@@ -1433,7 +1436,7 @@
           <a:p>
             <a:fld id="{B1200C0F-EA8B-4BF8-8259-510ECFA91363}" type="datetimeFigureOut">
               <a:rPr lang="en-US" smtClean="0"/>
-              <a:t>4/27/2022</a:t>
+              <a:t>4/29/2022</a:t>
             </a:fld>
             <a:endParaRPr lang="en-US"/>
           </a:p>
@@ -1845,7 +1848,7 @@
           <a:p>
             <a:fld id="{B1200C0F-EA8B-4BF8-8259-510ECFA91363}" type="datetimeFigureOut">
               <a:rPr lang="en-US" smtClean="0"/>
-              <a:t>4/27/2022</a:t>
+              <a:t>4/29/2022</a:t>
             </a:fld>
             <a:endParaRPr lang="en-US"/>
           </a:p>
@@ -1986,7 +1989,7 @@
           <a:p>
             <a:fld id="{B1200C0F-EA8B-4BF8-8259-510ECFA91363}" type="datetimeFigureOut">
               <a:rPr lang="en-US" smtClean="0"/>
-              <a:t>4/27/2022</a:t>
+              <a:t>4/29/2022</a:t>
             </a:fld>
             <a:endParaRPr lang="en-US"/>
           </a:p>
@@ -2099,7 +2102,7 @@
           <a:p>
             <a:fld id="{B1200C0F-EA8B-4BF8-8259-510ECFA91363}" type="datetimeFigureOut">
               <a:rPr lang="en-US" smtClean="0"/>
-              <a:t>4/27/2022</a:t>
+              <a:t>4/29/2022</a:t>
             </a:fld>
             <a:endParaRPr lang="en-US"/>
           </a:p>
@@ -2410,7 +2413,7 @@
           <a:p>
             <a:fld id="{B1200C0F-EA8B-4BF8-8259-510ECFA91363}" type="datetimeFigureOut">
               <a:rPr lang="en-US" smtClean="0"/>
-              <a:t>4/27/2022</a:t>
+              <a:t>4/29/2022</a:t>
             </a:fld>
             <a:endParaRPr lang="en-US"/>
           </a:p>
@@ -2698,7 +2701,7 @@
           <a:p>
             <a:fld id="{B1200C0F-EA8B-4BF8-8259-510ECFA91363}" type="datetimeFigureOut">
               <a:rPr lang="en-US" smtClean="0"/>
-              <a:t>4/27/2022</a:t>
+              <a:t>4/29/2022</a:t>
             </a:fld>
             <a:endParaRPr lang="en-US"/>
           </a:p>
@@ -2939,7 +2942,7 @@
           <a:p>
             <a:fld id="{B1200C0F-EA8B-4BF8-8259-510ECFA91363}" type="datetimeFigureOut">
               <a:rPr lang="en-US" smtClean="0"/>
-              <a:t>4/27/2022</a:t>
+              <a:t>4/29/2022</a:t>
             </a:fld>
             <a:endParaRPr lang="en-US"/>
           </a:p>
@@ -9304,13 +9307,13 @@
   <p:clrMapOvr>
     <a:masterClrMapping/>
   </p:clrMapOvr>
-  <mc:AlternateContent xmlns:mc="http://schemas.openxmlformats.org/markup-compatibility/2006">
-    <mc:Choice xmlns:p159="http://schemas.microsoft.com/office/powerpoint/2015/09/main" Requires="p159">
+  <mc:AlternateContent xmlns:mc="http://schemas.openxmlformats.org/markup-compatibility/2006" xmlns:p159="http://schemas.microsoft.com/office/powerpoint/2015/09/main">
+    <mc:Choice Requires="p159">
       <p:transition spd="med">
         <p159:morph option="byObject"/>
       </p:transition>
     </mc:Choice>
-    <mc:Fallback>
+    <mc:Fallback xmlns="">
       <p:transition spd="med">
         <p:fade/>
       </p:transition>
@@ -10477,13 +10480,13 @@
   <p:clrMapOvr>
     <a:masterClrMapping/>
   </p:clrMapOvr>
-  <mc:AlternateContent xmlns:mc="http://schemas.openxmlformats.org/markup-compatibility/2006">
-    <mc:Choice xmlns:p159="http://schemas.microsoft.com/office/powerpoint/2015/09/main" Requires="p159">
+  <mc:AlternateContent xmlns:mc="http://schemas.openxmlformats.org/markup-compatibility/2006" xmlns:p159="http://schemas.microsoft.com/office/powerpoint/2015/09/main">
+    <mc:Choice Requires="p159">
       <p:transition spd="med">
         <p159:morph option="byObject"/>
       </p:transition>
     </mc:Choice>
-    <mc:Fallback>
+    <mc:Fallback xmlns="">
       <p:transition spd="med">
         <p:fade/>
       </p:transition>
@@ -11666,13 +11669,13 @@
   <p:clrMapOvr>
     <a:masterClrMapping/>
   </p:clrMapOvr>
-  <mc:AlternateContent xmlns:mc="http://schemas.openxmlformats.org/markup-compatibility/2006">
-    <mc:Choice xmlns:p159="http://schemas.microsoft.com/office/powerpoint/2015/09/main" Requires="p159">
+  <mc:AlternateContent xmlns:mc="http://schemas.openxmlformats.org/markup-compatibility/2006" xmlns:p159="http://schemas.microsoft.com/office/powerpoint/2015/09/main">
+    <mc:Choice Requires="p159">
       <p:transition spd="med">
         <p159:morph option="byObject"/>
       </p:transition>
     </mc:Choice>
-    <mc:Fallback>
+    <mc:Fallback xmlns="">
       <p:transition spd="med">
         <p:fade/>
       </p:transition>
@@ -12780,7 +12783,7 @@
         <p:spPr>
           <a:xfrm>
             <a:off x="2900218" y="2238194"/>
-            <a:ext cx="7914968" cy="1318181"/>
+            <a:ext cx="7914968" cy="1964512"/>
           </a:xfrm>
           <a:prstGeom prst="rect">
             <a:avLst/>
@@ -12801,6 +12804,17 @@
               <a:buChar char="•"/>
             </a:pPr>
             <a:r>
+              <a:rPr lang="en-GB" sz="2800" dirty="0">
+                <a:solidFill>
+                  <a:schemeClr val="tx1">
+                    <a:lumMod val="75000"/>
+                    <a:lumOff val="25000"/>
+                  </a:schemeClr>
+                </a:solidFill>
+              </a:rPr>
+              <a:t>Az </a:t>
+            </a:r>
+            <a:r>
               <a:rPr lang="en-GB" sz="2800" dirty="0" err="1">
                 <a:solidFill>
                   <a:schemeClr val="tx1">
@@ -12809,7 +12823,51 @@
                   </a:schemeClr>
                 </a:solidFill>
               </a:rPr>
-              <a:t>Példa</a:t>
+              <a:t>asztali</a:t>
+            </a:r>
+            <a:r>
+              <a:rPr lang="en-GB" sz="2800" dirty="0">
+                <a:solidFill>
+                  <a:schemeClr val="tx1">
+                    <a:lumMod val="75000"/>
+                    <a:lumOff val="25000"/>
+                  </a:schemeClr>
+                </a:solidFill>
+              </a:rPr>
+              <a:t> </a:t>
+            </a:r>
+            <a:r>
+              <a:rPr lang="en-GB" sz="2800" dirty="0" err="1">
+                <a:solidFill>
+                  <a:schemeClr val="tx1">
+                    <a:lumMod val="75000"/>
+                    <a:lumOff val="25000"/>
+                  </a:schemeClr>
+                </a:solidFill>
+              </a:rPr>
+              <a:t>alkalmazás</a:t>
+            </a:r>
+            <a:r>
+              <a:rPr lang="en-GB" sz="2800" dirty="0">
+                <a:solidFill>
+                  <a:schemeClr val="tx1">
+                    <a:lumMod val="75000"/>
+                    <a:lumOff val="25000"/>
+                  </a:schemeClr>
+                </a:solidFill>
+              </a:rPr>
+              <a:t> </a:t>
+            </a:r>
+            <a:r>
+              <a:rPr lang="en-GB" sz="2800" dirty="0" err="1">
+                <a:solidFill>
+                  <a:schemeClr val="tx1">
+                    <a:lumMod val="75000"/>
+                    <a:lumOff val="25000"/>
+                  </a:schemeClr>
+                </a:solidFill>
+              </a:rPr>
+              <a:t>célja</a:t>
             </a:r>
             <a:endParaRPr lang="en-GB" sz="2800" dirty="0">
               <a:solidFill>
@@ -12829,6 +12887,45 @@
               <a:buChar char="•"/>
             </a:pPr>
             <a:r>
+              <a:rPr lang="en-GB" sz="2800" dirty="0" err="1">
+                <a:solidFill>
+                  <a:schemeClr val="tx1">
+                    <a:lumMod val="75000"/>
+                    <a:lumOff val="25000"/>
+                  </a:schemeClr>
+                </a:solidFill>
+              </a:rPr>
+              <a:t>Tervek</a:t>
+            </a:r>
+            <a:endParaRPr lang="en-GB" sz="2800" dirty="0">
+              <a:solidFill>
+                <a:schemeClr val="tx1">
+                  <a:lumMod val="75000"/>
+                  <a:lumOff val="25000"/>
+                </a:schemeClr>
+              </a:solidFill>
+            </a:endParaRPr>
+          </a:p>
+          <a:p>
+            <a:pPr marL="285750" indent="-285750">
+              <a:lnSpc>
+                <a:spcPct val="150000"/>
+              </a:lnSpc>
+              <a:buFont typeface="Arial" panose="020B0604020202020204" pitchFamily="34" charset="0"/>
+              <a:buChar char="•"/>
+            </a:pPr>
+            <a:r>
+              <a:rPr lang="en-GB" sz="2800" dirty="0" err="1">
+                <a:solidFill>
+                  <a:schemeClr val="tx1">
+                    <a:lumMod val="75000"/>
+                    <a:lumOff val="25000"/>
+                  </a:schemeClr>
+                </a:solidFill>
+              </a:rPr>
+              <a:t>Végleges</a:t>
+            </a:r>
+            <a:r>
               <a:rPr lang="en-GB" sz="2800" dirty="0">
                 <a:solidFill>
                   <a:schemeClr val="tx1">
@@ -12837,8 +12934,27 @@
                   </a:schemeClr>
                 </a:solidFill>
               </a:rPr>
-              <a:t>Lista</a:t>
+              <a:t> </a:t>
             </a:r>
+            <a:r>
+              <a:rPr lang="en-GB" sz="2800" dirty="0" err="1">
+                <a:solidFill>
+                  <a:schemeClr val="tx1">
+                    <a:lumMod val="75000"/>
+                    <a:lumOff val="25000"/>
+                  </a:schemeClr>
+                </a:solidFill>
+              </a:rPr>
+              <a:t>alkalmazás</a:t>
+            </a:r>
+            <a:endParaRPr lang="en-GB" sz="2800" dirty="0">
+              <a:solidFill>
+                <a:schemeClr val="tx1">
+                  <a:lumMod val="75000"/>
+                  <a:lumOff val="25000"/>
+                </a:schemeClr>
+              </a:solidFill>
+            </a:endParaRPr>
           </a:p>
         </p:txBody>
       </p:sp>
@@ -12868,6 +12984,4689 @@
 </file>
 
 <file path=ppt/slides/slide17.xml><?xml version="1.0" encoding="utf-8"?>
+<p:sld xmlns:a="http://schemas.openxmlformats.org/drawingml/2006/main" xmlns:r="http://schemas.openxmlformats.org/officeDocument/2006/relationships" xmlns:p="http://schemas.openxmlformats.org/presentationml/2006/main">
+  <p:cSld>
+    <p:bg>
+      <p:bgPr>
+        <a:solidFill>
+          <a:srgbClr val="E2E2E2"/>
+        </a:solidFill>
+        <a:effectLst/>
+      </p:bgPr>
+    </p:bg>
+    <p:spTree>
+      <p:nvGrpSpPr>
+        <p:cNvPr id="1" name=""/>
+        <p:cNvGrpSpPr/>
+        <p:nvPr/>
+      </p:nvGrpSpPr>
+      <p:grpSpPr>
+        <a:xfrm>
+          <a:off x="0" y="0"/>
+          <a:ext cx="0" cy="0"/>
+          <a:chOff x="0" y="0"/>
+          <a:chExt cx="0" cy="0"/>
+        </a:xfrm>
+      </p:grpSpPr>
+      <p:grpSp>
+        <p:nvGrpSpPr>
+          <p:cNvPr id="8" name="Group 7">
+            <a:extLst>
+              <a:ext uri="{FF2B5EF4-FFF2-40B4-BE49-F238E27FC236}">
+                <a16:creationId xmlns:a16="http://schemas.microsoft.com/office/drawing/2014/main" id="{B7B34FBC-4A34-424B-BA15-1A80AC36900F}"/>
+              </a:ext>
+            </a:extLst>
+          </p:cNvPr>
+          <p:cNvGrpSpPr/>
+          <p:nvPr/>
+        </p:nvGrpSpPr>
+        <p:grpSpPr>
+          <a:xfrm>
+            <a:off x="-841634" y="451163"/>
+            <a:ext cx="841634" cy="841634"/>
+            <a:chOff x="-841634" y="451163"/>
+            <a:chExt cx="841634" cy="841634"/>
+          </a:xfrm>
+        </p:grpSpPr>
+        <p:sp>
+          <p:nvSpPr>
+            <p:cNvPr id="10" name="Oval 9">
+              <a:extLst>
+                <a:ext uri="{FF2B5EF4-FFF2-40B4-BE49-F238E27FC236}">
+                  <a16:creationId xmlns:a16="http://schemas.microsoft.com/office/drawing/2014/main" id="{88D34821-8CDE-4C32-9188-9467DF249A1D}"/>
+                </a:ext>
+              </a:extLst>
+            </p:cNvPr>
+            <p:cNvSpPr/>
+            <p:nvPr/>
+          </p:nvSpPr>
+          <p:spPr>
+            <a:xfrm>
+              <a:off x="-841634" y="451163"/>
+              <a:ext cx="841634" cy="841634"/>
+            </a:xfrm>
+            <a:prstGeom prst="ellipse">
+              <a:avLst/>
+            </a:prstGeom>
+            <a:solidFill>
+              <a:schemeClr val="bg1"/>
+            </a:solidFill>
+            <a:ln>
+              <a:noFill/>
+            </a:ln>
+          </p:spPr>
+          <p:style>
+            <a:lnRef idx="2">
+              <a:schemeClr val="accent1">
+                <a:shade val="50000"/>
+              </a:schemeClr>
+            </a:lnRef>
+            <a:fillRef idx="1">
+              <a:schemeClr val="accent1"/>
+            </a:fillRef>
+            <a:effectRef idx="0">
+              <a:schemeClr val="accent1"/>
+            </a:effectRef>
+            <a:fontRef idx="minor">
+              <a:schemeClr val="lt1"/>
+            </a:fontRef>
+          </p:style>
+          <p:txBody>
+            <a:bodyPr rtlCol="0" anchor="ctr"/>
+            <a:lstStyle/>
+            <a:p>
+              <a:pPr algn="ctr"/>
+              <a:endParaRPr lang="en-US"/>
+            </a:p>
+          </p:txBody>
+        </p:sp>
+        <p:pic>
+          <p:nvPicPr>
+            <p:cNvPr id="11" name="Graphic 10" descr="Group of men">
+              <a:extLst>
+                <a:ext uri="{FF2B5EF4-FFF2-40B4-BE49-F238E27FC236}">
+                  <a16:creationId xmlns:a16="http://schemas.microsoft.com/office/drawing/2014/main" id="{5858D980-A46F-4373-8D4F-25A3E8AB1F47}"/>
+                </a:ext>
+              </a:extLst>
+            </p:cNvPr>
+            <p:cNvPicPr>
+              <a:picLocks noChangeAspect="1"/>
+            </p:cNvPicPr>
+            <p:nvPr/>
+          </p:nvPicPr>
+          <p:blipFill>
+            <a:blip r:embed="rId2">
+              <a:extLst>
+                <a:ext uri="{28A0092B-C50C-407E-A947-70E740481C1C}">
+                  <a14:useLocalDpi xmlns:a14="http://schemas.microsoft.com/office/drawing/2010/main" val="0"/>
+                </a:ext>
+                <a:ext uri="{96DAC541-7B7A-43D3-8B79-37D633B846F1}">
+                  <asvg:svgBlip xmlns:asvg="http://schemas.microsoft.com/office/drawing/2016/SVG/main" r:embed="rId3"/>
+                </a:ext>
+              </a:extLst>
+            </a:blip>
+            <a:stretch>
+              <a:fillRect/>
+            </a:stretch>
+          </p:blipFill>
+          <p:spPr>
+            <a:xfrm>
+              <a:off x="-715261" y="582884"/>
+              <a:ext cx="578191" cy="578191"/>
+            </a:xfrm>
+            <a:prstGeom prst="rect">
+              <a:avLst/>
+            </a:prstGeom>
+          </p:spPr>
+        </p:pic>
+      </p:grpSp>
+      <p:grpSp>
+        <p:nvGrpSpPr>
+          <p:cNvPr id="12" name="Group 11">
+            <a:extLst>
+              <a:ext uri="{FF2B5EF4-FFF2-40B4-BE49-F238E27FC236}">
+                <a16:creationId xmlns:a16="http://schemas.microsoft.com/office/drawing/2014/main" id="{347D6084-DA64-4D97-A6EB-206A29FFE6F9}"/>
+              </a:ext>
+            </a:extLst>
+          </p:cNvPr>
+          <p:cNvGrpSpPr/>
+          <p:nvPr/>
+        </p:nvGrpSpPr>
+        <p:grpSpPr>
+          <a:xfrm>
+            <a:off x="-846979" y="1734435"/>
+            <a:ext cx="841634" cy="841634"/>
+            <a:chOff x="-846979" y="1734435"/>
+            <a:chExt cx="841634" cy="841634"/>
+          </a:xfrm>
+        </p:grpSpPr>
+        <p:sp>
+          <p:nvSpPr>
+            <p:cNvPr id="13" name="Oval 12">
+              <a:extLst>
+                <a:ext uri="{FF2B5EF4-FFF2-40B4-BE49-F238E27FC236}">
+                  <a16:creationId xmlns:a16="http://schemas.microsoft.com/office/drawing/2014/main" id="{D281FCC0-28D5-4E13-BD7D-7000E784C1BB}"/>
+                </a:ext>
+              </a:extLst>
+            </p:cNvPr>
+            <p:cNvSpPr/>
+            <p:nvPr/>
+          </p:nvSpPr>
+          <p:spPr>
+            <a:xfrm>
+              <a:off x="-846979" y="1734435"/>
+              <a:ext cx="841634" cy="841634"/>
+            </a:xfrm>
+            <a:prstGeom prst="ellipse">
+              <a:avLst/>
+            </a:prstGeom>
+            <a:solidFill>
+              <a:schemeClr val="bg1"/>
+            </a:solidFill>
+            <a:ln>
+              <a:noFill/>
+            </a:ln>
+          </p:spPr>
+          <p:style>
+            <a:lnRef idx="2">
+              <a:schemeClr val="accent1">
+                <a:shade val="50000"/>
+              </a:schemeClr>
+            </a:lnRef>
+            <a:fillRef idx="1">
+              <a:schemeClr val="accent1"/>
+            </a:fillRef>
+            <a:effectRef idx="0">
+              <a:schemeClr val="accent1"/>
+            </a:effectRef>
+            <a:fontRef idx="minor">
+              <a:schemeClr val="lt1"/>
+            </a:fontRef>
+          </p:style>
+          <p:txBody>
+            <a:bodyPr rtlCol="0" anchor="ctr"/>
+            <a:lstStyle/>
+            <a:p>
+              <a:pPr algn="ctr"/>
+              <a:endParaRPr lang="en-US"/>
+            </a:p>
+          </p:txBody>
+        </p:sp>
+        <p:pic>
+          <p:nvPicPr>
+            <p:cNvPr id="14" name="Graphic 13" descr="Server">
+              <a:extLst>
+                <a:ext uri="{FF2B5EF4-FFF2-40B4-BE49-F238E27FC236}">
+                  <a16:creationId xmlns:a16="http://schemas.microsoft.com/office/drawing/2014/main" id="{43E1790F-D61E-48A0-A4CF-939E6EB1EF10}"/>
+                </a:ext>
+              </a:extLst>
+            </p:cNvPr>
+            <p:cNvPicPr>
+              <a:picLocks noChangeAspect="1"/>
+            </p:cNvPicPr>
+            <p:nvPr/>
+          </p:nvPicPr>
+          <p:blipFill>
+            <a:blip r:embed="rId4">
+              <a:extLst>
+                <a:ext uri="{28A0092B-C50C-407E-A947-70E740481C1C}">
+                  <a14:useLocalDpi xmlns:a14="http://schemas.microsoft.com/office/drawing/2010/main" val="0"/>
+                </a:ext>
+                <a:ext uri="{96DAC541-7B7A-43D3-8B79-37D633B846F1}">
+                  <asvg:svgBlip xmlns:asvg="http://schemas.microsoft.com/office/drawing/2016/SVG/main" r:embed="rId5"/>
+                </a:ext>
+              </a:extLst>
+            </a:blip>
+            <a:stretch>
+              <a:fillRect/>
+            </a:stretch>
+          </p:blipFill>
+          <p:spPr>
+            <a:xfrm>
+              <a:off x="-715261" y="1875053"/>
+              <a:ext cx="578191" cy="578191"/>
+            </a:xfrm>
+            <a:prstGeom prst="rect">
+              <a:avLst/>
+            </a:prstGeom>
+          </p:spPr>
+        </p:pic>
+      </p:grpSp>
+      <p:grpSp>
+        <p:nvGrpSpPr>
+          <p:cNvPr id="15" name="Group 14">
+            <a:extLst>
+              <a:ext uri="{FF2B5EF4-FFF2-40B4-BE49-F238E27FC236}">
+                <a16:creationId xmlns:a16="http://schemas.microsoft.com/office/drawing/2014/main" id="{23B7BB71-EDB6-4E73-A524-3296B2799E7F}"/>
+              </a:ext>
+            </a:extLst>
+          </p:cNvPr>
+          <p:cNvGrpSpPr/>
+          <p:nvPr/>
+        </p:nvGrpSpPr>
+        <p:grpSpPr>
+          <a:xfrm>
+            <a:off x="1030161" y="4300979"/>
+            <a:ext cx="841634" cy="841634"/>
+            <a:chOff x="-846979" y="4300979"/>
+            <a:chExt cx="841634" cy="841634"/>
+          </a:xfrm>
+        </p:grpSpPr>
+        <p:sp>
+          <p:nvSpPr>
+            <p:cNvPr id="16" name="Oval 15">
+              <a:extLst>
+                <a:ext uri="{FF2B5EF4-FFF2-40B4-BE49-F238E27FC236}">
+                  <a16:creationId xmlns:a16="http://schemas.microsoft.com/office/drawing/2014/main" id="{A6CE4C22-373D-4000-A618-54CE3F6B307A}"/>
+                </a:ext>
+              </a:extLst>
+            </p:cNvPr>
+            <p:cNvSpPr/>
+            <p:nvPr/>
+          </p:nvSpPr>
+          <p:spPr>
+            <a:xfrm>
+              <a:off x="-846979" y="4300979"/>
+              <a:ext cx="841634" cy="841634"/>
+            </a:xfrm>
+            <a:prstGeom prst="ellipse">
+              <a:avLst/>
+            </a:prstGeom>
+            <a:solidFill>
+              <a:schemeClr val="bg1"/>
+            </a:solidFill>
+            <a:ln>
+              <a:noFill/>
+            </a:ln>
+          </p:spPr>
+          <p:style>
+            <a:lnRef idx="2">
+              <a:schemeClr val="accent1">
+                <a:shade val="50000"/>
+              </a:schemeClr>
+            </a:lnRef>
+            <a:fillRef idx="1">
+              <a:schemeClr val="accent1"/>
+            </a:fillRef>
+            <a:effectRef idx="0">
+              <a:schemeClr val="accent1"/>
+            </a:effectRef>
+            <a:fontRef idx="minor">
+              <a:schemeClr val="lt1"/>
+            </a:fontRef>
+          </p:style>
+          <p:txBody>
+            <a:bodyPr rtlCol="0" anchor="ctr"/>
+            <a:lstStyle/>
+            <a:p>
+              <a:pPr algn="ctr"/>
+              <a:endParaRPr lang="en-US"/>
+            </a:p>
+          </p:txBody>
+        </p:sp>
+        <p:pic>
+          <p:nvPicPr>
+            <p:cNvPr id="17" name="Graphic 16" descr="Computer">
+              <a:extLst>
+                <a:ext uri="{FF2B5EF4-FFF2-40B4-BE49-F238E27FC236}">
+                  <a16:creationId xmlns:a16="http://schemas.microsoft.com/office/drawing/2014/main" id="{F976E3EE-3166-4327-AE9F-C760CA48B465}"/>
+                </a:ext>
+              </a:extLst>
+            </p:cNvPr>
+            <p:cNvPicPr>
+              <a:picLocks noChangeAspect="1"/>
+            </p:cNvPicPr>
+            <p:nvPr/>
+          </p:nvPicPr>
+          <p:blipFill>
+            <a:blip r:embed="rId6">
+              <a:extLst>
+                <a:ext uri="{28A0092B-C50C-407E-A947-70E740481C1C}">
+                  <a14:useLocalDpi xmlns:a14="http://schemas.microsoft.com/office/drawing/2010/main" val="0"/>
+                </a:ext>
+                <a:ext uri="{96DAC541-7B7A-43D3-8B79-37D633B846F1}">
+                  <asvg:svgBlip xmlns:asvg="http://schemas.microsoft.com/office/drawing/2016/SVG/main" r:embed="rId7"/>
+                </a:ext>
+              </a:extLst>
+            </a:blip>
+            <a:stretch>
+              <a:fillRect/>
+            </a:stretch>
+          </p:blipFill>
+          <p:spPr>
+            <a:xfrm>
+              <a:off x="-715262" y="4432700"/>
+              <a:ext cx="578191" cy="578191"/>
+            </a:xfrm>
+            <a:prstGeom prst="rect">
+              <a:avLst/>
+            </a:prstGeom>
+          </p:spPr>
+        </p:pic>
+      </p:grpSp>
+      <p:grpSp>
+        <p:nvGrpSpPr>
+          <p:cNvPr id="18" name="Group 17">
+            <a:extLst>
+              <a:ext uri="{FF2B5EF4-FFF2-40B4-BE49-F238E27FC236}">
+                <a16:creationId xmlns:a16="http://schemas.microsoft.com/office/drawing/2014/main" id="{3C538347-D910-4419-A946-30ADF05A38E5}"/>
+              </a:ext>
+            </a:extLst>
+          </p:cNvPr>
+          <p:cNvGrpSpPr/>
+          <p:nvPr/>
+        </p:nvGrpSpPr>
+        <p:grpSpPr>
+          <a:xfrm>
+            <a:off x="-846981" y="5584251"/>
+            <a:ext cx="841634" cy="841634"/>
+            <a:chOff x="-846981" y="5584251"/>
+            <a:chExt cx="841634" cy="841634"/>
+          </a:xfrm>
+        </p:grpSpPr>
+        <p:sp>
+          <p:nvSpPr>
+            <p:cNvPr id="19" name="Oval 18">
+              <a:extLst>
+                <a:ext uri="{FF2B5EF4-FFF2-40B4-BE49-F238E27FC236}">
+                  <a16:creationId xmlns:a16="http://schemas.microsoft.com/office/drawing/2014/main" id="{874BD915-D504-43DF-A035-470323C4D6E4}"/>
+                </a:ext>
+              </a:extLst>
+            </p:cNvPr>
+            <p:cNvSpPr/>
+            <p:nvPr/>
+          </p:nvSpPr>
+          <p:spPr>
+            <a:xfrm>
+              <a:off x="-846981" y="5584251"/>
+              <a:ext cx="841634" cy="841634"/>
+            </a:xfrm>
+            <a:prstGeom prst="ellipse">
+              <a:avLst/>
+            </a:prstGeom>
+            <a:solidFill>
+              <a:schemeClr val="bg1"/>
+            </a:solidFill>
+            <a:ln>
+              <a:noFill/>
+            </a:ln>
+          </p:spPr>
+          <p:style>
+            <a:lnRef idx="2">
+              <a:schemeClr val="accent1">
+                <a:shade val="50000"/>
+              </a:schemeClr>
+            </a:lnRef>
+            <a:fillRef idx="1">
+              <a:schemeClr val="accent1"/>
+            </a:fillRef>
+            <a:effectRef idx="0">
+              <a:schemeClr val="accent1"/>
+            </a:effectRef>
+            <a:fontRef idx="minor">
+              <a:schemeClr val="lt1"/>
+            </a:fontRef>
+          </p:style>
+          <p:txBody>
+            <a:bodyPr rtlCol="0" anchor="ctr"/>
+            <a:lstStyle/>
+            <a:p>
+              <a:pPr algn="ctr"/>
+              <a:endParaRPr lang="en-US"/>
+            </a:p>
+          </p:txBody>
+        </p:sp>
+        <p:pic>
+          <p:nvPicPr>
+            <p:cNvPr id="20" name="Graphic 19" descr="Web design">
+              <a:extLst>
+                <a:ext uri="{FF2B5EF4-FFF2-40B4-BE49-F238E27FC236}">
+                  <a16:creationId xmlns:a16="http://schemas.microsoft.com/office/drawing/2014/main" id="{F775AF2E-46AB-4101-B58C-36B309E088D2}"/>
+                </a:ext>
+              </a:extLst>
+            </p:cNvPr>
+            <p:cNvPicPr>
+              <a:picLocks noChangeAspect="1"/>
+            </p:cNvPicPr>
+            <p:nvPr/>
+          </p:nvPicPr>
+          <p:blipFill>
+            <a:blip r:embed="rId8">
+              <a:extLst>
+                <a:ext uri="{28A0092B-C50C-407E-A947-70E740481C1C}">
+                  <a14:useLocalDpi xmlns:a14="http://schemas.microsoft.com/office/drawing/2010/main" val="0"/>
+                </a:ext>
+                <a:ext uri="{96DAC541-7B7A-43D3-8B79-37D633B846F1}">
+                  <asvg:svgBlip xmlns:asvg="http://schemas.microsoft.com/office/drawing/2016/SVG/main" r:embed="rId9"/>
+                </a:ext>
+              </a:extLst>
+            </a:blip>
+            <a:stretch>
+              <a:fillRect/>
+            </a:stretch>
+          </p:blipFill>
+          <p:spPr>
+            <a:xfrm>
+              <a:off x="-715257" y="5715972"/>
+              <a:ext cx="578191" cy="578191"/>
+            </a:xfrm>
+            <a:prstGeom prst="rect">
+              <a:avLst/>
+            </a:prstGeom>
+          </p:spPr>
+        </p:pic>
+      </p:grpSp>
+      <p:grpSp>
+        <p:nvGrpSpPr>
+          <p:cNvPr id="26" name="Group 25">
+            <a:extLst>
+              <a:ext uri="{FF2B5EF4-FFF2-40B4-BE49-F238E27FC236}">
+                <a16:creationId xmlns:a16="http://schemas.microsoft.com/office/drawing/2014/main" id="{B8A31E48-1C76-40DC-A0CF-758CDB8B31E1}"/>
+              </a:ext>
+            </a:extLst>
+          </p:cNvPr>
+          <p:cNvGrpSpPr/>
+          <p:nvPr/>
+        </p:nvGrpSpPr>
+        <p:grpSpPr>
+          <a:xfrm>
+            <a:off x="-828728" y="3008183"/>
+            <a:ext cx="841634" cy="841634"/>
+            <a:chOff x="5675183" y="3005477"/>
+            <a:chExt cx="841634" cy="841634"/>
+          </a:xfrm>
+        </p:grpSpPr>
+        <p:sp>
+          <p:nvSpPr>
+            <p:cNvPr id="27" name="Oval 26">
+              <a:extLst>
+                <a:ext uri="{FF2B5EF4-FFF2-40B4-BE49-F238E27FC236}">
+                  <a16:creationId xmlns:a16="http://schemas.microsoft.com/office/drawing/2014/main" id="{5334645B-6A50-4116-B7AA-3143AEECD4E0}"/>
+                </a:ext>
+              </a:extLst>
+            </p:cNvPr>
+            <p:cNvSpPr/>
+            <p:nvPr/>
+          </p:nvSpPr>
+          <p:spPr>
+            <a:xfrm>
+              <a:off x="5675183" y="3005477"/>
+              <a:ext cx="841634" cy="841634"/>
+            </a:xfrm>
+            <a:prstGeom prst="ellipse">
+              <a:avLst/>
+            </a:prstGeom>
+            <a:solidFill>
+              <a:srgbClr val="FFFFFF"/>
+            </a:solidFill>
+            <a:ln>
+              <a:noFill/>
+            </a:ln>
+          </p:spPr>
+          <p:style>
+            <a:lnRef idx="2">
+              <a:schemeClr val="accent1">
+                <a:shade val="50000"/>
+              </a:schemeClr>
+            </a:lnRef>
+            <a:fillRef idx="1">
+              <a:schemeClr val="accent1"/>
+            </a:fillRef>
+            <a:effectRef idx="0">
+              <a:schemeClr val="accent1"/>
+            </a:effectRef>
+            <a:fontRef idx="minor">
+              <a:schemeClr val="lt1"/>
+            </a:fontRef>
+          </p:style>
+          <p:txBody>
+            <a:bodyPr rtlCol="0" anchor="ctr"/>
+            <a:lstStyle/>
+            <a:p>
+              <a:pPr algn="ctr"/>
+              <a:endParaRPr lang="en-US"/>
+            </a:p>
+          </p:txBody>
+        </p:sp>
+        <p:pic>
+          <p:nvPicPr>
+            <p:cNvPr id="28" name="Graphic 27" descr="Smart Phone">
+              <a:extLst>
+                <a:ext uri="{FF2B5EF4-FFF2-40B4-BE49-F238E27FC236}">
+                  <a16:creationId xmlns:a16="http://schemas.microsoft.com/office/drawing/2014/main" id="{DB2760EB-BFD5-492A-9AE5-9016F9D7FE12}"/>
+                </a:ext>
+              </a:extLst>
+            </p:cNvPr>
+            <p:cNvPicPr>
+              <a:picLocks noChangeAspect="1"/>
+            </p:cNvPicPr>
+            <p:nvPr/>
+          </p:nvPicPr>
+          <p:blipFill>
+            <a:blip r:embed="rId10">
+              <a:extLst>
+                <a:ext uri="{28A0092B-C50C-407E-A947-70E740481C1C}">
+                  <a14:useLocalDpi xmlns:a14="http://schemas.microsoft.com/office/drawing/2010/main" val="0"/>
+                </a:ext>
+                <a:ext uri="{96DAC541-7B7A-43D3-8B79-37D633B846F1}">
+                  <asvg:svgBlip xmlns:asvg="http://schemas.microsoft.com/office/drawing/2016/SVG/main" r:embed="rId11"/>
+                </a:ext>
+              </a:extLst>
+            </a:blip>
+            <a:stretch>
+              <a:fillRect/>
+            </a:stretch>
+          </p:blipFill>
+          <p:spPr>
+            <a:xfrm flipV="1">
+              <a:off x="5806902" y="3137198"/>
+              <a:ext cx="578191" cy="578191"/>
+            </a:xfrm>
+            <a:prstGeom prst="rect">
+              <a:avLst/>
+            </a:prstGeom>
+          </p:spPr>
+        </p:pic>
+      </p:grpSp>
+      <p:sp>
+        <p:nvSpPr>
+          <p:cNvPr id="7" name="Freeform: Shape 6">
+            <a:extLst>
+              <a:ext uri="{FF2B5EF4-FFF2-40B4-BE49-F238E27FC236}">
+                <a16:creationId xmlns:a16="http://schemas.microsoft.com/office/drawing/2014/main" id="{5A2BD58B-DFA7-4354-9A74-88629C334E85}"/>
+              </a:ext>
+            </a:extLst>
+          </p:cNvPr>
+          <p:cNvSpPr/>
+          <p:nvPr/>
+        </p:nvSpPr>
+        <p:spPr>
+          <a:xfrm rot="10800000">
+            <a:off x="1739" y="-12605312"/>
+            <a:ext cx="1449238" cy="23553174"/>
+          </a:xfrm>
+          <a:custGeom>
+            <a:avLst/>
+            <a:gdLst>
+              <a:gd name="connsiteX0" fmla="*/ 0 w 1449238"/>
+              <a:gd name="connsiteY0" fmla="*/ 23553174 h 23553174"/>
+              <a:gd name="connsiteX1" fmla="*/ 0 w 1449238"/>
+              <a:gd name="connsiteY1" fmla="*/ 7057620 h 23553174"/>
+              <a:gd name="connsiteX2" fmla="*/ 828826 w 1449238"/>
+              <a:gd name="connsiteY2" fmla="*/ 6213536 h 23553174"/>
+              <a:gd name="connsiteX3" fmla="*/ 0 w 1449238"/>
+              <a:gd name="connsiteY3" fmla="*/ 5369453 h 23553174"/>
+              <a:gd name="connsiteX4" fmla="*/ 0 w 1449238"/>
+              <a:gd name="connsiteY4" fmla="*/ 0 h 23553174"/>
+              <a:gd name="connsiteX5" fmla="*/ 1449238 w 1449238"/>
+              <a:gd name="connsiteY5" fmla="*/ 0 h 23553174"/>
+              <a:gd name="connsiteX6" fmla="*/ 1449238 w 1449238"/>
+              <a:gd name="connsiteY6" fmla="*/ 23553174 h 23553174"/>
+              <a:gd name="connsiteX0" fmla="*/ 0 w 1449238"/>
+              <a:gd name="connsiteY0" fmla="*/ 23553174 h 23553174"/>
+              <a:gd name="connsiteX1" fmla="*/ 0 w 1449238"/>
+              <a:gd name="connsiteY1" fmla="*/ 7057620 h 23553174"/>
+              <a:gd name="connsiteX2" fmla="*/ 828826 w 1449238"/>
+              <a:gd name="connsiteY2" fmla="*/ 6213536 h 23553174"/>
+              <a:gd name="connsiteX3" fmla="*/ 0 w 1449238"/>
+              <a:gd name="connsiteY3" fmla="*/ 5369453 h 23553174"/>
+              <a:gd name="connsiteX4" fmla="*/ 0 w 1449238"/>
+              <a:gd name="connsiteY4" fmla="*/ 0 h 23553174"/>
+              <a:gd name="connsiteX5" fmla="*/ 1449238 w 1449238"/>
+              <a:gd name="connsiteY5" fmla="*/ 0 h 23553174"/>
+              <a:gd name="connsiteX6" fmla="*/ 1449238 w 1449238"/>
+              <a:gd name="connsiteY6" fmla="*/ 23553174 h 23553174"/>
+              <a:gd name="connsiteX7" fmla="*/ 0 w 1449238"/>
+              <a:gd name="connsiteY7" fmla="*/ 23553174 h 23553174"/>
+              <a:gd name="connsiteX0" fmla="*/ 0 w 1449238"/>
+              <a:gd name="connsiteY0" fmla="*/ 23553174 h 23553174"/>
+              <a:gd name="connsiteX1" fmla="*/ 0 w 1449238"/>
+              <a:gd name="connsiteY1" fmla="*/ 7057620 h 23553174"/>
+              <a:gd name="connsiteX2" fmla="*/ 828826 w 1449238"/>
+              <a:gd name="connsiteY2" fmla="*/ 6213536 h 23553174"/>
+              <a:gd name="connsiteX3" fmla="*/ 0 w 1449238"/>
+              <a:gd name="connsiteY3" fmla="*/ 5369453 h 23553174"/>
+              <a:gd name="connsiteX4" fmla="*/ 0 w 1449238"/>
+              <a:gd name="connsiteY4" fmla="*/ 0 h 23553174"/>
+              <a:gd name="connsiteX5" fmla="*/ 1449238 w 1449238"/>
+              <a:gd name="connsiteY5" fmla="*/ 0 h 23553174"/>
+              <a:gd name="connsiteX6" fmla="*/ 1449238 w 1449238"/>
+              <a:gd name="connsiteY6" fmla="*/ 23553174 h 23553174"/>
+              <a:gd name="connsiteX7" fmla="*/ 0 w 1449238"/>
+              <a:gd name="connsiteY7" fmla="*/ 23553174 h 23553174"/>
+              <a:gd name="connsiteX0" fmla="*/ 0 w 1449238"/>
+              <a:gd name="connsiteY0" fmla="*/ 23553174 h 23553174"/>
+              <a:gd name="connsiteX1" fmla="*/ 0 w 1449238"/>
+              <a:gd name="connsiteY1" fmla="*/ 7057620 h 23553174"/>
+              <a:gd name="connsiteX2" fmla="*/ 828826 w 1449238"/>
+              <a:gd name="connsiteY2" fmla="*/ 6213536 h 23553174"/>
+              <a:gd name="connsiteX3" fmla="*/ 0 w 1449238"/>
+              <a:gd name="connsiteY3" fmla="*/ 5369453 h 23553174"/>
+              <a:gd name="connsiteX4" fmla="*/ 0 w 1449238"/>
+              <a:gd name="connsiteY4" fmla="*/ 0 h 23553174"/>
+              <a:gd name="connsiteX5" fmla="*/ 1449238 w 1449238"/>
+              <a:gd name="connsiteY5" fmla="*/ 0 h 23553174"/>
+              <a:gd name="connsiteX6" fmla="*/ 1449238 w 1449238"/>
+              <a:gd name="connsiteY6" fmla="*/ 23553174 h 23553174"/>
+              <a:gd name="connsiteX7" fmla="*/ 0 w 1449238"/>
+              <a:gd name="connsiteY7" fmla="*/ 23553174 h 23553174"/>
+              <a:gd name="connsiteX0" fmla="*/ 0 w 1449238"/>
+              <a:gd name="connsiteY0" fmla="*/ 23553174 h 23553174"/>
+              <a:gd name="connsiteX1" fmla="*/ 0 w 1449238"/>
+              <a:gd name="connsiteY1" fmla="*/ 7057620 h 23553174"/>
+              <a:gd name="connsiteX2" fmla="*/ 828826 w 1449238"/>
+              <a:gd name="connsiteY2" fmla="*/ 6213536 h 23553174"/>
+              <a:gd name="connsiteX3" fmla="*/ 0 w 1449238"/>
+              <a:gd name="connsiteY3" fmla="*/ 5369453 h 23553174"/>
+              <a:gd name="connsiteX4" fmla="*/ 0 w 1449238"/>
+              <a:gd name="connsiteY4" fmla="*/ 0 h 23553174"/>
+              <a:gd name="connsiteX5" fmla="*/ 1449238 w 1449238"/>
+              <a:gd name="connsiteY5" fmla="*/ 0 h 23553174"/>
+              <a:gd name="connsiteX6" fmla="*/ 1449238 w 1449238"/>
+              <a:gd name="connsiteY6" fmla="*/ 23553174 h 23553174"/>
+              <a:gd name="connsiteX7" fmla="*/ 0 w 1449238"/>
+              <a:gd name="connsiteY7" fmla="*/ 23553174 h 23553174"/>
+              <a:gd name="connsiteX0" fmla="*/ 0 w 1449238"/>
+              <a:gd name="connsiteY0" fmla="*/ 23553174 h 23553174"/>
+              <a:gd name="connsiteX1" fmla="*/ 0 w 1449238"/>
+              <a:gd name="connsiteY1" fmla="*/ 7057620 h 23553174"/>
+              <a:gd name="connsiteX2" fmla="*/ 581176 w 1449238"/>
+              <a:gd name="connsiteY2" fmla="*/ 6213536 h 23553174"/>
+              <a:gd name="connsiteX3" fmla="*/ 0 w 1449238"/>
+              <a:gd name="connsiteY3" fmla="*/ 5369453 h 23553174"/>
+              <a:gd name="connsiteX4" fmla="*/ 0 w 1449238"/>
+              <a:gd name="connsiteY4" fmla="*/ 0 h 23553174"/>
+              <a:gd name="connsiteX5" fmla="*/ 1449238 w 1449238"/>
+              <a:gd name="connsiteY5" fmla="*/ 0 h 23553174"/>
+              <a:gd name="connsiteX6" fmla="*/ 1449238 w 1449238"/>
+              <a:gd name="connsiteY6" fmla="*/ 23553174 h 23553174"/>
+              <a:gd name="connsiteX7" fmla="*/ 0 w 1449238"/>
+              <a:gd name="connsiteY7" fmla="*/ 23553174 h 23553174"/>
+              <a:gd name="connsiteX0" fmla="*/ 0 w 1449238"/>
+              <a:gd name="connsiteY0" fmla="*/ 23553174 h 23553174"/>
+              <a:gd name="connsiteX1" fmla="*/ 0 w 1449238"/>
+              <a:gd name="connsiteY1" fmla="*/ 7057620 h 23553174"/>
+              <a:gd name="connsiteX2" fmla="*/ 564507 w 1449238"/>
+              <a:gd name="connsiteY2" fmla="*/ 6215918 h 23553174"/>
+              <a:gd name="connsiteX3" fmla="*/ 0 w 1449238"/>
+              <a:gd name="connsiteY3" fmla="*/ 5369453 h 23553174"/>
+              <a:gd name="connsiteX4" fmla="*/ 0 w 1449238"/>
+              <a:gd name="connsiteY4" fmla="*/ 0 h 23553174"/>
+              <a:gd name="connsiteX5" fmla="*/ 1449238 w 1449238"/>
+              <a:gd name="connsiteY5" fmla="*/ 0 h 23553174"/>
+              <a:gd name="connsiteX6" fmla="*/ 1449238 w 1449238"/>
+              <a:gd name="connsiteY6" fmla="*/ 23553174 h 23553174"/>
+              <a:gd name="connsiteX7" fmla="*/ 0 w 1449238"/>
+              <a:gd name="connsiteY7" fmla="*/ 23553174 h 23553174"/>
+            </a:gdLst>
+            <a:ahLst/>
+            <a:cxnLst>
+              <a:cxn ang="0">
+                <a:pos x="connsiteX0" y="connsiteY0"/>
+              </a:cxn>
+              <a:cxn ang="0">
+                <a:pos x="connsiteX1" y="connsiteY1"/>
+              </a:cxn>
+              <a:cxn ang="0">
+                <a:pos x="connsiteX2" y="connsiteY2"/>
+              </a:cxn>
+              <a:cxn ang="0">
+                <a:pos x="connsiteX3" y="connsiteY3"/>
+              </a:cxn>
+              <a:cxn ang="0">
+                <a:pos x="connsiteX4" y="connsiteY4"/>
+              </a:cxn>
+              <a:cxn ang="0">
+                <a:pos x="connsiteX5" y="connsiteY5"/>
+              </a:cxn>
+              <a:cxn ang="0">
+                <a:pos x="connsiteX6" y="connsiteY6"/>
+              </a:cxn>
+              <a:cxn ang="0">
+                <a:pos x="connsiteX7" y="connsiteY7"/>
+              </a:cxn>
+            </a:cxnLst>
+            <a:rect l="l" t="t" r="r" b="b"/>
+            <a:pathLst>
+              <a:path w="1449238" h="23553174">
+                <a:moveTo>
+                  <a:pt x="0" y="23553174"/>
+                </a:moveTo>
+                <a:lnTo>
+                  <a:pt x="0" y="7057620"/>
+                </a:lnTo>
+                <a:cubicBezTo>
+                  <a:pt x="4812" y="6633384"/>
+                  <a:pt x="564557" y="6719529"/>
+                  <a:pt x="564507" y="6215918"/>
+                </a:cubicBezTo>
+                <a:cubicBezTo>
+                  <a:pt x="564457" y="5712307"/>
+                  <a:pt x="2431" y="5798452"/>
+                  <a:pt x="0" y="5369453"/>
+                </a:cubicBezTo>
+                <a:lnTo>
+                  <a:pt x="0" y="0"/>
+                </a:lnTo>
+                <a:lnTo>
+                  <a:pt x="1449238" y="0"/>
+                </a:lnTo>
+                <a:lnTo>
+                  <a:pt x="1449238" y="23553174"/>
+                </a:lnTo>
+                <a:lnTo>
+                  <a:pt x="0" y="23553174"/>
+                </a:lnTo>
+                <a:close/>
+              </a:path>
+            </a:pathLst>
+          </a:custGeom>
+          <a:solidFill>
+            <a:schemeClr val="bg1"/>
+          </a:solidFill>
+          <a:ln>
+            <a:noFill/>
+          </a:ln>
+        </p:spPr>
+        <p:style>
+          <a:lnRef idx="2">
+            <a:schemeClr val="accent1">
+              <a:shade val="50000"/>
+            </a:schemeClr>
+          </a:lnRef>
+          <a:fillRef idx="1">
+            <a:schemeClr val="accent1"/>
+          </a:fillRef>
+          <a:effectRef idx="0">
+            <a:schemeClr val="accent1"/>
+          </a:effectRef>
+          <a:fontRef idx="minor">
+            <a:schemeClr val="lt1"/>
+          </a:fontRef>
+        </p:style>
+        <p:txBody>
+          <a:bodyPr wrap="square" rtlCol="0" anchor="ctr">
+            <a:noAutofit/>
+          </a:bodyPr>
+          <a:lstStyle/>
+          <a:p>
+            <a:pPr algn="ctr"/>
+            <a:endParaRPr lang="en-US"/>
+          </a:p>
+        </p:txBody>
+      </p:sp>
+      <p:pic>
+        <p:nvPicPr>
+          <p:cNvPr id="21" name="Graphic 20" descr="Group of men">
+            <a:hlinkClick r:id="rId12" action="ppaction://hlinksldjump"/>
+            <a:extLst>
+              <a:ext uri="{FF2B5EF4-FFF2-40B4-BE49-F238E27FC236}">
+                <a16:creationId xmlns:a16="http://schemas.microsoft.com/office/drawing/2014/main" id="{4AA650BB-E676-4007-863D-589AFB3FD0DE}"/>
+              </a:ext>
+            </a:extLst>
+          </p:cNvPr>
+          <p:cNvPicPr>
+            <a:picLocks noChangeAspect="1"/>
+          </p:cNvPicPr>
+          <p:nvPr/>
+        </p:nvPicPr>
+        <p:blipFill>
+          <a:blip r:embed="rId13">
+            <a:extLst>
+              <a:ext uri="{28A0092B-C50C-407E-A947-70E740481C1C}">
+                <a14:useLocalDpi xmlns:a14="http://schemas.microsoft.com/office/drawing/2010/main" val="0"/>
+              </a:ext>
+              <a:ext uri="{96DAC541-7B7A-43D3-8B79-37D633B846F1}">
+                <asvg:svgBlip xmlns:asvg="http://schemas.microsoft.com/office/drawing/2016/SVG/main" r:embed="rId14"/>
+              </a:ext>
+            </a:extLst>
+          </a:blip>
+          <a:stretch>
+            <a:fillRect/>
+          </a:stretch>
+        </p:blipFill>
+        <p:spPr>
+          <a:xfrm>
+            <a:off x="437264" y="582884"/>
+            <a:ext cx="578191" cy="578191"/>
+          </a:xfrm>
+          <a:prstGeom prst="rect">
+            <a:avLst/>
+          </a:prstGeom>
+        </p:spPr>
+      </p:pic>
+      <p:pic>
+        <p:nvPicPr>
+          <p:cNvPr id="22" name="Graphic 21" descr="Server">
+            <a:hlinkClick r:id="rId15" action="ppaction://hlinksldjump"/>
+            <a:extLst>
+              <a:ext uri="{FF2B5EF4-FFF2-40B4-BE49-F238E27FC236}">
+                <a16:creationId xmlns:a16="http://schemas.microsoft.com/office/drawing/2014/main" id="{B8110363-1CD4-4C38-9249-D40C357C6484}"/>
+              </a:ext>
+            </a:extLst>
+          </p:cNvPr>
+          <p:cNvPicPr>
+            <a:picLocks noChangeAspect="1"/>
+          </p:cNvPicPr>
+          <p:nvPr/>
+        </p:nvPicPr>
+        <p:blipFill>
+          <a:blip r:embed="rId16">
+            <a:extLst>
+              <a:ext uri="{28A0092B-C50C-407E-A947-70E740481C1C}">
+                <a14:useLocalDpi xmlns:a14="http://schemas.microsoft.com/office/drawing/2010/main" val="0"/>
+              </a:ext>
+              <a:ext uri="{96DAC541-7B7A-43D3-8B79-37D633B846F1}">
+                <asvg:svgBlip xmlns:asvg="http://schemas.microsoft.com/office/drawing/2016/SVG/main" r:embed="rId17"/>
+              </a:ext>
+            </a:extLst>
+          </a:blip>
+          <a:stretch>
+            <a:fillRect/>
+          </a:stretch>
+        </p:blipFill>
+        <p:spPr>
+          <a:xfrm>
+            <a:off x="437264" y="1875053"/>
+            <a:ext cx="578191" cy="578191"/>
+          </a:xfrm>
+          <a:prstGeom prst="rect">
+            <a:avLst/>
+          </a:prstGeom>
+        </p:spPr>
+      </p:pic>
+      <p:pic>
+        <p:nvPicPr>
+          <p:cNvPr id="23" name="Graphic 22" descr="Smart Phone">
+            <a:hlinkClick r:id="rId18" action="ppaction://hlinksldjump"/>
+            <a:extLst>
+              <a:ext uri="{FF2B5EF4-FFF2-40B4-BE49-F238E27FC236}">
+                <a16:creationId xmlns:a16="http://schemas.microsoft.com/office/drawing/2014/main" id="{15D99AFC-B954-439F-8FB7-B7EE2A89C5AC}"/>
+              </a:ext>
+            </a:extLst>
+          </p:cNvPr>
+          <p:cNvPicPr>
+            <a:picLocks noChangeAspect="1"/>
+          </p:cNvPicPr>
+          <p:nvPr/>
+        </p:nvPicPr>
+        <p:blipFill>
+          <a:blip r:embed="rId19">
+            <a:extLst>
+              <a:ext uri="{28A0092B-C50C-407E-A947-70E740481C1C}">
+                <a14:useLocalDpi xmlns:a14="http://schemas.microsoft.com/office/drawing/2010/main" val="0"/>
+              </a:ext>
+              <a:ext uri="{96DAC541-7B7A-43D3-8B79-37D633B846F1}">
+                <asvg:svgBlip xmlns:asvg="http://schemas.microsoft.com/office/drawing/2016/SVG/main" r:embed="rId20"/>
+              </a:ext>
+            </a:extLst>
+          </a:blip>
+          <a:stretch>
+            <a:fillRect/>
+          </a:stretch>
+        </p:blipFill>
+        <p:spPr>
+          <a:xfrm flipV="1">
+            <a:off x="437265" y="3149428"/>
+            <a:ext cx="578191" cy="578191"/>
+          </a:xfrm>
+          <a:prstGeom prst="rect">
+            <a:avLst/>
+          </a:prstGeom>
+        </p:spPr>
+      </p:pic>
+      <p:pic>
+        <p:nvPicPr>
+          <p:cNvPr id="24" name="Graphic 23" descr="Computer">
+            <a:hlinkClick r:id="rId21" action="ppaction://hlinksldjump"/>
+            <a:extLst>
+              <a:ext uri="{FF2B5EF4-FFF2-40B4-BE49-F238E27FC236}">
+                <a16:creationId xmlns:a16="http://schemas.microsoft.com/office/drawing/2014/main" id="{422E0659-8245-4561-9901-0FAE60DC4340}"/>
+              </a:ext>
+            </a:extLst>
+          </p:cNvPr>
+          <p:cNvPicPr>
+            <a:picLocks noChangeAspect="1"/>
+          </p:cNvPicPr>
+          <p:nvPr/>
+        </p:nvPicPr>
+        <p:blipFill>
+          <a:blip r:embed="rId22">
+            <a:extLst>
+              <a:ext uri="{28A0092B-C50C-407E-A947-70E740481C1C}">
+                <a14:useLocalDpi xmlns:a14="http://schemas.microsoft.com/office/drawing/2010/main" val="0"/>
+              </a:ext>
+              <a:ext uri="{96DAC541-7B7A-43D3-8B79-37D633B846F1}">
+                <asvg:svgBlip xmlns:asvg="http://schemas.microsoft.com/office/drawing/2016/SVG/main" r:embed="rId23"/>
+              </a:ext>
+            </a:extLst>
+          </a:blip>
+          <a:stretch>
+            <a:fillRect/>
+          </a:stretch>
+        </p:blipFill>
+        <p:spPr>
+          <a:xfrm>
+            <a:off x="437263" y="4432700"/>
+            <a:ext cx="578191" cy="578191"/>
+          </a:xfrm>
+          <a:prstGeom prst="rect">
+            <a:avLst/>
+          </a:prstGeom>
+        </p:spPr>
+      </p:pic>
+      <p:pic>
+        <p:nvPicPr>
+          <p:cNvPr id="25" name="Graphic 24" descr="Web design">
+            <a:hlinkClick r:id="rId24" action="ppaction://hlinksldjump"/>
+            <a:extLst>
+              <a:ext uri="{FF2B5EF4-FFF2-40B4-BE49-F238E27FC236}">
+                <a16:creationId xmlns:a16="http://schemas.microsoft.com/office/drawing/2014/main" id="{857C58E7-8255-48EF-8A84-23DEA9088E64}"/>
+              </a:ext>
+            </a:extLst>
+          </p:cNvPr>
+          <p:cNvPicPr>
+            <a:picLocks noChangeAspect="1"/>
+          </p:cNvPicPr>
+          <p:nvPr/>
+        </p:nvPicPr>
+        <p:blipFill>
+          <a:blip r:embed="rId25">
+            <a:extLst>
+              <a:ext uri="{28A0092B-C50C-407E-A947-70E740481C1C}">
+                <a14:useLocalDpi xmlns:a14="http://schemas.microsoft.com/office/drawing/2010/main" val="0"/>
+              </a:ext>
+              <a:ext uri="{96DAC541-7B7A-43D3-8B79-37D633B846F1}">
+                <asvg:svgBlip xmlns:asvg="http://schemas.microsoft.com/office/drawing/2016/SVG/main" r:embed="rId26"/>
+              </a:ext>
+            </a:extLst>
+          </a:blip>
+          <a:stretch>
+            <a:fillRect/>
+          </a:stretch>
+        </p:blipFill>
+        <p:spPr>
+          <a:xfrm>
+            <a:off x="437268" y="5715972"/>
+            <a:ext cx="578191" cy="578191"/>
+          </a:xfrm>
+          <a:prstGeom prst="rect">
+            <a:avLst/>
+          </a:prstGeom>
+        </p:spPr>
+      </p:pic>
+      <p:sp>
+        <p:nvSpPr>
+          <p:cNvPr id="29" name="TextBox 28">
+            <a:extLst>
+              <a:ext uri="{FF2B5EF4-FFF2-40B4-BE49-F238E27FC236}">
+                <a16:creationId xmlns:a16="http://schemas.microsoft.com/office/drawing/2014/main" id="{84B18E10-7FF1-4BE4-B836-EE2E992B7943}"/>
+              </a:ext>
+            </a:extLst>
+          </p:cNvPr>
+          <p:cNvSpPr txBox="1"/>
+          <p:nvPr/>
+        </p:nvSpPr>
+        <p:spPr>
+          <a:xfrm>
+            <a:off x="2900216" y="582884"/>
+            <a:ext cx="8434533" cy="1015663"/>
+          </a:xfrm>
+          <a:prstGeom prst="rect">
+            <a:avLst/>
+          </a:prstGeom>
+          <a:noFill/>
+        </p:spPr>
+        <p:txBody>
+          <a:bodyPr wrap="square" rtlCol="0">
+            <a:spAutoFit/>
+          </a:bodyPr>
+          <a:lstStyle/>
+          <a:p>
+            <a:r>
+              <a:rPr lang="en-GB" sz="6000" dirty="0">
+                <a:solidFill>
+                  <a:schemeClr val="tx1">
+                    <a:lumMod val="75000"/>
+                    <a:lumOff val="25000"/>
+                  </a:schemeClr>
+                </a:solidFill>
+              </a:rPr>
+              <a:t>Az </a:t>
+            </a:r>
+            <a:r>
+              <a:rPr lang="en-GB" sz="6000" dirty="0" err="1">
+                <a:solidFill>
+                  <a:schemeClr val="tx1">
+                    <a:lumMod val="75000"/>
+                    <a:lumOff val="25000"/>
+                  </a:schemeClr>
+                </a:solidFill>
+              </a:rPr>
+              <a:t>asztali</a:t>
+            </a:r>
+            <a:r>
+              <a:rPr lang="en-GB" sz="6000" dirty="0">
+                <a:solidFill>
+                  <a:schemeClr val="tx1">
+                    <a:lumMod val="75000"/>
+                    <a:lumOff val="25000"/>
+                  </a:schemeClr>
+                </a:solidFill>
+              </a:rPr>
+              <a:t> </a:t>
+            </a:r>
+            <a:r>
+              <a:rPr lang="en-GB" sz="6000" dirty="0" err="1">
+                <a:solidFill>
+                  <a:schemeClr val="tx1">
+                    <a:lumMod val="75000"/>
+                    <a:lumOff val="25000"/>
+                  </a:schemeClr>
+                </a:solidFill>
+              </a:rPr>
+              <a:t>alkalmazás</a:t>
+            </a:r>
+            <a:r>
+              <a:rPr lang="en-GB" sz="6000" dirty="0">
+                <a:solidFill>
+                  <a:schemeClr val="tx1">
+                    <a:lumMod val="75000"/>
+                    <a:lumOff val="25000"/>
+                  </a:schemeClr>
+                </a:solidFill>
+              </a:rPr>
+              <a:t> </a:t>
+            </a:r>
+            <a:r>
+              <a:rPr lang="en-GB" sz="6000" dirty="0" err="1">
+                <a:solidFill>
+                  <a:schemeClr val="tx1">
+                    <a:lumMod val="75000"/>
+                    <a:lumOff val="25000"/>
+                  </a:schemeClr>
+                </a:solidFill>
+              </a:rPr>
+              <a:t>célja</a:t>
+            </a:r>
+            <a:endParaRPr lang="en-US" sz="6000" dirty="0">
+              <a:solidFill>
+                <a:schemeClr val="tx1">
+                  <a:lumMod val="75000"/>
+                  <a:lumOff val="25000"/>
+                </a:schemeClr>
+              </a:solidFill>
+            </a:endParaRPr>
+          </a:p>
+        </p:txBody>
+      </p:sp>
+      <p:sp>
+        <p:nvSpPr>
+          <p:cNvPr id="30" name="TextBox 29">
+            <a:extLst>
+              <a:ext uri="{FF2B5EF4-FFF2-40B4-BE49-F238E27FC236}">
+                <a16:creationId xmlns:a16="http://schemas.microsoft.com/office/drawing/2014/main" id="{55E7C0FD-A2B6-4D81-889C-E04B010DF2D7}"/>
+              </a:ext>
+            </a:extLst>
+          </p:cNvPr>
+          <p:cNvSpPr txBox="1"/>
+          <p:nvPr/>
+        </p:nvSpPr>
+        <p:spPr>
+          <a:xfrm>
+            <a:off x="2900218" y="2238194"/>
+            <a:ext cx="7914968" cy="671851"/>
+          </a:xfrm>
+          <a:prstGeom prst="rect">
+            <a:avLst/>
+          </a:prstGeom>
+          <a:noFill/>
+        </p:spPr>
+        <p:txBody>
+          <a:bodyPr wrap="square" rtlCol="0">
+            <a:spAutoFit/>
+          </a:bodyPr>
+          <a:lstStyle/>
+          <a:p>
+            <a:pPr marL="285750" indent="-285750">
+              <a:lnSpc>
+                <a:spcPct val="150000"/>
+              </a:lnSpc>
+              <a:buFont typeface="Arial" panose="020B0604020202020204" pitchFamily="34" charset="0"/>
+              <a:buChar char="•"/>
+            </a:pPr>
+            <a:r>
+              <a:rPr lang="en-GB" sz="2800" dirty="0">
+                <a:solidFill>
+                  <a:schemeClr val="tx1">
+                    <a:lumMod val="75000"/>
+                    <a:lumOff val="25000"/>
+                  </a:schemeClr>
+                </a:solidFill>
+              </a:rPr>
+              <a:t>P</a:t>
+            </a:r>
+          </a:p>
+        </p:txBody>
+      </p:sp>
+    </p:spTree>
+    <p:extLst>
+      <p:ext uri="{BB962C8B-B14F-4D97-AF65-F5344CB8AC3E}">
+        <p14:creationId xmlns:p14="http://schemas.microsoft.com/office/powerpoint/2010/main" val="3451185662"/>
+      </p:ext>
+    </p:extLst>
+  </p:cSld>
+  <p:clrMapOvr>
+    <a:masterClrMapping/>
+  </p:clrMapOvr>
+  <mc:AlternateContent xmlns:mc="http://schemas.openxmlformats.org/markup-compatibility/2006">
+    <mc:Choice xmlns:p159="http://schemas.microsoft.com/office/powerpoint/2015/09/main" Requires="p159">
+      <p:transition spd="med">
+        <p159:morph option="byObject"/>
+      </p:transition>
+    </mc:Choice>
+    <mc:Fallback>
+      <p:transition spd="med">
+        <p:fade/>
+      </p:transition>
+    </mc:Fallback>
+  </mc:AlternateContent>
+</p:sld>
+</file>
+
+<file path=ppt/slides/slide18.xml><?xml version="1.0" encoding="utf-8"?>
+<p:sld xmlns:a="http://schemas.openxmlformats.org/drawingml/2006/main" xmlns:r="http://schemas.openxmlformats.org/officeDocument/2006/relationships" xmlns:p="http://schemas.openxmlformats.org/presentationml/2006/main">
+  <p:cSld>
+    <p:bg>
+      <p:bgPr>
+        <a:solidFill>
+          <a:srgbClr val="E2E2E2"/>
+        </a:solidFill>
+        <a:effectLst/>
+      </p:bgPr>
+    </p:bg>
+    <p:spTree>
+      <p:nvGrpSpPr>
+        <p:cNvPr id="1" name=""/>
+        <p:cNvGrpSpPr/>
+        <p:nvPr/>
+      </p:nvGrpSpPr>
+      <p:grpSpPr>
+        <a:xfrm>
+          <a:off x="0" y="0"/>
+          <a:ext cx="0" cy="0"/>
+          <a:chOff x="0" y="0"/>
+          <a:chExt cx="0" cy="0"/>
+        </a:xfrm>
+      </p:grpSpPr>
+      <p:grpSp>
+        <p:nvGrpSpPr>
+          <p:cNvPr id="8" name="Group 7">
+            <a:extLst>
+              <a:ext uri="{FF2B5EF4-FFF2-40B4-BE49-F238E27FC236}">
+                <a16:creationId xmlns:a16="http://schemas.microsoft.com/office/drawing/2014/main" id="{B7B34FBC-4A34-424B-BA15-1A80AC36900F}"/>
+              </a:ext>
+            </a:extLst>
+          </p:cNvPr>
+          <p:cNvGrpSpPr/>
+          <p:nvPr/>
+        </p:nvGrpSpPr>
+        <p:grpSpPr>
+          <a:xfrm>
+            <a:off x="-841634" y="451163"/>
+            <a:ext cx="841634" cy="841634"/>
+            <a:chOff x="-841634" y="451163"/>
+            <a:chExt cx="841634" cy="841634"/>
+          </a:xfrm>
+        </p:grpSpPr>
+        <p:sp>
+          <p:nvSpPr>
+            <p:cNvPr id="10" name="Oval 9">
+              <a:extLst>
+                <a:ext uri="{FF2B5EF4-FFF2-40B4-BE49-F238E27FC236}">
+                  <a16:creationId xmlns:a16="http://schemas.microsoft.com/office/drawing/2014/main" id="{88D34821-8CDE-4C32-9188-9467DF249A1D}"/>
+                </a:ext>
+              </a:extLst>
+            </p:cNvPr>
+            <p:cNvSpPr/>
+            <p:nvPr/>
+          </p:nvSpPr>
+          <p:spPr>
+            <a:xfrm>
+              <a:off x="-841634" y="451163"/>
+              <a:ext cx="841634" cy="841634"/>
+            </a:xfrm>
+            <a:prstGeom prst="ellipse">
+              <a:avLst/>
+            </a:prstGeom>
+            <a:solidFill>
+              <a:schemeClr val="bg1"/>
+            </a:solidFill>
+            <a:ln>
+              <a:noFill/>
+            </a:ln>
+          </p:spPr>
+          <p:style>
+            <a:lnRef idx="2">
+              <a:schemeClr val="accent1">
+                <a:shade val="50000"/>
+              </a:schemeClr>
+            </a:lnRef>
+            <a:fillRef idx="1">
+              <a:schemeClr val="accent1"/>
+            </a:fillRef>
+            <a:effectRef idx="0">
+              <a:schemeClr val="accent1"/>
+            </a:effectRef>
+            <a:fontRef idx="minor">
+              <a:schemeClr val="lt1"/>
+            </a:fontRef>
+          </p:style>
+          <p:txBody>
+            <a:bodyPr rtlCol="0" anchor="ctr"/>
+            <a:lstStyle/>
+            <a:p>
+              <a:pPr algn="ctr"/>
+              <a:endParaRPr lang="en-US"/>
+            </a:p>
+          </p:txBody>
+        </p:sp>
+        <p:pic>
+          <p:nvPicPr>
+            <p:cNvPr id="11" name="Graphic 10" descr="Group of men">
+              <a:extLst>
+                <a:ext uri="{FF2B5EF4-FFF2-40B4-BE49-F238E27FC236}">
+                  <a16:creationId xmlns:a16="http://schemas.microsoft.com/office/drawing/2014/main" id="{5858D980-A46F-4373-8D4F-25A3E8AB1F47}"/>
+                </a:ext>
+              </a:extLst>
+            </p:cNvPr>
+            <p:cNvPicPr>
+              <a:picLocks noChangeAspect="1"/>
+            </p:cNvPicPr>
+            <p:nvPr/>
+          </p:nvPicPr>
+          <p:blipFill>
+            <a:blip r:embed="rId2">
+              <a:extLst>
+                <a:ext uri="{28A0092B-C50C-407E-A947-70E740481C1C}">
+                  <a14:useLocalDpi xmlns:a14="http://schemas.microsoft.com/office/drawing/2010/main" val="0"/>
+                </a:ext>
+                <a:ext uri="{96DAC541-7B7A-43D3-8B79-37D633B846F1}">
+                  <asvg:svgBlip xmlns:asvg="http://schemas.microsoft.com/office/drawing/2016/SVG/main" r:embed="rId3"/>
+                </a:ext>
+              </a:extLst>
+            </a:blip>
+            <a:stretch>
+              <a:fillRect/>
+            </a:stretch>
+          </p:blipFill>
+          <p:spPr>
+            <a:xfrm>
+              <a:off x="-715261" y="582884"/>
+              <a:ext cx="578191" cy="578191"/>
+            </a:xfrm>
+            <a:prstGeom prst="rect">
+              <a:avLst/>
+            </a:prstGeom>
+          </p:spPr>
+        </p:pic>
+      </p:grpSp>
+      <p:grpSp>
+        <p:nvGrpSpPr>
+          <p:cNvPr id="12" name="Group 11">
+            <a:extLst>
+              <a:ext uri="{FF2B5EF4-FFF2-40B4-BE49-F238E27FC236}">
+                <a16:creationId xmlns:a16="http://schemas.microsoft.com/office/drawing/2014/main" id="{347D6084-DA64-4D97-A6EB-206A29FFE6F9}"/>
+              </a:ext>
+            </a:extLst>
+          </p:cNvPr>
+          <p:cNvGrpSpPr/>
+          <p:nvPr/>
+        </p:nvGrpSpPr>
+        <p:grpSpPr>
+          <a:xfrm>
+            <a:off x="-846979" y="1734435"/>
+            <a:ext cx="841634" cy="841634"/>
+            <a:chOff x="-846979" y="1734435"/>
+            <a:chExt cx="841634" cy="841634"/>
+          </a:xfrm>
+        </p:grpSpPr>
+        <p:sp>
+          <p:nvSpPr>
+            <p:cNvPr id="13" name="Oval 12">
+              <a:extLst>
+                <a:ext uri="{FF2B5EF4-FFF2-40B4-BE49-F238E27FC236}">
+                  <a16:creationId xmlns:a16="http://schemas.microsoft.com/office/drawing/2014/main" id="{D281FCC0-28D5-4E13-BD7D-7000E784C1BB}"/>
+                </a:ext>
+              </a:extLst>
+            </p:cNvPr>
+            <p:cNvSpPr/>
+            <p:nvPr/>
+          </p:nvSpPr>
+          <p:spPr>
+            <a:xfrm>
+              <a:off x="-846979" y="1734435"/>
+              <a:ext cx="841634" cy="841634"/>
+            </a:xfrm>
+            <a:prstGeom prst="ellipse">
+              <a:avLst/>
+            </a:prstGeom>
+            <a:solidFill>
+              <a:schemeClr val="bg1"/>
+            </a:solidFill>
+            <a:ln>
+              <a:noFill/>
+            </a:ln>
+          </p:spPr>
+          <p:style>
+            <a:lnRef idx="2">
+              <a:schemeClr val="accent1">
+                <a:shade val="50000"/>
+              </a:schemeClr>
+            </a:lnRef>
+            <a:fillRef idx="1">
+              <a:schemeClr val="accent1"/>
+            </a:fillRef>
+            <a:effectRef idx="0">
+              <a:schemeClr val="accent1"/>
+            </a:effectRef>
+            <a:fontRef idx="minor">
+              <a:schemeClr val="lt1"/>
+            </a:fontRef>
+          </p:style>
+          <p:txBody>
+            <a:bodyPr rtlCol="0" anchor="ctr"/>
+            <a:lstStyle/>
+            <a:p>
+              <a:pPr algn="ctr"/>
+              <a:endParaRPr lang="en-US"/>
+            </a:p>
+          </p:txBody>
+        </p:sp>
+        <p:pic>
+          <p:nvPicPr>
+            <p:cNvPr id="14" name="Graphic 13" descr="Server">
+              <a:extLst>
+                <a:ext uri="{FF2B5EF4-FFF2-40B4-BE49-F238E27FC236}">
+                  <a16:creationId xmlns:a16="http://schemas.microsoft.com/office/drawing/2014/main" id="{43E1790F-D61E-48A0-A4CF-939E6EB1EF10}"/>
+                </a:ext>
+              </a:extLst>
+            </p:cNvPr>
+            <p:cNvPicPr>
+              <a:picLocks noChangeAspect="1"/>
+            </p:cNvPicPr>
+            <p:nvPr/>
+          </p:nvPicPr>
+          <p:blipFill>
+            <a:blip r:embed="rId4">
+              <a:extLst>
+                <a:ext uri="{28A0092B-C50C-407E-A947-70E740481C1C}">
+                  <a14:useLocalDpi xmlns:a14="http://schemas.microsoft.com/office/drawing/2010/main" val="0"/>
+                </a:ext>
+                <a:ext uri="{96DAC541-7B7A-43D3-8B79-37D633B846F1}">
+                  <asvg:svgBlip xmlns:asvg="http://schemas.microsoft.com/office/drawing/2016/SVG/main" r:embed="rId5"/>
+                </a:ext>
+              </a:extLst>
+            </a:blip>
+            <a:stretch>
+              <a:fillRect/>
+            </a:stretch>
+          </p:blipFill>
+          <p:spPr>
+            <a:xfrm>
+              <a:off x="-715261" y="1875053"/>
+              <a:ext cx="578191" cy="578191"/>
+            </a:xfrm>
+            <a:prstGeom prst="rect">
+              <a:avLst/>
+            </a:prstGeom>
+          </p:spPr>
+        </p:pic>
+      </p:grpSp>
+      <p:grpSp>
+        <p:nvGrpSpPr>
+          <p:cNvPr id="15" name="Group 14">
+            <a:extLst>
+              <a:ext uri="{FF2B5EF4-FFF2-40B4-BE49-F238E27FC236}">
+                <a16:creationId xmlns:a16="http://schemas.microsoft.com/office/drawing/2014/main" id="{23B7BB71-EDB6-4E73-A524-3296B2799E7F}"/>
+              </a:ext>
+            </a:extLst>
+          </p:cNvPr>
+          <p:cNvGrpSpPr/>
+          <p:nvPr/>
+        </p:nvGrpSpPr>
+        <p:grpSpPr>
+          <a:xfrm>
+            <a:off x="1030161" y="4300979"/>
+            <a:ext cx="841634" cy="841634"/>
+            <a:chOff x="-846979" y="4300979"/>
+            <a:chExt cx="841634" cy="841634"/>
+          </a:xfrm>
+        </p:grpSpPr>
+        <p:sp>
+          <p:nvSpPr>
+            <p:cNvPr id="16" name="Oval 15">
+              <a:extLst>
+                <a:ext uri="{FF2B5EF4-FFF2-40B4-BE49-F238E27FC236}">
+                  <a16:creationId xmlns:a16="http://schemas.microsoft.com/office/drawing/2014/main" id="{A6CE4C22-373D-4000-A618-54CE3F6B307A}"/>
+                </a:ext>
+              </a:extLst>
+            </p:cNvPr>
+            <p:cNvSpPr/>
+            <p:nvPr/>
+          </p:nvSpPr>
+          <p:spPr>
+            <a:xfrm>
+              <a:off x="-846979" y="4300979"/>
+              <a:ext cx="841634" cy="841634"/>
+            </a:xfrm>
+            <a:prstGeom prst="ellipse">
+              <a:avLst/>
+            </a:prstGeom>
+            <a:solidFill>
+              <a:schemeClr val="bg1"/>
+            </a:solidFill>
+            <a:ln>
+              <a:noFill/>
+            </a:ln>
+          </p:spPr>
+          <p:style>
+            <a:lnRef idx="2">
+              <a:schemeClr val="accent1">
+                <a:shade val="50000"/>
+              </a:schemeClr>
+            </a:lnRef>
+            <a:fillRef idx="1">
+              <a:schemeClr val="accent1"/>
+            </a:fillRef>
+            <a:effectRef idx="0">
+              <a:schemeClr val="accent1"/>
+            </a:effectRef>
+            <a:fontRef idx="minor">
+              <a:schemeClr val="lt1"/>
+            </a:fontRef>
+          </p:style>
+          <p:txBody>
+            <a:bodyPr rtlCol="0" anchor="ctr"/>
+            <a:lstStyle/>
+            <a:p>
+              <a:pPr algn="ctr"/>
+              <a:endParaRPr lang="en-US"/>
+            </a:p>
+          </p:txBody>
+        </p:sp>
+        <p:pic>
+          <p:nvPicPr>
+            <p:cNvPr id="17" name="Graphic 16" descr="Computer">
+              <a:extLst>
+                <a:ext uri="{FF2B5EF4-FFF2-40B4-BE49-F238E27FC236}">
+                  <a16:creationId xmlns:a16="http://schemas.microsoft.com/office/drawing/2014/main" id="{F976E3EE-3166-4327-AE9F-C760CA48B465}"/>
+                </a:ext>
+              </a:extLst>
+            </p:cNvPr>
+            <p:cNvPicPr>
+              <a:picLocks noChangeAspect="1"/>
+            </p:cNvPicPr>
+            <p:nvPr/>
+          </p:nvPicPr>
+          <p:blipFill>
+            <a:blip r:embed="rId6">
+              <a:extLst>
+                <a:ext uri="{28A0092B-C50C-407E-A947-70E740481C1C}">
+                  <a14:useLocalDpi xmlns:a14="http://schemas.microsoft.com/office/drawing/2010/main" val="0"/>
+                </a:ext>
+                <a:ext uri="{96DAC541-7B7A-43D3-8B79-37D633B846F1}">
+                  <asvg:svgBlip xmlns:asvg="http://schemas.microsoft.com/office/drawing/2016/SVG/main" r:embed="rId7"/>
+                </a:ext>
+              </a:extLst>
+            </a:blip>
+            <a:stretch>
+              <a:fillRect/>
+            </a:stretch>
+          </p:blipFill>
+          <p:spPr>
+            <a:xfrm>
+              <a:off x="-715262" y="4432700"/>
+              <a:ext cx="578191" cy="578191"/>
+            </a:xfrm>
+            <a:prstGeom prst="rect">
+              <a:avLst/>
+            </a:prstGeom>
+          </p:spPr>
+        </p:pic>
+      </p:grpSp>
+      <p:grpSp>
+        <p:nvGrpSpPr>
+          <p:cNvPr id="18" name="Group 17">
+            <a:extLst>
+              <a:ext uri="{FF2B5EF4-FFF2-40B4-BE49-F238E27FC236}">
+                <a16:creationId xmlns:a16="http://schemas.microsoft.com/office/drawing/2014/main" id="{3C538347-D910-4419-A946-30ADF05A38E5}"/>
+              </a:ext>
+            </a:extLst>
+          </p:cNvPr>
+          <p:cNvGrpSpPr/>
+          <p:nvPr/>
+        </p:nvGrpSpPr>
+        <p:grpSpPr>
+          <a:xfrm>
+            <a:off x="-846981" y="5584251"/>
+            <a:ext cx="841634" cy="841634"/>
+            <a:chOff x="-846981" y="5584251"/>
+            <a:chExt cx="841634" cy="841634"/>
+          </a:xfrm>
+        </p:grpSpPr>
+        <p:sp>
+          <p:nvSpPr>
+            <p:cNvPr id="19" name="Oval 18">
+              <a:extLst>
+                <a:ext uri="{FF2B5EF4-FFF2-40B4-BE49-F238E27FC236}">
+                  <a16:creationId xmlns:a16="http://schemas.microsoft.com/office/drawing/2014/main" id="{874BD915-D504-43DF-A035-470323C4D6E4}"/>
+                </a:ext>
+              </a:extLst>
+            </p:cNvPr>
+            <p:cNvSpPr/>
+            <p:nvPr/>
+          </p:nvSpPr>
+          <p:spPr>
+            <a:xfrm>
+              <a:off x="-846981" y="5584251"/>
+              <a:ext cx="841634" cy="841634"/>
+            </a:xfrm>
+            <a:prstGeom prst="ellipse">
+              <a:avLst/>
+            </a:prstGeom>
+            <a:solidFill>
+              <a:schemeClr val="bg1"/>
+            </a:solidFill>
+            <a:ln>
+              <a:noFill/>
+            </a:ln>
+          </p:spPr>
+          <p:style>
+            <a:lnRef idx="2">
+              <a:schemeClr val="accent1">
+                <a:shade val="50000"/>
+              </a:schemeClr>
+            </a:lnRef>
+            <a:fillRef idx="1">
+              <a:schemeClr val="accent1"/>
+            </a:fillRef>
+            <a:effectRef idx="0">
+              <a:schemeClr val="accent1"/>
+            </a:effectRef>
+            <a:fontRef idx="minor">
+              <a:schemeClr val="lt1"/>
+            </a:fontRef>
+          </p:style>
+          <p:txBody>
+            <a:bodyPr rtlCol="0" anchor="ctr"/>
+            <a:lstStyle/>
+            <a:p>
+              <a:pPr algn="ctr"/>
+              <a:endParaRPr lang="en-US"/>
+            </a:p>
+          </p:txBody>
+        </p:sp>
+        <p:pic>
+          <p:nvPicPr>
+            <p:cNvPr id="20" name="Graphic 19" descr="Web design">
+              <a:extLst>
+                <a:ext uri="{FF2B5EF4-FFF2-40B4-BE49-F238E27FC236}">
+                  <a16:creationId xmlns:a16="http://schemas.microsoft.com/office/drawing/2014/main" id="{F775AF2E-46AB-4101-B58C-36B309E088D2}"/>
+                </a:ext>
+              </a:extLst>
+            </p:cNvPr>
+            <p:cNvPicPr>
+              <a:picLocks noChangeAspect="1"/>
+            </p:cNvPicPr>
+            <p:nvPr/>
+          </p:nvPicPr>
+          <p:blipFill>
+            <a:blip r:embed="rId8">
+              <a:extLst>
+                <a:ext uri="{28A0092B-C50C-407E-A947-70E740481C1C}">
+                  <a14:useLocalDpi xmlns:a14="http://schemas.microsoft.com/office/drawing/2010/main" val="0"/>
+                </a:ext>
+                <a:ext uri="{96DAC541-7B7A-43D3-8B79-37D633B846F1}">
+                  <asvg:svgBlip xmlns:asvg="http://schemas.microsoft.com/office/drawing/2016/SVG/main" r:embed="rId9"/>
+                </a:ext>
+              </a:extLst>
+            </a:blip>
+            <a:stretch>
+              <a:fillRect/>
+            </a:stretch>
+          </p:blipFill>
+          <p:spPr>
+            <a:xfrm>
+              <a:off x="-715257" y="5715972"/>
+              <a:ext cx="578191" cy="578191"/>
+            </a:xfrm>
+            <a:prstGeom prst="rect">
+              <a:avLst/>
+            </a:prstGeom>
+          </p:spPr>
+        </p:pic>
+      </p:grpSp>
+      <p:grpSp>
+        <p:nvGrpSpPr>
+          <p:cNvPr id="26" name="Group 25">
+            <a:extLst>
+              <a:ext uri="{FF2B5EF4-FFF2-40B4-BE49-F238E27FC236}">
+                <a16:creationId xmlns:a16="http://schemas.microsoft.com/office/drawing/2014/main" id="{B8A31E48-1C76-40DC-A0CF-758CDB8B31E1}"/>
+              </a:ext>
+            </a:extLst>
+          </p:cNvPr>
+          <p:cNvGrpSpPr/>
+          <p:nvPr/>
+        </p:nvGrpSpPr>
+        <p:grpSpPr>
+          <a:xfrm>
+            <a:off x="-828728" y="3008183"/>
+            <a:ext cx="841634" cy="841634"/>
+            <a:chOff x="5675183" y="3005477"/>
+            <a:chExt cx="841634" cy="841634"/>
+          </a:xfrm>
+        </p:grpSpPr>
+        <p:sp>
+          <p:nvSpPr>
+            <p:cNvPr id="27" name="Oval 26">
+              <a:extLst>
+                <a:ext uri="{FF2B5EF4-FFF2-40B4-BE49-F238E27FC236}">
+                  <a16:creationId xmlns:a16="http://schemas.microsoft.com/office/drawing/2014/main" id="{5334645B-6A50-4116-B7AA-3143AEECD4E0}"/>
+                </a:ext>
+              </a:extLst>
+            </p:cNvPr>
+            <p:cNvSpPr/>
+            <p:nvPr/>
+          </p:nvSpPr>
+          <p:spPr>
+            <a:xfrm>
+              <a:off x="5675183" y="3005477"/>
+              <a:ext cx="841634" cy="841634"/>
+            </a:xfrm>
+            <a:prstGeom prst="ellipse">
+              <a:avLst/>
+            </a:prstGeom>
+            <a:solidFill>
+              <a:srgbClr val="FFFFFF"/>
+            </a:solidFill>
+            <a:ln>
+              <a:noFill/>
+            </a:ln>
+          </p:spPr>
+          <p:style>
+            <a:lnRef idx="2">
+              <a:schemeClr val="accent1">
+                <a:shade val="50000"/>
+              </a:schemeClr>
+            </a:lnRef>
+            <a:fillRef idx="1">
+              <a:schemeClr val="accent1"/>
+            </a:fillRef>
+            <a:effectRef idx="0">
+              <a:schemeClr val="accent1"/>
+            </a:effectRef>
+            <a:fontRef idx="minor">
+              <a:schemeClr val="lt1"/>
+            </a:fontRef>
+          </p:style>
+          <p:txBody>
+            <a:bodyPr rtlCol="0" anchor="ctr"/>
+            <a:lstStyle/>
+            <a:p>
+              <a:pPr algn="ctr"/>
+              <a:endParaRPr lang="en-US"/>
+            </a:p>
+          </p:txBody>
+        </p:sp>
+        <p:pic>
+          <p:nvPicPr>
+            <p:cNvPr id="28" name="Graphic 27" descr="Smart Phone">
+              <a:extLst>
+                <a:ext uri="{FF2B5EF4-FFF2-40B4-BE49-F238E27FC236}">
+                  <a16:creationId xmlns:a16="http://schemas.microsoft.com/office/drawing/2014/main" id="{DB2760EB-BFD5-492A-9AE5-9016F9D7FE12}"/>
+                </a:ext>
+              </a:extLst>
+            </p:cNvPr>
+            <p:cNvPicPr>
+              <a:picLocks noChangeAspect="1"/>
+            </p:cNvPicPr>
+            <p:nvPr/>
+          </p:nvPicPr>
+          <p:blipFill>
+            <a:blip r:embed="rId10">
+              <a:extLst>
+                <a:ext uri="{28A0092B-C50C-407E-A947-70E740481C1C}">
+                  <a14:useLocalDpi xmlns:a14="http://schemas.microsoft.com/office/drawing/2010/main" val="0"/>
+                </a:ext>
+                <a:ext uri="{96DAC541-7B7A-43D3-8B79-37D633B846F1}">
+                  <asvg:svgBlip xmlns:asvg="http://schemas.microsoft.com/office/drawing/2016/SVG/main" r:embed="rId11"/>
+                </a:ext>
+              </a:extLst>
+            </a:blip>
+            <a:stretch>
+              <a:fillRect/>
+            </a:stretch>
+          </p:blipFill>
+          <p:spPr>
+            <a:xfrm flipV="1">
+              <a:off x="5806902" y="3137198"/>
+              <a:ext cx="578191" cy="578191"/>
+            </a:xfrm>
+            <a:prstGeom prst="rect">
+              <a:avLst/>
+            </a:prstGeom>
+          </p:spPr>
+        </p:pic>
+      </p:grpSp>
+      <p:sp>
+        <p:nvSpPr>
+          <p:cNvPr id="7" name="Freeform: Shape 6">
+            <a:extLst>
+              <a:ext uri="{FF2B5EF4-FFF2-40B4-BE49-F238E27FC236}">
+                <a16:creationId xmlns:a16="http://schemas.microsoft.com/office/drawing/2014/main" id="{5A2BD58B-DFA7-4354-9A74-88629C334E85}"/>
+              </a:ext>
+            </a:extLst>
+          </p:cNvPr>
+          <p:cNvSpPr/>
+          <p:nvPr/>
+        </p:nvSpPr>
+        <p:spPr>
+          <a:xfrm rot="10800000">
+            <a:off x="1739" y="-12605312"/>
+            <a:ext cx="1449238" cy="23553174"/>
+          </a:xfrm>
+          <a:custGeom>
+            <a:avLst/>
+            <a:gdLst>
+              <a:gd name="connsiteX0" fmla="*/ 0 w 1449238"/>
+              <a:gd name="connsiteY0" fmla="*/ 23553174 h 23553174"/>
+              <a:gd name="connsiteX1" fmla="*/ 0 w 1449238"/>
+              <a:gd name="connsiteY1" fmla="*/ 7057620 h 23553174"/>
+              <a:gd name="connsiteX2" fmla="*/ 828826 w 1449238"/>
+              <a:gd name="connsiteY2" fmla="*/ 6213536 h 23553174"/>
+              <a:gd name="connsiteX3" fmla="*/ 0 w 1449238"/>
+              <a:gd name="connsiteY3" fmla="*/ 5369453 h 23553174"/>
+              <a:gd name="connsiteX4" fmla="*/ 0 w 1449238"/>
+              <a:gd name="connsiteY4" fmla="*/ 0 h 23553174"/>
+              <a:gd name="connsiteX5" fmla="*/ 1449238 w 1449238"/>
+              <a:gd name="connsiteY5" fmla="*/ 0 h 23553174"/>
+              <a:gd name="connsiteX6" fmla="*/ 1449238 w 1449238"/>
+              <a:gd name="connsiteY6" fmla="*/ 23553174 h 23553174"/>
+              <a:gd name="connsiteX0" fmla="*/ 0 w 1449238"/>
+              <a:gd name="connsiteY0" fmla="*/ 23553174 h 23553174"/>
+              <a:gd name="connsiteX1" fmla="*/ 0 w 1449238"/>
+              <a:gd name="connsiteY1" fmla="*/ 7057620 h 23553174"/>
+              <a:gd name="connsiteX2" fmla="*/ 828826 w 1449238"/>
+              <a:gd name="connsiteY2" fmla="*/ 6213536 h 23553174"/>
+              <a:gd name="connsiteX3" fmla="*/ 0 w 1449238"/>
+              <a:gd name="connsiteY3" fmla="*/ 5369453 h 23553174"/>
+              <a:gd name="connsiteX4" fmla="*/ 0 w 1449238"/>
+              <a:gd name="connsiteY4" fmla="*/ 0 h 23553174"/>
+              <a:gd name="connsiteX5" fmla="*/ 1449238 w 1449238"/>
+              <a:gd name="connsiteY5" fmla="*/ 0 h 23553174"/>
+              <a:gd name="connsiteX6" fmla="*/ 1449238 w 1449238"/>
+              <a:gd name="connsiteY6" fmla="*/ 23553174 h 23553174"/>
+              <a:gd name="connsiteX7" fmla="*/ 0 w 1449238"/>
+              <a:gd name="connsiteY7" fmla="*/ 23553174 h 23553174"/>
+              <a:gd name="connsiteX0" fmla="*/ 0 w 1449238"/>
+              <a:gd name="connsiteY0" fmla="*/ 23553174 h 23553174"/>
+              <a:gd name="connsiteX1" fmla="*/ 0 w 1449238"/>
+              <a:gd name="connsiteY1" fmla="*/ 7057620 h 23553174"/>
+              <a:gd name="connsiteX2" fmla="*/ 828826 w 1449238"/>
+              <a:gd name="connsiteY2" fmla="*/ 6213536 h 23553174"/>
+              <a:gd name="connsiteX3" fmla="*/ 0 w 1449238"/>
+              <a:gd name="connsiteY3" fmla="*/ 5369453 h 23553174"/>
+              <a:gd name="connsiteX4" fmla="*/ 0 w 1449238"/>
+              <a:gd name="connsiteY4" fmla="*/ 0 h 23553174"/>
+              <a:gd name="connsiteX5" fmla="*/ 1449238 w 1449238"/>
+              <a:gd name="connsiteY5" fmla="*/ 0 h 23553174"/>
+              <a:gd name="connsiteX6" fmla="*/ 1449238 w 1449238"/>
+              <a:gd name="connsiteY6" fmla="*/ 23553174 h 23553174"/>
+              <a:gd name="connsiteX7" fmla="*/ 0 w 1449238"/>
+              <a:gd name="connsiteY7" fmla="*/ 23553174 h 23553174"/>
+              <a:gd name="connsiteX0" fmla="*/ 0 w 1449238"/>
+              <a:gd name="connsiteY0" fmla="*/ 23553174 h 23553174"/>
+              <a:gd name="connsiteX1" fmla="*/ 0 w 1449238"/>
+              <a:gd name="connsiteY1" fmla="*/ 7057620 h 23553174"/>
+              <a:gd name="connsiteX2" fmla="*/ 828826 w 1449238"/>
+              <a:gd name="connsiteY2" fmla="*/ 6213536 h 23553174"/>
+              <a:gd name="connsiteX3" fmla="*/ 0 w 1449238"/>
+              <a:gd name="connsiteY3" fmla="*/ 5369453 h 23553174"/>
+              <a:gd name="connsiteX4" fmla="*/ 0 w 1449238"/>
+              <a:gd name="connsiteY4" fmla="*/ 0 h 23553174"/>
+              <a:gd name="connsiteX5" fmla="*/ 1449238 w 1449238"/>
+              <a:gd name="connsiteY5" fmla="*/ 0 h 23553174"/>
+              <a:gd name="connsiteX6" fmla="*/ 1449238 w 1449238"/>
+              <a:gd name="connsiteY6" fmla="*/ 23553174 h 23553174"/>
+              <a:gd name="connsiteX7" fmla="*/ 0 w 1449238"/>
+              <a:gd name="connsiteY7" fmla="*/ 23553174 h 23553174"/>
+              <a:gd name="connsiteX0" fmla="*/ 0 w 1449238"/>
+              <a:gd name="connsiteY0" fmla="*/ 23553174 h 23553174"/>
+              <a:gd name="connsiteX1" fmla="*/ 0 w 1449238"/>
+              <a:gd name="connsiteY1" fmla="*/ 7057620 h 23553174"/>
+              <a:gd name="connsiteX2" fmla="*/ 828826 w 1449238"/>
+              <a:gd name="connsiteY2" fmla="*/ 6213536 h 23553174"/>
+              <a:gd name="connsiteX3" fmla="*/ 0 w 1449238"/>
+              <a:gd name="connsiteY3" fmla="*/ 5369453 h 23553174"/>
+              <a:gd name="connsiteX4" fmla="*/ 0 w 1449238"/>
+              <a:gd name="connsiteY4" fmla="*/ 0 h 23553174"/>
+              <a:gd name="connsiteX5" fmla="*/ 1449238 w 1449238"/>
+              <a:gd name="connsiteY5" fmla="*/ 0 h 23553174"/>
+              <a:gd name="connsiteX6" fmla="*/ 1449238 w 1449238"/>
+              <a:gd name="connsiteY6" fmla="*/ 23553174 h 23553174"/>
+              <a:gd name="connsiteX7" fmla="*/ 0 w 1449238"/>
+              <a:gd name="connsiteY7" fmla="*/ 23553174 h 23553174"/>
+              <a:gd name="connsiteX0" fmla="*/ 0 w 1449238"/>
+              <a:gd name="connsiteY0" fmla="*/ 23553174 h 23553174"/>
+              <a:gd name="connsiteX1" fmla="*/ 0 w 1449238"/>
+              <a:gd name="connsiteY1" fmla="*/ 7057620 h 23553174"/>
+              <a:gd name="connsiteX2" fmla="*/ 581176 w 1449238"/>
+              <a:gd name="connsiteY2" fmla="*/ 6213536 h 23553174"/>
+              <a:gd name="connsiteX3" fmla="*/ 0 w 1449238"/>
+              <a:gd name="connsiteY3" fmla="*/ 5369453 h 23553174"/>
+              <a:gd name="connsiteX4" fmla="*/ 0 w 1449238"/>
+              <a:gd name="connsiteY4" fmla="*/ 0 h 23553174"/>
+              <a:gd name="connsiteX5" fmla="*/ 1449238 w 1449238"/>
+              <a:gd name="connsiteY5" fmla="*/ 0 h 23553174"/>
+              <a:gd name="connsiteX6" fmla="*/ 1449238 w 1449238"/>
+              <a:gd name="connsiteY6" fmla="*/ 23553174 h 23553174"/>
+              <a:gd name="connsiteX7" fmla="*/ 0 w 1449238"/>
+              <a:gd name="connsiteY7" fmla="*/ 23553174 h 23553174"/>
+              <a:gd name="connsiteX0" fmla="*/ 0 w 1449238"/>
+              <a:gd name="connsiteY0" fmla="*/ 23553174 h 23553174"/>
+              <a:gd name="connsiteX1" fmla="*/ 0 w 1449238"/>
+              <a:gd name="connsiteY1" fmla="*/ 7057620 h 23553174"/>
+              <a:gd name="connsiteX2" fmla="*/ 564507 w 1449238"/>
+              <a:gd name="connsiteY2" fmla="*/ 6215918 h 23553174"/>
+              <a:gd name="connsiteX3" fmla="*/ 0 w 1449238"/>
+              <a:gd name="connsiteY3" fmla="*/ 5369453 h 23553174"/>
+              <a:gd name="connsiteX4" fmla="*/ 0 w 1449238"/>
+              <a:gd name="connsiteY4" fmla="*/ 0 h 23553174"/>
+              <a:gd name="connsiteX5" fmla="*/ 1449238 w 1449238"/>
+              <a:gd name="connsiteY5" fmla="*/ 0 h 23553174"/>
+              <a:gd name="connsiteX6" fmla="*/ 1449238 w 1449238"/>
+              <a:gd name="connsiteY6" fmla="*/ 23553174 h 23553174"/>
+              <a:gd name="connsiteX7" fmla="*/ 0 w 1449238"/>
+              <a:gd name="connsiteY7" fmla="*/ 23553174 h 23553174"/>
+            </a:gdLst>
+            <a:ahLst/>
+            <a:cxnLst>
+              <a:cxn ang="0">
+                <a:pos x="connsiteX0" y="connsiteY0"/>
+              </a:cxn>
+              <a:cxn ang="0">
+                <a:pos x="connsiteX1" y="connsiteY1"/>
+              </a:cxn>
+              <a:cxn ang="0">
+                <a:pos x="connsiteX2" y="connsiteY2"/>
+              </a:cxn>
+              <a:cxn ang="0">
+                <a:pos x="connsiteX3" y="connsiteY3"/>
+              </a:cxn>
+              <a:cxn ang="0">
+                <a:pos x="connsiteX4" y="connsiteY4"/>
+              </a:cxn>
+              <a:cxn ang="0">
+                <a:pos x="connsiteX5" y="connsiteY5"/>
+              </a:cxn>
+              <a:cxn ang="0">
+                <a:pos x="connsiteX6" y="connsiteY6"/>
+              </a:cxn>
+              <a:cxn ang="0">
+                <a:pos x="connsiteX7" y="connsiteY7"/>
+              </a:cxn>
+            </a:cxnLst>
+            <a:rect l="l" t="t" r="r" b="b"/>
+            <a:pathLst>
+              <a:path w="1449238" h="23553174">
+                <a:moveTo>
+                  <a:pt x="0" y="23553174"/>
+                </a:moveTo>
+                <a:lnTo>
+                  <a:pt x="0" y="7057620"/>
+                </a:lnTo>
+                <a:cubicBezTo>
+                  <a:pt x="4812" y="6633384"/>
+                  <a:pt x="564557" y="6719529"/>
+                  <a:pt x="564507" y="6215918"/>
+                </a:cubicBezTo>
+                <a:cubicBezTo>
+                  <a:pt x="564457" y="5712307"/>
+                  <a:pt x="2431" y="5798452"/>
+                  <a:pt x="0" y="5369453"/>
+                </a:cubicBezTo>
+                <a:lnTo>
+                  <a:pt x="0" y="0"/>
+                </a:lnTo>
+                <a:lnTo>
+                  <a:pt x="1449238" y="0"/>
+                </a:lnTo>
+                <a:lnTo>
+                  <a:pt x="1449238" y="23553174"/>
+                </a:lnTo>
+                <a:lnTo>
+                  <a:pt x="0" y="23553174"/>
+                </a:lnTo>
+                <a:close/>
+              </a:path>
+            </a:pathLst>
+          </a:custGeom>
+          <a:solidFill>
+            <a:schemeClr val="bg1"/>
+          </a:solidFill>
+          <a:ln>
+            <a:noFill/>
+          </a:ln>
+        </p:spPr>
+        <p:style>
+          <a:lnRef idx="2">
+            <a:schemeClr val="accent1">
+              <a:shade val="50000"/>
+            </a:schemeClr>
+          </a:lnRef>
+          <a:fillRef idx="1">
+            <a:schemeClr val="accent1"/>
+          </a:fillRef>
+          <a:effectRef idx="0">
+            <a:schemeClr val="accent1"/>
+          </a:effectRef>
+          <a:fontRef idx="minor">
+            <a:schemeClr val="lt1"/>
+          </a:fontRef>
+        </p:style>
+        <p:txBody>
+          <a:bodyPr wrap="square" rtlCol="0" anchor="ctr">
+            <a:noAutofit/>
+          </a:bodyPr>
+          <a:lstStyle/>
+          <a:p>
+            <a:pPr algn="ctr"/>
+            <a:endParaRPr lang="en-US"/>
+          </a:p>
+        </p:txBody>
+      </p:sp>
+      <p:pic>
+        <p:nvPicPr>
+          <p:cNvPr id="21" name="Graphic 20" descr="Group of men">
+            <a:hlinkClick r:id="rId12" action="ppaction://hlinksldjump"/>
+            <a:extLst>
+              <a:ext uri="{FF2B5EF4-FFF2-40B4-BE49-F238E27FC236}">
+                <a16:creationId xmlns:a16="http://schemas.microsoft.com/office/drawing/2014/main" id="{4AA650BB-E676-4007-863D-589AFB3FD0DE}"/>
+              </a:ext>
+            </a:extLst>
+          </p:cNvPr>
+          <p:cNvPicPr>
+            <a:picLocks noChangeAspect="1"/>
+          </p:cNvPicPr>
+          <p:nvPr/>
+        </p:nvPicPr>
+        <p:blipFill>
+          <a:blip r:embed="rId13">
+            <a:extLst>
+              <a:ext uri="{28A0092B-C50C-407E-A947-70E740481C1C}">
+                <a14:useLocalDpi xmlns:a14="http://schemas.microsoft.com/office/drawing/2010/main" val="0"/>
+              </a:ext>
+              <a:ext uri="{96DAC541-7B7A-43D3-8B79-37D633B846F1}">
+                <asvg:svgBlip xmlns:asvg="http://schemas.microsoft.com/office/drawing/2016/SVG/main" r:embed="rId14"/>
+              </a:ext>
+            </a:extLst>
+          </a:blip>
+          <a:stretch>
+            <a:fillRect/>
+          </a:stretch>
+        </p:blipFill>
+        <p:spPr>
+          <a:xfrm>
+            <a:off x="437264" y="582884"/>
+            <a:ext cx="578191" cy="578191"/>
+          </a:xfrm>
+          <a:prstGeom prst="rect">
+            <a:avLst/>
+          </a:prstGeom>
+        </p:spPr>
+      </p:pic>
+      <p:pic>
+        <p:nvPicPr>
+          <p:cNvPr id="22" name="Graphic 21" descr="Server">
+            <a:hlinkClick r:id="rId15" action="ppaction://hlinksldjump"/>
+            <a:extLst>
+              <a:ext uri="{FF2B5EF4-FFF2-40B4-BE49-F238E27FC236}">
+                <a16:creationId xmlns:a16="http://schemas.microsoft.com/office/drawing/2014/main" id="{B8110363-1CD4-4C38-9249-D40C357C6484}"/>
+              </a:ext>
+            </a:extLst>
+          </p:cNvPr>
+          <p:cNvPicPr>
+            <a:picLocks noChangeAspect="1"/>
+          </p:cNvPicPr>
+          <p:nvPr/>
+        </p:nvPicPr>
+        <p:blipFill>
+          <a:blip r:embed="rId16">
+            <a:extLst>
+              <a:ext uri="{28A0092B-C50C-407E-A947-70E740481C1C}">
+                <a14:useLocalDpi xmlns:a14="http://schemas.microsoft.com/office/drawing/2010/main" val="0"/>
+              </a:ext>
+              <a:ext uri="{96DAC541-7B7A-43D3-8B79-37D633B846F1}">
+                <asvg:svgBlip xmlns:asvg="http://schemas.microsoft.com/office/drawing/2016/SVG/main" r:embed="rId17"/>
+              </a:ext>
+            </a:extLst>
+          </a:blip>
+          <a:stretch>
+            <a:fillRect/>
+          </a:stretch>
+        </p:blipFill>
+        <p:spPr>
+          <a:xfrm>
+            <a:off x="437264" y="1875053"/>
+            <a:ext cx="578191" cy="578191"/>
+          </a:xfrm>
+          <a:prstGeom prst="rect">
+            <a:avLst/>
+          </a:prstGeom>
+        </p:spPr>
+      </p:pic>
+      <p:pic>
+        <p:nvPicPr>
+          <p:cNvPr id="23" name="Graphic 22" descr="Smart Phone">
+            <a:hlinkClick r:id="rId18" action="ppaction://hlinksldjump"/>
+            <a:extLst>
+              <a:ext uri="{FF2B5EF4-FFF2-40B4-BE49-F238E27FC236}">
+                <a16:creationId xmlns:a16="http://schemas.microsoft.com/office/drawing/2014/main" id="{15D99AFC-B954-439F-8FB7-B7EE2A89C5AC}"/>
+              </a:ext>
+            </a:extLst>
+          </p:cNvPr>
+          <p:cNvPicPr>
+            <a:picLocks noChangeAspect="1"/>
+          </p:cNvPicPr>
+          <p:nvPr/>
+        </p:nvPicPr>
+        <p:blipFill>
+          <a:blip r:embed="rId19">
+            <a:extLst>
+              <a:ext uri="{28A0092B-C50C-407E-A947-70E740481C1C}">
+                <a14:useLocalDpi xmlns:a14="http://schemas.microsoft.com/office/drawing/2010/main" val="0"/>
+              </a:ext>
+              <a:ext uri="{96DAC541-7B7A-43D3-8B79-37D633B846F1}">
+                <asvg:svgBlip xmlns:asvg="http://schemas.microsoft.com/office/drawing/2016/SVG/main" r:embed="rId20"/>
+              </a:ext>
+            </a:extLst>
+          </a:blip>
+          <a:stretch>
+            <a:fillRect/>
+          </a:stretch>
+        </p:blipFill>
+        <p:spPr>
+          <a:xfrm flipV="1">
+            <a:off x="437265" y="3149428"/>
+            <a:ext cx="578191" cy="578191"/>
+          </a:xfrm>
+          <a:prstGeom prst="rect">
+            <a:avLst/>
+          </a:prstGeom>
+        </p:spPr>
+      </p:pic>
+      <p:pic>
+        <p:nvPicPr>
+          <p:cNvPr id="24" name="Graphic 23" descr="Computer">
+            <a:hlinkClick r:id="rId21" action="ppaction://hlinksldjump"/>
+            <a:extLst>
+              <a:ext uri="{FF2B5EF4-FFF2-40B4-BE49-F238E27FC236}">
+                <a16:creationId xmlns:a16="http://schemas.microsoft.com/office/drawing/2014/main" id="{422E0659-8245-4561-9901-0FAE60DC4340}"/>
+              </a:ext>
+            </a:extLst>
+          </p:cNvPr>
+          <p:cNvPicPr>
+            <a:picLocks noChangeAspect="1"/>
+          </p:cNvPicPr>
+          <p:nvPr/>
+        </p:nvPicPr>
+        <p:blipFill>
+          <a:blip r:embed="rId22">
+            <a:extLst>
+              <a:ext uri="{28A0092B-C50C-407E-A947-70E740481C1C}">
+                <a14:useLocalDpi xmlns:a14="http://schemas.microsoft.com/office/drawing/2010/main" val="0"/>
+              </a:ext>
+              <a:ext uri="{96DAC541-7B7A-43D3-8B79-37D633B846F1}">
+                <asvg:svgBlip xmlns:asvg="http://schemas.microsoft.com/office/drawing/2016/SVG/main" r:embed="rId23"/>
+              </a:ext>
+            </a:extLst>
+          </a:blip>
+          <a:stretch>
+            <a:fillRect/>
+          </a:stretch>
+        </p:blipFill>
+        <p:spPr>
+          <a:xfrm>
+            <a:off x="437263" y="4432700"/>
+            <a:ext cx="578191" cy="578191"/>
+          </a:xfrm>
+          <a:prstGeom prst="rect">
+            <a:avLst/>
+          </a:prstGeom>
+        </p:spPr>
+      </p:pic>
+      <p:pic>
+        <p:nvPicPr>
+          <p:cNvPr id="25" name="Graphic 24" descr="Web design">
+            <a:hlinkClick r:id="rId24" action="ppaction://hlinksldjump"/>
+            <a:extLst>
+              <a:ext uri="{FF2B5EF4-FFF2-40B4-BE49-F238E27FC236}">
+                <a16:creationId xmlns:a16="http://schemas.microsoft.com/office/drawing/2014/main" id="{857C58E7-8255-48EF-8A84-23DEA9088E64}"/>
+              </a:ext>
+            </a:extLst>
+          </p:cNvPr>
+          <p:cNvPicPr>
+            <a:picLocks noChangeAspect="1"/>
+          </p:cNvPicPr>
+          <p:nvPr/>
+        </p:nvPicPr>
+        <p:blipFill>
+          <a:blip r:embed="rId25">
+            <a:extLst>
+              <a:ext uri="{28A0092B-C50C-407E-A947-70E740481C1C}">
+                <a14:useLocalDpi xmlns:a14="http://schemas.microsoft.com/office/drawing/2010/main" val="0"/>
+              </a:ext>
+              <a:ext uri="{96DAC541-7B7A-43D3-8B79-37D633B846F1}">
+                <asvg:svgBlip xmlns:asvg="http://schemas.microsoft.com/office/drawing/2016/SVG/main" r:embed="rId26"/>
+              </a:ext>
+            </a:extLst>
+          </a:blip>
+          <a:stretch>
+            <a:fillRect/>
+          </a:stretch>
+        </p:blipFill>
+        <p:spPr>
+          <a:xfrm>
+            <a:off x="437268" y="5715972"/>
+            <a:ext cx="578191" cy="578191"/>
+          </a:xfrm>
+          <a:prstGeom prst="rect">
+            <a:avLst/>
+          </a:prstGeom>
+        </p:spPr>
+      </p:pic>
+      <p:sp>
+        <p:nvSpPr>
+          <p:cNvPr id="29" name="TextBox 28">
+            <a:extLst>
+              <a:ext uri="{FF2B5EF4-FFF2-40B4-BE49-F238E27FC236}">
+                <a16:creationId xmlns:a16="http://schemas.microsoft.com/office/drawing/2014/main" id="{84B18E10-7FF1-4BE4-B836-EE2E992B7943}"/>
+              </a:ext>
+            </a:extLst>
+          </p:cNvPr>
+          <p:cNvSpPr txBox="1"/>
+          <p:nvPr/>
+        </p:nvSpPr>
+        <p:spPr>
+          <a:xfrm>
+            <a:off x="2900217" y="582884"/>
+            <a:ext cx="7914968" cy="1015663"/>
+          </a:xfrm>
+          <a:prstGeom prst="rect">
+            <a:avLst/>
+          </a:prstGeom>
+          <a:noFill/>
+        </p:spPr>
+        <p:txBody>
+          <a:bodyPr wrap="square" rtlCol="0">
+            <a:spAutoFit/>
+          </a:bodyPr>
+          <a:lstStyle/>
+          <a:p>
+            <a:r>
+              <a:rPr lang="en-US" sz="6000" dirty="0" err="1">
+                <a:solidFill>
+                  <a:schemeClr val="tx1">
+                    <a:lumMod val="75000"/>
+                    <a:lumOff val="25000"/>
+                  </a:schemeClr>
+                </a:solidFill>
+              </a:rPr>
+              <a:t>Tervek</a:t>
+            </a:r>
+            <a:endParaRPr lang="en-US" sz="6000" dirty="0">
+              <a:solidFill>
+                <a:schemeClr val="tx1">
+                  <a:lumMod val="75000"/>
+                  <a:lumOff val="25000"/>
+                </a:schemeClr>
+              </a:solidFill>
+            </a:endParaRPr>
+          </a:p>
+        </p:txBody>
+      </p:sp>
+      <p:sp>
+        <p:nvSpPr>
+          <p:cNvPr id="30" name="TextBox 29">
+            <a:extLst>
+              <a:ext uri="{FF2B5EF4-FFF2-40B4-BE49-F238E27FC236}">
+                <a16:creationId xmlns:a16="http://schemas.microsoft.com/office/drawing/2014/main" id="{55E7C0FD-A2B6-4D81-889C-E04B010DF2D7}"/>
+              </a:ext>
+            </a:extLst>
+          </p:cNvPr>
+          <p:cNvSpPr txBox="1"/>
+          <p:nvPr/>
+        </p:nvSpPr>
+        <p:spPr>
+          <a:xfrm>
+            <a:off x="2900218" y="2238194"/>
+            <a:ext cx="7914968" cy="671851"/>
+          </a:xfrm>
+          <a:prstGeom prst="rect">
+            <a:avLst/>
+          </a:prstGeom>
+          <a:noFill/>
+        </p:spPr>
+        <p:txBody>
+          <a:bodyPr wrap="square" rtlCol="0">
+            <a:spAutoFit/>
+          </a:bodyPr>
+          <a:lstStyle/>
+          <a:p>
+            <a:pPr marL="285750" indent="-285750">
+              <a:lnSpc>
+                <a:spcPct val="150000"/>
+              </a:lnSpc>
+              <a:buFont typeface="Arial" panose="020B0604020202020204" pitchFamily="34" charset="0"/>
+              <a:buChar char="•"/>
+            </a:pPr>
+            <a:r>
+              <a:rPr lang="en-GB" sz="2800" dirty="0">
+                <a:solidFill>
+                  <a:schemeClr val="tx1">
+                    <a:lumMod val="75000"/>
+                    <a:lumOff val="25000"/>
+                  </a:schemeClr>
+                </a:solidFill>
+              </a:rPr>
+              <a:t>P</a:t>
+            </a:r>
+          </a:p>
+        </p:txBody>
+      </p:sp>
+    </p:spTree>
+    <p:extLst>
+      <p:ext uri="{BB962C8B-B14F-4D97-AF65-F5344CB8AC3E}">
+        <p14:creationId xmlns:p14="http://schemas.microsoft.com/office/powerpoint/2010/main" val="2256650286"/>
+      </p:ext>
+    </p:extLst>
+  </p:cSld>
+  <p:clrMapOvr>
+    <a:masterClrMapping/>
+  </p:clrMapOvr>
+  <mc:AlternateContent xmlns:mc="http://schemas.openxmlformats.org/markup-compatibility/2006">
+    <mc:Choice xmlns:p159="http://schemas.microsoft.com/office/powerpoint/2015/09/main" Requires="p159">
+      <p:transition spd="med">
+        <p159:morph option="byObject"/>
+      </p:transition>
+    </mc:Choice>
+    <mc:Fallback>
+      <p:transition spd="med">
+        <p:fade/>
+      </p:transition>
+    </mc:Fallback>
+  </mc:AlternateContent>
+</p:sld>
+</file>
+
+<file path=ppt/slides/slide19.xml><?xml version="1.0" encoding="utf-8"?>
+<p:sld xmlns:a="http://schemas.openxmlformats.org/drawingml/2006/main" xmlns:r="http://schemas.openxmlformats.org/officeDocument/2006/relationships" xmlns:p="http://schemas.openxmlformats.org/presentationml/2006/main">
+  <p:cSld>
+    <p:bg>
+      <p:bgPr>
+        <a:solidFill>
+          <a:srgbClr val="E2E2E2"/>
+        </a:solidFill>
+        <a:effectLst/>
+      </p:bgPr>
+    </p:bg>
+    <p:spTree>
+      <p:nvGrpSpPr>
+        <p:cNvPr id="1" name=""/>
+        <p:cNvGrpSpPr/>
+        <p:nvPr/>
+      </p:nvGrpSpPr>
+      <p:grpSpPr>
+        <a:xfrm>
+          <a:off x="0" y="0"/>
+          <a:ext cx="0" cy="0"/>
+          <a:chOff x="0" y="0"/>
+          <a:chExt cx="0" cy="0"/>
+        </a:xfrm>
+      </p:grpSpPr>
+      <p:grpSp>
+        <p:nvGrpSpPr>
+          <p:cNvPr id="8" name="Group 7">
+            <a:extLst>
+              <a:ext uri="{FF2B5EF4-FFF2-40B4-BE49-F238E27FC236}">
+                <a16:creationId xmlns:a16="http://schemas.microsoft.com/office/drawing/2014/main" id="{B7B34FBC-4A34-424B-BA15-1A80AC36900F}"/>
+              </a:ext>
+            </a:extLst>
+          </p:cNvPr>
+          <p:cNvGrpSpPr/>
+          <p:nvPr/>
+        </p:nvGrpSpPr>
+        <p:grpSpPr>
+          <a:xfrm>
+            <a:off x="-841634" y="451163"/>
+            <a:ext cx="841634" cy="841634"/>
+            <a:chOff x="-841634" y="451163"/>
+            <a:chExt cx="841634" cy="841634"/>
+          </a:xfrm>
+        </p:grpSpPr>
+        <p:sp>
+          <p:nvSpPr>
+            <p:cNvPr id="10" name="Oval 9">
+              <a:extLst>
+                <a:ext uri="{FF2B5EF4-FFF2-40B4-BE49-F238E27FC236}">
+                  <a16:creationId xmlns:a16="http://schemas.microsoft.com/office/drawing/2014/main" id="{88D34821-8CDE-4C32-9188-9467DF249A1D}"/>
+                </a:ext>
+              </a:extLst>
+            </p:cNvPr>
+            <p:cNvSpPr/>
+            <p:nvPr/>
+          </p:nvSpPr>
+          <p:spPr>
+            <a:xfrm>
+              <a:off x="-841634" y="451163"/>
+              <a:ext cx="841634" cy="841634"/>
+            </a:xfrm>
+            <a:prstGeom prst="ellipse">
+              <a:avLst/>
+            </a:prstGeom>
+            <a:solidFill>
+              <a:schemeClr val="bg1"/>
+            </a:solidFill>
+            <a:ln>
+              <a:noFill/>
+            </a:ln>
+          </p:spPr>
+          <p:style>
+            <a:lnRef idx="2">
+              <a:schemeClr val="accent1">
+                <a:shade val="50000"/>
+              </a:schemeClr>
+            </a:lnRef>
+            <a:fillRef idx="1">
+              <a:schemeClr val="accent1"/>
+            </a:fillRef>
+            <a:effectRef idx="0">
+              <a:schemeClr val="accent1"/>
+            </a:effectRef>
+            <a:fontRef idx="minor">
+              <a:schemeClr val="lt1"/>
+            </a:fontRef>
+          </p:style>
+          <p:txBody>
+            <a:bodyPr rtlCol="0" anchor="ctr"/>
+            <a:lstStyle/>
+            <a:p>
+              <a:pPr algn="ctr"/>
+              <a:endParaRPr lang="en-US"/>
+            </a:p>
+          </p:txBody>
+        </p:sp>
+        <p:pic>
+          <p:nvPicPr>
+            <p:cNvPr id="11" name="Graphic 10" descr="Group of men">
+              <a:extLst>
+                <a:ext uri="{FF2B5EF4-FFF2-40B4-BE49-F238E27FC236}">
+                  <a16:creationId xmlns:a16="http://schemas.microsoft.com/office/drawing/2014/main" id="{5858D980-A46F-4373-8D4F-25A3E8AB1F47}"/>
+                </a:ext>
+              </a:extLst>
+            </p:cNvPr>
+            <p:cNvPicPr>
+              <a:picLocks noChangeAspect="1"/>
+            </p:cNvPicPr>
+            <p:nvPr/>
+          </p:nvPicPr>
+          <p:blipFill>
+            <a:blip r:embed="rId2">
+              <a:extLst>
+                <a:ext uri="{28A0092B-C50C-407E-A947-70E740481C1C}">
+                  <a14:useLocalDpi xmlns:a14="http://schemas.microsoft.com/office/drawing/2010/main" val="0"/>
+                </a:ext>
+                <a:ext uri="{96DAC541-7B7A-43D3-8B79-37D633B846F1}">
+                  <asvg:svgBlip xmlns:asvg="http://schemas.microsoft.com/office/drawing/2016/SVG/main" r:embed="rId3"/>
+                </a:ext>
+              </a:extLst>
+            </a:blip>
+            <a:stretch>
+              <a:fillRect/>
+            </a:stretch>
+          </p:blipFill>
+          <p:spPr>
+            <a:xfrm>
+              <a:off x="-715261" y="582884"/>
+              <a:ext cx="578191" cy="578191"/>
+            </a:xfrm>
+            <a:prstGeom prst="rect">
+              <a:avLst/>
+            </a:prstGeom>
+          </p:spPr>
+        </p:pic>
+      </p:grpSp>
+      <p:grpSp>
+        <p:nvGrpSpPr>
+          <p:cNvPr id="12" name="Group 11">
+            <a:extLst>
+              <a:ext uri="{FF2B5EF4-FFF2-40B4-BE49-F238E27FC236}">
+                <a16:creationId xmlns:a16="http://schemas.microsoft.com/office/drawing/2014/main" id="{347D6084-DA64-4D97-A6EB-206A29FFE6F9}"/>
+              </a:ext>
+            </a:extLst>
+          </p:cNvPr>
+          <p:cNvGrpSpPr/>
+          <p:nvPr/>
+        </p:nvGrpSpPr>
+        <p:grpSpPr>
+          <a:xfrm>
+            <a:off x="-846979" y="1734435"/>
+            <a:ext cx="841634" cy="841634"/>
+            <a:chOff x="-846979" y="1734435"/>
+            <a:chExt cx="841634" cy="841634"/>
+          </a:xfrm>
+        </p:grpSpPr>
+        <p:sp>
+          <p:nvSpPr>
+            <p:cNvPr id="13" name="Oval 12">
+              <a:extLst>
+                <a:ext uri="{FF2B5EF4-FFF2-40B4-BE49-F238E27FC236}">
+                  <a16:creationId xmlns:a16="http://schemas.microsoft.com/office/drawing/2014/main" id="{D281FCC0-28D5-4E13-BD7D-7000E784C1BB}"/>
+                </a:ext>
+              </a:extLst>
+            </p:cNvPr>
+            <p:cNvSpPr/>
+            <p:nvPr/>
+          </p:nvSpPr>
+          <p:spPr>
+            <a:xfrm>
+              <a:off x="-846979" y="1734435"/>
+              <a:ext cx="841634" cy="841634"/>
+            </a:xfrm>
+            <a:prstGeom prst="ellipse">
+              <a:avLst/>
+            </a:prstGeom>
+            <a:solidFill>
+              <a:schemeClr val="bg1"/>
+            </a:solidFill>
+            <a:ln>
+              <a:noFill/>
+            </a:ln>
+          </p:spPr>
+          <p:style>
+            <a:lnRef idx="2">
+              <a:schemeClr val="accent1">
+                <a:shade val="50000"/>
+              </a:schemeClr>
+            </a:lnRef>
+            <a:fillRef idx="1">
+              <a:schemeClr val="accent1"/>
+            </a:fillRef>
+            <a:effectRef idx="0">
+              <a:schemeClr val="accent1"/>
+            </a:effectRef>
+            <a:fontRef idx="minor">
+              <a:schemeClr val="lt1"/>
+            </a:fontRef>
+          </p:style>
+          <p:txBody>
+            <a:bodyPr rtlCol="0" anchor="ctr"/>
+            <a:lstStyle/>
+            <a:p>
+              <a:pPr algn="ctr"/>
+              <a:endParaRPr lang="en-US"/>
+            </a:p>
+          </p:txBody>
+        </p:sp>
+        <p:pic>
+          <p:nvPicPr>
+            <p:cNvPr id="14" name="Graphic 13" descr="Server">
+              <a:extLst>
+                <a:ext uri="{FF2B5EF4-FFF2-40B4-BE49-F238E27FC236}">
+                  <a16:creationId xmlns:a16="http://schemas.microsoft.com/office/drawing/2014/main" id="{43E1790F-D61E-48A0-A4CF-939E6EB1EF10}"/>
+                </a:ext>
+              </a:extLst>
+            </p:cNvPr>
+            <p:cNvPicPr>
+              <a:picLocks noChangeAspect="1"/>
+            </p:cNvPicPr>
+            <p:nvPr/>
+          </p:nvPicPr>
+          <p:blipFill>
+            <a:blip r:embed="rId4">
+              <a:extLst>
+                <a:ext uri="{28A0092B-C50C-407E-A947-70E740481C1C}">
+                  <a14:useLocalDpi xmlns:a14="http://schemas.microsoft.com/office/drawing/2010/main" val="0"/>
+                </a:ext>
+                <a:ext uri="{96DAC541-7B7A-43D3-8B79-37D633B846F1}">
+                  <asvg:svgBlip xmlns:asvg="http://schemas.microsoft.com/office/drawing/2016/SVG/main" r:embed="rId5"/>
+                </a:ext>
+              </a:extLst>
+            </a:blip>
+            <a:stretch>
+              <a:fillRect/>
+            </a:stretch>
+          </p:blipFill>
+          <p:spPr>
+            <a:xfrm>
+              <a:off x="-715261" y="1875053"/>
+              <a:ext cx="578191" cy="578191"/>
+            </a:xfrm>
+            <a:prstGeom prst="rect">
+              <a:avLst/>
+            </a:prstGeom>
+          </p:spPr>
+        </p:pic>
+      </p:grpSp>
+      <p:grpSp>
+        <p:nvGrpSpPr>
+          <p:cNvPr id="15" name="Group 14">
+            <a:extLst>
+              <a:ext uri="{FF2B5EF4-FFF2-40B4-BE49-F238E27FC236}">
+                <a16:creationId xmlns:a16="http://schemas.microsoft.com/office/drawing/2014/main" id="{23B7BB71-EDB6-4E73-A524-3296B2799E7F}"/>
+              </a:ext>
+            </a:extLst>
+          </p:cNvPr>
+          <p:cNvGrpSpPr/>
+          <p:nvPr/>
+        </p:nvGrpSpPr>
+        <p:grpSpPr>
+          <a:xfrm>
+            <a:off x="1030161" y="4300979"/>
+            <a:ext cx="841634" cy="841634"/>
+            <a:chOff x="-846979" y="4300979"/>
+            <a:chExt cx="841634" cy="841634"/>
+          </a:xfrm>
+        </p:grpSpPr>
+        <p:sp>
+          <p:nvSpPr>
+            <p:cNvPr id="16" name="Oval 15">
+              <a:extLst>
+                <a:ext uri="{FF2B5EF4-FFF2-40B4-BE49-F238E27FC236}">
+                  <a16:creationId xmlns:a16="http://schemas.microsoft.com/office/drawing/2014/main" id="{A6CE4C22-373D-4000-A618-54CE3F6B307A}"/>
+                </a:ext>
+              </a:extLst>
+            </p:cNvPr>
+            <p:cNvSpPr/>
+            <p:nvPr/>
+          </p:nvSpPr>
+          <p:spPr>
+            <a:xfrm>
+              <a:off x="-846979" y="4300979"/>
+              <a:ext cx="841634" cy="841634"/>
+            </a:xfrm>
+            <a:prstGeom prst="ellipse">
+              <a:avLst/>
+            </a:prstGeom>
+            <a:solidFill>
+              <a:schemeClr val="bg1"/>
+            </a:solidFill>
+            <a:ln>
+              <a:noFill/>
+            </a:ln>
+          </p:spPr>
+          <p:style>
+            <a:lnRef idx="2">
+              <a:schemeClr val="accent1">
+                <a:shade val="50000"/>
+              </a:schemeClr>
+            </a:lnRef>
+            <a:fillRef idx="1">
+              <a:schemeClr val="accent1"/>
+            </a:fillRef>
+            <a:effectRef idx="0">
+              <a:schemeClr val="accent1"/>
+            </a:effectRef>
+            <a:fontRef idx="minor">
+              <a:schemeClr val="lt1"/>
+            </a:fontRef>
+          </p:style>
+          <p:txBody>
+            <a:bodyPr rtlCol="0" anchor="ctr"/>
+            <a:lstStyle/>
+            <a:p>
+              <a:pPr algn="ctr"/>
+              <a:endParaRPr lang="en-US"/>
+            </a:p>
+          </p:txBody>
+        </p:sp>
+        <p:pic>
+          <p:nvPicPr>
+            <p:cNvPr id="17" name="Graphic 16" descr="Computer">
+              <a:extLst>
+                <a:ext uri="{FF2B5EF4-FFF2-40B4-BE49-F238E27FC236}">
+                  <a16:creationId xmlns:a16="http://schemas.microsoft.com/office/drawing/2014/main" id="{F976E3EE-3166-4327-AE9F-C760CA48B465}"/>
+                </a:ext>
+              </a:extLst>
+            </p:cNvPr>
+            <p:cNvPicPr>
+              <a:picLocks noChangeAspect="1"/>
+            </p:cNvPicPr>
+            <p:nvPr/>
+          </p:nvPicPr>
+          <p:blipFill>
+            <a:blip r:embed="rId6">
+              <a:extLst>
+                <a:ext uri="{28A0092B-C50C-407E-A947-70E740481C1C}">
+                  <a14:useLocalDpi xmlns:a14="http://schemas.microsoft.com/office/drawing/2010/main" val="0"/>
+                </a:ext>
+                <a:ext uri="{96DAC541-7B7A-43D3-8B79-37D633B846F1}">
+                  <asvg:svgBlip xmlns:asvg="http://schemas.microsoft.com/office/drawing/2016/SVG/main" r:embed="rId7"/>
+                </a:ext>
+              </a:extLst>
+            </a:blip>
+            <a:stretch>
+              <a:fillRect/>
+            </a:stretch>
+          </p:blipFill>
+          <p:spPr>
+            <a:xfrm>
+              <a:off x="-715262" y="4432700"/>
+              <a:ext cx="578191" cy="578191"/>
+            </a:xfrm>
+            <a:prstGeom prst="rect">
+              <a:avLst/>
+            </a:prstGeom>
+          </p:spPr>
+        </p:pic>
+      </p:grpSp>
+      <p:grpSp>
+        <p:nvGrpSpPr>
+          <p:cNvPr id="18" name="Group 17">
+            <a:extLst>
+              <a:ext uri="{FF2B5EF4-FFF2-40B4-BE49-F238E27FC236}">
+                <a16:creationId xmlns:a16="http://schemas.microsoft.com/office/drawing/2014/main" id="{3C538347-D910-4419-A946-30ADF05A38E5}"/>
+              </a:ext>
+            </a:extLst>
+          </p:cNvPr>
+          <p:cNvGrpSpPr/>
+          <p:nvPr/>
+        </p:nvGrpSpPr>
+        <p:grpSpPr>
+          <a:xfrm>
+            <a:off x="-846981" y="5584251"/>
+            <a:ext cx="841634" cy="841634"/>
+            <a:chOff x="-846981" y="5584251"/>
+            <a:chExt cx="841634" cy="841634"/>
+          </a:xfrm>
+        </p:grpSpPr>
+        <p:sp>
+          <p:nvSpPr>
+            <p:cNvPr id="19" name="Oval 18">
+              <a:extLst>
+                <a:ext uri="{FF2B5EF4-FFF2-40B4-BE49-F238E27FC236}">
+                  <a16:creationId xmlns:a16="http://schemas.microsoft.com/office/drawing/2014/main" id="{874BD915-D504-43DF-A035-470323C4D6E4}"/>
+                </a:ext>
+              </a:extLst>
+            </p:cNvPr>
+            <p:cNvSpPr/>
+            <p:nvPr/>
+          </p:nvSpPr>
+          <p:spPr>
+            <a:xfrm>
+              <a:off x="-846981" y="5584251"/>
+              <a:ext cx="841634" cy="841634"/>
+            </a:xfrm>
+            <a:prstGeom prst="ellipse">
+              <a:avLst/>
+            </a:prstGeom>
+            <a:solidFill>
+              <a:schemeClr val="bg1"/>
+            </a:solidFill>
+            <a:ln>
+              <a:noFill/>
+            </a:ln>
+          </p:spPr>
+          <p:style>
+            <a:lnRef idx="2">
+              <a:schemeClr val="accent1">
+                <a:shade val="50000"/>
+              </a:schemeClr>
+            </a:lnRef>
+            <a:fillRef idx="1">
+              <a:schemeClr val="accent1"/>
+            </a:fillRef>
+            <a:effectRef idx="0">
+              <a:schemeClr val="accent1"/>
+            </a:effectRef>
+            <a:fontRef idx="minor">
+              <a:schemeClr val="lt1"/>
+            </a:fontRef>
+          </p:style>
+          <p:txBody>
+            <a:bodyPr rtlCol="0" anchor="ctr"/>
+            <a:lstStyle/>
+            <a:p>
+              <a:pPr algn="ctr"/>
+              <a:endParaRPr lang="en-US"/>
+            </a:p>
+          </p:txBody>
+        </p:sp>
+        <p:pic>
+          <p:nvPicPr>
+            <p:cNvPr id="20" name="Graphic 19" descr="Web design">
+              <a:extLst>
+                <a:ext uri="{FF2B5EF4-FFF2-40B4-BE49-F238E27FC236}">
+                  <a16:creationId xmlns:a16="http://schemas.microsoft.com/office/drawing/2014/main" id="{F775AF2E-46AB-4101-B58C-36B309E088D2}"/>
+                </a:ext>
+              </a:extLst>
+            </p:cNvPr>
+            <p:cNvPicPr>
+              <a:picLocks noChangeAspect="1"/>
+            </p:cNvPicPr>
+            <p:nvPr/>
+          </p:nvPicPr>
+          <p:blipFill>
+            <a:blip r:embed="rId8">
+              <a:extLst>
+                <a:ext uri="{28A0092B-C50C-407E-A947-70E740481C1C}">
+                  <a14:useLocalDpi xmlns:a14="http://schemas.microsoft.com/office/drawing/2010/main" val="0"/>
+                </a:ext>
+                <a:ext uri="{96DAC541-7B7A-43D3-8B79-37D633B846F1}">
+                  <asvg:svgBlip xmlns:asvg="http://schemas.microsoft.com/office/drawing/2016/SVG/main" r:embed="rId9"/>
+                </a:ext>
+              </a:extLst>
+            </a:blip>
+            <a:stretch>
+              <a:fillRect/>
+            </a:stretch>
+          </p:blipFill>
+          <p:spPr>
+            <a:xfrm>
+              <a:off x="-715257" y="5715972"/>
+              <a:ext cx="578191" cy="578191"/>
+            </a:xfrm>
+            <a:prstGeom prst="rect">
+              <a:avLst/>
+            </a:prstGeom>
+          </p:spPr>
+        </p:pic>
+      </p:grpSp>
+      <p:grpSp>
+        <p:nvGrpSpPr>
+          <p:cNvPr id="26" name="Group 25">
+            <a:extLst>
+              <a:ext uri="{FF2B5EF4-FFF2-40B4-BE49-F238E27FC236}">
+                <a16:creationId xmlns:a16="http://schemas.microsoft.com/office/drawing/2014/main" id="{B8A31E48-1C76-40DC-A0CF-758CDB8B31E1}"/>
+              </a:ext>
+            </a:extLst>
+          </p:cNvPr>
+          <p:cNvGrpSpPr/>
+          <p:nvPr/>
+        </p:nvGrpSpPr>
+        <p:grpSpPr>
+          <a:xfrm>
+            <a:off x="-828728" y="3008183"/>
+            <a:ext cx="841634" cy="841634"/>
+            <a:chOff x="5675183" y="3005477"/>
+            <a:chExt cx="841634" cy="841634"/>
+          </a:xfrm>
+        </p:grpSpPr>
+        <p:sp>
+          <p:nvSpPr>
+            <p:cNvPr id="27" name="Oval 26">
+              <a:extLst>
+                <a:ext uri="{FF2B5EF4-FFF2-40B4-BE49-F238E27FC236}">
+                  <a16:creationId xmlns:a16="http://schemas.microsoft.com/office/drawing/2014/main" id="{5334645B-6A50-4116-B7AA-3143AEECD4E0}"/>
+                </a:ext>
+              </a:extLst>
+            </p:cNvPr>
+            <p:cNvSpPr/>
+            <p:nvPr/>
+          </p:nvSpPr>
+          <p:spPr>
+            <a:xfrm>
+              <a:off x="5675183" y="3005477"/>
+              <a:ext cx="841634" cy="841634"/>
+            </a:xfrm>
+            <a:prstGeom prst="ellipse">
+              <a:avLst/>
+            </a:prstGeom>
+            <a:solidFill>
+              <a:srgbClr val="FFFFFF"/>
+            </a:solidFill>
+            <a:ln>
+              <a:noFill/>
+            </a:ln>
+          </p:spPr>
+          <p:style>
+            <a:lnRef idx="2">
+              <a:schemeClr val="accent1">
+                <a:shade val="50000"/>
+              </a:schemeClr>
+            </a:lnRef>
+            <a:fillRef idx="1">
+              <a:schemeClr val="accent1"/>
+            </a:fillRef>
+            <a:effectRef idx="0">
+              <a:schemeClr val="accent1"/>
+            </a:effectRef>
+            <a:fontRef idx="minor">
+              <a:schemeClr val="lt1"/>
+            </a:fontRef>
+          </p:style>
+          <p:txBody>
+            <a:bodyPr rtlCol="0" anchor="ctr"/>
+            <a:lstStyle/>
+            <a:p>
+              <a:pPr algn="ctr"/>
+              <a:endParaRPr lang="en-US"/>
+            </a:p>
+          </p:txBody>
+        </p:sp>
+        <p:pic>
+          <p:nvPicPr>
+            <p:cNvPr id="28" name="Graphic 27" descr="Smart Phone">
+              <a:extLst>
+                <a:ext uri="{FF2B5EF4-FFF2-40B4-BE49-F238E27FC236}">
+                  <a16:creationId xmlns:a16="http://schemas.microsoft.com/office/drawing/2014/main" id="{DB2760EB-BFD5-492A-9AE5-9016F9D7FE12}"/>
+                </a:ext>
+              </a:extLst>
+            </p:cNvPr>
+            <p:cNvPicPr>
+              <a:picLocks noChangeAspect="1"/>
+            </p:cNvPicPr>
+            <p:nvPr/>
+          </p:nvPicPr>
+          <p:blipFill>
+            <a:blip r:embed="rId10">
+              <a:extLst>
+                <a:ext uri="{28A0092B-C50C-407E-A947-70E740481C1C}">
+                  <a14:useLocalDpi xmlns:a14="http://schemas.microsoft.com/office/drawing/2010/main" val="0"/>
+                </a:ext>
+                <a:ext uri="{96DAC541-7B7A-43D3-8B79-37D633B846F1}">
+                  <asvg:svgBlip xmlns:asvg="http://schemas.microsoft.com/office/drawing/2016/SVG/main" r:embed="rId11"/>
+                </a:ext>
+              </a:extLst>
+            </a:blip>
+            <a:stretch>
+              <a:fillRect/>
+            </a:stretch>
+          </p:blipFill>
+          <p:spPr>
+            <a:xfrm flipV="1">
+              <a:off x="5806902" y="3137198"/>
+              <a:ext cx="578191" cy="578191"/>
+            </a:xfrm>
+            <a:prstGeom prst="rect">
+              <a:avLst/>
+            </a:prstGeom>
+          </p:spPr>
+        </p:pic>
+      </p:grpSp>
+      <p:sp>
+        <p:nvSpPr>
+          <p:cNvPr id="7" name="Freeform: Shape 6">
+            <a:extLst>
+              <a:ext uri="{FF2B5EF4-FFF2-40B4-BE49-F238E27FC236}">
+                <a16:creationId xmlns:a16="http://schemas.microsoft.com/office/drawing/2014/main" id="{5A2BD58B-DFA7-4354-9A74-88629C334E85}"/>
+              </a:ext>
+            </a:extLst>
+          </p:cNvPr>
+          <p:cNvSpPr/>
+          <p:nvPr/>
+        </p:nvSpPr>
+        <p:spPr>
+          <a:xfrm rot="10800000">
+            <a:off x="1739" y="-12605312"/>
+            <a:ext cx="1449238" cy="23553174"/>
+          </a:xfrm>
+          <a:custGeom>
+            <a:avLst/>
+            <a:gdLst>
+              <a:gd name="connsiteX0" fmla="*/ 0 w 1449238"/>
+              <a:gd name="connsiteY0" fmla="*/ 23553174 h 23553174"/>
+              <a:gd name="connsiteX1" fmla="*/ 0 w 1449238"/>
+              <a:gd name="connsiteY1" fmla="*/ 7057620 h 23553174"/>
+              <a:gd name="connsiteX2" fmla="*/ 828826 w 1449238"/>
+              <a:gd name="connsiteY2" fmla="*/ 6213536 h 23553174"/>
+              <a:gd name="connsiteX3" fmla="*/ 0 w 1449238"/>
+              <a:gd name="connsiteY3" fmla="*/ 5369453 h 23553174"/>
+              <a:gd name="connsiteX4" fmla="*/ 0 w 1449238"/>
+              <a:gd name="connsiteY4" fmla="*/ 0 h 23553174"/>
+              <a:gd name="connsiteX5" fmla="*/ 1449238 w 1449238"/>
+              <a:gd name="connsiteY5" fmla="*/ 0 h 23553174"/>
+              <a:gd name="connsiteX6" fmla="*/ 1449238 w 1449238"/>
+              <a:gd name="connsiteY6" fmla="*/ 23553174 h 23553174"/>
+              <a:gd name="connsiteX0" fmla="*/ 0 w 1449238"/>
+              <a:gd name="connsiteY0" fmla="*/ 23553174 h 23553174"/>
+              <a:gd name="connsiteX1" fmla="*/ 0 w 1449238"/>
+              <a:gd name="connsiteY1" fmla="*/ 7057620 h 23553174"/>
+              <a:gd name="connsiteX2" fmla="*/ 828826 w 1449238"/>
+              <a:gd name="connsiteY2" fmla="*/ 6213536 h 23553174"/>
+              <a:gd name="connsiteX3" fmla="*/ 0 w 1449238"/>
+              <a:gd name="connsiteY3" fmla="*/ 5369453 h 23553174"/>
+              <a:gd name="connsiteX4" fmla="*/ 0 w 1449238"/>
+              <a:gd name="connsiteY4" fmla="*/ 0 h 23553174"/>
+              <a:gd name="connsiteX5" fmla="*/ 1449238 w 1449238"/>
+              <a:gd name="connsiteY5" fmla="*/ 0 h 23553174"/>
+              <a:gd name="connsiteX6" fmla="*/ 1449238 w 1449238"/>
+              <a:gd name="connsiteY6" fmla="*/ 23553174 h 23553174"/>
+              <a:gd name="connsiteX7" fmla="*/ 0 w 1449238"/>
+              <a:gd name="connsiteY7" fmla="*/ 23553174 h 23553174"/>
+              <a:gd name="connsiteX0" fmla="*/ 0 w 1449238"/>
+              <a:gd name="connsiteY0" fmla="*/ 23553174 h 23553174"/>
+              <a:gd name="connsiteX1" fmla="*/ 0 w 1449238"/>
+              <a:gd name="connsiteY1" fmla="*/ 7057620 h 23553174"/>
+              <a:gd name="connsiteX2" fmla="*/ 828826 w 1449238"/>
+              <a:gd name="connsiteY2" fmla="*/ 6213536 h 23553174"/>
+              <a:gd name="connsiteX3" fmla="*/ 0 w 1449238"/>
+              <a:gd name="connsiteY3" fmla="*/ 5369453 h 23553174"/>
+              <a:gd name="connsiteX4" fmla="*/ 0 w 1449238"/>
+              <a:gd name="connsiteY4" fmla="*/ 0 h 23553174"/>
+              <a:gd name="connsiteX5" fmla="*/ 1449238 w 1449238"/>
+              <a:gd name="connsiteY5" fmla="*/ 0 h 23553174"/>
+              <a:gd name="connsiteX6" fmla="*/ 1449238 w 1449238"/>
+              <a:gd name="connsiteY6" fmla="*/ 23553174 h 23553174"/>
+              <a:gd name="connsiteX7" fmla="*/ 0 w 1449238"/>
+              <a:gd name="connsiteY7" fmla="*/ 23553174 h 23553174"/>
+              <a:gd name="connsiteX0" fmla="*/ 0 w 1449238"/>
+              <a:gd name="connsiteY0" fmla="*/ 23553174 h 23553174"/>
+              <a:gd name="connsiteX1" fmla="*/ 0 w 1449238"/>
+              <a:gd name="connsiteY1" fmla="*/ 7057620 h 23553174"/>
+              <a:gd name="connsiteX2" fmla="*/ 828826 w 1449238"/>
+              <a:gd name="connsiteY2" fmla="*/ 6213536 h 23553174"/>
+              <a:gd name="connsiteX3" fmla="*/ 0 w 1449238"/>
+              <a:gd name="connsiteY3" fmla="*/ 5369453 h 23553174"/>
+              <a:gd name="connsiteX4" fmla="*/ 0 w 1449238"/>
+              <a:gd name="connsiteY4" fmla="*/ 0 h 23553174"/>
+              <a:gd name="connsiteX5" fmla="*/ 1449238 w 1449238"/>
+              <a:gd name="connsiteY5" fmla="*/ 0 h 23553174"/>
+              <a:gd name="connsiteX6" fmla="*/ 1449238 w 1449238"/>
+              <a:gd name="connsiteY6" fmla="*/ 23553174 h 23553174"/>
+              <a:gd name="connsiteX7" fmla="*/ 0 w 1449238"/>
+              <a:gd name="connsiteY7" fmla="*/ 23553174 h 23553174"/>
+              <a:gd name="connsiteX0" fmla="*/ 0 w 1449238"/>
+              <a:gd name="connsiteY0" fmla="*/ 23553174 h 23553174"/>
+              <a:gd name="connsiteX1" fmla="*/ 0 w 1449238"/>
+              <a:gd name="connsiteY1" fmla="*/ 7057620 h 23553174"/>
+              <a:gd name="connsiteX2" fmla="*/ 828826 w 1449238"/>
+              <a:gd name="connsiteY2" fmla="*/ 6213536 h 23553174"/>
+              <a:gd name="connsiteX3" fmla="*/ 0 w 1449238"/>
+              <a:gd name="connsiteY3" fmla="*/ 5369453 h 23553174"/>
+              <a:gd name="connsiteX4" fmla="*/ 0 w 1449238"/>
+              <a:gd name="connsiteY4" fmla="*/ 0 h 23553174"/>
+              <a:gd name="connsiteX5" fmla="*/ 1449238 w 1449238"/>
+              <a:gd name="connsiteY5" fmla="*/ 0 h 23553174"/>
+              <a:gd name="connsiteX6" fmla="*/ 1449238 w 1449238"/>
+              <a:gd name="connsiteY6" fmla="*/ 23553174 h 23553174"/>
+              <a:gd name="connsiteX7" fmla="*/ 0 w 1449238"/>
+              <a:gd name="connsiteY7" fmla="*/ 23553174 h 23553174"/>
+              <a:gd name="connsiteX0" fmla="*/ 0 w 1449238"/>
+              <a:gd name="connsiteY0" fmla="*/ 23553174 h 23553174"/>
+              <a:gd name="connsiteX1" fmla="*/ 0 w 1449238"/>
+              <a:gd name="connsiteY1" fmla="*/ 7057620 h 23553174"/>
+              <a:gd name="connsiteX2" fmla="*/ 581176 w 1449238"/>
+              <a:gd name="connsiteY2" fmla="*/ 6213536 h 23553174"/>
+              <a:gd name="connsiteX3" fmla="*/ 0 w 1449238"/>
+              <a:gd name="connsiteY3" fmla="*/ 5369453 h 23553174"/>
+              <a:gd name="connsiteX4" fmla="*/ 0 w 1449238"/>
+              <a:gd name="connsiteY4" fmla="*/ 0 h 23553174"/>
+              <a:gd name="connsiteX5" fmla="*/ 1449238 w 1449238"/>
+              <a:gd name="connsiteY5" fmla="*/ 0 h 23553174"/>
+              <a:gd name="connsiteX6" fmla="*/ 1449238 w 1449238"/>
+              <a:gd name="connsiteY6" fmla="*/ 23553174 h 23553174"/>
+              <a:gd name="connsiteX7" fmla="*/ 0 w 1449238"/>
+              <a:gd name="connsiteY7" fmla="*/ 23553174 h 23553174"/>
+              <a:gd name="connsiteX0" fmla="*/ 0 w 1449238"/>
+              <a:gd name="connsiteY0" fmla="*/ 23553174 h 23553174"/>
+              <a:gd name="connsiteX1" fmla="*/ 0 w 1449238"/>
+              <a:gd name="connsiteY1" fmla="*/ 7057620 h 23553174"/>
+              <a:gd name="connsiteX2" fmla="*/ 564507 w 1449238"/>
+              <a:gd name="connsiteY2" fmla="*/ 6215918 h 23553174"/>
+              <a:gd name="connsiteX3" fmla="*/ 0 w 1449238"/>
+              <a:gd name="connsiteY3" fmla="*/ 5369453 h 23553174"/>
+              <a:gd name="connsiteX4" fmla="*/ 0 w 1449238"/>
+              <a:gd name="connsiteY4" fmla="*/ 0 h 23553174"/>
+              <a:gd name="connsiteX5" fmla="*/ 1449238 w 1449238"/>
+              <a:gd name="connsiteY5" fmla="*/ 0 h 23553174"/>
+              <a:gd name="connsiteX6" fmla="*/ 1449238 w 1449238"/>
+              <a:gd name="connsiteY6" fmla="*/ 23553174 h 23553174"/>
+              <a:gd name="connsiteX7" fmla="*/ 0 w 1449238"/>
+              <a:gd name="connsiteY7" fmla="*/ 23553174 h 23553174"/>
+            </a:gdLst>
+            <a:ahLst/>
+            <a:cxnLst>
+              <a:cxn ang="0">
+                <a:pos x="connsiteX0" y="connsiteY0"/>
+              </a:cxn>
+              <a:cxn ang="0">
+                <a:pos x="connsiteX1" y="connsiteY1"/>
+              </a:cxn>
+              <a:cxn ang="0">
+                <a:pos x="connsiteX2" y="connsiteY2"/>
+              </a:cxn>
+              <a:cxn ang="0">
+                <a:pos x="connsiteX3" y="connsiteY3"/>
+              </a:cxn>
+              <a:cxn ang="0">
+                <a:pos x="connsiteX4" y="connsiteY4"/>
+              </a:cxn>
+              <a:cxn ang="0">
+                <a:pos x="connsiteX5" y="connsiteY5"/>
+              </a:cxn>
+              <a:cxn ang="0">
+                <a:pos x="connsiteX6" y="connsiteY6"/>
+              </a:cxn>
+              <a:cxn ang="0">
+                <a:pos x="connsiteX7" y="connsiteY7"/>
+              </a:cxn>
+            </a:cxnLst>
+            <a:rect l="l" t="t" r="r" b="b"/>
+            <a:pathLst>
+              <a:path w="1449238" h="23553174">
+                <a:moveTo>
+                  <a:pt x="0" y="23553174"/>
+                </a:moveTo>
+                <a:lnTo>
+                  <a:pt x="0" y="7057620"/>
+                </a:lnTo>
+                <a:cubicBezTo>
+                  <a:pt x="4812" y="6633384"/>
+                  <a:pt x="564557" y="6719529"/>
+                  <a:pt x="564507" y="6215918"/>
+                </a:cubicBezTo>
+                <a:cubicBezTo>
+                  <a:pt x="564457" y="5712307"/>
+                  <a:pt x="2431" y="5798452"/>
+                  <a:pt x="0" y="5369453"/>
+                </a:cubicBezTo>
+                <a:lnTo>
+                  <a:pt x="0" y="0"/>
+                </a:lnTo>
+                <a:lnTo>
+                  <a:pt x="1449238" y="0"/>
+                </a:lnTo>
+                <a:lnTo>
+                  <a:pt x="1449238" y="23553174"/>
+                </a:lnTo>
+                <a:lnTo>
+                  <a:pt x="0" y="23553174"/>
+                </a:lnTo>
+                <a:close/>
+              </a:path>
+            </a:pathLst>
+          </a:custGeom>
+          <a:solidFill>
+            <a:schemeClr val="bg1"/>
+          </a:solidFill>
+          <a:ln>
+            <a:noFill/>
+          </a:ln>
+        </p:spPr>
+        <p:style>
+          <a:lnRef idx="2">
+            <a:schemeClr val="accent1">
+              <a:shade val="50000"/>
+            </a:schemeClr>
+          </a:lnRef>
+          <a:fillRef idx="1">
+            <a:schemeClr val="accent1"/>
+          </a:fillRef>
+          <a:effectRef idx="0">
+            <a:schemeClr val="accent1"/>
+          </a:effectRef>
+          <a:fontRef idx="minor">
+            <a:schemeClr val="lt1"/>
+          </a:fontRef>
+        </p:style>
+        <p:txBody>
+          <a:bodyPr wrap="square" rtlCol="0" anchor="ctr">
+            <a:noAutofit/>
+          </a:bodyPr>
+          <a:lstStyle/>
+          <a:p>
+            <a:pPr algn="ctr"/>
+            <a:endParaRPr lang="en-US"/>
+          </a:p>
+        </p:txBody>
+      </p:sp>
+      <p:pic>
+        <p:nvPicPr>
+          <p:cNvPr id="21" name="Graphic 20" descr="Group of men">
+            <a:hlinkClick r:id="rId12" action="ppaction://hlinksldjump"/>
+            <a:extLst>
+              <a:ext uri="{FF2B5EF4-FFF2-40B4-BE49-F238E27FC236}">
+                <a16:creationId xmlns:a16="http://schemas.microsoft.com/office/drawing/2014/main" id="{4AA650BB-E676-4007-863D-589AFB3FD0DE}"/>
+              </a:ext>
+            </a:extLst>
+          </p:cNvPr>
+          <p:cNvPicPr>
+            <a:picLocks noChangeAspect="1"/>
+          </p:cNvPicPr>
+          <p:nvPr/>
+        </p:nvPicPr>
+        <p:blipFill>
+          <a:blip r:embed="rId13">
+            <a:extLst>
+              <a:ext uri="{28A0092B-C50C-407E-A947-70E740481C1C}">
+                <a14:useLocalDpi xmlns:a14="http://schemas.microsoft.com/office/drawing/2010/main" val="0"/>
+              </a:ext>
+              <a:ext uri="{96DAC541-7B7A-43D3-8B79-37D633B846F1}">
+                <asvg:svgBlip xmlns:asvg="http://schemas.microsoft.com/office/drawing/2016/SVG/main" r:embed="rId14"/>
+              </a:ext>
+            </a:extLst>
+          </a:blip>
+          <a:stretch>
+            <a:fillRect/>
+          </a:stretch>
+        </p:blipFill>
+        <p:spPr>
+          <a:xfrm>
+            <a:off x="437264" y="582884"/>
+            <a:ext cx="578191" cy="578191"/>
+          </a:xfrm>
+          <a:prstGeom prst="rect">
+            <a:avLst/>
+          </a:prstGeom>
+        </p:spPr>
+      </p:pic>
+      <p:pic>
+        <p:nvPicPr>
+          <p:cNvPr id="22" name="Graphic 21" descr="Server">
+            <a:hlinkClick r:id="rId15" action="ppaction://hlinksldjump"/>
+            <a:extLst>
+              <a:ext uri="{FF2B5EF4-FFF2-40B4-BE49-F238E27FC236}">
+                <a16:creationId xmlns:a16="http://schemas.microsoft.com/office/drawing/2014/main" id="{B8110363-1CD4-4C38-9249-D40C357C6484}"/>
+              </a:ext>
+            </a:extLst>
+          </p:cNvPr>
+          <p:cNvPicPr>
+            <a:picLocks noChangeAspect="1"/>
+          </p:cNvPicPr>
+          <p:nvPr/>
+        </p:nvPicPr>
+        <p:blipFill>
+          <a:blip r:embed="rId16">
+            <a:extLst>
+              <a:ext uri="{28A0092B-C50C-407E-A947-70E740481C1C}">
+                <a14:useLocalDpi xmlns:a14="http://schemas.microsoft.com/office/drawing/2010/main" val="0"/>
+              </a:ext>
+              <a:ext uri="{96DAC541-7B7A-43D3-8B79-37D633B846F1}">
+                <asvg:svgBlip xmlns:asvg="http://schemas.microsoft.com/office/drawing/2016/SVG/main" r:embed="rId17"/>
+              </a:ext>
+            </a:extLst>
+          </a:blip>
+          <a:stretch>
+            <a:fillRect/>
+          </a:stretch>
+        </p:blipFill>
+        <p:spPr>
+          <a:xfrm>
+            <a:off x="437264" y="1875053"/>
+            <a:ext cx="578191" cy="578191"/>
+          </a:xfrm>
+          <a:prstGeom prst="rect">
+            <a:avLst/>
+          </a:prstGeom>
+        </p:spPr>
+      </p:pic>
+      <p:pic>
+        <p:nvPicPr>
+          <p:cNvPr id="23" name="Graphic 22" descr="Smart Phone">
+            <a:hlinkClick r:id="rId18" action="ppaction://hlinksldjump"/>
+            <a:extLst>
+              <a:ext uri="{FF2B5EF4-FFF2-40B4-BE49-F238E27FC236}">
+                <a16:creationId xmlns:a16="http://schemas.microsoft.com/office/drawing/2014/main" id="{15D99AFC-B954-439F-8FB7-B7EE2A89C5AC}"/>
+              </a:ext>
+            </a:extLst>
+          </p:cNvPr>
+          <p:cNvPicPr>
+            <a:picLocks noChangeAspect="1"/>
+          </p:cNvPicPr>
+          <p:nvPr/>
+        </p:nvPicPr>
+        <p:blipFill>
+          <a:blip r:embed="rId19">
+            <a:extLst>
+              <a:ext uri="{28A0092B-C50C-407E-A947-70E740481C1C}">
+                <a14:useLocalDpi xmlns:a14="http://schemas.microsoft.com/office/drawing/2010/main" val="0"/>
+              </a:ext>
+              <a:ext uri="{96DAC541-7B7A-43D3-8B79-37D633B846F1}">
+                <asvg:svgBlip xmlns:asvg="http://schemas.microsoft.com/office/drawing/2016/SVG/main" r:embed="rId20"/>
+              </a:ext>
+            </a:extLst>
+          </a:blip>
+          <a:stretch>
+            <a:fillRect/>
+          </a:stretch>
+        </p:blipFill>
+        <p:spPr>
+          <a:xfrm flipV="1">
+            <a:off x="437265" y="3149428"/>
+            <a:ext cx="578191" cy="578191"/>
+          </a:xfrm>
+          <a:prstGeom prst="rect">
+            <a:avLst/>
+          </a:prstGeom>
+        </p:spPr>
+      </p:pic>
+      <p:pic>
+        <p:nvPicPr>
+          <p:cNvPr id="24" name="Graphic 23" descr="Computer">
+            <a:hlinkClick r:id="rId21" action="ppaction://hlinksldjump"/>
+            <a:extLst>
+              <a:ext uri="{FF2B5EF4-FFF2-40B4-BE49-F238E27FC236}">
+                <a16:creationId xmlns:a16="http://schemas.microsoft.com/office/drawing/2014/main" id="{422E0659-8245-4561-9901-0FAE60DC4340}"/>
+              </a:ext>
+            </a:extLst>
+          </p:cNvPr>
+          <p:cNvPicPr>
+            <a:picLocks noChangeAspect="1"/>
+          </p:cNvPicPr>
+          <p:nvPr/>
+        </p:nvPicPr>
+        <p:blipFill>
+          <a:blip r:embed="rId22">
+            <a:extLst>
+              <a:ext uri="{28A0092B-C50C-407E-A947-70E740481C1C}">
+                <a14:useLocalDpi xmlns:a14="http://schemas.microsoft.com/office/drawing/2010/main" val="0"/>
+              </a:ext>
+              <a:ext uri="{96DAC541-7B7A-43D3-8B79-37D633B846F1}">
+                <asvg:svgBlip xmlns:asvg="http://schemas.microsoft.com/office/drawing/2016/SVG/main" r:embed="rId23"/>
+              </a:ext>
+            </a:extLst>
+          </a:blip>
+          <a:stretch>
+            <a:fillRect/>
+          </a:stretch>
+        </p:blipFill>
+        <p:spPr>
+          <a:xfrm>
+            <a:off x="437263" y="4432700"/>
+            <a:ext cx="578191" cy="578191"/>
+          </a:xfrm>
+          <a:prstGeom prst="rect">
+            <a:avLst/>
+          </a:prstGeom>
+        </p:spPr>
+      </p:pic>
+      <p:pic>
+        <p:nvPicPr>
+          <p:cNvPr id="25" name="Graphic 24" descr="Web design">
+            <a:hlinkClick r:id="rId24" action="ppaction://hlinksldjump"/>
+            <a:extLst>
+              <a:ext uri="{FF2B5EF4-FFF2-40B4-BE49-F238E27FC236}">
+                <a16:creationId xmlns:a16="http://schemas.microsoft.com/office/drawing/2014/main" id="{857C58E7-8255-48EF-8A84-23DEA9088E64}"/>
+              </a:ext>
+            </a:extLst>
+          </p:cNvPr>
+          <p:cNvPicPr>
+            <a:picLocks noChangeAspect="1"/>
+          </p:cNvPicPr>
+          <p:nvPr/>
+        </p:nvPicPr>
+        <p:blipFill>
+          <a:blip r:embed="rId25">
+            <a:extLst>
+              <a:ext uri="{28A0092B-C50C-407E-A947-70E740481C1C}">
+                <a14:useLocalDpi xmlns:a14="http://schemas.microsoft.com/office/drawing/2010/main" val="0"/>
+              </a:ext>
+              <a:ext uri="{96DAC541-7B7A-43D3-8B79-37D633B846F1}">
+                <asvg:svgBlip xmlns:asvg="http://schemas.microsoft.com/office/drawing/2016/SVG/main" r:embed="rId26"/>
+              </a:ext>
+            </a:extLst>
+          </a:blip>
+          <a:stretch>
+            <a:fillRect/>
+          </a:stretch>
+        </p:blipFill>
+        <p:spPr>
+          <a:xfrm>
+            <a:off x="437268" y="5715972"/>
+            <a:ext cx="578191" cy="578191"/>
+          </a:xfrm>
+          <a:prstGeom prst="rect">
+            <a:avLst/>
+          </a:prstGeom>
+        </p:spPr>
+      </p:pic>
+      <p:sp>
+        <p:nvSpPr>
+          <p:cNvPr id="29" name="TextBox 28">
+            <a:extLst>
+              <a:ext uri="{FF2B5EF4-FFF2-40B4-BE49-F238E27FC236}">
+                <a16:creationId xmlns:a16="http://schemas.microsoft.com/office/drawing/2014/main" id="{84B18E10-7FF1-4BE4-B836-EE2E992B7943}"/>
+              </a:ext>
+            </a:extLst>
+          </p:cNvPr>
+          <p:cNvSpPr txBox="1"/>
+          <p:nvPr/>
+        </p:nvSpPr>
+        <p:spPr>
+          <a:xfrm>
+            <a:off x="2900217" y="582884"/>
+            <a:ext cx="7914968" cy="1015663"/>
+          </a:xfrm>
+          <a:prstGeom prst="rect">
+            <a:avLst/>
+          </a:prstGeom>
+          <a:noFill/>
+        </p:spPr>
+        <p:txBody>
+          <a:bodyPr wrap="square" rtlCol="0">
+            <a:spAutoFit/>
+          </a:bodyPr>
+          <a:lstStyle/>
+          <a:p>
+            <a:r>
+              <a:rPr lang="en-US" sz="6000" dirty="0" err="1">
+                <a:solidFill>
+                  <a:schemeClr val="tx1">
+                    <a:lumMod val="75000"/>
+                    <a:lumOff val="25000"/>
+                  </a:schemeClr>
+                </a:solidFill>
+              </a:rPr>
+              <a:t>Végleges</a:t>
+            </a:r>
+            <a:r>
+              <a:rPr lang="en-US" sz="6000" dirty="0">
+                <a:solidFill>
+                  <a:schemeClr val="tx1">
+                    <a:lumMod val="75000"/>
+                    <a:lumOff val="25000"/>
+                  </a:schemeClr>
+                </a:solidFill>
+              </a:rPr>
+              <a:t> </a:t>
+            </a:r>
+            <a:r>
+              <a:rPr lang="en-US" sz="6000" dirty="0" err="1">
+                <a:solidFill>
+                  <a:schemeClr val="tx1">
+                    <a:lumMod val="75000"/>
+                    <a:lumOff val="25000"/>
+                  </a:schemeClr>
+                </a:solidFill>
+              </a:rPr>
+              <a:t>alkalmazás</a:t>
+            </a:r>
+            <a:endParaRPr lang="en-US" sz="6000" dirty="0">
+              <a:solidFill>
+                <a:schemeClr val="tx1">
+                  <a:lumMod val="75000"/>
+                  <a:lumOff val="25000"/>
+                </a:schemeClr>
+              </a:solidFill>
+            </a:endParaRPr>
+          </a:p>
+        </p:txBody>
+      </p:sp>
+      <p:sp>
+        <p:nvSpPr>
+          <p:cNvPr id="30" name="TextBox 29">
+            <a:extLst>
+              <a:ext uri="{FF2B5EF4-FFF2-40B4-BE49-F238E27FC236}">
+                <a16:creationId xmlns:a16="http://schemas.microsoft.com/office/drawing/2014/main" id="{55E7C0FD-A2B6-4D81-889C-E04B010DF2D7}"/>
+              </a:ext>
+            </a:extLst>
+          </p:cNvPr>
+          <p:cNvSpPr txBox="1"/>
+          <p:nvPr/>
+        </p:nvSpPr>
+        <p:spPr>
+          <a:xfrm>
+            <a:off x="2900218" y="2238194"/>
+            <a:ext cx="7914968" cy="671851"/>
+          </a:xfrm>
+          <a:prstGeom prst="rect">
+            <a:avLst/>
+          </a:prstGeom>
+          <a:noFill/>
+        </p:spPr>
+        <p:txBody>
+          <a:bodyPr wrap="square" rtlCol="0">
+            <a:spAutoFit/>
+          </a:bodyPr>
+          <a:lstStyle/>
+          <a:p>
+            <a:pPr marL="285750" indent="-285750">
+              <a:lnSpc>
+                <a:spcPct val="150000"/>
+              </a:lnSpc>
+              <a:buFont typeface="Arial" panose="020B0604020202020204" pitchFamily="34" charset="0"/>
+              <a:buChar char="•"/>
+            </a:pPr>
+            <a:r>
+              <a:rPr lang="en-GB" sz="2800" dirty="0">
+                <a:solidFill>
+                  <a:schemeClr val="tx1">
+                    <a:lumMod val="75000"/>
+                    <a:lumOff val="25000"/>
+                  </a:schemeClr>
+                </a:solidFill>
+              </a:rPr>
+              <a:t>P</a:t>
+            </a:r>
+          </a:p>
+        </p:txBody>
+      </p:sp>
+    </p:spTree>
+    <p:extLst>
+      <p:ext uri="{BB962C8B-B14F-4D97-AF65-F5344CB8AC3E}">
+        <p14:creationId xmlns:p14="http://schemas.microsoft.com/office/powerpoint/2010/main" val="2060052743"/>
+      </p:ext>
+    </p:extLst>
+  </p:cSld>
+  <p:clrMapOvr>
+    <a:masterClrMapping/>
+  </p:clrMapOvr>
+  <mc:AlternateContent xmlns:mc="http://schemas.openxmlformats.org/markup-compatibility/2006">
+    <mc:Choice xmlns:p159="http://schemas.microsoft.com/office/powerpoint/2015/09/main" Requires="p159">
+      <p:transition spd="med">
+        <p159:morph option="byObject"/>
+      </p:transition>
+    </mc:Choice>
+    <mc:Fallback>
+      <p:transition spd="med">
+        <p:fade/>
+      </p:transition>
+    </mc:Fallback>
+  </mc:AlternateContent>
+</p:sld>
+</file>
+
+<file path=ppt/slides/slide2.xml><?xml version="1.0" encoding="utf-8"?>
+<p:sld xmlns:a="http://schemas.openxmlformats.org/drawingml/2006/main" xmlns:r="http://schemas.openxmlformats.org/officeDocument/2006/relationships" xmlns:p="http://schemas.openxmlformats.org/presentationml/2006/main">
+  <p:cSld>
+    <p:bg>
+      <p:bgPr>
+        <a:solidFill>
+          <a:srgbClr val="6500EE"/>
+        </a:solidFill>
+        <a:effectLst/>
+      </p:bgPr>
+    </p:bg>
+    <p:spTree>
+      <p:nvGrpSpPr>
+        <p:cNvPr id="1" name=""/>
+        <p:cNvGrpSpPr/>
+        <p:nvPr/>
+      </p:nvGrpSpPr>
+      <p:grpSpPr>
+        <a:xfrm>
+          <a:off x="0" y="0"/>
+          <a:ext cx="0" cy="0"/>
+          <a:chOff x="0" y="0"/>
+          <a:chExt cx="0" cy="0"/>
+        </a:xfrm>
+      </p:grpSpPr>
+      <p:grpSp>
+        <p:nvGrpSpPr>
+          <p:cNvPr id="11" name="Group 10">
+            <a:extLst>
+              <a:ext uri="{FF2B5EF4-FFF2-40B4-BE49-F238E27FC236}">
+                <a16:creationId xmlns:a16="http://schemas.microsoft.com/office/drawing/2014/main" id="{2FD25B7A-0646-44A0-A58F-0D968DED6F84}"/>
+              </a:ext>
+            </a:extLst>
+          </p:cNvPr>
+          <p:cNvGrpSpPr/>
+          <p:nvPr/>
+        </p:nvGrpSpPr>
+        <p:grpSpPr>
+          <a:xfrm>
+            <a:off x="1030161" y="451163"/>
+            <a:ext cx="841634" cy="841634"/>
+            <a:chOff x="-841634" y="451163"/>
+            <a:chExt cx="841634" cy="841634"/>
+          </a:xfrm>
+        </p:grpSpPr>
+        <p:sp>
+          <p:nvSpPr>
+            <p:cNvPr id="12" name="Oval 11">
+              <a:extLst>
+                <a:ext uri="{FF2B5EF4-FFF2-40B4-BE49-F238E27FC236}">
+                  <a16:creationId xmlns:a16="http://schemas.microsoft.com/office/drawing/2014/main" id="{F7D203E2-6FD0-45C8-B3B8-8D523D4343FC}"/>
+                </a:ext>
+              </a:extLst>
+            </p:cNvPr>
+            <p:cNvSpPr/>
+            <p:nvPr/>
+          </p:nvSpPr>
+          <p:spPr>
+            <a:xfrm>
+              <a:off x="-841634" y="451163"/>
+              <a:ext cx="841634" cy="841634"/>
+            </a:xfrm>
+            <a:prstGeom prst="ellipse">
+              <a:avLst/>
+            </a:prstGeom>
+            <a:solidFill>
+              <a:schemeClr val="bg1"/>
+            </a:solidFill>
+            <a:ln>
+              <a:noFill/>
+            </a:ln>
+          </p:spPr>
+          <p:style>
+            <a:lnRef idx="2">
+              <a:schemeClr val="accent1">
+                <a:shade val="50000"/>
+              </a:schemeClr>
+            </a:lnRef>
+            <a:fillRef idx="1">
+              <a:schemeClr val="accent1"/>
+            </a:fillRef>
+            <a:effectRef idx="0">
+              <a:schemeClr val="accent1"/>
+            </a:effectRef>
+            <a:fontRef idx="minor">
+              <a:schemeClr val="lt1"/>
+            </a:fontRef>
+          </p:style>
+          <p:txBody>
+            <a:bodyPr rtlCol="0" anchor="ctr"/>
+            <a:lstStyle/>
+            <a:p>
+              <a:pPr algn="ctr"/>
+              <a:endParaRPr lang="en-US"/>
+            </a:p>
+          </p:txBody>
+        </p:sp>
+        <p:pic>
+          <p:nvPicPr>
+            <p:cNvPr id="13" name="Graphic 12" descr="Group of men">
+              <a:extLst>
+                <a:ext uri="{FF2B5EF4-FFF2-40B4-BE49-F238E27FC236}">
+                  <a16:creationId xmlns:a16="http://schemas.microsoft.com/office/drawing/2014/main" id="{0E4CA495-0C21-4B2B-BE4D-D5D27DE87D5B}"/>
+                </a:ext>
+              </a:extLst>
+            </p:cNvPr>
+            <p:cNvPicPr>
+              <a:picLocks noChangeAspect="1"/>
+            </p:cNvPicPr>
+            <p:nvPr/>
+          </p:nvPicPr>
+          <p:blipFill>
+            <a:blip r:embed="rId2">
+              <a:extLst>
+                <a:ext uri="{28A0092B-C50C-407E-A947-70E740481C1C}">
+                  <a14:useLocalDpi xmlns:a14="http://schemas.microsoft.com/office/drawing/2010/main" val="0"/>
+                </a:ext>
+                <a:ext uri="{96DAC541-7B7A-43D3-8B79-37D633B846F1}">
+                  <asvg:svgBlip xmlns:asvg="http://schemas.microsoft.com/office/drawing/2016/SVG/main" r:embed="rId3"/>
+                </a:ext>
+              </a:extLst>
+            </a:blip>
+            <a:stretch>
+              <a:fillRect/>
+            </a:stretch>
+          </p:blipFill>
+          <p:spPr>
+            <a:xfrm>
+              <a:off x="-715261" y="582884"/>
+              <a:ext cx="578191" cy="578191"/>
+            </a:xfrm>
+            <a:prstGeom prst="rect">
+              <a:avLst/>
+            </a:prstGeom>
+          </p:spPr>
+        </p:pic>
+      </p:grpSp>
+      <p:grpSp>
+        <p:nvGrpSpPr>
+          <p:cNvPr id="14" name="Group 13">
+            <a:extLst>
+              <a:ext uri="{FF2B5EF4-FFF2-40B4-BE49-F238E27FC236}">
+                <a16:creationId xmlns:a16="http://schemas.microsoft.com/office/drawing/2014/main" id="{C719EE4E-831C-439D-B313-E20D18D5DCC1}"/>
+              </a:ext>
+            </a:extLst>
+          </p:cNvPr>
+          <p:cNvGrpSpPr/>
+          <p:nvPr/>
+        </p:nvGrpSpPr>
+        <p:grpSpPr>
+          <a:xfrm>
+            <a:off x="-846979" y="1734435"/>
+            <a:ext cx="841634" cy="841634"/>
+            <a:chOff x="-846979" y="1734435"/>
+            <a:chExt cx="841634" cy="841634"/>
+          </a:xfrm>
+        </p:grpSpPr>
+        <p:sp>
+          <p:nvSpPr>
+            <p:cNvPr id="15" name="Oval 14">
+              <a:extLst>
+                <a:ext uri="{FF2B5EF4-FFF2-40B4-BE49-F238E27FC236}">
+                  <a16:creationId xmlns:a16="http://schemas.microsoft.com/office/drawing/2014/main" id="{7CD53666-A7D4-48F2-8A78-D599CB8DA794}"/>
+                </a:ext>
+              </a:extLst>
+            </p:cNvPr>
+            <p:cNvSpPr/>
+            <p:nvPr/>
+          </p:nvSpPr>
+          <p:spPr>
+            <a:xfrm>
+              <a:off x="-846979" y="1734435"/>
+              <a:ext cx="841634" cy="841634"/>
+            </a:xfrm>
+            <a:prstGeom prst="ellipse">
+              <a:avLst/>
+            </a:prstGeom>
+            <a:solidFill>
+              <a:schemeClr val="bg1"/>
+            </a:solidFill>
+            <a:ln>
+              <a:noFill/>
+            </a:ln>
+          </p:spPr>
+          <p:style>
+            <a:lnRef idx="2">
+              <a:schemeClr val="accent1">
+                <a:shade val="50000"/>
+              </a:schemeClr>
+            </a:lnRef>
+            <a:fillRef idx="1">
+              <a:schemeClr val="accent1"/>
+            </a:fillRef>
+            <a:effectRef idx="0">
+              <a:schemeClr val="accent1"/>
+            </a:effectRef>
+            <a:fontRef idx="minor">
+              <a:schemeClr val="lt1"/>
+            </a:fontRef>
+          </p:style>
+          <p:txBody>
+            <a:bodyPr rtlCol="0" anchor="ctr"/>
+            <a:lstStyle/>
+            <a:p>
+              <a:pPr algn="ctr"/>
+              <a:endParaRPr lang="en-US"/>
+            </a:p>
+          </p:txBody>
+        </p:sp>
+        <p:pic>
+          <p:nvPicPr>
+            <p:cNvPr id="16" name="Graphic 15" descr="Server">
+              <a:extLst>
+                <a:ext uri="{FF2B5EF4-FFF2-40B4-BE49-F238E27FC236}">
+                  <a16:creationId xmlns:a16="http://schemas.microsoft.com/office/drawing/2014/main" id="{BA595A6F-3196-4E2A-BD03-8750EE9A921A}"/>
+                </a:ext>
+              </a:extLst>
+            </p:cNvPr>
+            <p:cNvPicPr>
+              <a:picLocks noChangeAspect="1"/>
+            </p:cNvPicPr>
+            <p:nvPr/>
+          </p:nvPicPr>
+          <p:blipFill>
+            <a:blip r:embed="rId4">
+              <a:extLst>
+                <a:ext uri="{28A0092B-C50C-407E-A947-70E740481C1C}">
+                  <a14:useLocalDpi xmlns:a14="http://schemas.microsoft.com/office/drawing/2010/main" val="0"/>
+                </a:ext>
+                <a:ext uri="{96DAC541-7B7A-43D3-8B79-37D633B846F1}">
+                  <asvg:svgBlip xmlns:asvg="http://schemas.microsoft.com/office/drawing/2016/SVG/main" r:embed="rId5"/>
+                </a:ext>
+              </a:extLst>
+            </a:blip>
+            <a:stretch>
+              <a:fillRect/>
+            </a:stretch>
+          </p:blipFill>
+          <p:spPr>
+            <a:xfrm>
+              <a:off x="-715261" y="1875053"/>
+              <a:ext cx="578191" cy="578191"/>
+            </a:xfrm>
+            <a:prstGeom prst="rect">
+              <a:avLst/>
+            </a:prstGeom>
+          </p:spPr>
+        </p:pic>
+      </p:grpSp>
+      <p:grpSp>
+        <p:nvGrpSpPr>
+          <p:cNvPr id="17" name="Group 16">
+            <a:extLst>
+              <a:ext uri="{FF2B5EF4-FFF2-40B4-BE49-F238E27FC236}">
+                <a16:creationId xmlns:a16="http://schemas.microsoft.com/office/drawing/2014/main" id="{BD983F21-6984-4015-B4BA-DA5BEBDAEFD7}"/>
+              </a:ext>
+            </a:extLst>
+          </p:cNvPr>
+          <p:cNvGrpSpPr/>
+          <p:nvPr/>
+        </p:nvGrpSpPr>
+        <p:grpSpPr>
+          <a:xfrm>
+            <a:off x="-846979" y="4300979"/>
+            <a:ext cx="841634" cy="841634"/>
+            <a:chOff x="-846979" y="4300979"/>
+            <a:chExt cx="841634" cy="841634"/>
+          </a:xfrm>
+        </p:grpSpPr>
+        <p:sp>
+          <p:nvSpPr>
+            <p:cNvPr id="18" name="Oval 17">
+              <a:extLst>
+                <a:ext uri="{FF2B5EF4-FFF2-40B4-BE49-F238E27FC236}">
+                  <a16:creationId xmlns:a16="http://schemas.microsoft.com/office/drawing/2014/main" id="{C23A6CDF-4EDC-454B-A8E1-F416E665E75A}"/>
+                </a:ext>
+              </a:extLst>
+            </p:cNvPr>
+            <p:cNvSpPr/>
+            <p:nvPr/>
+          </p:nvSpPr>
+          <p:spPr>
+            <a:xfrm>
+              <a:off x="-846979" y="4300979"/>
+              <a:ext cx="841634" cy="841634"/>
+            </a:xfrm>
+            <a:prstGeom prst="ellipse">
+              <a:avLst/>
+            </a:prstGeom>
+            <a:solidFill>
+              <a:schemeClr val="bg1"/>
+            </a:solidFill>
+            <a:ln>
+              <a:noFill/>
+            </a:ln>
+          </p:spPr>
+          <p:style>
+            <a:lnRef idx="2">
+              <a:schemeClr val="accent1">
+                <a:shade val="50000"/>
+              </a:schemeClr>
+            </a:lnRef>
+            <a:fillRef idx="1">
+              <a:schemeClr val="accent1"/>
+            </a:fillRef>
+            <a:effectRef idx="0">
+              <a:schemeClr val="accent1"/>
+            </a:effectRef>
+            <a:fontRef idx="minor">
+              <a:schemeClr val="lt1"/>
+            </a:fontRef>
+          </p:style>
+          <p:txBody>
+            <a:bodyPr rtlCol="0" anchor="ctr"/>
+            <a:lstStyle/>
+            <a:p>
+              <a:pPr algn="ctr"/>
+              <a:endParaRPr lang="en-US"/>
+            </a:p>
+          </p:txBody>
+        </p:sp>
+        <p:pic>
+          <p:nvPicPr>
+            <p:cNvPr id="19" name="Graphic 18" descr="Computer">
+              <a:extLst>
+                <a:ext uri="{FF2B5EF4-FFF2-40B4-BE49-F238E27FC236}">
+                  <a16:creationId xmlns:a16="http://schemas.microsoft.com/office/drawing/2014/main" id="{A085F650-3CEE-4369-AF85-F9718E965C3F}"/>
+                </a:ext>
+              </a:extLst>
+            </p:cNvPr>
+            <p:cNvPicPr>
+              <a:picLocks noChangeAspect="1"/>
+            </p:cNvPicPr>
+            <p:nvPr/>
+          </p:nvPicPr>
+          <p:blipFill>
+            <a:blip r:embed="rId6">
+              <a:extLst>
+                <a:ext uri="{28A0092B-C50C-407E-A947-70E740481C1C}">
+                  <a14:useLocalDpi xmlns:a14="http://schemas.microsoft.com/office/drawing/2010/main" val="0"/>
+                </a:ext>
+                <a:ext uri="{96DAC541-7B7A-43D3-8B79-37D633B846F1}">
+                  <asvg:svgBlip xmlns:asvg="http://schemas.microsoft.com/office/drawing/2016/SVG/main" r:embed="rId7"/>
+                </a:ext>
+              </a:extLst>
+            </a:blip>
+            <a:stretch>
+              <a:fillRect/>
+            </a:stretch>
+          </p:blipFill>
+          <p:spPr>
+            <a:xfrm>
+              <a:off x="-715262" y="4432700"/>
+              <a:ext cx="578191" cy="578191"/>
+            </a:xfrm>
+            <a:prstGeom prst="rect">
+              <a:avLst/>
+            </a:prstGeom>
+          </p:spPr>
+        </p:pic>
+      </p:grpSp>
+      <p:grpSp>
+        <p:nvGrpSpPr>
+          <p:cNvPr id="20" name="Group 19">
+            <a:extLst>
+              <a:ext uri="{FF2B5EF4-FFF2-40B4-BE49-F238E27FC236}">
+                <a16:creationId xmlns:a16="http://schemas.microsoft.com/office/drawing/2014/main" id="{5C50E7F1-444F-43E3-A8A5-B0B8B9BAAC3A}"/>
+              </a:ext>
+            </a:extLst>
+          </p:cNvPr>
+          <p:cNvGrpSpPr/>
+          <p:nvPr/>
+        </p:nvGrpSpPr>
+        <p:grpSpPr>
+          <a:xfrm>
+            <a:off x="-846981" y="5584251"/>
+            <a:ext cx="841634" cy="841634"/>
+            <a:chOff x="-846981" y="5584251"/>
+            <a:chExt cx="841634" cy="841634"/>
+          </a:xfrm>
+        </p:grpSpPr>
+        <p:sp>
+          <p:nvSpPr>
+            <p:cNvPr id="21" name="Oval 20">
+              <a:extLst>
+                <a:ext uri="{FF2B5EF4-FFF2-40B4-BE49-F238E27FC236}">
+                  <a16:creationId xmlns:a16="http://schemas.microsoft.com/office/drawing/2014/main" id="{3BC5FDE2-3A61-4DF1-86E2-B05DFC1D45AD}"/>
+                </a:ext>
+              </a:extLst>
+            </p:cNvPr>
+            <p:cNvSpPr/>
+            <p:nvPr/>
+          </p:nvSpPr>
+          <p:spPr>
+            <a:xfrm>
+              <a:off x="-846981" y="5584251"/>
+              <a:ext cx="841634" cy="841634"/>
+            </a:xfrm>
+            <a:prstGeom prst="ellipse">
+              <a:avLst/>
+            </a:prstGeom>
+            <a:solidFill>
+              <a:schemeClr val="bg1"/>
+            </a:solidFill>
+            <a:ln>
+              <a:noFill/>
+            </a:ln>
+          </p:spPr>
+          <p:style>
+            <a:lnRef idx="2">
+              <a:schemeClr val="accent1">
+                <a:shade val="50000"/>
+              </a:schemeClr>
+            </a:lnRef>
+            <a:fillRef idx="1">
+              <a:schemeClr val="accent1"/>
+            </a:fillRef>
+            <a:effectRef idx="0">
+              <a:schemeClr val="accent1"/>
+            </a:effectRef>
+            <a:fontRef idx="minor">
+              <a:schemeClr val="lt1"/>
+            </a:fontRef>
+          </p:style>
+          <p:txBody>
+            <a:bodyPr rtlCol="0" anchor="ctr"/>
+            <a:lstStyle/>
+            <a:p>
+              <a:pPr algn="ctr"/>
+              <a:endParaRPr lang="en-US"/>
+            </a:p>
+          </p:txBody>
+        </p:sp>
+        <p:pic>
+          <p:nvPicPr>
+            <p:cNvPr id="22" name="Graphic 21" descr="Web design">
+              <a:extLst>
+                <a:ext uri="{FF2B5EF4-FFF2-40B4-BE49-F238E27FC236}">
+                  <a16:creationId xmlns:a16="http://schemas.microsoft.com/office/drawing/2014/main" id="{63C24EBF-789E-4282-96D8-1D276838910B}"/>
+                </a:ext>
+              </a:extLst>
+            </p:cNvPr>
+            <p:cNvPicPr>
+              <a:picLocks noChangeAspect="1"/>
+            </p:cNvPicPr>
+            <p:nvPr/>
+          </p:nvPicPr>
+          <p:blipFill>
+            <a:blip r:embed="rId8">
+              <a:extLst>
+                <a:ext uri="{28A0092B-C50C-407E-A947-70E740481C1C}">
+                  <a14:useLocalDpi xmlns:a14="http://schemas.microsoft.com/office/drawing/2010/main" val="0"/>
+                </a:ext>
+                <a:ext uri="{96DAC541-7B7A-43D3-8B79-37D633B846F1}">
+                  <asvg:svgBlip xmlns:asvg="http://schemas.microsoft.com/office/drawing/2016/SVG/main" r:embed="rId9"/>
+                </a:ext>
+              </a:extLst>
+            </a:blip>
+            <a:stretch>
+              <a:fillRect/>
+            </a:stretch>
+          </p:blipFill>
+          <p:spPr>
+            <a:xfrm>
+              <a:off x="-715257" y="5715972"/>
+              <a:ext cx="578191" cy="578191"/>
+            </a:xfrm>
+            <a:prstGeom prst="rect">
+              <a:avLst/>
+            </a:prstGeom>
+          </p:spPr>
+        </p:pic>
+      </p:grpSp>
+      <p:grpSp>
+        <p:nvGrpSpPr>
+          <p:cNvPr id="28" name="Group 27">
+            <a:extLst>
+              <a:ext uri="{FF2B5EF4-FFF2-40B4-BE49-F238E27FC236}">
+                <a16:creationId xmlns:a16="http://schemas.microsoft.com/office/drawing/2014/main" id="{E38FFCB3-5F33-4C61-AAF1-DDA6AE2C27B3}"/>
+              </a:ext>
+            </a:extLst>
+          </p:cNvPr>
+          <p:cNvGrpSpPr/>
+          <p:nvPr/>
+        </p:nvGrpSpPr>
+        <p:grpSpPr>
+          <a:xfrm>
+            <a:off x="-841634" y="3008183"/>
+            <a:ext cx="841634" cy="841634"/>
+            <a:chOff x="5675183" y="3005477"/>
+            <a:chExt cx="841634" cy="841634"/>
+          </a:xfrm>
+        </p:grpSpPr>
+        <p:sp>
+          <p:nvSpPr>
+            <p:cNvPr id="29" name="Oval 28">
+              <a:extLst>
+                <a:ext uri="{FF2B5EF4-FFF2-40B4-BE49-F238E27FC236}">
+                  <a16:creationId xmlns:a16="http://schemas.microsoft.com/office/drawing/2014/main" id="{1BE0B4A3-57E8-4C62-9D1D-4F021E2056FE}"/>
+                </a:ext>
+              </a:extLst>
+            </p:cNvPr>
+            <p:cNvSpPr/>
+            <p:nvPr/>
+          </p:nvSpPr>
+          <p:spPr>
+            <a:xfrm>
+              <a:off x="5675183" y="3005477"/>
+              <a:ext cx="841634" cy="841634"/>
+            </a:xfrm>
+            <a:prstGeom prst="ellipse">
+              <a:avLst/>
+            </a:prstGeom>
+            <a:solidFill>
+              <a:srgbClr val="FFFFFF"/>
+            </a:solidFill>
+            <a:ln>
+              <a:noFill/>
+            </a:ln>
+          </p:spPr>
+          <p:style>
+            <a:lnRef idx="2">
+              <a:schemeClr val="accent1">
+                <a:shade val="50000"/>
+              </a:schemeClr>
+            </a:lnRef>
+            <a:fillRef idx="1">
+              <a:schemeClr val="accent1"/>
+            </a:fillRef>
+            <a:effectRef idx="0">
+              <a:schemeClr val="accent1"/>
+            </a:effectRef>
+            <a:fontRef idx="minor">
+              <a:schemeClr val="lt1"/>
+            </a:fontRef>
+          </p:style>
+          <p:txBody>
+            <a:bodyPr rtlCol="0" anchor="ctr"/>
+            <a:lstStyle/>
+            <a:p>
+              <a:pPr algn="ctr"/>
+              <a:endParaRPr lang="en-US"/>
+            </a:p>
+          </p:txBody>
+        </p:sp>
+        <p:pic>
+          <p:nvPicPr>
+            <p:cNvPr id="30" name="Graphic 29" descr="Smart Phone">
+              <a:extLst>
+                <a:ext uri="{FF2B5EF4-FFF2-40B4-BE49-F238E27FC236}">
+                  <a16:creationId xmlns:a16="http://schemas.microsoft.com/office/drawing/2014/main" id="{799A6D27-0847-4276-AAD5-799AC6DB626C}"/>
+                </a:ext>
+              </a:extLst>
+            </p:cNvPr>
+            <p:cNvPicPr>
+              <a:picLocks noChangeAspect="1"/>
+            </p:cNvPicPr>
+            <p:nvPr/>
+          </p:nvPicPr>
+          <p:blipFill>
+            <a:blip r:embed="rId10">
+              <a:extLst>
+                <a:ext uri="{28A0092B-C50C-407E-A947-70E740481C1C}">
+                  <a14:useLocalDpi xmlns:a14="http://schemas.microsoft.com/office/drawing/2010/main" val="0"/>
+                </a:ext>
+                <a:ext uri="{96DAC541-7B7A-43D3-8B79-37D633B846F1}">
+                  <asvg:svgBlip xmlns:asvg="http://schemas.microsoft.com/office/drawing/2016/SVG/main" r:embed="rId11"/>
+                </a:ext>
+              </a:extLst>
+            </a:blip>
+            <a:stretch>
+              <a:fillRect/>
+            </a:stretch>
+          </p:blipFill>
+          <p:spPr>
+            <a:xfrm flipV="1">
+              <a:off x="5806902" y="3137198"/>
+              <a:ext cx="578191" cy="578191"/>
+            </a:xfrm>
+            <a:prstGeom prst="rect">
+              <a:avLst/>
+            </a:prstGeom>
+          </p:spPr>
+        </p:pic>
+      </p:grpSp>
+      <p:sp>
+        <p:nvSpPr>
+          <p:cNvPr id="10" name="Freeform: Shape 9">
+            <a:extLst>
+              <a:ext uri="{FF2B5EF4-FFF2-40B4-BE49-F238E27FC236}">
+                <a16:creationId xmlns:a16="http://schemas.microsoft.com/office/drawing/2014/main" id="{118713A0-7EB7-41F4-AA04-51478B126B2C}"/>
+              </a:ext>
+            </a:extLst>
+          </p:cNvPr>
+          <p:cNvSpPr/>
+          <p:nvPr/>
+        </p:nvSpPr>
+        <p:spPr>
+          <a:xfrm rot="10800000">
+            <a:off x="1739" y="-16472462"/>
+            <a:ext cx="1449238" cy="23553174"/>
+          </a:xfrm>
+          <a:custGeom>
+            <a:avLst/>
+            <a:gdLst>
+              <a:gd name="connsiteX0" fmla="*/ 0 w 1449238"/>
+              <a:gd name="connsiteY0" fmla="*/ 23553174 h 23553174"/>
+              <a:gd name="connsiteX1" fmla="*/ 0 w 1449238"/>
+              <a:gd name="connsiteY1" fmla="*/ 7057620 h 23553174"/>
+              <a:gd name="connsiteX2" fmla="*/ 828826 w 1449238"/>
+              <a:gd name="connsiteY2" fmla="*/ 6213536 h 23553174"/>
+              <a:gd name="connsiteX3" fmla="*/ 0 w 1449238"/>
+              <a:gd name="connsiteY3" fmla="*/ 5369453 h 23553174"/>
+              <a:gd name="connsiteX4" fmla="*/ 0 w 1449238"/>
+              <a:gd name="connsiteY4" fmla="*/ 0 h 23553174"/>
+              <a:gd name="connsiteX5" fmla="*/ 1449238 w 1449238"/>
+              <a:gd name="connsiteY5" fmla="*/ 0 h 23553174"/>
+              <a:gd name="connsiteX6" fmla="*/ 1449238 w 1449238"/>
+              <a:gd name="connsiteY6" fmla="*/ 23553174 h 23553174"/>
+              <a:gd name="connsiteX0" fmla="*/ 0 w 1449238"/>
+              <a:gd name="connsiteY0" fmla="*/ 23553174 h 23553174"/>
+              <a:gd name="connsiteX1" fmla="*/ 0 w 1449238"/>
+              <a:gd name="connsiteY1" fmla="*/ 7057620 h 23553174"/>
+              <a:gd name="connsiteX2" fmla="*/ 828826 w 1449238"/>
+              <a:gd name="connsiteY2" fmla="*/ 6213536 h 23553174"/>
+              <a:gd name="connsiteX3" fmla="*/ 0 w 1449238"/>
+              <a:gd name="connsiteY3" fmla="*/ 5369453 h 23553174"/>
+              <a:gd name="connsiteX4" fmla="*/ 0 w 1449238"/>
+              <a:gd name="connsiteY4" fmla="*/ 0 h 23553174"/>
+              <a:gd name="connsiteX5" fmla="*/ 1449238 w 1449238"/>
+              <a:gd name="connsiteY5" fmla="*/ 0 h 23553174"/>
+              <a:gd name="connsiteX6" fmla="*/ 1449238 w 1449238"/>
+              <a:gd name="connsiteY6" fmla="*/ 23553174 h 23553174"/>
+              <a:gd name="connsiteX7" fmla="*/ 0 w 1449238"/>
+              <a:gd name="connsiteY7" fmla="*/ 23553174 h 23553174"/>
+              <a:gd name="connsiteX0" fmla="*/ 0 w 1449238"/>
+              <a:gd name="connsiteY0" fmla="*/ 23553174 h 23553174"/>
+              <a:gd name="connsiteX1" fmla="*/ 0 w 1449238"/>
+              <a:gd name="connsiteY1" fmla="*/ 7057620 h 23553174"/>
+              <a:gd name="connsiteX2" fmla="*/ 828826 w 1449238"/>
+              <a:gd name="connsiteY2" fmla="*/ 6213536 h 23553174"/>
+              <a:gd name="connsiteX3" fmla="*/ 0 w 1449238"/>
+              <a:gd name="connsiteY3" fmla="*/ 5369453 h 23553174"/>
+              <a:gd name="connsiteX4" fmla="*/ 0 w 1449238"/>
+              <a:gd name="connsiteY4" fmla="*/ 0 h 23553174"/>
+              <a:gd name="connsiteX5" fmla="*/ 1449238 w 1449238"/>
+              <a:gd name="connsiteY5" fmla="*/ 0 h 23553174"/>
+              <a:gd name="connsiteX6" fmla="*/ 1449238 w 1449238"/>
+              <a:gd name="connsiteY6" fmla="*/ 23553174 h 23553174"/>
+              <a:gd name="connsiteX7" fmla="*/ 0 w 1449238"/>
+              <a:gd name="connsiteY7" fmla="*/ 23553174 h 23553174"/>
+              <a:gd name="connsiteX0" fmla="*/ 0 w 1449238"/>
+              <a:gd name="connsiteY0" fmla="*/ 23553174 h 23553174"/>
+              <a:gd name="connsiteX1" fmla="*/ 0 w 1449238"/>
+              <a:gd name="connsiteY1" fmla="*/ 7057620 h 23553174"/>
+              <a:gd name="connsiteX2" fmla="*/ 828826 w 1449238"/>
+              <a:gd name="connsiteY2" fmla="*/ 6213536 h 23553174"/>
+              <a:gd name="connsiteX3" fmla="*/ 0 w 1449238"/>
+              <a:gd name="connsiteY3" fmla="*/ 5369453 h 23553174"/>
+              <a:gd name="connsiteX4" fmla="*/ 0 w 1449238"/>
+              <a:gd name="connsiteY4" fmla="*/ 0 h 23553174"/>
+              <a:gd name="connsiteX5" fmla="*/ 1449238 w 1449238"/>
+              <a:gd name="connsiteY5" fmla="*/ 0 h 23553174"/>
+              <a:gd name="connsiteX6" fmla="*/ 1449238 w 1449238"/>
+              <a:gd name="connsiteY6" fmla="*/ 23553174 h 23553174"/>
+              <a:gd name="connsiteX7" fmla="*/ 0 w 1449238"/>
+              <a:gd name="connsiteY7" fmla="*/ 23553174 h 23553174"/>
+              <a:gd name="connsiteX0" fmla="*/ 0 w 1449238"/>
+              <a:gd name="connsiteY0" fmla="*/ 23553174 h 23553174"/>
+              <a:gd name="connsiteX1" fmla="*/ 0 w 1449238"/>
+              <a:gd name="connsiteY1" fmla="*/ 7057620 h 23553174"/>
+              <a:gd name="connsiteX2" fmla="*/ 828826 w 1449238"/>
+              <a:gd name="connsiteY2" fmla="*/ 6213536 h 23553174"/>
+              <a:gd name="connsiteX3" fmla="*/ 0 w 1449238"/>
+              <a:gd name="connsiteY3" fmla="*/ 5369453 h 23553174"/>
+              <a:gd name="connsiteX4" fmla="*/ 0 w 1449238"/>
+              <a:gd name="connsiteY4" fmla="*/ 0 h 23553174"/>
+              <a:gd name="connsiteX5" fmla="*/ 1449238 w 1449238"/>
+              <a:gd name="connsiteY5" fmla="*/ 0 h 23553174"/>
+              <a:gd name="connsiteX6" fmla="*/ 1449238 w 1449238"/>
+              <a:gd name="connsiteY6" fmla="*/ 23553174 h 23553174"/>
+              <a:gd name="connsiteX7" fmla="*/ 0 w 1449238"/>
+              <a:gd name="connsiteY7" fmla="*/ 23553174 h 23553174"/>
+              <a:gd name="connsiteX0" fmla="*/ 0 w 1449238"/>
+              <a:gd name="connsiteY0" fmla="*/ 23553174 h 23553174"/>
+              <a:gd name="connsiteX1" fmla="*/ 0 w 1449238"/>
+              <a:gd name="connsiteY1" fmla="*/ 7057620 h 23553174"/>
+              <a:gd name="connsiteX2" fmla="*/ 581176 w 1449238"/>
+              <a:gd name="connsiteY2" fmla="*/ 6213536 h 23553174"/>
+              <a:gd name="connsiteX3" fmla="*/ 0 w 1449238"/>
+              <a:gd name="connsiteY3" fmla="*/ 5369453 h 23553174"/>
+              <a:gd name="connsiteX4" fmla="*/ 0 w 1449238"/>
+              <a:gd name="connsiteY4" fmla="*/ 0 h 23553174"/>
+              <a:gd name="connsiteX5" fmla="*/ 1449238 w 1449238"/>
+              <a:gd name="connsiteY5" fmla="*/ 0 h 23553174"/>
+              <a:gd name="connsiteX6" fmla="*/ 1449238 w 1449238"/>
+              <a:gd name="connsiteY6" fmla="*/ 23553174 h 23553174"/>
+              <a:gd name="connsiteX7" fmla="*/ 0 w 1449238"/>
+              <a:gd name="connsiteY7" fmla="*/ 23553174 h 23553174"/>
+              <a:gd name="connsiteX0" fmla="*/ 0 w 1449238"/>
+              <a:gd name="connsiteY0" fmla="*/ 23553174 h 23553174"/>
+              <a:gd name="connsiteX1" fmla="*/ 0 w 1449238"/>
+              <a:gd name="connsiteY1" fmla="*/ 7057620 h 23553174"/>
+              <a:gd name="connsiteX2" fmla="*/ 564507 w 1449238"/>
+              <a:gd name="connsiteY2" fmla="*/ 6215918 h 23553174"/>
+              <a:gd name="connsiteX3" fmla="*/ 0 w 1449238"/>
+              <a:gd name="connsiteY3" fmla="*/ 5369453 h 23553174"/>
+              <a:gd name="connsiteX4" fmla="*/ 0 w 1449238"/>
+              <a:gd name="connsiteY4" fmla="*/ 0 h 23553174"/>
+              <a:gd name="connsiteX5" fmla="*/ 1449238 w 1449238"/>
+              <a:gd name="connsiteY5" fmla="*/ 0 h 23553174"/>
+              <a:gd name="connsiteX6" fmla="*/ 1449238 w 1449238"/>
+              <a:gd name="connsiteY6" fmla="*/ 23553174 h 23553174"/>
+              <a:gd name="connsiteX7" fmla="*/ 0 w 1449238"/>
+              <a:gd name="connsiteY7" fmla="*/ 23553174 h 23553174"/>
+            </a:gdLst>
+            <a:ahLst/>
+            <a:cxnLst>
+              <a:cxn ang="0">
+                <a:pos x="connsiteX0" y="connsiteY0"/>
+              </a:cxn>
+              <a:cxn ang="0">
+                <a:pos x="connsiteX1" y="connsiteY1"/>
+              </a:cxn>
+              <a:cxn ang="0">
+                <a:pos x="connsiteX2" y="connsiteY2"/>
+              </a:cxn>
+              <a:cxn ang="0">
+                <a:pos x="connsiteX3" y="connsiteY3"/>
+              </a:cxn>
+              <a:cxn ang="0">
+                <a:pos x="connsiteX4" y="connsiteY4"/>
+              </a:cxn>
+              <a:cxn ang="0">
+                <a:pos x="connsiteX5" y="connsiteY5"/>
+              </a:cxn>
+              <a:cxn ang="0">
+                <a:pos x="connsiteX6" y="connsiteY6"/>
+              </a:cxn>
+              <a:cxn ang="0">
+                <a:pos x="connsiteX7" y="connsiteY7"/>
+              </a:cxn>
+            </a:cxnLst>
+            <a:rect l="l" t="t" r="r" b="b"/>
+            <a:pathLst>
+              <a:path w="1449238" h="23553174">
+                <a:moveTo>
+                  <a:pt x="0" y="23553174"/>
+                </a:moveTo>
+                <a:lnTo>
+                  <a:pt x="0" y="7057620"/>
+                </a:lnTo>
+                <a:cubicBezTo>
+                  <a:pt x="4812" y="6633384"/>
+                  <a:pt x="564557" y="6719529"/>
+                  <a:pt x="564507" y="6215918"/>
+                </a:cubicBezTo>
+                <a:cubicBezTo>
+                  <a:pt x="564457" y="5712307"/>
+                  <a:pt x="2431" y="5798452"/>
+                  <a:pt x="0" y="5369453"/>
+                </a:cubicBezTo>
+                <a:lnTo>
+                  <a:pt x="0" y="0"/>
+                </a:lnTo>
+                <a:lnTo>
+                  <a:pt x="1449238" y="0"/>
+                </a:lnTo>
+                <a:lnTo>
+                  <a:pt x="1449238" y="23553174"/>
+                </a:lnTo>
+                <a:lnTo>
+                  <a:pt x="0" y="23553174"/>
+                </a:lnTo>
+                <a:close/>
+              </a:path>
+            </a:pathLst>
+          </a:custGeom>
+          <a:solidFill>
+            <a:schemeClr val="bg1"/>
+          </a:solidFill>
+          <a:ln>
+            <a:noFill/>
+          </a:ln>
+        </p:spPr>
+        <p:style>
+          <a:lnRef idx="2">
+            <a:schemeClr val="accent1">
+              <a:shade val="50000"/>
+            </a:schemeClr>
+          </a:lnRef>
+          <a:fillRef idx="1">
+            <a:schemeClr val="accent1"/>
+          </a:fillRef>
+          <a:effectRef idx="0">
+            <a:schemeClr val="accent1"/>
+          </a:effectRef>
+          <a:fontRef idx="minor">
+            <a:schemeClr val="lt1"/>
+          </a:fontRef>
+        </p:style>
+        <p:txBody>
+          <a:bodyPr wrap="square" rtlCol="0" anchor="ctr">
+            <a:noAutofit/>
+          </a:bodyPr>
+          <a:lstStyle/>
+          <a:p>
+            <a:pPr algn="ctr"/>
+            <a:endParaRPr lang="en-US"/>
+          </a:p>
+        </p:txBody>
+      </p:sp>
+      <p:pic>
+        <p:nvPicPr>
+          <p:cNvPr id="23" name="Graphic 22" descr="Group of men">
+            <a:hlinkClick r:id="rId12" action="ppaction://hlinksldjump"/>
+            <a:extLst>
+              <a:ext uri="{FF2B5EF4-FFF2-40B4-BE49-F238E27FC236}">
+                <a16:creationId xmlns:a16="http://schemas.microsoft.com/office/drawing/2014/main" id="{6B1B6614-2A22-4BA5-9BA2-14DAC91EEF35}"/>
+              </a:ext>
+            </a:extLst>
+          </p:cNvPr>
+          <p:cNvPicPr>
+            <a:picLocks noChangeAspect="1"/>
+          </p:cNvPicPr>
+          <p:nvPr/>
+        </p:nvPicPr>
+        <p:blipFill>
+          <a:blip r:embed="rId13">
+            <a:extLst>
+              <a:ext uri="{28A0092B-C50C-407E-A947-70E740481C1C}">
+                <a14:useLocalDpi xmlns:a14="http://schemas.microsoft.com/office/drawing/2010/main" val="0"/>
+              </a:ext>
+              <a:ext uri="{96DAC541-7B7A-43D3-8B79-37D633B846F1}">
+                <asvg:svgBlip xmlns:asvg="http://schemas.microsoft.com/office/drawing/2016/SVG/main" r:embed="rId14"/>
+              </a:ext>
+            </a:extLst>
+          </a:blip>
+          <a:stretch>
+            <a:fillRect/>
+          </a:stretch>
+        </p:blipFill>
+        <p:spPr>
+          <a:xfrm>
+            <a:off x="437264" y="582884"/>
+            <a:ext cx="578191" cy="578191"/>
+          </a:xfrm>
+          <a:prstGeom prst="rect">
+            <a:avLst/>
+          </a:prstGeom>
+        </p:spPr>
+      </p:pic>
+      <p:pic>
+        <p:nvPicPr>
+          <p:cNvPr id="24" name="Graphic 23" descr="Server">
+            <a:hlinkClick r:id="rId15" action="ppaction://hlinksldjump"/>
+            <a:extLst>
+              <a:ext uri="{FF2B5EF4-FFF2-40B4-BE49-F238E27FC236}">
+                <a16:creationId xmlns:a16="http://schemas.microsoft.com/office/drawing/2014/main" id="{DECA15C3-6AEE-4D0C-9526-1E7AAF61F746}"/>
+              </a:ext>
+            </a:extLst>
+          </p:cNvPr>
+          <p:cNvPicPr>
+            <a:picLocks noChangeAspect="1"/>
+          </p:cNvPicPr>
+          <p:nvPr/>
+        </p:nvPicPr>
+        <p:blipFill>
+          <a:blip r:embed="rId16">
+            <a:extLst>
+              <a:ext uri="{28A0092B-C50C-407E-A947-70E740481C1C}">
+                <a14:useLocalDpi xmlns:a14="http://schemas.microsoft.com/office/drawing/2010/main" val="0"/>
+              </a:ext>
+              <a:ext uri="{96DAC541-7B7A-43D3-8B79-37D633B846F1}">
+                <asvg:svgBlip xmlns:asvg="http://schemas.microsoft.com/office/drawing/2016/SVG/main" r:embed="rId17"/>
+              </a:ext>
+            </a:extLst>
+          </a:blip>
+          <a:stretch>
+            <a:fillRect/>
+          </a:stretch>
+        </p:blipFill>
+        <p:spPr>
+          <a:xfrm>
+            <a:off x="437264" y="1875053"/>
+            <a:ext cx="578191" cy="578191"/>
+          </a:xfrm>
+          <a:prstGeom prst="rect">
+            <a:avLst/>
+          </a:prstGeom>
+        </p:spPr>
+      </p:pic>
+      <p:pic>
+        <p:nvPicPr>
+          <p:cNvPr id="25" name="Graphic 24" descr="Smart Phone">
+            <a:hlinkClick r:id="rId18" action="ppaction://hlinksldjump"/>
+            <a:extLst>
+              <a:ext uri="{FF2B5EF4-FFF2-40B4-BE49-F238E27FC236}">
+                <a16:creationId xmlns:a16="http://schemas.microsoft.com/office/drawing/2014/main" id="{F1EE70D3-5FB8-47D0-AC38-5B01EF3600C6}"/>
+              </a:ext>
+            </a:extLst>
+          </p:cNvPr>
+          <p:cNvPicPr>
+            <a:picLocks noChangeAspect="1"/>
+          </p:cNvPicPr>
+          <p:nvPr/>
+        </p:nvPicPr>
+        <p:blipFill>
+          <a:blip r:embed="rId19">
+            <a:extLst>
+              <a:ext uri="{28A0092B-C50C-407E-A947-70E740481C1C}">
+                <a14:useLocalDpi xmlns:a14="http://schemas.microsoft.com/office/drawing/2010/main" val="0"/>
+              </a:ext>
+              <a:ext uri="{96DAC541-7B7A-43D3-8B79-37D633B846F1}">
+                <asvg:svgBlip xmlns:asvg="http://schemas.microsoft.com/office/drawing/2016/SVG/main" r:embed="rId20"/>
+              </a:ext>
+            </a:extLst>
+          </a:blip>
+          <a:stretch>
+            <a:fillRect/>
+          </a:stretch>
+        </p:blipFill>
+        <p:spPr>
+          <a:xfrm flipV="1">
+            <a:off x="437265" y="3149428"/>
+            <a:ext cx="578191" cy="578191"/>
+          </a:xfrm>
+          <a:prstGeom prst="rect">
+            <a:avLst/>
+          </a:prstGeom>
+        </p:spPr>
+      </p:pic>
+      <p:pic>
+        <p:nvPicPr>
+          <p:cNvPr id="26" name="Graphic 25" descr="Computer">
+            <a:hlinkClick r:id="rId21" action="ppaction://hlinksldjump"/>
+            <a:extLst>
+              <a:ext uri="{FF2B5EF4-FFF2-40B4-BE49-F238E27FC236}">
+                <a16:creationId xmlns:a16="http://schemas.microsoft.com/office/drawing/2014/main" id="{23824DE2-97FB-4180-9F90-AB78C9A49E19}"/>
+              </a:ext>
+            </a:extLst>
+          </p:cNvPr>
+          <p:cNvPicPr>
+            <a:picLocks noChangeAspect="1"/>
+          </p:cNvPicPr>
+          <p:nvPr/>
+        </p:nvPicPr>
+        <p:blipFill>
+          <a:blip r:embed="rId22">
+            <a:extLst>
+              <a:ext uri="{28A0092B-C50C-407E-A947-70E740481C1C}">
+                <a14:useLocalDpi xmlns:a14="http://schemas.microsoft.com/office/drawing/2010/main" val="0"/>
+              </a:ext>
+              <a:ext uri="{96DAC541-7B7A-43D3-8B79-37D633B846F1}">
+                <asvg:svgBlip xmlns:asvg="http://schemas.microsoft.com/office/drawing/2016/SVG/main" r:embed="rId23"/>
+              </a:ext>
+            </a:extLst>
+          </a:blip>
+          <a:stretch>
+            <a:fillRect/>
+          </a:stretch>
+        </p:blipFill>
+        <p:spPr>
+          <a:xfrm>
+            <a:off x="437263" y="4432700"/>
+            <a:ext cx="578191" cy="578191"/>
+          </a:xfrm>
+          <a:prstGeom prst="rect">
+            <a:avLst/>
+          </a:prstGeom>
+        </p:spPr>
+      </p:pic>
+      <p:pic>
+        <p:nvPicPr>
+          <p:cNvPr id="27" name="Graphic 26" descr="Web design">
+            <a:hlinkClick r:id="rId24" action="ppaction://hlinksldjump"/>
+            <a:extLst>
+              <a:ext uri="{FF2B5EF4-FFF2-40B4-BE49-F238E27FC236}">
+                <a16:creationId xmlns:a16="http://schemas.microsoft.com/office/drawing/2014/main" id="{366FD595-4570-4086-865F-42E763D15FC0}"/>
+              </a:ext>
+            </a:extLst>
+          </p:cNvPr>
+          <p:cNvPicPr>
+            <a:picLocks noChangeAspect="1"/>
+          </p:cNvPicPr>
+          <p:nvPr/>
+        </p:nvPicPr>
+        <p:blipFill>
+          <a:blip r:embed="rId25">
+            <a:extLst>
+              <a:ext uri="{28A0092B-C50C-407E-A947-70E740481C1C}">
+                <a14:useLocalDpi xmlns:a14="http://schemas.microsoft.com/office/drawing/2010/main" val="0"/>
+              </a:ext>
+              <a:ext uri="{96DAC541-7B7A-43D3-8B79-37D633B846F1}">
+                <asvg:svgBlip xmlns:asvg="http://schemas.microsoft.com/office/drawing/2016/SVG/main" r:embed="rId26"/>
+              </a:ext>
+            </a:extLst>
+          </a:blip>
+          <a:stretch>
+            <a:fillRect/>
+          </a:stretch>
+        </p:blipFill>
+        <p:spPr>
+          <a:xfrm>
+            <a:off x="437268" y="5715972"/>
+            <a:ext cx="578191" cy="578191"/>
+          </a:xfrm>
+          <a:prstGeom prst="rect">
+            <a:avLst/>
+          </a:prstGeom>
+        </p:spPr>
+      </p:pic>
+      <p:grpSp>
+        <p:nvGrpSpPr>
+          <p:cNvPr id="32" name="Group 31">
+            <a:extLst>
+              <a:ext uri="{FF2B5EF4-FFF2-40B4-BE49-F238E27FC236}">
+                <a16:creationId xmlns:a16="http://schemas.microsoft.com/office/drawing/2014/main" id="{20F5F269-76C6-4439-898B-3C53C53B6D96}"/>
+              </a:ext>
+            </a:extLst>
+          </p:cNvPr>
+          <p:cNvGrpSpPr/>
+          <p:nvPr/>
+        </p:nvGrpSpPr>
+        <p:grpSpPr>
+          <a:xfrm>
+            <a:off x="2043877" y="-1"/>
+            <a:ext cx="12190262" cy="6858000"/>
+            <a:chOff x="-5347" y="0"/>
+            <a:chExt cx="12190262" cy="6858000"/>
+          </a:xfrm>
+        </p:grpSpPr>
+        <p:sp>
+          <p:nvSpPr>
+            <p:cNvPr id="33" name="Rectangle 32">
+              <a:extLst>
+                <a:ext uri="{FF2B5EF4-FFF2-40B4-BE49-F238E27FC236}">
+                  <a16:creationId xmlns:a16="http://schemas.microsoft.com/office/drawing/2014/main" id="{8498F819-DBA3-4C49-A810-243F3B05C9CB}"/>
+                </a:ext>
+              </a:extLst>
+            </p:cNvPr>
+            <p:cNvSpPr/>
+            <p:nvPr/>
+          </p:nvSpPr>
+          <p:spPr>
+            <a:xfrm>
+              <a:off x="-5347" y="0"/>
+              <a:ext cx="12190262" cy="6858000"/>
+            </a:xfrm>
+            <a:prstGeom prst="rect">
+              <a:avLst/>
+            </a:prstGeom>
+            <a:solidFill>
+              <a:srgbClr val="00F5D4"/>
+            </a:solidFill>
+          </p:spPr>
+          <p:style>
+            <a:lnRef idx="2">
+              <a:schemeClr val="accent1">
+                <a:shade val="50000"/>
+              </a:schemeClr>
+            </a:lnRef>
+            <a:fillRef idx="1">
+              <a:schemeClr val="accent1"/>
+            </a:fillRef>
+            <a:effectRef idx="0">
+              <a:schemeClr val="accent1"/>
+            </a:effectRef>
+            <a:fontRef idx="minor">
+              <a:schemeClr val="lt1"/>
+            </a:fontRef>
+          </p:style>
+          <p:txBody>
+            <a:bodyPr rtlCol="0" anchor="ctr"/>
+            <a:lstStyle/>
+            <a:p>
+              <a:pPr algn="ctr"/>
+              <a:endParaRPr lang="en-US" sz="4400" dirty="0"/>
+            </a:p>
+          </p:txBody>
+        </p:sp>
+        <p:sp>
+          <p:nvSpPr>
+            <p:cNvPr id="34" name="Rectangle 33">
+              <a:extLst>
+                <a:ext uri="{FF2B5EF4-FFF2-40B4-BE49-F238E27FC236}">
+                  <a16:creationId xmlns:a16="http://schemas.microsoft.com/office/drawing/2014/main" id="{B54CACB7-BFDE-40FC-8D05-590D94CF2FC8}"/>
+                </a:ext>
+              </a:extLst>
+            </p:cNvPr>
+            <p:cNvSpPr/>
+            <p:nvPr/>
+          </p:nvSpPr>
+          <p:spPr>
+            <a:xfrm>
+              <a:off x="3490098" y="2715248"/>
+              <a:ext cx="5199372" cy="1446550"/>
+            </a:xfrm>
+            <a:prstGeom prst="rect">
+              <a:avLst/>
+            </a:prstGeom>
+            <a:noFill/>
+          </p:spPr>
+          <p:txBody>
+            <a:bodyPr wrap="none" lIns="91440" tIns="45720" rIns="91440" bIns="45720">
+              <a:spAutoFit/>
+            </a:bodyPr>
+            <a:lstStyle/>
+            <a:p>
+              <a:pPr algn="ctr"/>
+              <a:r>
+                <a:rPr lang="en-US" sz="8800" b="1" dirty="0" err="1">
+                  <a:ln w="12700">
+                    <a:solidFill>
+                      <a:schemeClr val="tx2">
+                        <a:lumMod val="75000"/>
+                      </a:schemeClr>
+                    </a:solidFill>
+                    <a:prstDash val="solid"/>
+                  </a:ln>
+                  <a:pattFill prst="dkUpDiag">
+                    <a:fgClr>
+                      <a:schemeClr val="tx2"/>
+                    </a:fgClr>
+                    <a:bgClr>
+                      <a:schemeClr val="tx2">
+                        <a:lumMod val="20000"/>
+                        <a:lumOff val="80000"/>
+                      </a:schemeClr>
+                    </a:bgClr>
+                  </a:pattFill>
+                  <a:effectLst>
+                    <a:outerShdw dist="38100" dir="2640000" algn="bl" rotWithShape="0">
+                      <a:schemeClr val="tx2">
+                        <a:lumMod val="75000"/>
+                      </a:schemeClr>
+                    </a:outerShdw>
+                  </a:effectLst>
+                </a:rPr>
+                <a:t>TurboNote</a:t>
+              </a:r>
+              <a:endParaRPr lang="en-US" sz="8800" b="1" dirty="0">
+                <a:ln w="12700">
+                  <a:solidFill>
+                    <a:schemeClr val="tx2">
+                      <a:lumMod val="75000"/>
+                    </a:schemeClr>
+                  </a:solidFill>
+                  <a:prstDash val="solid"/>
+                </a:ln>
+                <a:pattFill prst="dkUpDiag">
+                  <a:fgClr>
+                    <a:schemeClr val="tx2"/>
+                  </a:fgClr>
+                  <a:bgClr>
+                    <a:schemeClr val="tx2">
+                      <a:lumMod val="20000"/>
+                      <a:lumOff val="80000"/>
+                    </a:schemeClr>
+                  </a:bgClr>
+                </a:pattFill>
+                <a:effectLst>
+                  <a:outerShdw dist="38100" dir="2640000" algn="bl" rotWithShape="0">
+                    <a:schemeClr val="tx2">
+                      <a:lumMod val="75000"/>
+                    </a:schemeClr>
+                  </a:outerShdw>
+                </a:effectLst>
+              </a:endParaRPr>
+            </a:p>
+          </p:txBody>
+        </p:sp>
+      </p:grpSp>
+    </p:spTree>
+    <p:extLst>
+      <p:ext uri="{BB962C8B-B14F-4D97-AF65-F5344CB8AC3E}">
+        <p14:creationId xmlns:p14="http://schemas.microsoft.com/office/powerpoint/2010/main" val="4216656902"/>
+      </p:ext>
+    </p:extLst>
+  </p:cSld>
+  <p:clrMapOvr>
+    <a:masterClrMapping/>
+  </p:clrMapOvr>
+  <mc:AlternateContent xmlns:mc="http://schemas.openxmlformats.org/markup-compatibility/2006" xmlns:p159="http://schemas.microsoft.com/office/powerpoint/2015/09/main">
+    <mc:Choice Requires="p159">
+      <p:transition spd="med" advClick="0" advTm="0">
+        <p159:morph option="byObject"/>
+      </p:transition>
+    </mc:Choice>
+    <mc:Fallback xmlns="">
+      <p:transition spd="med" advClick="0" advTm="0">
+        <p:fade/>
+      </p:transition>
+    </mc:Fallback>
+  </mc:AlternateContent>
+</p:sld>
+</file>
+
+<file path=ppt/slides/slide20.xml><?xml version="1.0" encoding="utf-8"?>
 <p:sld xmlns:a="http://schemas.openxmlformats.org/drawingml/2006/main" xmlns:r="http://schemas.openxmlformats.org/officeDocument/2006/relationships" xmlns:p="http://schemas.openxmlformats.org/presentationml/2006/main">
   <p:cSld>
     <p:bg>
@@ -14104,7 +18903,7 @@
 </p:sld>
 </file>
 
-<file path=ppt/slides/slide18.xml><?xml version="1.0" encoding="utf-8"?>
+<file path=ppt/slides/slide21.xml><?xml version="1.0" encoding="utf-8"?>
 <p:sld xmlns:a="http://schemas.openxmlformats.org/drawingml/2006/main" xmlns:r="http://schemas.openxmlformats.org/officeDocument/2006/relationships" xmlns:p="http://schemas.openxmlformats.org/presentationml/2006/main">
   <p:cSld>
     <p:bg>
@@ -15214,7 +20013,7 @@
 </p:sld>
 </file>
 
-<file path=ppt/slides/slide19.xml><?xml version="1.0" encoding="utf-8"?>
+<file path=ppt/slides/slide22.xml><?xml version="1.0" encoding="utf-8"?>
 <p:sld xmlns:a="http://schemas.openxmlformats.org/drawingml/2006/main" xmlns:r="http://schemas.openxmlformats.org/officeDocument/2006/relationships" xmlns:p="http://schemas.openxmlformats.org/presentationml/2006/main">
   <p:cSld>
     <p:bg>
@@ -16320,1205 +21119,7 @@
 </p:sld>
 </file>
 
-<file path=ppt/slides/slide2.xml><?xml version="1.0" encoding="utf-8"?>
-<p:sld xmlns:a="http://schemas.openxmlformats.org/drawingml/2006/main" xmlns:r="http://schemas.openxmlformats.org/officeDocument/2006/relationships" xmlns:p="http://schemas.openxmlformats.org/presentationml/2006/main">
-  <p:cSld>
-    <p:bg>
-      <p:bgPr>
-        <a:solidFill>
-          <a:srgbClr val="6500EE"/>
-        </a:solidFill>
-        <a:effectLst/>
-      </p:bgPr>
-    </p:bg>
-    <p:spTree>
-      <p:nvGrpSpPr>
-        <p:cNvPr id="1" name=""/>
-        <p:cNvGrpSpPr/>
-        <p:nvPr/>
-      </p:nvGrpSpPr>
-      <p:grpSpPr>
-        <a:xfrm>
-          <a:off x="0" y="0"/>
-          <a:ext cx="0" cy="0"/>
-          <a:chOff x="0" y="0"/>
-          <a:chExt cx="0" cy="0"/>
-        </a:xfrm>
-      </p:grpSpPr>
-      <p:grpSp>
-        <p:nvGrpSpPr>
-          <p:cNvPr id="11" name="Group 10">
-            <a:extLst>
-              <a:ext uri="{FF2B5EF4-FFF2-40B4-BE49-F238E27FC236}">
-                <a16:creationId xmlns:a16="http://schemas.microsoft.com/office/drawing/2014/main" id="{2FD25B7A-0646-44A0-A58F-0D968DED6F84}"/>
-              </a:ext>
-            </a:extLst>
-          </p:cNvPr>
-          <p:cNvGrpSpPr/>
-          <p:nvPr/>
-        </p:nvGrpSpPr>
-        <p:grpSpPr>
-          <a:xfrm>
-            <a:off x="1030161" y="451163"/>
-            <a:ext cx="841634" cy="841634"/>
-            <a:chOff x="-841634" y="451163"/>
-            <a:chExt cx="841634" cy="841634"/>
-          </a:xfrm>
-        </p:grpSpPr>
-        <p:sp>
-          <p:nvSpPr>
-            <p:cNvPr id="12" name="Oval 11">
-              <a:extLst>
-                <a:ext uri="{FF2B5EF4-FFF2-40B4-BE49-F238E27FC236}">
-                  <a16:creationId xmlns:a16="http://schemas.microsoft.com/office/drawing/2014/main" id="{F7D203E2-6FD0-45C8-B3B8-8D523D4343FC}"/>
-                </a:ext>
-              </a:extLst>
-            </p:cNvPr>
-            <p:cNvSpPr/>
-            <p:nvPr/>
-          </p:nvSpPr>
-          <p:spPr>
-            <a:xfrm>
-              <a:off x="-841634" y="451163"/>
-              <a:ext cx="841634" cy="841634"/>
-            </a:xfrm>
-            <a:prstGeom prst="ellipse">
-              <a:avLst/>
-            </a:prstGeom>
-            <a:solidFill>
-              <a:schemeClr val="bg1"/>
-            </a:solidFill>
-            <a:ln>
-              <a:noFill/>
-            </a:ln>
-          </p:spPr>
-          <p:style>
-            <a:lnRef idx="2">
-              <a:schemeClr val="accent1">
-                <a:shade val="50000"/>
-              </a:schemeClr>
-            </a:lnRef>
-            <a:fillRef idx="1">
-              <a:schemeClr val="accent1"/>
-            </a:fillRef>
-            <a:effectRef idx="0">
-              <a:schemeClr val="accent1"/>
-            </a:effectRef>
-            <a:fontRef idx="minor">
-              <a:schemeClr val="lt1"/>
-            </a:fontRef>
-          </p:style>
-          <p:txBody>
-            <a:bodyPr rtlCol="0" anchor="ctr"/>
-            <a:lstStyle/>
-            <a:p>
-              <a:pPr algn="ctr"/>
-              <a:endParaRPr lang="en-US"/>
-            </a:p>
-          </p:txBody>
-        </p:sp>
-        <p:pic>
-          <p:nvPicPr>
-            <p:cNvPr id="13" name="Graphic 12" descr="Group of men">
-              <a:extLst>
-                <a:ext uri="{FF2B5EF4-FFF2-40B4-BE49-F238E27FC236}">
-                  <a16:creationId xmlns:a16="http://schemas.microsoft.com/office/drawing/2014/main" id="{0E4CA495-0C21-4B2B-BE4D-D5D27DE87D5B}"/>
-                </a:ext>
-              </a:extLst>
-            </p:cNvPr>
-            <p:cNvPicPr>
-              <a:picLocks noChangeAspect="1"/>
-            </p:cNvPicPr>
-            <p:nvPr/>
-          </p:nvPicPr>
-          <p:blipFill>
-            <a:blip r:embed="rId2">
-              <a:extLst>
-                <a:ext uri="{28A0092B-C50C-407E-A947-70E740481C1C}">
-                  <a14:useLocalDpi xmlns:a14="http://schemas.microsoft.com/office/drawing/2010/main" val="0"/>
-                </a:ext>
-                <a:ext uri="{96DAC541-7B7A-43D3-8B79-37D633B846F1}">
-                  <asvg:svgBlip xmlns:asvg="http://schemas.microsoft.com/office/drawing/2016/SVG/main" r:embed="rId3"/>
-                </a:ext>
-              </a:extLst>
-            </a:blip>
-            <a:stretch>
-              <a:fillRect/>
-            </a:stretch>
-          </p:blipFill>
-          <p:spPr>
-            <a:xfrm>
-              <a:off x="-715261" y="582884"/>
-              <a:ext cx="578191" cy="578191"/>
-            </a:xfrm>
-            <a:prstGeom prst="rect">
-              <a:avLst/>
-            </a:prstGeom>
-          </p:spPr>
-        </p:pic>
-      </p:grpSp>
-      <p:grpSp>
-        <p:nvGrpSpPr>
-          <p:cNvPr id="14" name="Group 13">
-            <a:extLst>
-              <a:ext uri="{FF2B5EF4-FFF2-40B4-BE49-F238E27FC236}">
-                <a16:creationId xmlns:a16="http://schemas.microsoft.com/office/drawing/2014/main" id="{C719EE4E-831C-439D-B313-E20D18D5DCC1}"/>
-              </a:ext>
-            </a:extLst>
-          </p:cNvPr>
-          <p:cNvGrpSpPr/>
-          <p:nvPr/>
-        </p:nvGrpSpPr>
-        <p:grpSpPr>
-          <a:xfrm>
-            <a:off x="-846979" y="1734435"/>
-            <a:ext cx="841634" cy="841634"/>
-            <a:chOff x="-846979" y="1734435"/>
-            <a:chExt cx="841634" cy="841634"/>
-          </a:xfrm>
-        </p:grpSpPr>
-        <p:sp>
-          <p:nvSpPr>
-            <p:cNvPr id="15" name="Oval 14">
-              <a:extLst>
-                <a:ext uri="{FF2B5EF4-FFF2-40B4-BE49-F238E27FC236}">
-                  <a16:creationId xmlns:a16="http://schemas.microsoft.com/office/drawing/2014/main" id="{7CD53666-A7D4-48F2-8A78-D599CB8DA794}"/>
-                </a:ext>
-              </a:extLst>
-            </p:cNvPr>
-            <p:cNvSpPr/>
-            <p:nvPr/>
-          </p:nvSpPr>
-          <p:spPr>
-            <a:xfrm>
-              <a:off x="-846979" y="1734435"/>
-              <a:ext cx="841634" cy="841634"/>
-            </a:xfrm>
-            <a:prstGeom prst="ellipse">
-              <a:avLst/>
-            </a:prstGeom>
-            <a:solidFill>
-              <a:schemeClr val="bg1"/>
-            </a:solidFill>
-            <a:ln>
-              <a:noFill/>
-            </a:ln>
-          </p:spPr>
-          <p:style>
-            <a:lnRef idx="2">
-              <a:schemeClr val="accent1">
-                <a:shade val="50000"/>
-              </a:schemeClr>
-            </a:lnRef>
-            <a:fillRef idx="1">
-              <a:schemeClr val="accent1"/>
-            </a:fillRef>
-            <a:effectRef idx="0">
-              <a:schemeClr val="accent1"/>
-            </a:effectRef>
-            <a:fontRef idx="minor">
-              <a:schemeClr val="lt1"/>
-            </a:fontRef>
-          </p:style>
-          <p:txBody>
-            <a:bodyPr rtlCol="0" anchor="ctr"/>
-            <a:lstStyle/>
-            <a:p>
-              <a:pPr algn="ctr"/>
-              <a:endParaRPr lang="en-US"/>
-            </a:p>
-          </p:txBody>
-        </p:sp>
-        <p:pic>
-          <p:nvPicPr>
-            <p:cNvPr id="16" name="Graphic 15" descr="Server">
-              <a:extLst>
-                <a:ext uri="{FF2B5EF4-FFF2-40B4-BE49-F238E27FC236}">
-                  <a16:creationId xmlns:a16="http://schemas.microsoft.com/office/drawing/2014/main" id="{BA595A6F-3196-4E2A-BD03-8750EE9A921A}"/>
-                </a:ext>
-              </a:extLst>
-            </p:cNvPr>
-            <p:cNvPicPr>
-              <a:picLocks noChangeAspect="1"/>
-            </p:cNvPicPr>
-            <p:nvPr/>
-          </p:nvPicPr>
-          <p:blipFill>
-            <a:blip r:embed="rId4">
-              <a:extLst>
-                <a:ext uri="{28A0092B-C50C-407E-A947-70E740481C1C}">
-                  <a14:useLocalDpi xmlns:a14="http://schemas.microsoft.com/office/drawing/2010/main" val="0"/>
-                </a:ext>
-                <a:ext uri="{96DAC541-7B7A-43D3-8B79-37D633B846F1}">
-                  <asvg:svgBlip xmlns:asvg="http://schemas.microsoft.com/office/drawing/2016/SVG/main" r:embed="rId5"/>
-                </a:ext>
-              </a:extLst>
-            </a:blip>
-            <a:stretch>
-              <a:fillRect/>
-            </a:stretch>
-          </p:blipFill>
-          <p:spPr>
-            <a:xfrm>
-              <a:off x="-715261" y="1875053"/>
-              <a:ext cx="578191" cy="578191"/>
-            </a:xfrm>
-            <a:prstGeom prst="rect">
-              <a:avLst/>
-            </a:prstGeom>
-          </p:spPr>
-        </p:pic>
-      </p:grpSp>
-      <p:grpSp>
-        <p:nvGrpSpPr>
-          <p:cNvPr id="17" name="Group 16">
-            <a:extLst>
-              <a:ext uri="{FF2B5EF4-FFF2-40B4-BE49-F238E27FC236}">
-                <a16:creationId xmlns:a16="http://schemas.microsoft.com/office/drawing/2014/main" id="{BD983F21-6984-4015-B4BA-DA5BEBDAEFD7}"/>
-              </a:ext>
-            </a:extLst>
-          </p:cNvPr>
-          <p:cNvGrpSpPr/>
-          <p:nvPr/>
-        </p:nvGrpSpPr>
-        <p:grpSpPr>
-          <a:xfrm>
-            <a:off x="-846979" y="4300979"/>
-            <a:ext cx="841634" cy="841634"/>
-            <a:chOff x="-846979" y="4300979"/>
-            <a:chExt cx="841634" cy="841634"/>
-          </a:xfrm>
-        </p:grpSpPr>
-        <p:sp>
-          <p:nvSpPr>
-            <p:cNvPr id="18" name="Oval 17">
-              <a:extLst>
-                <a:ext uri="{FF2B5EF4-FFF2-40B4-BE49-F238E27FC236}">
-                  <a16:creationId xmlns:a16="http://schemas.microsoft.com/office/drawing/2014/main" id="{C23A6CDF-4EDC-454B-A8E1-F416E665E75A}"/>
-                </a:ext>
-              </a:extLst>
-            </p:cNvPr>
-            <p:cNvSpPr/>
-            <p:nvPr/>
-          </p:nvSpPr>
-          <p:spPr>
-            <a:xfrm>
-              <a:off x="-846979" y="4300979"/>
-              <a:ext cx="841634" cy="841634"/>
-            </a:xfrm>
-            <a:prstGeom prst="ellipse">
-              <a:avLst/>
-            </a:prstGeom>
-            <a:solidFill>
-              <a:schemeClr val="bg1"/>
-            </a:solidFill>
-            <a:ln>
-              <a:noFill/>
-            </a:ln>
-          </p:spPr>
-          <p:style>
-            <a:lnRef idx="2">
-              <a:schemeClr val="accent1">
-                <a:shade val="50000"/>
-              </a:schemeClr>
-            </a:lnRef>
-            <a:fillRef idx="1">
-              <a:schemeClr val="accent1"/>
-            </a:fillRef>
-            <a:effectRef idx="0">
-              <a:schemeClr val="accent1"/>
-            </a:effectRef>
-            <a:fontRef idx="minor">
-              <a:schemeClr val="lt1"/>
-            </a:fontRef>
-          </p:style>
-          <p:txBody>
-            <a:bodyPr rtlCol="0" anchor="ctr"/>
-            <a:lstStyle/>
-            <a:p>
-              <a:pPr algn="ctr"/>
-              <a:endParaRPr lang="en-US"/>
-            </a:p>
-          </p:txBody>
-        </p:sp>
-        <p:pic>
-          <p:nvPicPr>
-            <p:cNvPr id="19" name="Graphic 18" descr="Computer">
-              <a:extLst>
-                <a:ext uri="{FF2B5EF4-FFF2-40B4-BE49-F238E27FC236}">
-                  <a16:creationId xmlns:a16="http://schemas.microsoft.com/office/drawing/2014/main" id="{A085F650-3CEE-4369-AF85-F9718E965C3F}"/>
-                </a:ext>
-              </a:extLst>
-            </p:cNvPr>
-            <p:cNvPicPr>
-              <a:picLocks noChangeAspect="1"/>
-            </p:cNvPicPr>
-            <p:nvPr/>
-          </p:nvPicPr>
-          <p:blipFill>
-            <a:blip r:embed="rId6">
-              <a:extLst>
-                <a:ext uri="{28A0092B-C50C-407E-A947-70E740481C1C}">
-                  <a14:useLocalDpi xmlns:a14="http://schemas.microsoft.com/office/drawing/2010/main" val="0"/>
-                </a:ext>
-                <a:ext uri="{96DAC541-7B7A-43D3-8B79-37D633B846F1}">
-                  <asvg:svgBlip xmlns:asvg="http://schemas.microsoft.com/office/drawing/2016/SVG/main" r:embed="rId7"/>
-                </a:ext>
-              </a:extLst>
-            </a:blip>
-            <a:stretch>
-              <a:fillRect/>
-            </a:stretch>
-          </p:blipFill>
-          <p:spPr>
-            <a:xfrm>
-              <a:off x="-715262" y="4432700"/>
-              <a:ext cx="578191" cy="578191"/>
-            </a:xfrm>
-            <a:prstGeom prst="rect">
-              <a:avLst/>
-            </a:prstGeom>
-          </p:spPr>
-        </p:pic>
-      </p:grpSp>
-      <p:grpSp>
-        <p:nvGrpSpPr>
-          <p:cNvPr id="20" name="Group 19">
-            <a:extLst>
-              <a:ext uri="{FF2B5EF4-FFF2-40B4-BE49-F238E27FC236}">
-                <a16:creationId xmlns:a16="http://schemas.microsoft.com/office/drawing/2014/main" id="{5C50E7F1-444F-43E3-A8A5-B0B8B9BAAC3A}"/>
-              </a:ext>
-            </a:extLst>
-          </p:cNvPr>
-          <p:cNvGrpSpPr/>
-          <p:nvPr/>
-        </p:nvGrpSpPr>
-        <p:grpSpPr>
-          <a:xfrm>
-            <a:off x="-846981" y="5584251"/>
-            <a:ext cx="841634" cy="841634"/>
-            <a:chOff x="-846981" y="5584251"/>
-            <a:chExt cx="841634" cy="841634"/>
-          </a:xfrm>
-        </p:grpSpPr>
-        <p:sp>
-          <p:nvSpPr>
-            <p:cNvPr id="21" name="Oval 20">
-              <a:extLst>
-                <a:ext uri="{FF2B5EF4-FFF2-40B4-BE49-F238E27FC236}">
-                  <a16:creationId xmlns:a16="http://schemas.microsoft.com/office/drawing/2014/main" id="{3BC5FDE2-3A61-4DF1-86E2-B05DFC1D45AD}"/>
-                </a:ext>
-              </a:extLst>
-            </p:cNvPr>
-            <p:cNvSpPr/>
-            <p:nvPr/>
-          </p:nvSpPr>
-          <p:spPr>
-            <a:xfrm>
-              <a:off x="-846981" y="5584251"/>
-              <a:ext cx="841634" cy="841634"/>
-            </a:xfrm>
-            <a:prstGeom prst="ellipse">
-              <a:avLst/>
-            </a:prstGeom>
-            <a:solidFill>
-              <a:schemeClr val="bg1"/>
-            </a:solidFill>
-            <a:ln>
-              <a:noFill/>
-            </a:ln>
-          </p:spPr>
-          <p:style>
-            <a:lnRef idx="2">
-              <a:schemeClr val="accent1">
-                <a:shade val="50000"/>
-              </a:schemeClr>
-            </a:lnRef>
-            <a:fillRef idx="1">
-              <a:schemeClr val="accent1"/>
-            </a:fillRef>
-            <a:effectRef idx="0">
-              <a:schemeClr val="accent1"/>
-            </a:effectRef>
-            <a:fontRef idx="minor">
-              <a:schemeClr val="lt1"/>
-            </a:fontRef>
-          </p:style>
-          <p:txBody>
-            <a:bodyPr rtlCol="0" anchor="ctr"/>
-            <a:lstStyle/>
-            <a:p>
-              <a:pPr algn="ctr"/>
-              <a:endParaRPr lang="en-US"/>
-            </a:p>
-          </p:txBody>
-        </p:sp>
-        <p:pic>
-          <p:nvPicPr>
-            <p:cNvPr id="22" name="Graphic 21" descr="Web design">
-              <a:extLst>
-                <a:ext uri="{FF2B5EF4-FFF2-40B4-BE49-F238E27FC236}">
-                  <a16:creationId xmlns:a16="http://schemas.microsoft.com/office/drawing/2014/main" id="{63C24EBF-789E-4282-96D8-1D276838910B}"/>
-                </a:ext>
-              </a:extLst>
-            </p:cNvPr>
-            <p:cNvPicPr>
-              <a:picLocks noChangeAspect="1"/>
-            </p:cNvPicPr>
-            <p:nvPr/>
-          </p:nvPicPr>
-          <p:blipFill>
-            <a:blip r:embed="rId8">
-              <a:extLst>
-                <a:ext uri="{28A0092B-C50C-407E-A947-70E740481C1C}">
-                  <a14:useLocalDpi xmlns:a14="http://schemas.microsoft.com/office/drawing/2010/main" val="0"/>
-                </a:ext>
-                <a:ext uri="{96DAC541-7B7A-43D3-8B79-37D633B846F1}">
-                  <asvg:svgBlip xmlns:asvg="http://schemas.microsoft.com/office/drawing/2016/SVG/main" r:embed="rId9"/>
-                </a:ext>
-              </a:extLst>
-            </a:blip>
-            <a:stretch>
-              <a:fillRect/>
-            </a:stretch>
-          </p:blipFill>
-          <p:spPr>
-            <a:xfrm>
-              <a:off x="-715257" y="5715972"/>
-              <a:ext cx="578191" cy="578191"/>
-            </a:xfrm>
-            <a:prstGeom prst="rect">
-              <a:avLst/>
-            </a:prstGeom>
-          </p:spPr>
-        </p:pic>
-      </p:grpSp>
-      <p:grpSp>
-        <p:nvGrpSpPr>
-          <p:cNvPr id="28" name="Group 27">
-            <a:extLst>
-              <a:ext uri="{FF2B5EF4-FFF2-40B4-BE49-F238E27FC236}">
-                <a16:creationId xmlns:a16="http://schemas.microsoft.com/office/drawing/2014/main" id="{E38FFCB3-5F33-4C61-AAF1-DDA6AE2C27B3}"/>
-              </a:ext>
-            </a:extLst>
-          </p:cNvPr>
-          <p:cNvGrpSpPr/>
-          <p:nvPr/>
-        </p:nvGrpSpPr>
-        <p:grpSpPr>
-          <a:xfrm>
-            <a:off x="-841634" y="3008183"/>
-            <a:ext cx="841634" cy="841634"/>
-            <a:chOff x="5675183" y="3005477"/>
-            <a:chExt cx="841634" cy="841634"/>
-          </a:xfrm>
-        </p:grpSpPr>
-        <p:sp>
-          <p:nvSpPr>
-            <p:cNvPr id="29" name="Oval 28">
-              <a:extLst>
-                <a:ext uri="{FF2B5EF4-FFF2-40B4-BE49-F238E27FC236}">
-                  <a16:creationId xmlns:a16="http://schemas.microsoft.com/office/drawing/2014/main" id="{1BE0B4A3-57E8-4C62-9D1D-4F021E2056FE}"/>
-                </a:ext>
-              </a:extLst>
-            </p:cNvPr>
-            <p:cNvSpPr/>
-            <p:nvPr/>
-          </p:nvSpPr>
-          <p:spPr>
-            <a:xfrm>
-              <a:off x="5675183" y="3005477"/>
-              <a:ext cx="841634" cy="841634"/>
-            </a:xfrm>
-            <a:prstGeom prst="ellipse">
-              <a:avLst/>
-            </a:prstGeom>
-            <a:solidFill>
-              <a:srgbClr val="FFFFFF"/>
-            </a:solidFill>
-            <a:ln>
-              <a:noFill/>
-            </a:ln>
-          </p:spPr>
-          <p:style>
-            <a:lnRef idx="2">
-              <a:schemeClr val="accent1">
-                <a:shade val="50000"/>
-              </a:schemeClr>
-            </a:lnRef>
-            <a:fillRef idx="1">
-              <a:schemeClr val="accent1"/>
-            </a:fillRef>
-            <a:effectRef idx="0">
-              <a:schemeClr val="accent1"/>
-            </a:effectRef>
-            <a:fontRef idx="minor">
-              <a:schemeClr val="lt1"/>
-            </a:fontRef>
-          </p:style>
-          <p:txBody>
-            <a:bodyPr rtlCol="0" anchor="ctr"/>
-            <a:lstStyle/>
-            <a:p>
-              <a:pPr algn="ctr"/>
-              <a:endParaRPr lang="en-US"/>
-            </a:p>
-          </p:txBody>
-        </p:sp>
-        <p:pic>
-          <p:nvPicPr>
-            <p:cNvPr id="30" name="Graphic 29" descr="Smart Phone">
-              <a:extLst>
-                <a:ext uri="{FF2B5EF4-FFF2-40B4-BE49-F238E27FC236}">
-                  <a16:creationId xmlns:a16="http://schemas.microsoft.com/office/drawing/2014/main" id="{799A6D27-0847-4276-AAD5-799AC6DB626C}"/>
-                </a:ext>
-              </a:extLst>
-            </p:cNvPr>
-            <p:cNvPicPr>
-              <a:picLocks noChangeAspect="1"/>
-            </p:cNvPicPr>
-            <p:nvPr/>
-          </p:nvPicPr>
-          <p:blipFill>
-            <a:blip r:embed="rId10">
-              <a:extLst>
-                <a:ext uri="{28A0092B-C50C-407E-A947-70E740481C1C}">
-                  <a14:useLocalDpi xmlns:a14="http://schemas.microsoft.com/office/drawing/2010/main" val="0"/>
-                </a:ext>
-                <a:ext uri="{96DAC541-7B7A-43D3-8B79-37D633B846F1}">
-                  <asvg:svgBlip xmlns:asvg="http://schemas.microsoft.com/office/drawing/2016/SVG/main" r:embed="rId11"/>
-                </a:ext>
-              </a:extLst>
-            </a:blip>
-            <a:stretch>
-              <a:fillRect/>
-            </a:stretch>
-          </p:blipFill>
-          <p:spPr>
-            <a:xfrm flipV="1">
-              <a:off x="5806902" y="3137198"/>
-              <a:ext cx="578191" cy="578191"/>
-            </a:xfrm>
-            <a:prstGeom prst="rect">
-              <a:avLst/>
-            </a:prstGeom>
-          </p:spPr>
-        </p:pic>
-      </p:grpSp>
-      <p:sp>
-        <p:nvSpPr>
-          <p:cNvPr id="10" name="Freeform: Shape 9">
-            <a:extLst>
-              <a:ext uri="{FF2B5EF4-FFF2-40B4-BE49-F238E27FC236}">
-                <a16:creationId xmlns:a16="http://schemas.microsoft.com/office/drawing/2014/main" id="{118713A0-7EB7-41F4-AA04-51478B126B2C}"/>
-              </a:ext>
-            </a:extLst>
-          </p:cNvPr>
-          <p:cNvSpPr/>
-          <p:nvPr/>
-        </p:nvSpPr>
-        <p:spPr>
-          <a:xfrm rot="10800000">
-            <a:off x="1739" y="-16472462"/>
-            <a:ext cx="1449238" cy="23553174"/>
-          </a:xfrm>
-          <a:custGeom>
-            <a:avLst/>
-            <a:gdLst>
-              <a:gd name="connsiteX0" fmla="*/ 0 w 1449238"/>
-              <a:gd name="connsiteY0" fmla="*/ 23553174 h 23553174"/>
-              <a:gd name="connsiteX1" fmla="*/ 0 w 1449238"/>
-              <a:gd name="connsiteY1" fmla="*/ 7057620 h 23553174"/>
-              <a:gd name="connsiteX2" fmla="*/ 828826 w 1449238"/>
-              <a:gd name="connsiteY2" fmla="*/ 6213536 h 23553174"/>
-              <a:gd name="connsiteX3" fmla="*/ 0 w 1449238"/>
-              <a:gd name="connsiteY3" fmla="*/ 5369453 h 23553174"/>
-              <a:gd name="connsiteX4" fmla="*/ 0 w 1449238"/>
-              <a:gd name="connsiteY4" fmla="*/ 0 h 23553174"/>
-              <a:gd name="connsiteX5" fmla="*/ 1449238 w 1449238"/>
-              <a:gd name="connsiteY5" fmla="*/ 0 h 23553174"/>
-              <a:gd name="connsiteX6" fmla="*/ 1449238 w 1449238"/>
-              <a:gd name="connsiteY6" fmla="*/ 23553174 h 23553174"/>
-              <a:gd name="connsiteX0" fmla="*/ 0 w 1449238"/>
-              <a:gd name="connsiteY0" fmla="*/ 23553174 h 23553174"/>
-              <a:gd name="connsiteX1" fmla="*/ 0 w 1449238"/>
-              <a:gd name="connsiteY1" fmla="*/ 7057620 h 23553174"/>
-              <a:gd name="connsiteX2" fmla="*/ 828826 w 1449238"/>
-              <a:gd name="connsiteY2" fmla="*/ 6213536 h 23553174"/>
-              <a:gd name="connsiteX3" fmla="*/ 0 w 1449238"/>
-              <a:gd name="connsiteY3" fmla="*/ 5369453 h 23553174"/>
-              <a:gd name="connsiteX4" fmla="*/ 0 w 1449238"/>
-              <a:gd name="connsiteY4" fmla="*/ 0 h 23553174"/>
-              <a:gd name="connsiteX5" fmla="*/ 1449238 w 1449238"/>
-              <a:gd name="connsiteY5" fmla="*/ 0 h 23553174"/>
-              <a:gd name="connsiteX6" fmla="*/ 1449238 w 1449238"/>
-              <a:gd name="connsiteY6" fmla="*/ 23553174 h 23553174"/>
-              <a:gd name="connsiteX7" fmla="*/ 0 w 1449238"/>
-              <a:gd name="connsiteY7" fmla="*/ 23553174 h 23553174"/>
-              <a:gd name="connsiteX0" fmla="*/ 0 w 1449238"/>
-              <a:gd name="connsiteY0" fmla="*/ 23553174 h 23553174"/>
-              <a:gd name="connsiteX1" fmla="*/ 0 w 1449238"/>
-              <a:gd name="connsiteY1" fmla="*/ 7057620 h 23553174"/>
-              <a:gd name="connsiteX2" fmla="*/ 828826 w 1449238"/>
-              <a:gd name="connsiteY2" fmla="*/ 6213536 h 23553174"/>
-              <a:gd name="connsiteX3" fmla="*/ 0 w 1449238"/>
-              <a:gd name="connsiteY3" fmla="*/ 5369453 h 23553174"/>
-              <a:gd name="connsiteX4" fmla="*/ 0 w 1449238"/>
-              <a:gd name="connsiteY4" fmla="*/ 0 h 23553174"/>
-              <a:gd name="connsiteX5" fmla="*/ 1449238 w 1449238"/>
-              <a:gd name="connsiteY5" fmla="*/ 0 h 23553174"/>
-              <a:gd name="connsiteX6" fmla="*/ 1449238 w 1449238"/>
-              <a:gd name="connsiteY6" fmla="*/ 23553174 h 23553174"/>
-              <a:gd name="connsiteX7" fmla="*/ 0 w 1449238"/>
-              <a:gd name="connsiteY7" fmla="*/ 23553174 h 23553174"/>
-              <a:gd name="connsiteX0" fmla="*/ 0 w 1449238"/>
-              <a:gd name="connsiteY0" fmla="*/ 23553174 h 23553174"/>
-              <a:gd name="connsiteX1" fmla="*/ 0 w 1449238"/>
-              <a:gd name="connsiteY1" fmla="*/ 7057620 h 23553174"/>
-              <a:gd name="connsiteX2" fmla="*/ 828826 w 1449238"/>
-              <a:gd name="connsiteY2" fmla="*/ 6213536 h 23553174"/>
-              <a:gd name="connsiteX3" fmla="*/ 0 w 1449238"/>
-              <a:gd name="connsiteY3" fmla="*/ 5369453 h 23553174"/>
-              <a:gd name="connsiteX4" fmla="*/ 0 w 1449238"/>
-              <a:gd name="connsiteY4" fmla="*/ 0 h 23553174"/>
-              <a:gd name="connsiteX5" fmla="*/ 1449238 w 1449238"/>
-              <a:gd name="connsiteY5" fmla="*/ 0 h 23553174"/>
-              <a:gd name="connsiteX6" fmla="*/ 1449238 w 1449238"/>
-              <a:gd name="connsiteY6" fmla="*/ 23553174 h 23553174"/>
-              <a:gd name="connsiteX7" fmla="*/ 0 w 1449238"/>
-              <a:gd name="connsiteY7" fmla="*/ 23553174 h 23553174"/>
-              <a:gd name="connsiteX0" fmla="*/ 0 w 1449238"/>
-              <a:gd name="connsiteY0" fmla="*/ 23553174 h 23553174"/>
-              <a:gd name="connsiteX1" fmla="*/ 0 w 1449238"/>
-              <a:gd name="connsiteY1" fmla="*/ 7057620 h 23553174"/>
-              <a:gd name="connsiteX2" fmla="*/ 828826 w 1449238"/>
-              <a:gd name="connsiteY2" fmla="*/ 6213536 h 23553174"/>
-              <a:gd name="connsiteX3" fmla="*/ 0 w 1449238"/>
-              <a:gd name="connsiteY3" fmla="*/ 5369453 h 23553174"/>
-              <a:gd name="connsiteX4" fmla="*/ 0 w 1449238"/>
-              <a:gd name="connsiteY4" fmla="*/ 0 h 23553174"/>
-              <a:gd name="connsiteX5" fmla="*/ 1449238 w 1449238"/>
-              <a:gd name="connsiteY5" fmla="*/ 0 h 23553174"/>
-              <a:gd name="connsiteX6" fmla="*/ 1449238 w 1449238"/>
-              <a:gd name="connsiteY6" fmla="*/ 23553174 h 23553174"/>
-              <a:gd name="connsiteX7" fmla="*/ 0 w 1449238"/>
-              <a:gd name="connsiteY7" fmla="*/ 23553174 h 23553174"/>
-              <a:gd name="connsiteX0" fmla="*/ 0 w 1449238"/>
-              <a:gd name="connsiteY0" fmla="*/ 23553174 h 23553174"/>
-              <a:gd name="connsiteX1" fmla="*/ 0 w 1449238"/>
-              <a:gd name="connsiteY1" fmla="*/ 7057620 h 23553174"/>
-              <a:gd name="connsiteX2" fmla="*/ 581176 w 1449238"/>
-              <a:gd name="connsiteY2" fmla="*/ 6213536 h 23553174"/>
-              <a:gd name="connsiteX3" fmla="*/ 0 w 1449238"/>
-              <a:gd name="connsiteY3" fmla="*/ 5369453 h 23553174"/>
-              <a:gd name="connsiteX4" fmla="*/ 0 w 1449238"/>
-              <a:gd name="connsiteY4" fmla="*/ 0 h 23553174"/>
-              <a:gd name="connsiteX5" fmla="*/ 1449238 w 1449238"/>
-              <a:gd name="connsiteY5" fmla="*/ 0 h 23553174"/>
-              <a:gd name="connsiteX6" fmla="*/ 1449238 w 1449238"/>
-              <a:gd name="connsiteY6" fmla="*/ 23553174 h 23553174"/>
-              <a:gd name="connsiteX7" fmla="*/ 0 w 1449238"/>
-              <a:gd name="connsiteY7" fmla="*/ 23553174 h 23553174"/>
-              <a:gd name="connsiteX0" fmla="*/ 0 w 1449238"/>
-              <a:gd name="connsiteY0" fmla="*/ 23553174 h 23553174"/>
-              <a:gd name="connsiteX1" fmla="*/ 0 w 1449238"/>
-              <a:gd name="connsiteY1" fmla="*/ 7057620 h 23553174"/>
-              <a:gd name="connsiteX2" fmla="*/ 564507 w 1449238"/>
-              <a:gd name="connsiteY2" fmla="*/ 6215918 h 23553174"/>
-              <a:gd name="connsiteX3" fmla="*/ 0 w 1449238"/>
-              <a:gd name="connsiteY3" fmla="*/ 5369453 h 23553174"/>
-              <a:gd name="connsiteX4" fmla="*/ 0 w 1449238"/>
-              <a:gd name="connsiteY4" fmla="*/ 0 h 23553174"/>
-              <a:gd name="connsiteX5" fmla="*/ 1449238 w 1449238"/>
-              <a:gd name="connsiteY5" fmla="*/ 0 h 23553174"/>
-              <a:gd name="connsiteX6" fmla="*/ 1449238 w 1449238"/>
-              <a:gd name="connsiteY6" fmla="*/ 23553174 h 23553174"/>
-              <a:gd name="connsiteX7" fmla="*/ 0 w 1449238"/>
-              <a:gd name="connsiteY7" fmla="*/ 23553174 h 23553174"/>
-            </a:gdLst>
-            <a:ahLst/>
-            <a:cxnLst>
-              <a:cxn ang="0">
-                <a:pos x="connsiteX0" y="connsiteY0"/>
-              </a:cxn>
-              <a:cxn ang="0">
-                <a:pos x="connsiteX1" y="connsiteY1"/>
-              </a:cxn>
-              <a:cxn ang="0">
-                <a:pos x="connsiteX2" y="connsiteY2"/>
-              </a:cxn>
-              <a:cxn ang="0">
-                <a:pos x="connsiteX3" y="connsiteY3"/>
-              </a:cxn>
-              <a:cxn ang="0">
-                <a:pos x="connsiteX4" y="connsiteY4"/>
-              </a:cxn>
-              <a:cxn ang="0">
-                <a:pos x="connsiteX5" y="connsiteY5"/>
-              </a:cxn>
-              <a:cxn ang="0">
-                <a:pos x="connsiteX6" y="connsiteY6"/>
-              </a:cxn>
-              <a:cxn ang="0">
-                <a:pos x="connsiteX7" y="connsiteY7"/>
-              </a:cxn>
-            </a:cxnLst>
-            <a:rect l="l" t="t" r="r" b="b"/>
-            <a:pathLst>
-              <a:path w="1449238" h="23553174">
-                <a:moveTo>
-                  <a:pt x="0" y="23553174"/>
-                </a:moveTo>
-                <a:lnTo>
-                  <a:pt x="0" y="7057620"/>
-                </a:lnTo>
-                <a:cubicBezTo>
-                  <a:pt x="4812" y="6633384"/>
-                  <a:pt x="564557" y="6719529"/>
-                  <a:pt x="564507" y="6215918"/>
-                </a:cubicBezTo>
-                <a:cubicBezTo>
-                  <a:pt x="564457" y="5712307"/>
-                  <a:pt x="2431" y="5798452"/>
-                  <a:pt x="0" y="5369453"/>
-                </a:cubicBezTo>
-                <a:lnTo>
-                  <a:pt x="0" y="0"/>
-                </a:lnTo>
-                <a:lnTo>
-                  <a:pt x="1449238" y="0"/>
-                </a:lnTo>
-                <a:lnTo>
-                  <a:pt x="1449238" y="23553174"/>
-                </a:lnTo>
-                <a:lnTo>
-                  <a:pt x="0" y="23553174"/>
-                </a:lnTo>
-                <a:close/>
-              </a:path>
-            </a:pathLst>
-          </a:custGeom>
-          <a:solidFill>
-            <a:schemeClr val="bg1"/>
-          </a:solidFill>
-          <a:ln>
-            <a:noFill/>
-          </a:ln>
-        </p:spPr>
-        <p:style>
-          <a:lnRef idx="2">
-            <a:schemeClr val="accent1">
-              <a:shade val="50000"/>
-            </a:schemeClr>
-          </a:lnRef>
-          <a:fillRef idx="1">
-            <a:schemeClr val="accent1"/>
-          </a:fillRef>
-          <a:effectRef idx="0">
-            <a:schemeClr val="accent1"/>
-          </a:effectRef>
-          <a:fontRef idx="minor">
-            <a:schemeClr val="lt1"/>
-          </a:fontRef>
-        </p:style>
-        <p:txBody>
-          <a:bodyPr wrap="square" rtlCol="0" anchor="ctr">
-            <a:noAutofit/>
-          </a:bodyPr>
-          <a:lstStyle/>
-          <a:p>
-            <a:pPr algn="ctr"/>
-            <a:endParaRPr lang="en-US"/>
-          </a:p>
-        </p:txBody>
-      </p:sp>
-      <p:pic>
-        <p:nvPicPr>
-          <p:cNvPr id="23" name="Graphic 22" descr="Group of men">
-            <a:hlinkClick r:id="rId12" action="ppaction://hlinksldjump"/>
-            <a:extLst>
-              <a:ext uri="{FF2B5EF4-FFF2-40B4-BE49-F238E27FC236}">
-                <a16:creationId xmlns:a16="http://schemas.microsoft.com/office/drawing/2014/main" id="{6B1B6614-2A22-4BA5-9BA2-14DAC91EEF35}"/>
-              </a:ext>
-            </a:extLst>
-          </p:cNvPr>
-          <p:cNvPicPr>
-            <a:picLocks noChangeAspect="1"/>
-          </p:cNvPicPr>
-          <p:nvPr/>
-        </p:nvPicPr>
-        <p:blipFill>
-          <a:blip r:embed="rId13">
-            <a:extLst>
-              <a:ext uri="{28A0092B-C50C-407E-A947-70E740481C1C}">
-                <a14:useLocalDpi xmlns:a14="http://schemas.microsoft.com/office/drawing/2010/main" val="0"/>
-              </a:ext>
-              <a:ext uri="{96DAC541-7B7A-43D3-8B79-37D633B846F1}">
-                <asvg:svgBlip xmlns:asvg="http://schemas.microsoft.com/office/drawing/2016/SVG/main" r:embed="rId14"/>
-              </a:ext>
-            </a:extLst>
-          </a:blip>
-          <a:stretch>
-            <a:fillRect/>
-          </a:stretch>
-        </p:blipFill>
-        <p:spPr>
-          <a:xfrm>
-            <a:off x="437264" y="582884"/>
-            <a:ext cx="578191" cy="578191"/>
-          </a:xfrm>
-          <a:prstGeom prst="rect">
-            <a:avLst/>
-          </a:prstGeom>
-        </p:spPr>
-      </p:pic>
-      <p:pic>
-        <p:nvPicPr>
-          <p:cNvPr id="24" name="Graphic 23" descr="Server">
-            <a:hlinkClick r:id="rId15" action="ppaction://hlinksldjump"/>
-            <a:extLst>
-              <a:ext uri="{FF2B5EF4-FFF2-40B4-BE49-F238E27FC236}">
-                <a16:creationId xmlns:a16="http://schemas.microsoft.com/office/drawing/2014/main" id="{DECA15C3-6AEE-4D0C-9526-1E7AAF61F746}"/>
-              </a:ext>
-            </a:extLst>
-          </p:cNvPr>
-          <p:cNvPicPr>
-            <a:picLocks noChangeAspect="1"/>
-          </p:cNvPicPr>
-          <p:nvPr/>
-        </p:nvPicPr>
-        <p:blipFill>
-          <a:blip r:embed="rId16">
-            <a:extLst>
-              <a:ext uri="{28A0092B-C50C-407E-A947-70E740481C1C}">
-                <a14:useLocalDpi xmlns:a14="http://schemas.microsoft.com/office/drawing/2010/main" val="0"/>
-              </a:ext>
-              <a:ext uri="{96DAC541-7B7A-43D3-8B79-37D633B846F1}">
-                <asvg:svgBlip xmlns:asvg="http://schemas.microsoft.com/office/drawing/2016/SVG/main" r:embed="rId17"/>
-              </a:ext>
-            </a:extLst>
-          </a:blip>
-          <a:stretch>
-            <a:fillRect/>
-          </a:stretch>
-        </p:blipFill>
-        <p:spPr>
-          <a:xfrm>
-            <a:off x="437264" y="1875053"/>
-            <a:ext cx="578191" cy="578191"/>
-          </a:xfrm>
-          <a:prstGeom prst="rect">
-            <a:avLst/>
-          </a:prstGeom>
-        </p:spPr>
-      </p:pic>
-      <p:pic>
-        <p:nvPicPr>
-          <p:cNvPr id="25" name="Graphic 24" descr="Smart Phone">
-            <a:hlinkClick r:id="rId18" action="ppaction://hlinksldjump"/>
-            <a:extLst>
-              <a:ext uri="{FF2B5EF4-FFF2-40B4-BE49-F238E27FC236}">
-                <a16:creationId xmlns:a16="http://schemas.microsoft.com/office/drawing/2014/main" id="{F1EE70D3-5FB8-47D0-AC38-5B01EF3600C6}"/>
-              </a:ext>
-            </a:extLst>
-          </p:cNvPr>
-          <p:cNvPicPr>
-            <a:picLocks noChangeAspect="1"/>
-          </p:cNvPicPr>
-          <p:nvPr/>
-        </p:nvPicPr>
-        <p:blipFill>
-          <a:blip r:embed="rId19">
-            <a:extLst>
-              <a:ext uri="{28A0092B-C50C-407E-A947-70E740481C1C}">
-                <a14:useLocalDpi xmlns:a14="http://schemas.microsoft.com/office/drawing/2010/main" val="0"/>
-              </a:ext>
-              <a:ext uri="{96DAC541-7B7A-43D3-8B79-37D633B846F1}">
-                <asvg:svgBlip xmlns:asvg="http://schemas.microsoft.com/office/drawing/2016/SVG/main" r:embed="rId20"/>
-              </a:ext>
-            </a:extLst>
-          </a:blip>
-          <a:stretch>
-            <a:fillRect/>
-          </a:stretch>
-        </p:blipFill>
-        <p:spPr>
-          <a:xfrm flipV="1">
-            <a:off x="437265" y="3149428"/>
-            <a:ext cx="578191" cy="578191"/>
-          </a:xfrm>
-          <a:prstGeom prst="rect">
-            <a:avLst/>
-          </a:prstGeom>
-        </p:spPr>
-      </p:pic>
-      <p:pic>
-        <p:nvPicPr>
-          <p:cNvPr id="26" name="Graphic 25" descr="Computer">
-            <a:hlinkClick r:id="rId21" action="ppaction://hlinksldjump"/>
-            <a:extLst>
-              <a:ext uri="{FF2B5EF4-FFF2-40B4-BE49-F238E27FC236}">
-                <a16:creationId xmlns:a16="http://schemas.microsoft.com/office/drawing/2014/main" id="{23824DE2-97FB-4180-9F90-AB78C9A49E19}"/>
-              </a:ext>
-            </a:extLst>
-          </p:cNvPr>
-          <p:cNvPicPr>
-            <a:picLocks noChangeAspect="1"/>
-          </p:cNvPicPr>
-          <p:nvPr/>
-        </p:nvPicPr>
-        <p:blipFill>
-          <a:blip r:embed="rId22">
-            <a:extLst>
-              <a:ext uri="{28A0092B-C50C-407E-A947-70E740481C1C}">
-                <a14:useLocalDpi xmlns:a14="http://schemas.microsoft.com/office/drawing/2010/main" val="0"/>
-              </a:ext>
-              <a:ext uri="{96DAC541-7B7A-43D3-8B79-37D633B846F1}">
-                <asvg:svgBlip xmlns:asvg="http://schemas.microsoft.com/office/drawing/2016/SVG/main" r:embed="rId23"/>
-              </a:ext>
-            </a:extLst>
-          </a:blip>
-          <a:stretch>
-            <a:fillRect/>
-          </a:stretch>
-        </p:blipFill>
-        <p:spPr>
-          <a:xfrm>
-            <a:off x="437263" y="4432700"/>
-            <a:ext cx="578191" cy="578191"/>
-          </a:xfrm>
-          <a:prstGeom prst="rect">
-            <a:avLst/>
-          </a:prstGeom>
-        </p:spPr>
-      </p:pic>
-      <p:pic>
-        <p:nvPicPr>
-          <p:cNvPr id="27" name="Graphic 26" descr="Web design">
-            <a:hlinkClick r:id="rId24" action="ppaction://hlinksldjump"/>
-            <a:extLst>
-              <a:ext uri="{FF2B5EF4-FFF2-40B4-BE49-F238E27FC236}">
-                <a16:creationId xmlns:a16="http://schemas.microsoft.com/office/drawing/2014/main" id="{366FD595-4570-4086-865F-42E763D15FC0}"/>
-              </a:ext>
-            </a:extLst>
-          </p:cNvPr>
-          <p:cNvPicPr>
-            <a:picLocks noChangeAspect="1"/>
-          </p:cNvPicPr>
-          <p:nvPr/>
-        </p:nvPicPr>
-        <p:blipFill>
-          <a:blip r:embed="rId25">
-            <a:extLst>
-              <a:ext uri="{28A0092B-C50C-407E-A947-70E740481C1C}">
-                <a14:useLocalDpi xmlns:a14="http://schemas.microsoft.com/office/drawing/2010/main" val="0"/>
-              </a:ext>
-              <a:ext uri="{96DAC541-7B7A-43D3-8B79-37D633B846F1}">
-                <asvg:svgBlip xmlns:asvg="http://schemas.microsoft.com/office/drawing/2016/SVG/main" r:embed="rId26"/>
-              </a:ext>
-            </a:extLst>
-          </a:blip>
-          <a:stretch>
-            <a:fillRect/>
-          </a:stretch>
-        </p:blipFill>
-        <p:spPr>
-          <a:xfrm>
-            <a:off x="437268" y="5715972"/>
-            <a:ext cx="578191" cy="578191"/>
-          </a:xfrm>
-          <a:prstGeom prst="rect">
-            <a:avLst/>
-          </a:prstGeom>
-        </p:spPr>
-      </p:pic>
-      <p:grpSp>
-        <p:nvGrpSpPr>
-          <p:cNvPr id="32" name="Group 31">
-            <a:extLst>
-              <a:ext uri="{FF2B5EF4-FFF2-40B4-BE49-F238E27FC236}">
-                <a16:creationId xmlns:a16="http://schemas.microsoft.com/office/drawing/2014/main" id="{20F5F269-76C6-4439-898B-3C53C53B6D96}"/>
-              </a:ext>
-            </a:extLst>
-          </p:cNvPr>
-          <p:cNvGrpSpPr/>
-          <p:nvPr/>
-        </p:nvGrpSpPr>
-        <p:grpSpPr>
-          <a:xfrm>
-            <a:off x="2043877" y="-1"/>
-            <a:ext cx="12190262" cy="6858000"/>
-            <a:chOff x="-5347" y="0"/>
-            <a:chExt cx="12190262" cy="6858000"/>
-          </a:xfrm>
-        </p:grpSpPr>
-        <p:sp>
-          <p:nvSpPr>
-            <p:cNvPr id="33" name="Rectangle 32">
-              <a:extLst>
-                <a:ext uri="{FF2B5EF4-FFF2-40B4-BE49-F238E27FC236}">
-                  <a16:creationId xmlns:a16="http://schemas.microsoft.com/office/drawing/2014/main" id="{8498F819-DBA3-4C49-A810-243F3B05C9CB}"/>
-                </a:ext>
-              </a:extLst>
-            </p:cNvPr>
-            <p:cNvSpPr/>
-            <p:nvPr/>
-          </p:nvSpPr>
-          <p:spPr>
-            <a:xfrm>
-              <a:off x="-5347" y="0"/>
-              <a:ext cx="12190262" cy="6858000"/>
-            </a:xfrm>
-            <a:prstGeom prst="rect">
-              <a:avLst/>
-            </a:prstGeom>
-            <a:solidFill>
-              <a:srgbClr val="00F5D4"/>
-            </a:solidFill>
-          </p:spPr>
-          <p:style>
-            <a:lnRef idx="2">
-              <a:schemeClr val="accent1">
-                <a:shade val="50000"/>
-              </a:schemeClr>
-            </a:lnRef>
-            <a:fillRef idx="1">
-              <a:schemeClr val="accent1"/>
-            </a:fillRef>
-            <a:effectRef idx="0">
-              <a:schemeClr val="accent1"/>
-            </a:effectRef>
-            <a:fontRef idx="minor">
-              <a:schemeClr val="lt1"/>
-            </a:fontRef>
-          </p:style>
-          <p:txBody>
-            <a:bodyPr rtlCol="0" anchor="ctr"/>
-            <a:lstStyle/>
-            <a:p>
-              <a:pPr algn="ctr"/>
-              <a:endParaRPr lang="en-US" sz="4400" dirty="0"/>
-            </a:p>
-          </p:txBody>
-        </p:sp>
-        <p:sp>
-          <p:nvSpPr>
-            <p:cNvPr id="34" name="Rectangle 33">
-              <a:extLst>
-                <a:ext uri="{FF2B5EF4-FFF2-40B4-BE49-F238E27FC236}">
-                  <a16:creationId xmlns:a16="http://schemas.microsoft.com/office/drawing/2014/main" id="{B54CACB7-BFDE-40FC-8D05-590D94CF2FC8}"/>
-                </a:ext>
-              </a:extLst>
-            </p:cNvPr>
-            <p:cNvSpPr/>
-            <p:nvPr/>
-          </p:nvSpPr>
-          <p:spPr>
-            <a:xfrm>
-              <a:off x="3490098" y="2715248"/>
-              <a:ext cx="5199372" cy="1446550"/>
-            </a:xfrm>
-            <a:prstGeom prst="rect">
-              <a:avLst/>
-            </a:prstGeom>
-            <a:noFill/>
-          </p:spPr>
-          <p:txBody>
-            <a:bodyPr wrap="none" lIns="91440" tIns="45720" rIns="91440" bIns="45720">
-              <a:spAutoFit/>
-            </a:bodyPr>
-            <a:lstStyle/>
-            <a:p>
-              <a:pPr algn="ctr"/>
-              <a:r>
-                <a:rPr lang="en-US" sz="8800" b="1" dirty="0" err="1">
-                  <a:ln w="12700">
-                    <a:solidFill>
-                      <a:schemeClr val="tx2">
-                        <a:lumMod val="75000"/>
-                      </a:schemeClr>
-                    </a:solidFill>
-                    <a:prstDash val="solid"/>
-                  </a:ln>
-                  <a:pattFill prst="dkUpDiag">
-                    <a:fgClr>
-                      <a:schemeClr val="tx2"/>
-                    </a:fgClr>
-                    <a:bgClr>
-                      <a:schemeClr val="tx2">
-                        <a:lumMod val="20000"/>
-                        <a:lumOff val="80000"/>
-                      </a:schemeClr>
-                    </a:bgClr>
-                  </a:pattFill>
-                  <a:effectLst>
-                    <a:outerShdw dist="38100" dir="2640000" algn="bl" rotWithShape="0">
-                      <a:schemeClr val="tx2">
-                        <a:lumMod val="75000"/>
-                      </a:schemeClr>
-                    </a:outerShdw>
-                  </a:effectLst>
-                </a:rPr>
-                <a:t>TurboNote</a:t>
-              </a:r>
-              <a:endParaRPr lang="en-US" sz="8800" b="1" dirty="0">
-                <a:ln w="12700">
-                  <a:solidFill>
-                    <a:schemeClr val="tx2">
-                      <a:lumMod val="75000"/>
-                    </a:schemeClr>
-                  </a:solidFill>
-                  <a:prstDash val="solid"/>
-                </a:ln>
-                <a:pattFill prst="dkUpDiag">
-                  <a:fgClr>
-                    <a:schemeClr val="tx2"/>
-                  </a:fgClr>
-                  <a:bgClr>
-                    <a:schemeClr val="tx2">
-                      <a:lumMod val="20000"/>
-                      <a:lumOff val="80000"/>
-                    </a:schemeClr>
-                  </a:bgClr>
-                </a:pattFill>
-                <a:effectLst>
-                  <a:outerShdw dist="38100" dir="2640000" algn="bl" rotWithShape="0">
-                    <a:schemeClr val="tx2">
-                      <a:lumMod val="75000"/>
-                    </a:schemeClr>
-                  </a:outerShdw>
-                </a:effectLst>
-              </a:endParaRPr>
-            </a:p>
-          </p:txBody>
-        </p:sp>
-      </p:grpSp>
-    </p:spTree>
-    <p:extLst>
-      <p:ext uri="{BB962C8B-B14F-4D97-AF65-F5344CB8AC3E}">
-        <p14:creationId xmlns:p14="http://schemas.microsoft.com/office/powerpoint/2010/main" val="4216656902"/>
-      </p:ext>
-    </p:extLst>
-  </p:cSld>
-  <p:clrMapOvr>
-    <a:masterClrMapping/>
-  </p:clrMapOvr>
-  <mc:AlternateContent xmlns:mc="http://schemas.openxmlformats.org/markup-compatibility/2006" xmlns:p159="http://schemas.microsoft.com/office/powerpoint/2015/09/main">
-    <mc:Choice Requires="p159">
-      <p:transition spd="med" advClick="0" advTm="0">
-        <p159:morph option="byObject"/>
-      </p:transition>
-    </mc:Choice>
-    <mc:Fallback xmlns="">
-      <p:transition spd="med" advClick="0" advTm="0">
-        <p:fade/>
-      </p:transition>
-    </mc:Fallback>
-  </mc:AlternateContent>
-</p:sld>
-</file>
-
-<file path=ppt/slides/slide20.xml><?xml version="1.0" encoding="utf-8"?>
+<file path=ppt/slides/slide23.xml><?xml version="1.0" encoding="utf-8"?>
 <p:sld xmlns:a="http://schemas.openxmlformats.org/drawingml/2006/main" xmlns:r="http://schemas.openxmlformats.org/officeDocument/2006/relationships" xmlns:p="http://schemas.openxmlformats.org/presentationml/2006/main">
   <p:cSld>
     <p:bg>

--- a/TNote_presentation.pptx
+++ b/TNote_presentation.pptx
@@ -10409,7 +10409,7 @@
         <p:spPr>
           <a:xfrm>
             <a:off x="2900218" y="2238194"/>
-            <a:ext cx="7914968" cy="1318181"/>
+            <a:ext cx="7914968" cy="2610843"/>
           </a:xfrm>
           <a:prstGeom prst="rect">
             <a:avLst/>
@@ -10467,6 +10467,53 @@
               </a:rPr>
               <a:t> design</a:t>
             </a:r>
+          </a:p>
+          <a:p>
+            <a:pPr marL="742950" lvl="1" indent="-285750">
+              <a:lnSpc>
+                <a:spcPct val="150000"/>
+              </a:lnSpc>
+              <a:buFont typeface="Arial" panose="020B0604020202020204" pitchFamily="34" charset="0"/>
+              <a:buChar char="•"/>
+            </a:pPr>
+            <a:r>
+              <a:rPr lang="en-GB" sz="2800" dirty="0" err="1">
+                <a:solidFill>
+                  <a:schemeClr val="bg1"/>
+                </a:solidFill>
+              </a:rPr>
+              <a:t>Egyszer</a:t>
+            </a:r>
+            <a:r>
+              <a:rPr lang="hu-HU" sz="2800" dirty="0">
+                <a:solidFill>
+                  <a:schemeClr val="bg1"/>
+                </a:solidFill>
+              </a:rPr>
+              <a:t>ű</a:t>
+            </a:r>
+          </a:p>
+          <a:p>
+            <a:pPr marL="742950" lvl="1" indent="-285750">
+              <a:lnSpc>
+                <a:spcPct val="150000"/>
+              </a:lnSpc>
+              <a:buFont typeface="Arial" panose="020B0604020202020204" pitchFamily="34" charset="0"/>
+              <a:buChar char="•"/>
+            </a:pPr>
+            <a:r>
+              <a:rPr lang="hu-HU" sz="2800" dirty="0">
+                <a:solidFill>
+                  <a:schemeClr val="bg1"/>
+                </a:solidFill>
+              </a:rPr>
+              <a:t>Letisztult</a:t>
+            </a:r>
+            <a:endParaRPr lang="en-GB" sz="2800" dirty="0">
+              <a:solidFill>
+                <a:schemeClr val="bg1"/>
+              </a:solidFill>
+            </a:endParaRPr>
           </a:p>
         </p:txBody>
       </p:sp>
@@ -11566,7 +11613,7 @@
         <p:spPr>
           <a:xfrm>
             <a:off x="2900218" y="2238194"/>
-            <a:ext cx="7914968" cy="1318181"/>
+            <a:ext cx="7914968" cy="2610843"/>
           </a:xfrm>
           <a:prstGeom prst="rect">
             <a:avLst/>
@@ -11656,6 +11703,50 @@
               </a:rPr>
               <a:t> design</a:t>
             </a:r>
+            <a:endParaRPr lang="hu-HU" sz="2800" dirty="0">
+              <a:solidFill>
+                <a:schemeClr val="bg1"/>
+              </a:solidFill>
+            </a:endParaRPr>
+          </a:p>
+          <a:p>
+            <a:pPr marL="742950" lvl="1" indent="-285750">
+              <a:lnSpc>
+                <a:spcPct val="150000"/>
+              </a:lnSpc>
+              <a:buFont typeface="Arial" panose="020B0604020202020204" pitchFamily="34" charset="0"/>
+              <a:buChar char="•"/>
+            </a:pPr>
+            <a:r>
+              <a:rPr lang="hu-HU" sz="2800" dirty="0">
+                <a:solidFill>
+                  <a:schemeClr val="bg1"/>
+                </a:solidFill>
+              </a:rPr>
+              <a:t>Színek</a:t>
+            </a:r>
+          </a:p>
+          <a:p>
+            <a:pPr marL="742950" lvl="1" indent="-285750">
+              <a:lnSpc>
+                <a:spcPct val="150000"/>
+              </a:lnSpc>
+              <a:buFont typeface="Arial" panose="020B0604020202020204" pitchFamily="34" charset="0"/>
+              <a:buChar char="•"/>
+            </a:pPr>
+            <a:r>
+              <a:rPr lang="hu-HU" sz="2800" dirty="0" err="1">
+                <a:solidFill>
+                  <a:schemeClr val="bg1"/>
+                </a:solidFill>
+              </a:rPr>
+              <a:t>Logo</a:t>
+            </a:r>
+            <a:endParaRPr lang="en-GB" sz="2800" dirty="0">
+              <a:solidFill>
+                <a:schemeClr val="bg1"/>
+              </a:solidFill>
+            </a:endParaRPr>
           </a:p>
         </p:txBody>
       </p:sp>
@@ -14159,13 +14250,13 @@
   <p:clrMapOvr>
     <a:masterClrMapping/>
   </p:clrMapOvr>
-  <mc:AlternateContent xmlns:mc="http://schemas.openxmlformats.org/markup-compatibility/2006">
-    <mc:Choice xmlns:p159="http://schemas.microsoft.com/office/powerpoint/2015/09/main" Requires="p159">
+  <mc:AlternateContent xmlns:mc="http://schemas.openxmlformats.org/markup-compatibility/2006" xmlns:p159="http://schemas.microsoft.com/office/powerpoint/2015/09/main">
+    <mc:Choice Requires="p159">
       <p:transition spd="med">
         <p159:morph option="byObject"/>
       </p:transition>
     </mc:Choice>
-    <mc:Fallback>
+    <mc:Fallback xmlns="">
       <p:transition spd="med">
         <p:fade/>
       </p:transition>
@@ -15295,13 +15386,13 @@
   <p:clrMapOvr>
     <a:masterClrMapping/>
   </p:clrMapOvr>
-  <mc:AlternateContent xmlns:mc="http://schemas.openxmlformats.org/markup-compatibility/2006">
-    <mc:Choice xmlns:p159="http://schemas.microsoft.com/office/powerpoint/2015/09/main" Requires="p159">
+  <mc:AlternateContent xmlns:mc="http://schemas.openxmlformats.org/markup-compatibility/2006" xmlns:p159="http://schemas.microsoft.com/office/powerpoint/2015/09/main">
+    <mc:Choice Requires="p159">
       <p:transition spd="med">
         <p159:morph option="byObject"/>
       </p:transition>
     </mc:Choice>
-    <mc:Fallback>
+    <mc:Fallback xmlns="">
       <p:transition spd="med">
         <p:fade/>
       </p:transition>
@@ -16453,13 +16544,13 @@
   <p:clrMapOvr>
     <a:masterClrMapping/>
   </p:clrMapOvr>
-  <mc:AlternateContent xmlns:mc="http://schemas.openxmlformats.org/markup-compatibility/2006">
-    <mc:Choice xmlns:p159="http://schemas.microsoft.com/office/powerpoint/2015/09/main" Requires="p159">
+  <mc:AlternateContent xmlns:mc="http://schemas.openxmlformats.org/markup-compatibility/2006" xmlns:p159="http://schemas.microsoft.com/office/powerpoint/2015/09/main">
+    <mc:Choice Requires="p159">
       <p:transition spd="med">
         <p159:morph option="byObject"/>
       </p:transition>
     </mc:Choice>
-    <mc:Fallback>
+    <mc:Fallback xmlns="">
       <p:transition spd="med">
         <p:fade/>
       </p:transition>

--- a/TNote_presentation.pptx
+++ b/TNote_presentation.pptx
@@ -6855,6 +6855,49 @@
           </a:p>
         </p:txBody>
       </p:sp>
+      <p:pic>
+        <p:nvPicPr>
+          <p:cNvPr id="9" name="Picture 8">
+            <a:extLst>
+              <a:ext uri="{FF2B5EF4-FFF2-40B4-BE49-F238E27FC236}">
+                <a16:creationId xmlns:a16="http://schemas.microsoft.com/office/drawing/2014/main" id="{8003783C-632F-2418-6CC5-8B9C6F580BFC}"/>
+              </a:ext>
+            </a:extLst>
+          </p:cNvPr>
+          <p:cNvPicPr>
+            <a:picLocks noChangeAspect="1"/>
+          </p:cNvPicPr>
+          <p:nvPr/>
+        </p:nvPicPr>
+        <p:blipFill>
+          <a:blip r:embed="rId27">
+            <a:extLst>
+              <a:ext uri="{28A0092B-C50C-407E-A947-70E740481C1C}">
+                <a14:useLocalDpi xmlns:a14="http://schemas.microsoft.com/office/drawing/2010/main" val="0"/>
+              </a:ext>
+            </a:extLst>
+          </a:blip>
+          <a:stretch>
+            <a:fillRect/>
+          </a:stretch>
+        </p:blipFill>
+        <p:spPr>
+          <a:xfrm>
+            <a:off x="8005442" y="803116"/>
+            <a:ext cx="3642617" cy="5270814"/>
+          </a:xfrm>
+          <a:prstGeom prst="rect">
+            <a:avLst/>
+          </a:prstGeom>
+          <a:blipFill dpi="0" rotWithShape="1">
+            <a:blip r:embed="rId28">
+              <a:alphaModFix amt="12000"/>
+            </a:blip>
+            <a:srcRect/>
+            <a:tile tx="76200" ty="0" sx="100000" sy="100000" flip="none" algn="tl"/>
+          </a:blipFill>
+        </p:spPr>
+      </p:pic>
     </p:spTree>
     <p:extLst>
       <p:ext uri="{BB962C8B-B14F-4D97-AF65-F5344CB8AC3E}">

--- a/TNote_presentation.pptx
+++ b/TNote_presentation.pptx
@@ -14249,7 +14249,7 @@
         <p:spPr>
           <a:xfrm>
             <a:off x="2900218" y="2238194"/>
-            <a:ext cx="7914968" cy="671851"/>
+            <a:ext cx="7914968" cy="1318181"/>
           </a:xfrm>
           <a:prstGeom prst="rect">
             <a:avLst/>
@@ -14278,8 +14278,99 @@
                   </a:schemeClr>
                 </a:solidFill>
               </a:rPr>
-              <a:t>P</a:t>
+              <a:t>S</a:t>
             </a:r>
+            <a:r>
+              <a:rPr lang="en-US" sz="2800" dirty="0" err="1">
+                <a:solidFill>
+                  <a:schemeClr val="tx1">
+                    <a:lumMod val="75000"/>
+                    <a:lumOff val="25000"/>
+                  </a:schemeClr>
+                </a:solidFill>
+              </a:rPr>
+              <a:t>zokások</a:t>
+            </a:r>
+            <a:r>
+              <a:rPr lang="en-US" sz="2800" dirty="0">
+                <a:solidFill>
+                  <a:schemeClr val="tx1">
+                    <a:lumMod val="75000"/>
+                    <a:lumOff val="25000"/>
+                  </a:schemeClr>
+                </a:solidFill>
+              </a:rPr>
+              <a:t> </a:t>
+            </a:r>
+            <a:r>
+              <a:rPr lang="en-US" sz="2800" dirty="0" err="1">
+                <a:solidFill>
+                  <a:schemeClr val="tx1">
+                    <a:lumMod val="75000"/>
+                    <a:lumOff val="25000"/>
+                  </a:schemeClr>
+                </a:solidFill>
+              </a:rPr>
+              <a:t>megörzése</a:t>
+            </a:r>
+            <a:endParaRPr lang="en-US" sz="2800" dirty="0">
+              <a:solidFill>
+                <a:schemeClr val="tx1">
+                  <a:lumMod val="75000"/>
+                  <a:lumOff val="25000"/>
+                </a:schemeClr>
+              </a:solidFill>
+            </a:endParaRPr>
+          </a:p>
+          <a:p>
+            <a:pPr marL="285750" indent="-285750">
+              <a:lnSpc>
+                <a:spcPct val="150000"/>
+              </a:lnSpc>
+              <a:buFont typeface="Arial" panose="020B0604020202020204" pitchFamily="34" charset="0"/>
+              <a:buChar char="•"/>
+            </a:pPr>
+            <a:r>
+              <a:rPr lang="en-US" sz="2800" dirty="0" err="1">
+                <a:solidFill>
+                  <a:schemeClr val="tx1">
+                    <a:lumMod val="75000"/>
+                    <a:lumOff val="25000"/>
+                  </a:schemeClr>
+                </a:solidFill>
+              </a:rPr>
+              <a:t>Üzemeltetői</a:t>
+            </a:r>
+            <a:r>
+              <a:rPr lang="en-US" sz="2800" dirty="0">
+                <a:solidFill>
+                  <a:schemeClr val="tx1">
+                    <a:lumMod val="75000"/>
+                    <a:lumOff val="25000"/>
+                  </a:schemeClr>
+                </a:solidFill>
+              </a:rPr>
+              <a:t> </a:t>
+            </a:r>
+            <a:r>
+              <a:rPr lang="en-US" sz="2800" dirty="0" err="1">
+                <a:solidFill>
+                  <a:schemeClr val="tx1">
+                    <a:lumMod val="75000"/>
+                    <a:lumOff val="25000"/>
+                  </a:schemeClr>
+                </a:solidFill>
+              </a:rPr>
+              <a:t>oldal</a:t>
+            </a:r>
+            <a:endParaRPr lang="en-GB" sz="2800" dirty="0">
+              <a:solidFill>
+                <a:schemeClr val="tx1">
+                  <a:lumMod val="75000"/>
+                  <a:lumOff val="25000"/>
+                </a:schemeClr>
+              </a:solidFill>
+            </a:endParaRPr>
           </a:p>
         </p:txBody>
       </p:sp>
@@ -15385,7 +15476,7 @@
         <p:spPr>
           <a:xfrm>
             <a:off x="2900218" y="2238194"/>
-            <a:ext cx="7914968" cy="671851"/>
+            <a:ext cx="7914968" cy="3257174"/>
           </a:xfrm>
           <a:prstGeom prst="rect">
             <a:avLst/>
@@ -15414,8 +15505,194 @@
                   </a:schemeClr>
                 </a:solidFill>
               </a:rPr>
-              <a:t>P</a:t>
+              <a:t>Minimum </a:t>
             </a:r>
+            <a:r>
+              <a:rPr lang="en-GB" sz="2800" dirty="0" err="1">
+                <a:solidFill>
+                  <a:schemeClr val="tx1">
+                    <a:lumMod val="75000"/>
+                    <a:lumOff val="25000"/>
+                  </a:schemeClr>
+                </a:solidFill>
+              </a:rPr>
+              <a:t>funkci</a:t>
+            </a:r>
+            <a:r>
+              <a:rPr lang="en-US" sz="2800" dirty="0" err="1">
+                <a:solidFill>
+                  <a:schemeClr val="tx1">
+                    <a:lumMod val="75000"/>
+                    <a:lumOff val="25000"/>
+                  </a:schemeClr>
+                </a:solidFill>
+              </a:rPr>
+              <a:t>ók</a:t>
+            </a:r>
+            <a:endParaRPr lang="en-US" sz="2800" dirty="0">
+              <a:solidFill>
+                <a:schemeClr val="tx1">
+                  <a:lumMod val="75000"/>
+                  <a:lumOff val="25000"/>
+                </a:schemeClr>
+              </a:solidFill>
+            </a:endParaRPr>
+          </a:p>
+          <a:p>
+            <a:pPr marL="285750" indent="-285750">
+              <a:lnSpc>
+                <a:spcPct val="150000"/>
+              </a:lnSpc>
+              <a:buFont typeface="Arial" panose="020B0604020202020204" pitchFamily="34" charset="0"/>
+              <a:buChar char="•"/>
+            </a:pPr>
+            <a:r>
+              <a:rPr lang="en-US" sz="2800" dirty="0" err="1">
+                <a:solidFill>
+                  <a:schemeClr val="tx1">
+                    <a:lumMod val="75000"/>
+                    <a:lumOff val="25000"/>
+                  </a:schemeClr>
+                </a:solidFill>
+              </a:rPr>
+              <a:t>Plusz</a:t>
+            </a:r>
+            <a:r>
+              <a:rPr lang="en-US" sz="2800" dirty="0">
+                <a:solidFill>
+                  <a:schemeClr val="tx1">
+                    <a:lumMod val="75000"/>
+                    <a:lumOff val="25000"/>
+                  </a:schemeClr>
+                </a:solidFill>
+              </a:rPr>
+              <a:t> </a:t>
+            </a:r>
+            <a:r>
+              <a:rPr lang="en-US" sz="2800" dirty="0" err="1">
+                <a:solidFill>
+                  <a:schemeClr val="tx1">
+                    <a:lumMod val="75000"/>
+                    <a:lumOff val="25000"/>
+                  </a:schemeClr>
+                </a:solidFill>
+              </a:rPr>
+              <a:t>funkciók</a:t>
+            </a:r>
+            <a:endParaRPr lang="en-US" sz="2800" dirty="0">
+              <a:solidFill>
+                <a:schemeClr val="tx1">
+                  <a:lumMod val="75000"/>
+                  <a:lumOff val="25000"/>
+                </a:schemeClr>
+              </a:solidFill>
+            </a:endParaRPr>
+          </a:p>
+          <a:p>
+            <a:pPr marL="285750" indent="-285750">
+              <a:lnSpc>
+                <a:spcPct val="150000"/>
+              </a:lnSpc>
+              <a:buFont typeface="Arial" panose="020B0604020202020204" pitchFamily="34" charset="0"/>
+              <a:buChar char="•"/>
+            </a:pPr>
+            <a:r>
+              <a:rPr lang="en-GB" sz="2800" dirty="0" err="1">
+                <a:solidFill>
+                  <a:schemeClr val="tx1">
+                    <a:lumMod val="75000"/>
+                    <a:lumOff val="25000"/>
+                  </a:schemeClr>
+                </a:solidFill>
+              </a:rPr>
+              <a:t>Megjelenés</a:t>
+            </a:r>
+            <a:endParaRPr lang="en-GB" sz="2800" dirty="0">
+              <a:solidFill>
+                <a:schemeClr val="tx1">
+                  <a:lumMod val="75000"/>
+                  <a:lumOff val="25000"/>
+                </a:schemeClr>
+              </a:solidFill>
+            </a:endParaRPr>
+          </a:p>
+          <a:p>
+            <a:pPr marL="742950" lvl="1" indent="-285750">
+              <a:lnSpc>
+                <a:spcPct val="150000"/>
+              </a:lnSpc>
+              <a:buFont typeface="Arial" panose="020B0604020202020204" pitchFamily="34" charset="0"/>
+              <a:buChar char="•"/>
+            </a:pPr>
+            <a:r>
+              <a:rPr lang="en-GB" sz="2800" dirty="0" err="1">
+                <a:solidFill>
+                  <a:schemeClr val="tx1">
+                    <a:lumMod val="75000"/>
+                    <a:lumOff val="25000"/>
+                  </a:schemeClr>
+                </a:solidFill>
+              </a:rPr>
+              <a:t>Színek</a:t>
+            </a:r>
+            <a:endParaRPr lang="en-GB" sz="2800" dirty="0">
+              <a:solidFill>
+                <a:schemeClr val="tx1">
+                  <a:lumMod val="75000"/>
+                  <a:lumOff val="25000"/>
+                </a:schemeClr>
+              </a:solidFill>
+            </a:endParaRPr>
+          </a:p>
+          <a:p>
+            <a:pPr marL="742950" lvl="1" indent="-285750">
+              <a:lnSpc>
+                <a:spcPct val="150000"/>
+              </a:lnSpc>
+              <a:buFont typeface="Arial" panose="020B0604020202020204" pitchFamily="34" charset="0"/>
+              <a:buChar char="•"/>
+            </a:pPr>
+            <a:r>
+              <a:rPr lang="en-GB" sz="2800" dirty="0" err="1">
+                <a:solidFill>
+                  <a:schemeClr val="tx1">
+                    <a:lumMod val="75000"/>
+                    <a:lumOff val="25000"/>
+                  </a:schemeClr>
+                </a:solidFill>
+              </a:rPr>
+              <a:t>Hasonló</a:t>
+            </a:r>
+            <a:r>
+              <a:rPr lang="en-GB" sz="2800" dirty="0">
+                <a:solidFill>
+                  <a:schemeClr val="tx1">
+                    <a:lumMod val="75000"/>
+                    <a:lumOff val="25000"/>
+                  </a:schemeClr>
+                </a:solidFill>
+              </a:rPr>
+              <a:t> </a:t>
+            </a:r>
+            <a:r>
+              <a:rPr lang="en-GB" sz="2800" dirty="0" err="1">
+                <a:solidFill>
+                  <a:schemeClr val="tx1">
+                    <a:lumMod val="75000"/>
+                    <a:lumOff val="25000"/>
+                  </a:schemeClr>
+                </a:solidFill>
+              </a:rPr>
+              <a:t>alkalmazások</a:t>
+            </a:r>
+            <a:endParaRPr lang="en-GB" sz="2800" dirty="0">
+              <a:solidFill>
+                <a:schemeClr val="tx1">
+                  <a:lumMod val="75000"/>
+                  <a:lumOff val="25000"/>
+                </a:schemeClr>
+              </a:solidFill>
+            </a:endParaRPr>
           </a:p>
         </p:txBody>
       </p:sp>
@@ -16543,7 +16820,7 @@
         <p:spPr>
           <a:xfrm>
             <a:off x="2900218" y="2238194"/>
-            <a:ext cx="7914968" cy="671851"/>
+            <a:ext cx="7914968" cy="1964512"/>
           </a:xfrm>
           <a:prstGeom prst="rect">
             <a:avLst/>
@@ -16564,6 +16841,17 @@
               <a:buChar char="•"/>
             </a:pPr>
             <a:r>
+              <a:rPr lang="en-GB" sz="2800" dirty="0" err="1">
+                <a:solidFill>
+                  <a:schemeClr val="tx1">
+                    <a:lumMod val="75000"/>
+                    <a:lumOff val="25000"/>
+                  </a:schemeClr>
+                </a:solidFill>
+              </a:rPr>
+              <a:t>Megvalósítótt</a:t>
+            </a:r>
+            <a:r>
               <a:rPr lang="en-GB" sz="2800" dirty="0">
                 <a:solidFill>
                   <a:schemeClr val="tx1">
@@ -16572,8 +16860,72 @@
                   </a:schemeClr>
                 </a:solidFill>
               </a:rPr>
-              <a:t>P</a:t>
+              <a:t> </a:t>
             </a:r>
+            <a:r>
+              <a:rPr lang="en-GB" sz="2800" dirty="0" err="1">
+                <a:solidFill>
+                  <a:schemeClr val="tx1">
+                    <a:lumMod val="75000"/>
+                    <a:lumOff val="25000"/>
+                  </a:schemeClr>
+                </a:solidFill>
+              </a:rPr>
+              <a:t>funkciók</a:t>
+            </a:r>
+            <a:endParaRPr lang="en-GB" sz="2800" dirty="0">
+              <a:solidFill>
+                <a:schemeClr val="tx1">
+                  <a:lumMod val="75000"/>
+                  <a:lumOff val="25000"/>
+                </a:schemeClr>
+              </a:solidFill>
+            </a:endParaRPr>
+          </a:p>
+          <a:p>
+            <a:pPr marL="285750" indent="-285750">
+              <a:lnSpc>
+                <a:spcPct val="150000"/>
+              </a:lnSpc>
+              <a:buFont typeface="Arial" panose="020B0604020202020204" pitchFamily="34" charset="0"/>
+              <a:buChar char="•"/>
+            </a:pPr>
+            <a:r>
+              <a:rPr lang="en-GB" sz="2800" dirty="0" err="1">
+                <a:solidFill>
+                  <a:schemeClr val="tx1">
+                    <a:lumMod val="75000"/>
+                    <a:lumOff val="25000"/>
+                  </a:schemeClr>
+                </a:solidFill>
+              </a:rPr>
+              <a:t>Továbbfejleszthetőség</a:t>
+            </a:r>
+            <a:endParaRPr lang="en-GB" sz="2800" dirty="0">
+              <a:solidFill>
+                <a:schemeClr val="tx1">
+                  <a:lumMod val="75000"/>
+                  <a:lumOff val="25000"/>
+                </a:schemeClr>
+              </a:solidFill>
+            </a:endParaRPr>
+          </a:p>
+          <a:p>
+            <a:pPr marL="285750" indent="-285750">
+              <a:lnSpc>
+                <a:spcPct val="150000"/>
+              </a:lnSpc>
+              <a:buFont typeface="Arial" panose="020B0604020202020204" pitchFamily="34" charset="0"/>
+              <a:buChar char="•"/>
+            </a:pPr>
+            <a:endParaRPr lang="en-GB" sz="2800" dirty="0">
+              <a:solidFill>
+                <a:schemeClr val="tx1">
+                  <a:lumMod val="75000"/>
+                  <a:lumOff val="25000"/>
+                </a:schemeClr>
+              </a:solidFill>
+            </a:endParaRPr>
           </a:p>
         </p:txBody>
       </p:sp>

--- a/TNote_presentation.pptx
+++ b/TNote_presentation.pptx
@@ -25,9 +25,12 @@
     <p:sldId id="277" r:id="rId19"/>
     <p:sldId id="278" r:id="rId20"/>
     <p:sldId id="260" r:id="rId21"/>
-    <p:sldId id="261" r:id="rId22"/>
-    <p:sldId id="265" r:id="rId23"/>
-    <p:sldId id="266" r:id="rId24"/>
+    <p:sldId id="282" r:id="rId22"/>
+    <p:sldId id="283" r:id="rId23"/>
+    <p:sldId id="284" r:id="rId24"/>
+    <p:sldId id="261" r:id="rId25"/>
+    <p:sldId id="265" r:id="rId26"/>
+    <p:sldId id="266" r:id="rId27"/>
   </p:sldIdLst>
   <p:sldSz cx="12192000" cy="6858000"/>
   <p:notesSz cx="6858000" cy="9144000"/>
@@ -292,7 +295,7 @@
           <a:p>
             <a:fld id="{B1200C0F-EA8B-4BF8-8259-510ECFA91363}" type="datetimeFigureOut">
               <a:rPr lang="en-US" smtClean="0"/>
-              <a:t>4/29/2022</a:t>
+              <a:t>4/30/2022</a:t>
             </a:fld>
             <a:endParaRPr lang="en-US"/>
           </a:p>
@@ -490,7 +493,7 @@
           <a:p>
             <a:fld id="{B1200C0F-EA8B-4BF8-8259-510ECFA91363}" type="datetimeFigureOut">
               <a:rPr lang="en-US" smtClean="0"/>
-              <a:t>4/29/2022</a:t>
+              <a:t>4/30/2022</a:t>
             </a:fld>
             <a:endParaRPr lang="en-US"/>
           </a:p>
@@ -698,7 +701,7 @@
           <a:p>
             <a:fld id="{B1200C0F-EA8B-4BF8-8259-510ECFA91363}" type="datetimeFigureOut">
               <a:rPr lang="en-US" smtClean="0"/>
-              <a:t>4/29/2022</a:t>
+              <a:t>4/30/2022</a:t>
             </a:fld>
             <a:endParaRPr lang="en-US"/>
           </a:p>
@@ -896,7 +899,7 @@
           <a:p>
             <a:fld id="{B1200C0F-EA8B-4BF8-8259-510ECFA91363}" type="datetimeFigureOut">
               <a:rPr lang="en-US" smtClean="0"/>
-              <a:t>4/29/2022</a:t>
+              <a:t>4/30/2022</a:t>
             </a:fld>
             <a:endParaRPr lang="en-US"/>
           </a:p>
@@ -1171,7 +1174,7 @@
           <a:p>
             <a:fld id="{B1200C0F-EA8B-4BF8-8259-510ECFA91363}" type="datetimeFigureOut">
               <a:rPr lang="en-US" smtClean="0"/>
-              <a:t>4/29/2022</a:t>
+              <a:t>4/30/2022</a:t>
             </a:fld>
             <a:endParaRPr lang="en-US"/>
           </a:p>
@@ -1436,7 +1439,7 @@
           <a:p>
             <a:fld id="{B1200C0F-EA8B-4BF8-8259-510ECFA91363}" type="datetimeFigureOut">
               <a:rPr lang="en-US" smtClean="0"/>
-              <a:t>4/29/2022</a:t>
+              <a:t>4/30/2022</a:t>
             </a:fld>
             <a:endParaRPr lang="en-US"/>
           </a:p>
@@ -1848,7 +1851,7 @@
           <a:p>
             <a:fld id="{B1200C0F-EA8B-4BF8-8259-510ECFA91363}" type="datetimeFigureOut">
               <a:rPr lang="en-US" smtClean="0"/>
-              <a:t>4/29/2022</a:t>
+              <a:t>4/30/2022</a:t>
             </a:fld>
             <a:endParaRPr lang="en-US"/>
           </a:p>
@@ -1989,7 +1992,7 @@
           <a:p>
             <a:fld id="{B1200C0F-EA8B-4BF8-8259-510ECFA91363}" type="datetimeFigureOut">
               <a:rPr lang="en-US" smtClean="0"/>
-              <a:t>4/29/2022</a:t>
+              <a:t>4/30/2022</a:t>
             </a:fld>
             <a:endParaRPr lang="en-US"/>
           </a:p>
@@ -2102,7 +2105,7 @@
           <a:p>
             <a:fld id="{B1200C0F-EA8B-4BF8-8259-510ECFA91363}" type="datetimeFigureOut">
               <a:rPr lang="en-US" smtClean="0"/>
-              <a:t>4/29/2022</a:t>
+              <a:t>4/30/2022</a:t>
             </a:fld>
             <a:endParaRPr lang="en-US"/>
           </a:p>
@@ -2413,7 +2416,7 @@
           <a:p>
             <a:fld id="{B1200C0F-EA8B-4BF8-8259-510ECFA91363}" type="datetimeFigureOut">
               <a:rPr lang="en-US" smtClean="0"/>
-              <a:t>4/29/2022</a:t>
+              <a:t>4/30/2022</a:t>
             </a:fld>
             <a:endParaRPr lang="en-US"/>
           </a:p>
@@ -2701,7 +2704,7 @@
           <a:p>
             <a:fld id="{B1200C0F-EA8B-4BF8-8259-510ECFA91363}" type="datetimeFigureOut">
               <a:rPr lang="en-US" smtClean="0"/>
-              <a:t>4/29/2022</a:t>
+              <a:t>4/30/2022</a:t>
             </a:fld>
             <a:endParaRPr lang="en-US"/>
           </a:p>
@@ -2942,7 +2945,7 @@
           <a:p>
             <a:fld id="{B1200C0F-EA8B-4BF8-8259-510ECFA91363}" type="datetimeFigureOut">
               <a:rPr lang="en-US" smtClean="0"/>
-              <a:t>4/29/2022</a:t>
+              <a:t>4/30/2022</a:t>
             </a:fld>
             <a:endParaRPr lang="en-US"/>
           </a:p>
@@ -19302,7 +19305,7 @@
         <p:spPr>
           <a:xfrm>
             <a:off x="2900218" y="2238194"/>
-            <a:ext cx="7914968" cy="1318181"/>
+            <a:ext cx="7914968" cy="1964512"/>
           </a:xfrm>
           <a:prstGeom prst="rect">
             <a:avLst/>
@@ -19323,7 +19326,7 @@
               <a:buChar char="•"/>
             </a:pPr>
             <a:r>
-              <a:rPr lang="en-GB" sz="2800" dirty="0" err="1">
+              <a:rPr lang="hu-HU" sz="2800" dirty="0">
                 <a:solidFill>
                   <a:schemeClr val="tx1">
                     <a:lumMod val="75000"/>
@@ -19331,7 +19334,7 @@
                   </a:schemeClr>
                 </a:solidFill>
               </a:rPr>
-              <a:t>Példa</a:t>
+              <a:t>A web célja</a:t>
             </a:r>
             <a:endParaRPr lang="en-GB" sz="2800" dirty="0">
               <a:solidFill>
@@ -19351,7 +19354,7 @@
               <a:buChar char="•"/>
             </a:pPr>
             <a:r>
-              <a:rPr lang="en-GB" sz="2800" dirty="0">
+              <a:rPr lang="hu-HU" sz="2800" dirty="0">
                 <a:solidFill>
                   <a:schemeClr val="tx1">
                     <a:lumMod val="75000"/>
@@ -19359,8 +19362,36 @@
                   </a:schemeClr>
                 </a:solidFill>
               </a:rPr>
-              <a:t>Lista</a:t>
+              <a:t>Tervezés</a:t>
             </a:r>
+          </a:p>
+          <a:p>
+            <a:pPr marL="285750" indent="-285750">
+              <a:lnSpc>
+                <a:spcPct val="150000"/>
+              </a:lnSpc>
+              <a:buFont typeface="Arial" panose="020B0604020202020204" pitchFamily="34" charset="0"/>
+              <a:buChar char="•"/>
+            </a:pPr>
+            <a:r>
+              <a:rPr lang="hu-HU" sz="2800" dirty="0">
+                <a:solidFill>
+                  <a:schemeClr val="tx1">
+                    <a:lumMod val="75000"/>
+                    <a:lumOff val="25000"/>
+                  </a:schemeClr>
+                </a:solidFill>
+              </a:rPr>
+              <a:t>Megvalósítás</a:t>
+            </a:r>
+            <a:endParaRPr lang="en-GB" sz="2800" dirty="0">
+              <a:solidFill>
+                <a:schemeClr val="tx1">
+                  <a:lumMod val="75000"/>
+                  <a:lumOff val="25000"/>
+                </a:schemeClr>
+              </a:solidFill>
+            </a:endParaRPr>
           </a:p>
         </p:txBody>
       </p:sp>
@@ -19416,10 +19447,10 @@
       </p:grpSpPr>
       <p:sp>
         <p:nvSpPr>
-          <p:cNvPr id="2" name="Rectangle 1">
-            <a:extLst>
-              <a:ext uri="{FF2B5EF4-FFF2-40B4-BE49-F238E27FC236}">
-                <a16:creationId xmlns:a16="http://schemas.microsoft.com/office/drawing/2014/main" id="{023FE071-97D0-49F3-A513-4E6A85A5C847}"/>
+          <p:cNvPr id="27" name="Rectangle 26">
+            <a:extLst>
+              <a:ext uri="{FF2B5EF4-FFF2-40B4-BE49-F238E27FC236}">
+                <a16:creationId xmlns:a16="http://schemas.microsoft.com/office/drawing/2014/main" id="{D31E09A5-A24E-475B-8296-E682AD29151F}"/>
               </a:ext>
             </a:extLst>
           </p:cNvPr>
@@ -19428,7 +19459,7 @@
         </p:nvSpPr>
         <p:spPr>
           <a:xfrm>
-            <a:off x="2043877" y="-7180"/>
+            <a:off x="-13093069" y="-33405"/>
             <a:ext cx="12238739" cy="6891405"/>
           </a:xfrm>
           <a:prstGeom prst="rect">
@@ -20474,24 +20505,168 @@
           </a:prstGeom>
         </p:spPr>
       </p:pic>
+      <p:sp>
+        <p:nvSpPr>
+          <p:cNvPr id="25" name="TextBox 24">
+            <a:extLst>
+              <a:ext uri="{FF2B5EF4-FFF2-40B4-BE49-F238E27FC236}">
+                <a16:creationId xmlns:a16="http://schemas.microsoft.com/office/drawing/2014/main" id="{BA5872AB-020C-4572-99A8-155DD76699D0}"/>
+              </a:ext>
+            </a:extLst>
+          </p:cNvPr>
+          <p:cNvSpPr txBox="1"/>
+          <p:nvPr/>
+        </p:nvSpPr>
+        <p:spPr>
+          <a:xfrm>
+            <a:off x="2900217" y="582884"/>
+            <a:ext cx="7914968" cy="1015663"/>
+          </a:xfrm>
+          <a:prstGeom prst="rect">
+            <a:avLst/>
+          </a:prstGeom>
+          <a:noFill/>
+        </p:spPr>
+        <p:txBody>
+          <a:bodyPr wrap="square" rtlCol="0">
+            <a:spAutoFit/>
+          </a:bodyPr>
+          <a:lstStyle/>
+          <a:p>
+            <a:r>
+              <a:rPr lang="hu-HU" sz="6000" dirty="0">
+                <a:solidFill>
+                  <a:schemeClr val="tx1">
+                    <a:lumMod val="75000"/>
+                    <a:lumOff val="25000"/>
+                  </a:schemeClr>
+                </a:solidFill>
+              </a:rPr>
+              <a:t>A web célja</a:t>
+            </a:r>
+            <a:endParaRPr lang="en-US" sz="6000" dirty="0">
+              <a:solidFill>
+                <a:schemeClr val="tx1">
+                  <a:lumMod val="75000"/>
+                  <a:lumOff val="25000"/>
+                </a:schemeClr>
+              </a:solidFill>
+            </a:endParaRPr>
+          </a:p>
+        </p:txBody>
+      </p:sp>
+      <p:sp>
+        <p:nvSpPr>
+          <p:cNvPr id="26" name="TextBox 25">
+            <a:extLst>
+              <a:ext uri="{FF2B5EF4-FFF2-40B4-BE49-F238E27FC236}">
+                <a16:creationId xmlns:a16="http://schemas.microsoft.com/office/drawing/2014/main" id="{7BCCD462-E9EB-4C4E-9236-DD330D456F87}"/>
+              </a:ext>
+            </a:extLst>
+          </p:cNvPr>
+          <p:cNvSpPr txBox="1"/>
+          <p:nvPr/>
+        </p:nvSpPr>
+        <p:spPr>
+          <a:xfrm>
+            <a:off x="2900218" y="2238194"/>
+            <a:ext cx="7914968" cy="1964512"/>
+          </a:xfrm>
+          <a:prstGeom prst="rect">
+            <a:avLst/>
+          </a:prstGeom>
+          <a:noFill/>
+        </p:spPr>
+        <p:txBody>
+          <a:bodyPr wrap="square" rtlCol="0">
+            <a:spAutoFit/>
+          </a:bodyPr>
+          <a:lstStyle/>
+          <a:p>
+            <a:pPr marL="285750" indent="-285750">
+              <a:lnSpc>
+                <a:spcPct val="150000"/>
+              </a:lnSpc>
+              <a:buFont typeface="Arial" panose="020B0604020202020204" pitchFamily="34" charset="0"/>
+              <a:buChar char="•"/>
+            </a:pPr>
+            <a:r>
+              <a:rPr lang="hu-HU" sz="2800" dirty="0">
+                <a:solidFill>
+                  <a:schemeClr val="tx1">
+                    <a:lumMod val="75000"/>
+                    <a:lumOff val="25000"/>
+                  </a:schemeClr>
+                </a:solidFill>
+              </a:rPr>
+              <a:t>Könnyen elérhető</a:t>
+            </a:r>
+            <a:endParaRPr lang="en-GB" sz="2800" dirty="0">
+              <a:solidFill>
+                <a:schemeClr val="tx1">
+                  <a:lumMod val="75000"/>
+                  <a:lumOff val="25000"/>
+                </a:schemeClr>
+              </a:solidFill>
+            </a:endParaRPr>
+          </a:p>
+          <a:p>
+            <a:pPr marL="285750" indent="-285750">
+              <a:lnSpc>
+                <a:spcPct val="150000"/>
+              </a:lnSpc>
+              <a:buFont typeface="Arial" panose="020B0604020202020204" pitchFamily="34" charset="0"/>
+              <a:buChar char="•"/>
+            </a:pPr>
+            <a:r>
+              <a:rPr lang="hu-HU" sz="2800" dirty="0">
+                <a:solidFill>
+                  <a:schemeClr val="tx1">
+                    <a:lumMod val="75000"/>
+                    <a:lumOff val="25000"/>
+                  </a:schemeClr>
+                </a:solidFill>
+              </a:rPr>
+              <a:t>Reszponzív kinézet</a:t>
+            </a:r>
+          </a:p>
+          <a:p>
+            <a:pPr marL="285750" indent="-285750">
+              <a:lnSpc>
+                <a:spcPct val="150000"/>
+              </a:lnSpc>
+              <a:buFont typeface="Arial" panose="020B0604020202020204" pitchFamily="34" charset="0"/>
+              <a:buChar char="•"/>
+            </a:pPr>
+            <a:endParaRPr lang="en-GB" sz="2800" dirty="0">
+              <a:solidFill>
+                <a:schemeClr val="tx1">
+                  <a:lumMod val="75000"/>
+                  <a:lumOff val="25000"/>
+                </a:schemeClr>
+              </a:solidFill>
+            </a:endParaRPr>
+          </a:p>
+        </p:txBody>
+      </p:sp>
     </p:spTree>
     <p:extLst>
       <p:ext uri="{BB962C8B-B14F-4D97-AF65-F5344CB8AC3E}">
-        <p14:creationId xmlns:p14="http://schemas.microsoft.com/office/powerpoint/2010/main" val="4205130239"/>
+        <p14:creationId xmlns:p14="http://schemas.microsoft.com/office/powerpoint/2010/main" val="1289212268"/>
       </p:ext>
     </p:extLst>
   </p:cSld>
   <p:clrMapOvr>
     <a:masterClrMapping/>
   </p:clrMapOvr>
-  <mc:AlternateContent xmlns:mc="http://schemas.openxmlformats.org/markup-compatibility/2006" xmlns:p159="http://schemas.microsoft.com/office/powerpoint/2015/09/main">
-    <mc:Choice Requires="p159">
-      <p:transition spd="med" advClick="0" advTm="0">
+  <mc:AlternateContent xmlns:mc="http://schemas.openxmlformats.org/markup-compatibility/2006">
+    <mc:Choice xmlns:p159="http://schemas.microsoft.com/office/powerpoint/2015/09/main" Requires="p159">
+      <p:transition spd="med">
         <p159:morph option="byObject"/>
       </p:transition>
     </mc:Choice>
-    <mc:Fallback xmlns="">
-      <p:transition spd="med" advClick="0" advTm="0">
+    <mc:Fallback>
+      <p:transition spd="med">
         <p:fade/>
       </p:transition>
     </mc:Fallback>
@@ -20524,6 +20699,79 @@
           <a:chExt cx="0" cy="0"/>
         </a:xfrm>
       </p:grpSpPr>
+      <p:sp>
+        <p:nvSpPr>
+          <p:cNvPr id="27" name="Rectangle 26">
+            <a:extLst>
+              <a:ext uri="{FF2B5EF4-FFF2-40B4-BE49-F238E27FC236}">
+                <a16:creationId xmlns:a16="http://schemas.microsoft.com/office/drawing/2014/main" id="{D31E09A5-A24E-475B-8296-E682AD29151F}"/>
+              </a:ext>
+            </a:extLst>
+          </p:cNvPr>
+          <p:cNvSpPr/>
+          <p:nvPr/>
+        </p:nvSpPr>
+        <p:spPr>
+          <a:xfrm>
+            <a:off x="-13093069" y="-33405"/>
+            <a:ext cx="12238739" cy="6891405"/>
+          </a:xfrm>
+          <a:prstGeom prst="rect">
+            <a:avLst/>
+          </a:prstGeom>
+          <a:solidFill>
+            <a:srgbClr val="6500EE"/>
+          </a:solidFill>
+        </p:spPr>
+        <p:style>
+          <a:lnRef idx="2">
+            <a:schemeClr val="accent1">
+              <a:shade val="50000"/>
+            </a:schemeClr>
+          </a:lnRef>
+          <a:fillRef idx="1">
+            <a:schemeClr val="accent1"/>
+          </a:fillRef>
+          <a:effectRef idx="0">
+            <a:schemeClr val="accent1"/>
+          </a:effectRef>
+          <a:fontRef idx="minor">
+            <a:schemeClr val="lt1"/>
+          </a:fontRef>
+        </p:style>
+        <p:txBody>
+          <a:bodyPr rtlCol="0" anchor="ctr"/>
+          <a:lstStyle/>
+          <a:p>
+            <a:pPr algn="ctr"/>
+            <a:r>
+              <a:rPr lang="en-GB" sz="3600" dirty="0" err="1">
+                <a:latin typeface="Arial" panose="020B0604020202020204" pitchFamily="34" charset="0"/>
+                <a:cs typeface="Arial" panose="020B0604020202020204" pitchFamily="34" charset="0"/>
+              </a:rPr>
+              <a:t>Kösszönjük</a:t>
+            </a:r>
+            <a:r>
+              <a:rPr lang="en-GB" sz="3600" dirty="0">
+                <a:latin typeface="Arial" panose="020B0604020202020204" pitchFamily="34" charset="0"/>
+                <a:cs typeface="Arial" panose="020B0604020202020204" pitchFamily="34" charset="0"/>
+              </a:rPr>
+              <a:t> a </a:t>
+            </a:r>
+            <a:r>
+              <a:rPr lang="en-GB" sz="3600" dirty="0" err="1">
+                <a:latin typeface="Arial" panose="020B0604020202020204" pitchFamily="34" charset="0"/>
+                <a:cs typeface="Arial" panose="020B0604020202020204" pitchFamily="34" charset="0"/>
+              </a:rPr>
+              <a:t>figyelmet</a:t>
+            </a:r>
+            <a:endParaRPr lang="en-GB" sz="3600" dirty="0">
+              <a:latin typeface="Arial" panose="020B0604020202020204" pitchFamily="34" charset="0"/>
+              <a:cs typeface="Arial" panose="020B0604020202020204" pitchFamily="34" charset="0"/>
+            </a:endParaRPr>
+          </a:p>
+        </p:txBody>
+      </p:sp>
       <p:grpSp>
         <p:nvGrpSpPr>
           <p:cNvPr id="4" name="Group 3">
@@ -21513,6 +21761,3593 @@
       </p:pic>
       <p:sp>
         <p:nvSpPr>
+          <p:cNvPr id="26" name="TextBox 25">
+            <a:extLst>
+              <a:ext uri="{FF2B5EF4-FFF2-40B4-BE49-F238E27FC236}">
+                <a16:creationId xmlns:a16="http://schemas.microsoft.com/office/drawing/2014/main" id="{7BCCD462-E9EB-4C4E-9236-DD330D456F87}"/>
+              </a:ext>
+            </a:extLst>
+          </p:cNvPr>
+          <p:cNvSpPr txBox="1"/>
+          <p:nvPr/>
+        </p:nvSpPr>
+        <p:spPr>
+          <a:xfrm>
+            <a:off x="2900218" y="2238194"/>
+            <a:ext cx="7914968" cy="2610843"/>
+          </a:xfrm>
+          <a:prstGeom prst="rect">
+            <a:avLst/>
+          </a:prstGeom>
+          <a:noFill/>
+        </p:spPr>
+        <p:txBody>
+          <a:bodyPr wrap="square" rtlCol="0">
+            <a:spAutoFit/>
+          </a:bodyPr>
+          <a:lstStyle/>
+          <a:p>
+            <a:pPr marL="285750" indent="-285750">
+              <a:lnSpc>
+                <a:spcPct val="150000"/>
+              </a:lnSpc>
+              <a:buFont typeface="Arial" panose="020B0604020202020204" pitchFamily="34" charset="0"/>
+              <a:buChar char="•"/>
+            </a:pPr>
+            <a:r>
+              <a:rPr lang="hu-HU" sz="2800" dirty="0">
+                <a:solidFill>
+                  <a:schemeClr val="tx1">
+                    <a:lumMod val="75000"/>
+                    <a:lumOff val="25000"/>
+                  </a:schemeClr>
+                </a:solidFill>
+              </a:rPr>
+              <a:t>Funkciók</a:t>
+            </a:r>
+          </a:p>
+          <a:p>
+            <a:pPr marL="285750" indent="-285750">
+              <a:lnSpc>
+                <a:spcPct val="150000"/>
+              </a:lnSpc>
+              <a:buFont typeface="Arial" panose="020B0604020202020204" pitchFamily="34" charset="0"/>
+              <a:buChar char="•"/>
+            </a:pPr>
+            <a:r>
+              <a:rPr lang="hu-HU" sz="2800" dirty="0">
+                <a:solidFill>
+                  <a:schemeClr val="tx1">
+                    <a:lumMod val="75000"/>
+                    <a:lumOff val="25000"/>
+                  </a:schemeClr>
+                </a:solidFill>
+              </a:rPr>
+              <a:t>Tervezett kinézet</a:t>
+            </a:r>
+          </a:p>
+          <a:p>
+            <a:pPr marL="742950" lvl="1" indent="-285750">
+              <a:lnSpc>
+                <a:spcPct val="150000"/>
+              </a:lnSpc>
+              <a:buFont typeface="Arial" panose="020B0604020202020204" pitchFamily="34" charset="0"/>
+              <a:buChar char="•"/>
+            </a:pPr>
+            <a:r>
+              <a:rPr lang="hu-HU" sz="2800" dirty="0">
+                <a:solidFill>
+                  <a:schemeClr val="tx1">
+                    <a:lumMod val="75000"/>
+                    <a:lumOff val="25000"/>
+                  </a:schemeClr>
+                </a:solidFill>
+              </a:rPr>
+              <a:t>Színek</a:t>
+            </a:r>
+            <a:endParaRPr lang="hu-HU" sz="2400" dirty="0">
+              <a:solidFill>
+                <a:schemeClr val="tx1">
+                  <a:lumMod val="75000"/>
+                  <a:lumOff val="25000"/>
+                </a:schemeClr>
+              </a:solidFill>
+            </a:endParaRPr>
+          </a:p>
+          <a:p>
+            <a:pPr marL="742950" lvl="1" indent="-285750">
+              <a:lnSpc>
+                <a:spcPct val="150000"/>
+              </a:lnSpc>
+              <a:buFont typeface="Arial" panose="020B0604020202020204" pitchFamily="34" charset="0"/>
+              <a:buChar char="•"/>
+            </a:pPr>
+            <a:r>
+              <a:rPr lang="hu-HU" sz="2400" dirty="0">
+                <a:solidFill>
+                  <a:schemeClr val="tx1">
+                    <a:lumMod val="75000"/>
+                    <a:lumOff val="25000"/>
+                  </a:schemeClr>
+                </a:solidFill>
+              </a:rPr>
+              <a:t>Elemek</a:t>
+            </a:r>
+            <a:endParaRPr lang="hu-HU" sz="2800" dirty="0">
+              <a:solidFill>
+                <a:schemeClr val="tx1">
+                  <a:lumMod val="75000"/>
+                  <a:lumOff val="25000"/>
+                </a:schemeClr>
+              </a:solidFill>
+            </a:endParaRPr>
+          </a:p>
+        </p:txBody>
+      </p:sp>
+      <p:sp>
+        <p:nvSpPr>
+          <p:cNvPr id="28" name="TextBox 24">
+            <a:extLst>
+              <a:ext uri="{FF2B5EF4-FFF2-40B4-BE49-F238E27FC236}">
+                <a16:creationId xmlns:a16="http://schemas.microsoft.com/office/drawing/2014/main" id="{56670F4D-81AD-4447-A4E5-18E1F11AC3C0}"/>
+              </a:ext>
+            </a:extLst>
+          </p:cNvPr>
+          <p:cNvSpPr txBox="1"/>
+          <p:nvPr/>
+        </p:nvSpPr>
+        <p:spPr>
+          <a:xfrm>
+            <a:off x="2900217" y="582884"/>
+            <a:ext cx="7914968" cy="1015663"/>
+          </a:xfrm>
+          <a:prstGeom prst="rect">
+            <a:avLst/>
+          </a:prstGeom>
+          <a:noFill/>
+        </p:spPr>
+        <p:txBody>
+          <a:bodyPr wrap="square" rtlCol="0">
+            <a:spAutoFit/>
+          </a:bodyPr>
+          <a:lstStyle/>
+          <a:p>
+            <a:r>
+              <a:rPr lang="hu-HU" sz="6000" dirty="0">
+                <a:solidFill>
+                  <a:schemeClr val="tx1">
+                    <a:lumMod val="75000"/>
+                    <a:lumOff val="25000"/>
+                  </a:schemeClr>
+                </a:solidFill>
+              </a:rPr>
+              <a:t>Tervezés</a:t>
+            </a:r>
+            <a:endParaRPr lang="en-US" sz="6000" dirty="0">
+              <a:solidFill>
+                <a:schemeClr val="tx1">
+                  <a:lumMod val="75000"/>
+                  <a:lumOff val="25000"/>
+                </a:schemeClr>
+              </a:solidFill>
+            </a:endParaRPr>
+          </a:p>
+        </p:txBody>
+      </p:sp>
+    </p:spTree>
+    <p:extLst>
+      <p:ext uri="{BB962C8B-B14F-4D97-AF65-F5344CB8AC3E}">
+        <p14:creationId xmlns:p14="http://schemas.microsoft.com/office/powerpoint/2010/main" val="1575879559"/>
+      </p:ext>
+    </p:extLst>
+  </p:cSld>
+  <p:clrMapOvr>
+    <a:masterClrMapping/>
+  </p:clrMapOvr>
+  <mc:AlternateContent xmlns:mc="http://schemas.openxmlformats.org/markup-compatibility/2006">
+    <mc:Choice xmlns:p159="http://schemas.microsoft.com/office/powerpoint/2015/09/main" Requires="p159">
+      <p:transition spd="med">
+        <p159:morph option="byObject"/>
+      </p:transition>
+    </mc:Choice>
+    <mc:Fallback>
+      <p:transition spd="med">
+        <p:fade/>
+      </p:transition>
+    </mc:Fallback>
+  </mc:AlternateContent>
+</p:sld>
+</file>
+
+<file path=ppt/slides/slide23.xml><?xml version="1.0" encoding="utf-8"?>
+<p:sld xmlns:a="http://schemas.openxmlformats.org/drawingml/2006/main" xmlns:r="http://schemas.openxmlformats.org/officeDocument/2006/relationships" xmlns:p="http://schemas.openxmlformats.org/presentationml/2006/main">
+  <p:cSld>
+    <p:bg>
+      <p:bgPr>
+        <a:solidFill>
+          <a:srgbClr val="00F5D4"/>
+        </a:solidFill>
+        <a:effectLst/>
+      </p:bgPr>
+    </p:bg>
+    <p:spTree>
+      <p:nvGrpSpPr>
+        <p:cNvPr id="1" name=""/>
+        <p:cNvGrpSpPr/>
+        <p:nvPr/>
+      </p:nvGrpSpPr>
+      <p:grpSpPr>
+        <a:xfrm>
+          <a:off x="0" y="0"/>
+          <a:ext cx="0" cy="0"/>
+          <a:chOff x="0" y="0"/>
+          <a:chExt cx="0" cy="0"/>
+        </a:xfrm>
+      </p:grpSpPr>
+      <p:sp>
+        <p:nvSpPr>
+          <p:cNvPr id="27" name="Rectangle 26">
+            <a:extLst>
+              <a:ext uri="{FF2B5EF4-FFF2-40B4-BE49-F238E27FC236}">
+                <a16:creationId xmlns:a16="http://schemas.microsoft.com/office/drawing/2014/main" id="{D31E09A5-A24E-475B-8296-E682AD29151F}"/>
+              </a:ext>
+            </a:extLst>
+          </p:cNvPr>
+          <p:cNvSpPr/>
+          <p:nvPr/>
+        </p:nvSpPr>
+        <p:spPr>
+          <a:xfrm>
+            <a:off x="-13093069" y="-33405"/>
+            <a:ext cx="12238739" cy="6891405"/>
+          </a:xfrm>
+          <a:prstGeom prst="rect">
+            <a:avLst/>
+          </a:prstGeom>
+          <a:solidFill>
+            <a:srgbClr val="6500EE"/>
+          </a:solidFill>
+        </p:spPr>
+        <p:style>
+          <a:lnRef idx="2">
+            <a:schemeClr val="accent1">
+              <a:shade val="50000"/>
+            </a:schemeClr>
+          </a:lnRef>
+          <a:fillRef idx="1">
+            <a:schemeClr val="accent1"/>
+          </a:fillRef>
+          <a:effectRef idx="0">
+            <a:schemeClr val="accent1"/>
+          </a:effectRef>
+          <a:fontRef idx="minor">
+            <a:schemeClr val="lt1"/>
+          </a:fontRef>
+        </p:style>
+        <p:txBody>
+          <a:bodyPr rtlCol="0" anchor="ctr"/>
+          <a:lstStyle/>
+          <a:p>
+            <a:pPr algn="ctr"/>
+            <a:r>
+              <a:rPr lang="en-GB" sz="3600" dirty="0" err="1">
+                <a:latin typeface="Arial" panose="020B0604020202020204" pitchFamily="34" charset="0"/>
+                <a:cs typeface="Arial" panose="020B0604020202020204" pitchFamily="34" charset="0"/>
+              </a:rPr>
+              <a:t>Kösszönjük</a:t>
+            </a:r>
+            <a:r>
+              <a:rPr lang="en-GB" sz="3600" dirty="0">
+                <a:latin typeface="Arial" panose="020B0604020202020204" pitchFamily="34" charset="0"/>
+                <a:cs typeface="Arial" panose="020B0604020202020204" pitchFamily="34" charset="0"/>
+              </a:rPr>
+              <a:t> a </a:t>
+            </a:r>
+            <a:r>
+              <a:rPr lang="en-GB" sz="3600" dirty="0" err="1">
+                <a:latin typeface="Arial" panose="020B0604020202020204" pitchFamily="34" charset="0"/>
+                <a:cs typeface="Arial" panose="020B0604020202020204" pitchFamily="34" charset="0"/>
+              </a:rPr>
+              <a:t>figyelmet</a:t>
+            </a:r>
+            <a:endParaRPr lang="en-GB" sz="3600" dirty="0">
+              <a:latin typeface="Arial" panose="020B0604020202020204" pitchFamily="34" charset="0"/>
+              <a:cs typeface="Arial" panose="020B0604020202020204" pitchFamily="34" charset="0"/>
+            </a:endParaRPr>
+          </a:p>
+        </p:txBody>
+      </p:sp>
+      <p:grpSp>
+        <p:nvGrpSpPr>
+          <p:cNvPr id="4" name="Group 3">
+            <a:extLst>
+              <a:ext uri="{FF2B5EF4-FFF2-40B4-BE49-F238E27FC236}">
+                <a16:creationId xmlns:a16="http://schemas.microsoft.com/office/drawing/2014/main" id="{9C507828-DE51-493E-9A09-F3F1268995BF}"/>
+              </a:ext>
+            </a:extLst>
+          </p:cNvPr>
+          <p:cNvGrpSpPr/>
+          <p:nvPr/>
+        </p:nvGrpSpPr>
+        <p:grpSpPr>
+          <a:xfrm>
+            <a:off x="-841634" y="451163"/>
+            <a:ext cx="841634" cy="841634"/>
+            <a:chOff x="-841634" y="451163"/>
+            <a:chExt cx="841634" cy="841634"/>
+          </a:xfrm>
+        </p:grpSpPr>
+        <p:sp>
+          <p:nvSpPr>
+            <p:cNvPr id="5" name="Oval 4">
+              <a:extLst>
+                <a:ext uri="{FF2B5EF4-FFF2-40B4-BE49-F238E27FC236}">
+                  <a16:creationId xmlns:a16="http://schemas.microsoft.com/office/drawing/2014/main" id="{958A5FA4-FD4B-411A-873C-47D3EB738956}"/>
+                </a:ext>
+              </a:extLst>
+            </p:cNvPr>
+            <p:cNvSpPr/>
+            <p:nvPr/>
+          </p:nvSpPr>
+          <p:spPr>
+            <a:xfrm>
+              <a:off x="-841634" y="451163"/>
+              <a:ext cx="841634" cy="841634"/>
+            </a:xfrm>
+            <a:prstGeom prst="ellipse">
+              <a:avLst/>
+            </a:prstGeom>
+            <a:solidFill>
+              <a:schemeClr val="bg1"/>
+            </a:solidFill>
+            <a:ln>
+              <a:noFill/>
+            </a:ln>
+          </p:spPr>
+          <p:style>
+            <a:lnRef idx="2">
+              <a:schemeClr val="accent1">
+                <a:shade val="50000"/>
+              </a:schemeClr>
+            </a:lnRef>
+            <a:fillRef idx="1">
+              <a:schemeClr val="accent1"/>
+            </a:fillRef>
+            <a:effectRef idx="0">
+              <a:schemeClr val="accent1"/>
+            </a:effectRef>
+            <a:fontRef idx="minor">
+              <a:schemeClr val="lt1"/>
+            </a:fontRef>
+          </p:style>
+          <p:txBody>
+            <a:bodyPr rtlCol="0" anchor="ctr"/>
+            <a:lstStyle/>
+            <a:p>
+              <a:pPr algn="ctr"/>
+              <a:endParaRPr lang="en-US"/>
+            </a:p>
+          </p:txBody>
+        </p:sp>
+        <p:pic>
+          <p:nvPicPr>
+            <p:cNvPr id="6" name="Graphic 5" descr="Group of men">
+              <a:extLst>
+                <a:ext uri="{FF2B5EF4-FFF2-40B4-BE49-F238E27FC236}">
+                  <a16:creationId xmlns:a16="http://schemas.microsoft.com/office/drawing/2014/main" id="{E7106224-946E-4444-987A-80748B6FEF9F}"/>
+                </a:ext>
+              </a:extLst>
+            </p:cNvPr>
+            <p:cNvPicPr>
+              <a:picLocks noChangeAspect="1"/>
+            </p:cNvPicPr>
+            <p:nvPr/>
+          </p:nvPicPr>
+          <p:blipFill>
+            <a:blip r:embed="rId2">
+              <a:extLst>
+                <a:ext uri="{28A0092B-C50C-407E-A947-70E740481C1C}">
+                  <a14:useLocalDpi xmlns:a14="http://schemas.microsoft.com/office/drawing/2010/main" val="0"/>
+                </a:ext>
+                <a:ext uri="{96DAC541-7B7A-43D3-8B79-37D633B846F1}">
+                  <asvg:svgBlip xmlns:asvg="http://schemas.microsoft.com/office/drawing/2016/SVG/main" r:embed="rId3"/>
+                </a:ext>
+              </a:extLst>
+            </a:blip>
+            <a:stretch>
+              <a:fillRect/>
+            </a:stretch>
+          </p:blipFill>
+          <p:spPr>
+            <a:xfrm>
+              <a:off x="-715261" y="582884"/>
+              <a:ext cx="578191" cy="578191"/>
+            </a:xfrm>
+            <a:prstGeom prst="rect">
+              <a:avLst/>
+            </a:prstGeom>
+          </p:spPr>
+        </p:pic>
+      </p:grpSp>
+      <p:grpSp>
+        <p:nvGrpSpPr>
+          <p:cNvPr id="7" name="Group 6">
+            <a:extLst>
+              <a:ext uri="{FF2B5EF4-FFF2-40B4-BE49-F238E27FC236}">
+                <a16:creationId xmlns:a16="http://schemas.microsoft.com/office/drawing/2014/main" id="{8C7F269A-5075-465A-BFD2-FC015462B529}"/>
+              </a:ext>
+            </a:extLst>
+          </p:cNvPr>
+          <p:cNvGrpSpPr/>
+          <p:nvPr/>
+        </p:nvGrpSpPr>
+        <p:grpSpPr>
+          <a:xfrm>
+            <a:off x="-846979" y="1734435"/>
+            <a:ext cx="841634" cy="841634"/>
+            <a:chOff x="-846979" y="1734435"/>
+            <a:chExt cx="841634" cy="841634"/>
+          </a:xfrm>
+        </p:grpSpPr>
+        <p:sp>
+          <p:nvSpPr>
+            <p:cNvPr id="8" name="Oval 7">
+              <a:extLst>
+                <a:ext uri="{FF2B5EF4-FFF2-40B4-BE49-F238E27FC236}">
+                  <a16:creationId xmlns:a16="http://schemas.microsoft.com/office/drawing/2014/main" id="{E9967BAE-EF82-47C2-83AC-5DD4F7F4D694}"/>
+                </a:ext>
+              </a:extLst>
+            </p:cNvPr>
+            <p:cNvSpPr/>
+            <p:nvPr/>
+          </p:nvSpPr>
+          <p:spPr>
+            <a:xfrm>
+              <a:off x="-846979" y="1734435"/>
+              <a:ext cx="841634" cy="841634"/>
+            </a:xfrm>
+            <a:prstGeom prst="ellipse">
+              <a:avLst/>
+            </a:prstGeom>
+            <a:solidFill>
+              <a:schemeClr val="bg1"/>
+            </a:solidFill>
+            <a:ln>
+              <a:noFill/>
+            </a:ln>
+          </p:spPr>
+          <p:style>
+            <a:lnRef idx="2">
+              <a:schemeClr val="accent1">
+                <a:shade val="50000"/>
+              </a:schemeClr>
+            </a:lnRef>
+            <a:fillRef idx="1">
+              <a:schemeClr val="accent1"/>
+            </a:fillRef>
+            <a:effectRef idx="0">
+              <a:schemeClr val="accent1"/>
+            </a:effectRef>
+            <a:fontRef idx="minor">
+              <a:schemeClr val="lt1"/>
+            </a:fontRef>
+          </p:style>
+          <p:txBody>
+            <a:bodyPr rtlCol="0" anchor="ctr"/>
+            <a:lstStyle/>
+            <a:p>
+              <a:pPr algn="ctr"/>
+              <a:endParaRPr lang="en-US"/>
+            </a:p>
+          </p:txBody>
+        </p:sp>
+        <p:pic>
+          <p:nvPicPr>
+            <p:cNvPr id="10" name="Graphic 9" descr="Server">
+              <a:extLst>
+                <a:ext uri="{FF2B5EF4-FFF2-40B4-BE49-F238E27FC236}">
+                  <a16:creationId xmlns:a16="http://schemas.microsoft.com/office/drawing/2014/main" id="{58B53A1A-016D-4500-B813-E05D0CC310E1}"/>
+                </a:ext>
+              </a:extLst>
+            </p:cNvPr>
+            <p:cNvPicPr>
+              <a:picLocks noChangeAspect="1"/>
+            </p:cNvPicPr>
+            <p:nvPr/>
+          </p:nvPicPr>
+          <p:blipFill>
+            <a:blip r:embed="rId4">
+              <a:extLst>
+                <a:ext uri="{28A0092B-C50C-407E-A947-70E740481C1C}">
+                  <a14:useLocalDpi xmlns:a14="http://schemas.microsoft.com/office/drawing/2010/main" val="0"/>
+                </a:ext>
+                <a:ext uri="{96DAC541-7B7A-43D3-8B79-37D633B846F1}">
+                  <asvg:svgBlip xmlns:asvg="http://schemas.microsoft.com/office/drawing/2016/SVG/main" r:embed="rId5"/>
+                </a:ext>
+              </a:extLst>
+            </a:blip>
+            <a:stretch>
+              <a:fillRect/>
+            </a:stretch>
+          </p:blipFill>
+          <p:spPr>
+            <a:xfrm>
+              <a:off x="-715261" y="1875053"/>
+              <a:ext cx="578191" cy="578191"/>
+            </a:xfrm>
+            <a:prstGeom prst="rect">
+              <a:avLst/>
+            </a:prstGeom>
+          </p:spPr>
+        </p:pic>
+      </p:grpSp>
+      <p:grpSp>
+        <p:nvGrpSpPr>
+          <p:cNvPr id="11" name="Group 10">
+            <a:extLst>
+              <a:ext uri="{FF2B5EF4-FFF2-40B4-BE49-F238E27FC236}">
+                <a16:creationId xmlns:a16="http://schemas.microsoft.com/office/drawing/2014/main" id="{DE7F7D5B-5A48-4AB3-8D67-D31A60A38FAC}"/>
+              </a:ext>
+            </a:extLst>
+          </p:cNvPr>
+          <p:cNvGrpSpPr/>
+          <p:nvPr/>
+        </p:nvGrpSpPr>
+        <p:grpSpPr>
+          <a:xfrm>
+            <a:off x="-846979" y="4300979"/>
+            <a:ext cx="841634" cy="841634"/>
+            <a:chOff x="-846979" y="4300979"/>
+            <a:chExt cx="841634" cy="841634"/>
+          </a:xfrm>
+        </p:grpSpPr>
+        <p:sp>
+          <p:nvSpPr>
+            <p:cNvPr id="12" name="Oval 11">
+              <a:extLst>
+                <a:ext uri="{FF2B5EF4-FFF2-40B4-BE49-F238E27FC236}">
+                  <a16:creationId xmlns:a16="http://schemas.microsoft.com/office/drawing/2014/main" id="{E9E01B33-61A6-4242-B4FF-A04854691FDE}"/>
+                </a:ext>
+              </a:extLst>
+            </p:cNvPr>
+            <p:cNvSpPr/>
+            <p:nvPr/>
+          </p:nvSpPr>
+          <p:spPr>
+            <a:xfrm>
+              <a:off x="-846979" y="4300979"/>
+              <a:ext cx="841634" cy="841634"/>
+            </a:xfrm>
+            <a:prstGeom prst="ellipse">
+              <a:avLst/>
+            </a:prstGeom>
+            <a:solidFill>
+              <a:schemeClr val="bg1"/>
+            </a:solidFill>
+            <a:ln>
+              <a:noFill/>
+            </a:ln>
+          </p:spPr>
+          <p:style>
+            <a:lnRef idx="2">
+              <a:schemeClr val="accent1">
+                <a:shade val="50000"/>
+              </a:schemeClr>
+            </a:lnRef>
+            <a:fillRef idx="1">
+              <a:schemeClr val="accent1"/>
+            </a:fillRef>
+            <a:effectRef idx="0">
+              <a:schemeClr val="accent1"/>
+            </a:effectRef>
+            <a:fontRef idx="minor">
+              <a:schemeClr val="lt1"/>
+            </a:fontRef>
+          </p:style>
+          <p:txBody>
+            <a:bodyPr rtlCol="0" anchor="ctr"/>
+            <a:lstStyle/>
+            <a:p>
+              <a:pPr algn="ctr"/>
+              <a:endParaRPr lang="en-US"/>
+            </a:p>
+          </p:txBody>
+        </p:sp>
+        <p:pic>
+          <p:nvPicPr>
+            <p:cNvPr id="13" name="Graphic 12" descr="Computer">
+              <a:extLst>
+                <a:ext uri="{FF2B5EF4-FFF2-40B4-BE49-F238E27FC236}">
+                  <a16:creationId xmlns:a16="http://schemas.microsoft.com/office/drawing/2014/main" id="{A6A2E44F-239C-425E-BEDB-CCB28AA28FC4}"/>
+                </a:ext>
+              </a:extLst>
+            </p:cNvPr>
+            <p:cNvPicPr>
+              <a:picLocks noChangeAspect="1"/>
+            </p:cNvPicPr>
+            <p:nvPr/>
+          </p:nvPicPr>
+          <p:blipFill>
+            <a:blip r:embed="rId6">
+              <a:extLst>
+                <a:ext uri="{28A0092B-C50C-407E-A947-70E740481C1C}">
+                  <a14:useLocalDpi xmlns:a14="http://schemas.microsoft.com/office/drawing/2010/main" val="0"/>
+                </a:ext>
+                <a:ext uri="{96DAC541-7B7A-43D3-8B79-37D633B846F1}">
+                  <asvg:svgBlip xmlns:asvg="http://schemas.microsoft.com/office/drawing/2016/SVG/main" r:embed="rId7"/>
+                </a:ext>
+              </a:extLst>
+            </a:blip>
+            <a:stretch>
+              <a:fillRect/>
+            </a:stretch>
+          </p:blipFill>
+          <p:spPr>
+            <a:xfrm>
+              <a:off x="-715262" y="4432700"/>
+              <a:ext cx="578191" cy="578191"/>
+            </a:xfrm>
+            <a:prstGeom prst="rect">
+              <a:avLst/>
+            </a:prstGeom>
+          </p:spPr>
+        </p:pic>
+      </p:grpSp>
+      <p:grpSp>
+        <p:nvGrpSpPr>
+          <p:cNvPr id="14" name="Group 13">
+            <a:extLst>
+              <a:ext uri="{FF2B5EF4-FFF2-40B4-BE49-F238E27FC236}">
+                <a16:creationId xmlns:a16="http://schemas.microsoft.com/office/drawing/2014/main" id="{E1CAD16B-1D17-4D12-8BC0-E5B388FACF65}"/>
+              </a:ext>
+            </a:extLst>
+          </p:cNvPr>
+          <p:cNvGrpSpPr/>
+          <p:nvPr/>
+        </p:nvGrpSpPr>
+        <p:grpSpPr>
+          <a:xfrm>
+            <a:off x="1030161" y="5584251"/>
+            <a:ext cx="841634" cy="841634"/>
+            <a:chOff x="-846981" y="5584251"/>
+            <a:chExt cx="841634" cy="841634"/>
+          </a:xfrm>
+        </p:grpSpPr>
+        <p:sp>
+          <p:nvSpPr>
+            <p:cNvPr id="15" name="Oval 14">
+              <a:extLst>
+                <a:ext uri="{FF2B5EF4-FFF2-40B4-BE49-F238E27FC236}">
+                  <a16:creationId xmlns:a16="http://schemas.microsoft.com/office/drawing/2014/main" id="{A532907E-0D7D-4621-B7C6-63DF09B03455}"/>
+                </a:ext>
+              </a:extLst>
+            </p:cNvPr>
+            <p:cNvSpPr/>
+            <p:nvPr/>
+          </p:nvSpPr>
+          <p:spPr>
+            <a:xfrm>
+              <a:off x="-846981" y="5584251"/>
+              <a:ext cx="841634" cy="841634"/>
+            </a:xfrm>
+            <a:prstGeom prst="ellipse">
+              <a:avLst/>
+            </a:prstGeom>
+            <a:solidFill>
+              <a:schemeClr val="bg1"/>
+            </a:solidFill>
+            <a:ln>
+              <a:noFill/>
+            </a:ln>
+          </p:spPr>
+          <p:style>
+            <a:lnRef idx="2">
+              <a:schemeClr val="accent1">
+                <a:shade val="50000"/>
+              </a:schemeClr>
+            </a:lnRef>
+            <a:fillRef idx="1">
+              <a:schemeClr val="accent1"/>
+            </a:fillRef>
+            <a:effectRef idx="0">
+              <a:schemeClr val="accent1"/>
+            </a:effectRef>
+            <a:fontRef idx="minor">
+              <a:schemeClr val="lt1"/>
+            </a:fontRef>
+          </p:style>
+          <p:txBody>
+            <a:bodyPr rtlCol="0" anchor="ctr"/>
+            <a:lstStyle/>
+            <a:p>
+              <a:pPr algn="ctr"/>
+              <a:endParaRPr lang="en-US"/>
+            </a:p>
+          </p:txBody>
+        </p:sp>
+        <p:pic>
+          <p:nvPicPr>
+            <p:cNvPr id="16" name="Graphic 15" descr="Web design">
+              <a:extLst>
+                <a:ext uri="{FF2B5EF4-FFF2-40B4-BE49-F238E27FC236}">
+                  <a16:creationId xmlns:a16="http://schemas.microsoft.com/office/drawing/2014/main" id="{296F80FA-8B94-4761-8C43-5328BBFCAB59}"/>
+                </a:ext>
+              </a:extLst>
+            </p:cNvPr>
+            <p:cNvPicPr>
+              <a:picLocks noChangeAspect="1"/>
+            </p:cNvPicPr>
+            <p:nvPr/>
+          </p:nvPicPr>
+          <p:blipFill>
+            <a:blip r:embed="rId8">
+              <a:extLst>
+                <a:ext uri="{28A0092B-C50C-407E-A947-70E740481C1C}">
+                  <a14:useLocalDpi xmlns:a14="http://schemas.microsoft.com/office/drawing/2010/main" val="0"/>
+                </a:ext>
+                <a:ext uri="{96DAC541-7B7A-43D3-8B79-37D633B846F1}">
+                  <asvg:svgBlip xmlns:asvg="http://schemas.microsoft.com/office/drawing/2016/SVG/main" r:embed="rId9"/>
+                </a:ext>
+              </a:extLst>
+            </a:blip>
+            <a:stretch>
+              <a:fillRect/>
+            </a:stretch>
+          </p:blipFill>
+          <p:spPr>
+            <a:xfrm>
+              <a:off x="-715257" y="5715972"/>
+              <a:ext cx="578191" cy="578191"/>
+            </a:xfrm>
+            <a:prstGeom prst="rect">
+              <a:avLst/>
+            </a:prstGeom>
+          </p:spPr>
+        </p:pic>
+      </p:grpSp>
+      <p:grpSp>
+        <p:nvGrpSpPr>
+          <p:cNvPr id="22" name="Group 21">
+            <a:extLst>
+              <a:ext uri="{FF2B5EF4-FFF2-40B4-BE49-F238E27FC236}">
+                <a16:creationId xmlns:a16="http://schemas.microsoft.com/office/drawing/2014/main" id="{0A71A0A1-DE7A-456D-9033-9C50D6439C51}"/>
+              </a:ext>
+            </a:extLst>
+          </p:cNvPr>
+          <p:cNvGrpSpPr/>
+          <p:nvPr/>
+        </p:nvGrpSpPr>
+        <p:grpSpPr>
+          <a:xfrm>
+            <a:off x="-828728" y="3008183"/>
+            <a:ext cx="841634" cy="841634"/>
+            <a:chOff x="5675183" y="3005477"/>
+            <a:chExt cx="841634" cy="841634"/>
+          </a:xfrm>
+        </p:grpSpPr>
+        <p:sp>
+          <p:nvSpPr>
+            <p:cNvPr id="23" name="Oval 22">
+              <a:extLst>
+                <a:ext uri="{FF2B5EF4-FFF2-40B4-BE49-F238E27FC236}">
+                  <a16:creationId xmlns:a16="http://schemas.microsoft.com/office/drawing/2014/main" id="{5B0BBA2C-87BF-4AF7-A128-FB0F1B8A2958}"/>
+                </a:ext>
+              </a:extLst>
+            </p:cNvPr>
+            <p:cNvSpPr/>
+            <p:nvPr/>
+          </p:nvSpPr>
+          <p:spPr>
+            <a:xfrm>
+              <a:off x="5675183" y="3005477"/>
+              <a:ext cx="841634" cy="841634"/>
+            </a:xfrm>
+            <a:prstGeom prst="ellipse">
+              <a:avLst/>
+            </a:prstGeom>
+            <a:solidFill>
+              <a:srgbClr val="FFFFFF"/>
+            </a:solidFill>
+            <a:ln>
+              <a:noFill/>
+            </a:ln>
+          </p:spPr>
+          <p:style>
+            <a:lnRef idx="2">
+              <a:schemeClr val="accent1">
+                <a:shade val="50000"/>
+              </a:schemeClr>
+            </a:lnRef>
+            <a:fillRef idx="1">
+              <a:schemeClr val="accent1"/>
+            </a:fillRef>
+            <a:effectRef idx="0">
+              <a:schemeClr val="accent1"/>
+            </a:effectRef>
+            <a:fontRef idx="minor">
+              <a:schemeClr val="lt1"/>
+            </a:fontRef>
+          </p:style>
+          <p:txBody>
+            <a:bodyPr rtlCol="0" anchor="ctr"/>
+            <a:lstStyle/>
+            <a:p>
+              <a:pPr algn="ctr"/>
+              <a:endParaRPr lang="en-US"/>
+            </a:p>
+          </p:txBody>
+        </p:sp>
+        <p:pic>
+          <p:nvPicPr>
+            <p:cNvPr id="24" name="Graphic 23" descr="Smart Phone">
+              <a:extLst>
+                <a:ext uri="{FF2B5EF4-FFF2-40B4-BE49-F238E27FC236}">
+                  <a16:creationId xmlns:a16="http://schemas.microsoft.com/office/drawing/2014/main" id="{F66CA1DF-6C16-4A23-8DDB-4734275456CC}"/>
+                </a:ext>
+              </a:extLst>
+            </p:cNvPr>
+            <p:cNvPicPr>
+              <a:picLocks noChangeAspect="1"/>
+            </p:cNvPicPr>
+            <p:nvPr/>
+          </p:nvPicPr>
+          <p:blipFill>
+            <a:blip r:embed="rId10">
+              <a:extLst>
+                <a:ext uri="{28A0092B-C50C-407E-A947-70E740481C1C}">
+                  <a14:useLocalDpi xmlns:a14="http://schemas.microsoft.com/office/drawing/2010/main" val="0"/>
+                </a:ext>
+                <a:ext uri="{96DAC541-7B7A-43D3-8B79-37D633B846F1}">
+                  <asvg:svgBlip xmlns:asvg="http://schemas.microsoft.com/office/drawing/2016/SVG/main" r:embed="rId11"/>
+                </a:ext>
+              </a:extLst>
+            </a:blip>
+            <a:stretch>
+              <a:fillRect/>
+            </a:stretch>
+          </p:blipFill>
+          <p:spPr>
+            <a:xfrm flipV="1">
+              <a:off x="5806902" y="3137198"/>
+              <a:ext cx="578191" cy="578191"/>
+            </a:xfrm>
+            <a:prstGeom prst="rect">
+              <a:avLst/>
+            </a:prstGeom>
+          </p:spPr>
+        </p:pic>
+      </p:grpSp>
+      <p:sp>
+        <p:nvSpPr>
+          <p:cNvPr id="3" name="Freeform: Shape 2">
+            <a:extLst>
+              <a:ext uri="{FF2B5EF4-FFF2-40B4-BE49-F238E27FC236}">
+                <a16:creationId xmlns:a16="http://schemas.microsoft.com/office/drawing/2014/main" id="{D738CF23-EC33-442B-B7BB-E38825B9DCA2}"/>
+              </a:ext>
+            </a:extLst>
+          </p:cNvPr>
+          <p:cNvSpPr/>
+          <p:nvPr/>
+        </p:nvSpPr>
+        <p:spPr>
+          <a:xfrm rot="10800000">
+            <a:off x="1739" y="-11344472"/>
+            <a:ext cx="1449238" cy="23553174"/>
+          </a:xfrm>
+          <a:custGeom>
+            <a:avLst/>
+            <a:gdLst>
+              <a:gd name="connsiteX0" fmla="*/ 0 w 1449238"/>
+              <a:gd name="connsiteY0" fmla="*/ 23553174 h 23553174"/>
+              <a:gd name="connsiteX1" fmla="*/ 0 w 1449238"/>
+              <a:gd name="connsiteY1" fmla="*/ 7057620 h 23553174"/>
+              <a:gd name="connsiteX2" fmla="*/ 828826 w 1449238"/>
+              <a:gd name="connsiteY2" fmla="*/ 6213536 h 23553174"/>
+              <a:gd name="connsiteX3" fmla="*/ 0 w 1449238"/>
+              <a:gd name="connsiteY3" fmla="*/ 5369453 h 23553174"/>
+              <a:gd name="connsiteX4" fmla="*/ 0 w 1449238"/>
+              <a:gd name="connsiteY4" fmla="*/ 0 h 23553174"/>
+              <a:gd name="connsiteX5" fmla="*/ 1449238 w 1449238"/>
+              <a:gd name="connsiteY5" fmla="*/ 0 h 23553174"/>
+              <a:gd name="connsiteX6" fmla="*/ 1449238 w 1449238"/>
+              <a:gd name="connsiteY6" fmla="*/ 23553174 h 23553174"/>
+              <a:gd name="connsiteX0" fmla="*/ 0 w 1449238"/>
+              <a:gd name="connsiteY0" fmla="*/ 23553174 h 23553174"/>
+              <a:gd name="connsiteX1" fmla="*/ 0 w 1449238"/>
+              <a:gd name="connsiteY1" fmla="*/ 7057620 h 23553174"/>
+              <a:gd name="connsiteX2" fmla="*/ 828826 w 1449238"/>
+              <a:gd name="connsiteY2" fmla="*/ 6213536 h 23553174"/>
+              <a:gd name="connsiteX3" fmla="*/ 0 w 1449238"/>
+              <a:gd name="connsiteY3" fmla="*/ 5369453 h 23553174"/>
+              <a:gd name="connsiteX4" fmla="*/ 0 w 1449238"/>
+              <a:gd name="connsiteY4" fmla="*/ 0 h 23553174"/>
+              <a:gd name="connsiteX5" fmla="*/ 1449238 w 1449238"/>
+              <a:gd name="connsiteY5" fmla="*/ 0 h 23553174"/>
+              <a:gd name="connsiteX6" fmla="*/ 1449238 w 1449238"/>
+              <a:gd name="connsiteY6" fmla="*/ 23553174 h 23553174"/>
+              <a:gd name="connsiteX7" fmla="*/ 0 w 1449238"/>
+              <a:gd name="connsiteY7" fmla="*/ 23553174 h 23553174"/>
+              <a:gd name="connsiteX0" fmla="*/ 0 w 1449238"/>
+              <a:gd name="connsiteY0" fmla="*/ 23553174 h 23553174"/>
+              <a:gd name="connsiteX1" fmla="*/ 0 w 1449238"/>
+              <a:gd name="connsiteY1" fmla="*/ 7057620 h 23553174"/>
+              <a:gd name="connsiteX2" fmla="*/ 828826 w 1449238"/>
+              <a:gd name="connsiteY2" fmla="*/ 6213536 h 23553174"/>
+              <a:gd name="connsiteX3" fmla="*/ 0 w 1449238"/>
+              <a:gd name="connsiteY3" fmla="*/ 5369453 h 23553174"/>
+              <a:gd name="connsiteX4" fmla="*/ 0 w 1449238"/>
+              <a:gd name="connsiteY4" fmla="*/ 0 h 23553174"/>
+              <a:gd name="connsiteX5" fmla="*/ 1449238 w 1449238"/>
+              <a:gd name="connsiteY5" fmla="*/ 0 h 23553174"/>
+              <a:gd name="connsiteX6" fmla="*/ 1449238 w 1449238"/>
+              <a:gd name="connsiteY6" fmla="*/ 23553174 h 23553174"/>
+              <a:gd name="connsiteX7" fmla="*/ 0 w 1449238"/>
+              <a:gd name="connsiteY7" fmla="*/ 23553174 h 23553174"/>
+              <a:gd name="connsiteX0" fmla="*/ 0 w 1449238"/>
+              <a:gd name="connsiteY0" fmla="*/ 23553174 h 23553174"/>
+              <a:gd name="connsiteX1" fmla="*/ 0 w 1449238"/>
+              <a:gd name="connsiteY1" fmla="*/ 7057620 h 23553174"/>
+              <a:gd name="connsiteX2" fmla="*/ 828826 w 1449238"/>
+              <a:gd name="connsiteY2" fmla="*/ 6213536 h 23553174"/>
+              <a:gd name="connsiteX3" fmla="*/ 0 w 1449238"/>
+              <a:gd name="connsiteY3" fmla="*/ 5369453 h 23553174"/>
+              <a:gd name="connsiteX4" fmla="*/ 0 w 1449238"/>
+              <a:gd name="connsiteY4" fmla="*/ 0 h 23553174"/>
+              <a:gd name="connsiteX5" fmla="*/ 1449238 w 1449238"/>
+              <a:gd name="connsiteY5" fmla="*/ 0 h 23553174"/>
+              <a:gd name="connsiteX6" fmla="*/ 1449238 w 1449238"/>
+              <a:gd name="connsiteY6" fmla="*/ 23553174 h 23553174"/>
+              <a:gd name="connsiteX7" fmla="*/ 0 w 1449238"/>
+              <a:gd name="connsiteY7" fmla="*/ 23553174 h 23553174"/>
+              <a:gd name="connsiteX0" fmla="*/ 0 w 1449238"/>
+              <a:gd name="connsiteY0" fmla="*/ 23553174 h 23553174"/>
+              <a:gd name="connsiteX1" fmla="*/ 0 w 1449238"/>
+              <a:gd name="connsiteY1" fmla="*/ 7057620 h 23553174"/>
+              <a:gd name="connsiteX2" fmla="*/ 828826 w 1449238"/>
+              <a:gd name="connsiteY2" fmla="*/ 6213536 h 23553174"/>
+              <a:gd name="connsiteX3" fmla="*/ 0 w 1449238"/>
+              <a:gd name="connsiteY3" fmla="*/ 5369453 h 23553174"/>
+              <a:gd name="connsiteX4" fmla="*/ 0 w 1449238"/>
+              <a:gd name="connsiteY4" fmla="*/ 0 h 23553174"/>
+              <a:gd name="connsiteX5" fmla="*/ 1449238 w 1449238"/>
+              <a:gd name="connsiteY5" fmla="*/ 0 h 23553174"/>
+              <a:gd name="connsiteX6" fmla="*/ 1449238 w 1449238"/>
+              <a:gd name="connsiteY6" fmla="*/ 23553174 h 23553174"/>
+              <a:gd name="connsiteX7" fmla="*/ 0 w 1449238"/>
+              <a:gd name="connsiteY7" fmla="*/ 23553174 h 23553174"/>
+              <a:gd name="connsiteX0" fmla="*/ 0 w 1449238"/>
+              <a:gd name="connsiteY0" fmla="*/ 23553174 h 23553174"/>
+              <a:gd name="connsiteX1" fmla="*/ 0 w 1449238"/>
+              <a:gd name="connsiteY1" fmla="*/ 7057620 h 23553174"/>
+              <a:gd name="connsiteX2" fmla="*/ 581176 w 1449238"/>
+              <a:gd name="connsiteY2" fmla="*/ 6213536 h 23553174"/>
+              <a:gd name="connsiteX3" fmla="*/ 0 w 1449238"/>
+              <a:gd name="connsiteY3" fmla="*/ 5369453 h 23553174"/>
+              <a:gd name="connsiteX4" fmla="*/ 0 w 1449238"/>
+              <a:gd name="connsiteY4" fmla="*/ 0 h 23553174"/>
+              <a:gd name="connsiteX5" fmla="*/ 1449238 w 1449238"/>
+              <a:gd name="connsiteY5" fmla="*/ 0 h 23553174"/>
+              <a:gd name="connsiteX6" fmla="*/ 1449238 w 1449238"/>
+              <a:gd name="connsiteY6" fmla="*/ 23553174 h 23553174"/>
+              <a:gd name="connsiteX7" fmla="*/ 0 w 1449238"/>
+              <a:gd name="connsiteY7" fmla="*/ 23553174 h 23553174"/>
+              <a:gd name="connsiteX0" fmla="*/ 0 w 1449238"/>
+              <a:gd name="connsiteY0" fmla="*/ 23553174 h 23553174"/>
+              <a:gd name="connsiteX1" fmla="*/ 0 w 1449238"/>
+              <a:gd name="connsiteY1" fmla="*/ 7057620 h 23553174"/>
+              <a:gd name="connsiteX2" fmla="*/ 564507 w 1449238"/>
+              <a:gd name="connsiteY2" fmla="*/ 6215918 h 23553174"/>
+              <a:gd name="connsiteX3" fmla="*/ 0 w 1449238"/>
+              <a:gd name="connsiteY3" fmla="*/ 5369453 h 23553174"/>
+              <a:gd name="connsiteX4" fmla="*/ 0 w 1449238"/>
+              <a:gd name="connsiteY4" fmla="*/ 0 h 23553174"/>
+              <a:gd name="connsiteX5" fmla="*/ 1449238 w 1449238"/>
+              <a:gd name="connsiteY5" fmla="*/ 0 h 23553174"/>
+              <a:gd name="connsiteX6" fmla="*/ 1449238 w 1449238"/>
+              <a:gd name="connsiteY6" fmla="*/ 23553174 h 23553174"/>
+              <a:gd name="connsiteX7" fmla="*/ 0 w 1449238"/>
+              <a:gd name="connsiteY7" fmla="*/ 23553174 h 23553174"/>
+            </a:gdLst>
+            <a:ahLst/>
+            <a:cxnLst>
+              <a:cxn ang="0">
+                <a:pos x="connsiteX0" y="connsiteY0"/>
+              </a:cxn>
+              <a:cxn ang="0">
+                <a:pos x="connsiteX1" y="connsiteY1"/>
+              </a:cxn>
+              <a:cxn ang="0">
+                <a:pos x="connsiteX2" y="connsiteY2"/>
+              </a:cxn>
+              <a:cxn ang="0">
+                <a:pos x="connsiteX3" y="connsiteY3"/>
+              </a:cxn>
+              <a:cxn ang="0">
+                <a:pos x="connsiteX4" y="connsiteY4"/>
+              </a:cxn>
+              <a:cxn ang="0">
+                <a:pos x="connsiteX5" y="connsiteY5"/>
+              </a:cxn>
+              <a:cxn ang="0">
+                <a:pos x="connsiteX6" y="connsiteY6"/>
+              </a:cxn>
+              <a:cxn ang="0">
+                <a:pos x="connsiteX7" y="connsiteY7"/>
+              </a:cxn>
+            </a:cxnLst>
+            <a:rect l="l" t="t" r="r" b="b"/>
+            <a:pathLst>
+              <a:path w="1449238" h="23553174">
+                <a:moveTo>
+                  <a:pt x="0" y="23553174"/>
+                </a:moveTo>
+                <a:lnTo>
+                  <a:pt x="0" y="7057620"/>
+                </a:lnTo>
+                <a:cubicBezTo>
+                  <a:pt x="4812" y="6633384"/>
+                  <a:pt x="564557" y="6719529"/>
+                  <a:pt x="564507" y="6215918"/>
+                </a:cubicBezTo>
+                <a:cubicBezTo>
+                  <a:pt x="564457" y="5712307"/>
+                  <a:pt x="2431" y="5798452"/>
+                  <a:pt x="0" y="5369453"/>
+                </a:cubicBezTo>
+                <a:lnTo>
+                  <a:pt x="0" y="0"/>
+                </a:lnTo>
+                <a:lnTo>
+                  <a:pt x="1449238" y="0"/>
+                </a:lnTo>
+                <a:lnTo>
+                  <a:pt x="1449238" y="23553174"/>
+                </a:lnTo>
+                <a:lnTo>
+                  <a:pt x="0" y="23553174"/>
+                </a:lnTo>
+                <a:close/>
+              </a:path>
+            </a:pathLst>
+          </a:custGeom>
+          <a:solidFill>
+            <a:schemeClr val="bg1"/>
+          </a:solidFill>
+          <a:ln>
+            <a:noFill/>
+          </a:ln>
+        </p:spPr>
+        <p:style>
+          <a:lnRef idx="2">
+            <a:schemeClr val="accent1">
+              <a:shade val="50000"/>
+            </a:schemeClr>
+          </a:lnRef>
+          <a:fillRef idx="1">
+            <a:schemeClr val="accent1"/>
+          </a:fillRef>
+          <a:effectRef idx="0">
+            <a:schemeClr val="accent1"/>
+          </a:effectRef>
+          <a:fontRef idx="minor">
+            <a:schemeClr val="lt1"/>
+          </a:fontRef>
+        </p:style>
+        <p:txBody>
+          <a:bodyPr wrap="square" rtlCol="0" anchor="ctr">
+            <a:noAutofit/>
+          </a:bodyPr>
+          <a:lstStyle/>
+          <a:p>
+            <a:pPr algn="ctr"/>
+            <a:endParaRPr lang="en-US"/>
+          </a:p>
+        </p:txBody>
+      </p:sp>
+      <p:pic>
+        <p:nvPicPr>
+          <p:cNvPr id="17" name="Graphic 16" descr="Group of men">
+            <a:hlinkClick r:id="rId12" action="ppaction://hlinksldjump"/>
+            <a:extLst>
+              <a:ext uri="{FF2B5EF4-FFF2-40B4-BE49-F238E27FC236}">
+                <a16:creationId xmlns:a16="http://schemas.microsoft.com/office/drawing/2014/main" id="{9491F1DE-5CA9-49F1-8485-33A50DBA99EC}"/>
+              </a:ext>
+            </a:extLst>
+          </p:cNvPr>
+          <p:cNvPicPr>
+            <a:picLocks noChangeAspect="1"/>
+          </p:cNvPicPr>
+          <p:nvPr/>
+        </p:nvPicPr>
+        <p:blipFill>
+          <a:blip r:embed="rId13">
+            <a:extLst>
+              <a:ext uri="{28A0092B-C50C-407E-A947-70E740481C1C}">
+                <a14:useLocalDpi xmlns:a14="http://schemas.microsoft.com/office/drawing/2010/main" val="0"/>
+              </a:ext>
+              <a:ext uri="{96DAC541-7B7A-43D3-8B79-37D633B846F1}">
+                <asvg:svgBlip xmlns:asvg="http://schemas.microsoft.com/office/drawing/2016/SVG/main" r:embed="rId14"/>
+              </a:ext>
+            </a:extLst>
+          </a:blip>
+          <a:stretch>
+            <a:fillRect/>
+          </a:stretch>
+        </p:blipFill>
+        <p:spPr>
+          <a:xfrm>
+            <a:off x="437264" y="582884"/>
+            <a:ext cx="578191" cy="578191"/>
+          </a:xfrm>
+          <a:prstGeom prst="rect">
+            <a:avLst/>
+          </a:prstGeom>
+        </p:spPr>
+      </p:pic>
+      <p:pic>
+        <p:nvPicPr>
+          <p:cNvPr id="18" name="Graphic 17" descr="Server">
+            <a:hlinkClick r:id="rId15" action="ppaction://hlinksldjump"/>
+            <a:extLst>
+              <a:ext uri="{FF2B5EF4-FFF2-40B4-BE49-F238E27FC236}">
+                <a16:creationId xmlns:a16="http://schemas.microsoft.com/office/drawing/2014/main" id="{70FAF315-2050-4C29-B39C-81C398368162}"/>
+              </a:ext>
+            </a:extLst>
+          </p:cNvPr>
+          <p:cNvPicPr>
+            <a:picLocks noChangeAspect="1"/>
+          </p:cNvPicPr>
+          <p:nvPr/>
+        </p:nvPicPr>
+        <p:blipFill>
+          <a:blip r:embed="rId16">
+            <a:extLst>
+              <a:ext uri="{28A0092B-C50C-407E-A947-70E740481C1C}">
+                <a14:useLocalDpi xmlns:a14="http://schemas.microsoft.com/office/drawing/2010/main" val="0"/>
+              </a:ext>
+              <a:ext uri="{96DAC541-7B7A-43D3-8B79-37D633B846F1}">
+                <asvg:svgBlip xmlns:asvg="http://schemas.microsoft.com/office/drawing/2016/SVG/main" r:embed="rId17"/>
+              </a:ext>
+            </a:extLst>
+          </a:blip>
+          <a:stretch>
+            <a:fillRect/>
+          </a:stretch>
+        </p:blipFill>
+        <p:spPr>
+          <a:xfrm>
+            <a:off x="437264" y="1875053"/>
+            <a:ext cx="578191" cy="578191"/>
+          </a:xfrm>
+          <a:prstGeom prst="rect">
+            <a:avLst/>
+          </a:prstGeom>
+        </p:spPr>
+      </p:pic>
+      <p:pic>
+        <p:nvPicPr>
+          <p:cNvPr id="19" name="Graphic 18" descr="Smart Phone">
+            <a:hlinkClick r:id="rId18" action="ppaction://hlinksldjump"/>
+            <a:extLst>
+              <a:ext uri="{FF2B5EF4-FFF2-40B4-BE49-F238E27FC236}">
+                <a16:creationId xmlns:a16="http://schemas.microsoft.com/office/drawing/2014/main" id="{0BC96FA7-D314-4715-A35A-2B02AB116C4D}"/>
+              </a:ext>
+            </a:extLst>
+          </p:cNvPr>
+          <p:cNvPicPr>
+            <a:picLocks noChangeAspect="1"/>
+          </p:cNvPicPr>
+          <p:nvPr/>
+        </p:nvPicPr>
+        <p:blipFill>
+          <a:blip r:embed="rId19">
+            <a:extLst>
+              <a:ext uri="{28A0092B-C50C-407E-A947-70E740481C1C}">
+                <a14:useLocalDpi xmlns:a14="http://schemas.microsoft.com/office/drawing/2010/main" val="0"/>
+              </a:ext>
+              <a:ext uri="{96DAC541-7B7A-43D3-8B79-37D633B846F1}">
+                <asvg:svgBlip xmlns:asvg="http://schemas.microsoft.com/office/drawing/2016/SVG/main" r:embed="rId20"/>
+              </a:ext>
+            </a:extLst>
+          </a:blip>
+          <a:stretch>
+            <a:fillRect/>
+          </a:stretch>
+        </p:blipFill>
+        <p:spPr>
+          <a:xfrm flipV="1">
+            <a:off x="437265" y="3149428"/>
+            <a:ext cx="578191" cy="578191"/>
+          </a:xfrm>
+          <a:prstGeom prst="rect">
+            <a:avLst/>
+          </a:prstGeom>
+        </p:spPr>
+      </p:pic>
+      <p:pic>
+        <p:nvPicPr>
+          <p:cNvPr id="20" name="Graphic 19" descr="Computer">
+            <a:hlinkClick r:id="rId21" action="ppaction://hlinksldjump"/>
+            <a:extLst>
+              <a:ext uri="{FF2B5EF4-FFF2-40B4-BE49-F238E27FC236}">
+                <a16:creationId xmlns:a16="http://schemas.microsoft.com/office/drawing/2014/main" id="{E4F4C65A-89DA-4982-9A59-AD1713751218}"/>
+              </a:ext>
+            </a:extLst>
+          </p:cNvPr>
+          <p:cNvPicPr>
+            <a:picLocks noChangeAspect="1"/>
+          </p:cNvPicPr>
+          <p:nvPr/>
+        </p:nvPicPr>
+        <p:blipFill>
+          <a:blip r:embed="rId22">
+            <a:extLst>
+              <a:ext uri="{28A0092B-C50C-407E-A947-70E740481C1C}">
+                <a14:useLocalDpi xmlns:a14="http://schemas.microsoft.com/office/drawing/2010/main" val="0"/>
+              </a:ext>
+              <a:ext uri="{96DAC541-7B7A-43D3-8B79-37D633B846F1}">
+                <asvg:svgBlip xmlns:asvg="http://schemas.microsoft.com/office/drawing/2016/SVG/main" r:embed="rId23"/>
+              </a:ext>
+            </a:extLst>
+          </a:blip>
+          <a:stretch>
+            <a:fillRect/>
+          </a:stretch>
+        </p:blipFill>
+        <p:spPr>
+          <a:xfrm>
+            <a:off x="437263" y="4432700"/>
+            <a:ext cx="578191" cy="578191"/>
+          </a:xfrm>
+          <a:prstGeom prst="rect">
+            <a:avLst/>
+          </a:prstGeom>
+        </p:spPr>
+      </p:pic>
+      <p:pic>
+        <p:nvPicPr>
+          <p:cNvPr id="21" name="Graphic 20" descr="Web design">
+            <a:hlinkClick r:id="rId24" action="ppaction://hlinksldjump"/>
+            <a:extLst>
+              <a:ext uri="{FF2B5EF4-FFF2-40B4-BE49-F238E27FC236}">
+                <a16:creationId xmlns:a16="http://schemas.microsoft.com/office/drawing/2014/main" id="{01BAAD71-96DE-4E38-9F58-068AC272A24B}"/>
+              </a:ext>
+            </a:extLst>
+          </p:cNvPr>
+          <p:cNvPicPr>
+            <a:picLocks noChangeAspect="1"/>
+          </p:cNvPicPr>
+          <p:nvPr/>
+        </p:nvPicPr>
+        <p:blipFill>
+          <a:blip r:embed="rId25">
+            <a:extLst>
+              <a:ext uri="{28A0092B-C50C-407E-A947-70E740481C1C}">
+                <a14:useLocalDpi xmlns:a14="http://schemas.microsoft.com/office/drawing/2010/main" val="0"/>
+              </a:ext>
+              <a:ext uri="{96DAC541-7B7A-43D3-8B79-37D633B846F1}">
+                <asvg:svgBlip xmlns:asvg="http://schemas.microsoft.com/office/drawing/2016/SVG/main" r:embed="rId26"/>
+              </a:ext>
+            </a:extLst>
+          </a:blip>
+          <a:stretch>
+            <a:fillRect/>
+          </a:stretch>
+        </p:blipFill>
+        <p:spPr>
+          <a:xfrm>
+            <a:off x="437268" y="5715972"/>
+            <a:ext cx="578191" cy="578191"/>
+          </a:xfrm>
+          <a:prstGeom prst="rect">
+            <a:avLst/>
+          </a:prstGeom>
+        </p:spPr>
+      </p:pic>
+      <p:sp>
+        <p:nvSpPr>
+          <p:cNvPr id="25" name="TextBox 24">
+            <a:extLst>
+              <a:ext uri="{FF2B5EF4-FFF2-40B4-BE49-F238E27FC236}">
+                <a16:creationId xmlns:a16="http://schemas.microsoft.com/office/drawing/2014/main" id="{BA5872AB-020C-4572-99A8-155DD76699D0}"/>
+              </a:ext>
+            </a:extLst>
+          </p:cNvPr>
+          <p:cNvSpPr txBox="1"/>
+          <p:nvPr/>
+        </p:nvSpPr>
+        <p:spPr>
+          <a:xfrm>
+            <a:off x="2900217" y="582884"/>
+            <a:ext cx="7914968" cy="1015663"/>
+          </a:xfrm>
+          <a:prstGeom prst="rect">
+            <a:avLst/>
+          </a:prstGeom>
+          <a:noFill/>
+        </p:spPr>
+        <p:txBody>
+          <a:bodyPr wrap="square" rtlCol="0">
+            <a:spAutoFit/>
+          </a:bodyPr>
+          <a:lstStyle/>
+          <a:p>
+            <a:r>
+              <a:rPr lang="hu-HU" sz="6000" dirty="0">
+                <a:solidFill>
+                  <a:schemeClr val="tx1">
+                    <a:lumMod val="75000"/>
+                    <a:lumOff val="25000"/>
+                  </a:schemeClr>
+                </a:solidFill>
+              </a:rPr>
+              <a:t>Megvalósítás</a:t>
+            </a:r>
+            <a:endParaRPr lang="en-US" sz="6000" dirty="0">
+              <a:solidFill>
+                <a:schemeClr val="tx1">
+                  <a:lumMod val="75000"/>
+                  <a:lumOff val="25000"/>
+                </a:schemeClr>
+              </a:solidFill>
+            </a:endParaRPr>
+          </a:p>
+        </p:txBody>
+      </p:sp>
+      <p:sp>
+        <p:nvSpPr>
+          <p:cNvPr id="26" name="TextBox 25">
+            <a:extLst>
+              <a:ext uri="{FF2B5EF4-FFF2-40B4-BE49-F238E27FC236}">
+                <a16:creationId xmlns:a16="http://schemas.microsoft.com/office/drawing/2014/main" id="{7BCCD462-E9EB-4C4E-9236-DD330D456F87}"/>
+              </a:ext>
+            </a:extLst>
+          </p:cNvPr>
+          <p:cNvSpPr txBox="1"/>
+          <p:nvPr/>
+        </p:nvSpPr>
+        <p:spPr>
+          <a:xfrm>
+            <a:off x="2900218" y="2238194"/>
+            <a:ext cx="7914968" cy="1964512"/>
+          </a:xfrm>
+          <a:prstGeom prst="rect">
+            <a:avLst/>
+          </a:prstGeom>
+          <a:noFill/>
+        </p:spPr>
+        <p:txBody>
+          <a:bodyPr wrap="square" rtlCol="0">
+            <a:spAutoFit/>
+          </a:bodyPr>
+          <a:lstStyle/>
+          <a:p>
+            <a:pPr marL="285750" indent="-285750">
+              <a:lnSpc>
+                <a:spcPct val="150000"/>
+              </a:lnSpc>
+              <a:buFont typeface="Arial" panose="020B0604020202020204" pitchFamily="34" charset="0"/>
+              <a:buChar char="•"/>
+            </a:pPr>
+            <a:r>
+              <a:rPr lang="hu-HU" sz="2800" dirty="0">
+                <a:solidFill>
+                  <a:schemeClr val="tx1">
+                    <a:lumMod val="75000"/>
+                    <a:lumOff val="25000"/>
+                  </a:schemeClr>
+                </a:solidFill>
+              </a:rPr>
+              <a:t>Elkészült funkciók</a:t>
+            </a:r>
+            <a:endParaRPr lang="en-GB" sz="2800" dirty="0">
+              <a:solidFill>
+                <a:schemeClr val="tx1">
+                  <a:lumMod val="75000"/>
+                  <a:lumOff val="25000"/>
+                </a:schemeClr>
+              </a:solidFill>
+            </a:endParaRPr>
+          </a:p>
+          <a:p>
+            <a:pPr marL="285750" indent="-285750">
+              <a:lnSpc>
+                <a:spcPct val="150000"/>
+              </a:lnSpc>
+              <a:buFont typeface="Arial" panose="020B0604020202020204" pitchFamily="34" charset="0"/>
+              <a:buChar char="•"/>
+            </a:pPr>
+            <a:r>
+              <a:rPr lang="hu-HU" sz="2800" dirty="0">
+                <a:solidFill>
+                  <a:schemeClr val="tx1">
+                    <a:lumMod val="75000"/>
+                    <a:lumOff val="25000"/>
+                  </a:schemeClr>
+                </a:solidFill>
+              </a:rPr>
+              <a:t>Végleges design</a:t>
+            </a:r>
+          </a:p>
+          <a:p>
+            <a:pPr marL="285750" indent="-285750">
+              <a:lnSpc>
+                <a:spcPct val="150000"/>
+              </a:lnSpc>
+              <a:buFont typeface="Arial" panose="020B0604020202020204" pitchFamily="34" charset="0"/>
+              <a:buChar char="•"/>
+            </a:pPr>
+            <a:r>
+              <a:rPr lang="hu-HU" sz="2800" dirty="0">
+                <a:solidFill>
+                  <a:schemeClr val="tx1">
+                    <a:lumMod val="75000"/>
+                    <a:lumOff val="25000"/>
+                  </a:schemeClr>
+                </a:solidFill>
+              </a:rPr>
+              <a:t>Továbbfejlesztési lehetőségek</a:t>
+            </a:r>
+            <a:endParaRPr lang="en-GB" sz="2800" dirty="0">
+              <a:solidFill>
+                <a:schemeClr val="tx1">
+                  <a:lumMod val="75000"/>
+                  <a:lumOff val="25000"/>
+                </a:schemeClr>
+              </a:solidFill>
+            </a:endParaRPr>
+          </a:p>
+        </p:txBody>
+      </p:sp>
+    </p:spTree>
+    <p:extLst>
+      <p:ext uri="{BB962C8B-B14F-4D97-AF65-F5344CB8AC3E}">
+        <p14:creationId xmlns:p14="http://schemas.microsoft.com/office/powerpoint/2010/main" val="3632310751"/>
+      </p:ext>
+    </p:extLst>
+  </p:cSld>
+  <p:clrMapOvr>
+    <a:masterClrMapping/>
+  </p:clrMapOvr>
+  <mc:AlternateContent xmlns:mc="http://schemas.openxmlformats.org/markup-compatibility/2006">
+    <mc:Choice xmlns:p159="http://schemas.microsoft.com/office/powerpoint/2015/09/main" Requires="p159">
+      <p:transition spd="med">
+        <p159:morph option="byObject"/>
+      </p:transition>
+    </mc:Choice>
+    <mc:Fallback>
+      <p:transition spd="med">
+        <p:fade/>
+      </p:transition>
+    </mc:Fallback>
+  </mc:AlternateContent>
+</p:sld>
+</file>
+
+<file path=ppt/slides/slide24.xml><?xml version="1.0" encoding="utf-8"?>
+<p:sld xmlns:a="http://schemas.openxmlformats.org/drawingml/2006/main" xmlns:r="http://schemas.openxmlformats.org/officeDocument/2006/relationships" xmlns:p="http://schemas.openxmlformats.org/presentationml/2006/main">
+  <p:cSld>
+    <p:bg>
+      <p:bgPr>
+        <a:solidFill>
+          <a:srgbClr val="00F5D4"/>
+        </a:solidFill>
+        <a:effectLst/>
+      </p:bgPr>
+    </p:bg>
+    <p:spTree>
+      <p:nvGrpSpPr>
+        <p:cNvPr id="1" name=""/>
+        <p:cNvGrpSpPr/>
+        <p:nvPr/>
+      </p:nvGrpSpPr>
+      <p:grpSpPr>
+        <a:xfrm>
+          <a:off x="0" y="0"/>
+          <a:ext cx="0" cy="0"/>
+          <a:chOff x="0" y="0"/>
+          <a:chExt cx="0" cy="0"/>
+        </a:xfrm>
+      </p:grpSpPr>
+      <p:sp>
+        <p:nvSpPr>
+          <p:cNvPr id="2" name="Rectangle 1">
+            <a:extLst>
+              <a:ext uri="{FF2B5EF4-FFF2-40B4-BE49-F238E27FC236}">
+                <a16:creationId xmlns:a16="http://schemas.microsoft.com/office/drawing/2014/main" id="{023FE071-97D0-49F3-A513-4E6A85A5C847}"/>
+              </a:ext>
+            </a:extLst>
+          </p:cNvPr>
+          <p:cNvSpPr/>
+          <p:nvPr/>
+        </p:nvSpPr>
+        <p:spPr>
+          <a:xfrm>
+            <a:off x="2043877" y="-7180"/>
+            <a:ext cx="12238739" cy="6891405"/>
+          </a:xfrm>
+          <a:prstGeom prst="rect">
+            <a:avLst/>
+          </a:prstGeom>
+          <a:solidFill>
+            <a:srgbClr val="6500EE"/>
+          </a:solidFill>
+        </p:spPr>
+        <p:style>
+          <a:lnRef idx="2">
+            <a:schemeClr val="accent1">
+              <a:shade val="50000"/>
+            </a:schemeClr>
+          </a:lnRef>
+          <a:fillRef idx="1">
+            <a:schemeClr val="accent1"/>
+          </a:fillRef>
+          <a:effectRef idx="0">
+            <a:schemeClr val="accent1"/>
+          </a:effectRef>
+          <a:fontRef idx="minor">
+            <a:schemeClr val="lt1"/>
+          </a:fontRef>
+        </p:style>
+        <p:txBody>
+          <a:bodyPr rtlCol="0" anchor="ctr"/>
+          <a:lstStyle/>
+          <a:p>
+            <a:pPr algn="ctr"/>
+            <a:r>
+              <a:rPr lang="en-GB" sz="3600" dirty="0" err="1">
+                <a:latin typeface="Arial" panose="020B0604020202020204" pitchFamily="34" charset="0"/>
+                <a:cs typeface="Arial" panose="020B0604020202020204" pitchFamily="34" charset="0"/>
+              </a:rPr>
+              <a:t>Kösszönjük</a:t>
+            </a:r>
+            <a:r>
+              <a:rPr lang="en-GB" sz="3600" dirty="0">
+                <a:latin typeface="Arial" panose="020B0604020202020204" pitchFamily="34" charset="0"/>
+                <a:cs typeface="Arial" panose="020B0604020202020204" pitchFamily="34" charset="0"/>
+              </a:rPr>
+              <a:t> a </a:t>
+            </a:r>
+            <a:r>
+              <a:rPr lang="en-GB" sz="3600" dirty="0" err="1">
+                <a:latin typeface="Arial" panose="020B0604020202020204" pitchFamily="34" charset="0"/>
+                <a:cs typeface="Arial" panose="020B0604020202020204" pitchFamily="34" charset="0"/>
+              </a:rPr>
+              <a:t>figyelmet</a:t>
+            </a:r>
+            <a:endParaRPr lang="en-GB" sz="3600" dirty="0">
+              <a:latin typeface="Arial" panose="020B0604020202020204" pitchFamily="34" charset="0"/>
+              <a:cs typeface="Arial" panose="020B0604020202020204" pitchFamily="34" charset="0"/>
+            </a:endParaRPr>
+          </a:p>
+        </p:txBody>
+      </p:sp>
+      <p:grpSp>
+        <p:nvGrpSpPr>
+          <p:cNvPr id="4" name="Group 3">
+            <a:extLst>
+              <a:ext uri="{FF2B5EF4-FFF2-40B4-BE49-F238E27FC236}">
+                <a16:creationId xmlns:a16="http://schemas.microsoft.com/office/drawing/2014/main" id="{9C507828-DE51-493E-9A09-F3F1268995BF}"/>
+              </a:ext>
+            </a:extLst>
+          </p:cNvPr>
+          <p:cNvGrpSpPr/>
+          <p:nvPr/>
+        </p:nvGrpSpPr>
+        <p:grpSpPr>
+          <a:xfrm>
+            <a:off x="-841634" y="451163"/>
+            <a:ext cx="841634" cy="841634"/>
+            <a:chOff x="-841634" y="451163"/>
+            <a:chExt cx="841634" cy="841634"/>
+          </a:xfrm>
+        </p:grpSpPr>
+        <p:sp>
+          <p:nvSpPr>
+            <p:cNvPr id="5" name="Oval 4">
+              <a:extLst>
+                <a:ext uri="{FF2B5EF4-FFF2-40B4-BE49-F238E27FC236}">
+                  <a16:creationId xmlns:a16="http://schemas.microsoft.com/office/drawing/2014/main" id="{958A5FA4-FD4B-411A-873C-47D3EB738956}"/>
+                </a:ext>
+              </a:extLst>
+            </p:cNvPr>
+            <p:cNvSpPr/>
+            <p:nvPr/>
+          </p:nvSpPr>
+          <p:spPr>
+            <a:xfrm>
+              <a:off x="-841634" y="451163"/>
+              <a:ext cx="841634" cy="841634"/>
+            </a:xfrm>
+            <a:prstGeom prst="ellipse">
+              <a:avLst/>
+            </a:prstGeom>
+            <a:solidFill>
+              <a:schemeClr val="bg1"/>
+            </a:solidFill>
+            <a:ln>
+              <a:noFill/>
+            </a:ln>
+          </p:spPr>
+          <p:style>
+            <a:lnRef idx="2">
+              <a:schemeClr val="accent1">
+                <a:shade val="50000"/>
+              </a:schemeClr>
+            </a:lnRef>
+            <a:fillRef idx="1">
+              <a:schemeClr val="accent1"/>
+            </a:fillRef>
+            <a:effectRef idx="0">
+              <a:schemeClr val="accent1"/>
+            </a:effectRef>
+            <a:fontRef idx="minor">
+              <a:schemeClr val="lt1"/>
+            </a:fontRef>
+          </p:style>
+          <p:txBody>
+            <a:bodyPr rtlCol="0" anchor="ctr"/>
+            <a:lstStyle/>
+            <a:p>
+              <a:pPr algn="ctr"/>
+              <a:endParaRPr lang="en-US"/>
+            </a:p>
+          </p:txBody>
+        </p:sp>
+        <p:pic>
+          <p:nvPicPr>
+            <p:cNvPr id="6" name="Graphic 5" descr="Group of men">
+              <a:extLst>
+                <a:ext uri="{FF2B5EF4-FFF2-40B4-BE49-F238E27FC236}">
+                  <a16:creationId xmlns:a16="http://schemas.microsoft.com/office/drawing/2014/main" id="{E7106224-946E-4444-987A-80748B6FEF9F}"/>
+                </a:ext>
+              </a:extLst>
+            </p:cNvPr>
+            <p:cNvPicPr>
+              <a:picLocks noChangeAspect="1"/>
+            </p:cNvPicPr>
+            <p:nvPr/>
+          </p:nvPicPr>
+          <p:blipFill>
+            <a:blip r:embed="rId2">
+              <a:extLst>
+                <a:ext uri="{28A0092B-C50C-407E-A947-70E740481C1C}">
+                  <a14:useLocalDpi xmlns:a14="http://schemas.microsoft.com/office/drawing/2010/main" val="0"/>
+                </a:ext>
+                <a:ext uri="{96DAC541-7B7A-43D3-8B79-37D633B846F1}">
+                  <asvg:svgBlip xmlns:asvg="http://schemas.microsoft.com/office/drawing/2016/SVG/main" r:embed="rId3"/>
+                </a:ext>
+              </a:extLst>
+            </a:blip>
+            <a:stretch>
+              <a:fillRect/>
+            </a:stretch>
+          </p:blipFill>
+          <p:spPr>
+            <a:xfrm>
+              <a:off x="-715261" y="582884"/>
+              <a:ext cx="578191" cy="578191"/>
+            </a:xfrm>
+            <a:prstGeom prst="rect">
+              <a:avLst/>
+            </a:prstGeom>
+          </p:spPr>
+        </p:pic>
+      </p:grpSp>
+      <p:grpSp>
+        <p:nvGrpSpPr>
+          <p:cNvPr id="7" name="Group 6">
+            <a:extLst>
+              <a:ext uri="{FF2B5EF4-FFF2-40B4-BE49-F238E27FC236}">
+                <a16:creationId xmlns:a16="http://schemas.microsoft.com/office/drawing/2014/main" id="{8C7F269A-5075-465A-BFD2-FC015462B529}"/>
+              </a:ext>
+            </a:extLst>
+          </p:cNvPr>
+          <p:cNvGrpSpPr/>
+          <p:nvPr/>
+        </p:nvGrpSpPr>
+        <p:grpSpPr>
+          <a:xfrm>
+            <a:off x="-846979" y="1734435"/>
+            <a:ext cx="841634" cy="841634"/>
+            <a:chOff x="-846979" y="1734435"/>
+            <a:chExt cx="841634" cy="841634"/>
+          </a:xfrm>
+        </p:grpSpPr>
+        <p:sp>
+          <p:nvSpPr>
+            <p:cNvPr id="8" name="Oval 7">
+              <a:extLst>
+                <a:ext uri="{FF2B5EF4-FFF2-40B4-BE49-F238E27FC236}">
+                  <a16:creationId xmlns:a16="http://schemas.microsoft.com/office/drawing/2014/main" id="{E9967BAE-EF82-47C2-83AC-5DD4F7F4D694}"/>
+                </a:ext>
+              </a:extLst>
+            </p:cNvPr>
+            <p:cNvSpPr/>
+            <p:nvPr/>
+          </p:nvSpPr>
+          <p:spPr>
+            <a:xfrm>
+              <a:off x="-846979" y="1734435"/>
+              <a:ext cx="841634" cy="841634"/>
+            </a:xfrm>
+            <a:prstGeom prst="ellipse">
+              <a:avLst/>
+            </a:prstGeom>
+            <a:solidFill>
+              <a:schemeClr val="bg1"/>
+            </a:solidFill>
+            <a:ln>
+              <a:noFill/>
+            </a:ln>
+          </p:spPr>
+          <p:style>
+            <a:lnRef idx="2">
+              <a:schemeClr val="accent1">
+                <a:shade val="50000"/>
+              </a:schemeClr>
+            </a:lnRef>
+            <a:fillRef idx="1">
+              <a:schemeClr val="accent1"/>
+            </a:fillRef>
+            <a:effectRef idx="0">
+              <a:schemeClr val="accent1"/>
+            </a:effectRef>
+            <a:fontRef idx="minor">
+              <a:schemeClr val="lt1"/>
+            </a:fontRef>
+          </p:style>
+          <p:txBody>
+            <a:bodyPr rtlCol="0" anchor="ctr"/>
+            <a:lstStyle/>
+            <a:p>
+              <a:pPr algn="ctr"/>
+              <a:endParaRPr lang="en-US"/>
+            </a:p>
+          </p:txBody>
+        </p:sp>
+        <p:pic>
+          <p:nvPicPr>
+            <p:cNvPr id="10" name="Graphic 9" descr="Server">
+              <a:extLst>
+                <a:ext uri="{FF2B5EF4-FFF2-40B4-BE49-F238E27FC236}">
+                  <a16:creationId xmlns:a16="http://schemas.microsoft.com/office/drawing/2014/main" id="{58B53A1A-016D-4500-B813-E05D0CC310E1}"/>
+                </a:ext>
+              </a:extLst>
+            </p:cNvPr>
+            <p:cNvPicPr>
+              <a:picLocks noChangeAspect="1"/>
+            </p:cNvPicPr>
+            <p:nvPr/>
+          </p:nvPicPr>
+          <p:blipFill>
+            <a:blip r:embed="rId4">
+              <a:extLst>
+                <a:ext uri="{28A0092B-C50C-407E-A947-70E740481C1C}">
+                  <a14:useLocalDpi xmlns:a14="http://schemas.microsoft.com/office/drawing/2010/main" val="0"/>
+                </a:ext>
+                <a:ext uri="{96DAC541-7B7A-43D3-8B79-37D633B846F1}">
+                  <asvg:svgBlip xmlns:asvg="http://schemas.microsoft.com/office/drawing/2016/SVG/main" r:embed="rId5"/>
+                </a:ext>
+              </a:extLst>
+            </a:blip>
+            <a:stretch>
+              <a:fillRect/>
+            </a:stretch>
+          </p:blipFill>
+          <p:spPr>
+            <a:xfrm>
+              <a:off x="-715261" y="1875053"/>
+              <a:ext cx="578191" cy="578191"/>
+            </a:xfrm>
+            <a:prstGeom prst="rect">
+              <a:avLst/>
+            </a:prstGeom>
+          </p:spPr>
+        </p:pic>
+      </p:grpSp>
+      <p:grpSp>
+        <p:nvGrpSpPr>
+          <p:cNvPr id="11" name="Group 10">
+            <a:extLst>
+              <a:ext uri="{FF2B5EF4-FFF2-40B4-BE49-F238E27FC236}">
+                <a16:creationId xmlns:a16="http://schemas.microsoft.com/office/drawing/2014/main" id="{DE7F7D5B-5A48-4AB3-8D67-D31A60A38FAC}"/>
+              </a:ext>
+            </a:extLst>
+          </p:cNvPr>
+          <p:cNvGrpSpPr/>
+          <p:nvPr/>
+        </p:nvGrpSpPr>
+        <p:grpSpPr>
+          <a:xfrm>
+            <a:off x="-846979" y="4300979"/>
+            <a:ext cx="841634" cy="841634"/>
+            <a:chOff x="-846979" y="4300979"/>
+            <a:chExt cx="841634" cy="841634"/>
+          </a:xfrm>
+        </p:grpSpPr>
+        <p:sp>
+          <p:nvSpPr>
+            <p:cNvPr id="12" name="Oval 11">
+              <a:extLst>
+                <a:ext uri="{FF2B5EF4-FFF2-40B4-BE49-F238E27FC236}">
+                  <a16:creationId xmlns:a16="http://schemas.microsoft.com/office/drawing/2014/main" id="{E9E01B33-61A6-4242-B4FF-A04854691FDE}"/>
+                </a:ext>
+              </a:extLst>
+            </p:cNvPr>
+            <p:cNvSpPr/>
+            <p:nvPr/>
+          </p:nvSpPr>
+          <p:spPr>
+            <a:xfrm>
+              <a:off x="-846979" y="4300979"/>
+              <a:ext cx="841634" cy="841634"/>
+            </a:xfrm>
+            <a:prstGeom prst="ellipse">
+              <a:avLst/>
+            </a:prstGeom>
+            <a:solidFill>
+              <a:schemeClr val="bg1"/>
+            </a:solidFill>
+            <a:ln>
+              <a:noFill/>
+            </a:ln>
+          </p:spPr>
+          <p:style>
+            <a:lnRef idx="2">
+              <a:schemeClr val="accent1">
+                <a:shade val="50000"/>
+              </a:schemeClr>
+            </a:lnRef>
+            <a:fillRef idx="1">
+              <a:schemeClr val="accent1"/>
+            </a:fillRef>
+            <a:effectRef idx="0">
+              <a:schemeClr val="accent1"/>
+            </a:effectRef>
+            <a:fontRef idx="minor">
+              <a:schemeClr val="lt1"/>
+            </a:fontRef>
+          </p:style>
+          <p:txBody>
+            <a:bodyPr rtlCol="0" anchor="ctr"/>
+            <a:lstStyle/>
+            <a:p>
+              <a:pPr algn="ctr"/>
+              <a:endParaRPr lang="en-US"/>
+            </a:p>
+          </p:txBody>
+        </p:sp>
+        <p:pic>
+          <p:nvPicPr>
+            <p:cNvPr id="13" name="Graphic 12" descr="Computer">
+              <a:extLst>
+                <a:ext uri="{FF2B5EF4-FFF2-40B4-BE49-F238E27FC236}">
+                  <a16:creationId xmlns:a16="http://schemas.microsoft.com/office/drawing/2014/main" id="{A6A2E44F-239C-425E-BEDB-CCB28AA28FC4}"/>
+                </a:ext>
+              </a:extLst>
+            </p:cNvPr>
+            <p:cNvPicPr>
+              <a:picLocks noChangeAspect="1"/>
+            </p:cNvPicPr>
+            <p:nvPr/>
+          </p:nvPicPr>
+          <p:blipFill>
+            <a:blip r:embed="rId6">
+              <a:extLst>
+                <a:ext uri="{28A0092B-C50C-407E-A947-70E740481C1C}">
+                  <a14:useLocalDpi xmlns:a14="http://schemas.microsoft.com/office/drawing/2010/main" val="0"/>
+                </a:ext>
+                <a:ext uri="{96DAC541-7B7A-43D3-8B79-37D633B846F1}">
+                  <asvg:svgBlip xmlns:asvg="http://schemas.microsoft.com/office/drawing/2016/SVG/main" r:embed="rId7"/>
+                </a:ext>
+              </a:extLst>
+            </a:blip>
+            <a:stretch>
+              <a:fillRect/>
+            </a:stretch>
+          </p:blipFill>
+          <p:spPr>
+            <a:xfrm>
+              <a:off x="-715262" y="4432700"/>
+              <a:ext cx="578191" cy="578191"/>
+            </a:xfrm>
+            <a:prstGeom prst="rect">
+              <a:avLst/>
+            </a:prstGeom>
+          </p:spPr>
+        </p:pic>
+      </p:grpSp>
+      <p:grpSp>
+        <p:nvGrpSpPr>
+          <p:cNvPr id="14" name="Group 13">
+            <a:extLst>
+              <a:ext uri="{FF2B5EF4-FFF2-40B4-BE49-F238E27FC236}">
+                <a16:creationId xmlns:a16="http://schemas.microsoft.com/office/drawing/2014/main" id="{E1CAD16B-1D17-4D12-8BC0-E5B388FACF65}"/>
+              </a:ext>
+            </a:extLst>
+          </p:cNvPr>
+          <p:cNvGrpSpPr/>
+          <p:nvPr/>
+        </p:nvGrpSpPr>
+        <p:grpSpPr>
+          <a:xfrm>
+            <a:off x="1030161" y="5584251"/>
+            <a:ext cx="841634" cy="841634"/>
+            <a:chOff x="-846981" y="5584251"/>
+            <a:chExt cx="841634" cy="841634"/>
+          </a:xfrm>
+        </p:grpSpPr>
+        <p:sp>
+          <p:nvSpPr>
+            <p:cNvPr id="15" name="Oval 14">
+              <a:extLst>
+                <a:ext uri="{FF2B5EF4-FFF2-40B4-BE49-F238E27FC236}">
+                  <a16:creationId xmlns:a16="http://schemas.microsoft.com/office/drawing/2014/main" id="{A532907E-0D7D-4621-B7C6-63DF09B03455}"/>
+                </a:ext>
+              </a:extLst>
+            </p:cNvPr>
+            <p:cNvSpPr/>
+            <p:nvPr/>
+          </p:nvSpPr>
+          <p:spPr>
+            <a:xfrm>
+              <a:off x="-846981" y="5584251"/>
+              <a:ext cx="841634" cy="841634"/>
+            </a:xfrm>
+            <a:prstGeom prst="ellipse">
+              <a:avLst/>
+            </a:prstGeom>
+            <a:solidFill>
+              <a:schemeClr val="bg1"/>
+            </a:solidFill>
+            <a:ln>
+              <a:noFill/>
+            </a:ln>
+          </p:spPr>
+          <p:style>
+            <a:lnRef idx="2">
+              <a:schemeClr val="accent1">
+                <a:shade val="50000"/>
+              </a:schemeClr>
+            </a:lnRef>
+            <a:fillRef idx="1">
+              <a:schemeClr val="accent1"/>
+            </a:fillRef>
+            <a:effectRef idx="0">
+              <a:schemeClr val="accent1"/>
+            </a:effectRef>
+            <a:fontRef idx="minor">
+              <a:schemeClr val="lt1"/>
+            </a:fontRef>
+          </p:style>
+          <p:txBody>
+            <a:bodyPr rtlCol="0" anchor="ctr"/>
+            <a:lstStyle/>
+            <a:p>
+              <a:pPr algn="ctr"/>
+              <a:endParaRPr lang="en-US"/>
+            </a:p>
+          </p:txBody>
+        </p:sp>
+        <p:pic>
+          <p:nvPicPr>
+            <p:cNvPr id="16" name="Graphic 15" descr="Web design">
+              <a:extLst>
+                <a:ext uri="{FF2B5EF4-FFF2-40B4-BE49-F238E27FC236}">
+                  <a16:creationId xmlns:a16="http://schemas.microsoft.com/office/drawing/2014/main" id="{296F80FA-8B94-4761-8C43-5328BBFCAB59}"/>
+                </a:ext>
+              </a:extLst>
+            </p:cNvPr>
+            <p:cNvPicPr>
+              <a:picLocks noChangeAspect="1"/>
+            </p:cNvPicPr>
+            <p:nvPr/>
+          </p:nvPicPr>
+          <p:blipFill>
+            <a:blip r:embed="rId8">
+              <a:extLst>
+                <a:ext uri="{28A0092B-C50C-407E-A947-70E740481C1C}">
+                  <a14:useLocalDpi xmlns:a14="http://schemas.microsoft.com/office/drawing/2010/main" val="0"/>
+                </a:ext>
+                <a:ext uri="{96DAC541-7B7A-43D3-8B79-37D633B846F1}">
+                  <asvg:svgBlip xmlns:asvg="http://schemas.microsoft.com/office/drawing/2016/SVG/main" r:embed="rId9"/>
+                </a:ext>
+              </a:extLst>
+            </a:blip>
+            <a:stretch>
+              <a:fillRect/>
+            </a:stretch>
+          </p:blipFill>
+          <p:spPr>
+            <a:xfrm>
+              <a:off x="-715257" y="5715972"/>
+              <a:ext cx="578191" cy="578191"/>
+            </a:xfrm>
+            <a:prstGeom prst="rect">
+              <a:avLst/>
+            </a:prstGeom>
+          </p:spPr>
+        </p:pic>
+      </p:grpSp>
+      <p:grpSp>
+        <p:nvGrpSpPr>
+          <p:cNvPr id="22" name="Group 21">
+            <a:extLst>
+              <a:ext uri="{FF2B5EF4-FFF2-40B4-BE49-F238E27FC236}">
+                <a16:creationId xmlns:a16="http://schemas.microsoft.com/office/drawing/2014/main" id="{0A71A0A1-DE7A-456D-9033-9C50D6439C51}"/>
+              </a:ext>
+            </a:extLst>
+          </p:cNvPr>
+          <p:cNvGrpSpPr/>
+          <p:nvPr/>
+        </p:nvGrpSpPr>
+        <p:grpSpPr>
+          <a:xfrm>
+            <a:off x="-828728" y="3008183"/>
+            <a:ext cx="841634" cy="841634"/>
+            <a:chOff x="5675183" y="3005477"/>
+            <a:chExt cx="841634" cy="841634"/>
+          </a:xfrm>
+        </p:grpSpPr>
+        <p:sp>
+          <p:nvSpPr>
+            <p:cNvPr id="23" name="Oval 22">
+              <a:extLst>
+                <a:ext uri="{FF2B5EF4-FFF2-40B4-BE49-F238E27FC236}">
+                  <a16:creationId xmlns:a16="http://schemas.microsoft.com/office/drawing/2014/main" id="{5B0BBA2C-87BF-4AF7-A128-FB0F1B8A2958}"/>
+                </a:ext>
+              </a:extLst>
+            </p:cNvPr>
+            <p:cNvSpPr/>
+            <p:nvPr/>
+          </p:nvSpPr>
+          <p:spPr>
+            <a:xfrm>
+              <a:off x="5675183" y="3005477"/>
+              <a:ext cx="841634" cy="841634"/>
+            </a:xfrm>
+            <a:prstGeom prst="ellipse">
+              <a:avLst/>
+            </a:prstGeom>
+            <a:solidFill>
+              <a:srgbClr val="FFFFFF"/>
+            </a:solidFill>
+            <a:ln>
+              <a:noFill/>
+            </a:ln>
+          </p:spPr>
+          <p:style>
+            <a:lnRef idx="2">
+              <a:schemeClr val="accent1">
+                <a:shade val="50000"/>
+              </a:schemeClr>
+            </a:lnRef>
+            <a:fillRef idx="1">
+              <a:schemeClr val="accent1"/>
+            </a:fillRef>
+            <a:effectRef idx="0">
+              <a:schemeClr val="accent1"/>
+            </a:effectRef>
+            <a:fontRef idx="minor">
+              <a:schemeClr val="lt1"/>
+            </a:fontRef>
+          </p:style>
+          <p:txBody>
+            <a:bodyPr rtlCol="0" anchor="ctr"/>
+            <a:lstStyle/>
+            <a:p>
+              <a:pPr algn="ctr"/>
+              <a:endParaRPr lang="en-US"/>
+            </a:p>
+          </p:txBody>
+        </p:sp>
+        <p:pic>
+          <p:nvPicPr>
+            <p:cNvPr id="24" name="Graphic 23" descr="Smart Phone">
+              <a:extLst>
+                <a:ext uri="{FF2B5EF4-FFF2-40B4-BE49-F238E27FC236}">
+                  <a16:creationId xmlns:a16="http://schemas.microsoft.com/office/drawing/2014/main" id="{F66CA1DF-6C16-4A23-8DDB-4734275456CC}"/>
+                </a:ext>
+              </a:extLst>
+            </p:cNvPr>
+            <p:cNvPicPr>
+              <a:picLocks noChangeAspect="1"/>
+            </p:cNvPicPr>
+            <p:nvPr/>
+          </p:nvPicPr>
+          <p:blipFill>
+            <a:blip r:embed="rId10">
+              <a:extLst>
+                <a:ext uri="{28A0092B-C50C-407E-A947-70E740481C1C}">
+                  <a14:useLocalDpi xmlns:a14="http://schemas.microsoft.com/office/drawing/2010/main" val="0"/>
+                </a:ext>
+                <a:ext uri="{96DAC541-7B7A-43D3-8B79-37D633B846F1}">
+                  <asvg:svgBlip xmlns:asvg="http://schemas.microsoft.com/office/drawing/2016/SVG/main" r:embed="rId11"/>
+                </a:ext>
+              </a:extLst>
+            </a:blip>
+            <a:stretch>
+              <a:fillRect/>
+            </a:stretch>
+          </p:blipFill>
+          <p:spPr>
+            <a:xfrm flipV="1">
+              <a:off x="5806902" y="3137198"/>
+              <a:ext cx="578191" cy="578191"/>
+            </a:xfrm>
+            <a:prstGeom prst="rect">
+              <a:avLst/>
+            </a:prstGeom>
+          </p:spPr>
+        </p:pic>
+      </p:grpSp>
+      <p:sp>
+        <p:nvSpPr>
+          <p:cNvPr id="3" name="Freeform: Shape 2">
+            <a:extLst>
+              <a:ext uri="{FF2B5EF4-FFF2-40B4-BE49-F238E27FC236}">
+                <a16:creationId xmlns:a16="http://schemas.microsoft.com/office/drawing/2014/main" id="{D738CF23-EC33-442B-B7BB-E38825B9DCA2}"/>
+              </a:ext>
+            </a:extLst>
+          </p:cNvPr>
+          <p:cNvSpPr/>
+          <p:nvPr/>
+        </p:nvSpPr>
+        <p:spPr>
+          <a:xfrm rot="10800000">
+            <a:off x="1739" y="-11344472"/>
+            <a:ext cx="1449238" cy="23553174"/>
+          </a:xfrm>
+          <a:custGeom>
+            <a:avLst/>
+            <a:gdLst>
+              <a:gd name="connsiteX0" fmla="*/ 0 w 1449238"/>
+              <a:gd name="connsiteY0" fmla="*/ 23553174 h 23553174"/>
+              <a:gd name="connsiteX1" fmla="*/ 0 w 1449238"/>
+              <a:gd name="connsiteY1" fmla="*/ 7057620 h 23553174"/>
+              <a:gd name="connsiteX2" fmla="*/ 828826 w 1449238"/>
+              <a:gd name="connsiteY2" fmla="*/ 6213536 h 23553174"/>
+              <a:gd name="connsiteX3" fmla="*/ 0 w 1449238"/>
+              <a:gd name="connsiteY3" fmla="*/ 5369453 h 23553174"/>
+              <a:gd name="connsiteX4" fmla="*/ 0 w 1449238"/>
+              <a:gd name="connsiteY4" fmla="*/ 0 h 23553174"/>
+              <a:gd name="connsiteX5" fmla="*/ 1449238 w 1449238"/>
+              <a:gd name="connsiteY5" fmla="*/ 0 h 23553174"/>
+              <a:gd name="connsiteX6" fmla="*/ 1449238 w 1449238"/>
+              <a:gd name="connsiteY6" fmla="*/ 23553174 h 23553174"/>
+              <a:gd name="connsiteX0" fmla="*/ 0 w 1449238"/>
+              <a:gd name="connsiteY0" fmla="*/ 23553174 h 23553174"/>
+              <a:gd name="connsiteX1" fmla="*/ 0 w 1449238"/>
+              <a:gd name="connsiteY1" fmla="*/ 7057620 h 23553174"/>
+              <a:gd name="connsiteX2" fmla="*/ 828826 w 1449238"/>
+              <a:gd name="connsiteY2" fmla="*/ 6213536 h 23553174"/>
+              <a:gd name="connsiteX3" fmla="*/ 0 w 1449238"/>
+              <a:gd name="connsiteY3" fmla="*/ 5369453 h 23553174"/>
+              <a:gd name="connsiteX4" fmla="*/ 0 w 1449238"/>
+              <a:gd name="connsiteY4" fmla="*/ 0 h 23553174"/>
+              <a:gd name="connsiteX5" fmla="*/ 1449238 w 1449238"/>
+              <a:gd name="connsiteY5" fmla="*/ 0 h 23553174"/>
+              <a:gd name="connsiteX6" fmla="*/ 1449238 w 1449238"/>
+              <a:gd name="connsiteY6" fmla="*/ 23553174 h 23553174"/>
+              <a:gd name="connsiteX7" fmla="*/ 0 w 1449238"/>
+              <a:gd name="connsiteY7" fmla="*/ 23553174 h 23553174"/>
+              <a:gd name="connsiteX0" fmla="*/ 0 w 1449238"/>
+              <a:gd name="connsiteY0" fmla="*/ 23553174 h 23553174"/>
+              <a:gd name="connsiteX1" fmla="*/ 0 w 1449238"/>
+              <a:gd name="connsiteY1" fmla="*/ 7057620 h 23553174"/>
+              <a:gd name="connsiteX2" fmla="*/ 828826 w 1449238"/>
+              <a:gd name="connsiteY2" fmla="*/ 6213536 h 23553174"/>
+              <a:gd name="connsiteX3" fmla="*/ 0 w 1449238"/>
+              <a:gd name="connsiteY3" fmla="*/ 5369453 h 23553174"/>
+              <a:gd name="connsiteX4" fmla="*/ 0 w 1449238"/>
+              <a:gd name="connsiteY4" fmla="*/ 0 h 23553174"/>
+              <a:gd name="connsiteX5" fmla="*/ 1449238 w 1449238"/>
+              <a:gd name="connsiteY5" fmla="*/ 0 h 23553174"/>
+              <a:gd name="connsiteX6" fmla="*/ 1449238 w 1449238"/>
+              <a:gd name="connsiteY6" fmla="*/ 23553174 h 23553174"/>
+              <a:gd name="connsiteX7" fmla="*/ 0 w 1449238"/>
+              <a:gd name="connsiteY7" fmla="*/ 23553174 h 23553174"/>
+              <a:gd name="connsiteX0" fmla="*/ 0 w 1449238"/>
+              <a:gd name="connsiteY0" fmla="*/ 23553174 h 23553174"/>
+              <a:gd name="connsiteX1" fmla="*/ 0 w 1449238"/>
+              <a:gd name="connsiteY1" fmla="*/ 7057620 h 23553174"/>
+              <a:gd name="connsiteX2" fmla="*/ 828826 w 1449238"/>
+              <a:gd name="connsiteY2" fmla="*/ 6213536 h 23553174"/>
+              <a:gd name="connsiteX3" fmla="*/ 0 w 1449238"/>
+              <a:gd name="connsiteY3" fmla="*/ 5369453 h 23553174"/>
+              <a:gd name="connsiteX4" fmla="*/ 0 w 1449238"/>
+              <a:gd name="connsiteY4" fmla="*/ 0 h 23553174"/>
+              <a:gd name="connsiteX5" fmla="*/ 1449238 w 1449238"/>
+              <a:gd name="connsiteY5" fmla="*/ 0 h 23553174"/>
+              <a:gd name="connsiteX6" fmla="*/ 1449238 w 1449238"/>
+              <a:gd name="connsiteY6" fmla="*/ 23553174 h 23553174"/>
+              <a:gd name="connsiteX7" fmla="*/ 0 w 1449238"/>
+              <a:gd name="connsiteY7" fmla="*/ 23553174 h 23553174"/>
+              <a:gd name="connsiteX0" fmla="*/ 0 w 1449238"/>
+              <a:gd name="connsiteY0" fmla="*/ 23553174 h 23553174"/>
+              <a:gd name="connsiteX1" fmla="*/ 0 w 1449238"/>
+              <a:gd name="connsiteY1" fmla="*/ 7057620 h 23553174"/>
+              <a:gd name="connsiteX2" fmla="*/ 828826 w 1449238"/>
+              <a:gd name="connsiteY2" fmla="*/ 6213536 h 23553174"/>
+              <a:gd name="connsiteX3" fmla="*/ 0 w 1449238"/>
+              <a:gd name="connsiteY3" fmla="*/ 5369453 h 23553174"/>
+              <a:gd name="connsiteX4" fmla="*/ 0 w 1449238"/>
+              <a:gd name="connsiteY4" fmla="*/ 0 h 23553174"/>
+              <a:gd name="connsiteX5" fmla="*/ 1449238 w 1449238"/>
+              <a:gd name="connsiteY5" fmla="*/ 0 h 23553174"/>
+              <a:gd name="connsiteX6" fmla="*/ 1449238 w 1449238"/>
+              <a:gd name="connsiteY6" fmla="*/ 23553174 h 23553174"/>
+              <a:gd name="connsiteX7" fmla="*/ 0 w 1449238"/>
+              <a:gd name="connsiteY7" fmla="*/ 23553174 h 23553174"/>
+              <a:gd name="connsiteX0" fmla="*/ 0 w 1449238"/>
+              <a:gd name="connsiteY0" fmla="*/ 23553174 h 23553174"/>
+              <a:gd name="connsiteX1" fmla="*/ 0 w 1449238"/>
+              <a:gd name="connsiteY1" fmla="*/ 7057620 h 23553174"/>
+              <a:gd name="connsiteX2" fmla="*/ 581176 w 1449238"/>
+              <a:gd name="connsiteY2" fmla="*/ 6213536 h 23553174"/>
+              <a:gd name="connsiteX3" fmla="*/ 0 w 1449238"/>
+              <a:gd name="connsiteY3" fmla="*/ 5369453 h 23553174"/>
+              <a:gd name="connsiteX4" fmla="*/ 0 w 1449238"/>
+              <a:gd name="connsiteY4" fmla="*/ 0 h 23553174"/>
+              <a:gd name="connsiteX5" fmla="*/ 1449238 w 1449238"/>
+              <a:gd name="connsiteY5" fmla="*/ 0 h 23553174"/>
+              <a:gd name="connsiteX6" fmla="*/ 1449238 w 1449238"/>
+              <a:gd name="connsiteY6" fmla="*/ 23553174 h 23553174"/>
+              <a:gd name="connsiteX7" fmla="*/ 0 w 1449238"/>
+              <a:gd name="connsiteY7" fmla="*/ 23553174 h 23553174"/>
+              <a:gd name="connsiteX0" fmla="*/ 0 w 1449238"/>
+              <a:gd name="connsiteY0" fmla="*/ 23553174 h 23553174"/>
+              <a:gd name="connsiteX1" fmla="*/ 0 w 1449238"/>
+              <a:gd name="connsiteY1" fmla="*/ 7057620 h 23553174"/>
+              <a:gd name="connsiteX2" fmla="*/ 564507 w 1449238"/>
+              <a:gd name="connsiteY2" fmla="*/ 6215918 h 23553174"/>
+              <a:gd name="connsiteX3" fmla="*/ 0 w 1449238"/>
+              <a:gd name="connsiteY3" fmla="*/ 5369453 h 23553174"/>
+              <a:gd name="connsiteX4" fmla="*/ 0 w 1449238"/>
+              <a:gd name="connsiteY4" fmla="*/ 0 h 23553174"/>
+              <a:gd name="connsiteX5" fmla="*/ 1449238 w 1449238"/>
+              <a:gd name="connsiteY5" fmla="*/ 0 h 23553174"/>
+              <a:gd name="connsiteX6" fmla="*/ 1449238 w 1449238"/>
+              <a:gd name="connsiteY6" fmla="*/ 23553174 h 23553174"/>
+              <a:gd name="connsiteX7" fmla="*/ 0 w 1449238"/>
+              <a:gd name="connsiteY7" fmla="*/ 23553174 h 23553174"/>
+            </a:gdLst>
+            <a:ahLst/>
+            <a:cxnLst>
+              <a:cxn ang="0">
+                <a:pos x="connsiteX0" y="connsiteY0"/>
+              </a:cxn>
+              <a:cxn ang="0">
+                <a:pos x="connsiteX1" y="connsiteY1"/>
+              </a:cxn>
+              <a:cxn ang="0">
+                <a:pos x="connsiteX2" y="connsiteY2"/>
+              </a:cxn>
+              <a:cxn ang="0">
+                <a:pos x="connsiteX3" y="connsiteY3"/>
+              </a:cxn>
+              <a:cxn ang="0">
+                <a:pos x="connsiteX4" y="connsiteY4"/>
+              </a:cxn>
+              <a:cxn ang="0">
+                <a:pos x="connsiteX5" y="connsiteY5"/>
+              </a:cxn>
+              <a:cxn ang="0">
+                <a:pos x="connsiteX6" y="connsiteY6"/>
+              </a:cxn>
+              <a:cxn ang="0">
+                <a:pos x="connsiteX7" y="connsiteY7"/>
+              </a:cxn>
+            </a:cxnLst>
+            <a:rect l="l" t="t" r="r" b="b"/>
+            <a:pathLst>
+              <a:path w="1449238" h="23553174">
+                <a:moveTo>
+                  <a:pt x="0" y="23553174"/>
+                </a:moveTo>
+                <a:lnTo>
+                  <a:pt x="0" y="7057620"/>
+                </a:lnTo>
+                <a:cubicBezTo>
+                  <a:pt x="4812" y="6633384"/>
+                  <a:pt x="564557" y="6719529"/>
+                  <a:pt x="564507" y="6215918"/>
+                </a:cubicBezTo>
+                <a:cubicBezTo>
+                  <a:pt x="564457" y="5712307"/>
+                  <a:pt x="2431" y="5798452"/>
+                  <a:pt x="0" y="5369453"/>
+                </a:cubicBezTo>
+                <a:lnTo>
+                  <a:pt x="0" y="0"/>
+                </a:lnTo>
+                <a:lnTo>
+                  <a:pt x="1449238" y="0"/>
+                </a:lnTo>
+                <a:lnTo>
+                  <a:pt x="1449238" y="23553174"/>
+                </a:lnTo>
+                <a:lnTo>
+                  <a:pt x="0" y="23553174"/>
+                </a:lnTo>
+                <a:close/>
+              </a:path>
+            </a:pathLst>
+          </a:custGeom>
+          <a:solidFill>
+            <a:schemeClr val="bg1"/>
+          </a:solidFill>
+          <a:ln>
+            <a:noFill/>
+          </a:ln>
+        </p:spPr>
+        <p:style>
+          <a:lnRef idx="2">
+            <a:schemeClr val="accent1">
+              <a:shade val="50000"/>
+            </a:schemeClr>
+          </a:lnRef>
+          <a:fillRef idx="1">
+            <a:schemeClr val="accent1"/>
+          </a:fillRef>
+          <a:effectRef idx="0">
+            <a:schemeClr val="accent1"/>
+          </a:effectRef>
+          <a:fontRef idx="minor">
+            <a:schemeClr val="lt1"/>
+          </a:fontRef>
+        </p:style>
+        <p:txBody>
+          <a:bodyPr wrap="square" rtlCol="0" anchor="ctr">
+            <a:noAutofit/>
+          </a:bodyPr>
+          <a:lstStyle/>
+          <a:p>
+            <a:pPr algn="ctr"/>
+            <a:endParaRPr lang="en-US"/>
+          </a:p>
+        </p:txBody>
+      </p:sp>
+      <p:pic>
+        <p:nvPicPr>
+          <p:cNvPr id="17" name="Graphic 16" descr="Group of men">
+            <a:hlinkClick r:id="rId12" action="ppaction://hlinksldjump"/>
+            <a:extLst>
+              <a:ext uri="{FF2B5EF4-FFF2-40B4-BE49-F238E27FC236}">
+                <a16:creationId xmlns:a16="http://schemas.microsoft.com/office/drawing/2014/main" id="{9491F1DE-5CA9-49F1-8485-33A50DBA99EC}"/>
+              </a:ext>
+            </a:extLst>
+          </p:cNvPr>
+          <p:cNvPicPr>
+            <a:picLocks noChangeAspect="1"/>
+          </p:cNvPicPr>
+          <p:nvPr/>
+        </p:nvPicPr>
+        <p:blipFill>
+          <a:blip r:embed="rId13">
+            <a:extLst>
+              <a:ext uri="{28A0092B-C50C-407E-A947-70E740481C1C}">
+                <a14:useLocalDpi xmlns:a14="http://schemas.microsoft.com/office/drawing/2010/main" val="0"/>
+              </a:ext>
+              <a:ext uri="{96DAC541-7B7A-43D3-8B79-37D633B846F1}">
+                <asvg:svgBlip xmlns:asvg="http://schemas.microsoft.com/office/drawing/2016/SVG/main" r:embed="rId14"/>
+              </a:ext>
+            </a:extLst>
+          </a:blip>
+          <a:stretch>
+            <a:fillRect/>
+          </a:stretch>
+        </p:blipFill>
+        <p:spPr>
+          <a:xfrm>
+            <a:off x="437264" y="582884"/>
+            <a:ext cx="578191" cy="578191"/>
+          </a:xfrm>
+          <a:prstGeom prst="rect">
+            <a:avLst/>
+          </a:prstGeom>
+        </p:spPr>
+      </p:pic>
+      <p:pic>
+        <p:nvPicPr>
+          <p:cNvPr id="18" name="Graphic 17" descr="Server">
+            <a:hlinkClick r:id="rId15" action="ppaction://hlinksldjump"/>
+            <a:extLst>
+              <a:ext uri="{FF2B5EF4-FFF2-40B4-BE49-F238E27FC236}">
+                <a16:creationId xmlns:a16="http://schemas.microsoft.com/office/drawing/2014/main" id="{70FAF315-2050-4C29-B39C-81C398368162}"/>
+              </a:ext>
+            </a:extLst>
+          </p:cNvPr>
+          <p:cNvPicPr>
+            <a:picLocks noChangeAspect="1"/>
+          </p:cNvPicPr>
+          <p:nvPr/>
+        </p:nvPicPr>
+        <p:blipFill>
+          <a:blip r:embed="rId16">
+            <a:extLst>
+              <a:ext uri="{28A0092B-C50C-407E-A947-70E740481C1C}">
+                <a14:useLocalDpi xmlns:a14="http://schemas.microsoft.com/office/drawing/2010/main" val="0"/>
+              </a:ext>
+              <a:ext uri="{96DAC541-7B7A-43D3-8B79-37D633B846F1}">
+                <asvg:svgBlip xmlns:asvg="http://schemas.microsoft.com/office/drawing/2016/SVG/main" r:embed="rId17"/>
+              </a:ext>
+            </a:extLst>
+          </a:blip>
+          <a:stretch>
+            <a:fillRect/>
+          </a:stretch>
+        </p:blipFill>
+        <p:spPr>
+          <a:xfrm>
+            <a:off x="437264" y="1875053"/>
+            <a:ext cx="578191" cy="578191"/>
+          </a:xfrm>
+          <a:prstGeom prst="rect">
+            <a:avLst/>
+          </a:prstGeom>
+        </p:spPr>
+      </p:pic>
+      <p:pic>
+        <p:nvPicPr>
+          <p:cNvPr id="19" name="Graphic 18" descr="Smart Phone">
+            <a:hlinkClick r:id="rId18" action="ppaction://hlinksldjump"/>
+            <a:extLst>
+              <a:ext uri="{FF2B5EF4-FFF2-40B4-BE49-F238E27FC236}">
+                <a16:creationId xmlns:a16="http://schemas.microsoft.com/office/drawing/2014/main" id="{0BC96FA7-D314-4715-A35A-2B02AB116C4D}"/>
+              </a:ext>
+            </a:extLst>
+          </p:cNvPr>
+          <p:cNvPicPr>
+            <a:picLocks noChangeAspect="1"/>
+          </p:cNvPicPr>
+          <p:nvPr/>
+        </p:nvPicPr>
+        <p:blipFill>
+          <a:blip r:embed="rId19">
+            <a:extLst>
+              <a:ext uri="{28A0092B-C50C-407E-A947-70E740481C1C}">
+                <a14:useLocalDpi xmlns:a14="http://schemas.microsoft.com/office/drawing/2010/main" val="0"/>
+              </a:ext>
+              <a:ext uri="{96DAC541-7B7A-43D3-8B79-37D633B846F1}">
+                <asvg:svgBlip xmlns:asvg="http://schemas.microsoft.com/office/drawing/2016/SVG/main" r:embed="rId20"/>
+              </a:ext>
+            </a:extLst>
+          </a:blip>
+          <a:stretch>
+            <a:fillRect/>
+          </a:stretch>
+        </p:blipFill>
+        <p:spPr>
+          <a:xfrm flipV="1">
+            <a:off x="437265" y="3149428"/>
+            <a:ext cx="578191" cy="578191"/>
+          </a:xfrm>
+          <a:prstGeom prst="rect">
+            <a:avLst/>
+          </a:prstGeom>
+        </p:spPr>
+      </p:pic>
+      <p:pic>
+        <p:nvPicPr>
+          <p:cNvPr id="20" name="Graphic 19" descr="Computer">
+            <a:hlinkClick r:id="rId21" action="ppaction://hlinksldjump"/>
+            <a:extLst>
+              <a:ext uri="{FF2B5EF4-FFF2-40B4-BE49-F238E27FC236}">
+                <a16:creationId xmlns:a16="http://schemas.microsoft.com/office/drawing/2014/main" id="{E4F4C65A-89DA-4982-9A59-AD1713751218}"/>
+              </a:ext>
+            </a:extLst>
+          </p:cNvPr>
+          <p:cNvPicPr>
+            <a:picLocks noChangeAspect="1"/>
+          </p:cNvPicPr>
+          <p:nvPr/>
+        </p:nvPicPr>
+        <p:blipFill>
+          <a:blip r:embed="rId22">
+            <a:extLst>
+              <a:ext uri="{28A0092B-C50C-407E-A947-70E740481C1C}">
+                <a14:useLocalDpi xmlns:a14="http://schemas.microsoft.com/office/drawing/2010/main" val="0"/>
+              </a:ext>
+              <a:ext uri="{96DAC541-7B7A-43D3-8B79-37D633B846F1}">
+                <asvg:svgBlip xmlns:asvg="http://schemas.microsoft.com/office/drawing/2016/SVG/main" r:embed="rId23"/>
+              </a:ext>
+            </a:extLst>
+          </a:blip>
+          <a:stretch>
+            <a:fillRect/>
+          </a:stretch>
+        </p:blipFill>
+        <p:spPr>
+          <a:xfrm>
+            <a:off x="437263" y="4432700"/>
+            <a:ext cx="578191" cy="578191"/>
+          </a:xfrm>
+          <a:prstGeom prst="rect">
+            <a:avLst/>
+          </a:prstGeom>
+        </p:spPr>
+      </p:pic>
+      <p:pic>
+        <p:nvPicPr>
+          <p:cNvPr id="21" name="Graphic 20" descr="Web design">
+            <a:hlinkClick r:id="rId24" action="ppaction://hlinksldjump"/>
+            <a:extLst>
+              <a:ext uri="{FF2B5EF4-FFF2-40B4-BE49-F238E27FC236}">
+                <a16:creationId xmlns:a16="http://schemas.microsoft.com/office/drawing/2014/main" id="{01BAAD71-96DE-4E38-9F58-068AC272A24B}"/>
+              </a:ext>
+            </a:extLst>
+          </p:cNvPr>
+          <p:cNvPicPr>
+            <a:picLocks noChangeAspect="1"/>
+          </p:cNvPicPr>
+          <p:nvPr/>
+        </p:nvPicPr>
+        <p:blipFill>
+          <a:blip r:embed="rId25">
+            <a:extLst>
+              <a:ext uri="{28A0092B-C50C-407E-A947-70E740481C1C}">
+                <a14:useLocalDpi xmlns:a14="http://schemas.microsoft.com/office/drawing/2010/main" val="0"/>
+              </a:ext>
+              <a:ext uri="{96DAC541-7B7A-43D3-8B79-37D633B846F1}">
+                <asvg:svgBlip xmlns:asvg="http://schemas.microsoft.com/office/drawing/2016/SVG/main" r:embed="rId26"/>
+              </a:ext>
+            </a:extLst>
+          </a:blip>
+          <a:stretch>
+            <a:fillRect/>
+          </a:stretch>
+        </p:blipFill>
+        <p:spPr>
+          <a:xfrm>
+            <a:off x="437268" y="5715972"/>
+            <a:ext cx="578191" cy="578191"/>
+          </a:xfrm>
+          <a:prstGeom prst="rect">
+            <a:avLst/>
+          </a:prstGeom>
+        </p:spPr>
+      </p:pic>
+    </p:spTree>
+    <p:extLst>
+      <p:ext uri="{BB962C8B-B14F-4D97-AF65-F5344CB8AC3E}">
+        <p14:creationId xmlns:p14="http://schemas.microsoft.com/office/powerpoint/2010/main" val="4205130239"/>
+      </p:ext>
+    </p:extLst>
+  </p:cSld>
+  <p:clrMapOvr>
+    <a:masterClrMapping/>
+  </p:clrMapOvr>
+  <mc:AlternateContent xmlns:mc="http://schemas.openxmlformats.org/markup-compatibility/2006" xmlns:p159="http://schemas.microsoft.com/office/powerpoint/2015/09/main">
+    <mc:Choice Requires="p159">
+      <p:transition spd="med" advClick="0" advTm="0">
+        <p159:morph option="byObject"/>
+      </p:transition>
+    </mc:Choice>
+    <mc:Fallback xmlns="">
+      <p:transition spd="med" advClick="0" advTm="0">
+        <p:fade/>
+      </p:transition>
+    </mc:Fallback>
+  </mc:AlternateContent>
+</p:sld>
+</file>
+
+<file path=ppt/slides/slide25.xml><?xml version="1.0" encoding="utf-8"?>
+<p:sld xmlns:a="http://schemas.openxmlformats.org/drawingml/2006/main" xmlns:r="http://schemas.openxmlformats.org/officeDocument/2006/relationships" xmlns:p="http://schemas.openxmlformats.org/presentationml/2006/main">
+  <p:cSld>
+    <p:bg>
+      <p:bgPr>
+        <a:solidFill>
+          <a:srgbClr val="00F5D4"/>
+        </a:solidFill>
+        <a:effectLst/>
+      </p:bgPr>
+    </p:bg>
+    <p:spTree>
+      <p:nvGrpSpPr>
+        <p:cNvPr id="1" name=""/>
+        <p:cNvGrpSpPr/>
+        <p:nvPr/>
+      </p:nvGrpSpPr>
+      <p:grpSpPr>
+        <a:xfrm>
+          <a:off x="0" y="0"/>
+          <a:ext cx="0" cy="0"/>
+          <a:chOff x="0" y="0"/>
+          <a:chExt cx="0" cy="0"/>
+        </a:xfrm>
+      </p:grpSpPr>
+      <p:grpSp>
+        <p:nvGrpSpPr>
+          <p:cNvPr id="4" name="Group 3">
+            <a:extLst>
+              <a:ext uri="{FF2B5EF4-FFF2-40B4-BE49-F238E27FC236}">
+                <a16:creationId xmlns:a16="http://schemas.microsoft.com/office/drawing/2014/main" id="{9C507828-DE51-493E-9A09-F3F1268995BF}"/>
+              </a:ext>
+            </a:extLst>
+          </p:cNvPr>
+          <p:cNvGrpSpPr/>
+          <p:nvPr/>
+        </p:nvGrpSpPr>
+        <p:grpSpPr>
+          <a:xfrm>
+            <a:off x="-841634" y="451163"/>
+            <a:ext cx="841634" cy="841634"/>
+            <a:chOff x="-841634" y="451163"/>
+            <a:chExt cx="841634" cy="841634"/>
+          </a:xfrm>
+        </p:grpSpPr>
+        <p:sp>
+          <p:nvSpPr>
+            <p:cNvPr id="5" name="Oval 4">
+              <a:extLst>
+                <a:ext uri="{FF2B5EF4-FFF2-40B4-BE49-F238E27FC236}">
+                  <a16:creationId xmlns:a16="http://schemas.microsoft.com/office/drawing/2014/main" id="{958A5FA4-FD4B-411A-873C-47D3EB738956}"/>
+                </a:ext>
+              </a:extLst>
+            </p:cNvPr>
+            <p:cNvSpPr/>
+            <p:nvPr/>
+          </p:nvSpPr>
+          <p:spPr>
+            <a:xfrm>
+              <a:off x="-841634" y="451163"/>
+              <a:ext cx="841634" cy="841634"/>
+            </a:xfrm>
+            <a:prstGeom prst="ellipse">
+              <a:avLst/>
+            </a:prstGeom>
+            <a:solidFill>
+              <a:schemeClr val="bg1"/>
+            </a:solidFill>
+            <a:ln>
+              <a:noFill/>
+            </a:ln>
+          </p:spPr>
+          <p:style>
+            <a:lnRef idx="2">
+              <a:schemeClr val="accent1">
+                <a:shade val="50000"/>
+              </a:schemeClr>
+            </a:lnRef>
+            <a:fillRef idx="1">
+              <a:schemeClr val="accent1"/>
+            </a:fillRef>
+            <a:effectRef idx="0">
+              <a:schemeClr val="accent1"/>
+            </a:effectRef>
+            <a:fontRef idx="minor">
+              <a:schemeClr val="lt1"/>
+            </a:fontRef>
+          </p:style>
+          <p:txBody>
+            <a:bodyPr rtlCol="0" anchor="ctr"/>
+            <a:lstStyle/>
+            <a:p>
+              <a:pPr algn="ctr"/>
+              <a:endParaRPr lang="en-US"/>
+            </a:p>
+          </p:txBody>
+        </p:sp>
+        <p:pic>
+          <p:nvPicPr>
+            <p:cNvPr id="6" name="Graphic 5" descr="Group of men">
+              <a:extLst>
+                <a:ext uri="{FF2B5EF4-FFF2-40B4-BE49-F238E27FC236}">
+                  <a16:creationId xmlns:a16="http://schemas.microsoft.com/office/drawing/2014/main" id="{E7106224-946E-4444-987A-80748B6FEF9F}"/>
+                </a:ext>
+              </a:extLst>
+            </p:cNvPr>
+            <p:cNvPicPr>
+              <a:picLocks noChangeAspect="1"/>
+            </p:cNvPicPr>
+            <p:nvPr/>
+          </p:nvPicPr>
+          <p:blipFill>
+            <a:blip r:embed="rId2">
+              <a:extLst>
+                <a:ext uri="{28A0092B-C50C-407E-A947-70E740481C1C}">
+                  <a14:useLocalDpi xmlns:a14="http://schemas.microsoft.com/office/drawing/2010/main" val="0"/>
+                </a:ext>
+                <a:ext uri="{96DAC541-7B7A-43D3-8B79-37D633B846F1}">
+                  <asvg:svgBlip xmlns:asvg="http://schemas.microsoft.com/office/drawing/2016/SVG/main" r:embed="rId3"/>
+                </a:ext>
+              </a:extLst>
+            </a:blip>
+            <a:stretch>
+              <a:fillRect/>
+            </a:stretch>
+          </p:blipFill>
+          <p:spPr>
+            <a:xfrm>
+              <a:off x="-715261" y="582884"/>
+              <a:ext cx="578191" cy="578191"/>
+            </a:xfrm>
+            <a:prstGeom prst="rect">
+              <a:avLst/>
+            </a:prstGeom>
+          </p:spPr>
+        </p:pic>
+      </p:grpSp>
+      <p:grpSp>
+        <p:nvGrpSpPr>
+          <p:cNvPr id="7" name="Group 6">
+            <a:extLst>
+              <a:ext uri="{FF2B5EF4-FFF2-40B4-BE49-F238E27FC236}">
+                <a16:creationId xmlns:a16="http://schemas.microsoft.com/office/drawing/2014/main" id="{8C7F269A-5075-465A-BFD2-FC015462B529}"/>
+              </a:ext>
+            </a:extLst>
+          </p:cNvPr>
+          <p:cNvGrpSpPr/>
+          <p:nvPr/>
+        </p:nvGrpSpPr>
+        <p:grpSpPr>
+          <a:xfrm>
+            <a:off x="-846979" y="1734435"/>
+            <a:ext cx="841634" cy="841634"/>
+            <a:chOff x="-846979" y="1734435"/>
+            <a:chExt cx="841634" cy="841634"/>
+          </a:xfrm>
+        </p:grpSpPr>
+        <p:sp>
+          <p:nvSpPr>
+            <p:cNvPr id="8" name="Oval 7">
+              <a:extLst>
+                <a:ext uri="{FF2B5EF4-FFF2-40B4-BE49-F238E27FC236}">
+                  <a16:creationId xmlns:a16="http://schemas.microsoft.com/office/drawing/2014/main" id="{E9967BAE-EF82-47C2-83AC-5DD4F7F4D694}"/>
+                </a:ext>
+              </a:extLst>
+            </p:cNvPr>
+            <p:cNvSpPr/>
+            <p:nvPr/>
+          </p:nvSpPr>
+          <p:spPr>
+            <a:xfrm>
+              <a:off x="-846979" y="1734435"/>
+              <a:ext cx="841634" cy="841634"/>
+            </a:xfrm>
+            <a:prstGeom prst="ellipse">
+              <a:avLst/>
+            </a:prstGeom>
+            <a:solidFill>
+              <a:schemeClr val="bg1"/>
+            </a:solidFill>
+            <a:ln>
+              <a:noFill/>
+            </a:ln>
+          </p:spPr>
+          <p:style>
+            <a:lnRef idx="2">
+              <a:schemeClr val="accent1">
+                <a:shade val="50000"/>
+              </a:schemeClr>
+            </a:lnRef>
+            <a:fillRef idx="1">
+              <a:schemeClr val="accent1"/>
+            </a:fillRef>
+            <a:effectRef idx="0">
+              <a:schemeClr val="accent1"/>
+            </a:effectRef>
+            <a:fontRef idx="minor">
+              <a:schemeClr val="lt1"/>
+            </a:fontRef>
+          </p:style>
+          <p:txBody>
+            <a:bodyPr rtlCol="0" anchor="ctr"/>
+            <a:lstStyle/>
+            <a:p>
+              <a:pPr algn="ctr"/>
+              <a:endParaRPr lang="en-US"/>
+            </a:p>
+          </p:txBody>
+        </p:sp>
+        <p:pic>
+          <p:nvPicPr>
+            <p:cNvPr id="10" name="Graphic 9" descr="Server">
+              <a:extLst>
+                <a:ext uri="{FF2B5EF4-FFF2-40B4-BE49-F238E27FC236}">
+                  <a16:creationId xmlns:a16="http://schemas.microsoft.com/office/drawing/2014/main" id="{58B53A1A-016D-4500-B813-E05D0CC310E1}"/>
+                </a:ext>
+              </a:extLst>
+            </p:cNvPr>
+            <p:cNvPicPr>
+              <a:picLocks noChangeAspect="1"/>
+            </p:cNvPicPr>
+            <p:nvPr/>
+          </p:nvPicPr>
+          <p:blipFill>
+            <a:blip r:embed="rId4">
+              <a:extLst>
+                <a:ext uri="{28A0092B-C50C-407E-A947-70E740481C1C}">
+                  <a14:useLocalDpi xmlns:a14="http://schemas.microsoft.com/office/drawing/2010/main" val="0"/>
+                </a:ext>
+                <a:ext uri="{96DAC541-7B7A-43D3-8B79-37D633B846F1}">
+                  <asvg:svgBlip xmlns:asvg="http://schemas.microsoft.com/office/drawing/2016/SVG/main" r:embed="rId5"/>
+                </a:ext>
+              </a:extLst>
+            </a:blip>
+            <a:stretch>
+              <a:fillRect/>
+            </a:stretch>
+          </p:blipFill>
+          <p:spPr>
+            <a:xfrm>
+              <a:off x="-715261" y="1875053"/>
+              <a:ext cx="578191" cy="578191"/>
+            </a:xfrm>
+            <a:prstGeom prst="rect">
+              <a:avLst/>
+            </a:prstGeom>
+          </p:spPr>
+        </p:pic>
+      </p:grpSp>
+      <p:grpSp>
+        <p:nvGrpSpPr>
+          <p:cNvPr id="11" name="Group 10">
+            <a:extLst>
+              <a:ext uri="{FF2B5EF4-FFF2-40B4-BE49-F238E27FC236}">
+                <a16:creationId xmlns:a16="http://schemas.microsoft.com/office/drawing/2014/main" id="{DE7F7D5B-5A48-4AB3-8D67-D31A60A38FAC}"/>
+              </a:ext>
+            </a:extLst>
+          </p:cNvPr>
+          <p:cNvGrpSpPr/>
+          <p:nvPr/>
+        </p:nvGrpSpPr>
+        <p:grpSpPr>
+          <a:xfrm>
+            <a:off x="-846979" y="4300979"/>
+            <a:ext cx="841634" cy="841634"/>
+            <a:chOff x="-846979" y="4300979"/>
+            <a:chExt cx="841634" cy="841634"/>
+          </a:xfrm>
+        </p:grpSpPr>
+        <p:sp>
+          <p:nvSpPr>
+            <p:cNvPr id="12" name="Oval 11">
+              <a:extLst>
+                <a:ext uri="{FF2B5EF4-FFF2-40B4-BE49-F238E27FC236}">
+                  <a16:creationId xmlns:a16="http://schemas.microsoft.com/office/drawing/2014/main" id="{E9E01B33-61A6-4242-B4FF-A04854691FDE}"/>
+                </a:ext>
+              </a:extLst>
+            </p:cNvPr>
+            <p:cNvSpPr/>
+            <p:nvPr/>
+          </p:nvSpPr>
+          <p:spPr>
+            <a:xfrm>
+              <a:off x="-846979" y="4300979"/>
+              <a:ext cx="841634" cy="841634"/>
+            </a:xfrm>
+            <a:prstGeom prst="ellipse">
+              <a:avLst/>
+            </a:prstGeom>
+            <a:solidFill>
+              <a:schemeClr val="bg1"/>
+            </a:solidFill>
+            <a:ln>
+              <a:noFill/>
+            </a:ln>
+          </p:spPr>
+          <p:style>
+            <a:lnRef idx="2">
+              <a:schemeClr val="accent1">
+                <a:shade val="50000"/>
+              </a:schemeClr>
+            </a:lnRef>
+            <a:fillRef idx="1">
+              <a:schemeClr val="accent1"/>
+            </a:fillRef>
+            <a:effectRef idx="0">
+              <a:schemeClr val="accent1"/>
+            </a:effectRef>
+            <a:fontRef idx="minor">
+              <a:schemeClr val="lt1"/>
+            </a:fontRef>
+          </p:style>
+          <p:txBody>
+            <a:bodyPr rtlCol="0" anchor="ctr"/>
+            <a:lstStyle/>
+            <a:p>
+              <a:pPr algn="ctr"/>
+              <a:endParaRPr lang="en-US"/>
+            </a:p>
+          </p:txBody>
+        </p:sp>
+        <p:pic>
+          <p:nvPicPr>
+            <p:cNvPr id="13" name="Graphic 12" descr="Computer">
+              <a:extLst>
+                <a:ext uri="{FF2B5EF4-FFF2-40B4-BE49-F238E27FC236}">
+                  <a16:creationId xmlns:a16="http://schemas.microsoft.com/office/drawing/2014/main" id="{A6A2E44F-239C-425E-BEDB-CCB28AA28FC4}"/>
+                </a:ext>
+              </a:extLst>
+            </p:cNvPr>
+            <p:cNvPicPr>
+              <a:picLocks noChangeAspect="1"/>
+            </p:cNvPicPr>
+            <p:nvPr/>
+          </p:nvPicPr>
+          <p:blipFill>
+            <a:blip r:embed="rId6">
+              <a:extLst>
+                <a:ext uri="{28A0092B-C50C-407E-A947-70E740481C1C}">
+                  <a14:useLocalDpi xmlns:a14="http://schemas.microsoft.com/office/drawing/2010/main" val="0"/>
+                </a:ext>
+                <a:ext uri="{96DAC541-7B7A-43D3-8B79-37D633B846F1}">
+                  <asvg:svgBlip xmlns:asvg="http://schemas.microsoft.com/office/drawing/2016/SVG/main" r:embed="rId7"/>
+                </a:ext>
+              </a:extLst>
+            </a:blip>
+            <a:stretch>
+              <a:fillRect/>
+            </a:stretch>
+          </p:blipFill>
+          <p:spPr>
+            <a:xfrm>
+              <a:off x="-715262" y="4432700"/>
+              <a:ext cx="578191" cy="578191"/>
+            </a:xfrm>
+            <a:prstGeom prst="rect">
+              <a:avLst/>
+            </a:prstGeom>
+          </p:spPr>
+        </p:pic>
+      </p:grpSp>
+      <p:grpSp>
+        <p:nvGrpSpPr>
+          <p:cNvPr id="14" name="Group 13">
+            <a:extLst>
+              <a:ext uri="{FF2B5EF4-FFF2-40B4-BE49-F238E27FC236}">
+                <a16:creationId xmlns:a16="http://schemas.microsoft.com/office/drawing/2014/main" id="{E1CAD16B-1D17-4D12-8BC0-E5B388FACF65}"/>
+              </a:ext>
+            </a:extLst>
+          </p:cNvPr>
+          <p:cNvGrpSpPr/>
+          <p:nvPr/>
+        </p:nvGrpSpPr>
+        <p:grpSpPr>
+          <a:xfrm>
+            <a:off x="1030161" y="5584251"/>
+            <a:ext cx="841634" cy="841634"/>
+            <a:chOff x="-846981" y="5584251"/>
+            <a:chExt cx="841634" cy="841634"/>
+          </a:xfrm>
+        </p:grpSpPr>
+        <p:sp>
+          <p:nvSpPr>
+            <p:cNvPr id="15" name="Oval 14">
+              <a:extLst>
+                <a:ext uri="{FF2B5EF4-FFF2-40B4-BE49-F238E27FC236}">
+                  <a16:creationId xmlns:a16="http://schemas.microsoft.com/office/drawing/2014/main" id="{A532907E-0D7D-4621-B7C6-63DF09B03455}"/>
+                </a:ext>
+              </a:extLst>
+            </p:cNvPr>
+            <p:cNvSpPr/>
+            <p:nvPr/>
+          </p:nvSpPr>
+          <p:spPr>
+            <a:xfrm>
+              <a:off x="-846981" y="5584251"/>
+              <a:ext cx="841634" cy="841634"/>
+            </a:xfrm>
+            <a:prstGeom prst="ellipse">
+              <a:avLst/>
+            </a:prstGeom>
+            <a:solidFill>
+              <a:schemeClr val="bg1"/>
+            </a:solidFill>
+            <a:ln>
+              <a:noFill/>
+            </a:ln>
+          </p:spPr>
+          <p:style>
+            <a:lnRef idx="2">
+              <a:schemeClr val="accent1">
+                <a:shade val="50000"/>
+              </a:schemeClr>
+            </a:lnRef>
+            <a:fillRef idx="1">
+              <a:schemeClr val="accent1"/>
+            </a:fillRef>
+            <a:effectRef idx="0">
+              <a:schemeClr val="accent1"/>
+            </a:effectRef>
+            <a:fontRef idx="minor">
+              <a:schemeClr val="lt1"/>
+            </a:fontRef>
+          </p:style>
+          <p:txBody>
+            <a:bodyPr rtlCol="0" anchor="ctr"/>
+            <a:lstStyle/>
+            <a:p>
+              <a:pPr algn="ctr"/>
+              <a:endParaRPr lang="en-US"/>
+            </a:p>
+          </p:txBody>
+        </p:sp>
+        <p:pic>
+          <p:nvPicPr>
+            <p:cNvPr id="16" name="Graphic 15" descr="Web design">
+              <a:extLst>
+                <a:ext uri="{FF2B5EF4-FFF2-40B4-BE49-F238E27FC236}">
+                  <a16:creationId xmlns:a16="http://schemas.microsoft.com/office/drawing/2014/main" id="{296F80FA-8B94-4761-8C43-5328BBFCAB59}"/>
+                </a:ext>
+              </a:extLst>
+            </p:cNvPr>
+            <p:cNvPicPr>
+              <a:picLocks noChangeAspect="1"/>
+            </p:cNvPicPr>
+            <p:nvPr/>
+          </p:nvPicPr>
+          <p:blipFill>
+            <a:blip r:embed="rId8">
+              <a:extLst>
+                <a:ext uri="{28A0092B-C50C-407E-A947-70E740481C1C}">
+                  <a14:useLocalDpi xmlns:a14="http://schemas.microsoft.com/office/drawing/2010/main" val="0"/>
+                </a:ext>
+                <a:ext uri="{96DAC541-7B7A-43D3-8B79-37D633B846F1}">
+                  <asvg:svgBlip xmlns:asvg="http://schemas.microsoft.com/office/drawing/2016/SVG/main" r:embed="rId9"/>
+                </a:ext>
+              </a:extLst>
+            </a:blip>
+            <a:stretch>
+              <a:fillRect/>
+            </a:stretch>
+          </p:blipFill>
+          <p:spPr>
+            <a:xfrm>
+              <a:off x="-715257" y="5715972"/>
+              <a:ext cx="578191" cy="578191"/>
+            </a:xfrm>
+            <a:prstGeom prst="rect">
+              <a:avLst/>
+            </a:prstGeom>
+          </p:spPr>
+        </p:pic>
+      </p:grpSp>
+      <p:grpSp>
+        <p:nvGrpSpPr>
+          <p:cNvPr id="22" name="Group 21">
+            <a:extLst>
+              <a:ext uri="{FF2B5EF4-FFF2-40B4-BE49-F238E27FC236}">
+                <a16:creationId xmlns:a16="http://schemas.microsoft.com/office/drawing/2014/main" id="{0A71A0A1-DE7A-456D-9033-9C50D6439C51}"/>
+              </a:ext>
+            </a:extLst>
+          </p:cNvPr>
+          <p:cNvGrpSpPr/>
+          <p:nvPr/>
+        </p:nvGrpSpPr>
+        <p:grpSpPr>
+          <a:xfrm>
+            <a:off x="-828728" y="3008183"/>
+            <a:ext cx="841634" cy="841634"/>
+            <a:chOff x="5675183" y="3005477"/>
+            <a:chExt cx="841634" cy="841634"/>
+          </a:xfrm>
+        </p:grpSpPr>
+        <p:sp>
+          <p:nvSpPr>
+            <p:cNvPr id="23" name="Oval 22">
+              <a:extLst>
+                <a:ext uri="{FF2B5EF4-FFF2-40B4-BE49-F238E27FC236}">
+                  <a16:creationId xmlns:a16="http://schemas.microsoft.com/office/drawing/2014/main" id="{5B0BBA2C-87BF-4AF7-A128-FB0F1B8A2958}"/>
+                </a:ext>
+              </a:extLst>
+            </p:cNvPr>
+            <p:cNvSpPr/>
+            <p:nvPr/>
+          </p:nvSpPr>
+          <p:spPr>
+            <a:xfrm>
+              <a:off x="5675183" y="3005477"/>
+              <a:ext cx="841634" cy="841634"/>
+            </a:xfrm>
+            <a:prstGeom prst="ellipse">
+              <a:avLst/>
+            </a:prstGeom>
+            <a:solidFill>
+              <a:srgbClr val="FFFFFF"/>
+            </a:solidFill>
+            <a:ln>
+              <a:noFill/>
+            </a:ln>
+          </p:spPr>
+          <p:style>
+            <a:lnRef idx="2">
+              <a:schemeClr val="accent1">
+                <a:shade val="50000"/>
+              </a:schemeClr>
+            </a:lnRef>
+            <a:fillRef idx="1">
+              <a:schemeClr val="accent1"/>
+            </a:fillRef>
+            <a:effectRef idx="0">
+              <a:schemeClr val="accent1"/>
+            </a:effectRef>
+            <a:fontRef idx="minor">
+              <a:schemeClr val="lt1"/>
+            </a:fontRef>
+          </p:style>
+          <p:txBody>
+            <a:bodyPr rtlCol="0" anchor="ctr"/>
+            <a:lstStyle/>
+            <a:p>
+              <a:pPr algn="ctr"/>
+              <a:endParaRPr lang="en-US"/>
+            </a:p>
+          </p:txBody>
+        </p:sp>
+        <p:pic>
+          <p:nvPicPr>
+            <p:cNvPr id="24" name="Graphic 23" descr="Smart Phone">
+              <a:extLst>
+                <a:ext uri="{FF2B5EF4-FFF2-40B4-BE49-F238E27FC236}">
+                  <a16:creationId xmlns:a16="http://schemas.microsoft.com/office/drawing/2014/main" id="{F66CA1DF-6C16-4A23-8DDB-4734275456CC}"/>
+                </a:ext>
+              </a:extLst>
+            </p:cNvPr>
+            <p:cNvPicPr>
+              <a:picLocks noChangeAspect="1"/>
+            </p:cNvPicPr>
+            <p:nvPr/>
+          </p:nvPicPr>
+          <p:blipFill>
+            <a:blip r:embed="rId10">
+              <a:extLst>
+                <a:ext uri="{28A0092B-C50C-407E-A947-70E740481C1C}">
+                  <a14:useLocalDpi xmlns:a14="http://schemas.microsoft.com/office/drawing/2010/main" val="0"/>
+                </a:ext>
+                <a:ext uri="{96DAC541-7B7A-43D3-8B79-37D633B846F1}">
+                  <asvg:svgBlip xmlns:asvg="http://schemas.microsoft.com/office/drawing/2016/SVG/main" r:embed="rId11"/>
+                </a:ext>
+              </a:extLst>
+            </a:blip>
+            <a:stretch>
+              <a:fillRect/>
+            </a:stretch>
+          </p:blipFill>
+          <p:spPr>
+            <a:xfrm flipV="1">
+              <a:off x="5806902" y="3137198"/>
+              <a:ext cx="578191" cy="578191"/>
+            </a:xfrm>
+            <a:prstGeom prst="rect">
+              <a:avLst/>
+            </a:prstGeom>
+          </p:spPr>
+        </p:pic>
+      </p:grpSp>
+      <p:sp>
+        <p:nvSpPr>
+          <p:cNvPr id="3" name="Freeform: Shape 2">
+            <a:extLst>
+              <a:ext uri="{FF2B5EF4-FFF2-40B4-BE49-F238E27FC236}">
+                <a16:creationId xmlns:a16="http://schemas.microsoft.com/office/drawing/2014/main" id="{D738CF23-EC33-442B-B7BB-E38825B9DCA2}"/>
+              </a:ext>
+            </a:extLst>
+          </p:cNvPr>
+          <p:cNvSpPr/>
+          <p:nvPr/>
+        </p:nvSpPr>
+        <p:spPr>
+          <a:xfrm rot="10800000">
+            <a:off x="1739" y="-11344472"/>
+            <a:ext cx="1449238" cy="23553174"/>
+          </a:xfrm>
+          <a:custGeom>
+            <a:avLst/>
+            <a:gdLst>
+              <a:gd name="connsiteX0" fmla="*/ 0 w 1449238"/>
+              <a:gd name="connsiteY0" fmla="*/ 23553174 h 23553174"/>
+              <a:gd name="connsiteX1" fmla="*/ 0 w 1449238"/>
+              <a:gd name="connsiteY1" fmla="*/ 7057620 h 23553174"/>
+              <a:gd name="connsiteX2" fmla="*/ 828826 w 1449238"/>
+              <a:gd name="connsiteY2" fmla="*/ 6213536 h 23553174"/>
+              <a:gd name="connsiteX3" fmla="*/ 0 w 1449238"/>
+              <a:gd name="connsiteY3" fmla="*/ 5369453 h 23553174"/>
+              <a:gd name="connsiteX4" fmla="*/ 0 w 1449238"/>
+              <a:gd name="connsiteY4" fmla="*/ 0 h 23553174"/>
+              <a:gd name="connsiteX5" fmla="*/ 1449238 w 1449238"/>
+              <a:gd name="connsiteY5" fmla="*/ 0 h 23553174"/>
+              <a:gd name="connsiteX6" fmla="*/ 1449238 w 1449238"/>
+              <a:gd name="connsiteY6" fmla="*/ 23553174 h 23553174"/>
+              <a:gd name="connsiteX0" fmla="*/ 0 w 1449238"/>
+              <a:gd name="connsiteY0" fmla="*/ 23553174 h 23553174"/>
+              <a:gd name="connsiteX1" fmla="*/ 0 w 1449238"/>
+              <a:gd name="connsiteY1" fmla="*/ 7057620 h 23553174"/>
+              <a:gd name="connsiteX2" fmla="*/ 828826 w 1449238"/>
+              <a:gd name="connsiteY2" fmla="*/ 6213536 h 23553174"/>
+              <a:gd name="connsiteX3" fmla="*/ 0 w 1449238"/>
+              <a:gd name="connsiteY3" fmla="*/ 5369453 h 23553174"/>
+              <a:gd name="connsiteX4" fmla="*/ 0 w 1449238"/>
+              <a:gd name="connsiteY4" fmla="*/ 0 h 23553174"/>
+              <a:gd name="connsiteX5" fmla="*/ 1449238 w 1449238"/>
+              <a:gd name="connsiteY5" fmla="*/ 0 h 23553174"/>
+              <a:gd name="connsiteX6" fmla="*/ 1449238 w 1449238"/>
+              <a:gd name="connsiteY6" fmla="*/ 23553174 h 23553174"/>
+              <a:gd name="connsiteX7" fmla="*/ 0 w 1449238"/>
+              <a:gd name="connsiteY7" fmla="*/ 23553174 h 23553174"/>
+              <a:gd name="connsiteX0" fmla="*/ 0 w 1449238"/>
+              <a:gd name="connsiteY0" fmla="*/ 23553174 h 23553174"/>
+              <a:gd name="connsiteX1" fmla="*/ 0 w 1449238"/>
+              <a:gd name="connsiteY1" fmla="*/ 7057620 h 23553174"/>
+              <a:gd name="connsiteX2" fmla="*/ 828826 w 1449238"/>
+              <a:gd name="connsiteY2" fmla="*/ 6213536 h 23553174"/>
+              <a:gd name="connsiteX3" fmla="*/ 0 w 1449238"/>
+              <a:gd name="connsiteY3" fmla="*/ 5369453 h 23553174"/>
+              <a:gd name="connsiteX4" fmla="*/ 0 w 1449238"/>
+              <a:gd name="connsiteY4" fmla="*/ 0 h 23553174"/>
+              <a:gd name="connsiteX5" fmla="*/ 1449238 w 1449238"/>
+              <a:gd name="connsiteY5" fmla="*/ 0 h 23553174"/>
+              <a:gd name="connsiteX6" fmla="*/ 1449238 w 1449238"/>
+              <a:gd name="connsiteY6" fmla="*/ 23553174 h 23553174"/>
+              <a:gd name="connsiteX7" fmla="*/ 0 w 1449238"/>
+              <a:gd name="connsiteY7" fmla="*/ 23553174 h 23553174"/>
+              <a:gd name="connsiteX0" fmla="*/ 0 w 1449238"/>
+              <a:gd name="connsiteY0" fmla="*/ 23553174 h 23553174"/>
+              <a:gd name="connsiteX1" fmla="*/ 0 w 1449238"/>
+              <a:gd name="connsiteY1" fmla="*/ 7057620 h 23553174"/>
+              <a:gd name="connsiteX2" fmla="*/ 828826 w 1449238"/>
+              <a:gd name="connsiteY2" fmla="*/ 6213536 h 23553174"/>
+              <a:gd name="connsiteX3" fmla="*/ 0 w 1449238"/>
+              <a:gd name="connsiteY3" fmla="*/ 5369453 h 23553174"/>
+              <a:gd name="connsiteX4" fmla="*/ 0 w 1449238"/>
+              <a:gd name="connsiteY4" fmla="*/ 0 h 23553174"/>
+              <a:gd name="connsiteX5" fmla="*/ 1449238 w 1449238"/>
+              <a:gd name="connsiteY5" fmla="*/ 0 h 23553174"/>
+              <a:gd name="connsiteX6" fmla="*/ 1449238 w 1449238"/>
+              <a:gd name="connsiteY6" fmla="*/ 23553174 h 23553174"/>
+              <a:gd name="connsiteX7" fmla="*/ 0 w 1449238"/>
+              <a:gd name="connsiteY7" fmla="*/ 23553174 h 23553174"/>
+              <a:gd name="connsiteX0" fmla="*/ 0 w 1449238"/>
+              <a:gd name="connsiteY0" fmla="*/ 23553174 h 23553174"/>
+              <a:gd name="connsiteX1" fmla="*/ 0 w 1449238"/>
+              <a:gd name="connsiteY1" fmla="*/ 7057620 h 23553174"/>
+              <a:gd name="connsiteX2" fmla="*/ 828826 w 1449238"/>
+              <a:gd name="connsiteY2" fmla="*/ 6213536 h 23553174"/>
+              <a:gd name="connsiteX3" fmla="*/ 0 w 1449238"/>
+              <a:gd name="connsiteY3" fmla="*/ 5369453 h 23553174"/>
+              <a:gd name="connsiteX4" fmla="*/ 0 w 1449238"/>
+              <a:gd name="connsiteY4" fmla="*/ 0 h 23553174"/>
+              <a:gd name="connsiteX5" fmla="*/ 1449238 w 1449238"/>
+              <a:gd name="connsiteY5" fmla="*/ 0 h 23553174"/>
+              <a:gd name="connsiteX6" fmla="*/ 1449238 w 1449238"/>
+              <a:gd name="connsiteY6" fmla="*/ 23553174 h 23553174"/>
+              <a:gd name="connsiteX7" fmla="*/ 0 w 1449238"/>
+              <a:gd name="connsiteY7" fmla="*/ 23553174 h 23553174"/>
+              <a:gd name="connsiteX0" fmla="*/ 0 w 1449238"/>
+              <a:gd name="connsiteY0" fmla="*/ 23553174 h 23553174"/>
+              <a:gd name="connsiteX1" fmla="*/ 0 w 1449238"/>
+              <a:gd name="connsiteY1" fmla="*/ 7057620 h 23553174"/>
+              <a:gd name="connsiteX2" fmla="*/ 581176 w 1449238"/>
+              <a:gd name="connsiteY2" fmla="*/ 6213536 h 23553174"/>
+              <a:gd name="connsiteX3" fmla="*/ 0 w 1449238"/>
+              <a:gd name="connsiteY3" fmla="*/ 5369453 h 23553174"/>
+              <a:gd name="connsiteX4" fmla="*/ 0 w 1449238"/>
+              <a:gd name="connsiteY4" fmla="*/ 0 h 23553174"/>
+              <a:gd name="connsiteX5" fmla="*/ 1449238 w 1449238"/>
+              <a:gd name="connsiteY5" fmla="*/ 0 h 23553174"/>
+              <a:gd name="connsiteX6" fmla="*/ 1449238 w 1449238"/>
+              <a:gd name="connsiteY6" fmla="*/ 23553174 h 23553174"/>
+              <a:gd name="connsiteX7" fmla="*/ 0 w 1449238"/>
+              <a:gd name="connsiteY7" fmla="*/ 23553174 h 23553174"/>
+              <a:gd name="connsiteX0" fmla="*/ 0 w 1449238"/>
+              <a:gd name="connsiteY0" fmla="*/ 23553174 h 23553174"/>
+              <a:gd name="connsiteX1" fmla="*/ 0 w 1449238"/>
+              <a:gd name="connsiteY1" fmla="*/ 7057620 h 23553174"/>
+              <a:gd name="connsiteX2" fmla="*/ 564507 w 1449238"/>
+              <a:gd name="connsiteY2" fmla="*/ 6215918 h 23553174"/>
+              <a:gd name="connsiteX3" fmla="*/ 0 w 1449238"/>
+              <a:gd name="connsiteY3" fmla="*/ 5369453 h 23553174"/>
+              <a:gd name="connsiteX4" fmla="*/ 0 w 1449238"/>
+              <a:gd name="connsiteY4" fmla="*/ 0 h 23553174"/>
+              <a:gd name="connsiteX5" fmla="*/ 1449238 w 1449238"/>
+              <a:gd name="connsiteY5" fmla="*/ 0 h 23553174"/>
+              <a:gd name="connsiteX6" fmla="*/ 1449238 w 1449238"/>
+              <a:gd name="connsiteY6" fmla="*/ 23553174 h 23553174"/>
+              <a:gd name="connsiteX7" fmla="*/ 0 w 1449238"/>
+              <a:gd name="connsiteY7" fmla="*/ 23553174 h 23553174"/>
+            </a:gdLst>
+            <a:ahLst/>
+            <a:cxnLst>
+              <a:cxn ang="0">
+                <a:pos x="connsiteX0" y="connsiteY0"/>
+              </a:cxn>
+              <a:cxn ang="0">
+                <a:pos x="connsiteX1" y="connsiteY1"/>
+              </a:cxn>
+              <a:cxn ang="0">
+                <a:pos x="connsiteX2" y="connsiteY2"/>
+              </a:cxn>
+              <a:cxn ang="0">
+                <a:pos x="connsiteX3" y="connsiteY3"/>
+              </a:cxn>
+              <a:cxn ang="0">
+                <a:pos x="connsiteX4" y="connsiteY4"/>
+              </a:cxn>
+              <a:cxn ang="0">
+                <a:pos x="connsiteX5" y="connsiteY5"/>
+              </a:cxn>
+              <a:cxn ang="0">
+                <a:pos x="connsiteX6" y="connsiteY6"/>
+              </a:cxn>
+              <a:cxn ang="0">
+                <a:pos x="connsiteX7" y="connsiteY7"/>
+              </a:cxn>
+            </a:cxnLst>
+            <a:rect l="l" t="t" r="r" b="b"/>
+            <a:pathLst>
+              <a:path w="1449238" h="23553174">
+                <a:moveTo>
+                  <a:pt x="0" y="23553174"/>
+                </a:moveTo>
+                <a:lnTo>
+                  <a:pt x="0" y="7057620"/>
+                </a:lnTo>
+                <a:cubicBezTo>
+                  <a:pt x="4812" y="6633384"/>
+                  <a:pt x="564557" y="6719529"/>
+                  <a:pt x="564507" y="6215918"/>
+                </a:cubicBezTo>
+                <a:cubicBezTo>
+                  <a:pt x="564457" y="5712307"/>
+                  <a:pt x="2431" y="5798452"/>
+                  <a:pt x="0" y="5369453"/>
+                </a:cubicBezTo>
+                <a:lnTo>
+                  <a:pt x="0" y="0"/>
+                </a:lnTo>
+                <a:lnTo>
+                  <a:pt x="1449238" y="0"/>
+                </a:lnTo>
+                <a:lnTo>
+                  <a:pt x="1449238" y="23553174"/>
+                </a:lnTo>
+                <a:lnTo>
+                  <a:pt x="0" y="23553174"/>
+                </a:lnTo>
+                <a:close/>
+              </a:path>
+            </a:pathLst>
+          </a:custGeom>
+          <a:solidFill>
+            <a:schemeClr val="bg1"/>
+          </a:solidFill>
+          <a:ln>
+            <a:noFill/>
+          </a:ln>
+        </p:spPr>
+        <p:style>
+          <a:lnRef idx="2">
+            <a:schemeClr val="accent1">
+              <a:shade val="50000"/>
+            </a:schemeClr>
+          </a:lnRef>
+          <a:fillRef idx="1">
+            <a:schemeClr val="accent1"/>
+          </a:fillRef>
+          <a:effectRef idx="0">
+            <a:schemeClr val="accent1"/>
+          </a:effectRef>
+          <a:fontRef idx="minor">
+            <a:schemeClr val="lt1"/>
+          </a:fontRef>
+        </p:style>
+        <p:txBody>
+          <a:bodyPr wrap="square" rtlCol="0" anchor="ctr">
+            <a:noAutofit/>
+          </a:bodyPr>
+          <a:lstStyle/>
+          <a:p>
+            <a:pPr algn="ctr"/>
+            <a:endParaRPr lang="en-US"/>
+          </a:p>
+        </p:txBody>
+      </p:sp>
+      <p:pic>
+        <p:nvPicPr>
+          <p:cNvPr id="17" name="Graphic 16" descr="Group of men">
+            <a:hlinkClick r:id="rId12" action="ppaction://hlinksldjump"/>
+            <a:extLst>
+              <a:ext uri="{FF2B5EF4-FFF2-40B4-BE49-F238E27FC236}">
+                <a16:creationId xmlns:a16="http://schemas.microsoft.com/office/drawing/2014/main" id="{9491F1DE-5CA9-49F1-8485-33A50DBA99EC}"/>
+              </a:ext>
+            </a:extLst>
+          </p:cNvPr>
+          <p:cNvPicPr>
+            <a:picLocks noChangeAspect="1"/>
+          </p:cNvPicPr>
+          <p:nvPr/>
+        </p:nvPicPr>
+        <p:blipFill>
+          <a:blip r:embed="rId13">
+            <a:extLst>
+              <a:ext uri="{28A0092B-C50C-407E-A947-70E740481C1C}">
+                <a14:useLocalDpi xmlns:a14="http://schemas.microsoft.com/office/drawing/2010/main" val="0"/>
+              </a:ext>
+              <a:ext uri="{96DAC541-7B7A-43D3-8B79-37D633B846F1}">
+                <asvg:svgBlip xmlns:asvg="http://schemas.microsoft.com/office/drawing/2016/SVG/main" r:embed="rId14"/>
+              </a:ext>
+            </a:extLst>
+          </a:blip>
+          <a:stretch>
+            <a:fillRect/>
+          </a:stretch>
+        </p:blipFill>
+        <p:spPr>
+          <a:xfrm>
+            <a:off x="437264" y="582884"/>
+            <a:ext cx="578191" cy="578191"/>
+          </a:xfrm>
+          <a:prstGeom prst="rect">
+            <a:avLst/>
+          </a:prstGeom>
+        </p:spPr>
+      </p:pic>
+      <p:pic>
+        <p:nvPicPr>
+          <p:cNvPr id="18" name="Graphic 17" descr="Server">
+            <a:hlinkClick r:id="rId15" action="ppaction://hlinksldjump"/>
+            <a:extLst>
+              <a:ext uri="{FF2B5EF4-FFF2-40B4-BE49-F238E27FC236}">
+                <a16:creationId xmlns:a16="http://schemas.microsoft.com/office/drawing/2014/main" id="{70FAF315-2050-4C29-B39C-81C398368162}"/>
+              </a:ext>
+            </a:extLst>
+          </p:cNvPr>
+          <p:cNvPicPr>
+            <a:picLocks noChangeAspect="1"/>
+          </p:cNvPicPr>
+          <p:nvPr/>
+        </p:nvPicPr>
+        <p:blipFill>
+          <a:blip r:embed="rId16">
+            <a:extLst>
+              <a:ext uri="{28A0092B-C50C-407E-A947-70E740481C1C}">
+                <a14:useLocalDpi xmlns:a14="http://schemas.microsoft.com/office/drawing/2010/main" val="0"/>
+              </a:ext>
+              <a:ext uri="{96DAC541-7B7A-43D3-8B79-37D633B846F1}">
+                <asvg:svgBlip xmlns:asvg="http://schemas.microsoft.com/office/drawing/2016/SVG/main" r:embed="rId17"/>
+              </a:ext>
+            </a:extLst>
+          </a:blip>
+          <a:stretch>
+            <a:fillRect/>
+          </a:stretch>
+        </p:blipFill>
+        <p:spPr>
+          <a:xfrm>
+            <a:off x="437264" y="1875053"/>
+            <a:ext cx="578191" cy="578191"/>
+          </a:xfrm>
+          <a:prstGeom prst="rect">
+            <a:avLst/>
+          </a:prstGeom>
+        </p:spPr>
+      </p:pic>
+      <p:pic>
+        <p:nvPicPr>
+          <p:cNvPr id="19" name="Graphic 18" descr="Smart Phone">
+            <a:hlinkClick r:id="rId18" action="ppaction://hlinksldjump"/>
+            <a:extLst>
+              <a:ext uri="{FF2B5EF4-FFF2-40B4-BE49-F238E27FC236}">
+                <a16:creationId xmlns:a16="http://schemas.microsoft.com/office/drawing/2014/main" id="{0BC96FA7-D314-4715-A35A-2B02AB116C4D}"/>
+              </a:ext>
+            </a:extLst>
+          </p:cNvPr>
+          <p:cNvPicPr>
+            <a:picLocks noChangeAspect="1"/>
+          </p:cNvPicPr>
+          <p:nvPr/>
+        </p:nvPicPr>
+        <p:blipFill>
+          <a:blip r:embed="rId19">
+            <a:extLst>
+              <a:ext uri="{28A0092B-C50C-407E-A947-70E740481C1C}">
+                <a14:useLocalDpi xmlns:a14="http://schemas.microsoft.com/office/drawing/2010/main" val="0"/>
+              </a:ext>
+              <a:ext uri="{96DAC541-7B7A-43D3-8B79-37D633B846F1}">
+                <asvg:svgBlip xmlns:asvg="http://schemas.microsoft.com/office/drawing/2016/SVG/main" r:embed="rId20"/>
+              </a:ext>
+            </a:extLst>
+          </a:blip>
+          <a:stretch>
+            <a:fillRect/>
+          </a:stretch>
+        </p:blipFill>
+        <p:spPr>
+          <a:xfrm flipV="1">
+            <a:off x="437265" y="3149428"/>
+            <a:ext cx="578191" cy="578191"/>
+          </a:xfrm>
+          <a:prstGeom prst="rect">
+            <a:avLst/>
+          </a:prstGeom>
+        </p:spPr>
+      </p:pic>
+      <p:pic>
+        <p:nvPicPr>
+          <p:cNvPr id="20" name="Graphic 19" descr="Computer">
+            <a:hlinkClick r:id="rId21" action="ppaction://hlinksldjump"/>
+            <a:extLst>
+              <a:ext uri="{FF2B5EF4-FFF2-40B4-BE49-F238E27FC236}">
+                <a16:creationId xmlns:a16="http://schemas.microsoft.com/office/drawing/2014/main" id="{E4F4C65A-89DA-4982-9A59-AD1713751218}"/>
+              </a:ext>
+            </a:extLst>
+          </p:cNvPr>
+          <p:cNvPicPr>
+            <a:picLocks noChangeAspect="1"/>
+          </p:cNvPicPr>
+          <p:nvPr/>
+        </p:nvPicPr>
+        <p:blipFill>
+          <a:blip r:embed="rId22">
+            <a:extLst>
+              <a:ext uri="{28A0092B-C50C-407E-A947-70E740481C1C}">
+                <a14:useLocalDpi xmlns:a14="http://schemas.microsoft.com/office/drawing/2010/main" val="0"/>
+              </a:ext>
+              <a:ext uri="{96DAC541-7B7A-43D3-8B79-37D633B846F1}">
+                <asvg:svgBlip xmlns:asvg="http://schemas.microsoft.com/office/drawing/2016/SVG/main" r:embed="rId23"/>
+              </a:ext>
+            </a:extLst>
+          </a:blip>
+          <a:stretch>
+            <a:fillRect/>
+          </a:stretch>
+        </p:blipFill>
+        <p:spPr>
+          <a:xfrm>
+            <a:off x="437263" y="4432700"/>
+            <a:ext cx="578191" cy="578191"/>
+          </a:xfrm>
+          <a:prstGeom prst="rect">
+            <a:avLst/>
+          </a:prstGeom>
+        </p:spPr>
+      </p:pic>
+      <p:pic>
+        <p:nvPicPr>
+          <p:cNvPr id="21" name="Graphic 20" descr="Web design">
+            <a:hlinkClick r:id="rId24" action="ppaction://hlinksldjump"/>
+            <a:extLst>
+              <a:ext uri="{FF2B5EF4-FFF2-40B4-BE49-F238E27FC236}">
+                <a16:creationId xmlns:a16="http://schemas.microsoft.com/office/drawing/2014/main" id="{01BAAD71-96DE-4E38-9F58-068AC272A24B}"/>
+              </a:ext>
+            </a:extLst>
+          </p:cNvPr>
+          <p:cNvPicPr>
+            <a:picLocks noChangeAspect="1"/>
+          </p:cNvPicPr>
+          <p:nvPr/>
+        </p:nvPicPr>
+        <p:blipFill>
+          <a:blip r:embed="rId25">
+            <a:extLst>
+              <a:ext uri="{28A0092B-C50C-407E-A947-70E740481C1C}">
+                <a14:useLocalDpi xmlns:a14="http://schemas.microsoft.com/office/drawing/2010/main" val="0"/>
+              </a:ext>
+              <a:ext uri="{96DAC541-7B7A-43D3-8B79-37D633B846F1}">
+                <asvg:svgBlip xmlns:asvg="http://schemas.microsoft.com/office/drawing/2016/SVG/main" r:embed="rId26"/>
+              </a:ext>
+            </a:extLst>
+          </a:blip>
+          <a:stretch>
+            <a:fillRect/>
+          </a:stretch>
+        </p:blipFill>
+        <p:spPr>
+          <a:xfrm>
+            <a:off x="437268" y="5715972"/>
+            <a:ext cx="578191" cy="578191"/>
+          </a:xfrm>
+          <a:prstGeom prst="rect">
+            <a:avLst/>
+          </a:prstGeom>
+        </p:spPr>
+      </p:pic>
+      <p:sp>
+        <p:nvSpPr>
           <p:cNvPr id="2" name="Rectangle 1">
             <a:extLst>
               <a:ext uri="{FF2B5EF4-FFF2-40B4-BE49-F238E27FC236}">
@@ -21605,7 +25440,7 @@
 </p:sld>
 </file>
 
-<file path=ppt/slides/slide23.xml><?xml version="1.0" encoding="utf-8"?>
+<file path=ppt/slides/slide26.xml><?xml version="1.0" encoding="utf-8"?>
 <p:sld xmlns:a="http://schemas.openxmlformats.org/drawingml/2006/main" xmlns:r="http://schemas.openxmlformats.org/officeDocument/2006/relationships" xmlns:p="http://schemas.openxmlformats.org/presentationml/2006/main">
   <p:cSld>
     <p:bg>
